--- a/Final_Project_Presentation_GroupC.pptx
+++ b/Final_Project_Presentation_GroupC.pptx
@@ -11,36 +11,38 @@
     <p:sldMasterId id="2147483777" r:id="rId7"/>
   </p:sldMasterIdLst>
   <p:notesMasterIdLst>
-    <p:notesMasterId r:id="rId32"/>
+    <p:notesMasterId r:id="rId34"/>
   </p:notesMasterIdLst>
   <p:handoutMasterIdLst>
-    <p:handoutMasterId r:id="rId33"/>
+    <p:handoutMasterId r:id="rId35"/>
   </p:handoutMasterIdLst>
   <p:sldIdLst>
     <p:sldId id="257" r:id="rId8"/>
-    <p:sldId id="373" r:id="rId9"/>
-    <p:sldId id="374" r:id="rId10"/>
-    <p:sldId id="352" r:id="rId11"/>
-    <p:sldId id="353" r:id="rId12"/>
-    <p:sldId id="375" r:id="rId13"/>
-    <p:sldId id="354" r:id="rId14"/>
-    <p:sldId id="356" r:id="rId15"/>
-    <p:sldId id="357" r:id="rId16"/>
-    <p:sldId id="376" r:id="rId17"/>
-    <p:sldId id="359" r:id="rId18"/>
-    <p:sldId id="360" r:id="rId19"/>
-    <p:sldId id="361" r:id="rId20"/>
-    <p:sldId id="377" r:id="rId21"/>
-    <p:sldId id="363" r:id="rId22"/>
-    <p:sldId id="365" r:id="rId23"/>
-    <p:sldId id="379" r:id="rId24"/>
-    <p:sldId id="368" r:id="rId25"/>
-    <p:sldId id="366" r:id="rId26"/>
-    <p:sldId id="378" r:id="rId27"/>
-    <p:sldId id="370" r:id="rId28"/>
-    <p:sldId id="371" r:id="rId29"/>
-    <p:sldId id="372" r:id="rId30"/>
-    <p:sldId id="380" r:id="rId31"/>
+    <p:sldId id="381" r:id="rId9"/>
+    <p:sldId id="382" r:id="rId10"/>
+    <p:sldId id="373" r:id="rId11"/>
+    <p:sldId id="374" r:id="rId12"/>
+    <p:sldId id="352" r:id="rId13"/>
+    <p:sldId id="353" r:id="rId14"/>
+    <p:sldId id="375" r:id="rId15"/>
+    <p:sldId id="354" r:id="rId16"/>
+    <p:sldId id="356" r:id="rId17"/>
+    <p:sldId id="357" r:id="rId18"/>
+    <p:sldId id="376" r:id="rId19"/>
+    <p:sldId id="359" r:id="rId20"/>
+    <p:sldId id="360" r:id="rId21"/>
+    <p:sldId id="361" r:id="rId22"/>
+    <p:sldId id="377" r:id="rId23"/>
+    <p:sldId id="363" r:id="rId24"/>
+    <p:sldId id="365" r:id="rId25"/>
+    <p:sldId id="379" r:id="rId26"/>
+    <p:sldId id="368" r:id="rId27"/>
+    <p:sldId id="366" r:id="rId28"/>
+    <p:sldId id="378" r:id="rId29"/>
+    <p:sldId id="370" r:id="rId30"/>
+    <p:sldId id="371" r:id="rId31"/>
+    <p:sldId id="372" r:id="rId32"/>
+    <p:sldId id="380" r:id="rId33"/>
   </p:sldIdLst>
   <p:sldSz cx="9144000" cy="5143500" type="screen16x9"/>
   <p:notesSz cx="6858000" cy="9144000"/>
@@ -160,6 +162,1290 @@
 
 <file path=ppt/changesInfos/changesInfo1.xml><?xml version="1.0" encoding="utf-8"?>
 <pc:chgInfo xmlns:a="http://schemas.openxmlformats.org/drawingml/2006/main" xmlns:r="http://schemas.openxmlformats.org/officeDocument/2006/relationships" xmlns:ac="http://schemas.microsoft.com/office/drawing/2013/main/command" xmlns:pc="http://schemas.microsoft.com/office/powerpoint/2013/main/command">
+  <pc:docChgLst>
+    <pc:chgData name="Uhr, Vinzenz Nathan (STUDENTS)" userId="f4f67b1a-e021-4569-b4a5-fe6b7216375a" providerId="ADAL" clId="{1B412370-03EF-43FC-8E5A-92C57D904F98}"/>
+    <pc:docChg chg="undo redo custSel addSld delSld modSld sldOrd">
+      <pc:chgData name="Uhr, Vinzenz Nathan (STUDENTS)" userId="f4f67b1a-e021-4569-b4a5-fe6b7216375a" providerId="ADAL" clId="{1B412370-03EF-43FC-8E5A-92C57D904F98}" dt="2023-12-17T16:18:49.283" v="4164" actId="20577"/>
+      <pc:docMkLst>
+        <pc:docMk/>
+      </pc:docMkLst>
+      <pc:sldChg chg="modSp mod">
+        <pc:chgData name="Uhr, Vinzenz Nathan (STUDENTS)" userId="f4f67b1a-e021-4569-b4a5-fe6b7216375a" providerId="ADAL" clId="{1B412370-03EF-43FC-8E5A-92C57D904F98}" dt="2023-12-17T11:52:25.828" v="8" actId="20577"/>
+        <pc:sldMkLst>
+          <pc:docMk/>
+          <pc:sldMk cId="1995630194" sldId="257"/>
+        </pc:sldMkLst>
+        <pc:spChg chg="mod">
+          <ac:chgData name="Uhr, Vinzenz Nathan (STUDENTS)" userId="f4f67b1a-e021-4569-b4a5-fe6b7216375a" providerId="ADAL" clId="{1B412370-03EF-43FC-8E5A-92C57D904F98}" dt="2023-12-17T11:52:25.828" v="8" actId="20577"/>
+          <ac:spMkLst>
+            <pc:docMk/>
+            <pc:sldMk cId="1995630194" sldId="257"/>
+            <ac:spMk id="2" creationId="{00000000-0000-0000-0000-000000000000}"/>
+          </ac:spMkLst>
+        </pc:spChg>
+        <pc:spChg chg="mod">
+          <ac:chgData name="Uhr, Vinzenz Nathan (STUDENTS)" userId="f4f67b1a-e021-4569-b4a5-fe6b7216375a" providerId="ADAL" clId="{1B412370-03EF-43FC-8E5A-92C57D904F98}" dt="2023-12-17T11:52:20.322" v="3" actId="20577"/>
+          <ac:spMkLst>
+            <pc:docMk/>
+            <pc:sldMk cId="1995630194" sldId="257"/>
+            <ac:spMk id="4" creationId="{00000000-0000-0000-0000-000000000000}"/>
+          </ac:spMkLst>
+        </pc:spChg>
+      </pc:sldChg>
+      <pc:sldChg chg="delSp modSp del mod modNotesTx">
+        <pc:chgData name="Uhr, Vinzenz Nathan (STUDENTS)" userId="f4f67b1a-e021-4569-b4a5-fe6b7216375a" providerId="ADAL" clId="{1B412370-03EF-43FC-8E5A-92C57D904F98}" dt="2023-12-17T11:54:34.757" v="31" actId="47"/>
+        <pc:sldMkLst>
+          <pc:docMk/>
+          <pc:sldMk cId="1969766" sldId="348"/>
+        </pc:sldMkLst>
+        <pc:spChg chg="mod">
+          <ac:chgData name="Uhr, Vinzenz Nathan (STUDENTS)" userId="f4f67b1a-e021-4569-b4a5-fe6b7216375a" providerId="ADAL" clId="{1B412370-03EF-43FC-8E5A-92C57D904F98}" dt="2023-12-17T11:54:00.859" v="25" actId="6549"/>
+          <ac:spMkLst>
+            <pc:docMk/>
+            <pc:sldMk cId="1969766" sldId="348"/>
+            <ac:spMk id="5" creationId="{69996356-855D-BEA7-9042-E31DBB1F84C4}"/>
+          </ac:spMkLst>
+        </pc:spChg>
+        <pc:spChg chg="mod">
+          <ac:chgData name="Uhr, Vinzenz Nathan (STUDENTS)" userId="f4f67b1a-e021-4569-b4a5-fe6b7216375a" providerId="ADAL" clId="{1B412370-03EF-43FC-8E5A-92C57D904F98}" dt="2023-12-17T11:53:55.022" v="23" actId="20577"/>
+          <ac:spMkLst>
+            <pc:docMk/>
+            <pc:sldMk cId="1969766" sldId="348"/>
+            <ac:spMk id="6" creationId="{78FFCA5B-4105-6527-22ED-1C63D41F0290}"/>
+          </ac:spMkLst>
+        </pc:spChg>
+        <pc:picChg chg="del">
+          <ac:chgData name="Uhr, Vinzenz Nathan (STUDENTS)" userId="f4f67b1a-e021-4569-b4a5-fe6b7216375a" providerId="ADAL" clId="{1B412370-03EF-43FC-8E5A-92C57D904F98}" dt="2023-12-17T11:54:10.850" v="28" actId="478"/>
+          <ac:picMkLst>
+            <pc:docMk/>
+            <pc:sldMk cId="1969766" sldId="348"/>
+            <ac:picMk id="9" creationId="{5D5784DE-EDE6-70AB-6676-FA74367895CF}"/>
+          </ac:picMkLst>
+        </pc:picChg>
+        <pc:picChg chg="del">
+          <ac:chgData name="Uhr, Vinzenz Nathan (STUDENTS)" userId="f4f67b1a-e021-4569-b4a5-fe6b7216375a" providerId="ADAL" clId="{1B412370-03EF-43FC-8E5A-92C57D904F98}" dt="2023-12-17T11:54:10.430" v="27" actId="478"/>
+          <ac:picMkLst>
+            <pc:docMk/>
+            <pc:sldMk cId="1969766" sldId="348"/>
+            <ac:picMk id="11" creationId="{09A48636-771F-3D7E-C459-4FD5F5E8311C}"/>
+          </ac:picMkLst>
+        </pc:picChg>
+        <pc:picChg chg="del mod">
+          <ac:chgData name="Uhr, Vinzenz Nathan (STUDENTS)" userId="f4f67b1a-e021-4569-b4a5-fe6b7216375a" providerId="ADAL" clId="{1B412370-03EF-43FC-8E5A-92C57D904F98}" dt="2023-12-17T11:54:10.116" v="26" actId="478"/>
+          <ac:picMkLst>
+            <pc:docMk/>
+            <pc:sldMk cId="1969766" sldId="348"/>
+            <ac:picMk id="13" creationId="{B25A389E-844E-1559-9287-17260B682570}"/>
+          </ac:picMkLst>
+        </pc:picChg>
+      </pc:sldChg>
+      <pc:sldChg chg="del">
+        <pc:chgData name="Uhr, Vinzenz Nathan (STUDENTS)" userId="f4f67b1a-e021-4569-b4a5-fe6b7216375a" providerId="ADAL" clId="{1B412370-03EF-43FC-8E5A-92C57D904F98}" dt="2023-12-17T11:52:58.083" v="9" actId="47"/>
+        <pc:sldMkLst>
+          <pc:docMk/>
+          <pc:sldMk cId="388255730" sldId="349"/>
+        </pc:sldMkLst>
+      </pc:sldChg>
+      <pc:sldChg chg="del">
+        <pc:chgData name="Uhr, Vinzenz Nathan (STUDENTS)" userId="f4f67b1a-e021-4569-b4a5-fe6b7216375a" providerId="ADAL" clId="{1B412370-03EF-43FC-8E5A-92C57D904F98}" dt="2023-12-17T11:52:58.083" v="9" actId="47"/>
+        <pc:sldMkLst>
+          <pc:docMk/>
+          <pc:sldMk cId="3710458073" sldId="350"/>
+        </pc:sldMkLst>
+      </pc:sldChg>
+      <pc:sldChg chg="addSp delSp modSp del mod modNotesTx">
+        <pc:chgData name="Uhr, Vinzenz Nathan (STUDENTS)" userId="f4f67b1a-e021-4569-b4a5-fe6b7216375a" providerId="ADAL" clId="{1B412370-03EF-43FC-8E5A-92C57D904F98}" dt="2023-12-17T14:38:59.060" v="3505" actId="47"/>
+        <pc:sldMkLst>
+          <pc:docMk/>
+          <pc:sldMk cId="4252364833" sldId="351"/>
+        </pc:sldMkLst>
+        <pc:spChg chg="del">
+          <ac:chgData name="Uhr, Vinzenz Nathan (STUDENTS)" userId="f4f67b1a-e021-4569-b4a5-fe6b7216375a" providerId="ADAL" clId="{1B412370-03EF-43FC-8E5A-92C57D904F98}" dt="2023-12-17T14:35:30.011" v="3396"/>
+          <ac:spMkLst>
+            <pc:docMk/>
+            <pc:sldMk cId="4252364833" sldId="351"/>
+            <ac:spMk id="2" creationId="{347559E5-88A9-7114-3CF2-22840C9512E3}"/>
+          </ac:spMkLst>
+        </pc:spChg>
+        <pc:spChg chg="mod">
+          <ac:chgData name="Uhr, Vinzenz Nathan (STUDENTS)" userId="f4f67b1a-e021-4569-b4a5-fe6b7216375a" providerId="ADAL" clId="{1B412370-03EF-43FC-8E5A-92C57D904F98}" dt="2023-12-17T12:03:57.297" v="763" actId="5793"/>
+          <ac:spMkLst>
+            <pc:docMk/>
+            <pc:sldMk cId="4252364833" sldId="351"/>
+            <ac:spMk id="4" creationId="{695F92CF-A460-955B-BE6A-033972C8D7EF}"/>
+          </ac:spMkLst>
+        </pc:spChg>
+        <pc:spChg chg="add del mod">
+          <ac:chgData name="Uhr, Vinzenz Nathan (STUDENTS)" userId="f4f67b1a-e021-4569-b4a5-fe6b7216375a" providerId="ADAL" clId="{1B412370-03EF-43FC-8E5A-92C57D904F98}" dt="2023-12-17T14:35:55.548" v="3401" actId="478"/>
+          <ac:spMkLst>
+            <pc:docMk/>
+            <pc:sldMk cId="4252364833" sldId="351"/>
+            <ac:spMk id="5" creationId="{B9C93610-B499-2BEE-D2F7-5F85F53536F4}"/>
+          </ac:spMkLst>
+        </pc:spChg>
+        <pc:picChg chg="add del mod">
+          <ac:chgData name="Uhr, Vinzenz Nathan (STUDENTS)" userId="f4f67b1a-e021-4569-b4a5-fe6b7216375a" providerId="ADAL" clId="{1B412370-03EF-43FC-8E5A-92C57D904F98}" dt="2023-12-17T14:35:44.657" v="3397" actId="478"/>
+          <ac:picMkLst>
+            <pc:docMk/>
+            <pc:sldMk cId="4252364833" sldId="351"/>
+            <ac:picMk id="2050" creationId="{B7E61CB0-2116-8C89-7FCB-333412C4EACE}"/>
+          </ac:picMkLst>
+        </pc:picChg>
+        <pc:picChg chg="add mod">
+          <ac:chgData name="Uhr, Vinzenz Nathan (STUDENTS)" userId="f4f67b1a-e021-4569-b4a5-fe6b7216375a" providerId="ADAL" clId="{1B412370-03EF-43FC-8E5A-92C57D904F98}" dt="2023-12-17T14:36:01.814" v="3402" actId="1076"/>
+          <ac:picMkLst>
+            <pc:docMk/>
+            <pc:sldMk cId="4252364833" sldId="351"/>
+            <ac:picMk id="2052" creationId="{B343C87C-7CED-13E7-579C-00CC4523B21A}"/>
+          </ac:picMkLst>
+        </pc:picChg>
+      </pc:sldChg>
+      <pc:sldChg chg="modSp new mod">
+        <pc:chgData name="Uhr, Vinzenz Nathan (STUDENTS)" userId="f4f67b1a-e021-4569-b4a5-fe6b7216375a" providerId="ADAL" clId="{1B412370-03EF-43FC-8E5A-92C57D904F98}" dt="2023-12-17T14:27:51.087" v="3393" actId="20577"/>
+        <pc:sldMkLst>
+          <pc:docMk/>
+          <pc:sldMk cId="1956286703" sldId="352"/>
+        </pc:sldMkLst>
+        <pc:spChg chg="mod">
+          <ac:chgData name="Uhr, Vinzenz Nathan (STUDENTS)" userId="f4f67b1a-e021-4569-b4a5-fe6b7216375a" providerId="ADAL" clId="{1B412370-03EF-43FC-8E5A-92C57D904F98}" dt="2023-12-17T11:59:56.451" v="496" actId="20577"/>
+          <ac:spMkLst>
+            <pc:docMk/>
+            <pc:sldMk cId="1956286703" sldId="352"/>
+            <ac:spMk id="3" creationId="{B446FCBC-55A4-EF90-93EB-E2FB4D54B8AC}"/>
+          </ac:spMkLst>
+        </pc:spChg>
+        <pc:spChg chg="mod">
+          <ac:chgData name="Uhr, Vinzenz Nathan (STUDENTS)" userId="f4f67b1a-e021-4569-b4a5-fe6b7216375a" providerId="ADAL" clId="{1B412370-03EF-43FC-8E5A-92C57D904F98}" dt="2023-12-17T11:58:29.140" v="340" actId="6549"/>
+          <ac:spMkLst>
+            <pc:docMk/>
+            <pc:sldMk cId="1956286703" sldId="352"/>
+            <ac:spMk id="4" creationId="{07CCB809-4A35-AAA7-F903-AA60D27FBE35}"/>
+          </ac:spMkLst>
+        </pc:spChg>
+        <pc:spChg chg="mod">
+          <ac:chgData name="Uhr, Vinzenz Nathan (STUDENTS)" userId="f4f67b1a-e021-4569-b4a5-fe6b7216375a" providerId="ADAL" clId="{1B412370-03EF-43FC-8E5A-92C57D904F98}" dt="2023-12-17T11:58:47.600" v="379" actId="20577"/>
+          <ac:spMkLst>
+            <pc:docMk/>
+            <pc:sldMk cId="1956286703" sldId="352"/>
+            <ac:spMk id="5" creationId="{0D8F79E0-8004-D080-A1DB-91C9F715B9C1}"/>
+          </ac:spMkLst>
+        </pc:spChg>
+        <pc:spChg chg="mod">
+          <ac:chgData name="Uhr, Vinzenz Nathan (STUDENTS)" userId="f4f67b1a-e021-4569-b4a5-fe6b7216375a" providerId="ADAL" clId="{1B412370-03EF-43FC-8E5A-92C57D904F98}" dt="2023-12-17T14:27:51.087" v="3393" actId="20577"/>
+          <ac:spMkLst>
+            <pc:docMk/>
+            <pc:sldMk cId="1956286703" sldId="352"/>
+            <ac:spMk id="6" creationId="{2061B201-F227-FA31-2254-A7112A8171FC}"/>
+          </ac:spMkLst>
+        </pc:spChg>
+        <pc:spChg chg="mod">
+          <ac:chgData name="Uhr, Vinzenz Nathan (STUDENTS)" userId="f4f67b1a-e021-4569-b4a5-fe6b7216375a" providerId="ADAL" clId="{1B412370-03EF-43FC-8E5A-92C57D904F98}" dt="2023-12-17T11:59:59.341" v="501" actId="20577"/>
+          <ac:spMkLst>
+            <pc:docMk/>
+            <pc:sldMk cId="1956286703" sldId="352"/>
+            <ac:spMk id="8" creationId="{C623C825-F4EC-9A85-5D47-75F36717A849}"/>
+          </ac:spMkLst>
+        </pc:spChg>
+      </pc:sldChg>
+      <pc:sldChg chg="addSp delSp modSp new mod">
+        <pc:chgData name="Uhr, Vinzenz Nathan (STUDENTS)" userId="f4f67b1a-e021-4569-b4a5-fe6b7216375a" providerId="ADAL" clId="{1B412370-03EF-43FC-8E5A-92C57D904F98}" dt="2023-12-17T14:01:03.828" v="2997" actId="14100"/>
+        <pc:sldMkLst>
+          <pc:docMk/>
+          <pc:sldMk cId="2611933887" sldId="353"/>
+        </pc:sldMkLst>
+        <pc:spChg chg="mod">
+          <ac:chgData name="Uhr, Vinzenz Nathan (STUDENTS)" userId="f4f67b1a-e021-4569-b4a5-fe6b7216375a" providerId="ADAL" clId="{1B412370-03EF-43FC-8E5A-92C57D904F98}" dt="2023-12-17T12:00:31.950" v="532" actId="20577"/>
+          <ac:spMkLst>
+            <pc:docMk/>
+            <pc:sldMk cId="2611933887" sldId="353"/>
+            <ac:spMk id="3" creationId="{AAA43714-FFE9-3AB9-3D14-7932E600A39D}"/>
+          </ac:spMkLst>
+        </pc:spChg>
+        <pc:spChg chg="mod">
+          <ac:chgData name="Uhr, Vinzenz Nathan (STUDENTS)" userId="f4f67b1a-e021-4569-b4a5-fe6b7216375a" providerId="ADAL" clId="{1B412370-03EF-43FC-8E5A-92C57D904F98}" dt="2023-12-17T12:02:23.039" v="653" actId="14"/>
+          <ac:spMkLst>
+            <pc:docMk/>
+            <pc:sldMk cId="2611933887" sldId="353"/>
+            <ac:spMk id="4" creationId="{BB4BDC01-B352-0163-C719-5E5E3160B76E}"/>
+          </ac:spMkLst>
+        </pc:spChg>
+        <pc:spChg chg="mod">
+          <ac:chgData name="Uhr, Vinzenz Nathan (STUDENTS)" userId="f4f67b1a-e021-4569-b4a5-fe6b7216375a" providerId="ADAL" clId="{1B412370-03EF-43FC-8E5A-92C57D904F98}" dt="2023-12-17T12:02:39.437" v="670" actId="20577"/>
+          <ac:spMkLst>
+            <pc:docMk/>
+            <pc:sldMk cId="2611933887" sldId="353"/>
+            <ac:spMk id="5" creationId="{608778B1-E88D-726B-0001-998AAC129A41}"/>
+          </ac:spMkLst>
+        </pc:spChg>
+        <pc:spChg chg="mod">
+          <ac:chgData name="Uhr, Vinzenz Nathan (STUDENTS)" userId="f4f67b1a-e021-4569-b4a5-fe6b7216375a" providerId="ADAL" clId="{1B412370-03EF-43FC-8E5A-92C57D904F98}" dt="2023-12-17T12:02:49.975" v="684" actId="207"/>
+          <ac:spMkLst>
+            <pc:docMk/>
+            <pc:sldMk cId="2611933887" sldId="353"/>
+            <ac:spMk id="6" creationId="{76CD0FA7-9CB3-95AB-BFC7-E239CB647AAD}"/>
+          </ac:spMkLst>
+        </pc:spChg>
+        <pc:spChg chg="mod">
+          <ac:chgData name="Uhr, Vinzenz Nathan (STUDENTS)" userId="f4f67b1a-e021-4569-b4a5-fe6b7216375a" providerId="ADAL" clId="{1B412370-03EF-43FC-8E5A-92C57D904F98}" dt="2023-12-17T12:03:11.854" v="728" actId="20577"/>
+          <ac:spMkLst>
+            <pc:docMk/>
+            <pc:sldMk cId="2611933887" sldId="353"/>
+            <ac:spMk id="8" creationId="{F55205C7-6EB0-7324-9AA6-665ADAFBC822}"/>
+          </ac:spMkLst>
+        </pc:spChg>
+        <pc:picChg chg="add del mod">
+          <ac:chgData name="Uhr, Vinzenz Nathan (STUDENTS)" userId="f4f67b1a-e021-4569-b4a5-fe6b7216375a" providerId="ADAL" clId="{1B412370-03EF-43FC-8E5A-92C57D904F98}" dt="2023-12-17T14:00:57.812" v="2993" actId="478"/>
+          <ac:picMkLst>
+            <pc:docMk/>
+            <pc:sldMk cId="2611933887" sldId="353"/>
+            <ac:picMk id="10" creationId="{FE955564-7938-6B72-B54B-9DCB4AA2D3AD}"/>
+          </ac:picMkLst>
+        </pc:picChg>
+        <pc:picChg chg="add mod">
+          <ac:chgData name="Uhr, Vinzenz Nathan (STUDENTS)" userId="f4f67b1a-e021-4569-b4a5-fe6b7216375a" providerId="ADAL" clId="{1B412370-03EF-43FC-8E5A-92C57D904F98}" dt="2023-12-17T14:01:03.828" v="2997" actId="14100"/>
+          <ac:picMkLst>
+            <pc:docMk/>
+            <pc:sldMk cId="2611933887" sldId="353"/>
+            <ac:picMk id="12" creationId="{9CCB82B2-B65E-2207-091C-B999C33625E1}"/>
+          </ac:picMkLst>
+        </pc:picChg>
+      </pc:sldChg>
+      <pc:sldChg chg="del">
+        <pc:chgData name="Uhr, Vinzenz Nathan (STUDENTS)" userId="f4f67b1a-e021-4569-b4a5-fe6b7216375a" providerId="ADAL" clId="{1B412370-03EF-43FC-8E5A-92C57D904F98}" dt="2023-12-17T11:52:58.083" v="9" actId="47"/>
+        <pc:sldMkLst>
+          <pc:docMk/>
+          <pc:sldMk cId="3231376469" sldId="353"/>
+        </pc:sldMkLst>
+      </pc:sldChg>
+      <pc:sldChg chg="addSp delSp modSp new mod">
+        <pc:chgData name="Uhr, Vinzenz Nathan (STUDENTS)" userId="f4f67b1a-e021-4569-b4a5-fe6b7216375a" providerId="ADAL" clId="{1B412370-03EF-43FC-8E5A-92C57D904F98}" dt="2023-12-17T15:53:22.163" v="4079" actId="1076"/>
+        <pc:sldMkLst>
+          <pc:docMk/>
+          <pc:sldMk cId="628214163" sldId="354"/>
+        </pc:sldMkLst>
+        <pc:spChg chg="mod">
+          <ac:chgData name="Uhr, Vinzenz Nathan (STUDENTS)" userId="f4f67b1a-e021-4569-b4a5-fe6b7216375a" providerId="ADAL" clId="{1B412370-03EF-43FC-8E5A-92C57D904F98}" dt="2023-12-17T15:45:44.933" v="3975" actId="20577"/>
+          <ac:spMkLst>
+            <pc:docMk/>
+            <pc:sldMk cId="628214163" sldId="354"/>
+            <ac:spMk id="4" creationId="{B77EA0FA-D38B-CEFB-F9E4-34EEC0690FDD}"/>
+          </ac:spMkLst>
+        </pc:spChg>
+        <pc:spChg chg="del">
+          <ac:chgData name="Uhr, Vinzenz Nathan (STUDENTS)" userId="f4f67b1a-e021-4569-b4a5-fe6b7216375a" providerId="ADAL" clId="{1B412370-03EF-43FC-8E5A-92C57D904F98}" dt="2023-12-17T12:23:53.393" v="831" actId="478"/>
+          <ac:spMkLst>
+            <pc:docMk/>
+            <pc:sldMk cId="628214163" sldId="354"/>
+            <ac:spMk id="6" creationId="{72C85A36-C25A-31A1-2932-C27B29E879CC}"/>
+          </ac:spMkLst>
+        </pc:spChg>
+        <pc:spChg chg="mod">
+          <ac:chgData name="Uhr, Vinzenz Nathan (STUDENTS)" userId="f4f67b1a-e021-4569-b4a5-fe6b7216375a" providerId="ADAL" clId="{1B412370-03EF-43FC-8E5A-92C57D904F98}" dt="2023-12-17T12:28:15.665" v="1081" actId="20577"/>
+          <ac:spMkLst>
+            <pc:docMk/>
+            <pc:sldMk cId="628214163" sldId="354"/>
+            <ac:spMk id="8" creationId="{E2FAFBB1-5071-53D3-80BF-2EC49E4A90B3}"/>
+          </ac:spMkLst>
+        </pc:spChg>
+        <pc:spChg chg="add mod">
+          <ac:chgData name="Uhr, Vinzenz Nathan (STUDENTS)" userId="f4f67b1a-e021-4569-b4a5-fe6b7216375a" providerId="ADAL" clId="{1B412370-03EF-43FC-8E5A-92C57D904F98}" dt="2023-12-17T12:26:49.137" v="928" actId="14100"/>
+          <ac:spMkLst>
+            <pc:docMk/>
+            <pc:sldMk cId="628214163" sldId="354"/>
+            <ac:spMk id="19" creationId="{9742AF07-CDDF-E28B-671B-12A6DB28ED4A}"/>
+          </ac:spMkLst>
+        </pc:spChg>
+        <pc:spChg chg="add mod">
+          <ac:chgData name="Uhr, Vinzenz Nathan (STUDENTS)" userId="f4f67b1a-e021-4569-b4a5-fe6b7216375a" providerId="ADAL" clId="{1B412370-03EF-43FC-8E5A-92C57D904F98}" dt="2023-12-17T12:26:49.137" v="928" actId="14100"/>
+          <ac:spMkLst>
+            <pc:docMk/>
+            <pc:sldMk cId="628214163" sldId="354"/>
+            <ac:spMk id="20" creationId="{74B1CA84-ED04-34FC-7334-F978369ED695}"/>
+          </ac:spMkLst>
+        </pc:spChg>
+        <pc:spChg chg="add mod">
+          <ac:chgData name="Uhr, Vinzenz Nathan (STUDENTS)" userId="f4f67b1a-e021-4569-b4a5-fe6b7216375a" providerId="ADAL" clId="{1B412370-03EF-43FC-8E5A-92C57D904F98}" dt="2023-12-17T15:53:22.163" v="4079" actId="1076"/>
+          <ac:spMkLst>
+            <pc:docMk/>
+            <pc:sldMk cId="628214163" sldId="354"/>
+            <ac:spMk id="21" creationId="{DA23FA7C-7794-A9C2-3687-D5B06EA0B597}"/>
+          </ac:spMkLst>
+        </pc:spChg>
+        <pc:picChg chg="add del mod">
+          <ac:chgData name="Uhr, Vinzenz Nathan (STUDENTS)" userId="f4f67b1a-e021-4569-b4a5-fe6b7216375a" providerId="ADAL" clId="{1B412370-03EF-43FC-8E5A-92C57D904F98}" dt="2023-12-17T12:16:01.076" v="783" actId="478"/>
+          <ac:picMkLst>
+            <pc:docMk/>
+            <pc:sldMk cId="628214163" sldId="354"/>
+            <ac:picMk id="10" creationId="{85A989D5-7A8F-5013-41E0-FFF0FCC167B6}"/>
+          </ac:picMkLst>
+        </pc:picChg>
+        <pc:picChg chg="add del mod">
+          <ac:chgData name="Uhr, Vinzenz Nathan (STUDENTS)" userId="f4f67b1a-e021-4569-b4a5-fe6b7216375a" providerId="ADAL" clId="{1B412370-03EF-43FC-8E5A-92C57D904F98}" dt="2023-12-17T12:20:36.610" v="789" actId="478"/>
+          <ac:picMkLst>
+            <pc:docMk/>
+            <pc:sldMk cId="628214163" sldId="354"/>
+            <ac:picMk id="12" creationId="{92AB65AE-2715-1B60-B9C7-70F6A4DAEA09}"/>
+          </ac:picMkLst>
+        </pc:picChg>
+        <pc:picChg chg="add mod">
+          <ac:chgData name="Uhr, Vinzenz Nathan (STUDENTS)" userId="f4f67b1a-e021-4569-b4a5-fe6b7216375a" providerId="ADAL" clId="{1B412370-03EF-43FC-8E5A-92C57D904F98}" dt="2023-12-17T12:23:44.637" v="827" actId="1076"/>
+          <ac:picMkLst>
+            <pc:docMk/>
+            <pc:sldMk cId="628214163" sldId="354"/>
+            <ac:picMk id="14" creationId="{198FF7B0-3EBA-E2C9-4CC8-21561B17DF30}"/>
+          </ac:picMkLst>
+        </pc:picChg>
+        <pc:picChg chg="add mod">
+          <ac:chgData name="Uhr, Vinzenz Nathan (STUDENTS)" userId="f4f67b1a-e021-4569-b4a5-fe6b7216375a" providerId="ADAL" clId="{1B412370-03EF-43FC-8E5A-92C57D904F98}" dt="2023-12-17T12:23:44.637" v="827" actId="1076"/>
+          <ac:picMkLst>
+            <pc:docMk/>
+            <pc:sldMk cId="628214163" sldId="354"/>
+            <ac:picMk id="16" creationId="{388E9C2D-4FB6-D716-CAD2-E8725314E89E}"/>
+          </ac:picMkLst>
+        </pc:picChg>
+        <pc:picChg chg="add mod">
+          <ac:chgData name="Uhr, Vinzenz Nathan (STUDENTS)" userId="f4f67b1a-e021-4569-b4a5-fe6b7216375a" providerId="ADAL" clId="{1B412370-03EF-43FC-8E5A-92C57D904F98}" dt="2023-12-17T12:23:44.637" v="827" actId="1076"/>
+          <ac:picMkLst>
+            <pc:docMk/>
+            <pc:sldMk cId="628214163" sldId="354"/>
+            <ac:picMk id="18" creationId="{C115FC2F-6682-1C97-AC81-39F31AE0FA06}"/>
+          </ac:picMkLst>
+        </pc:picChg>
+      </pc:sldChg>
+      <pc:sldChg chg="del">
+        <pc:chgData name="Uhr, Vinzenz Nathan (STUDENTS)" userId="f4f67b1a-e021-4569-b4a5-fe6b7216375a" providerId="ADAL" clId="{1B412370-03EF-43FC-8E5A-92C57D904F98}" dt="2023-12-17T11:52:58.083" v="9" actId="47"/>
+        <pc:sldMkLst>
+          <pc:docMk/>
+          <pc:sldMk cId="1455095133" sldId="354"/>
+        </pc:sldMkLst>
+      </pc:sldChg>
+      <pc:sldChg chg="addSp delSp modSp add del mod">
+        <pc:chgData name="Uhr, Vinzenz Nathan (STUDENTS)" userId="f4f67b1a-e021-4569-b4a5-fe6b7216375a" providerId="ADAL" clId="{1B412370-03EF-43FC-8E5A-92C57D904F98}" dt="2023-12-17T14:39:36.215" v="3524" actId="47"/>
+        <pc:sldMkLst>
+          <pc:docMk/>
+          <pc:sldMk cId="1315352206" sldId="355"/>
+        </pc:sldMkLst>
+        <pc:spChg chg="del">
+          <ac:chgData name="Uhr, Vinzenz Nathan (STUDENTS)" userId="f4f67b1a-e021-4569-b4a5-fe6b7216375a" providerId="ADAL" clId="{1B412370-03EF-43FC-8E5A-92C57D904F98}" dt="2023-12-17T14:24:07.764" v="3222"/>
+          <ac:spMkLst>
+            <pc:docMk/>
+            <pc:sldMk cId="1315352206" sldId="355"/>
+            <ac:spMk id="2" creationId="{347559E5-88A9-7114-3CF2-22840C9512E3}"/>
+          </ac:spMkLst>
+        </pc:spChg>
+        <pc:spChg chg="mod">
+          <ac:chgData name="Uhr, Vinzenz Nathan (STUDENTS)" userId="f4f67b1a-e021-4569-b4a5-fe6b7216375a" providerId="ADAL" clId="{1B412370-03EF-43FC-8E5A-92C57D904F98}" dt="2023-12-17T14:38:49.452" v="3502" actId="21"/>
+          <ac:spMkLst>
+            <pc:docMk/>
+            <pc:sldMk cId="1315352206" sldId="355"/>
+            <ac:spMk id="4" creationId="{695F92CF-A460-955B-BE6A-033972C8D7EF}"/>
+          </ac:spMkLst>
+        </pc:spChg>
+        <pc:picChg chg="add mod">
+          <ac:chgData name="Uhr, Vinzenz Nathan (STUDENTS)" userId="f4f67b1a-e021-4569-b4a5-fe6b7216375a" providerId="ADAL" clId="{1B412370-03EF-43FC-8E5A-92C57D904F98}" dt="2023-12-17T14:24:07.764" v="3222"/>
+          <ac:picMkLst>
+            <pc:docMk/>
+            <pc:sldMk cId="1315352206" sldId="355"/>
+            <ac:picMk id="1026" creationId="{5C4C4BD0-8330-1CA3-8CE3-4539AD46E88B}"/>
+          </ac:picMkLst>
+        </pc:picChg>
+      </pc:sldChg>
+      <pc:sldChg chg="del">
+        <pc:chgData name="Uhr, Vinzenz Nathan (STUDENTS)" userId="f4f67b1a-e021-4569-b4a5-fe6b7216375a" providerId="ADAL" clId="{1B412370-03EF-43FC-8E5A-92C57D904F98}" dt="2023-12-17T11:52:58.083" v="9" actId="47"/>
+        <pc:sldMkLst>
+          <pc:docMk/>
+          <pc:sldMk cId="3317007330" sldId="355"/>
+        </pc:sldMkLst>
+      </pc:sldChg>
+      <pc:sldChg chg="addSp delSp modSp new mod">
+        <pc:chgData name="Uhr, Vinzenz Nathan (STUDENTS)" userId="f4f67b1a-e021-4569-b4a5-fe6b7216375a" providerId="ADAL" clId="{1B412370-03EF-43FC-8E5A-92C57D904F98}" dt="2023-12-17T12:35:18.671" v="1215" actId="20577"/>
+        <pc:sldMkLst>
+          <pc:docMk/>
+          <pc:sldMk cId="2913720038" sldId="356"/>
+        </pc:sldMkLst>
+        <pc:spChg chg="del">
+          <ac:chgData name="Uhr, Vinzenz Nathan (STUDENTS)" userId="f4f67b1a-e021-4569-b4a5-fe6b7216375a" providerId="ADAL" clId="{1B412370-03EF-43FC-8E5A-92C57D904F98}" dt="2023-12-17T12:31:18.653" v="1117" actId="478"/>
+          <ac:spMkLst>
+            <pc:docMk/>
+            <pc:sldMk cId="2913720038" sldId="356"/>
+            <ac:spMk id="2" creationId="{D2B9EF91-61D0-937F-DAB3-5D8069FE04AB}"/>
+          </ac:spMkLst>
+        </pc:spChg>
+        <pc:spChg chg="mod">
+          <ac:chgData name="Uhr, Vinzenz Nathan (STUDENTS)" userId="f4f67b1a-e021-4569-b4a5-fe6b7216375a" providerId="ADAL" clId="{1B412370-03EF-43FC-8E5A-92C57D904F98}" dt="2023-12-17T12:35:18.671" v="1215" actId="20577"/>
+          <ac:spMkLst>
+            <pc:docMk/>
+            <pc:sldMk cId="2913720038" sldId="356"/>
+            <ac:spMk id="3" creationId="{0FC4AA5D-AF07-3CCC-1100-F64FEA1D23E1}"/>
+          </ac:spMkLst>
+        </pc:spChg>
+        <pc:spChg chg="mod">
+          <ac:chgData name="Uhr, Vinzenz Nathan (STUDENTS)" userId="f4f67b1a-e021-4569-b4a5-fe6b7216375a" providerId="ADAL" clId="{1B412370-03EF-43FC-8E5A-92C57D904F98}" dt="2023-12-17T12:35:14.750" v="1205" actId="20577"/>
+          <ac:spMkLst>
+            <pc:docMk/>
+            <pc:sldMk cId="2913720038" sldId="356"/>
+            <ac:spMk id="4" creationId="{E4F0FE54-49B0-ADC7-DB62-13FF5FC8AD7C}"/>
+          </ac:spMkLst>
+        </pc:spChg>
+        <pc:spChg chg="mod">
+          <ac:chgData name="Uhr, Vinzenz Nathan (STUDENTS)" userId="f4f67b1a-e021-4569-b4a5-fe6b7216375a" providerId="ADAL" clId="{1B412370-03EF-43FC-8E5A-92C57D904F98}" dt="2023-12-17T12:31:16.068" v="1116" actId="6549"/>
+          <ac:spMkLst>
+            <pc:docMk/>
+            <pc:sldMk cId="2913720038" sldId="356"/>
+            <ac:spMk id="8" creationId="{B9ABCD4A-4209-A284-54AA-4462F776EA8F}"/>
+          </ac:spMkLst>
+        </pc:spChg>
+        <pc:picChg chg="add del mod">
+          <ac:chgData name="Uhr, Vinzenz Nathan (STUDENTS)" userId="f4f67b1a-e021-4569-b4a5-fe6b7216375a" providerId="ADAL" clId="{1B412370-03EF-43FC-8E5A-92C57D904F98}" dt="2023-12-17T12:31:05.680" v="1103" actId="478"/>
+          <ac:picMkLst>
+            <pc:docMk/>
+            <pc:sldMk cId="2913720038" sldId="356"/>
+            <ac:picMk id="10" creationId="{31C47FB7-28BF-96C2-9905-45EDC7C9AF29}"/>
+          </ac:picMkLst>
+        </pc:picChg>
+        <pc:picChg chg="add mod">
+          <ac:chgData name="Uhr, Vinzenz Nathan (STUDENTS)" userId="f4f67b1a-e021-4569-b4a5-fe6b7216375a" providerId="ADAL" clId="{1B412370-03EF-43FC-8E5A-92C57D904F98}" dt="2023-12-17T12:31:10.465" v="1105" actId="1076"/>
+          <ac:picMkLst>
+            <pc:docMk/>
+            <pc:sldMk cId="2913720038" sldId="356"/>
+            <ac:picMk id="12" creationId="{288FE0C6-0BA6-3FD6-161D-EE514D7A8196}"/>
+          </ac:picMkLst>
+        </pc:picChg>
+      </pc:sldChg>
+      <pc:sldChg chg="del">
+        <pc:chgData name="Uhr, Vinzenz Nathan (STUDENTS)" userId="f4f67b1a-e021-4569-b4a5-fe6b7216375a" providerId="ADAL" clId="{1B412370-03EF-43FC-8E5A-92C57D904F98}" dt="2023-12-17T11:52:58.083" v="9" actId="47"/>
+        <pc:sldMkLst>
+          <pc:docMk/>
+          <pc:sldMk cId="3738490548" sldId="356"/>
+        </pc:sldMkLst>
+      </pc:sldChg>
+      <pc:sldChg chg="addSp modSp new mod">
+        <pc:chgData name="Uhr, Vinzenz Nathan (STUDENTS)" userId="f4f67b1a-e021-4569-b4a5-fe6b7216375a" providerId="ADAL" clId="{1B412370-03EF-43FC-8E5A-92C57D904F98}" dt="2023-12-17T12:45:24.832" v="1238" actId="1076"/>
+        <pc:sldMkLst>
+          <pc:docMk/>
+          <pc:sldMk cId="730108432" sldId="357"/>
+        </pc:sldMkLst>
+        <pc:spChg chg="mod">
+          <ac:chgData name="Uhr, Vinzenz Nathan (STUDENTS)" userId="f4f67b1a-e021-4569-b4a5-fe6b7216375a" providerId="ADAL" clId="{1B412370-03EF-43FC-8E5A-92C57D904F98}" dt="2023-12-17T12:35:24.397" v="1230" actId="20577"/>
+          <ac:spMkLst>
+            <pc:docMk/>
+            <pc:sldMk cId="730108432" sldId="357"/>
+            <ac:spMk id="8" creationId="{E0191781-6B39-DBBD-96A5-DE25D4E29EA6}"/>
+          </ac:spMkLst>
+        </pc:spChg>
+        <pc:picChg chg="add mod modCrop">
+          <ac:chgData name="Uhr, Vinzenz Nathan (STUDENTS)" userId="f4f67b1a-e021-4569-b4a5-fe6b7216375a" providerId="ADAL" clId="{1B412370-03EF-43FC-8E5A-92C57D904F98}" dt="2023-12-17T12:45:24.832" v="1238" actId="1076"/>
+          <ac:picMkLst>
+            <pc:docMk/>
+            <pc:sldMk cId="730108432" sldId="357"/>
+            <ac:picMk id="10" creationId="{4774E92F-9A7D-7355-058D-F2A54D4AEA93}"/>
+          </ac:picMkLst>
+        </pc:picChg>
+      </pc:sldChg>
+      <pc:sldChg chg="modSp add del mod">
+        <pc:chgData name="Uhr, Vinzenz Nathan (STUDENTS)" userId="f4f67b1a-e021-4569-b4a5-fe6b7216375a" providerId="ADAL" clId="{1B412370-03EF-43FC-8E5A-92C57D904F98}" dt="2023-12-17T14:39:50.348" v="3529" actId="47"/>
+        <pc:sldMkLst>
+          <pc:docMk/>
+          <pc:sldMk cId="3254685814" sldId="358"/>
+        </pc:sldMkLst>
+        <pc:spChg chg="mod">
+          <ac:chgData name="Uhr, Vinzenz Nathan (STUDENTS)" userId="f4f67b1a-e021-4569-b4a5-fe6b7216375a" providerId="ADAL" clId="{1B412370-03EF-43FC-8E5A-92C57D904F98}" dt="2023-12-17T12:45:52.483" v="1253" actId="20577"/>
+          <ac:spMkLst>
+            <pc:docMk/>
+            <pc:sldMk cId="3254685814" sldId="358"/>
+            <ac:spMk id="4" creationId="{695F92CF-A460-955B-BE6A-033972C8D7EF}"/>
+          </ac:spMkLst>
+        </pc:spChg>
+      </pc:sldChg>
+      <pc:sldChg chg="del">
+        <pc:chgData name="Uhr, Vinzenz Nathan (STUDENTS)" userId="f4f67b1a-e021-4569-b4a5-fe6b7216375a" providerId="ADAL" clId="{1B412370-03EF-43FC-8E5A-92C57D904F98}" dt="2023-12-17T11:52:58.083" v="9" actId="47"/>
+        <pc:sldMkLst>
+          <pc:docMk/>
+          <pc:sldMk cId="3585707066" sldId="358"/>
+        </pc:sldMkLst>
+      </pc:sldChg>
+      <pc:sldChg chg="modSp add mod">
+        <pc:chgData name="Uhr, Vinzenz Nathan (STUDENTS)" userId="f4f67b1a-e021-4569-b4a5-fe6b7216375a" providerId="ADAL" clId="{1B412370-03EF-43FC-8E5A-92C57D904F98}" dt="2023-12-17T12:49:07.581" v="1500" actId="20577"/>
+        <pc:sldMkLst>
+          <pc:docMk/>
+          <pc:sldMk cId="1817230700" sldId="359"/>
+        </pc:sldMkLst>
+        <pc:spChg chg="mod">
+          <ac:chgData name="Uhr, Vinzenz Nathan (STUDENTS)" userId="f4f67b1a-e021-4569-b4a5-fe6b7216375a" providerId="ADAL" clId="{1B412370-03EF-43FC-8E5A-92C57D904F98}" dt="2023-12-17T12:46:40.507" v="1309" actId="20577"/>
+          <ac:spMkLst>
+            <pc:docMk/>
+            <pc:sldMk cId="1817230700" sldId="359"/>
+            <ac:spMk id="3" creationId="{B446FCBC-55A4-EF90-93EB-E2FB4D54B8AC}"/>
+          </ac:spMkLst>
+        </pc:spChg>
+        <pc:spChg chg="mod">
+          <ac:chgData name="Uhr, Vinzenz Nathan (STUDENTS)" userId="f4f67b1a-e021-4569-b4a5-fe6b7216375a" providerId="ADAL" clId="{1B412370-03EF-43FC-8E5A-92C57D904F98}" dt="2023-12-17T12:48:25.091" v="1492" actId="20577"/>
+          <ac:spMkLst>
+            <pc:docMk/>
+            <pc:sldMk cId="1817230700" sldId="359"/>
+            <ac:spMk id="4" creationId="{07CCB809-4A35-AAA7-F903-AA60D27FBE35}"/>
+          </ac:spMkLst>
+        </pc:spChg>
+        <pc:spChg chg="mod">
+          <ac:chgData name="Uhr, Vinzenz Nathan (STUDENTS)" userId="f4f67b1a-e021-4569-b4a5-fe6b7216375a" providerId="ADAL" clId="{1B412370-03EF-43FC-8E5A-92C57D904F98}" dt="2023-12-17T12:48:35.045" v="1494" actId="20577"/>
+          <ac:spMkLst>
+            <pc:docMk/>
+            <pc:sldMk cId="1817230700" sldId="359"/>
+            <ac:spMk id="5" creationId="{0D8F79E0-8004-D080-A1DB-91C9F715B9C1}"/>
+          </ac:spMkLst>
+        </pc:spChg>
+        <pc:spChg chg="mod">
+          <ac:chgData name="Uhr, Vinzenz Nathan (STUDENTS)" userId="f4f67b1a-e021-4569-b4a5-fe6b7216375a" providerId="ADAL" clId="{1B412370-03EF-43FC-8E5A-92C57D904F98}" dt="2023-12-17T12:48:33.946" v="1493" actId="20577"/>
+          <ac:spMkLst>
+            <pc:docMk/>
+            <pc:sldMk cId="1817230700" sldId="359"/>
+            <ac:spMk id="6" creationId="{2061B201-F227-FA31-2254-A7112A8171FC}"/>
+          </ac:spMkLst>
+        </pc:spChg>
+        <pc:spChg chg="mod">
+          <ac:chgData name="Uhr, Vinzenz Nathan (STUDENTS)" userId="f4f67b1a-e021-4569-b4a5-fe6b7216375a" providerId="ADAL" clId="{1B412370-03EF-43FC-8E5A-92C57D904F98}" dt="2023-12-17T12:49:07.581" v="1500" actId="20577"/>
+          <ac:spMkLst>
+            <pc:docMk/>
+            <pc:sldMk cId="1817230700" sldId="359"/>
+            <ac:spMk id="8" creationId="{C623C825-F4EC-9A85-5D47-75F36717A849}"/>
+          </ac:spMkLst>
+        </pc:spChg>
+      </pc:sldChg>
+      <pc:sldChg chg="addSp delSp modSp new mod">
+        <pc:chgData name="Uhr, Vinzenz Nathan (STUDENTS)" userId="f4f67b1a-e021-4569-b4a5-fe6b7216375a" providerId="ADAL" clId="{1B412370-03EF-43FC-8E5A-92C57D904F98}" dt="2023-12-17T12:57:27.949" v="1842" actId="207"/>
+        <pc:sldMkLst>
+          <pc:docMk/>
+          <pc:sldMk cId="4131531160" sldId="360"/>
+        </pc:sldMkLst>
+        <pc:spChg chg="mod">
+          <ac:chgData name="Uhr, Vinzenz Nathan (STUDENTS)" userId="f4f67b1a-e021-4569-b4a5-fe6b7216375a" providerId="ADAL" clId="{1B412370-03EF-43FC-8E5A-92C57D904F98}" dt="2023-12-17T12:53:01.663" v="1523" actId="5793"/>
+          <ac:spMkLst>
+            <pc:docMk/>
+            <pc:sldMk cId="4131531160" sldId="360"/>
+            <ac:spMk id="3" creationId="{65C54322-3AFB-6B90-7991-F5DCF32419DC}"/>
+          </ac:spMkLst>
+        </pc:spChg>
+        <pc:spChg chg="mod">
+          <ac:chgData name="Uhr, Vinzenz Nathan (STUDENTS)" userId="f4f67b1a-e021-4569-b4a5-fe6b7216375a" providerId="ADAL" clId="{1B412370-03EF-43FC-8E5A-92C57D904F98}" dt="2023-12-17T12:54:56.799" v="1706" actId="20577"/>
+          <ac:spMkLst>
+            <pc:docMk/>
+            <pc:sldMk cId="4131531160" sldId="360"/>
+            <ac:spMk id="4" creationId="{72D67A95-CBDB-2F4F-4B63-419F5AD03318}"/>
+          </ac:spMkLst>
+        </pc:spChg>
+        <pc:spChg chg="mod">
+          <ac:chgData name="Uhr, Vinzenz Nathan (STUDENTS)" userId="f4f67b1a-e021-4569-b4a5-fe6b7216375a" providerId="ADAL" clId="{1B412370-03EF-43FC-8E5A-92C57D904F98}" dt="2023-12-17T12:57:27.949" v="1842" actId="207"/>
+          <ac:spMkLst>
+            <pc:docMk/>
+            <pc:sldMk cId="4131531160" sldId="360"/>
+            <ac:spMk id="6" creationId="{C2378552-6982-B224-57A9-A5FE26C7ECB1}"/>
+          </ac:spMkLst>
+        </pc:spChg>
+        <pc:spChg chg="mod">
+          <ac:chgData name="Uhr, Vinzenz Nathan (STUDENTS)" userId="f4f67b1a-e021-4569-b4a5-fe6b7216375a" providerId="ADAL" clId="{1B412370-03EF-43FC-8E5A-92C57D904F98}" dt="2023-12-17T12:55:29.546" v="1739" actId="20577"/>
+          <ac:spMkLst>
+            <pc:docMk/>
+            <pc:sldMk cId="4131531160" sldId="360"/>
+            <ac:spMk id="8" creationId="{47E7FE34-E313-80E1-3542-E7E7C9E83C35}"/>
+          </ac:spMkLst>
+        </pc:spChg>
+        <pc:picChg chg="add del mod">
+          <ac:chgData name="Uhr, Vinzenz Nathan (STUDENTS)" userId="f4f67b1a-e021-4569-b4a5-fe6b7216375a" providerId="ADAL" clId="{1B412370-03EF-43FC-8E5A-92C57D904F98}" dt="2023-12-17T12:56:11.038" v="1773" actId="478"/>
+          <ac:picMkLst>
+            <pc:docMk/>
+            <pc:sldMk cId="4131531160" sldId="360"/>
+            <ac:picMk id="10" creationId="{C88DD0CD-4DFA-07DF-BFA3-67C54997BEFF}"/>
+          </ac:picMkLst>
+        </pc:picChg>
+        <pc:picChg chg="add mod">
+          <ac:chgData name="Uhr, Vinzenz Nathan (STUDENTS)" userId="f4f67b1a-e021-4569-b4a5-fe6b7216375a" providerId="ADAL" clId="{1B412370-03EF-43FC-8E5A-92C57D904F98}" dt="2023-12-17T12:57:07.544" v="1838" actId="1076"/>
+          <ac:picMkLst>
+            <pc:docMk/>
+            <pc:sldMk cId="4131531160" sldId="360"/>
+            <ac:picMk id="12" creationId="{0BEB866B-6D46-2FEE-2ABF-86E5621D8507}"/>
+          </ac:picMkLst>
+        </pc:picChg>
+      </pc:sldChg>
+      <pc:sldChg chg="modSp new mod">
+        <pc:chgData name="Uhr, Vinzenz Nathan (STUDENTS)" userId="f4f67b1a-e021-4569-b4a5-fe6b7216375a" providerId="ADAL" clId="{1B412370-03EF-43FC-8E5A-92C57D904F98}" dt="2023-12-17T13:01:14.321" v="2183" actId="20577"/>
+        <pc:sldMkLst>
+          <pc:docMk/>
+          <pc:sldMk cId="3708444663" sldId="361"/>
+        </pc:sldMkLst>
+        <pc:spChg chg="mod">
+          <ac:chgData name="Uhr, Vinzenz Nathan (STUDENTS)" userId="f4f67b1a-e021-4569-b4a5-fe6b7216375a" providerId="ADAL" clId="{1B412370-03EF-43FC-8E5A-92C57D904F98}" dt="2023-12-17T13:01:14.321" v="2183" actId="20577"/>
+          <ac:spMkLst>
+            <pc:docMk/>
+            <pc:sldMk cId="3708444663" sldId="361"/>
+            <ac:spMk id="4" creationId="{BEED3CE5-AF25-B789-B484-FC394F32703B}"/>
+          </ac:spMkLst>
+        </pc:spChg>
+        <pc:spChg chg="mod">
+          <ac:chgData name="Uhr, Vinzenz Nathan (STUDENTS)" userId="f4f67b1a-e021-4569-b4a5-fe6b7216375a" providerId="ADAL" clId="{1B412370-03EF-43FC-8E5A-92C57D904F98}" dt="2023-12-17T12:55:08.079" v="1717" actId="20577"/>
+          <ac:spMkLst>
+            <pc:docMk/>
+            <pc:sldMk cId="3708444663" sldId="361"/>
+            <ac:spMk id="8" creationId="{72B5AB08-A1FA-78E3-3960-A99497296E7D}"/>
+          </ac:spMkLst>
+        </pc:spChg>
+      </pc:sldChg>
+      <pc:sldChg chg="modSp add del mod">
+        <pc:chgData name="Uhr, Vinzenz Nathan (STUDENTS)" userId="f4f67b1a-e021-4569-b4a5-fe6b7216375a" providerId="ADAL" clId="{1B412370-03EF-43FC-8E5A-92C57D904F98}" dt="2023-12-17T14:40:07.893" v="3534" actId="47"/>
+        <pc:sldMkLst>
+          <pc:docMk/>
+          <pc:sldMk cId="29540087" sldId="362"/>
+        </pc:sldMkLst>
+        <pc:spChg chg="mod">
+          <ac:chgData name="Uhr, Vinzenz Nathan (STUDENTS)" userId="f4f67b1a-e021-4569-b4a5-fe6b7216375a" providerId="ADAL" clId="{1B412370-03EF-43FC-8E5A-92C57D904F98}" dt="2023-12-17T13:02:48.503" v="2199" actId="20577"/>
+          <ac:spMkLst>
+            <pc:docMk/>
+            <pc:sldMk cId="29540087" sldId="362"/>
+            <ac:spMk id="4" creationId="{695F92CF-A460-955B-BE6A-033972C8D7EF}"/>
+          </ac:spMkLst>
+        </pc:spChg>
+      </pc:sldChg>
+      <pc:sldChg chg="modSp new del mod">
+        <pc:chgData name="Uhr, Vinzenz Nathan (STUDENTS)" userId="f4f67b1a-e021-4569-b4a5-fe6b7216375a" providerId="ADAL" clId="{1B412370-03EF-43FC-8E5A-92C57D904F98}" dt="2023-12-17T12:57:43.718" v="1843" actId="47"/>
+        <pc:sldMkLst>
+          <pc:docMk/>
+          <pc:sldMk cId="1968228176" sldId="362"/>
+        </pc:sldMkLst>
+        <pc:spChg chg="mod">
+          <ac:chgData name="Uhr, Vinzenz Nathan (STUDENTS)" userId="f4f67b1a-e021-4569-b4a5-fe6b7216375a" providerId="ADAL" clId="{1B412370-03EF-43FC-8E5A-92C57D904F98}" dt="2023-12-17T12:55:38.746" v="1772" actId="20577"/>
+          <ac:spMkLst>
+            <pc:docMk/>
+            <pc:sldMk cId="1968228176" sldId="362"/>
+            <ac:spMk id="8" creationId="{17A14700-178B-F27B-1D19-44483E04A7DF}"/>
+          </ac:spMkLst>
+        </pc:spChg>
+      </pc:sldChg>
+      <pc:sldChg chg="addSp delSp modSp add mod">
+        <pc:chgData name="Uhr, Vinzenz Nathan (STUDENTS)" userId="f4f67b1a-e021-4569-b4a5-fe6b7216375a" providerId="ADAL" clId="{1B412370-03EF-43FC-8E5A-92C57D904F98}" dt="2023-12-17T15:45:12.230" v="3910" actId="207"/>
+        <pc:sldMkLst>
+          <pc:docMk/>
+          <pc:sldMk cId="1408582473" sldId="363"/>
+        </pc:sldMkLst>
+        <pc:spChg chg="mod">
+          <ac:chgData name="Uhr, Vinzenz Nathan (STUDENTS)" userId="f4f67b1a-e021-4569-b4a5-fe6b7216375a" providerId="ADAL" clId="{1B412370-03EF-43FC-8E5A-92C57D904F98}" dt="2023-12-17T15:42:30.077" v="3818" actId="20577"/>
+          <ac:spMkLst>
+            <pc:docMk/>
+            <pc:sldMk cId="1408582473" sldId="363"/>
+            <ac:spMk id="3" creationId="{B446FCBC-55A4-EF90-93EB-E2FB4D54B8AC}"/>
+          </ac:spMkLst>
+        </pc:spChg>
+        <pc:spChg chg="mod">
+          <ac:chgData name="Uhr, Vinzenz Nathan (STUDENTS)" userId="f4f67b1a-e021-4569-b4a5-fe6b7216375a" providerId="ADAL" clId="{1B412370-03EF-43FC-8E5A-92C57D904F98}" dt="2023-12-17T15:45:12.230" v="3910" actId="207"/>
+          <ac:spMkLst>
+            <pc:docMk/>
+            <pc:sldMk cId="1408582473" sldId="363"/>
+            <ac:spMk id="4" creationId="{07CCB809-4A35-AAA7-F903-AA60D27FBE35}"/>
+          </ac:spMkLst>
+        </pc:spChg>
+        <pc:spChg chg="mod">
+          <ac:chgData name="Uhr, Vinzenz Nathan (STUDENTS)" userId="f4f67b1a-e021-4569-b4a5-fe6b7216375a" providerId="ADAL" clId="{1B412370-03EF-43FC-8E5A-92C57D904F98}" dt="2023-12-17T14:41:07.807" v="3553" actId="13926"/>
+          <ac:spMkLst>
+            <pc:docMk/>
+            <pc:sldMk cId="1408582473" sldId="363"/>
+            <ac:spMk id="6" creationId="{2061B201-F227-FA31-2254-A7112A8171FC}"/>
+          </ac:spMkLst>
+        </pc:spChg>
+        <pc:spChg chg="mod">
+          <ac:chgData name="Uhr, Vinzenz Nathan (STUDENTS)" userId="f4f67b1a-e021-4569-b4a5-fe6b7216375a" providerId="ADAL" clId="{1B412370-03EF-43FC-8E5A-92C57D904F98}" dt="2023-12-17T13:17:48.061" v="2232" actId="20577"/>
+          <ac:spMkLst>
+            <pc:docMk/>
+            <pc:sldMk cId="1408582473" sldId="363"/>
+            <ac:spMk id="8" creationId="{C623C825-F4EC-9A85-5D47-75F36717A849}"/>
+          </ac:spMkLst>
+        </pc:spChg>
+        <pc:spChg chg="add mod">
+          <ac:chgData name="Uhr, Vinzenz Nathan (STUDENTS)" userId="f4f67b1a-e021-4569-b4a5-fe6b7216375a" providerId="ADAL" clId="{1B412370-03EF-43FC-8E5A-92C57D904F98}" dt="2023-12-17T15:44:46.919" v="3909" actId="1036"/>
+          <ac:spMkLst>
+            <pc:docMk/>
+            <pc:sldMk cId="1408582473" sldId="363"/>
+            <ac:spMk id="9" creationId="{5C1AC722-2F37-81F9-F766-EBC7EB33788B}"/>
+          </ac:spMkLst>
+        </pc:spChg>
+        <pc:picChg chg="add mod">
+          <ac:chgData name="Uhr, Vinzenz Nathan (STUDENTS)" userId="f4f67b1a-e021-4569-b4a5-fe6b7216375a" providerId="ADAL" clId="{1B412370-03EF-43FC-8E5A-92C57D904F98}" dt="2023-12-17T15:44:46.919" v="3909" actId="1036"/>
+          <ac:picMkLst>
+            <pc:docMk/>
+            <pc:sldMk cId="1408582473" sldId="363"/>
+            <ac:picMk id="11" creationId="{E43C456C-BE83-38EC-C63D-E191A20E45A0}"/>
+          </ac:picMkLst>
+        </pc:picChg>
+        <pc:picChg chg="add del mod">
+          <ac:chgData name="Uhr, Vinzenz Nathan (STUDENTS)" userId="f4f67b1a-e021-4569-b4a5-fe6b7216375a" providerId="ADAL" clId="{1B412370-03EF-43FC-8E5A-92C57D904F98}" dt="2023-12-17T15:40:23.916" v="3704" actId="478"/>
+          <ac:picMkLst>
+            <pc:docMk/>
+            <pc:sldMk cId="1408582473" sldId="363"/>
+            <ac:picMk id="12" creationId="{EF3D3CB8-87A9-33B1-A46B-A9F250377520}"/>
+          </ac:picMkLst>
+        </pc:picChg>
+      </pc:sldChg>
+      <pc:sldChg chg="addSp modSp new del mod">
+        <pc:chgData name="Uhr, Vinzenz Nathan (STUDENTS)" userId="f4f67b1a-e021-4569-b4a5-fe6b7216375a" providerId="ADAL" clId="{1B412370-03EF-43FC-8E5A-92C57D904F98}" dt="2023-12-17T13:46:56.731" v="2358" actId="47"/>
+        <pc:sldMkLst>
+          <pc:docMk/>
+          <pc:sldMk cId="3186789533" sldId="364"/>
+        </pc:sldMkLst>
+        <pc:spChg chg="mod">
+          <ac:chgData name="Uhr, Vinzenz Nathan (STUDENTS)" userId="f4f67b1a-e021-4569-b4a5-fe6b7216375a" providerId="ADAL" clId="{1B412370-03EF-43FC-8E5A-92C57D904F98}" dt="2023-12-17T13:19:27.954" v="2266" actId="20577"/>
+          <ac:spMkLst>
+            <pc:docMk/>
+            <pc:sldMk cId="3186789533" sldId="364"/>
+            <ac:spMk id="8" creationId="{AC7701F3-38ED-D65E-6070-B7BC3C6F687F}"/>
+          </ac:spMkLst>
+        </pc:spChg>
+        <pc:picChg chg="add mod">
+          <ac:chgData name="Uhr, Vinzenz Nathan (STUDENTS)" userId="f4f67b1a-e021-4569-b4a5-fe6b7216375a" providerId="ADAL" clId="{1B412370-03EF-43FC-8E5A-92C57D904F98}" dt="2023-12-17T13:21:52.894" v="2270" actId="14100"/>
+          <ac:picMkLst>
+            <pc:docMk/>
+            <pc:sldMk cId="3186789533" sldId="364"/>
+            <ac:picMk id="10" creationId="{A45D931B-BD2F-B062-AE02-0A144FC53503}"/>
+          </ac:picMkLst>
+        </pc:picChg>
+      </pc:sldChg>
+      <pc:sldChg chg="addSp delSp modSp add mod">
+        <pc:chgData name="Uhr, Vinzenz Nathan (STUDENTS)" userId="f4f67b1a-e021-4569-b4a5-fe6b7216375a" providerId="ADAL" clId="{1B412370-03EF-43FC-8E5A-92C57D904F98}" dt="2023-12-17T15:50:47.402" v="4024" actId="20577"/>
+        <pc:sldMkLst>
+          <pc:docMk/>
+          <pc:sldMk cId="2702227377" sldId="365"/>
+        </pc:sldMkLst>
+        <pc:spChg chg="mod">
+          <ac:chgData name="Uhr, Vinzenz Nathan (STUDENTS)" userId="f4f67b1a-e021-4569-b4a5-fe6b7216375a" providerId="ADAL" clId="{1B412370-03EF-43FC-8E5A-92C57D904F98}" dt="2023-12-17T15:37:54.325" v="3679" actId="13926"/>
+          <ac:spMkLst>
+            <pc:docMk/>
+            <pc:sldMk cId="2702227377" sldId="365"/>
+            <ac:spMk id="3" creationId="{65C54322-3AFB-6B90-7991-F5DCF32419DC}"/>
+          </ac:spMkLst>
+        </pc:spChg>
+        <pc:spChg chg="mod">
+          <ac:chgData name="Uhr, Vinzenz Nathan (STUDENTS)" userId="f4f67b1a-e021-4569-b4a5-fe6b7216375a" providerId="ADAL" clId="{1B412370-03EF-43FC-8E5A-92C57D904F98}" dt="2023-12-17T15:50:47.402" v="4024" actId="20577"/>
+          <ac:spMkLst>
+            <pc:docMk/>
+            <pc:sldMk cId="2702227377" sldId="365"/>
+            <ac:spMk id="4" creationId="{72D67A95-CBDB-2F4F-4B63-419F5AD03318}"/>
+          </ac:spMkLst>
+        </pc:spChg>
+        <pc:spChg chg="add del mod ord">
+          <ac:chgData name="Uhr, Vinzenz Nathan (STUDENTS)" userId="f4f67b1a-e021-4569-b4a5-fe6b7216375a" providerId="ADAL" clId="{1B412370-03EF-43FC-8E5A-92C57D904F98}" dt="2023-12-17T15:50:11.432" v="4012" actId="167"/>
+          <ac:spMkLst>
+            <pc:docMk/>
+            <pc:sldMk cId="2702227377" sldId="365"/>
+            <ac:spMk id="6" creationId="{C2378552-6982-B224-57A9-A5FE26C7ECB1}"/>
+          </ac:spMkLst>
+        </pc:spChg>
+        <pc:spChg chg="mod">
+          <ac:chgData name="Uhr, Vinzenz Nathan (STUDENTS)" userId="f4f67b1a-e021-4569-b4a5-fe6b7216375a" providerId="ADAL" clId="{1B412370-03EF-43FC-8E5A-92C57D904F98}" dt="2023-12-17T13:22:04.556" v="2272"/>
+          <ac:spMkLst>
+            <pc:docMk/>
+            <pc:sldMk cId="2702227377" sldId="365"/>
+            <ac:spMk id="8" creationId="{47E7FE34-E313-80E1-3542-E7E7C9E83C35}"/>
+          </ac:spMkLst>
+        </pc:spChg>
+        <pc:spChg chg="add del mod">
+          <ac:chgData name="Uhr, Vinzenz Nathan (STUDENTS)" userId="f4f67b1a-e021-4569-b4a5-fe6b7216375a" providerId="ADAL" clId="{1B412370-03EF-43FC-8E5A-92C57D904F98}" dt="2023-12-17T13:22:31.640" v="2281" actId="478"/>
+          <ac:spMkLst>
+            <pc:docMk/>
+            <pc:sldMk cId="2702227377" sldId="365"/>
+            <ac:spMk id="11" creationId="{384593E6-A676-E636-6B6D-41282F9A0B1F}"/>
+          </ac:spMkLst>
+        </pc:spChg>
+        <pc:picChg chg="add del mod ord">
+          <ac:chgData name="Uhr, Vinzenz Nathan (STUDENTS)" userId="f4f67b1a-e021-4569-b4a5-fe6b7216375a" providerId="ADAL" clId="{1B412370-03EF-43FC-8E5A-92C57D904F98}" dt="2023-12-17T13:46:52.300" v="2357" actId="478"/>
+          <ac:picMkLst>
+            <pc:docMk/>
+            <pc:sldMk cId="2702227377" sldId="365"/>
+            <ac:picMk id="9" creationId="{1EC5430D-6DC1-DEC1-C51F-14FCB805142D}"/>
+          </ac:picMkLst>
+        </pc:picChg>
+        <pc:picChg chg="del">
+          <ac:chgData name="Uhr, Vinzenz Nathan (STUDENTS)" userId="f4f67b1a-e021-4569-b4a5-fe6b7216375a" providerId="ADAL" clId="{1B412370-03EF-43FC-8E5A-92C57D904F98}" dt="2023-12-17T13:22:22.259" v="2279" actId="478"/>
+          <ac:picMkLst>
+            <pc:docMk/>
+            <pc:sldMk cId="2702227377" sldId="365"/>
+            <ac:picMk id="12" creationId="{0BEB866B-6D46-2FEE-2ABF-86E5621D8507}"/>
+          </ac:picMkLst>
+        </pc:picChg>
+        <pc:picChg chg="add del mod">
+          <ac:chgData name="Uhr, Vinzenz Nathan (STUDENTS)" userId="f4f67b1a-e021-4569-b4a5-fe6b7216375a" providerId="ADAL" clId="{1B412370-03EF-43FC-8E5A-92C57D904F98}" dt="2023-12-17T15:50:07.903" v="4011" actId="478"/>
+          <ac:picMkLst>
+            <pc:docMk/>
+            <pc:sldMk cId="2702227377" sldId="365"/>
+            <ac:picMk id="14" creationId="{6A148630-B2D7-DD78-DAE0-46D58B433933}"/>
+          </ac:picMkLst>
+        </pc:picChg>
+        <pc:picChg chg="add del mod">
+          <ac:chgData name="Uhr, Vinzenz Nathan (STUDENTS)" userId="f4f67b1a-e021-4569-b4a5-fe6b7216375a" providerId="ADAL" clId="{1B412370-03EF-43FC-8E5A-92C57D904F98}" dt="2023-12-17T15:35:24.749" v="3564" actId="478"/>
+          <ac:picMkLst>
+            <pc:docMk/>
+            <pc:sldMk cId="2702227377" sldId="365"/>
+            <ac:picMk id="15" creationId="{AE570718-05B2-9A03-0E1B-4B66AFC5C7C8}"/>
+          </ac:picMkLst>
+        </pc:picChg>
+        <pc:picChg chg="add mod ord">
+          <ac:chgData name="Uhr, Vinzenz Nathan (STUDENTS)" userId="f4f67b1a-e021-4569-b4a5-fe6b7216375a" providerId="ADAL" clId="{1B412370-03EF-43FC-8E5A-92C57D904F98}" dt="2023-12-17T15:50:14.187" v="4013" actId="166"/>
+          <ac:picMkLst>
+            <pc:docMk/>
+            <pc:sldMk cId="2702227377" sldId="365"/>
+            <ac:picMk id="17" creationId="{2A630AFF-7CF1-C8CF-BAE0-ADE035A50284}"/>
+          </ac:picMkLst>
+        </pc:picChg>
+      </pc:sldChg>
+      <pc:sldChg chg="addSp delSp modSp new mod">
+        <pc:chgData name="Uhr, Vinzenz Nathan (STUDENTS)" userId="f4f67b1a-e021-4569-b4a5-fe6b7216375a" providerId="ADAL" clId="{1B412370-03EF-43FC-8E5A-92C57D904F98}" dt="2023-12-17T13:48:27.956" v="2393" actId="478"/>
+        <pc:sldMkLst>
+          <pc:docMk/>
+          <pc:sldMk cId="2412273423" sldId="366"/>
+        </pc:sldMkLst>
+        <pc:spChg chg="del">
+          <ac:chgData name="Uhr, Vinzenz Nathan (STUDENTS)" userId="f4f67b1a-e021-4569-b4a5-fe6b7216375a" providerId="ADAL" clId="{1B412370-03EF-43FC-8E5A-92C57D904F98}" dt="2023-12-17T13:48:27.956" v="2393" actId="478"/>
+          <ac:spMkLst>
+            <pc:docMk/>
+            <pc:sldMk cId="2412273423" sldId="366"/>
+            <ac:spMk id="2" creationId="{1A44AD57-923D-98B6-0710-BE55FB8DDC77}"/>
+          </ac:spMkLst>
+        </pc:spChg>
+        <pc:spChg chg="mod">
+          <ac:chgData name="Uhr, Vinzenz Nathan (STUDENTS)" userId="f4f67b1a-e021-4569-b4a5-fe6b7216375a" providerId="ADAL" clId="{1B412370-03EF-43FC-8E5A-92C57D904F98}" dt="2023-12-17T13:48:24.947" v="2392" actId="20577"/>
+          <ac:spMkLst>
+            <pc:docMk/>
+            <pc:sldMk cId="2412273423" sldId="366"/>
+            <ac:spMk id="8" creationId="{3780F98F-B245-3FF5-69BD-C5D7D2D1BBE9}"/>
+          </ac:spMkLst>
+        </pc:spChg>
+        <pc:picChg chg="add mod">
+          <ac:chgData name="Uhr, Vinzenz Nathan (STUDENTS)" userId="f4f67b1a-e021-4569-b4a5-fe6b7216375a" providerId="ADAL" clId="{1B412370-03EF-43FC-8E5A-92C57D904F98}" dt="2023-12-17T13:48:20.868" v="2375" actId="1076"/>
+          <ac:picMkLst>
+            <pc:docMk/>
+            <pc:sldMk cId="2412273423" sldId="366"/>
+            <ac:picMk id="10" creationId="{989CB69D-D768-53EB-44C7-6EEA5C5282C5}"/>
+          </ac:picMkLst>
+        </pc:picChg>
+      </pc:sldChg>
+      <pc:sldChg chg="modSp add del mod">
+        <pc:chgData name="Uhr, Vinzenz Nathan (STUDENTS)" userId="f4f67b1a-e021-4569-b4a5-fe6b7216375a" providerId="ADAL" clId="{1B412370-03EF-43FC-8E5A-92C57D904F98}" dt="2023-12-17T14:40:38.276" v="3547" actId="47"/>
+        <pc:sldMkLst>
+          <pc:docMk/>
+          <pc:sldMk cId="1116412714" sldId="367"/>
+        </pc:sldMkLst>
+        <pc:spChg chg="mod">
+          <ac:chgData name="Uhr, Vinzenz Nathan (STUDENTS)" userId="f4f67b1a-e021-4569-b4a5-fe6b7216375a" providerId="ADAL" clId="{1B412370-03EF-43FC-8E5A-92C57D904F98}" dt="2023-12-17T13:47:37.804" v="2373" actId="20577"/>
+          <ac:spMkLst>
+            <pc:docMk/>
+            <pc:sldMk cId="1116412714" sldId="367"/>
+            <ac:spMk id="4" creationId="{695F92CF-A460-955B-BE6A-033972C8D7EF}"/>
+          </ac:spMkLst>
+        </pc:spChg>
+      </pc:sldChg>
+      <pc:sldChg chg="new del">
+        <pc:chgData name="Uhr, Vinzenz Nathan (STUDENTS)" userId="f4f67b1a-e021-4569-b4a5-fe6b7216375a" providerId="ADAL" clId="{1B412370-03EF-43FC-8E5A-92C57D904F98}" dt="2023-12-17T13:48:34.493" v="2395" actId="47"/>
+        <pc:sldMkLst>
+          <pc:docMk/>
+          <pc:sldMk cId="3115408663" sldId="368"/>
+        </pc:sldMkLst>
+      </pc:sldChg>
+      <pc:sldChg chg="addSp delSp modSp add mod">
+        <pc:chgData name="Uhr, Vinzenz Nathan (STUDENTS)" userId="f4f67b1a-e021-4569-b4a5-fe6b7216375a" providerId="ADAL" clId="{1B412370-03EF-43FC-8E5A-92C57D904F98}" dt="2023-12-17T16:17:40.486" v="4133" actId="1076"/>
+        <pc:sldMkLst>
+          <pc:docMk/>
+          <pc:sldMk cId="3469000355" sldId="368"/>
+        </pc:sldMkLst>
+        <pc:spChg chg="mod">
+          <ac:chgData name="Uhr, Vinzenz Nathan (STUDENTS)" userId="f4f67b1a-e021-4569-b4a5-fe6b7216375a" providerId="ADAL" clId="{1B412370-03EF-43FC-8E5A-92C57D904F98}" dt="2023-12-17T16:16:26.836" v="4126" actId="13926"/>
+          <ac:spMkLst>
+            <pc:docMk/>
+            <pc:sldMk cId="3469000355" sldId="368"/>
+            <ac:spMk id="4" creationId="{72D67A95-CBDB-2F4F-4B63-419F5AD03318}"/>
+          </ac:spMkLst>
+        </pc:spChg>
+        <pc:spChg chg="mod">
+          <ac:chgData name="Uhr, Vinzenz Nathan (STUDENTS)" userId="f4f67b1a-e021-4569-b4a5-fe6b7216375a" providerId="ADAL" clId="{1B412370-03EF-43FC-8E5A-92C57D904F98}" dt="2023-12-17T16:17:35.961" v="4132" actId="20577"/>
+          <ac:spMkLst>
+            <pc:docMk/>
+            <pc:sldMk cId="3469000355" sldId="368"/>
+            <ac:spMk id="6" creationId="{C2378552-6982-B224-57A9-A5FE26C7ECB1}"/>
+          </ac:spMkLst>
+        </pc:spChg>
+        <pc:spChg chg="mod">
+          <ac:chgData name="Uhr, Vinzenz Nathan (STUDENTS)" userId="f4f67b1a-e021-4569-b4a5-fe6b7216375a" providerId="ADAL" clId="{1B412370-03EF-43FC-8E5A-92C57D904F98}" dt="2023-12-17T14:41:21.921" v="3556" actId="20577"/>
+          <ac:spMkLst>
+            <pc:docMk/>
+            <pc:sldMk cId="3469000355" sldId="368"/>
+            <ac:spMk id="8" creationId="{47E7FE34-E313-80E1-3542-E7E7C9E83C35}"/>
+          </ac:spMkLst>
+        </pc:spChg>
+        <pc:picChg chg="add mod">
+          <ac:chgData name="Uhr, Vinzenz Nathan (STUDENTS)" userId="f4f67b1a-e021-4569-b4a5-fe6b7216375a" providerId="ADAL" clId="{1B412370-03EF-43FC-8E5A-92C57D904F98}" dt="2023-12-17T16:17:40.486" v="4133" actId="1076"/>
+          <ac:picMkLst>
+            <pc:docMk/>
+            <pc:sldMk cId="3469000355" sldId="368"/>
+            <ac:picMk id="10" creationId="{ABE87ED6-25B2-37CB-FAC0-E4A9C12A21FA}"/>
+          </ac:picMkLst>
+        </pc:picChg>
+        <pc:picChg chg="del">
+          <ac:chgData name="Uhr, Vinzenz Nathan (STUDENTS)" userId="f4f67b1a-e021-4569-b4a5-fe6b7216375a" providerId="ADAL" clId="{1B412370-03EF-43FC-8E5A-92C57D904F98}" dt="2023-12-17T16:17:33.634" v="4131" actId="478"/>
+          <ac:picMkLst>
+            <pc:docMk/>
+            <pc:sldMk cId="3469000355" sldId="368"/>
+            <ac:picMk id="12" creationId="{0BEB866B-6D46-2FEE-2ABF-86E5621D8507}"/>
+          </ac:picMkLst>
+        </pc:picChg>
+      </pc:sldChg>
+      <pc:sldChg chg="modSp add del mod">
+        <pc:chgData name="Uhr, Vinzenz Nathan (STUDENTS)" userId="f4f67b1a-e021-4569-b4a5-fe6b7216375a" providerId="ADAL" clId="{1B412370-03EF-43FC-8E5A-92C57D904F98}" dt="2023-12-17T14:40:13.503" v="3536" actId="47"/>
+        <pc:sldMkLst>
+          <pc:docMk/>
+          <pc:sldMk cId="420999742" sldId="369"/>
+        </pc:sldMkLst>
+        <pc:spChg chg="mod">
+          <ac:chgData name="Uhr, Vinzenz Nathan (STUDENTS)" userId="f4f67b1a-e021-4569-b4a5-fe6b7216375a" providerId="ADAL" clId="{1B412370-03EF-43FC-8E5A-92C57D904F98}" dt="2023-12-17T13:51:51.421" v="2642" actId="20577"/>
+          <ac:spMkLst>
+            <pc:docMk/>
+            <pc:sldMk cId="420999742" sldId="369"/>
+            <ac:spMk id="4" creationId="{695F92CF-A460-955B-BE6A-033972C8D7EF}"/>
+          </ac:spMkLst>
+        </pc:spChg>
+      </pc:sldChg>
+      <pc:sldChg chg="delSp modSp add mod">
+        <pc:chgData name="Uhr, Vinzenz Nathan (STUDENTS)" userId="f4f67b1a-e021-4569-b4a5-fe6b7216375a" providerId="ADAL" clId="{1B412370-03EF-43FC-8E5A-92C57D904F98}" dt="2023-12-17T16:18:27.951" v="4135" actId="13926"/>
+        <pc:sldMkLst>
+          <pc:docMk/>
+          <pc:sldMk cId="113158588" sldId="370"/>
+        </pc:sldMkLst>
+        <pc:spChg chg="mod">
+          <ac:chgData name="Uhr, Vinzenz Nathan (STUDENTS)" userId="f4f67b1a-e021-4569-b4a5-fe6b7216375a" providerId="ADAL" clId="{1B412370-03EF-43FC-8E5A-92C57D904F98}" dt="2023-12-17T13:51:00.336" v="2534" actId="20577"/>
+          <ac:spMkLst>
+            <pc:docMk/>
+            <pc:sldMk cId="113158588" sldId="370"/>
+            <ac:spMk id="3" creationId="{65C54322-3AFB-6B90-7991-F5DCF32419DC}"/>
+          </ac:spMkLst>
+        </pc:spChg>
+        <pc:spChg chg="mod">
+          <ac:chgData name="Uhr, Vinzenz Nathan (STUDENTS)" userId="f4f67b1a-e021-4569-b4a5-fe6b7216375a" providerId="ADAL" clId="{1B412370-03EF-43FC-8E5A-92C57D904F98}" dt="2023-12-17T16:18:27.951" v="4135" actId="13926"/>
+          <ac:spMkLst>
+            <pc:docMk/>
+            <pc:sldMk cId="113158588" sldId="370"/>
+            <ac:spMk id="4" creationId="{72D67A95-CBDB-2F4F-4B63-419F5AD03318}"/>
+          </ac:spMkLst>
+        </pc:spChg>
+        <pc:spChg chg="mod">
+          <ac:chgData name="Uhr, Vinzenz Nathan (STUDENTS)" userId="f4f67b1a-e021-4569-b4a5-fe6b7216375a" providerId="ADAL" clId="{1B412370-03EF-43FC-8E5A-92C57D904F98}" dt="2023-12-17T13:52:22.108" v="2672" actId="20577"/>
+          <ac:spMkLst>
+            <pc:docMk/>
+            <pc:sldMk cId="113158588" sldId="370"/>
+            <ac:spMk id="6" creationId="{C2378552-6982-B224-57A9-A5FE26C7ECB1}"/>
+          </ac:spMkLst>
+        </pc:spChg>
+        <pc:spChg chg="mod">
+          <ac:chgData name="Uhr, Vinzenz Nathan (STUDENTS)" userId="f4f67b1a-e021-4569-b4a5-fe6b7216375a" providerId="ADAL" clId="{1B412370-03EF-43FC-8E5A-92C57D904F98}" dt="2023-12-17T13:52:09.185" v="2661" actId="20577"/>
+          <ac:spMkLst>
+            <pc:docMk/>
+            <pc:sldMk cId="113158588" sldId="370"/>
+            <ac:spMk id="8" creationId="{47E7FE34-E313-80E1-3542-E7E7C9E83C35}"/>
+          </ac:spMkLst>
+        </pc:spChg>
+        <pc:picChg chg="del">
+          <ac:chgData name="Uhr, Vinzenz Nathan (STUDENTS)" userId="f4f67b1a-e021-4569-b4a5-fe6b7216375a" providerId="ADAL" clId="{1B412370-03EF-43FC-8E5A-92C57D904F98}" dt="2023-12-17T13:52:19.005" v="2669" actId="478"/>
+          <ac:picMkLst>
+            <pc:docMk/>
+            <pc:sldMk cId="113158588" sldId="370"/>
+            <ac:picMk id="12" creationId="{0BEB866B-6D46-2FEE-2ABF-86E5621D8507}"/>
+          </ac:picMkLst>
+        </pc:picChg>
+      </pc:sldChg>
+      <pc:sldChg chg="delSp modSp add mod ord">
+        <pc:chgData name="Uhr, Vinzenz Nathan (STUDENTS)" userId="f4f67b1a-e021-4569-b4a5-fe6b7216375a" providerId="ADAL" clId="{1B412370-03EF-43FC-8E5A-92C57D904F98}" dt="2023-12-17T14:03:31.005" v="3000" actId="478"/>
+        <pc:sldMkLst>
+          <pc:docMk/>
+          <pc:sldMk cId="1108949480" sldId="371"/>
+        </pc:sldMkLst>
+        <pc:spChg chg="mod">
+          <ac:chgData name="Uhr, Vinzenz Nathan (STUDENTS)" userId="f4f67b1a-e021-4569-b4a5-fe6b7216375a" providerId="ADAL" clId="{1B412370-03EF-43FC-8E5A-92C57D904F98}" dt="2023-12-17T14:03:30.565" v="2999" actId="20577"/>
+          <ac:spMkLst>
+            <pc:docMk/>
+            <pc:sldMk cId="1108949480" sldId="371"/>
+            <ac:spMk id="6" creationId="{C2378552-6982-B224-57A9-A5FE26C7ECB1}"/>
+          </ac:spMkLst>
+        </pc:spChg>
+        <pc:picChg chg="del">
+          <ac:chgData name="Uhr, Vinzenz Nathan (STUDENTS)" userId="f4f67b1a-e021-4569-b4a5-fe6b7216375a" providerId="ADAL" clId="{1B412370-03EF-43FC-8E5A-92C57D904F98}" dt="2023-12-17T14:03:31.005" v="3000" actId="478"/>
+          <ac:picMkLst>
+            <pc:docMk/>
+            <pc:sldMk cId="1108949480" sldId="371"/>
+            <ac:picMk id="12" creationId="{0BEB866B-6D46-2FEE-2ABF-86E5621D8507}"/>
+          </ac:picMkLst>
+        </pc:picChg>
+      </pc:sldChg>
+      <pc:sldChg chg="addSp modSp new mod modNotesTx">
+        <pc:chgData name="Uhr, Vinzenz Nathan (STUDENTS)" userId="f4f67b1a-e021-4569-b4a5-fe6b7216375a" providerId="ADAL" clId="{1B412370-03EF-43FC-8E5A-92C57D904F98}" dt="2023-12-17T15:59:46.386" v="4125" actId="20577"/>
+        <pc:sldMkLst>
+          <pc:docMk/>
+          <pc:sldMk cId="2125074707" sldId="372"/>
+        </pc:sldMkLst>
+        <pc:spChg chg="mod">
+          <ac:chgData name="Uhr, Vinzenz Nathan (STUDENTS)" userId="f4f67b1a-e021-4569-b4a5-fe6b7216375a" providerId="ADAL" clId="{1B412370-03EF-43FC-8E5A-92C57D904F98}" dt="2023-12-17T15:59:46.386" v="4125" actId="20577"/>
+          <ac:spMkLst>
+            <pc:docMk/>
+            <pc:sldMk cId="2125074707" sldId="372"/>
+            <ac:spMk id="4" creationId="{3A20D528-4AAF-7815-962E-52C8B803213F}"/>
+          </ac:spMkLst>
+        </pc:spChg>
+        <pc:spChg chg="mod">
+          <ac:chgData name="Uhr, Vinzenz Nathan (STUDENTS)" userId="f4f67b1a-e021-4569-b4a5-fe6b7216375a" providerId="ADAL" clId="{1B412370-03EF-43FC-8E5A-92C57D904F98}" dt="2023-12-17T13:56:09.234" v="2919" actId="20577"/>
+          <ac:spMkLst>
+            <pc:docMk/>
+            <pc:sldMk cId="2125074707" sldId="372"/>
+            <ac:spMk id="6" creationId="{4485FE72-2E3C-4683-BF7E-AF27A2C65C5B}"/>
+          </ac:spMkLst>
+        </pc:spChg>
+        <pc:spChg chg="mod">
+          <ac:chgData name="Uhr, Vinzenz Nathan (STUDENTS)" userId="f4f67b1a-e021-4569-b4a5-fe6b7216375a" providerId="ADAL" clId="{1B412370-03EF-43FC-8E5A-92C57D904F98}" dt="2023-12-17T13:52:35.517" v="2699" actId="20577"/>
+          <ac:spMkLst>
+            <pc:docMk/>
+            <pc:sldMk cId="2125074707" sldId="372"/>
+            <ac:spMk id="8" creationId="{DEBEDC3D-6F6C-5D18-3F70-89CAFDE94F94}"/>
+          </ac:spMkLst>
+        </pc:spChg>
+        <pc:picChg chg="add mod">
+          <ac:chgData name="Uhr, Vinzenz Nathan (STUDENTS)" userId="f4f67b1a-e021-4569-b4a5-fe6b7216375a" providerId="ADAL" clId="{1B412370-03EF-43FC-8E5A-92C57D904F98}" dt="2023-12-17T13:55:54.950" v="2875" actId="14100"/>
+          <ac:picMkLst>
+            <pc:docMk/>
+            <pc:sldMk cId="2125074707" sldId="372"/>
+            <ac:picMk id="10" creationId="{CE4F7A03-E7D6-4149-B5C0-21F5A8CABB5B}"/>
+          </ac:picMkLst>
+        </pc:picChg>
+      </pc:sldChg>
+      <pc:sldChg chg="modSp new mod">
+        <pc:chgData name="Uhr, Vinzenz Nathan (STUDENTS)" userId="f4f67b1a-e021-4569-b4a5-fe6b7216375a" providerId="ADAL" clId="{1B412370-03EF-43FC-8E5A-92C57D904F98}" dt="2023-12-17T14:38:43.197" v="3501" actId="20577"/>
+        <pc:sldMkLst>
+          <pc:docMk/>
+          <pc:sldMk cId="555448415" sldId="373"/>
+        </pc:sldMkLst>
+        <pc:spChg chg="mod">
+          <ac:chgData name="Uhr, Vinzenz Nathan (STUDENTS)" userId="f4f67b1a-e021-4569-b4a5-fe6b7216375a" providerId="ADAL" clId="{1B412370-03EF-43FC-8E5A-92C57D904F98}" dt="2023-12-17T14:38:43.197" v="3501" actId="20577"/>
+          <ac:spMkLst>
+            <pc:docMk/>
+            <pc:sldMk cId="555448415" sldId="373"/>
+            <ac:spMk id="3" creationId="{EF29294F-99C7-DC8B-3428-F47525B2AB56}"/>
+          </ac:spMkLst>
+        </pc:spChg>
+        <pc:spChg chg="mod">
+          <ac:chgData name="Uhr, Vinzenz Nathan (STUDENTS)" userId="f4f67b1a-e021-4569-b4a5-fe6b7216375a" providerId="ADAL" clId="{1B412370-03EF-43FC-8E5A-92C57D904F98}" dt="2023-12-17T14:37:53.993" v="3404"/>
+          <ac:spMkLst>
+            <pc:docMk/>
+            <pc:sldMk cId="555448415" sldId="373"/>
+            <ac:spMk id="6" creationId="{94CDB2C8-9321-68C5-2C0A-8EC29894AD56}"/>
+          </ac:spMkLst>
+        </pc:spChg>
+      </pc:sldChg>
+      <pc:sldChg chg="new del">
+        <pc:chgData name="Uhr, Vinzenz Nathan (STUDENTS)" userId="f4f67b1a-e021-4569-b4a5-fe6b7216375a" providerId="ADAL" clId="{1B412370-03EF-43FC-8E5A-92C57D904F98}" dt="2023-12-17T14:32:45.701" v="3395" actId="47"/>
+        <pc:sldMkLst>
+          <pc:docMk/>
+          <pc:sldMk cId="1490057299" sldId="373"/>
+        </pc:sldMkLst>
+      </pc:sldChg>
+      <pc:sldChg chg="modSp add mod">
+        <pc:chgData name="Uhr, Vinzenz Nathan (STUDENTS)" userId="f4f67b1a-e021-4569-b4a5-fe6b7216375a" providerId="ADAL" clId="{1B412370-03EF-43FC-8E5A-92C57D904F98}" dt="2023-12-17T14:39:18.889" v="3520" actId="207"/>
+        <pc:sldMkLst>
+          <pc:docMk/>
+          <pc:sldMk cId="572200740" sldId="374"/>
+        </pc:sldMkLst>
+        <pc:spChg chg="mod">
+          <ac:chgData name="Uhr, Vinzenz Nathan (STUDENTS)" userId="f4f67b1a-e021-4569-b4a5-fe6b7216375a" providerId="ADAL" clId="{1B412370-03EF-43FC-8E5A-92C57D904F98}" dt="2023-12-17T14:38:56.350" v="3504" actId="207"/>
+          <ac:spMkLst>
+            <pc:docMk/>
+            <pc:sldMk cId="572200740" sldId="374"/>
+            <ac:spMk id="3" creationId="{EF29294F-99C7-DC8B-3428-F47525B2AB56}"/>
+          </ac:spMkLst>
+        </pc:spChg>
+        <pc:spChg chg="mod">
+          <ac:chgData name="Uhr, Vinzenz Nathan (STUDENTS)" userId="f4f67b1a-e021-4569-b4a5-fe6b7216375a" providerId="ADAL" clId="{1B412370-03EF-43FC-8E5A-92C57D904F98}" dt="2023-12-17T14:39:18.889" v="3520" actId="207"/>
+          <ac:spMkLst>
+            <pc:docMk/>
+            <pc:sldMk cId="572200740" sldId="374"/>
+            <ac:spMk id="6" creationId="{94CDB2C8-9321-68C5-2C0A-8EC29894AD56}"/>
+          </ac:spMkLst>
+        </pc:spChg>
+      </pc:sldChg>
+      <pc:sldChg chg="add del">
+        <pc:chgData name="Uhr, Vinzenz Nathan (STUDENTS)" userId="f4f67b1a-e021-4569-b4a5-fe6b7216375a" providerId="ADAL" clId="{1B412370-03EF-43FC-8E5A-92C57D904F98}" dt="2023-12-17T14:39:03.319" v="3507"/>
+        <pc:sldMkLst>
+          <pc:docMk/>
+          <pc:sldMk cId="125382474" sldId="375"/>
+        </pc:sldMkLst>
+      </pc:sldChg>
+      <pc:sldChg chg="modSp add mod">
+        <pc:chgData name="Uhr, Vinzenz Nathan (STUDENTS)" userId="f4f67b1a-e021-4569-b4a5-fe6b7216375a" providerId="ADAL" clId="{1B412370-03EF-43FC-8E5A-92C57D904F98}" dt="2023-12-17T14:39:32.713" v="3523" actId="207"/>
+        <pc:sldMkLst>
+          <pc:docMk/>
+          <pc:sldMk cId="3960754585" sldId="375"/>
+        </pc:sldMkLst>
+        <pc:spChg chg="mod">
+          <ac:chgData name="Uhr, Vinzenz Nathan (STUDENTS)" userId="f4f67b1a-e021-4569-b4a5-fe6b7216375a" providerId="ADAL" clId="{1B412370-03EF-43FC-8E5A-92C57D904F98}" dt="2023-12-17T14:39:29.715" v="3522" actId="207"/>
+          <ac:spMkLst>
+            <pc:docMk/>
+            <pc:sldMk cId="3960754585" sldId="375"/>
+            <ac:spMk id="3" creationId="{EF29294F-99C7-DC8B-3428-F47525B2AB56}"/>
+          </ac:spMkLst>
+        </pc:spChg>
+        <pc:spChg chg="mod">
+          <ac:chgData name="Uhr, Vinzenz Nathan (STUDENTS)" userId="f4f67b1a-e021-4569-b4a5-fe6b7216375a" providerId="ADAL" clId="{1B412370-03EF-43FC-8E5A-92C57D904F98}" dt="2023-12-17T14:39:32.713" v="3523" actId="207"/>
+          <ac:spMkLst>
+            <pc:docMk/>
+            <pc:sldMk cId="3960754585" sldId="375"/>
+            <ac:spMk id="6" creationId="{94CDB2C8-9321-68C5-2C0A-8EC29894AD56}"/>
+          </ac:spMkLst>
+        </pc:spChg>
+      </pc:sldChg>
+      <pc:sldChg chg="modSp add mod">
+        <pc:chgData name="Uhr, Vinzenz Nathan (STUDENTS)" userId="f4f67b1a-e021-4569-b4a5-fe6b7216375a" providerId="ADAL" clId="{1B412370-03EF-43FC-8E5A-92C57D904F98}" dt="2023-12-17T14:39:48.566" v="3528" actId="207"/>
+        <pc:sldMkLst>
+          <pc:docMk/>
+          <pc:sldMk cId="997670502" sldId="376"/>
+        </pc:sldMkLst>
+        <pc:spChg chg="mod">
+          <ac:chgData name="Uhr, Vinzenz Nathan (STUDENTS)" userId="f4f67b1a-e021-4569-b4a5-fe6b7216375a" providerId="ADAL" clId="{1B412370-03EF-43FC-8E5A-92C57D904F98}" dt="2023-12-17T14:39:48.566" v="3528" actId="207"/>
+          <ac:spMkLst>
+            <pc:docMk/>
+            <pc:sldMk cId="997670502" sldId="376"/>
+            <ac:spMk id="3" creationId="{EF29294F-99C7-DC8B-3428-F47525B2AB56}"/>
+          </ac:spMkLst>
+        </pc:spChg>
+        <pc:spChg chg="mod">
+          <ac:chgData name="Uhr, Vinzenz Nathan (STUDENTS)" userId="f4f67b1a-e021-4569-b4a5-fe6b7216375a" providerId="ADAL" clId="{1B412370-03EF-43FC-8E5A-92C57D904F98}" dt="2023-12-17T14:39:46.427" v="3527" actId="207"/>
+          <ac:spMkLst>
+            <pc:docMk/>
+            <pc:sldMk cId="997670502" sldId="376"/>
+            <ac:spMk id="6" creationId="{94CDB2C8-9321-68C5-2C0A-8EC29894AD56}"/>
+          </ac:spMkLst>
+        </pc:spChg>
+      </pc:sldChg>
+      <pc:sldChg chg="modSp add mod">
+        <pc:chgData name="Uhr, Vinzenz Nathan (STUDENTS)" userId="f4f67b1a-e021-4569-b4a5-fe6b7216375a" providerId="ADAL" clId="{1B412370-03EF-43FC-8E5A-92C57D904F98}" dt="2023-12-17T14:40:06.315" v="3533" actId="207"/>
+        <pc:sldMkLst>
+          <pc:docMk/>
+          <pc:sldMk cId="2536002390" sldId="377"/>
+        </pc:sldMkLst>
+        <pc:spChg chg="mod">
+          <ac:chgData name="Uhr, Vinzenz Nathan (STUDENTS)" userId="f4f67b1a-e021-4569-b4a5-fe6b7216375a" providerId="ADAL" clId="{1B412370-03EF-43FC-8E5A-92C57D904F98}" dt="2023-12-17T14:40:06.315" v="3533" actId="207"/>
+          <ac:spMkLst>
+            <pc:docMk/>
+            <pc:sldMk cId="2536002390" sldId="377"/>
+            <ac:spMk id="3" creationId="{EF29294F-99C7-DC8B-3428-F47525B2AB56}"/>
+          </ac:spMkLst>
+        </pc:spChg>
+        <pc:spChg chg="mod">
+          <ac:chgData name="Uhr, Vinzenz Nathan (STUDENTS)" userId="f4f67b1a-e021-4569-b4a5-fe6b7216375a" providerId="ADAL" clId="{1B412370-03EF-43FC-8E5A-92C57D904F98}" dt="2023-12-17T14:40:02.870" v="3532" actId="207"/>
+          <ac:spMkLst>
+            <pc:docMk/>
+            <pc:sldMk cId="2536002390" sldId="377"/>
+            <ac:spMk id="6" creationId="{94CDB2C8-9321-68C5-2C0A-8EC29894AD56}"/>
+          </ac:spMkLst>
+        </pc:spChg>
+      </pc:sldChg>
+      <pc:sldChg chg="modSp add mod">
+        <pc:chgData name="Uhr, Vinzenz Nathan (STUDENTS)" userId="f4f67b1a-e021-4569-b4a5-fe6b7216375a" providerId="ADAL" clId="{1B412370-03EF-43FC-8E5A-92C57D904F98}" dt="2023-12-17T14:40:23.456" v="3540" actId="207"/>
+        <pc:sldMkLst>
+          <pc:docMk/>
+          <pc:sldMk cId="1133864350" sldId="378"/>
+        </pc:sldMkLst>
+        <pc:spChg chg="mod">
+          <ac:chgData name="Uhr, Vinzenz Nathan (STUDENTS)" userId="f4f67b1a-e021-4569-b4a5-fe6b7216375a" providerId="ADAL" clId="{1B412370-03EF-43FC-8E5A-92C57D904F98}" dt="2023-12-17T14:40:23.456" v="3540" actId="207"/>
+          <ac:spMkLst>
+            <pc:docMk/>
+            <pc:sldMk cId="1133864350" sldId="378"/>
+            <ac:spMk id="3" creationId="{EF29294F-99C7-DC8B-3428-F47525B2AB56}"/>
+          </ac:spMkLst>
+        </pc:spChg>
+        <pc:spChg chg="mod">
+          <ac:chgData name="Uhr, Vinzenz Nathan (STUDENTS)" userId="f4f67b1a-e021-4569-b4a5-fe6b7216375a" providerId="ADAL" clId="{1B412370-03EF-43FC-8E5A-92C57D904F98}" dt="2023-12-17T14:40:21.519" v="3539" actId="207"/>
+          <ac:spMkLst>
+            <pc:docMk/>
+            <pc:sldMk cId="1133864350" sldId="378"/>
+            <ac:spMk id="6" creationId="{94CDB2C8-9321-68C5-2C0A-8EC29894AD56}"/>
+          </ac:spMkLst>
+        </pc:spChg>
+      </pc:sldChg>
+      <pc:sldChg chg="modSp add mod">
+        <pc:chgData name="Uhr, Vinzenz Nathan (STUDENTS)" userId="f4f67b1a-e021-4569-b4a5-fe6b7216375a" providerId="ADAL" clId="{1B412370-03EF-43FC-8E5A-92C57D904F98}" dt="2023-12-17T14:40:34.367" v="3546" actId="207"/>
+        <pc:sldMkLst>
+          <pc:docMk/>
+          <pc:sldMk cId="1702536999" sldId="379"/>
+        </pc:sldMkLst>
+        <pc:spChg chg="mod">
+          <ac:chgData name="Uhr, Vinzenz Nathan (STUDENTS)" userId="f4f67b1a-e021-4569-b4a5-fe6b7216375a" providerId="ADAL" clId="{1B412370-03EF-43FC-8E5A-92C57D904F98}" dt="2023-12-17T14:40:34.367" v="3546" actId="207"/>
+          <ac:spMkLst>
+            <pc:docMk/>
+            <pc:sldMk cId="1702536999" sldId="379"/>
+            <ac:spMk id="3" creationId="{EF29294F-99C7-DC8B-3428-F47525B2AB56}"/>
+          </ac:spMkLst>
+        </pc:spChg>
+        <pc:spChg chg="mod">
+          <ac:chgData name="Uhr, Vinzenz Nathan (STUDENTS)" userId="f4f67b1a-e021-4569-b4a5-fe6b7216375a" providerId="ADAL" clId="{1B412370-03EF-43FC-8E5A-92C57D904F98}" dt="2023-12-17T14:40:32.244" v="3545" actId="207"/>
+          <ac:spMkLst>
+            <pc:docMk/>
+            <pc:sldMk cId="1702536999" sldId="379"/>
+            <ac:spMk id="6" creationId="{94CDB2C8-9321-68C5-2C0A-8EC29894AD56}"/>
+          </ac:spMkLst>
+        </pc:spChg>
+      </pc:sldChg>
+      <pc:sldChg chg="modSp new mod">
+        <pc:chgData name="Uhr, Vinzenz Nathan (STUDENTS)" userId="f4f67b1a-e021-4569-b4a5-fe6b7216375a" providerId="ADAL" clId="{1B412370-03EF-43FC-8E5A-92C57D904F98}" dt="2023-12-17T16:18:49.283" v="4164" actId="20577"/>
+        <pc:sldMkLst>
+          <pc:docMk/>
+          <pc:sldMk cId="3912337244" sldId="380"/>
+        </pc:sldMkLst>
+        <pc:spChg chg="mod">
+          <ac:chgData name="Uhr, Vinzenz Nathan (STUDENTS)" userId="f4f67b1a-e021-4569-b4a5-fe6b7216375a" providerId="ADAL" clId="{1B412370-03EF-43FC-8E5A-92C57D904F98}" dt="2023-12-17T16:18:49.283" v="4164" actId="20577"/>
+          <ac:spMkLst>
+            <pc:docMk/>
+            <pc:sldMk cId="3912337244" sldId="380"/>
+            <ac:spMk id="8" creationId="{34F6EDEA-AA49-099B-7D96-F7FD8A5C881E}"/>
+          </ac:spMkLst>
+        </pc:spChg>
+      </pc:sldChg>
+      <pc:sldMasterChg chg="delSldLayout">
+        <pc:chgData name="Uhr, Vinzenz Nathan (STUDENTS)" userId="f4f67b1a-e021-4569-b4a5-fe6b7216375a" providerId="ADAL" clId="{1B412370-03EF-43FC-8E5A-92C57D904F98}" dt="2023-12-17T14:40:38.276" v="3547" actId="47"/>
+        <pc:sldMasterMkLst>
+          <pc:docMk/>
+          <pc:sldMasterMk cId="1650500097" sldId="2147483682"/>
+        </pc:sldMasterMkLst>
+        <pc:sldLayoutChg chg="del">
+          <pc:chgData name="Uhr, Vinzenz Nathan (STUDENTS)" userId="f4f67b1a-e021-4569-b4a5-fe6b7216375a" providerId="ADAL" clId="{1B412370-03EF-43FC-8E5A-92C57D904F98}" dt="2023-12-17T11:52:58.083" v="9" actId="47"/>
+          <pc:sldLayoutMkLst>
+            <pc:docMk/>
+            <pc:sldMasterMk cId="1650500097" sldId="2147483682"/>
+            <pc:sldLayoutMk cId="3654419488" sldId="2147483785"/>
+          </pc:sldLayoutMkLst>
+        </pc:sldLayoutChg>
+        <pc:sldLayoutChg chg="del">
+          <pc:chgData name="Uhr, Vinzenz Nathan (STUDENTS)" userId="f4f67b1a-e021-4569-b4a5-fe6b7216375a" providerId="ADAL" clId="{1B412370-03EF-43FC-8E5A-92C57D904F98}" dt="2023-12-17T14:40:38.276" v="3547" actId="47"/>
+          <pc:sldLayoutMkLst>
+            <pc:docMk/>
+            <pc:sldMasterMk cId="1650500097" sldId="2147483682"/>
+            <pc:sldLayoutMk cId="1554876728" sldId="2147483788"/>
+          </pc:sldLayoutMkLst>
+        </pc:sldLayoutChg>
+      </pc:sldMasterChg>
+      <pc:sldMasterChg chg="delSldLayout">
+        <pc:chgData name="Uhr, Vinzenz Nathan (STUDENTS)" userId="f4f67b1a-e021-4569-b4a5-fe6b7216375a" providerId="ADAL" clId="{1B412370-03EF-43FC-8E5A-92C57D904F98}" dt="2023-12-17T14:38:59.060" v="3505" actId="47"/>
+        <pc:sldMasterMkLst>
+          <pc:docMk/>
+          <pc:sldMasterMk cId="2752052908" sldId="2147483692"/>
+        </pc:sldMasterMkLst>
+        <pc:sldLayoutChg chg="del">
+          <pc:chgData name="Uhr, Vinzenz Nathan (STUDENTS)" userId="f4f67b1a-e021-4569-b4a5-fe6b7216375a" providerId="ADAL" clId="{1B412370-03EF-43FC-8E5A-92C57D904F98}" dt="2023-12-17T14:38:59.060" v="3505" actId="47"/>
+          <pc:sldLayoutMkLst>
+            <pc:docMk/>
+            <pc:sldMasterMk cId="2752052908" sldId="2147483692"/>
+            <pc:sldLayoutMk cId="432469509" sldId="2147483787"/>
+          </pc:sldLayoutMkLst>
+        </pc:sldLayoutChg>
+      </pc:sldMasterChg>
+    </pc:docChg>
+  </pc:docChgLst>
   <pc:docChgLst>
     <pc:chgData name="Uhr, Vinzenz Nathan (STUDENTS)" userId="f4f67b1a-e021-4569-b4a5-fe6b7216375a" providerId="ADAL" clId="{E452D7A7-81FA-4CC3-B7A3-6CA905067406}"/>
     <pc:docChg chg="undo custSel addSld delSld modSld modMainMaster">
@@ -698,1290 +1984,6 @@
             <ac:picMk id="9" creationId="{00000000-0000-0000-0000-000000000000}"/>
           </ac:picMkLst>
         </pc:picChg>
-      </pc:sldMasterChg>
-    </pc:docChg>
-  </pc:docChgLst>
-  <pc:docChgLst>
-    <pc:chgData name="Uhr, Vinzenz Nathan (STUDENTS)" userId="f4f67b1a-e021-4569-b4a5-fe6b7216375a" providerId="ADAL" clId="{1B412370-03EF-43FC-8E5A-92C57D904F98}"/>
-    <pc:docChg chg="undo redo custSel addSld delSld modSld sldOrd">
-      <pc:chgData name="Uhr, Vinzenz Nathan (STUDENTS)" userId="f4f67b1a-e021-4569-b4a5-fe6b7216375a" providerId="ADAL" clId="{1B412370-03EF-43FC-8E5A-92C57D904F98}" dt="2023-12-17T16:18:49.283" v="4164" actId="20577"/>
-      <pc:docMkLst>
-        <pc:docMk/>
-      </pc:docMkLst>
-      <pc:sldChg chg="modSp mod">
-        <pc:chgData name="Uhr, Vinzenz Nathan (STUDENTS)" userId="f4f67b1a-e021-4569-b4a5-fe6b7216375a" providerId="ADAL" clId="{1B412370-03EF-43FC-8E5A-92C57D904F98}" dt="2023-12-17T11:52:25.828" v="8" actId="20577"/>
-        <pc:sldMkLst>
-          <pc:docMk/>
-          <pc:sldMk cId="1995630194" sldId="257"/>
-        </pc:sldMkLst>
-        <pc:spChg chg="mod">
-          <ac:chgData name="Uhr, Vinzenz Nathan (STUDENTS)" userId="f4f67b1a-e021-4569-b4a5-fe6b7216375a" providerId="ADAL" clId="{1B412370-03EF-43FC-8E5A-92C57D904F98}" dt="2023-12-17T11:52:25.828" v="8" actId="20577"/>
-          <ac:spMkLst>
-            <pc:docMk/>
-            <pc:sldMk cId="1995630194" sldId="257"/>
-            <ac:spMk id="2" creationId="{00000000-0000-0000-0000-000000000000}"/>
-          </ac:spMkLst>
-        </pc:spChg>
-        <pc:spChg chg="mod">
-          <ac:chgData name="Uhr, Vinzenz Nathan (STUDENTS)" userId="f4f67b1a-e021-4569-b4a5-fe6b7216375a" providerId="ADAL" clId="{1B412370-03EF-43FC-8E5A-92C57D904F98}" dt="2023-12-17T11:52:20.322" v="3" actId="20577"/>
-          <ac:spMkLst>
-            <pc:docMk/>
-            <pc:sldMk cId="1995630194" sldId="257"/>
-            <ac:spMk id="4" creationId="{00000000-0000-0000-0000-000000000000}"/>
-          </ac:spMkLst>
-        </pc:spChg>
-      </pc:sldChg>
-      <pc:sldChg chg="delSp modSp del mod modNotesTx">
-        <pc:chgData name="Uhr, Vinzenz Nathan (STUDENTS)" userId="f4f67b1a-e021-4569-b4a5-fe6b7216375a" providerId="ADAL" clId="{1B412370-03EF-43FC-8E5A-92C57D904F98}" dt="2023-12-17T11:54:34.757" v="31" actId="47"/>
-        <pc:sldMkLst>
-          <pc:docMk/>
-          <pc:sldMk cId="1969766" sldId="348"/>
-        </pc:sldMkLst>
-        <pc:spChg chg="mod">
-          <ac:chgData name="Uhr, Vinzenz Nathan (STUDENTS)" userId="f4f67b1a-e021-4569-b4a5-fe6b7216375a" providerId="ADAL" clId="{1B412370-03EF-43FC-8E5A-92C57D904F98}" dt="2023-12-17T11:54:00.859" v="25" actId="6549"/>
-          <ac:spMkLst>
-            <pc:docMk/>
-            <pc:sldMk cId="1969766" sldId="348"/>
-            <ac:spMk id="5" creationId="{69996356-855D-BEA7-9042-E31DBB1F84C4}"/>
-          </ac:spMkLst>
-        </pc:spChg>
-        <pc:spChg chg="mod">
-          <ac:chgData name="Uhr, Vinzenz Nathan (STUDENTS)" userId="f4f67b1a-e021-4569-b4a5-fe6b7216375a" providerId="ADAL" clId="{1B412370-03EF-43FC-8E5A-92C57D904F98}" dt="2023-12-17T11:53:55.022" v="23" actId="20577"/>
-          <ac:spMkLst>
-            <pc:docMk/>
-            <pc:sldMk cId="1969766" sldId="348"/>
-            <ac:spMk id="6" creationId="{78FFCA5B-4105-6527-22ED-1C63D41F0290}"/>
-          </ac:spMkLst>
-        </pc:spChg>
-        <pc:picChg chg="del">
-          <ac:chgData name="Uhr, Vinzenz Nathan (STUDENTS)" userId="f4f67b1a-e021-4569-b4a5-fe6b7216375a" providerId="ADAL" clId="{1B412370-03EF-43FC-8E5A-92C57D904F98}" dt="2023-12-17T11:54:10.850" v="28" actId="478"/>
-          <ac:picMkLst>
-            <pc:docMk/>
-            <pc:sldMk cId="1969766" sldId="348"/>
-            <ac:picMk id="9" creationId="{5D5784DE-EDE6-70AB-6676-FA74367895CF}"/>
-          </ac:picMkLst>
-        </pc:picChg>
-        <pc:picChg chg="del">
-          <ac:chgData name="Uhr, Vinzenz Nathan (STUDENTS)" userId="f4f67b1a-e021-4569-b4a5-fe6b7216375a" providerId="ADAL" clId="{1B412370-03EF-43FC-8E5A-92C57D904F98}" dt="2023-12-17T11:54:10.430" v="27" actId="478"/>
-          <ac:picMkLst>
-            <pc:docMk/>
-            <pc:sldMk cId="1969766" sldId="348"/>
-            <ac:picMk id="11" creationId="{09A48636-771F-3D7E-C459-4FD5F5E8311C}"/>
-          </ac:picMkLst>
-        </pc:picChg>
-        <pc:picChg chg="del mod">
-          <ac:chgData name="Uhr, Vinzenz Nathan (STUDENTS)" userId="f4f67b1a-e021-4569-b4a5-fe6b7216375a" providerId="ADAL" clId="{1B412370-03EF-43FC-8E5A-92C57D904F98}" dt="2023-12-17T11:54:10.116" v="26" actId="478"/>
-          <ac:picMkLst>
-            <pc:docMk/>
-            <pc:sldMk cId="1969766" sldId="348"/>
-            <ac:picMk id="13" creationId="{B25A389E-844E-1559-9287-17260B682570}"/>
-          </ac:picMkLst>
-        </pc:picChg>
-      </pc:sldChg>
-      <pc:sldChg chg="del">
-        <pc:chgData name="Uhr, Vinzenz Nathan (STUDENTS)" userId="f4f67b1a-e021-4569-b4a5-fe6b7216375a" providerId="ADAL" clId="{1B412370-03EF-43FC-8E5A-92C57D904F98}" dt="2023-12-17T11:52:58.083" v="9" actId="47"/>
-        <pc:sldMkLst>
-          <pc:docMk/>
-          <pc:sldMk cId="388255730" sldId="349"/>
-        </pc:sldMkLst>
-      </pc:sldChg>
-      <pc:sldChg chg="del">
-        <pc:chgData name="Uhr, Vinzenz Nathan (STUDENTS)" userId="f4f67b1a-e021-4569-b4a5-fe6b7216375a" providerId="ADAL" clId="{1B412370-03EF-43FC-8E5A-92C57D904F98}" dt="2023-12-17T11:52:58.083" v="9" actId="47"/>
-        <pc:sldMkLst>
-          <pc:docMk/>
-          <pc:sldMk cId="3710458073" sldId="350"/>
-        </pc:sldMkLst>
-      </pc:sldChg>
-      <pc:sldChg chg="addSp delSp modSp del mod modNotesTx">
-        <pc:chgData name="Uhr, Vinzenz Nathan (STUDENTS)" userId="f4f67b1a-e021-4569-b4a5-fe6b7216375a" providerId="ADAL" clId="{1B412370-03EF-43FC-8E5A-92C57D904F98}" dt="2023-12-17T14:38:59.060" v="3505" actId="47"/>
-        <pc:sldMkLst>
-          <pc:docMk/>
-          <pc:sldMk cId="4252364833" sldId="351"/>
-        </pc:sldMkLst>
-        <pc:spChg chg="del">
-          <ac:chgData name="Uhr, Vinzenz Nathan (STUDENTS)" userId="f4f67b1a-e021-4569-b4a5-fe6b7216375a" providerId="ADAL" clId="{1B412370-03EF-43FC-8E5A-92C57D904F98}" dt="2023-12-17T14:35:30.011" v="3396"/>
-          <ac:spMkLst>
-            <pc:docMk/>
-            <pc:sldMk cId="4252364833" sldId="351"/>
-            <ac:spMk id="2" creationId="{347559E5-88A9-7114-3CF2-22840C9512E3}"/>
-          </ac:spMkLst>
-        </pc:spChg>
-        <pc:spChg chg="mod">
-          <ac:chgData name="Uhr, Vinzenz Nathan (STUDENTS)" userId="f4f67b1a-e021-4569-b4a5-fe6b7216375a" providerId="ADAL" clId="{1B412370-03EF-43FC-8E5A-92C57D904F98}" dt="2023-12-17T12:03:57.297" v="763" actId="5793"/>
-          <ac:spMkLst>
-            <pc:docMk/>
-            <pc:sldMk cId="4252364833" sldId="351"/>
-            <ac:spMk id="4" creationId="{695F92CF-A460-955B-BE6A-033972C8D7EF}"/>
-          </ac:spMkLst>
-        </pc:spChg>
-        <pc:spChg chg="add del mod">
-          <ac:chgData name="Uhr, Vinzenz Nathan (STUDENTS)" userId="f4f67b1a-e021-4569-b4a5-fe6b7216375a" providerId="ADAL" clId="{1B412370-03EF-43FC-8E5A-92C57D904F98}" dt="2023-12-17T14:35:55.548" v="3401" actId="478"/>
-          <ac:spMkLst>
-            <pc:docMk/>
-            <pc:sldMk cId="4252364833" sldId="351"/>
-            <ac:spMk id="5" creationId="{B9C93610-B499-2BEE-D2F7-5F85F53536F4}"/>
-          </ac:spMkLst>
-        </pc:spChg>
-        <pc:picChg chg="add del mod">
-          <ac:chgData name="Uhr, Vinzenz Nathan (STUDENTS)" userId="f4f67b1a-e021-4569-b4a5-fe6b7216375a" providerId="ADAL" clId="{1B412370-03EF-43FC-8E5A-92C57D904F98}" dt="2023-12-17T14:35:44.657" v="3397" actId="478"/>
-          <ac:picMkLst>
-            <pc:docMk/>
-            <pc:sldMk cId="4252364833" sldId="351"/>
-            <ac:picMk id="2050" creationId="{B7E61CB0-2116-8C89-7FCB-333412C4EACE}"/>
-          </ac:picMkLst>
-        </pc:picChg>
-        <pc:picChg chg="add mod">
-          <ac:chgData name="Uhr, Vinzenz Nathan (STUDENTS)" userId="f4f67b1a-e021-4569-b4a5-fe6b7216375a" providerId="ADAL" clId="{1B412370-03EF-43FC-8E5A-92C57D904F98}" dt="2023-12-17T14:36:01.814" v="3402" actId="1076"/>
-          <ac:picMkLst>
-            <pc:docMk/>
-            <pc:sldMk cId="4252364833" sldId="351"/>
-            <ac:picMk id="2052" creationId="{B343C87C-7CED-13E7-579C-00CC4523B21A}"/>
-          </ac:picMkLst>
-        </pc:picChg>
-      </pc:sldChg>
-      <pc:sldChg chg="modSp new mod">
-        <pc:chgData name="Uhr, Vinzenz Nathan (STUDENTS)" userId="f4f67b1a-e021-4569-b4a5-fe6b7216375a" providerId="ADAL" clId="{1B412370-03EF-43FC-8E5A-92C57D904F98}" dt="2023-12-17T14:27:51.087" v="3393" actId="20577"/>
-        <pc:sldMkLst>
-          <pc:docMk/>
-          <pc:sldMk cId="1956286703" sldId="352"/>
-        </pc:sldMkLst>
-        <pc:spChg chg="mod">
-          <ac:chgData name="Uhr, Vinzenz Nathan (STUDENTS)" userId="f4f67b1a-e021-4569-b4a5-fe6b7216375a" providerId="ADAL" clId="{1B412370-03EF-43FC-8E5A-92C57D904F98}" dt="2023-12-17T11:59:56.451" v="496" actId="20577"/>
-          <ac:spMkLst>
-            <pc:docMk/>
-            <pc:sldMk cId="1956286703" sldId="352"/>
-            <ac:spMk id="3" creationId="{B446FCBC-55A4-EF90-93EB-E2FB4D54B8AC}"/>
-          </ac:spMkLst>
-        </pc:spChg>
-        <pc:spChg chg="mod">
-          <ac:chgData name="Uhr, Vinzenz Nathan (STUDENTS)" userId="f4f67b1a-e021-4569-b4a5-fe6b7216375a" providerId="ADAL" clId="{1B412370-03EF-43FC-8E5A-92C57D904F98}" dt="2023-12-17T11:58:29.140" v="340" actId="6549"/>
-          <ac:spMkLst>
-            <pc:docMk/>
-            <pc:sldMk cId="1956286703" sldId="352"/>
-            <ac:spMk id="4" creationId="{07CCB809-4A35-AAA7-F903-AA60D27FBE35}"/>
-          </ac:spMkLst>
-        </pc:spChg>
-        <pc:spChg chg="mod">
-          <ac:chgData name="Uhr, Vinzenz Nathan (STUDENTS)" userId="f4f67b1a-e021-4569-b4a5-fe6b7216375a" providerId="ADAL" clId="{1B412370-03EF-43FC-8E5A-92C57D904F98}" dt="2023-12-17T11:58:47.600" v="379" actId="20577"/>
-          <ac:spMkLst>
-            <pc:docMk/>
-            <pc:sldMk cId="1956286703" sldId="352"/>
-            <ac:spMk id="5" creationId="{0D8F79E0-8004-D080-A1DB-91C9F715B9C1}"/>
-          </ac:spMkLst>
-        </pc:spChg>
-        <pc:spChg chg="mod">
-          <ac:chgData name="Uhr, Vinzenz Nathan (STUDENTS)" userId="f4f67b1a-e021-4569-b4a5-fe6b7216375a" providerId="ADAL" clId="{1B412370-03EF-43FC-8E5A-92C57D904F98}" dt="2023-12-17T14:27:51.087" v="3393" actId="20577"/>
-          <ac:spMkLst>
-            <pc:docMk/>
-            <pc:sldMk cId="1956286703" sldId="352"/>
-            <ac:spMk id="6" creationId="{2061B201-F227-FA31-2254-A7112A8171FC}"/>
-          </ac:spMkLst>
-        </pc:spChg>
-        <pc:spChg chg="mod">
-          <ac:chgData name="Uhr, Vinzenz Nathan (STUDENTS)" userId="f4f67b1a-e021-4569-b4a5-fe6b7216375a" providerId="ADAL" clId="{1B412370-03EF-43FC-8E5A-92C57D904F98}" dt="2023-12-17T11:59:59.341" v="501" actId="20577"/>
-          <ac:spMkLst>
-            <pc:docMk/>
-            <pc:sldMk cId="1956286703" sldId="352"/>
-            <ac:spMk id="8" creationId="{C623C825-F4EC-9A85-5D47-75F36717A849}"/>
-          </ac:spMkLst>
-        </pc:spChg>
-      </pc:sldChg>
-      <pc:sldChg chg="addSp delSp modSp new mod">
-        <pc:chgData name="Uhr, Vinzenz Nathan (STUDENTS)" userId="f4f67b1a-e021-4569-b4a5-fe6b7216375a" providerId="ADAL" clId="{1B412370-03EF-43FC-8E5A-92C57D904F98}" dt="2023-12-17T14:01:03.828" v="2997" actId="14100"/>
-        <pc:sldMkLst>
-          <pc:docMk/>
-          <pc:sldMk cId="2611933887" sldId="353"/>
-        </pc:sldMkLst>
-        <pc:spChg chg="mod">
-          <ac:chgData name="Uhr, Vinzenz Nathan (STUDENTS)" userId="f4f67b1a-e021-4569-b4a5-fe6b7216375a" providerId="ADAL" clId="{1B412370-03EF-43FC-8E5A-92C57D904F98}" dt="2023-12-17T12:00:31.950" v="532" actId="20577"/>
-          <ac:spMkLst>
-            <pc:docMk/>
-            <pc:sldMk cId="2611933887" sldId="353"/>
-            <ac:spMk id="3" creationId="{AAA43714-FFE9-3AB9-3D14-7932E600A39D}"/>
-          </ac:spMkLst>
-        </pc:spChg>
-        <pc:spChg chg="mod">
-          <ac:chgData name="Uhr, Vinzenz Nathan (STUDENTS)" userId="f4f67b1a-e021-4569-b4a5-fe6b7216375a" providerId="ADAL" clId="{1B412370-03EF-43FC-8E5A-92C57D904F98}" dt="2023-12-17T12:02:23.039" v="653" actId="14"/>
-          <ac:spMkLst>
-            <pc:docMk/>
-            <pc:sldMk cId="2611933887" sldId="353"/>
-            <ac:spMk id="4" creationId="{BB4BDC01-B352-0163-C719-5E5E3160B76E}"/>
-          </ac:spMkLst>
-        </pc:spChg>
-        <pc:spChg chg="mod">
-          <ac:chgData name="Uhr, Vinzenz Nathan (STUDENTS)" userId="f4f67b1a-e021-4569-b4a5-fe6b7216375a" providerId="ADAL" clId="{1B412370-03EF-43FC-8E5A-92C57D904F98}" dt="2023-12-17T12:02:39.437" v="670" actId="20577"/>
-          <ac:spMkLst>
-            <pc:docMk/>
-            <pc:sldMk cId="2611933887" sldId="353"/>
-            <ac:spMk id="5" creationId="{608778B1-E88D-726B-0001-998AAC129A41}"/>
-          </ac:spMkLst>
-        </pc:spChg>
-        <pc:spChg chg="mod">
-          <ac:chgData name="Uhr, Vinzenz Nathan (STUDENTS)" userId="f4f67b1a-e021-4569-b4a5-fe6b7216375a" providerId="ADAL" clId="{1B412370-03EF-43FC-8E5A-92C57D904F98}" dt="2023-12-17T12:02:49.975" v="684" actId="207"/>
-          <ac:spMkLst>
-            <pc:docMk/>
-            <pc:sldMk cId="2611933887" sldId="353"/>
-            <ac:spMk id="6" creationId="{76CD0FA7-9CB3-95AB-BFC7-E239CB647AAD}"/>
-          </ac:spMkLst>
-        </pc:spChg>
-        <pc:spChg chg="mod">
-          <ac:chgData name="Uhr, Vinzenz Nathan (STUDENTS)" userId="f4f67b1a-e021-4569-b4a5-fe6b7216375a" providerId="ADAL" clId="{1B412370-03EF-43FC-8E5A-92C57D904F98}" dt="2023-12-17T12:03:11.854" v="728" actId="20577"/>
-          <ac:spMkLst>
-            <pc:docMk/>
-            <pc:sldMk cId="2611933887" sldId="353"/>
-            <ac:spMk id="8" creationId="{F55205C7-6EB0-7324-9AA6-665ADAFBC822}"/>
-          </ac:spMkLst>
-        </pc:spChg>
-        <pc:picChg chg="add del mod">
-          <ac:chgData name="Uhr, Vinzenz Nathan (STUDENTS)" userId="f4f67b1a-e021-4569-b4a5-fe6b7216375a" providerId="ADAL" clId="{1B412370-03EF-43FC-8E5A-92C57D904F98}" dt="2023-12-17T14:00:57.812" v="2993" actId="478"/>
-          <ac:picMkLst>
-            <pc:docMk/>
-            <pc:sldMk cId="2611933887" sldId="353"/>
-            <ac:picMk id="10" creationId="{FE955564-7938-6B72-B54B-9DCB4AA2D3AD}"/>
-          </ac:picMkLst>
-        </pc:picChg>
-        <pc:picChg chg="add mod">
-          <ac:chgData name="Uhr, Vinzenz Nathan (STUDENTS)" userId="f4f67b1a-e021-4569-b4a5-fe6b7216375a" providerId="ADAL" clId="{1B412370-03EF-43FC-8E5A-92C57D904F98}" dt="2023-12-17T14:01:03.828" v="2997" actId="14100"/>
-          <ac:picMkLst>
-            <pc:docMk/>
-            <pc:sldMk cId="2611933887" sldId="353"/>
-            <ac:picMk id="12" creationId="{9CCB82B2-B65E-2207-091C-B999C33625E1}"/>
-          </ac:picMkLst>
-        </pc:picChg>
-      </pc:sldChg>
-      <pc:sldChg chg="del">
-        <pc:chgData name="Uhr, Vinzenz Nathan (STUDENTS)" userId="f4f67b1a-e021-4569-b4a5-fe6b7216375a" providerId="ADAL" clId="{1B412370-03EF-43FC-8E5A-92C57D904F98}" dt="2023-12-17T11:52:58.083" v="9" actId="47"/>
-        <pc:sldMkLst>
-          <pc:docMk/>
-          <pc:sldMk cId="3231376469" sldId="353"/>
-        </pc:sldMkLst>
-      </pc:sldChg>
-      <pc:sldChg chg="addSp delSp modSp new mod">
-        <pc:chgData name="Uhr, Vinzenz Nathan (STUDENTS)" userId="f4f67b1a-e021-4569-b4a5-fe6b7216375a" providerId="ADAL" clId="{1B412370-03EF-43FC-8E5A-92C57D904F98}" dt="2023-12-17T15:53:22.163" v="4079" actId="1076"/>
-        <pc:sldMkLst>
-          <pc:docMk/>
-          <pc:sldMk cId="628214163" sldId="354"/>
-        </pc:sldMkLst>
-        <pc:spChg chg="mod">
-          <ac:chgData name="Uhr, Vinzenz Nathan (STUDENTS)" userId="f4f67b1a-e021-4569-b4a5-fe6b7216375a" providerId="ADAL" clId="{1B412370-03EF-43FC-8E5A-92C57D904F98}" dt="2023-12-17T15:45:44.933" v="3975" actId="20577"/>
-          <ac:spMkLst>
-            <pc:docMk/>
-            <pc:sldMk cId="628214163" sldId="354"/>
-            <ac:spMk id="4" creationId="{B77EA0FA-D38B-CEFB-F9E4-34EEC0690FDD}"/>
-          </ac:spMkLst>
-        </pc:spChg>
-        <pc:spChg chg="del">
-          <ac:chgData name="Uhr, Vinzenz Nathan (STUDENTS)" userId="f4f67b1a-e021-4569-b4a5-fe6b7216375a" providerId="ADAL" clId="{1B412370-03EF-43FC-8E5A-92C57D904F98}" dt="2023-12-17T12:23:53.393" v="831" actId="478"/>
-          <ac:spMkLst>
-            <pc:docMk/>
-            <pc:sldMk cId="628214163" sldId="354"/>
-            <ac:spMk id="6" creationId="{72C85A36-C25A-31A1-2932-C27B29E879CC}"/>
-          </ac:spMkLst>
-        </pc:spChg>
-        <pc:spChg chg="mod">
-          <ac:chgData name="Uhr, Vinzenz Nathan (STUDENTS)" userId="f4f67b1a-e021-4569-b4a5-fe6b7216375a" providerId="ADAL" clId="{1B412370-03EF-43FC-8E5A-92C57D904F98}" dt="2023-12-17T12:28:15.665" v="1081" actId="20577"/>
-          <ac:spMkLst>
-            <pc:docMk/>
-            <pc:sldMk cId="628214163" sldId="354"/>
-            <ac:spMk id="8" creationId="{E2FAFBB1-5071-53D3-80BF-2EC49E4A90B3}"/>
-          </ac:spMkLst>
-        </pc:spChg>
-        <pc:spChg chg="add mod">
-          <ac:chgData name="Uhr, Vinzenz Nathan (STUDENTS)" userId="f4f67b1a-e021-4569-b4a5-fe6b7216375a" providerId="ADAL" clId="{1B412370-03EF-43FC-8E5A-92C57D904F98}" dt="2023-12-17T12:26:49.137" v="928" actId="14100"/>
-          <ac:spMkLst>
-            <pc:docMk/>
-            <pc:sldMk cId="628214163" sldId="354"/>
-            <ac:spMk id="19" creationId="{9742AF07-CDDF-E28B-671B-12A6DB28ED4A}"/>
-          </ac:spMkLst>
-        </pc:spChg>
-        <pc:spChg chg="add mod">
-          <ac:chgData name="Uhr, Vinzenz Nathan (STUDENTS)" userId="f4f67b1a-e021-4569-b4a5-fe6b7216375a" providerId="ADAL" clId="{1B412370-03EF-43FC-8E5A-92C57D904F98}" dt="2023-12-17T12:26:49.137" v="928" actId="14100"/>
-          <ac:spMkLst>
-            <pc:docMk/>
-            <pc:sldMk cId="628214163" sldId="354"/>
-            <ac:spMk id="20" creationId="{74B1CA84-ED04-34FC-7334-F978369ED695}"/>
-          </ac:spMkLst>
-        </pc:spChg>
-        <pc:spChg chg="add mod">
-          <ac:chgData name="Uhr, Vinzenz Nathan (STUDENTS)" userId="f4f67b1a-e021-4569-b4a5-fe6b7216375a" providerId="ADAL" clId="{1B412370-03EF-43FC-8E5A-92C57D904F98}" dt="2023-12-17T15:53:22.163" v="4079" actId="1076"/>
-          <ac:spMkLst>
-            <pc:docMk/>
-            <pc:sldMk cId="628214163" sldId="354"/>
-            <ac:spMk id="21" creationId="{DA23FA7C-7794-A9C2-3687-D5B06EA0B597}"/>
-          </ac:spMkLst>
-        </pc:spChg>
-        <pc:picChg chg="add del mod">
-          <ac:chgData name="Uhr, Vinzenz Nathan (STUDENTS)" userId="f4f67b1a-e021-4569-b4a5-fe6b7216375a" providerId="ADAL" clId="{1B412370-03EF-43FC-8E5A-92C57D904F98}" dt="2023-12-17T12:16:01.076" v="783" actId="478"/>
-          <ac:picMkLst>
-            <pc:docMk/>
-            <pc:sldMk cId="628214163" sldId="354"/>
-            <ac:picMk id="10" creationId="{85A989D5-7A8F-5013-41E0-FFF0FCC167B6}"/>
-          </ac:picMkLst>
-        </pc:picChg>
-        <pc:picChg chg="add del mod">
-          <ac:chgData name="Uhr, Vinzenz Nathan (STUDENTS)" userId="f4f67b1a-e021-4569-b4a5-fe6b7216375a" providerId="ADAL" clId="{1B412370-03EF-43FC-8E5A-92C57D904F98}" dt="2023-12-17T12:20:36.610" v="789" actId="478"/>
-          <ac:picMkLst>
-            <pc:docMk/>
-            <pc:sldMk cId="628214163" sldId="354"/>
-            <ac:picMk id="12" creationId="{92AB65AE-2715-1B60-B9C7-70F6A4DAEA09}"/>
-          </ac:picMkLst>
-        </pc:picChg>
-        <pc:picChg chg="add mod">
-          <ac:chgData name="Uhr, Vinzenz Nathan (STUDENTS)" userId="f4f67b1a-e021-4569-b4a5-fe6b7216375a" providerId="ADAL" clId="{1B412370-03EF-43FC-8E5A-92C57D904F98}" dt="2023-12-17T12:23:44.637" v="827" actId="1076"/>
-          <ac:picMkLst>
-            <pc:docMk/>
-            <pc:sldMk cId="628214163" sldId="354"/>
-            <ac:picMk id="14" creationId="{198FF7B0-3EBA-E2C9-4CC8-21561B17DF30}"/>
-          </ac:picMkLst>
-        </pc:picChg>
-        <pc:picChg chg="add mod">
-          <ac:chgData name="Uhr, Vinzenz Nathan (STUDENTS)" userId="f4f67b1a-e021-4569-b4a5-fe6b7216375a" providerId="ADAL" clId="{1B412370-03EF-43FC-8E5A-92C57D904F98}" dt="2023-12-17T12:23:44.637" v="827" actId="1076"/>
-          <ac:picMkLst>
-            <pc:docMk/>
-            <pc:sldMk cId="628214163" sldId="354"/>
-            <ac:picMk id="16" creationId="{388E9C2D-4FB6-D716-CAD2-E8725314E89E}"/>
-          </ac:picMkLst>
-        </pc:picChg>
-        <pc:picChg chg="add mod">
-          <ac:chgData name="Uhr, Vinzenz Nathan (STUDENTS)" userId="f4f67b1a-e021-4569-b4a5-fe6b7216375a" providerId="ADAL" clId="{1B412370-03EF-43FC-8E5A-92C57D904F98}" dt="2023-12-17T12:23:44.637" v="827" actId="1076"/>
-          <ac:picMkLst>
-            <pc:docMk/>
-            <pc:sldMk cId="628214163" sldId="354"/>
-            <ac:picMk id="18" creationId="{C115FC2F-6682-1C97-AC81-39F31AE0FA06}"/>
-          </ac:picMkLst>
-        </pc:picChg>
-      </pc:sldChg>
-      <pc:sldChg chg="del">
-        <pc:chgData name="Uhr, Vinzenz Nathan (STUDENTS)" userId="f4f67b1a-e021-4569-b4a5-fe6b7216375a" providerId="ADAL" clId="{1B412370-03EF-43FC-8E5A-92C57D904F98}" dt="2023-12-17T11:52:58.083" v="9" actId="47"/>
-        <pc:sldMkLst>
-          <pc:docMk/>
-          <pc:sldMk cId="1455095133" sldId="354"/>
-        </pc:sldMkLst>
-      </pc:sldChg>
-      <pc:sldChg chg="addSp delSp modSp add del mod">
-        <pc:chgData name="Uhr, Vinzenz Nathan (STUDENTS)" userId="f4f67b1a-e021-4569-b4a5-fe6b7216375a" providerId="ADAL" clId="{1B412370-03EF-43FC-8E5A-92C57D904F98}" dt="2023-12-17T14:39:36.215" v="3524" actId="47"/>
-        <pc:sldMkLst>
-          <pc:docMk/>
-          <pc:sldMk cId="1315352206" sldId="355"/>
-        </pc:sldMkLst>
-        <pc:spChg chg="del">
-          <ac:chgData name="Uhr, Vinzenz Nathan (STUDENTS)" userId="f4f67b1a-e021-4569-b4a5-fe6b7216375a" providerId="ADAL" clId="{1B412370-03EF-43FC-8E5A-92C57D904F98}" dt="2023-12-17T14:24:07.764" v="3222"/>
-          <ac:spMkLst>
-            <pc:docMk/>
-            <pc:sldMk cId="1315352206" sldId="355"/>
-            <ac:spMk id="2" creationId="{347559E5-88A9-7114-3CF2-22840C9512E3}"/>
-          </ac:spMkLst>
-        </pc:spChg>
-        <pc:spChg chg="mod">
-          <ac:chgData name="Uhr, Vinzenz Nathan (STUDENTS)" userId="f4f67b1a-e021-4569-b4a5-fe6b7216375a" providerId="ADAL" clId="{1B412370-03EF-43FC-8E5A-92C57D904F98}" dt="2023-12-17T14:38:49.452" v="3502" actId="21"/>
-          <ac:spMkLst>
-            <pc:docMk/>
-            <pc:sldMk cId="1315352206" sldId="355"/>
-            <ac:spMk id="4" creationId="{695F92CF-A460-955B-BE6A-033972C8D7EF}"/>
-          </ac:spMkLst>
-        </pc:spChg>
-        <pc:picChg chg="add mod">
-          <ac:chgData name="Uhr, Vinzenz Nathan (STUDENTS)" userId="f4f67b1a-e021-4569-b4a5-fe6b7216375a" providerId="ADAL" clId="{1B412370-03EF-43FC-8E5A-92C57D904F98}" dt="2023-12-17T14:24:07.764" v="3222"/>
-          <ac:picMkLst>
-            <pc:docMk/>
-            <pc:sldMk cId="1315352206" sldId="355"/>
-            <ac:picMk id="1026" creationId="{5C4C4BD0-8330-1CA3-8CE3-4539AD46E88B}"/>
-          </ac:picMkLst>
-        </pc:picChg>
-      </pc:sldChg>
-      <pc:sldChg chg="del">
-        <pc:chgData name="Uhr, Vinzenz Nathan (STUDENTS)" userId="f4f67b1a-e021-4569-b4a5-fe6b7216375a" providerId="ADAL" clId="{1B412370-03EF-43FC-8E5A-92C57D904F98}" dt="2023-12-17T11:52:58.083" v="9" actId="47"/>
-        <pc:sldMkLst>
-          <pc:docMk/>
-          <pc:sldMk cId="3317007330" sldId="355"/>
-        </pc:sldMkLst>
-      </pc:sldChg>
-      <pc:sldChg chg="addSp delSp modSp new mod">
-        <pc:chgData name="Uhr, Vinzenz Nathan (STUDENTS)" userId="f4f67b1a-e021-4569-b4a5-fe6b7216375a" providerId="ADAL" clId="{1B412370-03EF-43FC-8E5A-92C57D904F98}" dt="2023-12-17T12:35:18.671" v="1215" actId="20577"/>
-        <pc:sldMkLst>
-          <pc:docMk/>
-          <pc:sldMk cId="2913720038" sldId="356"/>
-        </pc:sldMkLst>
-        <pc:spChg chg="del">
-          <ac:chgData name="Uhr, Vinzenz Nathan (STUDENTS)" userId="f4f67b1a-e021-4569-b4a5-fe6b7216375a" providerId="ADAL" clId="{1B412370-03EF-43FC-8E5A-92C57D904F98}" dt="2023-12-17T12:31:18.653" v="1117" actId="478"/>
-          <ac:spMkLst>
-            <pc:docMk/>
-            <pc:sldMk cId="2913720038" sldId="356"/>
-            <ac:spMk id="2" creationId="{D2B9EF91-61D0-937F-DAB3-5D8069FE04AB}"/>
-          </ac:spMkLst>
-        </pc:spChg>
-        <pc:spChg chg="mod">
-          <ac:chgData name="Uhr, Vinzenz Nathan (STUDENTS)" userId="f4f67b1a-e021-4569-b4a5-fe6b7216375a" providerId="ADAL" clId="{1B412370-03EF-43FC-8E5A-92C57D904F98}" dt="2023-12-17T12:35:18.671" v="1215" actId="20577"/>
-          <ac:spMkLst>
-            <pc:docMk/>
-            <pc:sldMk cId="2913720038" sldId="356"/>
-            <ac:spMk id="3" creationId="{0FC4AA5D-AF07-3CCC-1100-F64FEA1D23E1}"/>
-          </ac:spMkLst>
-        </pc:spChg>
-        <pc:spChg chg="mod">
-          <ac:chgData name="Uhr, Vinzenz Nathan (STUDENTS)" userId="f4f67b1a-e021-4569-b4a5-fe6b7216375a" providerId="ADAL" clId="{1B412370-03EF-43FC-8E5A-92C57D904F98}" dt="2023-12-17T12:35:14.750" v="1205" actId="20577"/>
-          <ac:spMkLst>
-            <pc:docMk/>
-            <pc:sldMk cId="2913720038" sldId="356"/>
-            <ac:spMk id="4" creationId="{E4F0FE54-49B0-ADC7-DB62-13FF5FC8AD7C}"/>
-          </ac:spMkLst>
-        </pc:spChg>
-        <pc:spChg chg="mod">
-          <ac:chgData name="Uhr, Vinzenz Nathan (STUDENTS)" userId="f4f67b1a-e021-4569-b4a5-fe6b7216375a" providerId="ADAL" clId="{1B412370-03EF-43FC-8E5A-92C57D904F98}" dt="2023-12-17T12:31:16.068" v="1116" actId="6549"/>
-          <ac:spMkLst>
-            <pc:docMk/>
-            <pc:sldMk cId="2913720038" sldId="356"/>
-            <ac:spMk id="8" creationId="{B9ABCD4A-4209-A284-54AA-4462F776EA8F}"/>
-          </ac:spMkLst>
-        </pc:spChg>
-        <pc:picChg chg="add del mod">
-          <ac:chgData name="Uhr, Vinzenz Nathan (STUDENTS)" userId="f4f67b1a-e021-4569-b4a5-fe6b7216375a" providerId="ADAL" clId="{1B412370-03EF-43FC-8E5A-92C57D904F98}" dt="2023-12-17T12:31:05.680" v="1103" actId="478"/>
-          <ac:picMkLst>
-            <pc:docMk/>
-            <pc:sldMk cId="2913720038" sldId="356"/>
-            <ac:picMk id="10" creationId="{31C47FB7-28BF-96C2-9905-45EDC7C9AF29}"/>
-          </ac:picMkLst>
-        </pc:picChg>
-        <pc:picChg chg="add mod">
-          <ac:chgData name="Uhr, Vinzenz Nathan (STUDENTS)" userId="f4f67b1a-e021-4569-b4a5-fe6b7216375a" providerId="ADAL" clId="{1B412370-03EF-43FC-8E5A-92C57D904F98}" dt="2023-12-17T12:31:10.465" v="1105" actId="1076"/>
-          <ac:picMkLst>
-            <pc:docMk/>
-            <pc:sldMk cId="2913720038" sldId="356"/>
-            <ac:picMk id="12" creationId="{288FE0C6-0BA6-3FD6-161D-EE514D7A8196}"/>
-          </ac:picMkLst>
-        </pc:picChg>
-      </pc:sldChg>
-      <pc:sldChg chg="del">
-        <pc:chgData name="Uhr, Vinzenz Nathan (STUDENTS)" userId="f4f67b1a-e021-4569-b4a5-fe6b7216375a" providerId="ADAL" clId="{1B412370-03EF-43FC-8E5A-92C57D904F98}" dt="2023-12-17T11:52:58.083" v="9" actId="47"/>
-        <pc:sldMkLst>
-          <pc:docMk/>
-          <pc:sldMk cId="3738490548" sldId="356"/>
-        </pc:sldMkLst>
-      </pc:sldChg>
-      <pc:sldChg chg="addSp modSp new mod">
-        <pc:chgData name="Uhr, Vinzenz Nathan (STUDENTS)" userId="f4f67b1a-e021-4569-b4a5-fe6b7216375a" providerId="ADAL" clId="{1B412370-03EF-43FC-8E5A-92C57D904F98}" dt="2023-12-17T12:45:24.832" v="1238" actId="1076"/>
-        <pc:sldMkLst>
-          <pc:docMk/>
-          <pc:sldMk cId="730108432" sldId="357"/>
-        </pc:sldMkLst>
-        <pc:spChg chg="mod">
-          <ac:chgData name="Uhr, Vinzenz Nathan (STUDENTS)" userId="f4f67b1a-e021-4569-b4a5-fe6b7216375a" providerId="ADAL" clId="{1B412370-03EF-43FC-8E5A-92C57D904F98}" dt="2023-12-17T12:35:24.397" v="1230" actId="20577"/>
-          <ac:spMkLst>
-            <pc:docMk/>
-            <pc:sldMk cId="730108432" sldId="357"/>
-            <ac:spMk id="8" creationId="{E0191781-6B39-DBBD-96A5-DE25D4E29EA6}"/>
-          </ac:spMkLst>
-        </pc:spChg>
-        <pc:picChg chg="add mod modCrop">
-          <ac:chgData name="Uhr, Vinzenz Nathan (STUDENTS)" userId="f4f67b1a-e021-4569-b4a5-fe6b7216375a" providerId="ADAL" clId="{1B412370-03EF-43FC-8E5A-92C57D904F98}" dt="2023-12-17T12:45:24.832" v="1238" actId="1076"/>
-          <ac:picMkLst>
-            <pc:docMk/>
-            <pc:sldMk cId="730108432" sldId="357"/>
-            <ac:picMk id="10" creationId="{4774E92F-9A7D-7355-058D-F2A54D4AEA93}"/>
-          </ac:picMkLst>
-        </pc:picChg>
-      </pc:sldChg>
-      <pc:sldChg chg="modSp add del mod">
-        <pc:chgData name="Uhr, Vinzenz Nathan (STUDENTS)" userId="f4f67b1a-e021-4569-b4a5-fe6b7216375a" providerId="ADAL" clId="{1B412370-03EF-43FC-8E5A-92C57D904F98}" dt="2023-12-17T14:39:50.348" v="3529" actId="47"/>
-        <pc:sldMkLst>
-          <pc:docMk/>
-          <pc:sldMk cId="3254685814" sldId="358"/>
-        </pc:sldMkLst>
-        <pc:spChg chg="mod">
-          <ac:chgData name="Uhr, Vinzenz Nathan (STUDENTS)" userId="f4f67b1a-e021-4569-b4a5-fe6b7216375a" providerId="ADAL" clId="{1B412370-03EF-43FC-8E5A-92C57D904F98}" dt="2023-12-17T12:45:52.483" v="1253" actId="20577"/>
-          <ac:spMkLst>
-            <pc:docMk/>
-            <pc:sldMk cId="3254685814" sldId="358"/>
-            <ac:spMk id="4" creationId="{695F92CF-A460-955B-BE6A-033972C8D7EF}"/>
-          </ac:spMkLst>
-        </pc:spChg>
-      </pc:sldChg>
-      <pc:sldChg chg="del">
-        <pc:chgData name="Uhr, Vinzenz Nathan (STUDENTS)" userId="f4f67b1a-e021-4569-b4a5-fe6b7216375a" providerId="ADAL" clId="{1B412370-03EF-43FC-8E5A-92C57D904F98}" dt="2023-12-17T11:52:58.083" v="9" actId="47"/>
-        <pc:sldMkLst>
-          <pc:docMk/>
-          <pc:sldMk cId="3585707066" sldId="358"/>
-        </pc:sldMkLst>
-      </pc:sldChg>
-      <pc:sldChg chg="modSp add mod">
-        <pc:chgData name="Uhr, Vinzenz Nathan (STUDENTS)" userId="f4f67b1a-e021-4569-b4a5-fe6b7216375a" providerId="ADAL" clId="{1B412370-03EF-43FC-8E5A-92C57D904F98}" dt="2023-12-17T12:49:07.581" v="1500" actId="20577"/>
-        <pc:sldMkLst>
-          <pc:docMk/>
-          <pc:sldMk cId="1817230700" sldId="359"/>
-        </pc:sldMkLst>
-        <pc:spChg chg="mod">
-          <ac:chgData name="Uhr, Vinzenz Nathan (STUDENTS)" userId="f4f67b1a-e021-4569-b4a5-fe6b7216375a" providerId="ADAL" clId="{1B412370-03EF-43FC-8E5A-92C57D904F98}" dt="2023-12-17T12:46:40.507" v="1309" actId="20577"/>
-          <ac:spMkLst>
-            <pc:docMk/>
-            <pc:sldMk cId="1817230700" sldId="359"/>
-            <ac:spMk id="3" creationId="{B446FCBC-55A4-EF90-93EB-E2FB4D54B8AC}"/>
-          </ac:spMkLst>
-        </pc:spChg>
-        <pc:spChg chg="mod">
-          <ac:chgData name="Uhr, Vinzenz Nathan (STUDENTS)" userId="f4f67b1a-e021-4569-b4a5-fe6b7216375a" providerId="ADAL" clId="{1B412370-03EF-43FC-8E5A-92C57D904F98}" dt="2023-12-17T12:48:25.091" v="1492" actId="20577"/>
-          <ac:spMkLst>
-            <pc:docMk/>
-            <pc:sldMk cId="1817230700" sldId="359"/>
-            <ac:spMk id="4" creationId="{07CCB809-4A35-AAA7-F903-AA60D27FBE35}"/>
-          </ac:spMkLst>
-        </pc:spChg>
-        <pc:spChg chg="mod">
-          <ac:chgData name="Uhr, Vinzenz Nathan (STUDENTS)" userId="f4f67b1a-e021-4569-b4a5-fe6b7216375a" providerId="ADAL" clId="{1B412370-03EF-43FC-8E5A-92C57D904F98}" dt="2023-12-17T12:48:35.045" v="1494" actId="20577"/>
-          <ac:spMkLst>
-            <pc:docMk/>
-            <pc:sldMk cId="1817230700" sldId="359"/>
-            <ac:spMk id="5" creationId="{0D8F79E0-8004-D080-A1DB-91C9F715B9C1}"/>
-          </ac:spMkLst>
-        </pc:spChg>
-        <pc:spChg chg="mod">
-          <ac:chgData name="Uhr, Vinzenz Nathan (STUDENTS)" userId="f4f67b1a-e021-4569-b4a5-fe6b7216375a" providerId="ADAL" clId="{1B412370-03EF-43FC-8E5A-92C57D904F98}" dt="2023-12-17T12:48:33.946" v="1493" actId="20577"/>
-          <ac:spMkLst>
-            <pc:docMk/>
-            <pc:sldMk cId="1817230700" sldId="359"/>
-            <ac:spMk id="6" creationId="{2061B201-F227-FA31-2254-A7112A8171FC}"/>
-          </ac:spMkLst>
-        </pc:spChg>
-        <pc:spChg chg="mod">
-          <ac:chgData name="Uhr, Vinzenz Nathan (STUDENTS)" userId="f4f67b1a-e021-4569-b4a5-fe6b7216375a" providerId="ADAL" clId="{1B412370-03EF-43FC-8E5A-92C57D904F98}" dt="2023-12-17T12:49:07.581" v="1500" actId="20577"/>
-          <ac:spMkLst>
-            <pc:docMk/>
-            <pc:sldMk cId="1817230700" sldId="359"/>
-            <ac:spMk id="8" creationId="{C623C825-F4EC-9A85-5D47-75F36717A849}"/>
-          </ac:spMkLst>
-        </pc:spChg>
-      </pc:sldChg>
-      <pc:sldChg chg="addSp delSp modSp new mod">
-        <pc:chgData name="Uhr, Vinzenz Nathan (STUDENTS)" userId="f4f67b1a-e021-4569-b4a5-fe6b7216375a" providerId="ADAL" clId="{1B412370-03EF-43FC-8E5A-92C57D904F98}" dt="2023-12-17T12:57:27.949" v="1842" actId="207"/>
-        <pc:sldMkLst>
-          <pc:docMk/>
-          <pc:sldMk cId="4131531160" sldId="360"/>
-        </pc:sldMkLst>
-        <pc:spChg chg="mod">
-          <ac:chgData name="Uhr, Vinzenz Nathan (STUDENTS)" userId="f4f67b1a-e021-4569-b4a5-fe6b7216375a" providerId="ADAL" clId="{1B412370-03EF-43FC-8E5A-92C57D904F98}" dt="2023-12-17T12:53:01.663" v="1523" actId="5793"/>
-          <ac:spMkLst>
-            <pc:docMk/>
-            <pc:sldMk cId="4131531160" sldId="360"/>
-            <ac:spMk id="3" creationId="{65C54322-3AFB-6B90-7991-F5DCF32419DC}"/>
-          </ac:spMkLst>
-        </pc:spChg>
-        <pc:spChg chg="mod">
-          <ac:chgData name="Uhr, Vinzenz Nathan (STUDENTS)" userId="f4f67b1a-e021-4569-b4a5-fe6b7216375a" providerId="ADAL" clId="{1B412370-03EF-43FC-8E5A-92C57D904F98}" dt="2023-12-17T12:54:56.799" v="1706" actId="20577"/>
-          <ac:spMkLst>
-            <pc:docMk/>
-            <pc:sldMk cId="4131531160" sldId="360"/>
-            <ac:spMk id="4" creationId="{72D67A95-CBDB-2F4F-4B63-419F5AD03318}"/>
-          </ac:spMkLst>
-        </pc:spChg>
-        <pc:spChg chg="mod">
-          <ac:chgData name="Uhr, Vinzenz Nathan (STUDENTS)" userId="f4f67b1a-e021-4569-b4a5-fe6b7216375a" providerId="ADAL" clId="{1B412370-03EF-43FC-8E5A-92C57D904F98}" dt="2023-12-17T12:57:27.949" v="1842" actId="207"/>
-          <ac:spMkLst>
-            <pc:docMk/>
-            <pc:sldMk cId="4131531160" sldId="360"/>
-            <ac:spMk id="6" creationId="{C2378552-6982-B224-57A9-A5FE26C7ECB1}"/>
-          </ac:spMkLst>
-        </pc:spChg>
-        <pc:spChg chg="mod">
-          <ac:chgData name="Uhr, Vinzenz Nathan (STUDENTS)" userId="f4f67b1a-e021-4569-b4a5-fe6b7216375a" providerId="ADAL" clId="{1B412370-03EF-43FC-8E5A-92C57D904F98}" dt="2023-12-17T12:55:29.546" v="1739" actId="20577"/>
-          <ac:spMkLst>
-            <pc:docMk/>
-            <pc:sldMk cId="4131531160" sldId="360"/>
-            <ac:spMk id="8" creationId="{47E7FE34-E313-80E1-3542-E7E7C9E83C35}"/>
-          </ac:spMkLst>
-        </pc:spChg>
-        <pc:picChg chg="add del mod">
-          <ac:chgData name="Uhr, Vinzenz Nathan (STUDENTS)" userId="f4f67b1a-e021-4569-b4a5-fe6b7216375a" providerId="ADAL" clId="{1B412370-03EF-43FC-8E5A-92C57D904F98}" dt="2023-12-17T12:56:11.038" v="1773" actId="478"/>
-          <ac:picMkLst>
-            <pc:docMk/>
-            <pc:sldMk cId="4131531160" sldId="360"/>
-            <ac:picMk id="10" creationId="{C88DD0CD-4DFA-07DF-BFA3-67C54997BEFF}"/>
-          </ac:picMkLst>
-        </pc:picChg>
-        <pc:picChg chg="add mod">
-          <ac:chgData name="Uhr, Vinzenz Nathan (STUDENTS)" userId="f4f67b1a-e021-4569-b4a5-fe6b7216375a" providerId="ADAL" clId="{1B412370-03EF-43FC-8E5A-92C57D904F98}" dt="2023-12-17T12:57:07.544" v="1838" actId="1076"/>
-          <ac:picMkLst>
-            <pc:docMk/>
-            <pc:sldMk cId="4131531160" sldId="360"/>
-            <ac:picMk id="12" creationId="{0BEB866B-6D46-2FEE-2ABF-86E5621D8507}"/>
-          </ac:picMkLst>
-        </pc:picChg>
-      </pc:sldChg>
-      <pc:sldChg chg="modSp new mod">
-        <pc:chgData name="Uhr, Vinzenz Nathan (STUDENTS)" userId="f4f67b1a-e021-4569-b4a5-fe6b7216375a" providerId="ADAL" clId="{1B412370-03EF-43FC-8E5A-92C57D904F98}" dt="2023-12-17T13:01:14.321" v="2183" actId="20577"/>
-        <pc:sldMkLst>
-          <pc:docMk/>
-          <pc:sldMk cId="3708444663" sldId="361"/>
-        </pc:sldMkLst>
-        <pc:spChg chg="mod">
-          <ac:chgData name="Uhr, Vinzenz Nathan (STUDENTS)" userId="f4f67b1a-e021-4569-b4a5-fe6b7216375a" providerId="ADAL" clId="{1B412370-03EF-43FC-8E5A-92C57D904F98}" dt="2023-12-17T13:01:14.321" v="2183" actId="20577"/>
-          <ac:spMkLst>
-            <pc:docMk/>
-            <pc:sldMk cId="3708444663" sldId="361"/>
-            <ac:spMk id="4" creationId="{BEED3CE5-AF25-B789-B484-FC394F32703B}"/>
-          </ac:spMkLst>
-        </pc:spChg>
-        <pc:spChg chg="mod">
-          <ac:chgData name="Uhr, Vinzenz Nathan (STUDENTS)" userId="f4f67b1a-e021-4569-b4a5-fe6b7216375a" providerId="ADAL" clId="{1B412370-03EF-43FC-8E5A-92C57D904F98}" dt="2023-12-17T12:55:08.079" v="1717" actId="20577"/>
-          <ac:spMkLst>
-            <pc:docMk/>
-            <pc:sldMk cId="3708444663" sldId="361"/>
-            <ac:spMk id="8" creationId="{72B5AB08-A1FA-78E3-3960-A99497296E7D}"/>
-          </ac:spMkLst>
-        </pc:spChg>
-      </pc:sldChg>
-      <pc:sldChg chg="modSp add del mod">
-        <pc:chgData name="Uhr, Vinzenz Nathan (STUDENTS)" userId="f4f67b1a-e021-4569-b4a5-fe6b7216375a" providerId="ADAL" clId="{1B412370-03EF-43FC-8E5A-92C57D904F98}" dt="2023-12-17T14:40:07.893" v="3534" actId="47"/>
-        <pc:sldMkLst>
-          <pc:docMk/>
-          <pc:sldMk cId="29540087" sldId="362"/>
-        </pc:sldMkLst>
-        <pc:spChg chg="mod">
-          <ac:chgData name="Uhr, Vinzenz Nathan (STUDENTS)" userId="f4f67b1a-e021-4569-b4a5-fe6b7216375a" providerId="ADAL" clId="{1B412370-03EF-43FC-8E5A-92C57D904F98}" dt="2023-12-17T13:02:48.503" v="2199" actId="20577"/>
-          <ac:spMkLst>
-            <pc:docMk/>
-            <pc:sldMk cId="29540087" sldId="362"/>
-            <ac:spMk id="4" creationId="{695F92CF-A460-955B-BE6A-033972C8D7EF}"/>
-          </ac:spMkLst>
-        </pc:spChg>
-      </pc:sldChg>
-      <pc:sldChg chg="modSp new del mod">
-        <pc:chgData name="Uhr, Vinzenz Nathan (STUDENTS)" userId="f4f67b1a-e021-4569-b4a5-fe6b7216375a" providerId="ADAL" clId="{1B412370-03EF-43FC-8E5A-92C57D904F98}" dt="2023-12-17T12:57:43.718" v="1843" actId="47"/>
-        <pc:sldMkLst>
-          <pc:docMk/>
-          <pc:sldMk cId="1968228176" sldId="362"/>
-        </pc:sldMkLst>
-        <pc:spChg chg="mod">
-          <ac:chgData name="Uhr, Vinzenz Nathan (STUDENTS)" userId="f4f67b1a-e021-4569-b4a5-fe6b7216375a" providerId="ADAL" clId="{1B412370-03EF-43FC-8E5A-92C57D904F98}" dt="2023-12-17T12:55:38.746" v="1772" actId="20577"/>
-          <ac:spMkLst>
-            <pc:docMk/>
-            <pc:sldMk cId="1968228176" sldId="362"/>
-            <ac:spMk id="8" creationId="{17A14700-178B-F27B-1D19-44483E04A7DF}"/>
-          </ac:spMkLst>
-        </pc:spChg>
-      </pc:sldChg>
-      <pc:sldChg chg="addSp delSp modSp add mod">
-        <pc:chgData name="Uhr, Vinzenz Nathan (STUDENTS)" userId="f4f67b1a-e021-4569-b4a5-fe6b7216375a" providerId="ADAL" clId="{1B412370-03EF-43FC-8E5A-92C57D904F98}" dt="2023-12-17T15:45:12.230" v="3910" actId="207"/>
-        <pc:sldMkLst>
-          <pc:docMk/>
-          <pc:sldMk cId="1408582473" sldId="363"/>
-        </pc:sldMkLst>
-        <pc:spChg chg="mod">
-          <ac:chgData name="Uhr, Vinzenz Nathan (STUDENTS)" userId="f4f67b1a-e021-4569-b4a5-fe6b7216375a" providerId="ADAL" clId="{1B412370-03EF-43FC-8E5A-92C57D904F98}" dt="2023-12-17T15:42:30.077" v="3818" actId="20577"/>
-          <ac:spMkLst>
-            <pc:docMk/>
-            <pc:sldMk cId="1408582473" sldId="363"/>
-            <ac:spMk id="3" creationId="{B446FCBC-55A4-EF90-93EB-E2FB4D54B8AC}"/>
-          </ac:spMkLst>
-        </pc:spChg>
-        <pc:spChg chg="mod">
-          <ac:chgData name="Uhr, Vinzenz Nathan (STUDENTS)" userId="f4f67b1a-e021-4569-b4a5-fe6b7216375a" providerId="ADAL" clId="{1B412370-03EF-43FC-8E5A-92C57D904F98}" dt="2023-12-17T15:45:12.230" v="3910" actId="207"/>
-          <ac:spMkLst>
-            <pc:docMk/>
-            <pc:sldMk cId="1408582473" sldId="363"/>
-            <ac:spMk id="4" creationId="{07CCB809-4A35-AAA7-F903-AA60D27FBE35}"/>
-          </ac:spMkLst>
-        </pc:spChg>
-        <pc:spChg chg="mod">
-          <ac:chgData name="Uhr, Vinzenz Nathan (STUDENTS)" userId="f4f67b1a-e021-4569-b4a5-fe6b7216375a" providerId="ADAL" clId="{1B412370-03EF-43FC-8E5A-92C57D904F98}" dt="2023-12-17T14:41:07.807" v="3553" actId="13926"/>
-          <ac:spMkLst>
-            <pc:docMk/>
-            <pc:sldMk cId="1408582473" sldId="363"/>
-            <ac:spMk id="6" creationId="{2061B201-F227-FA31-2254-A7112A8171FC}"/>
-          </ac:spMkLst>
-        </pc:spChg>
-        <pc:spChg chg="mod">
-          <ac:chgData name="Uhr, Vinzenz Nathan (STUDENTS)" userId="f4f67b1a-e021-4569-b4a5-fe6b7216375a" providerId="ADAL" clId="{1B412370-03EF-43FC-8E5A-92C57D904F98}" dt="2023-12-17T13:17:48.061" v="2232" actId="20577"/>
-          <ac:spMkLst>
-            <pc:docMk/>
-            <pc:sldMk cId="1408582473" sldId="363"/>
-            <ac:spMk id="8" creationId="{C623C825-F4EC-9A85-5D47-75F36717A849}"/>
-          </ac:spMkLst>
-        </pc:spChg>
-        <pc:spChg chg="add mod">
-          <ac:chgData name="Uhr, Vinzenz Nathan (STUDENTS)" userId="f4f67b1a-e021-4569-b4a5-fe6b7216375a" providerId="ADAL" clId="{1B412370-03EF-43FC-8E5A-92C57D904F98}" dt="2023-12-17T15:44:46.919" v="3909" actId="1036"/>
-          <ac:spMkLst>
-            <pc:docMk/>
-            <pc:sldMk cId="1408582473" sldId="363"/>
-            <ac:spMk id="9" creationId="{5C1AC722-2F37-81F9-F766-EBC7EB33788B}"/>
-          </ac:spMkLst>
-        </pc:spChg>
-        <pc:picChg chg="add mod">
-          <ac:chgData name="Uhr, Vinzenz Nathan (STUDENTS)" userId="f4f67b1a-e021-4569-b4a5-fe6b7216375a" providerId="ADAL" clId="{1B412370-03EF-43FC-8E5A-92C57D904F98}" dt="2023-12-17T15:44:46.919" v="3909" actId="1036"/>
-          <ac:picMkLst>
-            <pc:docMk/>
-            <pc:sldMk cId="1408582473" sldId="363"/>
-            <ac:picMk id="11" creationId="{E43C456C-BE83-38EC-C63D-E191A20E45A0}"/>
-          </ac:picMkLst>
-        </pc:picChg>
-        <pc:picChg chg="add del mod">
-          <ac:chgData name="Uhr, Vinzenz Nathan (STUDENTS)" userId="f4f67b1a-e021-4569-b4a5-fe6b7216375a" providerId="ADAL" clId="{1B412370-03EF-43FC-8E5A-92C57D904F98}" dt="2023-12-17T15:40:23.916" v="3704" actId="478"/>
-          <ac:picMkLst>
-            <pc:docMk/>
-            <pc:sldMk cId="1408582473" sldId="363"/>
-            <ac:picMk id="12" creationId="{EF3D3CB8-87A9-33B1-A46B-A9F250377520}"/>
-          </ac:picMkLst>
-        </pc:picChg>
-      </pc:sldChg>
-      <pc:sldChg chg="addSp modSp new del mod">
-        <pc:chgData name="Uhr, Vinzenz Nathan (STUDENTS)" userId="f4f67b1a-e021-4569-b4a5-fe6b7216375a" providerId="ADAL" clId="{1B412370-03EF-43FC-8E5A-92C57D904F98}" dt="2023-12-17T13:46:56.731" v="2358" actId="47"/>
-        <pc:sldMkLst>
-          <pc:docMk/>
-          <pc:sldMk cId="3186789533" sldId="364"/>
-        </pc:sldMkLst>
-        <pc:spChg chg="mod">
-          <ac:chgData name="Uhr, Vinzenz Nathan (STUDENTS)" userId="f4f67b1a-e021-4569-b4a5-fe6b7216375a" providerId="ADAL" clId="{1B412370-03EF-43FC-8E5A-92C57D904F98}" dt="2023-12-17T13:19:27.954" v="2266" actId="20577"/>
-          <ac:spMkLst>
-            <pc:docMk/>
-            <pc:sldMk cId="3186789533" sldId="364"/>
-            <ac:spMk id="8" creationId="{AC7701F3-38ED-D65E-6070-B7BC3C6F687F}"/>
-          </ac:spMkLst>
-        </pc:spChg>
-        <pc:picChg chg="add mod">
-          <ac:chgData name="Uhr, Vinzenz Nathan (STUDENTS)" userId="f4f67b1a-e021-4569-b4a5-fe6b7216375a" providerId="ADAL" clId="{1B412370-03EF-43FC-8E5A-92C57D904F98}" dt="2023-12-17T13:21:52.894" v="2270" actId="14100"/>
-          <ac:picMkLst>
-            <pc:docMk/>
-            <pc:sldMk cId="3186789533" sldId="364"/>
-            <ac:picMk id="10" creationId="{A45D931B-BD2F-B062-AE02-0A144FC53503}"/>
-          </ac:picMkLst>
-        </pc:picChg>
-      </pc:sldChg>
-      <pc:sldChg chg="addSp delSp modSp add mod">
-        <pc:chgData name="Uhr, Vinzenz Nathan (STUDENTS)" userId="f4f67b1a-e021-4569-b4a5-fe6b7216375a" providerId="ADAL" clId="{1B412370-03EF-43FC-8E5A-92C57D904F98}" dt="2023-12-17T15:50:47.402" v="4024" actId="20577"/>
-        <pc:sldMkLst>
-          <pc:docMk/>
-          <pc:sldMk cId="2702227377" sldId="365"/>
-        </pc:sldMkLst>
-        <pc:spChg chg="mod">
-          <ac:chgData name="Uhr, Vinzenz Nathan (STUDENTS)" userId="f4f67b1a-e021-4569-b4a5-fe6b7216375a" providerId="ADAL" clId="{1B412370-03EF-43FC-8E5A-92C57D904F98}" dt="2023-12-17T15:37:54.325" v="3679" actId="13926"/>
-          <ac:spMkLst>
-            <pc:docMk/>
-            <pc:sldMk cId="2702227377" sldId="365"/>
-            <ac:spMk id="3" creationId="{65C54322-3AFB-6B90-7991-F5DCF32419DC}"/>
-          </ac:spMkLst>
-        </pc:spChg>
-        <pc:spChg chg="mod">
-          <ac:chgData name="Uhr, Vinzenz Nathan (STUDENTS)" userId="f4f67b1a-e021-4569-b4a5-fe6b7216375a" providerId="ADAL" clId="{1B412370-03EF-43FC-8E5A-92C57D904F98}" dt="2023-12-17T15:50:47.402" v="4024" actId="20577"/>
-          <ac:spMkLst>
-            <pc:docMk/>
-            <pc:sldMk cId="2702227377" sldId="365"/>
-            <ac:spMk id="4" creationId="{72D67A95-CBDB-2F4F-4B63-419F5AD03318}"/>
-          </ac:spMkLst>
-        </pc:spChg>
-        <pc:spChg chg="add del mod ord">
-          <ac:chgData name="Uhr, Vinzenz Nathan (STUDENTS)" userId="f4f67b1a-e021-4569-b4a5-fe6b7216375a" providerId="ADAL" clId="{1B412370-03EF-43FC-8E5A-92C57D904F98}" dt="2023-12-17T15:50:11.432" v="4012" actId="167"/>
-          <ac:spMkLst>
-            <pc:docMk/>
-            <pc:sldMk cId="2702227377" sldId="365"/>
-            <ac:spMk id="6" creationId="{C2378552-6982-B224-57A9-A5FE26C7ECB1}"/>
-          </ac:spMkLst>
-        </pc:spChg>
-        <pc:spChg chg="mod">
-          <ac:chgData name="Uhr, Vinzenz Nathan (STUDENTS)" userId="f4f67b1a-e021-4569-b4a5-fe6b7216375a" providerId="ADAL" clId="{1B412370-03EF-43FC-8E5A-92C57D904F98}" dt="2023-12-17T13:22:04.556" v="2272"/>
-          <ac:spMkLst>
-            <pc:docMk/>
-            <pc:sldMk cId="2702227377" sldId="365"/>
-            <ac:spMk id="8" creationId="{47E7FE34-E313-80E1-3542-E7E7C9E83C35}"/>
-          </ac:spMkLst>
-        </pc:spChg>
-        <pc:spChg chg="add del mod">
-          <ac:chgData name="Uhr, Vinzenz Nathan (STUDENTS)" userId="f4f67b1a-e021-4569-b4a5-fe6b7216375a" providerId="ADAL" clId="{1B412370-03EF-43FC-8E5A-92C57D904F98}" dt="2023-12-17T13:22:31.640" v="2281" actId="478"/>
-          <ac:spMkLst>
-            <pc:docMk/>
-            <pc:sldMk cId="2702227377" sldId="365"/>
-            <ac:spMk id="11" creationId="{384593E6-A676-E636-6B6D-41282F9A0B1F}"/>
-          </ac:spMkLst>
-        </pc:spChg>
-        <pc:picChg chg="add del mod ord">
-          <ac:chgData name="Uhr, Vinzenz Nathan (STUDENTS)" userId="f4f67b1a-e021-4569-b4a5-fe6b7216375a" providerId="ADAL" clId="{1B412370-03EF-43FC-8E5A-92C57D904F98}" dt="2023-12-17T13:46:52.300" v="2357" actId="478"/>
-          <ac:picMkLst>
-            <pc:docMk/>
-            <pc:sldMk cId="2702227377" sldId="365"/>
-            <ac:picMk id="9" creationId="{1EC5430D-6DC1-DEC1-C51F-14FCB805142D}"/>
-          </ac:picMkLst>
-        </pc:picChg>
-        <pc:picChg chg="del">
-          <ac:chgData name="Uhr, Vinzenz Nathan (STUDENTS)" userId="f4f67b1a-e021-4569-b4a5-fe6b7216375a" providerId="ADAL" clId="{1B412370-03EF-43FC-8E5A-92C57D904F98}" dt="2023-12-17T13:22:22.259" v="2279" actId="478"/>
-          <ac:picMkLst>
-            <pc:docMk/>
-            <pc:sldMk cId="2702227377" sldId="365"/>
-            <ac:picMk id="12" creationId="{0BEB866B-6D46-2FEE-2ABF-86E5621D8507}"/>
-          </ac:picMkLst>
-        </pc:picChg>
-        <pc:picChg chg="add del mod">
-          <ac:chgData name="Uhr, Vinzenz Nathan (STUDENTS)" userId="f4f67b1a-e021-4569-b4a5-fe6b7216375a" providerId="ADAL" clId="{1B412370-03EF-43FC-8E5A-92C57D904F98}" dt="2023-12-17T15:50:07.903" v="4011" actId="478"/>
-          <ac:picMkLst>
-            <pc:docMk/>
-            <pc:sldMk cId="2702227377" sldId="365"/>
-            <ac:picMk id="14" creationId="{6A148630-B2D7-DD78-DAE0-46D58B433933}"/>
-          </ac:picMkLst>
-        </pc:picChg>
-        <pc:picChg chg="add del mod">
-          <ac:chgData name="Uhr, Vinzenz Nathan (STUDENTS)" userId="f4f67b1a-e021-4569-b4a5-fe6b7216375a" providerId="ADAL" clId="{1B412370-03EF-43FC-8E5A-92C57D904F98}" dt="2023-12-17T15:35:24.749" v="3564" actId="478"/>
-          <ac:picMkLst>
-            <pc:docMk/>
-            <pc:sldMk cId="2702227377" sldId="365"/>
-            <ac:picMk id="15" creationId="{AE570718-05B2-9A03-0E1B-4B66AFC5C7C8}"/>
-          </ac:picMkLst>
-        </pc:picChg>
-        <pc:picChg chg="add mod ord">
-          <ac:chgData name="Uhr, Vinzenz Nathan (STUDENTS)" userId="f4f67b1a-e021-4569-b4a5-fe6b7216375a" providerId="ADAL" clId="{1B412370-03EF-43FC-8E5A-92C57D904F98}" dt="2023-12-17T15:50:14.187" v="4013" actId="166"/>
-          <ac:picMkLst>
-            <pc:docMk/>
-            <pc:sldMk cId="2702227377" sldId="365"/>
-            <ac:picMk id="17" creationId="{2A630AFF-7CF1-C8CF-BAE0-ADE035A50284}"/>
-          </ac:picMkLst>
-        </pc:picChg>
-      </pc:sldChg>
-      <pc:sldChg chg="addSp delSp modSp new mod">
-        <pc:chgData name="Uhr, Vinzenz Nathan (STUDENTS)" userId="f4f67b1a-e021-4569-b4a5-fe6b7216375a" providerId="ADAL" clId="{1B412370-03EF-43FC-8E5A-92C57D904F98}" dt="2023-12-17T13:48:27.956" v="2393" actId="478"/>
-        <pc:sldMkLst>
-          <pc:docMk/>
-          <pc:sldMk cId="2412273423" sldId="366"/>
-        </pc:sldMkLst>
-        <pc:spChg chg="del">
-          <ac:chgData name="Uhr, Vinzenz Nathan (STUDENTS)" userId="f4f67b1a-e021-4569-b4a5-fe6b7216375a" providerId="ADAL" clId="{1B412370-03EF-43FC-8E5A-92C57D904F98}" dt="2023-12-17T13:48:27.956" v="2393" actId="478"/>
-          <ac:spMkLst>
-            <pc:docMk/>
-            <pc:sldMk cId="2412273423" sldId="366"/>
-            <ac:spMk id="2" creationId="{1A44AD57-923D-98B6-0710-BE55FB8DDC77}"/>
-          </ac:spMkLst>
-        </pc:spChg>
-        <pc:spChg chg="mod">
-          <ac:chgData name="Uhr, Vinzenz Nathan (STUDENTS)" userId="f4f67b1a-e021-4569-b4a5-fe6b7216375a" providerId="ADAL" clId="{1B412370-03EF-43FC-8E5A-92C57D904F98}" dt="2023-12-17T13:48:24.947" v="2392" actId="20577"/>
-          <ac:spMkLst>
-            <pc:docMk/>
-            <pc:sldMk cId="2412273423" sldId="366"/>
-            <ac:spMk id="8" creationId="{3780F98F-B245-3FF5-69BD-C5D7D2D1BBE9}"/>
-          </ac:spMkLst>
-        </pc:spChg>
-        <pc:picChg chg="add mod">
-          <ac:chgData name="Uhr, Vinzenz Nathan (STUDENTS)" userId="f4f67b1a-e021-4569-b4a5-fe6b7216375a" providerId="ADAL" clId="{1B412370-03EF-43FC-8E5A-92C57D904F98}" dt="2023-12-17T13:48:20.868" v="2375" actId="1076"/>
-          <ac:picMkLst>
-            <pc:docMk/>
-            <pc:sldMk cId="2412273423" sldId="366"/>
-            <ac:picMk id="10" creationId="{989CB69D-D768-53EB-44C7-6EEA5C5282C5}"/>
-          </ac:picMkLst>
-        </pc:picChg>
-      </pc:sldChg>
-      <pc:sldChg chg="modSp add del mod">
-        <pc:chgData name="Uhr, Vinzenz Nathan (STUDENTS)" userId="f4f67b1a-e021-4569-b4a5-fe6b7216375a" providerId="ADAL" clId="{1B412370-03EF-43FC-8E5A-92C57D904F98}" dt="2023-12-17T14:40:38.276" v="3547" actId="47"/>
-        <pc:sldMkLst>
-          <pc:docMk/>
-          <pc:sldMk cId="1116412714" sldId="367"/>
-        </pc:sldMkLst>
-        <pc:spChg chg="mod">
-          <ac:chgData name="Uhr, Vinzenz Nathan (STUDENTS)" userId="f4f67b1a-e021-4569-b4a5-fe6b7216375a" providerId="ADAL" clId="{1B412370-03EF-43FC-8E5A-92C57D904F98}" dt="2023-12-17T13:47:37.804" v="2373" actId="20577"/>
-          <ac:spMkLst>
-            <pc:docMk/>
-            <pc:sldMk cId="1116412714" sldId="367"/>
-            <ac:spMk id="4" creationId="{695F92CF-A460-955B-BE6A-033972C8D7EF}"/>
-          </ac:spMkLst>
-        </pc:spChg>
-      </pc:sldChg>
-      <pc:sldChg chg="new del">
-        <pc:chgData name="Uhr, Vinzenz Nathan (STUDENTS)" userId="f4f67b1a-e021-4569-b4a5-fe6b7216375a" providerId="ADAL" clId="{1B412370-03EF-43FC-8E5A-92C57D904F98}" dt="2023-12-17T13:48:34.493" v="2395" actId="47"/>
-        <pc:sldMkLst>
-          <pc:docMk/>
-          <pc:sldMk cId="3115408663" sldId="368"/>
-        </pc:sldMkLst>
-      </pc:sldChg>
-      <pc:sldChg chg="addSp delSp modSp add mod">
-        <pc:chgData name="Uhr, Vinzenz Nathan (STUDENTS)" userId="f4f67b1a-e021-4569-b4a5-fe6b7216375a" providerId="ADAL" clId="{1B412370-03EF-43FC-8E5A-92C57D904F98}" dt="2023-12-17T16:17:40.486" v="4133" actId="1076"/>
-        <pc:sldMkLst>
-          <pc:docMk/>
-          <pc:sldMk cId="3469000355" sldId="368"/>
-        </pc:sldMkLst>
-        <pc:spChg chg="mod">
-          <ac:chgData name="Uhr, Vinzenz Nathan (STUDENTS)" userId="f4f67b1a-e021-4569-b4a5-fe6b7216375a" providerId="ADAL" clId="{1B412370-03EF-43FC-8E5A-92C57D904F98}" dt="2023-12-17T16:16:26.836" v="4126" actId="13926"/>
-          <ac:spMkLst>
-            <pc:docMk/>
-            <pc:sldMk cId="3469000355" sldId="368"/>
-            <ac:spMk id="4" creationId="{72D67A95-CBDB-2F4F-4B63-419F5AD03318}"/>
-          </ac:spMkLst>
-        </pc:spChg>
-        <pc:spChg chg="mod">
-          <ac:chgData name="Uhr, Vinzenz Nathan (STUDENTS)" userId="f4f67b1a-e021-4569-b4a5-fe6b7216375a" providerId="ADAL" clId="{1B412370-03EF-43FC-8E5A-92C57D904F98}" dt="2023-12-17T16:17:35.961" v="4132" actId="20577"/>
-          <ac:spMkLst>
-            <pc:docMk/>
-            <pc:sldMk cId="3469000355" sldId="368"/>
-            <ac:spMk id="6" creationId="{C2378552-6982-B224-57A9-A5FE26C7ECB1}"/>
-          </ac:spMkLst>
-        </pc:spChg>
-        <pc:spChg chg="mod">
-          <ac:chgData name="Uhr, Vinzenz Nathan (STUDENTS)" userId="f4f67b1a-e021-4569-b4a5-fe6b7216375a" providerId="ADAL" clId="{1B412370-03EF-43FC-8E5A-92C57D904F98}" dt="2023-12-17T14:41:21.921" v="3556" actId="20577"/>
-          <ac:spMkLst>
-            <pc:docMk/>
-            <pc:sldMk cId="3469000355" sldId="368"/>
-            <ac:spMk id="8" creationId="{47E7FE34-E313-80E1-3542-E7E7C9E83C35}"/>
-          </ac:spMkLst>
-        </pc:spChg>
-        <pc:picChg chg="add mod">
-          <ac:chgData name="Uhr, Vinzenz Nathan (STUDENTS)" userId="f4f67b1a-e021-4569-b4a5-fe6b7216375a" providerId="ADAL" clId="{1B412370-03EF-43FC-8E5A-92C57D904F98}" dt="2023-12-17T16:17:40.486" v="4133" actId="1076"/>
-          <ac:picMkLst>
-            <pc:docMk/>
-            <pc:sldMk cId="3469000355" sldId="368"/>
-            <ac:picMk id="10" creationId="{ABE87ED6-25B2-37CB-FAC0-E4A9C12A21FA}"/>
-          </ac:picMkLst>
-        </pc:picChg>
-        <pc:picChg chg="del">
-          <ac:chgData name="Uhr, Vinzenz Nathan (STUDENTS)" userId="f4f67b1a-e021-4569-b4a5-fe6b7216375a" providerId="ADAL" clId="{1B412370-03EF-43FC-8E5A-92C57D904F98}" dt="2023-12-17T16:17:33.634" v="4131" actId="478"/>
-          <ac:picMkLst>
-            <pc:docMk/>
-            <pc:sldMk cId="3469000355" sldId="368"/>
-            <ac:picMk id="12" creationId="{0BEB866B-6D46-2FEE-2ABF-86E5621D8507}"/>
-          </ac:picMkLst>
-        </pc:picChg>
-      </pc:sldChg>
-      <pc:sldChg chg="modSp add del mod">
-        <pc:chgData name="Uhr, Vinzenz Nathan (STUDENTS)" userId="f4f67b1a-e021-4569-b4a5-fe6b7216375a" providerId="ADAL" clId="{1B412370-03EF-43FC-8E5A-92C57D904F98}" dt="2023-12-17T14:40:13.503" v="3536" actId="47"/>
-        <pc:sldMkLst>
-          <pc:docMk/>
-          <pc:sldMk cId="420999742" sldId="369"/>
-        </pc:sldMkLst>
-        <pc:spChg chg="mod">
-          <ac:chgData name="Uhr, Vinzenz Nathan (STUDENTS)" userId="f4f67b1a-e021-4569-b4a5-fe6b7216375a" providerId="ADAL" clId="{1B412370-03EF-43FC-8E5A-92C57D904F98}" dt="2023-12-17T13:51:51.421" v="2642" actId="20577"/>
-          <ac:spMkLst>
-            <pc:docMk/>
-            <pc:sldMk cId="420999742" sldId="369"/>
-            <ac:spMk id="4" creationId="{695F92CF-A460-955B-BE6A-033972C8D7EF}"/>
-          </ac:spMkLst>
-        </pc:spChg>
-      </pc:sldChg>
-      <pc:sldChg chg="delSp modSp add mod">
-        <pc:chgData name="Uhr, Vinzenz Nathan (STUDENTS)" userId="f4f67b1a-e021-4569-b4a5-fe6b7216375a" providerId="ADAL" clId="{1B412370-03EF-43FC-8E5A-92C57D904F98}" dt="2023-12-17T16:18:27.951" v="4135" actId="13926"/>
-        <pc:sldMkLst>
-          <pc:docMk/>
-          <pc:sldMk cId="113158588" sldId="370"/>
-        </pc:sldMkLst>
-        <pc:spChg chg="mod">
-          <ac:chgData name="Uhr, Vinzenz Nathan (STUDENTS)" userId="f4f67b1a-e021-4569-b4a5-fe6b7216375a" providerId="ADAL" clId="{1B412370-03EF-43FC-8E5A-92C57D904F98}" dt="2023-12-17T13:51:00.336" v="2534" actId="20577"/>
-          <ac:spMkLst>
-            <pc:docMk/>
-            <pc:sldMk cId="113158588" sldId="370"/>
-            <ac:spMk id="3" creationId="{65C54322-3AFB-6B90-7991-F5DCF32419DC}"/>
-          </ac:spMkLst>
-        </pc:spChg>
-        <pc:spChg chg="mod">
-          <ac:chgData name="Uhr, Vinzenz Nathan (STUDENTS)" userId="f4f67b1a-e021-4569-b4a5-fe6b7216375a" providerId="ADAL" clId="{1B412370-03EF-43FC-8E5A-92C57D904F98}" dt="2023-12-17T16:18:27.951" v="4135" actId="13926"/>
-          <ac:spMkLst>
-            <pc:docMk/>
-            <pc:sldMk cId="113158588" sldId="370"/>
-            <ac:spMk id="4" creationId="{72D67A95-CBDB-2F4F-4B63-419F5AD03318}"/>
-          </ac:spMkLst>
-        </pc:spChg>
-        <pc:spChg chg="mod">
-          <ac:chgData name="Uhr, Vinzenz Nathan (STUDENTS)" userId="f4f67b1a-e021-4569-b4a5-fe6b7216375a" providerId="ADAL" clId="{1B412370-03EF-43FC-8E5A-92C57D904F98}" dt="2023-12-17T13:52:22.108" v="2672" actId="20577"/>
-          <ac:spMkLst>
-            <pc:docMk/>
-            <pc:sldMk cId="113158588" sldId="370"/>
-            <ac:spMk id="6" creationId="{C2378552-6982-B224-57A9-A5FE26C7ECB1}"/>
-          </ac:spMkLst>
-        </pc:spChg>
-        <pc:spChg chg="mod">
-          <ac:chgData name="Uhr, Vinzenz Nathan (STUDENTS)" userId="f4f67b1a-e021-4569-b4a5-fe6b7216375a" providerId="ADAL" clId="{1B412370-03EF-43FC-8E5A-92C57D904F98}" dt="2023-12-17T13:52:09.185" v="2661" actId="20577"/>
-          <ac:spMkLst>
-            <pc:docMk/>
-            <pc:sldMk cId="113158588" sldId="370"/>
-            <ac:spMk id="8" creationId="{47E7FE34-E313-80E1-3542-E7E7C9E83C35}"/>
-          </ac:spMkLst>
-        </pc:spChg>
-        <pc:picChg chg="del">
-          <ac:chgData name="Uhr, Vinzenz Nathan (STUDENTS)" userId="f4f67b1a-e021-4569-b4a5-fe6b7216375a" providerId="ADAL" clId="{1B412370-03EF-43FC-8E5A-92C57D904F98}" dt="2023-12-17T13:52:19.005" v="2669" actId="478"/>
-          <ac:picMkLst>
-            <pc:docMk/>
-            <pc:sldMk cId="113158588" sldId="370"/>
-            <ac:picMk id="12" creationId="{0BEB866B-6D46-2FEE-2ABF-86E5621D8507}"/>
-          </ac:picMkLst>
-        </pc:picChg>
-      </pc:sldChg>
-      <pc:sldChg chg="delSp modSp add mod ord">
-        <pc:chgData name="Uhr, Vinzenz Nathan (STUDENTS)" userId="f4f67b1a-e021-4569-b4a5-fe6b7216375a" providerId="ADAL" clId="{1B412370-03EF-43FC-8E5A-92C57D904F98}" dt="2023-12-17T14:03:31.005" v="3000" actId="478"/>
-        <pc:sldMkLst>
-          <pc:docMk/>
-          <pc:sldMk cId="1108949480" sldId="371"/>
-        </pc:sldMkLst>
-        <pc:spChg chg="mod">
-          <ac:chgData name="Uhr, Vinzenz Nathan (STUDENTS)" userId="f4f67b1a-e021-4569-b4a5-fe6b7216375a" providerId="ADAL" clId="{1B412370-03EF-43FC-8E5A-92C57D904F98}" dt="2023-12-17T14:03:30.565" v="2999" actId="20577"/>
-          <ac:spMkLst>
-            <pc:docMk/>
-            <pc:sldMk cId="1108949480" sldId="371"/>
-            <ac:spMk id="6" creationId="{C2378552-6982-B224-57A9-A5FE26C7ECB1}"/>
-          </ac:spMkLst>
-        </pc:spChg>
-        <pc:picChg chg="del">
-          <ac:chgData name="Uhr, Vinzenz Nathan (STUDENTS)" userId="f4f67b1a-e021-4569-b4a5-fe6b7216375a" providerId="ADAL" clId="{1B412370-03EF-43FC-8E5A-92C57D904F98}" dt="2023-12-17T14:03:31.005" v="3000" actId="478"/>
-          <ac:picMkLst>
-            <pc:docMk/>
-            <pc:sldMk cId="1108949480" sldId="371"/>
-            <ac:picMk id="12" creationId="{0BEB866B-6D46-2FEE-2ABF-86E5621D8507}"/>
-          </ac:picMkLst>
-        </pc:picChg>
-      </pc:sldChg>
-      <pc:sldChg chg="addSp modSp new mod modNotesTx">
-        <pc:chgData name="Uhr, Vinzenz Nathan (STUDENTS)" userId="f4f67b1a-e021-4569-b4a5-fe6b7216375a" providerId="ADAL" clId="{1B412370-03EF-43FC-8E5A-92C57D904F98}" dt="2023-12-17T15:59:46.386" v="4125" actId="20577"/>
-        <pc:sldMkLst>
-          <pc:docMk/>
-          <pc:sldMk cId="2125074707" sldId="372"/>
-        </pc:sldMkLst>
-        <pc:spChg chg="mod">
-          <ac:chgData name="Uhr, Vinzenz Nathan (STUDENTS)" userId="f4f67b1a-e021-4569-b4a5-fe6b7216375a" providerId="ADAL" clId="{1B412370-03EF-43FC-8E5A-92C57D904F98}" dt="2023-12-17T15:59:46.386" v="4125" actId="20577"/>
-          <ac:spMkLst>
-            <pc:docMk/>
-            <pc:sldMk cId="2125074707" sldId="372"/>
-            <ac:spMk id="4" creationId="{3A20D528-4AAF-7815-962E-52C8B803213F}"/>
-          </ac:spMkLst>
-        </pc:spChg>
-        <pc:spChg chg="mod">
-          <ac:chgData name="Uhr, Vinzenz Nathan (STUDENTS)" userId="f4f67b1a-e021-4569-b4a5-fe6b7216375a" providerId="ADAL" clId="{1B412370-03EF-43FC-8E5A-92C57D904F98}" dt="2023-12-17T13:56:09.234" v="2919" actId="20577"/>
-          <ac:spMkLst>
-            <pc:docMk/>
-            <pc:sldMk cId="2125074707" sldId="372"/>
-            <ac:spMk id="6" creationId="{4485FE72-2E3C-4683-BF7E-AF27A2C65C5B}"/>
-          </ac:spMkLst>
-        </pc:spChg>
-        <pc:spChg chg="mod">
-          <ac:chgData name="Uhr, Vinzenz Nathan (STUDENTS)" userId="f4f67b1a-e021-4569-b4a5-fe6b7216375a" providerId="ADAL" clId="{1B412370-03EF-43FC-8E5A-92C57D904F98}" dt="2023-12-17T13:52:35.517" v="2699" actId="20577"/>
-          <ac:spMkLst>
-            <pc:docMk/>
-            <pc:sldMk cId="2125074707" sldId="372"/>
-            <ac:spMk id="8" creationId="{DEBEDC3D-6F6C-5D18-3F70-89CAFDE94F94}"/>
-          </ac:spMkLst>
-        </pc:spChg>
-        <pc:picChg chg="add mod">
-          <ac:chgData name="Uhr, Vinzenz Nathan (STUDENTS)" userId="f4f67b1a-e021-4569-b4a5-fe6b7216375a" providerId="ADAL" clId="{1B412370-03EF-43FC-8E5A-92C57D904F98}" dt="2023-12-17T13:55:54.950" v="2875" actId="14100"/>
-          <ac:picMkLst>
-            <pc:docMk/>
-            <pc:sldMk cId="2125074707" sldId="372"/>
-            <ac:picMk id="10" creationId="{CE4F7A03-E7D6-4149-B5C0-21F5A8CABB5B}"/>
-          </ac:picMkLst>
-        </pc:picChg>
-      </pc:sldChg>
-      <pc:sldChg chg="modSp new mod">
-        <pc:chgData name="Uhr, Vinzenz Nathan (STUDENTS)" userId="f4f67b1a-e021-4569-b4a5-fe6b7216375a" providerId="ADAL" clId="{1B412370-03EF-43FC-8E5A-92C57D904F98}" dt="2023-12-17T14:38:43.197" v="3501" actId="20577"/>
-        <pc:sldMkLst>
-          <pc:docMk/>
-          <pc:sldMk cId="555448415" sldId="373"/>
-        </pc:sldMkLst>
-        <pc:spChg chg="mod">
-          <ac:chgData name="Uhr, Vinzenz Nathan (STUDENTS)" userId="f4f67b1a-e021-4569-b4a5-fe6b7216375a" providerId="ADAL" clId="{1B412370-03EF-43FC-8E5A-92C57D904F98}" dt="2023-12-17T14:38:43.197" v="3501" actId="20577"/>
-          <ac:spMkLst>
-            <pc:docMk/>
-            <pc:sldMk cId="555448415" sldId="373"/>
-            <ac:spMk id="3" creationId="{EF29294F-99C7-DC8B-3428-F47525B2AB56}"/>
-          </ac:spMkLst>
-        </pc:spChg>
-        <pc:spChg chg="mod">
-          <ac:chgData name="Uhr, Vinzenz Nathan (STUDENTS)" userId="f4f67b1a-e021-4569-b4a5-fe6b7216375a" providerId="ADAL" clId="{1B412370-03EF-43FC-8E5A-92C57D904F98}" dt="2023-12-17T14:37:53.993" v="3404"/>
-          <ac:spMkLst>
-            <pc:docMk/>
-            <pc:sldMk cId="555448415" sldId="373"/>
-            <ac:spMk id="6" creationId="{94CDB2C8-9321-68C5-2C0A-8EC29894AD56}"/>
-          </ac:spMkLst>
-        </pc:spChg>
-      </pc:sldChg>
-      <pc:sldChg chg="new del">
-        <pc:chgData name="Uhr, Vinzenz Nathan (STUDENTS)" userId="f4f67b1a-e021-4569-b4a5-fe6b7216375a" providerId="ADAL" clId="{1B412370-03EF-43FC-8E5A-92C57D904F98}" dt="2023-12-17T14:32:45.701" v="3395" actId="47"/>
-        <pc:sldMkLst>
-          <pc:docMk/>
-          <pc:sldMk cId="1490057299" sldId="373"/>
-        </pc:sldMkLst>
-      </pc:sldChg>
-      <pc:sldChg chg="modSp add mod">
-        <pc:chgData name="Uhr, Vinzenz Nathan (STUDENTS)" userId="f4f67b1a-e021-4569-b4a5-fe6b7216375a" providerId="ADAL" clId="{1B412370-03EF-43FC-8E5A-92C57D904F98}" dt="2023-12-17T14:39:18.889" v="3520" actId="207"/>
-        <pc:sldMkLst>
-          <pc:docMk/>
-          <pc:sldMk cId="572200740" sldId="374"/>
-        </pc:sldMkLst>
-        <pc:spChg chg="mod">
-          <ac:chgData name="Uhr, Vinzenz Nathan (STUDENTS)" userId="f4f67b1a-e021-4569-b4a5-fe6b7216375a" providerId="ADAL" clId="{1B412370-03EF-43FC-8E5A-92C57D904F98}" dt="2023-12-17T14:38:56.350" v="3504" actId="207"/>
-          <ac:spMkLst>
-            <pc:docMk/>
-            <pc:sldMk cId="572200740" sldId="374"/>
-            <ac:spMk id="3" creationId="{EF29294F-99C7-DC8B-3428-F47525B2AB56}"/>
-          </ac:spMkLst>
-        </pc:spChg>
-        <pc:spChg chg="mod">
-          <ac:chgData name="Uhr, Vinzenz Nathan (STUDENTS)" userId="f4f67b1a-e021-4569-b4a5-fe6b7216375a" providerId="ADAL" clId="{1B412370-03EF-43FC-8E5A-92C57D904F98}" dt="2023-12-17T14:39:18.889" v="3520" actId="207"/>
-          <ac:spMkLst>
-            <pc:docMk/>
-            <pc:sldMk cId="572200740" sldId="374"/>
-            <ac:spMk id="6" creationId="{94CDB2C8-9321-68C5-2C0A-8EC29894AD56}"/>
-          </ac:spMkLst>
-        </pc:spChg>
-      </pc:sldChg>
-      <pc:sldChg chg="add del">
-        <pc:chgData name="Uhr, Vinzenz Nathan (STUDENTS)" userId="f4f67b1a-e021-4569-b4a5-fe6b7216375a" providerId="ADAL" clId="{1B412370-03EF-43FC-8E5A-92C57D904F98}" dt="2023-12-17T14:39:03.319" v="3507"/>
-        <pc:sldMkLst>
-          <pc:docMk/>
-          <pc:sldMk cId="125382474" sldId="375"/>
-        </pc:sldMkLst>
-      </pc:sldChg>
-      <pc:sldChg chg="modSp add mod">
-        <pc:chgData name="Uhr, Vinzenz Nathan (STUDENTS)" userId="f4f67b1a-e021-4569-b4a5-fe6b7216375a" providerId="ADAL" clId="{1B412370-03EF-43FC-8E5A-92C57D904F98}" dt="2023-12-17T14:39:32.713" v="3523" actId="207"/>
-        <pc:sldMkLst>
-          <pc:docMk/>
-          <pc:sldMk cId="3960754585" sldId="375"/>
-        </pc:sldMkLst>
-        <pc:spChg chg="mod">
-          <ac:chgData name="Uhr, Vinzenz Nathan (STUDENTS)" userId="f4f67b1a-e021-4569-b4a5-fe6b7216375a" providerId="ADAL" clId="{1B412370-03EF-43FC-8E5A-92C57D904F98}" dt="2023-12-17T14:39:29.715" v="3522" actId="207"/>
-          <ac:spMkLst>
-            <pc:docMk/>
-            <pc:sldMk cId="3960754585" sldId="375"/>
-            <ac:spMk id="3" creationId="{EF29294F-99C7-DC8B-3428-F47525B2AB56}"/>
-          </ac:spMkLst>
-        </pc:spChg>
-        <pc:spChg chg="mod">
-          <ac:chgData name="Uhr, Vinzenz Nathan (STUDENTS)" userId="f4f67b1a-e021-4569-b4a5-fe6b7216375a" providerId="ADAL" clId="{1B412370-03EF-43FC-8E5A-92C57D904F98}" dt="2023-12-17T14:39:32.713" v="3523" actId="207"/>
-          <ac:spMkLst>
-            <pc:docMk/>
-            <pc:sldMk cId="3960754585" sldId="375"/>
-            <ac:spMk id="6" creationId="{94CDB2C8-9321-68C5-2C0A-8EC29894AD56}"/>
-          </ac:spMkLst>
-        </pc:spChg>
-      </pc:sldChg>
-      <pc:sldChg chg="modSp add mod">
-        <pc:chgData name="Uhr, Vinzenz Nathan (STUDENTS)" userId="f4f67b1a-e021-4569-b4a5-fe6b7216375a" providerId="ADAL" clId="{1B412370-03EF-43FC-8E5A-92C57D904F98}" dt="2023-12-17T14:39:48.566" v="3528" actId="207"/>
-        <pc:sldMkLst>
-          <pc:docMk/>
-          <pc:sldMk cId="997670502" sldId="376"/>
-        </pc:sldMkLst>
-        <pc:spChg chg="mod">
-          <ac:chgData name="Uhr, Vinzenz Nathan (STUDENTS)" userId="f4f67b1a-e021-4569-b4a5-fe6b7216375a" providerId="ADAL" clId="{1B412370-03EF-43FC-8E5A-92C57D904F98}" dt="2023-12-17T14:39:48.566" v="3528" actId="207"/>
-          <ac:spMkLst>
-            <pc:docMk/>
-            <pc:sldMk cId="997670502" sldId="376"/>
-            <ac:spMk id="3" creationId="{EF29294F-99C7-DC8B-3428-F47525B2AB56}"/>
-          </ac:spMkLst>
-        </pc:spChg>
-        <pc:spChg chg="mod">
-          <ac:chgData name="Uhr, Vinzenz Nathan (STUDENTS)" userId="f4f67b1a-e021-4569-b4a5-fe6b7216375a" providerId="ADAL" clId="{1B412370-03EF-43FC-8E5A-92C57D904F98}" dt="2023-12-17T14:39:46.427" v="3527" actId="207"/>
-          <ac:spMkLst>
-            <pc:docMk/>
-            <pc:sldMk cId="997670502" sldId="376"/>
-            <ac:spMk id="6" creationId="{94CDB2C8-9321-68C5-2C0A-8EC29894AD56}"/>
-          </ac:spMkLst>
-        </pc:spChg>
-      </pc:sldChg>
-      <pc:sldChg chg="modSp add mod">
-        <pc:chgData name="Uhr, Vinzenz Nathan (STUDENTS)" userId="f4f67b1a-e021-4569-b4a5-fe6b7216375a" providerId="ADAL" clId="{1B412370-03EF-43FC-8E5A-92C57D904F98}" dt="2023-12-17T14:40:06.315" v="3533" actId="207"/>
-        <pc:sldMkLst>
-          <pc:docMk/>
-          <pc:sldMk cId="2536002390" sldId="377"/>
-        </pc:sldMkLst>
-        <pc:spChg chg="mod">
-          <ac:chgData name="Uhr, Vinzenz Nathan (STUDENTS)" userId="f4f67b1a-e021-4569-b4a5-fe6b7216375a" providerId="ADAL" clId="{1B412370-03EF-43FC-8E5A-92C57D904F98}" dt="2023-12-17T14:40:06.315" v="3533" actId="207"/>
-          <ac:spMkLst>
-            <pc:docMk/>
-            <pc:sldMk cId="2536002390" sldId="377"/>
-            <ac:spMk id="3" creationId="{EF29294F-99C7-DC8B-3428-F47525B2AB56}"/>
-          </ac:spMkLst>
-        </pc:spChg>
-        <pc:spChg chg="mod">
-          <ac:chgData name="Uhr, Vinzenz Nathan (STUDENTS)" userId="f4f67b1a-e021-4569-b4a5-fe6b7216375a" providerId="ADAL" clId="{1B412370-03EF-43FC-8E5A-92C57D904F98}" dt="2023-12-17T14:40:02.870" v="3532" actId="207"/>
-          <ac:spMkLst>
-            <pc:docMk/>
-            <pc:sldMk cId="2536002390" sldId="377"/>
-            <ac:spMk id="6" creationId="{94CDB2C8-9321-68C5-2C0A-8EC29894AD56}"/>
-          </ac:spMkLst>
-        </pc:spChg>
-      </pc:sldChg>
-      <pc:sldChg chg="modSp add mod">
-        <pc:chgData name="Uhr, Vinzenz Nathan (STUDENTS)" userId="f4f67b1a-e021-4569-b4a5-fe6b7216375a" providerId="ADAL" clId="{1B412370-03EF-43FC-8E5A-92C57D904F98}" dt="2023-12-17T14:40:23.456" v="3540" actId="207"/>
-        <pc:sldMkLst>
-          <pc:docMk/>
-          <pc:sldMk cId="1133864350" sldId="378"/>
-        </pc:sldMkLst>
-        <pc:spChg chg="mod">
-          <ac:chgData name="Uhr, Vinzenz Nathan (STUDENTS)" userId="f4f67b1a-e021-4569-b4a5-fe6b7216375a" providerId="ADAL" clId="{1B412370-03EF-43FC-8E5A-92C57D904F98}" dt="2023-12-17T14:40:23.456" v="3540" actId="207"/>
-          <ac:spMkLst>
-            <pc:docMk/>
-            <pc:sldMk cId="1133864350" sldId="378"/>
-            <ac:spMk id="3" creationId="{EF29294F-99C7-DC8B-3428-F47525B2AB56}"/>
-          </ac:spMkLst>
-        </pc:spChg>
-        <pc:spChg chg="mod">
-          <ac:chgData name="Uhr, Vinzenz Nathan (STUDENTS)" userId="f4f67b1a-e021-4569-b4a5-fe6b7216375a" providerId="ADAL" clId="{1B412370-03EF-43FC-8E5A-92C57D904F98}" dt="2023-12-17T14:40:21.519" v="3539" actId="207"/>
-          <ac:spMkLst>
-            <pc:docMk/>
-            <pc:sldMk cId="1133864350" sldId="378"/>
-            <ac:spMk id="6" creationId="{94CDB2C8-9321-68C5-2C0A-8EC29894AD56}"/>
-          </ac:spMkLst>
-        </pc:spChg>
-      </pc:sldChg>
-      <pc:sldChg chg="modSp add mod">
-        <pc:chgData name="Uhr, Vinzenz Nathan (STUDENTS)" userId="f4f67b1a-e021-4569-b4a5-fe6b7216375a" providerId="ADAL" clId="{1B412370-03EF-43FC-8E5A-92C57D904F98}" dt="2023-12-17T14:40:34.367" v="3546" actId="207"/>
-        <pc:sldMkLst>
-          <pc:docMk/>
-          <pc:sldMk cId="1702536999" sldId="379"/>
-        </pc:sldMkLst>
-        <pc:spChg chg="mod">
-          <ac:chgData name="Uhr, Vinzenz Nathan (STUDENTS)" userId="f4f67b1a-e021-4569-b4a5-fe6b7216375a" providerId="ADAL" clId="{1B412370-03EF-43FC-8E5A-92C57D904F98}" dt="2023-12-17T14:40:34.367" v="3546" actId="207"/>
-          <ac:spMkLst>
-            <pc:docMk/>
-            <pc:sldMk cId="1702536999" sldId="379"/>
-            <ac:spMk id="3" creationId="{EF29294F-99C7-DC8B-3428-F47525B2AB56}"/>
-          </ac:spMkLst>
-        </pc:spChg>
-        <pc:spChg chg="mod">
-          <ac:chgData name="Uhr, Vinzenz Nathan (STUDENTS)" userId="f4f67b1a-e021-4569-b4a5-fe6b7216375a" providerId="ADAL" clId="{1B412370-03EF-43FC-8E5A-92C57D904F98}" dt="2023-12-17T14:40:32.244" v="3545" actId="207"/>
-          <ac:spMkLst>
-            <pc:docMk/>
-            <pc:sldMk cId="1702536999" sldId="379"/>
-            <ac:spMk id="6" creationId="{94CDB2C8-9321-68C5-2C0A-8EC29894AD56}"/>
-          </ac:spMkLst>
-        </pc:spChg>
-      </pc:sldChg>
-      <pc:sldChg chg="modSp new mod">
-        <pc:chgData name="Uhr, Vinzenz Nathan (STUDENTS)" userId="f4f67b1a-e021-4569-b4a5-fe6b7216375a" providerId="ADAL" clId="{1B412370-03EF-43FC-8E5A-92C57D904F98}" dt="2023-12-17T16:18:49.283" v="4164" actId="20577"/>
-        <pc:sldMkLst>
-          <pc:docMk/>
-          <pc:sldMk cId="3912337244" sldId="380"/>
-        </pc:sldMkLst>
-        <pc:spChg chg="mod">
-          <ac:chgData name="Uhr, Vinzenz Nathan (STUDENTS)" userId="f4f67b1a-e021-4569-b4a5-fe6b7216375a" providerId="ADAL" clId="{1B412370-03EF-43FC-8E5A-92C57D904F98}" dt="2023-12-17T16:18:49.283" v="4164" actId="20577"/>
-          <ac:spMkLst>
-            <pc:docMk/>
-            <pc:sldMk cId="3912337244" sldId="380"/>
-            <ac:spMk id="8" creationId="{34F6EDEA-AA49-099B-7D96-F7FD8A5C881E}"/>
-          </ac:spMkLst>
-        </pc:spChg>
-      </pc:sldChg>
-      <pc:sldMasterChg chg="delSldLayout">
-        <pc:chgData name="Uhr, Vinzenz Nathan (STUDENTS)" userId="f4f67b1a-e021-4569-b4a5-fe6b7216375a" providerId="ADAL" clId="{1B412370-03EF-43FC-8E5A-92C57D904F98}" dt="2023-12-17T14:40:38.276" v="3547" actId="47"/>
-        <pc:sldMasterMkLst>
-          <pc:docMk/>
-          <pc:sldMasterMk cId="1650500097" sldId="2147483682"/>
-        </pc:sldMasterMkLst>
-        <pc:sldLayoutChg chg="del">
-          <pc:chgData name="Uhr, Vinzenz Nathan (STUDENTS)" userId="f4f67b1a-e021-4569-b4a5-fe6b7216375a" providerId="ADAL" clId="{1B412370-03EF-43FC-8E5A-92C57D904F98}" dt="2023-12-17T11:52:58.083" v="9" actId="47"/>
-          <pc:sldLayoutMkLst>
-            <pc:docMk/>
-            <pc:sldMasterMk cId="1650500097" sldId="2147483682"/>
-            <pc:sldLayoutMk cId="3654419488" sldId="2147483785"/>
-          </pc:sldLayoutMkLst>
-        </pc:sldLayoutChg>
-        <pc:sldLayoutChg chg="del">
-          <pc:chgData name="Uhr, Vinzenz Nathan (STUDENTS)" userId="f4f67b1a-e021-4569-b4a5-fe6b7216375a" providerId="ADAL" clId="{1B412370-03EF-43FC-8E5A-92C57D904F98}" dt="2023-12-17T14:40:38.276" v="3547" actId="47"/>
-          <pc:sldLayoutMkLst>
-            <pc:docMk/>
-            <pc:sldMasterMk cId="1650500097" sldId="2147483682"/>
-            <pc:sldLayoutMk cId="1554876728" sldId="2147483788"/>
-          </pc:sldLayoutMkLst>
-        </pc:sldLayoutChg>
-      </pc:sldMasterChg>
-      <pc:sldMasterChg chg="delSldLayout">
-        <pc:chgData name="Uhr, Vinzenz Nathan (STUDENTS)" userId="f4f67b1a-e021-4569-b4a5-fe6b7216375a" providerId="ADAL" clId="{1B412370-03EF-43FC-8E5A-92C57D904F98}" dt="2023-12-17T14:38:59.060" v="3505" actId="47"/>
-        <pc:sldMasterMkLst>
-          <pc:docMk/>
-          <pc:sldMasterMk cId="2752052908" sldId="2147483692"/>
-        </pc:sldMasterMkLst>
-        <pc:sldLayoutChg chg="del">
-          <pc:chgData name="Uhr, Vinzenz Nathan (STUDENTS)" userId="f4f67b1a-e021-4569-b4a5-fe6b7216375a" providerId="ADAL" clId="{1B412370-03EF-43FC-8E5A-92C57D904F98}" dt="2023-12-17T14:38:59.060" v="3505" actId="47"/>
-          <pc:sldLayoutMkLst>
-            <pc:docMk/>
-            <pc:sldMasterMk cId="2752052908" sldId="2147483692"/>
-            <pc:sldLayoutMk cId="432469509" sldId="2147483787"/>
-          </pc:sldLayoutMkLst>
-        </pc:sldLayoutChg>
       </pc:sldMasterChg>
     </pc:docChg>
   </pc:docChgLst>
@@ -5519,44 +5521,102 @@
           <a:bodyPr/>
           <a:lstStyle/>
           <a:p>
-            <a:pPr marL="0" indent="0">
-              <a:buFont typeface="Arial" panose="020B0604020202020204" pitchFamily="34" charset="0"/>
-              <a:buNone/>
-            </a:pPr>
-            <a:r>
-              <a:rPr lang="en-GB" dirty="0"/>
-              <a:t>Influence if we split training data?</a:t>
-            </a:r>
-          </a:p>
-          <a:p>
-            <a:pPr marL="171450" indent="-171450">
-              <a:buFont typeface="Arial" panose="020B0604020202020204" pitchFamily="34" charset="0"/>
-              <a:buChar char="•"/>
-            </a:pPr>
-            <a:r>
-              <a:rPr lang="en-GB" dirty="0"/>
-              <a:t>There may always be something in the introduction that clearly indicates an OP report. If we cut this, it will no longer apply. </a:t>
-            </a:r>
-          </a:p>
-          <a:p>
-            <a:pPr marL="171450" indent="-171450">
-              <a:buFont typeface="Arial" panose="020B0604020202020204" pitchFamily="34" charset="0"/>
-              <a:buChar char="•"/>
-            </a:pPr>
-            <a:r>
-              <a:rPr lang="en-GB" dirty="0"/>
-              <a:t>Only allowing texts with fewer than 512 tokens restricts the scope of the model.</a:t>
-            </a:r>
-          </a:p>
-          <a:p>
-            <a:pPr marL="171450" indent="-171450">
-              <a:buFont typeface="Arial" panose="020B0604020202020204" pitchFamily="34" charset="0"/>
-              <a:buChar char="•"/>
-            </a:pPr>
-            <a:r>
-              <a:rPr lang="en-GB" dirty="0"/>
-              <a:t>Alternatives: Use another NLP model which writes us a shorter summary. This can then have completely different side effects because it is no longer real data but synthetic data.</a:t>
-            </a:r>
+            <a:r>
+              <a:rPr lang="en-US" b="0" dirty="0">
+                <a:solidFill>
+                  <a:srgbClr val="CCCCCC"/>
+                </a:solidFill>
+                <a:effectLst/>
+                <a:latin typeface="Consolas" panose="020B0609020204030204" pitchFamily="49" charset="0"/>
+              </a:rPr>
+              <a:t>After the midterm presentation, we received feedback regarding ambiguities in our Named Entity Recognition (NER) entities and suggestions on how to enhance the model by avoiding lemmatization for NER recognition. Firstly, our ambiguities arose from the model sometimes assigning 'CARDINAL' and other times 'DOSAGE'. We couldn't merge them or eliminate one, as 'DOSAGE' also includes terms that may not be captured by 'CARDINAL', such as single. Furthermore, not every instance of a cardinal number implies a dosage of a medication.</a:t>
+            </a:r>
+          </a:p>
+          <a:p>
+            <a:br>
+              <a:rPr lang="en-US" b="0" dirty="0">
+                <a:solidFill>
+                  <a:srgbClr val="CCCCCC"/>
+                </a:solidFill>
+                <a:effectLst/>
+                <a:latin typeface="Consolas" panose="020B0609020204030204" pitchFamily="49" charset="0"/>
+              </a:rPr>
+            </a:br>
+            <a:r>
+              <a:rPr lang="en-US" b="0" dirty="0">
+                <a:solidFill>
+                  <a:srgbClr val="CCCCCC"/>
+                </a:solidFill>
+                <a:effectLst/>
+                <a:latin typeface="Consolas" panose="020B0609020204030204" pitchFamily="49" charset="0"/>
+              </a:rPr>
+              <a:t>Secondly, as demonstrated at the end of our notebook, not normalizing the data does not yield better results.</a:t>
+            </a:r>
+          </a:p>
+          <a:p>
+            <a:br>
+              <a:rPr lang="en-US" b="0" dirty="0">
+                <a:solidFill>
+                  <a:srgbClr val="CCCCCC"/>
+                </a:solidFill>
+                <a:effectLst/>
+                <a:latin typeface="Consolas" panose="020B0609020204030204" pitchFamily="49" charset="0"/>
+              </a:rPr>
+            </a:br>
+            <a:r>
+              <a:rPr lang="en-US" b="0" dirty="0">
+                <a:solidFill>
+                  <a:srgbClr val="CCCCCC"/>
+                </a:solidFill>
+                <a:effectLst/>
+                <a:latin typeface="Consolas" panose="020B0609020204030204" pitchFamily="49" charset="0"/>
+              </a:rPr>
+              <a:t>Additionally, in text 4671, our model successfully recognizes some routes of medication administration (such as endotracheal or ear) but fails to identify others that we have found (such as oral or nasal). It's important to note that the model is not failing; rather, the texts are challenging, containing numerous medical terms that, as non-experts, we may not have considered. Upon visually inspecting various texts, we can conclude that we have developed a robust model for recognizing drugs in medical texts.</a:t>
+            </a:r>
+          </a:p>
+          <a:p>
+            <a:br>
+              <a:rPr lang="en-US" b="0" dirty="0">
+                <a:solidFill>
+                  <a:srgbClr val="CCCCCC"/>
+                </a:solidFill>
+                <a:effectLst/>
+                <a:latin typeface="Consolas" panose="020B0609020204030204" pitchFamily="49" charset="0"/>
+              </a:rPr>
+            </a:br>
+            <a:r>
+              <a:rPr lang="en-US" b="0" dirty="0">
+                <a:solidFill>
+                  <a:srgbClr val="CCCCCC"/>
+                </a:solidFill>
+                <a:effectLst/>
+                <a:latin typeface="Consolas" panose="020B0609020204030204" pitchFamily="49" charset="0"/>
+              </a:rPr>
+              <a:t>As seen in the printed examples from the med8 and </a:t>
+            </a:r>
+            <a:r>
+              <a:rPr lang="en-US" b="0" dirty="0" err="1">
+                <a:solidFill>
+                  <a:srgbClr val="CCCCCC"/>
+                </a:solidFill>
+                <a:effectLst/>
+                <a:latin typeface="Consolas" panose="020B0609020204030204" pitchFamily="49" charset="0"/>
+              </a:rPr>
+              <a:t>english</a:t>
+            </a:r>
+            <a:r>
+              <a:rPr lang="en-US" b="0" dirty="0">
+                <a:solidFill>
+                  <a:srgbClr val="CCCCCC"/>
+                </a:solidFill>
+                <a:effectLst/>
+                <a:latin typeface="Consolas" panose="020B0609020204030204" pitchFamily="49" charset="0"/>
+              </a:rPr>
+              <a:t> models, the recognized entities make sense and are correct.</a:t>
+            </a:r>
+          </a:p>
+          <a:p>
+            <a:endParaRPr lang="en-US" dirty="0"/>
           </a:p>
         </p:txBody>
       </p:sp>
@@ -5596,7 +5656,886 @@
           <a:p>
             <a:fld id="{B2B24C57-7758-4EF8-8A0E-FE171C8C1817}" type="slidenum">
               <a:rPr lang="de-CH" smtClean="0"/>
+              <a:t>2</a:t>
+            </a:fld>
+            <a:endParaRPr lang="de-CH" dirty="0"/>
+          </a:p>
+        </p:txBody>
+      </p:sp>
+    </p:spTree>
+    <p:extLst>
+      <p:ext uri="{BB962C8B-B14F-4D97-AF65-F5344CB8AC3E}">
+        <p14:creationId xmlns:p14="http://schemas.microsoft.com/office/powerpoint/2010/main" val="3164647571"/>
+      </p:ext>
+    </p:extLst>
+  </p:cSld>
+  <p:clrMapOvr>
+    <a:masterClrMapping/>
+  </p:clrMapOvr>
+</p:notes>
+</file>
+
+<file path=ppt/notesSlides/notesSlide2.xml><?xml version="1.0" encoding="utf-8"?>
+<p:notes xmlns:a="http://schemas.openxmlformats.org/drawingml/2006/main" xmlns:r="http://schemas.openxmlformats.org/officeDocument/2006/relationships" xmlns:p="http://schemas.openxmlformats.org/presentationml/2006/main">
+  <p:cSld>
+    <p:spTree>
+      <p:nvGrpSpPr>
+        <p:cNvPr id="1" name=""/>
+        <p:cNvGrpSpPr/>
+        <p:nvPr/>
+      </p:nvGrpSpPr>
+      <p:grpSpPr>
+        <a:xfrm>
+          <a:off x="0" y="0"/>
+          <a:ext cx="0" cy="0"/>
+          <a:chOff x="0" y="0"/>
+          <a:chExt cx="0" cy="0"/>
+        </a:xfrm>
+      </p:grpSpPr>
+      <p:sp>
+        <p:nvSpPr>
+          <p:cNvPr id="2" name="Folienbildplatzhalter 1"/>
+          <p:cNvSpPr>
+            <a:spLocks noGrp="1" noRot="1" noChangeAspect="1"/>
+          </p:cNvSpPr>
+          <p:nvPr>
+            <p:ph type="sldImg"/>
+          </p:nvPr>
+        </p:nvSpPr>
+        <p:spPr/>
+      </p:sp>
+      <p:sp>
+        <p:nvSpPr>
+          <p:cNvPr id="3" name="Notizenplatzhalter 2"/>
+          <p:cNvSpPr>
+            <a:spLocks noGrp="1"/>
+          </p:cNvSpPr>
+          <p:nvPr>
+            <p:ph type="body" idx="1"/>
+          </p:nvPr>
+        </p:nvSpPr>
+        <p:spPr/>
+        <p:txBody>
+          <a:bodyPr/>
+          <a:lstStyle/>
+          <a:p>
+            <a:r>
+              <a:rPr lang="en-US" b="0" dirty="0">
+                <a:solidFill>
+                  <a:srgbClr val="CCCCCC"/>
+                </a:solidFill>
+                <a:effectLst/>
+                <a:latin typeface="Consolas" panose="020B0609020204030204" pitchFamily="49" charset="0"/>
+              </a:rPr>
+              <a:t>After the midterm presentation, we received feedback regarding ambiguities in our Named Entity Recognition (NER) entities and suggestions on how to enhance the model by avoiding lemmatization for NER recognition. Firstly, our ambiguities arose from the model sometimes assigning 'CARDINAL' and other times 'DOSAGE'. We couldn't merge them or eliminate one, as 'DOSAGE' also includes terms that may not be captured by 'CARDINAL', such as single. Furthermore, not every instance of a cardinal number implies a dosage of a medication.</a:t>
+            </a:r>
+          </a:p>
+          <a:p>
+            <a:br>
+              <a:rPr lang="en-US" b="0" dirty="0">
+                <a:solidFill>
+                  <a:srgbClr val="CCCCCC"/>
+                </a:solidFill>
+                <a:effectLst/>
+                <a:latin typeface="Consolas" panose="020B0609020204030204" pitchFamily="49" charset="0"/>
+              </a:rPr>
+            </a:br>
+            <a:r>
+              <a:rPr lang="en-US" b="0" dirty="0">
+                <a:solidFill>
+                  <a:srgbClr val="CCCCCC"/>
+                </a:solidFill>
+                <a:effectLst/>
+                <a:latin typeface="Consolas" panose="020B0609020204030204" pitchFamily="49" charset="0"/>
+              </a:rPr>
+              <a:t>Secondly, as demonstrated at the end of our notebook, not normalizing the data does not yield better results.</a:t>
+            </a:r>
+          </a:p>
+          <a:p>
+            <a:br>
+              <a:rPr lang="en-US" b="0" dirty="0">
+                <a:solidFill>
+                  <a:srgbClr val="CCCCCC"/>
+                </a:solidFill>
+                <a:effectLst/>
+                <a:latin typeface="Consolas" panose="020B0609020204030204" pitchFamily="49" charset="0"/>
+              </a:rPr>
+            </a:br>
+            <a:r>
+              <a:rPr lang="en-US" b="0" dirty="0">
+                <a:solidFill>
+                  <a:srgbClr val="CCCCCC"/>
+                </a:solidFill>
+                <a:effectLst/>
+                <a:latin typeface="Consolas" panose="020B0609020204030204" pitchFamily="49" charset="0"/>
+              </a:rPr>
+              <a:t>Additionally, in text 4671, our model successfully recognizes some routes of medication administration (such as endotracheal or ear) but fails to identify others that we have found (such as oral or nasal). It's important to note that the model is not failing; rather, the texts are challenging, containing numerous medical terms that, as non-experts, we may not have considered. Upon visually inspecting various texts, we can conclude that we have developed a robust model for recognizing drugs in medical texts.</a:t>
+            </a:r>
+          </a:p>
+          <a:p>
+            <a:br>
+              <a:rPr lang="en-US" b="0" dirty="0">
+                <a:solidFill>
+                  <a:srgbClr val="CCCCCC"/>
+                </a:solidFill>
+                <a:effectLst/>
+                <a:latin typeface="Consolas" panose="020B0609020204030204" pitchFamily="49" charset="0"/>
+              </a:rPr>
+            </a:br>
+            <a:r>
+              <a:rPr lang="en-US" b="0" dirty="0">
+                <a:solidFill>
+                  <a:srgbClr val="CCCCCC"/>
+                </a:solidFill>
+                <a:effectLst/>
+                <a:latin typeface="Consolas" panose="020B0609020204030204" pitchFamily="49" charset="0"/>
+              </a:rPr>
+              <a:t>As seen in the printed examples from the med8 and </a:t>
+            </a:r>
+            <a:r>
+              <a:rPr lang="en-US" b="0" dirty="0" err="1">
+                <a:solidFill>
+                  <a:srgbClr val="CCCCCC"/>
+                </a:solidFill>
+                <a:effectLst/>
+                <a:latin typeface="Consolas" panose="020B0609020204030204" pitchFamily="49" charset="0"/>
+              </a:rPr>
+              <a:t>english</a:t>
+            </a:r>
+            <a:r>
+              <a:rPr lang="en-US" b="0" dirty="0">
+                <a:solidFill>
+                  <a:srgbClr val="CCCCCC"/>
+                </a:solidFill>
+                <a:effectLst/>
+                <a:latin typeface="Consolas" panose="020B0609020204030204" pitchFamily="49" charset="0"/>
+              </a:rPr>
+              <a:t> models, the recognized entities make sense and are correct.</a:t>
+            </a:r>
+          </a:p>
+          <a:p>
+            <a:endParaRPr lang="en-US" dirty="0"/>
+          </a:p>
+        </p:txBody>
+      </p:sp>
+      <p:sp>
+        <p:nvSpPr>
+          <p:cNvPr id="4" name="Fußzeilenplatzhalter 3"/>
+          <p:cNvSpPr>
+            <a:spLocks noGrp="1"/>
+          </p:cNvSpPr>
+          <p:nvPr>
+            <p:ph type="ftr" sz="quarter" idx="4"/>
+          </p:nvPr>
+        </p:nvSpPr>
+        <p:spPr/>
+        <p:txBody>
+          <a:bodyPr/>
+          <a:lstStyle/>
+          <a:p>
+            <a:endParaRPr lang="de-CH" dirty="0"/>
+          </a:p>
+        </p:txBody>
+      </p:sp>
+      <p:sp>
+        <p:nvSpPr>
+          <p:cNvPr id="5" name="Foliennummernplatzhalter 4"/>
+          <p:cNvSpPr>
+            <a:spLocks noGrp="1"/>
+          </p:cNvSpPr>
+          <p:nvPr>
+            <p:ph type="sldNum" sz="quarter" idx="5"/>
+          </p:nvPr>
+        </p:nvSpPr>
+        <p:spPr/>
+        <p:txBody>
+          <a:bodyPr/>
+          <a:lstStyle/>
+          <a:p>
+            <a:fld id="{B2B24C57-7758-4EF8-8A0E-FE171C8C1817}" type="slidenum">
+              <a:rPr lang="de-CH" smtClean="0"/>
+              <a:t>3</a:t>
+            </a:fld>
+            <a:endParaRPr lang="de-CH" dirty="0"/>
+          </a:p>
+        </p:txBody>
+      </p:sp>
+    </p:spTree>
+    <p:extLst>
+      <p:ext uri="{BB962C8B-B14F-4D97-AF65-F5344CB8AC3E}">
+        <p14:creationId xmlns:p14="http://schemas.microsoft.com/office/powerpoint/2010/main" val="1657822164"/>
+      </p:ext>
+    </p:extLst>
+  </p:cSld>
+  <p:clrMapOvr>
+    <a:masterClrMapping/>
+  </p:clrMapOvr>
+</p:notes>
+</file>
+
+<file path=ppt/notesSlides/notesSlide3.xml><?xml version="1.0" encoding="utf-8"?>
+<p:notes xmlns:a="http://schemas.openxmlformats.org/drawingml/2006/main" xmlns:r="http://schemas.openxmlformats.org/officeDocument/2006/relationships" xmlns:p="http://schemas.openxmlformats.org/presentationml/2006/main">
+  <p:cSld>
+    <p:spTree>
+      <p:nvGrpSpPr>
+        <p:cNvPr id="1" name=""/>
+        <p:cNvGrpSpPr/>
+        <p:nvPr/>
+      </p:nvGrpSpPr>
+      <p:grpSpPr>
+        <a:xfrm>
+          <a:off x="0" y="0"/>
+          <a:ext cx="0" cy="0"/>
+          <a:chOff x="0" y="0"/>
+          <a:chExt cx="0" cy="0"/>
+        </a:xfrm>
+      </p:grpSpPr>
+      <p:sp>
+        <p:nvSpPr>
+          <p:cNvPr id="2" name="Folienbildplatzhalter 1"/>
+          <p:cNvSpPr>
+            <a:spLocks noGrp="1" noRot="1" noChangeAspect="1"/>
+          </p:cNvSpPr>
+          <p:nvPr>
+            <p:ph type="sldImg"/>
+          </p:nvPr>
+        </p:nvSpPr>
+        <p:spPr/>
+      </p:sp>
+      <p:sp>
+        <p:nvSpPr>
+          <p:cNvPr id="3" name="Notizenplatzhalter 2"/>
+          <p:cNvSpPr>
+            <a:spLocks noGrp="1"/>
+          </p:cNvSpPr>
+          <p:nvPr>
+            <p:ph type="body" idx="1"/>
+          </p:nvPr>
+        </p:nvSpPr>
+        <p:spPr/>
+        <p:txBody>
+          <a:bodyPr/>
+          <a:lstStyle/>
+          <a:p>
+            <a:r>
+              <a:rPr lang="de-CH" dirty="0" err="1"/>
+              <a:t>Prepocessing</a:t>
+            </a:r>
+            <a:r>
+              <a:rPr lang="de-CH" dirty="0"/>
+              <a:t>: </a:t>
+            </a:r>
+            <a:r>
+              <a:rPr lang="de-CH" dirty="0" err="1"/>
+              <a:t>remove</a:t>
+            </a:r>
+            <a:r>
+              <a:rPr lang="de-CH" dirty="0"/>
+              <a:t> </a:t>
+            </a:r>
+            <a:r>
+              <a:rPr lang="de-CH" dirty="0" err="1"/>
+              <a:t>punctuation</a:t>
+            </a:r>
+            <a:r>
+              <a:rPr lang="de-CH" dirty="0"/>
+              <a:t>, to </a:t>
+            </a:r>
+            <a:r>
+              <a:rPr lang="de-CH" dirty="0" err="1"/>
+              <a:t>lowercase</a:t>
+            </a:r>
+            <a:r>
+              <a:rPr lang="de-CH" dirty="0"/>
+              <a:t> (-&gt; </a:t>
+            </a:r>
+            <a:r>
+              <a:rPr lang="de-CH" dirty="0" err="1"/>
+              <a:t>done</a:t>
+            </a:r>
+            <a:r>
+              <a:rPr lang="de-CH" dirty="0"/>
+              <a:t> </a:t>
+            </a:r>
+            <a:r>
+              <a:rPr lang="de-CH" dirty="0" err="1"/>
+              <a:t>by</a:t>
+            </a:r>
+            <a:r>
+              <a:rPr lang="de-CH" dirty="0"/>
+              <a:t> BERT </a:t>
+            </a:r>
+            <a:r>
+              <a:rPr lang="de-CH" dirty="0" err="1"/>
+              <a:t>tokenization</a:t>
+            </a:r>
+            <a:r>
+              <a:rPr lang="de-CH" dirty="0"/>
+              <a:t> </a:t>
+            </a:r>
+            <a:r>
+              <a:rPr lang="de-CH" dirty="0" err="1"/>
+              <a:t>as</a:t>
+            </a:r>
+            <a:r>
+              <a:rPr lang="de-CH" dirty="0"/>
+              <a:t> </a:t>
+            </a:r>
+            <a:r>
+              <a:rPr lang="de-CH" dirty="0" err="1"/>
+              <a:t>well</a:t>
+            </a:r>
+            <a:r>
+              <a:rPr lang="de-CH" dirty="0"/>
+              <a:t>), </a:t>
+            </a:r>
+            <a:r>
+              <a:rPr lang="de-CH" dirty="0" err="1"/>
+              <a:t>remove</a:t>
+            </a:r>
+            <a:r>
+              <a:rPr lang="de-CH" dirty="0"/>
+              <a:t> </a:t>
+            </a:r>
+            <a:r>
+              <a:rPr lang="de-CH" dirty="0" err="1"/>
+              <a:t>stopwords</a:t>
+            </a:r>
+            <a:r>
+              <a:rPr lang="de-CH" dirty="0"/>
+              <a:t>, </a:t>
+            </a:r>
+            <a:r>
+              <a:rPr lang="de-CH" dirty="0" err="1"/>
+              <a:t>lemmatization</a:t>
+            </a:r>
+            <a:r>
+              <a:rPr lang="de-CH" dirty="0"/>
+              <a:t> -&gt; also </a:t>
+            </a:r>
+            <a:r>
+              <a:rPr lang="de-CH" dirty="0" err="1"/>
+              <a:t>done</a:t>
+            </a:r>
+            <a:r>
+              <a:rPr lang="de-CH" dirty="0"/>
+              <a:t> </a:t>
+            </a:r>
+            <a:r>
+              <a:rPr lang="de-CH" dirty="0" err="1"/>
+              <a:t>by</a:t>
+            </a:r>
+            <a:r>
+              <a:rPr lang="de-CH" dirty="0"/>
+              <a:t> BERT </a:t>
+            </a:r>
+            <a:r>
+              <a:rPr lang="de-CH" dirty="0" err="1"/>
+              <a:t>should</a:t>
+            </a:r>
+            <a:r>
+              <a:rPr lang="de-CH" dirty="0"/>
+              <a:t> </a:t>
+            </a:r>
+            <a:r>
+              <a:rPr lang="de-CH" dirty="0" err="1"/>
+              <a:t>be</a:t>
+            </a:r>
+            <a:r>
+              <a:rPr lang="de-CH" dirty="0"/>
+              <a:t> </a:t>
+            </a:r>
+            <a:r>
+              <a:rPr lang="de-CH" dirty="0" err="1"/>
+              <a:t>left</a:t>
+            </a:r>
+            <a:r>
+              <a:rPr lang="de-CH" dirty="0"/>
+              <a:t> out</a:t>
+            </a:r>
+            <a:endParaRPr lang="en-US" dirty="0"/>
+          </a:p>
+        </p:txBody>
+      </p:sp>
+      <p:sp>
+        <p:nvSpPr>
+          <p:cNvPr id="4" name="Fußzeilenplatzhalter 3"/>
+          <p:cNvSpPr>
+            <a:spLocks noGrp="1"/>
+          </p:cNvSpPr>
+          <p:nvPr>
+            <p:ph type="ftr" sz="quarter" idx="4"/>
+          </p:nvPr>
+        </p:nvSpPr>
+        <p:spPr/>
+        <p:txBody>
+          <a:bodyPr/>
+          <a:lstStyle/>
+          <a:p>
+            <a:endParaRPr lang="de-CH" dirty="0"/>
+          </a:p>
+        </p:txBody>
+      </p:sp>
+      <p:sp>
+        <p:nvSpPr>
+          <p:cNvPr id="5" name="Foliennummernplatzhalter 4"/>
+          <p:cNvSpPr>
+            <a:spLocks noGrp="1"/>
+          </p:cNvSpPr>
+          <p:nvPr>
+            <p:ph type="sldNum" sz="quarter" idx="5"/>
+          </p:nvPr>
+        </p:nvSpPr>
+        <p:spPr/>
+        <p:txBody>
+          <a:bodyPr/>
+          <a:lstStyle/>
+          <a:p>
+            <a:fld id="{B2B24C57-7758-4EF8-8A0E-FE171C8C1817}" type="slidenum">
+              <a:rPr lang="de-CH" smtClean="0"/>
+              <a:t>6</a:t>
+            </a:fld>
+            <a:endParaRPr lang="de-CH" dirty="0"/>
+          </a:p>
+        </p:txBody>
+      </p:sp>
+    </p:spTree>
+    <p:extLst>
+      <p:ext uri="{BB962C8B-B14F-4D97-AF65-F5344CB8AC3E}">
+        <p14:creationId xmlns:p14="http://schemas.microsoft.com/office/powerpoint/2010/main" val="1716415205"/>
+      </p:ext>
+    </p:extLst>
+  </p:cSld>
+  <p:clrMapOvr>
+    <a:masterClrMapping/>
+  </p:clrMapOvr>
+</p:notes>
+</file>
+
+<file path=ppt/notesSlides/notesSlide4.xml><?xml version="1.0" encoding="utf-8"?>
+<p:notes xmlns:a="http://schemas.openxmlformats.org/drawingml/2006/main" xmlns:r="http://schemas.openxmlformats.org/officeDocument/2006/relationships" xmlns:p="http://schemas.openxmlformats.org/presentationml/2006/main">
+  <p:cSld>
+    <p:spTree>
+      <p:nvGrpSpPr>
+        <p:cNvPr id="1" name=""/>
+        <p:cNvGrpSpPr/>
+        <p:nvPr/>
+      </p:nvGrpSpPr>
+      <p:grpSpPr>
+        <a:xfrm>
+          <a:off x="0" y="0"/>
+          <a:ext cx="0" cy="0"/>
+          <a:chOff x="0" y="0"/>
+          <a:chExt cx="0" cy="0"/>
+        </a:xfrm>
+      </p:grpSpPr>
+      <p:sp>
+        <p:nvSpPr>
+          <p:cNvPr id="2" name="Folienbildplatzhalter 1"/>
+          <p:cNvSpPr>
+            <a:spLocks noGrp="1" noRot="1" noChangeAspect="1"/>
+          </p:cNvSpPr>
+          <p:nvPr>
+            <p:ph type="sldImg"/>
+          </p:nvPr>
+        </p:nvSpPr>
+        <p:spPr/>
+      </p:sp>
+      <p:sp>
+        <p:nvSpPr>
+          <p:cNvPr id="3" name="Notizenplatzhalter 2"/>
+          <p:cNvSpPr>
+            <a:spLocks noGrp="1"/>
+          </p:cNvSpPr>
+          <p:nvPr>
+            <p:ph type="body" idx="1"/>
+          </p:nvPr>
+        </p:nvSpPr>
+        <p:spPr/>
+        <p:txBody>
+          <a:bodyPr/>
+          <a:lstStyle/>
+          <a:p>
+            <a:pPr marL="0" marR="0" lvl="0" indent="0" algn="l" defTabSz="914400" rtl="0" eaLnBrk="1" fontAlgn="auto" latinLnBrk="0" hangingPunct="1">
+              <a:lnSpc>
+                <a:spcPct val="100000"/>
+              </a:lnSpc>
+              <a:spcBef>
+                <a:spcPts val="0"/>
+              </a:spcBef>
+              <a:spcAft>
+                <a:spcPts val="0"/>
+              </a:spcAft>
+              <a:buClrTx/>
+              <a:buSzTx/>
+              <a:buFontTx/>
+              <a:buNone/>
+              <a:tabLst/>
+              <a:defRPr/>
+            </a:pPr>
+            <a:r>
+              <a:rPr lang="de-CH" dirty="0"/>
+              <a:t>Disclaimer: </a:t>
+            </a:r>
+            <a:r>
+              <a:rPr lang="de-CH" dirty="0" err="1"/>
+              <a:t>Misleading</a:t>
+            </a:r>
+            <a:r>
+              <a:rPr lang="de-CH" dirty="0"/>
+              <a:t> </a:t>
+            </a:r>
+            <a:r>
+              <a:rPr lang="de-CH" dirty="0" err="1"/>
+              <a:t>scores</a:t>
+            </a:r>
+            <a:r>
+              <a:rPr lang="de-CH" dirty="0"/>
+              <a:t>, </a:t>
+            </a:r>
+            <a:r>
+              <a:rPr lang="de-CH" dirty="0" err="1"/>
+              <a:t>because</a:t>
+            </a:r>
+            <a:r>
+              <a:rPr lang="de-CH" dirty="0"/>
+              <a:t> no </a:t>
+            </a:r>
+            <a:r>
+              <a:rPr lang="de-CH" dirty="0" err="1"/>
+              <a:t>stratification</a:t>
+            </a:r>
+            <a:r>
+              <a:rPr lang="de-CH" dirty="0"/>
+              <a:t> in </a:t>
+            </a:r>
+            <a:r>
+              <a:rPr lang="de-CH" dirty="0" err="1"/>
+              <a:t>trainings</a:t>
+            </a:r>
+            <a:r>
+              <a:rPr lang="de-CH" dirty="0"/>
+              <a:t> and </a:t>
+            </a:r>
+            <a:r>
+              <a:rPr lang="de-CH" dirty="0" err="1"/>
+              <a:t>test</a:t>
+            </a:r>
+            <a:r>
+              <a:rPr lang="de-CH" dirty="0"/>
+              <a:t> </a:t>
+            </a:r>
+            <a:r>
+              <a:rPr lang="de-CH" dirty="0" err="1"/>
+              <a:t>split</a:t>
+            </a:r>
+            <a:r>
+              <a:rPr lang="de-CH" dirty="0"/>
+              <a:t> and no </a:t>
+            </a:r>
+            <a:r>
+              <a:rPr lang="de-CH" dirty="0" err="1"/>
+              <a:t>weighted</a:t>
+            </a:r>
+            <a:r>
+              <a:rPr lang="de-CH" dirty="0"/>
+              <a:t> </a:t>
+            </a:r>
+            <a:r>
+              <a:rPr lang="de-CH" dirty="0" err="1"/>
+              <a:t>sampling</a:t>
+            </a:r>
+            <a:r>
+              <a:rPr lang="de-CH" dirty="0"/>
+              <a:t>.</a:t>
+            </a:r>
+            <a:endParaRPr lang="en-GB" dirty="0"/>
+          </a:p>
+          <a:p>
+            <a:endParaRPr lang="en-US" dirty="0"/>
+          </a:p>
+        </p:txBody>
+      </p:sp>
+      <p:sp>
+        <p:nvSpPr>
+          <p:cNvPr id="4" name="Fußzeilenplatzhalter 3"/>
+          <p:cNvSpPr>
+            <a:spLocks noGrp="1"/>
+          </p:cNvSpPr>
+          <p:nvPr>
+            <p:ph type="ftr" sz="quarter" idx="4"/>
+          </p:nvPr>
+        </p:nvSpPr>
+        <p:spPr/>
+        <p:txBody>
+          <a:bodyPr/>
+          <a:lstStyle/>
+          <a:p>
+            <a:endParaRPr lang="de-CH" dirty="0"/>
+          </a:p>
+        </p:txBody>
+      </p:sp>
+      <p:sp>
+        <p:nvSpPr>
+          <p:cNvPr id="5" name="Foliennummernplatzhalter 4"/>
+          <p:cNvSpPr>
+            <a:spLocks noGrp="1"/>
+          </p:cNvSpPr>
+          <p:nvPr>
+            <p:ph type="sldNum" sz="quarter" idx="5"/>
+          </p:nvPr>
+        </p:nvSpPr>
+        <p:spPr/>
+        <p:txBody>
+          <a:bodyPr/>
+          <a:lstStyle/>
+          <a:p>
+            <a:fld id="{B2B24C57-7758-4EF8-8A0E-FE171C8C1817}" type="slidenum">
+              <a:rPr lang="de-CH" smtClean="0"/>
+              <a:t>9</a:t>
+            </a:fld>
+            <a:endParaRPr lang="de-CH" dirty="0"/>
+          </a:p>
+        </p:txBody>
+      </p:sp>
+    </p:spTree>
+    <p:extLst>
+      <p:ext uri="{BB962C8B-B14F-4D97-AF65-F5344CB8AC3E}">
+        <p14:creationId xmlns:p14="http://schemas.microsoft.com/office/powerpoint/2010/main" val="1216884452"/>
+      </p:ext>
+    </p:extLst>
+  </p:cSld>
+  <p:clrMapOvr>
+    <a:masterClrMapping/>
+  </p:clrMapOvr>
+</p:notes>
+</file>
+
+<file path=ppt/notesSlides/notesSlide5.xml><?xml version="1.0" encoding="utf-8"?>
+<p:notes xmlns:a="http://schemas.openxmlformats.org/drawingml/2006/main" xmlns:r="http://schemas.openxmlformats.org/officeDocument/2006/relationships" xmlns:p="http://schemas.openxmlformats.org/presentationml/2006/main">
+  <p:cSld>
+    <p:spTree>
+      <p:nvGrpSpPr>
+        <p:cNvPr id="1" name=""/>
+        <p:cNvGrpSpPr/>
+        <p:nvPr/>
+      </p:nvGrpSpPr>
+      <p:grpSpPr>
+        <a:xfrm>
+          <a:off x="0" y="0"/>
+          <a:ext cx="0" cy="0"/>
+          <a:chOff x="0" y="0"/>
+          <a:chExt cx="0" cy="0"/>
+        </a:xfrm>
+      </p:grpSpPr>
+      <p:sp>
+        <p:nvSpPr>
+          <p:cNvPr id="2" name="Folienbildplatzhalter 1"/>
+          <p:cNvSpPr>
+            <a:spLocks noGrp="1" noRot="1" noChangeAspect="1"/>
+          </p:cNvSpPr>
+          <p:nvPr>
+            <p:ph type="sldImg"/>
+          </p:nvPr>
+        </p:nvSpPr>
+        <p:spPr/>
+      </p:sp>
+      <p:sp>
+        <p:nvSpPr>
+          <p:cNvPr id="3" name="Notizenplatzhalter 2"/>
+          <p:cNvSpPr>
+            <a:spLocks noGrp="1"/>
+          </p:cNvSpPr>
+          <p:nvPr>
+            <p:ph type="body" idx="1"/>
+          </p:nvPr>
+        </p:nvSpPr>
+        <p:spPr/>
+        <p:txBody>
+          <a:bodyPr/>
+          <a:lstStyle/>
+          <a:p>
+            <a:endParaRPr lang="en-US" dirty="0"/>
+          </a:p>
+        </p:txBody>
+      </p:sp>
+      <p:sp>
+        <p:nvSpPr>
+          <p:cNvPr id="4" name="Fußzeilenplatzhalter 3"/>
+          <p:cNvSpPr>
+            <a:spLocks noGrp="1"/>
+          </p:cNvSpPr>
+          <p:nvPr>
+            <p:ph type="ftr" sz="quarter" idx="4"/>
+          </p:nvPr>
+        </p:nvSpPr>
+        <p:spPr/>
+        <p:txBody>
+          <a:bodyPr/>
+          <a:lstStyle/>
+          <a:p>
+            <a:endParaRPr lang="de-CH" dirty="0"/>
+          </a:p>
+        </p:txBody>
+      </p:sp>
+      <p:sp>
+        <p:nvSpPr>
+          <p:cNvPr id="5" name="Foliennummernplatzhalter 4"/>
+          <p:cNvSpPr>
+            <a:spLocks noGrp="1"/>
+          </p:cNvSpPr>
+          <p:nvPr>
+            <p:ph type="sldNum" sz="quarter" idx="5"/>
+          </p:nvPr>
+        </p:nvSpPr>
+        <p:spPr/>
+        <p:txBody>
+          <a:bodyPr/>
+          <a:lstStyle/>
+          <a:p>
+            <a:fld id="{B2B24C57-7758-4EF8-8A0E-FE171C8C1817}" type="slidenum">
+              <a:rPr lang="de-CH" smtClean="0"/>
               <a:t>23</a:t>
+            </a:fld>
+            <a:endParaRPr lang="de-CH" dirty="0"/>
+          </a:p>
+        </p:txBody>
+      </p:sp>
+    </p:spTree>
+    <p:extLst>
+      <p:ext uri="{BB962C8B-B14F-4D97-AF65-F5344CB8AC3E}">
+        <p14:creationId xmlns:p14="http://schemas.microsoft.com/office/powerpoint/2010/main" val="1963718783"/>
+      </p:ext>
+    </p:extLst>
+  </p:cSld>
+  <p:clrMapOvr>
+    <a:masterClrMapping/>
+  </p:clrMapOvr>
+</p:notes>
+</file>
+
+<file path=ppt/notesSlides/notesSlide6.xml><?xml version="1.0" encoding="utf-8"?>
+<p:notes xmlns:a="http://schemas.openxmlformats.org/drawingml/2006/main" xmlns:r="http://schemas.openxmlformats.org/officeDocument/2006/relationships" xmlns:p="http://schemas.openxmlformats.org/presentationml/2006/main">
+  <p:cSld>
+    <p:spTree>
+      <p:nvGrpSpPr>
+        <p:cNvPr id="1" name=""/>
+        <p:cNvGrpSpPr/>
+        <p:nvPr/>
+      </p:nvGrpSpPr>
+      <p:grpSpPr>
+        <a:xfrm>
+          <a:off x="0" y="0"/>
+          <a:ext cx="0" cy="0"/>
+          <a:chOff x="0" y="0"/>
+          <a:chExt cx="0" cy="0"/>
+        </a:xfrm>
+      </p:grpSpPr>
+      <p:sp>
+        <p:nvSpPr>
+          <p:cNvPr id="2" name="Folienbildplatzhalter 1"/>
+          <p:cNvSpPr>
+            <a:spLocks noGrp="1" noRot="1" noChangeAspect="1"/>
+          </p:cNvSpPr>
+          <p:nvPr>
+            <p:ph type="sldImg"/>
+          </p:nvPr>
+        </p:nvSpPr>
+        <p:spPr/>
+      </p:sp>
+      <p:sp>
+        <p:nvSpPr>
+          <p:cNvPr id="3" name="Notizenplatzhalter 2"/>
+          <p:cNvSpPr>
+            <a:spLocks noGrp="1"/>
+          </p:cNvSpPr>
+          <p:nvPr>
+            <p:ph type="body" idx="1"/>
+          </p:nvPr>
+        </p:nvSpPr>
+        <p:spPr/>
+        <p:txBody>
+          <a:bodyPr/>
+          <a:lstStyle/>
+          <a:p>
+            <a:pPr marL="0" indent="0">
+              <a:buFont typeface="Arial" panose="020B0604020202020204" pitchFamily="34" charset="0"/>
+              <a:buNone/>
+            </a:pPr>
+            <a:r>
+              <a:rPr lang="en-GB" dirty="0"/>
+              <a:t>Influence if we split training data?</a:t>
+            </a:r>
+          </a:p>
+          <a:p>
+            <a:pPr marL="171450" indent="-171450">
+              <a:buFont typeface="Arial" panose="020B0604020202020204" pitchFamily="34" charset="0"/>
+              <a:buChar char="•"/>
+            </a:pPr>
+            <a:r>
+              <a:rPr lang="en-GB" dirty="0"/>
+              <a:t>There may always be something in the introduction that clearly indicates an OP report. If we cut this, it will no longer apply. </a:t>
+            </a:r>
+          </a:p>
+          <a:p>
+            <a:pPr marL="171450" indent="-171450">
+              <a:buFont typeface="Arial" panose="020B0604020202020204" pitchFamily="34" charset="0"/>
+              <a:buChar char="•"/>
+            </a:pPr>
+            <a:r>
+              <a:rPr lang="en-GB" dirty="0"/>
+              <a:t>Only allowing texts with fewer than 512 tokens restricts the scope of the model.</a:t>
+            </a:r>
+          </a:p>
+          <a:p>
+            <a:pPr marL="171450" indent="-171450">
+              <a:buFont typeface="Arial" panose="020B0604020202020204" pitchFamily="34" charset="0"/>
+              <a:buChar char="•"/>
+            </a:pPr>
+            <a:r>
+              <a:rPr lang="en-GB" dirty="0"/>
+              <a:t>Alternatives: Use another NLP model which writes us a shorter summary. This can then have completely different side effects because it is no longer real data but synthetic data.</a:t>
+            </a:r>
+          </a:p>
+        </p:txBody>
+      </p:sp>
+      <p:sp>
+        <p:nvSpPr>
+          <p:cNvPr id="4" name="Fußzeilenplatzhalter 3"/>
+          <p:cNvSpPr>
+            <a:spLocks noGrp="1"/>
+          </p:cNvSpPr>
+          <p:nvPr>
+            <p:ph type="ftr" sz="quarter" idx="4"/>
+          </p:nvPr>
+        </p:nvSpPr>
+        <p:spPr/>
+        <p:txBody>
+          <a:bodyPr/>
+          <a:lstStyle/>
+          <a:p>
+            <a:endParaRPr lang="de-CH" dirty="0"/>
+          </a:p>
+        </p:txBody>
+      </p:sp>
+      <p:sp>
+        <p:nvSpPr>
+          <p:cNvPr id="5" name="Foliennummernplatzhalter 4"/>
+          <p:cNvSpPr>
+            <a:spLocks noGrp="1"/>
+          </p:cNvSpPr>
+          <p:nvPr>
+            <p:ph type="sldNum" sz="quarter" idx="5"/>
+          </p:nvPr>
+        </p:nvSpPr>
+        <p:spPr/>
+        <p:txBody>
+          <a:bodyPr/>
+          <a:lstStyle/>
+          <a:p>
+            <a:fld id="{B2B24C57-7758-4EF8-8A0E-FE171C8C1817}" type="slidenum">
+              <a:rPr lang="de-CH" smtClean="0"/>
+              <a:t>25</a:t>
             </a:fld>
             <a:endParaRPr lang="de-CH" dirty="0"/>
           </a:p>
@@ -20017,15 +20956,7 @@
           <a:p>
             <a:r>
               <a:rPr lang="de-CH" dirty="0"/>
-              <a:t>Marta Herrera, Mena </a:t>
-            </a:r>
-            <a:r>
-              <a:rPr lang="de-CH" dirty="0" err="1"/>
-              <a:t>Lerf</a:t>
-            </a:r>
-            <a:r>
-              <a:rPr lang="de-CH" dirty="0"/>
-              <a:t>, Vinzenz Uhr</a:t>
+              <a:t>Marta Colmenar Herrera, Mena Lerf, Vinzenz Uhr</a:t>
             </a:r>
           </a:p>
         </p:txBody>
@@ -20047,7 +20978,7 @@
           <a:p>
             <a:r>
               <a:rPr lang="de-CH" dirty="0"/>
-              <a:t>19.11.2023</a:t>
+              <a:t>19.12.2023</a:t>
             </a:r>
           </a:p>
         </p:txBody>
@@ -20124,6 +21055,507 @@
 </file>
 
 <file path=ppt/slides/slide10.xml><?xml version="1.0" encoding="utf-8"?>
+<p:sld xmlns:a="http://schemas.openxmlformats.org/drawingml/2006/main" xmlns:r="http://schemas.openxmlformats.org/officeDocument/2006/relationships" xmlns:p="http://schemas.openxmlformats.org/presentationml/2006/main">
+  <p:cSld>
+    <p:spTree>
+      <p:nvGrpSpPr>
+        <p:cNvPr id="1" name=""/>
+        <p:cNvGrpSpPr/>
+        <p:nvPr/>
+      </p:nvGrpSpPr>
+      <p:grpSpPr>
+        <a:xfrm>
+          <a:off x="0" y="0"/>
+          <a:ext cx="0" cy="0"/>
+          <a:chOff x="0" y="0"/>
+          <a:chExt cx="0" cy="0"/>
+        </a:xfrm>
+      </p:grpSpPr>
+      <p:sp>
+        <p:nvSpPr>
+          <p:cNvPr id="3" name="Textplatzhalter 2">
+            <a:extLst>
+              <a:ext uri="{FF2B5EF4-FFF2-40B4-BE49-F238E27FC236}">
+                <a16:creationId xmlns:a16="http://schemas.microsoft.com/office/drawing/2014/main" id="{0FC4AA5D-AF07-3CCC-1100-F64FEA1D23E1}"/>
+              </a:ext>
+            </a:extLst>
+          </p:cNvPr>
+          <p:cNvSpPr>
+            <a:spLocks noGrp="1"/>
+          </p:cNvSpPr>
+          <p:nvPr>
+            <p:ph type="body" sz="quarter" idx="16"/>
+          </p:nvPr>
+        </p:nvSpPr>
+        <p:spPr/>
+        <p:txBody>
+          <a:bodyPr/>
+          <a:lstStyle/>
+          <a:p>
+            <a:r>
+              <a:rPr lang="de-CH" dirty="0"/>
+              <a:t> </a:t>
+            </a:r>
+            <a:r>
+              <a:rPr lang="de-CH" dirty="0" err="1"/>
+              <a:t>Conclusion</a:t>
+            </a:r>
+            <a:endParaRPr lang="en-GB" dirty="0"/>
+          </a:p>
+        </p:txBody>
+      </p:sp>
+      <p:sp>
+        <p:nvSpPr>
+          <p:cNvPr id="4" name="Textplatzhalter 3">
+            <a:extLst>
+              <a:ext uri="{FF2B5EF4-FFF2-40B4-BE49-F238E27FC236}">
+                <a16:creationId xmlns:a16="http://schemas.microsoft.com/office/drawing/2014/main" id="{E4F0FE54-49B0-ADC7-DB62-13FF5FC8AD7C}"/>
+              </a:ext>
+            </a:extLst>
+          </p:cNvPr>
+          <p:cNvSpPr>
+            <a:spLocks noGrp="1"/>
+          </p:cNvSpPr>
+          <p:nvPr>
+            <p:ph type="body" sz="quarter" idx="17"/>
+          </p:nvPr>
+        </p:nvSpPr>
+        <p:spPr/>
+        <p:txBody>
+          <a:bodyPr/>
+          <a:lstStyle/>
+          <a:p>
+            <a:pPr marL="285750" indent="-285750">
+              <a:buFont typeface="Arial" panose="020B0604020202020204" pitchFamily="34" charset="0"/>
+              <a:buChar char="•"/>
+            </a:pPr>
+            <a:r>
+              <a:rPr lang="en-GB" dirty="0"/>
+              <a:t>Too much weight </a:t>
+            </a:r>
+            <a:br>
+              <a:rPr lang="en-GB" dirty="0"/>
+            </a:br>
+            <a:r>
+              <a:rPr lang="en-GB" dirty="0"/>
+              <a:t>given to class </a:t>
+            </a:r>
+            <a:br>
+              <a:rPr lang="en-GB" dirty="0"/>
+            </a:br>
+            <a:r>
+              <a:rPr lang="en-GB" dirty="0"/>
+              <a:t>surgery</a:t>
+            </a:r>
+          </a:p>
+        </p:txBody>
+      </p:sp>
+      <p:sp>
+        <p:nvSpPr>
+          <p:cNvPr id="5" name="Textplatzhalter 4">
+            <a:extLst>
+              <a:ext uri="{FF2B5EF4-FFF2-40B4-BE49-F238E27FC236}">
+                <a16:creationId xmlns:a16="http://schemas.microsoft.com/office/drawing/2014/main" id="{29A42272-4AF6-863E-D56E-7DD77ABA5A28}"/>
+              </a:ext>
+            </a:extLst>
+          </p:cNvPr>
+          <p:cNvSpPr>
+            <a:spLocks noGrp="1"/>
+          </p:cNvSpPr>
+          <p:nvPr>
+            <p:ph type="body" sz="quarter" idx="18"/>
+          </p:nvPr>
+        </p:nvSpPr>
+        <p:spPr/>
+        <p:txBody>
+          <a:bodyPr/>
+          <a:lstStyle/>
+          <a:p>
+            <a:endParaRPr lang="en-GB"/>
+          </a:p>
+        </p:txBody>
+      </p:sp>
+      <p:sp>
+        <p:nvSpPr>
+          <p:cNvPr id="6" name="Textplatzhalter 5">
+            <a:extLst>
+              <a:ext uri="{FF2B5EF4-FFF2-40B4-BE49-F238E27FC236}">
+                <a16:creationId xmlns:a16="http://schemas.microsoft.com/office/drawing/2014/main" id="{542B0A0E-35FB-CDB9-3772-18A348605ED0}"/>
+              </a:ext>
+            </a:extLst>
+          </p:cNvPr>
+          <p:cNvSpPr>
+            <a:spLocks noGrp="1"/>
+          </p:cNvSpPr>
+          <p:nvPr>
+            <p:ph type="body" sz="quarter" idx="19"/>
+          </p:nvPr>
+        </p:nvSpPr>
+        <p:spPr/>
+        <p:txBody>
+          <a:bodyPr/>
+          <a:lstStyle/>
+          <a:p>
+            <a:endParaRPr lang="en-GB"/>
+          </a:p>
+        </p:txBody>
+      </p:sp>
+      <p:sp>
+        <p:nvSpPr>
+          <p:cNvPr id="7" name="Textplatzhalter 6">
+            <a:extLst>
+              <a:ext uri="{FF2B5EF4-FFF2-40B4-BE49-F238E27FC236}">
+                <a16:creationId xmlns:a16="http://schemas.microsoft.com/office/drawing/2014/main" id="{86000304-9067-CA07-E967-3F5CDF13CD04}"/>
+              </a:ext>
+            </a:extLst>
+          </p:cNvPr>
+          <p:cNvSpPr>
+            <a:spLocks noGrp="1"/>
+          </p:cNvSpPr>
+          <p:nvPr>
+            <p:ph type="body" sz="quarter" idx="20"/>
+          </p:nvPr>
+        </p:nvSpPr>
+        <p:spPr/>
+        <p:txBody>
+          <a:bodyPr/>
+          <a:lstStyle/>
+          <a:p>
+            <a:endParaRPr lang="en-GB"/>
+          </a:p>
+        </p:txBody>
+      </p:sp>
+      <p:sp>
+        <p:nvSpPr>
+          <p:cNvPr id="8" name="Titel 7">
+            <a:extLst>
+              <a:ext uri="{FF2B5EF4-FFF2-40B4-BE49-F238E27FC236}">
+                <a16:creationId xmlns:a16="http://schemas.microsoft.com/office/drawing/2014/main" id="{B9ABCD4A-4209-A284-54AA-4462F776EA8F}"/>
+              </a:ext>
+            </a:extLst>
+          </p:cNvPr>
+          <p:cNvSpPr>
+            <a:spLocks noGrp="1"/>
+          </p:cNvSpPr>
+          <p:nvPr>
+            <p:ph type="title"/>
+          </p:nvPr>
+        </p:nvSpPr>
+        <p:spPr>
+          <a:xfrm>
+            <a:off x="540000" y="680400"/>
+            <a:ext cx="7020000" cy="820738"/>
+          </a:xfrm>
+        </p:spPr>
+        <p:txBody>
+          <a:bodyPr/>
+          <a:lstStyle/>
+          <a:p>
+            <a:r>
+              <a:rPr lang="de-CH" dirty="0" err="1"/>
+              <a:t>Confusion</a:t>
+            </a:r>
+            <a:r>
+              <a:rPr lang="de-CH" dirty="0"/>
+              <a:t> </a:t>
+            </a:r>
+            <a:br>
+              <a:rPr lang="de-CH" dirty="0"/>
+            </a:br>
+            <a:r>
+              <a:rPr lang="de-CH" dirty="0" err="1"/>
+              <a:t>matrix</a:t>
+            </a:r>
+            <a:endParaRPr lang="en-GB" dirty="0"/>
+          </a:p>
+        </p:txBody>
+      </p:sp>
+      <p:pic>
+        <p:nvPicPr>
+          <p:cNvPr id="12" name="Grafik 11">
+            <a:extLst>
+              <a:ext uri="{FF2B5EF4-FFF2-40B4-BE49-F238E27FC236}">
+                <a16:creationId xmlns:a16="http://schemas.microsoft.com/office/drawing/2014/main" id="{288FE0C6-0BA6-3FD6-161D-EE514D7A8196}"/>
+              </a:ext>
+            </a:extLst>
+          </p:cNvPr>
+          <p:cNvPicPr>
+            <a:picLocks noChangeAspect="1"/>
+          </p:cNvPicPr>
+          <p:nvPr/>
+        </p:nvPicPr>
+        <p:blipFill>
+          <a:blip r:embed="rId2"/>
+          <a:stretch>
+            <a:fillRect/>
+          </a:stretch>
+        </p:blipFill>
+        <p:spPr>
+          <a:xfrm>
+            <a:off x="2627784" y="0"/>
+            <a:ext cx="5095486" cy="5143500"/>
+          </a:xfrm>
+          <a:prstGeom prst="rect">
+            <a:avLst/>
+          </a:prstGeom>
+        </p:spPr>
+      </p:pic>
+    </p:spTree>
+    <p:extLst>
+      <p:ext uri="{BB962C8B-B14F-4D97-AF65-F5344CB8AC3E}">
+        <p14:creationId xmlns:p14="http://schemas.microsoft.com/office/powerpoint/2010/main" val="2913720038"/>
+      </p:ext>
+    </p:extLst>
+  </p:cSld>
+  <p:clrMapOvr>
+    <a:masterClrMapping/>
+  </p:clrMapOvr>
+</p:sld>
+</file>
+
+<file path=ppt/slides/slide11.xml><?xml version="1.0" encoding="utf-8"?>
+<p:sld xmlns:a="http://schemas.openxmlformats.org/drawingml/2006/main" xmlns:r="http://schemas.openxmlformats.org/officeDocument/2006/relationships" xmlns:p="http://schemas.openxmlformats.org/presentationml/2006/main">
+  <p:cSld>
+    <p:spTree>
+      <p:nvGrpSpPr>
+        <p:cNvPr id="1" name=""/>
+        <p:cNvGrpSpPr/>
+        <p:nvPr/>
+      </p:nvGrpSpPr>
+      <p:grpSpPr>
+        <a:xfrm>
+          <a:off x="0" y="0"/>
+          <a:ext cx="0" cy="0"/>
+          <a:chOff x="0" y="0"/>
+          <a:chExt cx="0" cy="0"/>
+        </a:xfrm>
+      </p:grpSpPr>
+      <p:sp>
+        <p:nvSpPr>
+          <p:cNvPr id="2" name="Textplatzhalter 1">
+            <a:extLst>
+              <a:ext uri="{FF2B5EF4-FFF2-40B4-BE49-F238E27FC236}">
+                <a16:creationId xmlns:a16="http://schemas.microsoft.com/office/drawing/2014/main" id="{E5877493-3C7F-59E0-6016-5E43DC4FD6E4}"/>
+              </a:ext>
+            </a:extLst>
+          </p:cNvPr>
+          <p:cNvSpPr>
+            <a:spLocks noGrp="1"/>
+          </p:cNvSpPr>
+          <p:nvPr>
+            <p:ph type="body" idx="11"/>
+          </p:nvPr>
+        </p:nvSpPr>
+        <p:spPr/>
+        <p:txBody>
+          <a:bodyPr/>
+          <a:lstStyle/>
+          <a:p>
+            <a:endParaRPr lang="en-GB"/>
+          </a:p>
+        </p:txBody>
+      </p:sp>
+      <p:sp>
+        <p:nvSpPr>
+          <p:cNvPr id="3" name="Textplatzhalter 2">
+            <a:extLst>
+              <a:ext uri="{FF2B5EF4-FFF2-40B4-BE49-F238E27FC236}">
+                <a16:creationId xmlns:a16="http://schemas.microsoft.com/office/drawing/2014/main" id="{C9BEF3D7-B7AE-FAFB-C792-01ACBA9DDBC6}"/>
+              </a:ext>
+            </a:extLst>
+          </p:cNvPr>
+          <p:cNvSpPr>
+            <a:spLocks noGrp="1"/>
+          </p:cNvSpPr>
+          <p:nvPr>
+            <p:ph type="body" sz="quarter" idx="16"/>
+          </p:nvPr>
+        </p:nvSpPr>
+        <p:spPr/>
+        <p:txBody>
+          <a:bodyPr/>
+          <a:lstStyle/>
+          <a:p>
+            <a:endParaRPr lang="en-GB" dirty="0"/>
+          </a:p>
+        </p:txBody>
+      </p:sp>
+      <p:sp>
+        <p:nvSpPr>
+          <p:cNvPr id="4" name="Textplatzhalter 3">
+            <a:extLst>
+              <a:ext uri="{FF2B5EF4-FFF2-40B4-BE49-F238E27FC236}">
+                <a16:creationId xmlns:a16="http://schemas.microsoft.com/office/drawing/2014/main" id="{8F3F5520-7A02-C9D2-B703-F6A1BCB7A319}"/>
+              </a:ext>
+            </a:extLst>
+          </p:cNvPr>
+          <p:cNvSpPr>
+            <a:spLocks noGrp="1"/>
+          </p:cNvSpPr>
+          <p:nvPr>
+            <p:ph type="body" sz="quarter" idx="17"/>
+          </p:nvPr>
+        </p:nvSpPr>
+        <p:spPr/>
+        <p:txBody>
+          <a:bodyPr/>
+          <a:lstStyle/>
+          <a:p>
+            <a:endParaRPr lang="en-GB"/>
+          </a:p>
+        </p:txBody>
+      </p:sp>
+      <p:sp>
+        <p:nvSpPr>
+          <p:cNvPr id="5" name="Textplatzhalter 4">
+            <a:extLst>
+              <a:ext uri="{FF2B5EF4-FFF2-40B4-BE49-F238E27FC236}">
+                <a16:creationId xmlns:a16="http://schemas.microsoft.com/office/drawing/2014/main" id="{FF637EEA-E90A-72E6-71E5-96150DAD404C}"/>
+              </a:ext>
+            </a:extLst>
+          </p:cNvPr>
+          <p:cNvSpPr>
+            <a:spLocks noGrp="1"/>
+          </p:cNvSpPr>
+          <p:nvPr>
+            <p:ph type="body" sz="quarter" idx="18"/>
+          </p:nvPr>
+        </p:nvSpPr>
+        <p:spPr/>
+        <p:txBody>
+          <a:bodyPr/>
+          <a:lstStyle/>
+          <a:p>
+            <a:endParaRPr lang="en-GB"/>
+          </a:p>
+        </p:txBody>
+      </p:sp>
+      <p:sp>
+        <p:nvSpPr>
+          <p:cNvPr id="6" name="Textplatzhalter 5">
+            <a:extLst>
+              <a:ext uri="{FF2B5EF4-FFF2-40B4-BE49-F238E27FC236}">
+                <a16:creationId xmlns:a16="http://schemas.microsoft.com/office/drawing/2014/main" id="{00F15422-6B2D-B352-C28F-62CABB0F83D5}"/>
+              </a:ext>
+            </a:extLst>
+          </p:cNvPr>
+          <p:cNvSpPr>
+            <a:spLocks noGrp="1"/>
+          </p:cNvSpPr>
+          <p:nvPr>
+            <p:ph type="body" sz="quarter" idx="19"/>
+          </p:nvPr>
+        </p:nvSpPr>
+        <p:spPr/>
+        <p:txBody>
+          <a:bodyPr/>
+          <a:lstStyle/>
+          <a:p>
+            <a:endParaRPr lang="en-GB"/>
+          </a:p>
+        </p:txBody>
+      </p:sp>
+      <p:sp>
+        <p:nvSpPr>
+          <p:cNvPr id="7" name="Textplatzhalter 6">
+            <a:extLst>
+              <a:ext uri="{FF2B5EF4-FFF2-40B4-BE49-F238E27FC236}">
+                <a16:creationId xmlns:a16="http://schemas.microsoft.com/office/drawing/2014/main" id="{EEABF640-00A5-6C56-2BDD-70160F0024E7}"/>
+              </a:ext>
+            </a:extLst>
+          </p:cNvPr>
+          <p:cNvSpPr>
+            <a:spLocks noGrp="1"/>
+          </p:cNvSpPr>
+          <p:nvPr>
+            <p:ph type="body" sz="quarter" idx="20"/>
+          </p:nvPr>
+        </p:nvSpPr>
+        <p:spPr/>
+        <p:txBody>
+          <a:bodyPr/>
+          <a:lstStyle/>
+          <a:p>
+            <a:endParaRPr lang="en-GB"/>
+          </a:p>
+        </p:txBody>
+      </p:sp>
+      <p:sp>
+        <p:nvSpPr>
+          <p:cNvPr id="8" name="Titel 7">
+            <a:extLst>
+              <a:ext uri="{FF2B5EF4-FFF2-40B4-BE49-F238E27FC236}">
+                <a16:creationId xmlns:a16="http://schemas.microsoft.com/office/drawing/2014/main" id="{E0191781-6B39-DBBD-96A5-DE25D4E29EA6}"/>
+              </a:ext>
+            </a:extLst>
+          </p:cNvPr>
+          <p:cNvSpPr>
+            <a:spLocks noGrp="1"/>
+          </p:cNvSpPr>
+          <p:nvPr>
+            <p:ph type="title"/>
+          </p:nvPr>
+        </p:nvSpPr>
+        <p:spPr/>
+        <p:txBody>
+          <a:bodyPr/>
+          <a:lstStyle/>
+          <a:p>
+            <a:r>
+              <a:rPr lang="de-CH" dirty="0"/>
+              <a:t>Class </a:t>
+            </a:r>
+            <a:r>
+              <a:rPr lang="de-CH" dirty="0" err="1"/>
+              <a:t>imbalance</a:t>
+            </a:r>
+            <a:endParaRPr lang="en-GB" dirty="0"/>
+          </a:p>
+        </p:txBody>
+      </p:sp>
+      <p:pic>
+        <p:nvPicPr>
+          <p:cNvPr id="10" name="Grafik 9">
+            <a:extLst>
+              <a:ext uri="{FF2B5EF4-FFF2-40B4-BE49-F238E27FC236}">
+                <a16:creationId xmlns:a16="http://schemas.microsoft.com/office/drawing/2014/main" id="{4774E92F-9A7D-7355-058D-F2A54D4AEA93}"/>
+              </a:ext>
+            </a:extLst>
+          </p:cNvPr>
+          <p:cNvPicPr>
+            <a:picLocks noChangeAspect="1"/>
+          </p:cNvPicPr>
+          <p:nvPr/>
+        </p:nvPicPr>
+        <p:blipFill rotWithShape="1">
+          <a:blip r:embed="rId2"/>
+          <a:srcRect t="1933"/>
+          <a:stretch/>
+        </p:blipFill>
+        <p:spPr>
+          <a:xfrm>
+            <a:off x="1916575" y="1170000"/>
+            <a:ext cx="4266850" cy="3782902"/>
+          </a:xfrm>
+          <a:prstGeom prst="rect">
+            <a:avLst/>
+          </a:prstGeom>
+        </p:spPr>
+      </p:pic>
+    </p:spTree>
+    <p:extLst>
+      <p:ext uri="{BB962C8B-B14F-4D97-AF65-F5344CB8AC3E}">
+        <p14:creationId xmlns:p14="http://schemas.microsoft.com/office/powerpoint/2010/main" val="730108432"/>
+      </p:ext>
+    </p:extLst>
+  </p:cSld>
+  <p:clrMapOvr>
+    <a:masterClrMapping/>
+  </p:clrMapOvr>
+</p:sld>
+</file>
+
+<file path=ppt/slides/slide12.xml><?xml version="1.0" encoding="utf-8"?>
 <p:sld xmlns:a="http://schemas.openxmlformats.org/drawingml/2006/main" xmlns:r="http://schemas.openxmlformats.org/officeDocument/2006/relationships" xmlns:p="http://schemas.openxmlformats.org/presentationml/2006/main">
   <p:cSld>
     <p:spTree>
@@ -20361,7 +21793,7 @@
           <a:p>
             <a:fld id="{16AB2C14-F465-F643-BD65-D6125390A9E0}" type="slidenum">
               <a:rPr lang="de-DE" smtClean="0"/>
-              <a:t>10</a:t>
+              <a:t>12</a:t>
             </a:fld>
             <a:endParaRPr lang="de-DE"/>
           </a:p>
@@ -20380,7 +21812,7 @@
 </p:sld>
 </file>
 
-<file path=ppt/slides/slide11.xml><?xml version="1.0" encoding="utf-8"?>
+<file path=ppt/slides/slide13.xml><?xml version="1.0" encoding="utf-8"?>
 <p:sld xmlns:a="http://schemas.openxmlformats.org/drawingml/2006/main" xmlns:r="http://schemas.openxmlformats.org/officeDocument/2006/relationships" xmlns:p="http://schemas.openxmlformats.org/presentationml/2006/main">
   <p:cSld>
     <p:spTree>
@@ -20661,7 +22093,7 @@
 </p:sld>
 </file>
 
-<file path=ppt/slides/slide12.xml><?xml version="1.0" encoding="utf-8"?>
+<file path=ppt/slides/slide14.xml><?xml version="1.0" encoding="utf-8"?>
 <p:sld xmlns:a="http://schemas.openxmlformats.org/drawingml/2006/main" xmlns:r="http://schemas.openxmlformats.org/officeDocument/2006/relationships" xmlns:p="http://schemas.openxmlformats.org/presentationml/2006/main">
   <p:cSld>
     <p:spTree>
@@ -21043,7 +22475,7 @@
 </p:sld>
 </file>
 
-<file path=ppt/slides/slide13.xml><?xml version="1.0" encoding="utf-8"?>
+<file path=ppt/slides/slide15.xml><?xml version="1.0" encoding="utf-8"?>
 <p:sld xmlns:a="http://schemas.openxmlformats.org/drawingml/2006/main" xmlns:r="http://schemas.openxmlformats.org/officeDocument/2006/relationships" xmlns:p="http://schemas.openxmlformats.org/presentationml/2006/main">
   <p:cSld>
     <p:spTree>
@@ -21533,7 +22965,7 @@
 </p:sld>
 </file>
 
-<file path=ppt/slides/slide14.xml><?xml version="1.0" encoding="utf-8"?>
+<file path=ppt/slides/slide16.xml><?xml version="1.0" encoding="utf-8"?>
 <p:sld xmlns:a="http://schemas.openxmlformats.org/drawingml/2006/main" xmlns:r="http://schemas.openxmlformats.org/officeDocument/2006/relationships" xmlns:p="http://schemas.openxmlformats.org/presentationml/2006/main">
   <p:cSld>
     <p:spTree>
@@ -21788,7 +23220,7 @@
           <a:p>
             <a:fld id="{16AB2C14-F465-F643-BD65-D6125390A9E0}" type="slidenum">
               <a:rPr lang="de-DE" smtClean="0"/>
-              <a:t>14</a:t>
+              <a:t>16</a:t>
             </a:fld>
             <a:endParaRPr lang="de-DE"/>
           </a:p>
@@ -21807,7 +23239,7 @@
 </p:sld>
 </file>
 
-<file path=ppt/slides/slide15.xml><?xml version="1.0" encoding="utf-8"?>
+<file path=ppt/slides/slide17.xml><?xml version="1.0" encoding="utf-8"?>
 <p:sld xmlns:a="http://schemas.openxmlformats.org/drawingml/2006/main" xmlns:r="http://schemas.openxmlformats.org/officeDocument/2006/relationships" xmlns:p="http://schemas.openxmlformats.org/presentationml/2006/main">
   <p:cSld>
     <p:spTree>
@@ -22392,7 +23824,7 @@
 </p:sld>
 </file>
 
-<file path=ppt/slides/slide16.xml><?xml version="1.0" encoding="utf-8"?>
+<file path=ppt/slides/slide18.xml><?xml version="1.0" encoding="utf-8"?>
 <p:sld xmlns:a="http://schemas.openxmlformats.org/drawingml/2006/main" xmlns:r="http://schemas.openxmlformats.org/officeDocument/2006/relationships" xmlns:p="http://schemas.openxmlformats.org/presentationml/2006/main">
   <p:cSld>
     <p:spTree>
@@ -22846,7 +24278,7 @@
 </p:sld>
 </file>
 
-<file path=ppt/slides/slide17.xml><?xml version="1.0" encoding="utf-8"?>
+<file path=ppt/slides/slide19.xml><?xml version="1.0" encoding="utf-8"?>
 <p:sld xmlns:a="http://schemas.openxmlformats.org/drawingml/2006/main" xmlns:r="http://schemas.openxmlformats.org/officeDocument/2006/relationships" xmlns:p="http://schemas.openxmlformats.org/presentationml/2006/main">
   <p:cSld>
     <p:spTree>
@@ -23089,7 +24521,7 @@
           <a:p>
             <a:fld id="{16AB2C14-F465-F643-BD65-D6125390A9E0}" type="slidenum">
               <a:rPr lang="de-DE" smtClean="0"/>
-              <a:t>17</a:t>
+              <a:t>19</a:t>
             </a:fld>
             <a:endParaRPr lang="de-DE"/>
           </a:p>
@@ -23108,7 +24540,867 @@
 </p:sld>
 </file>
 
-<file path=ppt/slides/slide18.xml><?xml version="1.0" encoding="utf-8"?>
+<file path=ppt/slides/slide2.xml><?xml version="1.0" encoding="utf-8"?>
+<p:sld xmlns:a="http://schemas.openxmlformats.org/drawingml/2006/main" xmlns:r="http://schemas.openxmlformats.org/officeDocument/2006/relationships" xmlns:p="http://schemas.openxmlformats.org/presentationml/2006/main">
+  <p:cSld>
+    <p:spTree>
+      <p:nvGrpSpPr>
+        <p:cNvPr id="1" name=""/>
+        <p:cNvGrpSpPr/>
+        <p:nvPr/>
+      </p:nvGrpSpPr>
+      <p:grpSpPr>
+        <a:xfrm>
+          <a:off x="0" y="0"/>
+          <a:ext cx="0" cy="0"/>
+          <a:chOff x="0" y="0"/>
+          <a:chExt cx="0" cy="0"/>
+        </a:xfrm>
+      </p:grpSpPr>
+      <p:sp>
+        <p:nvSpPr>
+          <p:cNvPr id="8" name="Titel 7">
+            <a:extLst>
+              <a:ext uri="{FF2B5EF4-FFF2-40B4-BE49-F238E27FC236}">
+                <a16:creationId xmlns:a16="http://schemas.microsoft.com/office/drawing/2014/main" id="{4CDDC0FF-D1AF-EA1A-6498-6A823A42DC8D}"/>
+              </a:ext>
+            </a:extLst>
+          </p:cNvPr>
+          <p:cNvSpPr>
+            <a:spLocks noGrp="1"/>
+          </p:cNvSpPr>
+          <p:nvPr>
+            <p:ph type="title"/>
+          </p:nvPr>
+        </p:nvSpPr>
+        <p:spPr/>
+        <p:txBody>
+          <a:bodyPr/>
+          <a:lstStyle/>
+          <a:p>
+            <a:r>
+              <a:rPr lang="de-CH" dirty="0"/>
+              <a:t>Looking back</a:t>
+            </a:r>
+            <a:endParaRPr lang="en-US" dirty="0"/>
+          </a:p>
+        </p:txBody>
+      </p:sp>
+      <p:sp>
+        <p:nvSpPr>
+          <p:cNvPr id="7" name="Foliennummernplatzhalter 6">
+            <a:extLst>
+              <a:ext uri="{FF2B5EF4-FFF2-40B4-BE49-F238E27FC236}">
+                <a16:creationId xmlns:a16="http://schemas.microsoft.com/office/drawing/2014/main" id="{6AF849CE-38B6-AFA5-E601-34B6A9C156AB}"/>
+              </a:ext>
+            </a:extLst>
+          </p:cNvPr>
+          <p:cNvSpPr>
+            <a:spLocks noGrp="1"/>
+          </p:cNvSpPr>
+          <p:nvPr>
+            <p:ph type="sldNum" sz="quarter" idx="4294967295"/>
+          </p:nvPr>
+        </p:nvSpPr>
+        <p:spPr>
+          <a:xfrm>
+            <a:off x="6400800" y="6356350"/>
+            <a:ext cx="2743200" cy="365125"/>
+          </a:xfrm>
+        </p:spPr>
+        <p:txBody>
+          <a:bodyPr/>
+          <a:lstStyle/>
+          <a:p>
+            <a:fld id="{16AB2C14-F465-F643-BD65-D6125390A9E0}" type="slidenum">
+              <a:rPr lang="de-DE" smtClean="0"/>
+              <a:t>2</a:t>
+            </a:fld>
+            <a:endParaRPr lang="de-DE"/>
+          </a:p>
+        </p:txBody>
+      </p:sp>
+      <p:sp>
+        <p:nvSpPr>
+          <p:cNvPr id="16" name="Rechteck: abgerundete Ecken 15">
+            <a:extLst>
+              <a:ext uri="{FF2B5EF4-FFF2-40B4-BE49-F238E27FC236}">
+                <a16:creationId xmlns:a16="http://schemas.microsoft.com/office/drawing/2014/main" id="{B789ED3C-F0A1-5BEC-E829-97D3E5EB031D}"/>
+              </a:ext>
+            </a:extLst>
+          </p:cNvPr>
+          <p:cNvSpPr/>
+          <p:nvPr/>
+        </p:nvSpPr>
+        <p:spPr>
+          <a:xfrm>
+            <a:off x="683568" y="1635646"/>
+            <a:ext cx="1728192" cy="936104"/>
+          </a:xfrm>
+          <a:prstGeom prst="roundRect">
+            <a:avLst/>
+          </a:prstGeom>
+          <a:noFill/>
+        </p:spPr>
+        <p:style>
+          <a:lnRef idx="2">
+            <a:schemeClr val="dk1">
+              <a:shade val="15000"/>
+            </a:schemeClr>
+          </a:lnRef>
+          <a:fillRef idx="1">
+            <a:schemeClr val="dk1"/>
+          </a:fillRef>
+          <a:effectRef idx="0">
+            <a:schemeClr val="dk1"/>
+          </a:effectRef>
+          <a:fontRef idx="minor">
+            <a:schemeClr val="lt1"/>
+          </a:fontRef>
+        </p:style>
+        <p:txBody>
+          <a:bodyPr rtlCol="0" anchor="ctr"/>
+          <a:lstStyle/>
+          <a:p>
+            <a:pPr algn="ctr"/>
+            <a:endParaRPr lang="en-US"/>
+          </a:p>
+        </p:txBody>
+      </p:sp>
+      <p:sp>
+        <p:nvSpPr>
+          <p:cNvPr id="17" name="Rechteck: abgerundete Ecken 16">
+            <a:extLst>
+              <a:ext uri="{FF2B5EF4-FFF2-40B4-BE49-F238E27FC236}">
+                <a16:creationId xmlns:a16="http://schemas.microsoft.com/office/drawing/2014/main" id="{005602C7-82D8-8043-5715-6D176AC30842}"/>
+              </a:ext>
+            </a:extLst>
+          </p:cNvPr>
+          <p:cNvSpPr/>
+          <p:nvPr/>
+        </p:nvSpPr>
+        <p:spPr>
+          <a:xfrm>
+            <a:off x="3199657" y="1635646"/>
+            <a:ext cx="1728192" cy="936104"/>
+          </a:xfrm>
+          <a:prstGeom prst="roundRect">
+            <a:avLst/>
+          </a:prstGeom>
+          <a:noFill/>
+          <a:ln>
+            <a:solidFill>
+              <a:srgbClr val="FF0000"/>
+            </a:solidFill>
+          </a:ln>
+        </p:spPr>
+        <p:style>
+          <a:lnRef idx="2">
+            <a:schemeClr val="dk1">
+              <a:shade val="15000"/>
+            </a:schemeClr>
+          </a:lnRef>
+          <a:fillRef idx="1">
+            <a:schemeClr val="dk1"/>
+          </a:fillRef>
+          <a:effectRef idx="0">
+            <a:schemeClr val="dk1"/>
+          </a:effectRef>
+          <a:fontRef idx="minor">
+            <a:schemeClr val="lt1"/>
+          </a:fontRef>
+        </p:style>
+        <p:txBody>
+          <a:bodyPr rtlCol="0" anchor="ctr"/>
+          <a:lstStyle/>
+          <a:p>
+            <a:pPr algn="ctr"/>
+            <a:endParaRPr lang="en-US"/>
+          </a:p>
+        </p:txBody>
+      </p:sp>
+      <p:sp>
+        <p:nvSpPr>
+          <p:cNvPr id="18" name="Rechteck: abgerundete Ecken 17">
+            <a:extLst>
+              <a:ext uri="{FF2B5EF4-FFF2-40B4-BE49-F238E27FC236}">
+                <a16:creationId xmlns:a16="http://schemas.microsoft.com/office/drawing/2014/main" id="{2E76C284-59DC-5250-3A28-3F9DE230AC27}"/>
+              </a:ext>
+            </a:extLst>
+          </p:cNvPr>
+          <p:cNvSpPr/>
+          <p:nvPr/>
+        </p:nvSpPr>
+        <p:spPr>
+          <a:xfrm>
+            <a:off x="5715746" y="1635646"/>
+            <a:ext cx="1728192" cy="936104"/>
+          </a:xfrm>
+          <a:prstGeom prst="roundRect">
+            <a:avLst/>
+          </a:prstGeom>
+          <a:noFill/>
+          <a:ln>
+            <a:solidFill>
+              <a:schemeClr val="tx1"/>
+            </a:solidFill>
+          </a:ln>
+        </p:spPr>
+        <p:style>
+          <a:lnRef idx="2">
+            <a:schemeClr val="dk1">
+              <a:shade val="15000"/>
+            </a:schemeClr>
+          </a:lnRef>
+          <a:fillRef idx="1">
+            <a:schemeClr val="dk1"/>
+          </a:fillRef>
+          <a:effectRef idx="0">
+            <a:schemeClr val="dk1"/>
+          </a:effectRef>
+          <a:fontRef idx="minor">
+            <a:schemeClr val="lt1"/>
+          </a:fontRef>
+        </p:style>
+        <p:txBody>
+          <a:bodyPr rtlCol="0" anchor="ctr"/>
+          <a:lstStyle/>
+          <a:p>
+            <a:pPr algn="ctr"/>
+            <a:endParaRPr lang="en-US"/>
+          </a:p>
+        </p:txBody>
+      </p:sp>
+      <p:sp>
+        <p:nvSpPr>
+          <p:cNvPr id="19" name="Textfeld 18">
+            <a:extLst>
+              <a:ext uri="{FF2B5EF4-FFF2-40B4-BE49-F238E27FC236}">
+                <a16:creationId xmlns:a16="http://schemas.microsoft.com/office/drawing/2014/main" id="{EDAD67C6-910D-FF95-4CF5-81ED3170817B}"/>
+              </a:ext>
+            </a:extLst>
+          </p:cNvPr>
+          <p:cNvSpPr txBox="1"/>
+          <p:nvPr/>
+        </p:nvSpPr>
+        <p:spPr>
+          <a:xfrm>
+            <a:off x="791580" y="1919032"/>
+            <a:ext cx="1512168" cy="338554"/>
+          </a:xfrm>
+          <a:prstGeom prst="rect">
+            <a:avLst/>
+          </a:prstGeom>
+          <a:noFill/>
+        </p:spPr>
+        <p:txBody>
+          <a:bodyPr wrap="square" rtlCol="0">
+            <a:spAutoFit/>
+          </a:bodyPr>
+          <a:lstStyle/>
+          <a:p>
+            <a:pPr algn="ctr"/>
+            <a:r>
+              <a:rPr lang="de-CH" sz="1600" dirty="0" err="1">
+                <a:latin typeface="Arial" panose="020B0604020202020204" pitchFamily="34" charset="0"/>
+                <a:cs typeface="Arial" panose="020B0604020202020204" pitchFamily="34" charset="0"/>
+              </a:rPr>
+              <a:t>Preprocessing</a:t>
+            </a:r>
+            <a:endParaRPr lang="en-US" sz="1600" dirty="0">
+              <a:latin typeface="Arial" panose="020B0604020202020204" pitchFamily="34" charset="0"/>
+              <a:cs typeface="Arial" panose="020B0604020202020204" pitchFamily="34" charset="0"/>
+            </a:endParaRPr>
+          </a:p>
+        </p:txBody>
+      </p:sp>
+      <p:sp>
+        <p:nvSpPr>
+          <p:cNvPr id="21" name="Textfeld 20">
+            <a:extLst>
+              <a:ext uri="{FF2B5EF4-FFF2-40B4-BE49-F238E27FC236}">
+                <a16:creationId xmlns:a16="http://schemas.microsoft.com/office/drawing/2014/main" id="{7CF351B6-003C-6153-7A6D-1273E39EC354}"/>
+              </a:ext>
+            </a:extLst>
+          </p:cNvPr>
+          <p:cNvSpPr txBox="1"/>
+          <p:nvPr/>
+        </p:nvSpPr>
+        <p:spPr>
+          <a:xfrm>
+            <a:off x="3307669" y="1933406"/>
+            <a:ext cx="1512168" cy="338554"/>
+          </a:xfrm>
+          <a:prstGeom prst="rect">
+            <a:avLst/>
+          </a:prstGeom>
+          <a:noFill/>
+        </p:spPr>
+        <p:txBody>
+          <a:bodyPr wrap="square" rtlCol="0">
+            <a:spAutoFit/>
+          </a:bodyPr>
+          <a:lstStyle/>
+          <a:p>
+            <a:pPr algn="ctr"/>
+            <a:r>
+              <a:rPr lang="de-CH" sz="1600" dirty="0">
+                <a:latin typeface="Arial" panose="020B0604020202020204" pitchFamily="34" charset="0"/>
+                <a:cs typeface="Arial" panose="020B0604020202020204" pitchFamily="34" charset="0"/>
+              </a:rPr>
+              <a:t>NER </a:t>
+            </a:r>
+            <a:r>
+              <a:rPr lang="de-CH" sz="1600" dirty="0" err="1">
+                <a:latin typeface="Arial" panose="020B0604020202020204" pitchFamily="34" charset="0"/>
+                <a:cs typeface="Arial" panose="020B0604020202020204" pitchFamily="34" charset="0"/>
+              </a:rPr>
+              <a:t>Types</a:t>
+            </a:r>
+            <a:endParaRPr lang="en-US" sz="1600" dirty="0">
+              <a:latin typeface="Arial" panose="020B0604020202020204" pitchFamily="34" charset="0"/>
+              <a:cs typeface="Arial" panose="020B0604020202020204" pitchFamily="34" charset="0"/>
+            </a:endParaRPr>
+          </a:p>
+        </p:txBody>
+      </p:sp>
+      <p:cxnSp>
+        <p:nvCxnSpPr>
+          <p:cNvPr id="23" name="Gerade Verbindung mit Pfeil 22">
+            <a:extLst>
+              <a:ext uri="{FF2B5EF4-FFF2-40B4-BE49-F238E27FC236}">
+                <a16:creationId xmlns:a16="http://schemas.microsoft.com/office/drawing/2014/main" id="{AF79ACF7-90C7-96E2-C045-7D482F9B3BDF}"/>
+              </a:ext>
+            </a:extLst>
+          </p:cNvPr>
+          <p:cNvCxnSpPr>
+            <a:stCxn id="16" idx="3"/>
+            <a:endCxn id="17" idx="1"/>
+          </p:cNvCxnSpPr>
+          <p:nvPr/>
+        </p:nvCxnSpPr>
+        <p:spPr>
+          <a:xfrm>
+            <a:off x="2411760" y="2103698"/>
+            <a:ext cx="787897" cy="0"/>
+          </a:xfrm>
+          <a:prstGeom prst="straightConnector1">
+            <a:avLst/>
+          </a:prstGeom>
+          <a:ln>
+            <a:tailEnd type="triangle"/>
+          </a:ln>
+        </p:spPr>
+        <p:style>
+          <a:lnRef idx="1">
+            <a:schemeClr val="dk1"/>
+          </a:lnRef>
+          <a:fillRef idx="0">
+            <a:schemeClr val="dk1"/>
+          </a:fillRef>
+          <a:effectRef idx="0">
+            <a:schemeClr val="dk1"/>
+          </a:effectRef>
+          <a:fontRef idx="minor">
+            <a:schemeClr val="tx1"/>
+          </a:fontRef>
+        </p:style>
+      </p:cxnSp>
+      <p:cxnSp>
+        <p:nvCxnSpPr>
+          <p:cNvPr id="25" name="Gerade Verbindung mit Pfeil 24">
+            <a:extLst>
+              <a:ext uri="{FF2B5EF4-FFF2-40B4-BE49-F238E27FC236}">
+                <a16:creationId xmlns:a16="http://schemas.microsoft.com/office/drawing/2014/main" id="{EC0B6EE7-04E8-A717-4883-C2B7F6BD0214}"/>
+              </a:ext>
+            </a:extLst>
+          </p:cNvPr>
+          <p:cNvCxnSpPr>
+            <a:stCxn id="17" idx="3"/>
+            <a:endCxn id="18" idx="1"/>
+          </p:cNvCxnSpPr>
+          <p:nvPr/>
+        </p:nvCxnSpPr>
+        <p:spPr>
+          <a:xfrm>
+            <a:off x="4927849" y="2103698"/>
+            <a:ext cx="787897" cy="0"/>
+          </a:xfrm>
+          <a:prstGeom prst="straightConnector1">
+            <a:avLst/>
+          </a:prstGeom>
+          <a:ln>
+            <a:tailEnd type="triangle"/>
+          </a:ln>
+        </p:spPr>
+        <p:style>
+          <a:lnRef idx="1">
+            <a:schemeClr val="dk1"/>
+          </a:lnRef>
+          <a:fillRef idx="0">
+            <a:schemeClr val="dk1"/>
+          </a:fillRef>
+          <a:effectRef idx="0">
+            <a:schemeClr val="dk1"/>
+          </a:effectRef>
+          <a:fontRef idx="minor">
+            <a:schemeClr val="tx1"/>
+          </a:fontRef>
+        </p:style>
+      </p:cxnSp>
+      <p:sp>
+        <p:nvSpPr>
+          <p:cNvPr id="26" name="Textfeld 25">
+            <a:extLst>
+              <a:ext uri="{FF2B5EF4-FFF2-40B4-BE49-F238E27FC236}">
+                <a16:creationId xmlns:a16="http://schemas.microsoft.com/office/drawing/2014/main" id="{BC2250B4-169A-7917-2F49-4BF68A6FA43E}"/>
+              </a:ext>
+            </a:extLst>
+          </p:cNvPr>
+          <p:cNvSpPr txBox="1"/>
+          <p:nvPr/>
+        </p:nvSpPr>
+        <p:spPr>
+          <a:xfrm>
+            <a:off x="3195341" y="2624340"/>
+            <a:ext cx="3424571" cy="338554"/>
+          </a:xfrm>
+          <a:prstGeom prst="rect">
+            <a:avLst/>
+          </a:prstGeom>
+          <a:noFill/>
+        </p:spPr>
+        <p:txBody>
+          <a:bodyPr wrap="square" rtlCol="0">
+            <a:spAutoFit/>
+          </a:bodyPr>
+          <a:lstStyle/>
+          <a:p>
+            <a:r>
+              <a:rPr lang="de-CH" sz="1600" dirty="0">
+                <a:latin typeface="Arial" panose="020B0604020202020204" pitchFamily="34" charset="0"/>
+                <a:cs typeface="Arial" panose="020B0604020202020204" pitchFamily="34" charset="0"/>
+              </a:rPr>
+              <a:t>Feedback: </a:t>
+            </a:r>
+          </a:p>
+        </p:txBody>
+      </p:sp>
+      <p:pic>
+        <p:nvPicPr>
+          <p:cNvPr id="30" name="Grafik 29">
+            <a:extLst>
+              <a:ext uri="{FF2B5EF4-FFF2-40B4-BE49-F238E27FC236}">
+                <a16:creationId xmlns:a16="http://schemas.microsoft.com/office/drawing/2014/main" id="{6610B958-C9DA-361D-46A9-CD3BBD440186}"/>
+              </a:ext>
+            </a:extLst>
+          </p:cNvPr>
+          <p:cNvPicPr>
+            <a:picLocks noChangeAspect="1"/>
+          </p:cNvPicPr>
+          <p:nvPr/>
+        </p:nvPicPr>
+        <p:blipFill rotWithShape="1">
+          <a:blip r:embed="rId3"/>
+          <a:srcRect t="25226"/>
+          <a:stretch/>
+        </p:blipFill>
+        <p:spPr>
+          <a:xfrm>
+            <a:off x="3515878" y="3226113"/>
+            <a:ext cx="2457576" cy="560317"/>
+          </a:xfrm>
+          <a:prstGeom prst="rect">
+            <a:avLst/>
+          </a:prstGeom>
+        </p:spPr>
+      </p:pic>
+      <p:pic>
+        <p:nvPicPr>
+          <p:cNvPr id="32" name="Grafik 31">
+            <a:extLst>
+              <a:ext uri="{FF2B5EF4-FFF2-40B4-BE49-F238E27FC236}">
+                <a16:creationId xmlns:a16="http://schemas.microsoft.com/office/drawing/2014/main" id="{07E65CA7-A5B3-4DA4-A37C-0ABA71CD71F8}"/>
+              </a:ext>
+            </a:extLst>
+          </p:cNvPr>
+          <p:cNvPicPr>
+            <a:picLocks noChangeAspect="1"/>
+          </p:cNvPicPr>
+          <p:nvPr/>
+        </p:nvPicPr>
+        <p:blipFill rotWithShape="1">
+          <a:blip r:embed="rId4"/>
+          <a:srcRect l="3992" r="-1"/>
+          <a:stretch/>
+        </p:blipFill>
+        <p:spPr>
+          <a:xfrm>
+            <a:off x="5824786" y="3186255"/>
+            <a:ext cx="1987574" cy="609631"/>
+          </a:xfrm>
+          <a:prstGeom prst="rect">
+            <a:avLst/>
+          </a:prstGeom>
+        </p:spPr>
+      </p:pic>
+      <p:sp>
+        <p:nvSpPr>
+          <p:cNvPr id="33" name="Textfeld 32">
+            <a:extLst>
+              <a:ext uri="{FF2B5EF4-FFF2-40B4-BE49-F238E27FC236}">
+                <a16:creationId xmlns:a16="http://schemas.microsoft.com/office/drawing/2014/main" id="{5C1EC696-95CE-53D1-CED2-F41B16AAEC82}"/>
+              </a:ext>
+            </a:extLst>
+          </p:cNvPr>
+          <p:cNvSpPr txBox="1"/>
+          <p:nvPr/>
+        </p:nvSpPr>
+        <p:spPr>
+          <a:xfrm>
+            <a:off x="3195341" y="2916197"/>
+            <a:ext cx="2055065" cy="338554"/>
+          </a:xfrm>
+          <a:prstGeom prst="rect">
+            <a:avLst/>
+          </a:prstGeom>
+          <a:noFill/>
+        </p:spPr>
+        <p:txBody>
+          <a:bodyPr wrap="square" rtlCol="0">
+            <a:spAutoFit/>
+          </a:bodyPr>
+          <a:lstStyle/>
+          <a:p>
+            <a:pPr marL="285750" indent="-285750">
+              <a:buFont typeface="Arial" panose="020B0604020202020204" pitchFamily="34" charset="0"/>
+              <a:buChar char="•"/>
+            </a:pPr>
+            <a:r>
+              <a:rPr lang="de-CH" sz="1600" dirty="0" err="1">
+                <a:latin typeface="Arial" panose="020B0604020202020204" pitchFamily="34" charset="0"/>
+                <a:cs typeface="Arial" panose="020B0604020202020204" pitchFamily="34" charset="0"/>
+              </a:rPr>
+              <a:t>Lemmatization</a:t>
+            </a:r>
+            <a:endParaRPr lang="en-US" sz="1600" dirty="0">
+              <a:latin typeface="Arial" panose="020B0604020202020204" pitchFamily="34" charset="0"/>
+              <a:cs typeface="Arial" panose="020B0604020202020204" pitchFamily="34" charset="0"/>
+            </a:endParaRPr>
+          </a:p>
+        </p:txBody>
+      </p:sp>
+      <p:sp>
+        <p:nvSpPr>
+          <p:cNvPr id="34" name="Textfeld 33">
+            <a:extLst>
+              <a:ext uri="{FF2B5EF4-FFF2-40B4-BE49-F238E27FC236}">
+                <a16:creationId xmlns:a16="http://schemas.microsoft.com/office/drawing/2014/main" id="{EB71067E-FFE3-D0DA-0C9D-4CCB32FB1FA0}"/>
+              </a:ext>
+            </a:extLst>
+          </p:cNvPr>
+          <p:cNvSpPr txBox="1"/>
+          <p:nvPr/>
+        </p:nvSpPr>
+        <p:spPr>
+          <a:xfrm>
+            <a:off x="5769145" y="2916197"/>
+            <a:ext cx="1899199" cy="338554"/>
+          </a:xfrm>
+          <a:prstGeom prst="rect">
+            <a:avLst/>
+          </a:prstGeom>
+          <a:noFill/>
+        </p:spPr>
+        <p:txBody>
+          <a:bodyPr wrap="square" rtlCol="0">
+            <a:spAutoFit/>
+          </a:bodyPr>
+          <a:lstStyle/>
+          <a:p>
+            <a:r>
+              <a:rPr lang="de-CH" sz="1600" dirty="0">
+                <a:latin typeface="Arial" panose="020B0604020202020204" pitchFamily="34" charset="0"/>
+                <a:cs typeface="Arial" panose="020B0604020202020204" pitchFamily="34" charset="0"/>
+              </a:rPr>
+              <a:t>No </a:t>
+            </a:r>
+            <a:r>
+              <a:rPr lang="de-CH" sz="1600" dirty="0" err="1">
+                <a:latin typeface="Arial" panose="020B0604020202020204" pitchFamily="34" charset="0"/>
+                <a:cs typeface="Arial" panose="020B0604020202020204" pitchFamily="34" charset="0"/>
+              </a:rPr>
+              <a:t>Lemmatization</a:t>
+            </a:r>
+            <a:endParaRPr lang="en-US" sz="1600" dirty="0">
+              <a:latin typeface="Arial" panose="020B0604020202020204" pitchFamily="34" charset="0"/>
+              <a:cs typeface="Arial" panose="020B0604020202020204" pitchFamily="34" charset="0"/>
+            </a:endParaRPr>
+          </a:p>
+        </p:txBody>
+      </p:sp>
+      <p:sp>
+        <p:nvSpPr>
+          <p:cNvPr id="35" name="Textfeld 34">
+            <a:extLst>
+              <a:ext uri="{FF2B5EF4-FFF2-40B4-BE49-F238E27FC236}">
+                <a16:creationId xmlns:a16="http://schemas.microsoft.com/office/drawing/2014/main" id="{0AF9688C-05A9-1982-AE13-B6FB2371455B}"/>
+              </a:ext>
+            </a:extLst>
+          </p:cNvPr>
+          <p:cNvSpPr txBox="1"/>
+          <p:nvPr/>
+        </p:nvSpPr>
+        <p:spPr>
+          <a:xfrm>
+            <a:off x="3195341" y="3786430"/>
+            <a:ext cx="4914488" cy="1323439"/>
+          </a:xfrm>
+          <a:prstGeom prst="rect">
+            <a:avLst/>
+          </a:prstGeom>
+          <a:noFill/>
+        </p:spPr>
+        <p:txBody>
+          <a:bodyPr wrap="square" rtlCol="0">
+            <a:spAutoFit/>
+          </a:bodyPr>
+          <a:lstStyle/>
+          <a:p>
+            <a:pPr marL="285750" indent="-285750">
+              <a:buFont typeface="Arial" panose="020B0604020202020204" pitchFamily="34" charset="0"/>
+              <a:buChar char="•"/>
+            </a:pPr>
+            <a:r>
+              <a:rPr lang="de-CH" sz="1600" dirty="0">
+                <a:latin typeface="Arial" panose="020B0604020202020204" pitchFamily="34" charset="0"/>
+                <a:cs typeface="Arial" panose="020B0604020202020204" pitchFamily="34" charset="0"/>
+              </a:rPr>
+              <a:t>NER Type </a:t>
+            </a:r>
+            <a:r>
+              <a:rPr lang="de-CH" sz="1600" dirty="0" err="1">
+                <a:latin typeface="Arial" panose="020B0604020202020204" pitchFamily="34" charset="0"/>
+                <a:cs typeface="Arial" panose="020B0604020202020204" pitchFamily="34" charset="0"/>
+              </a:rPr>
+              <a:t>Ambiguity</a:t>
+            </a:r>
+            <a:endParaRPr lang="de-CH" sz="1600" dirty="0">
+              <a:latin typeface="Arial" panose="020B0604020202020204" pitchFamily="34" charset="0"/>
+              <a:cs typeface="Arial" panose="020B0604020202020204" pitchFamily="34" charset="0"/>
+            </a:endParaRPr>
+          </a:p>
+          <a:p>
+            <a:pPr marL="288000"/>
+            <a:r>
+              <a:rPr lang="de-CH" sz="1600" dirty="0" err="1">
+                <a:latin typeface="Arial" panose="020B0604020202020204" pitchFamily="34" charset="0"/>
+                <a:cs typeface="Arial" panose="020B0604020202020204" pitchFamily="34" charset="0"/>
+              </a:rPr>
+              <a:t>Merge</a:t>
+            </a:r>
+            <a:r>
+              <a:rPr lang="de-CH" sz="1600" dirty="0">
+                <a:latin typeface="Arial" panose="020B0604020202020204" pitchFamily="34" charset="0"/>
+                <a:cs typeface="Arial" panose="020B0604020202020204" pitchFamily="34" charset="0"/>
+              </a:rPr>
+              <a:t> </a:t>
+            </a:r>
+            <a:r>
+              <a:rPr lang="de-CH" sz="1600" dirty="0" err="1">
+                <a:latin typeface="Arial" panose="020B0604020202020204" pitchFamily="34" charset="0"/>
+                <a:cs typeface="Arial" panose="020B0604020202020204" pitchFamily="34" charset="0"/>
+              </a:rPr>
+              <a:t>Entities</a:t>
+            </a:r>
+            <a:r>
+              <a:rPr lang="de-CH" sz="1600" dirty="0">
+                <a:latin typeface="Arial" panose="020B0604020202020204" pitchFamily="34" charset="0"/>
+                <a:cs typeface="Arial" panose="020B0604020202020204" pitchFamily="34" charset="0"/>
+              </a:rPr>
+              <a:t>: e.g. ‘CARDINAL’ and ‘DOSAGE’</a:t>
+            </a:r>
+          </a:p>
+          <a:p>
+            <a:pPr marL="288000"/>
+            <a:r>
+              <a:rPr lang="de-CH" sz="1600" dirty="0">
+                <a:latin typeface="Arial" panose="020B0604020202020204" pitchFamily="34" charset="0"/>
+                <a:cs typeface="Arial" panose="020B0604020202020204" pitchFamily="34" charset="0"/>
+                <a:sym typeface="Wingdings" panose="05000000000000000000" pitchFamily="2" charset="2"/>
+              </a:rPr>
+              <a:t> ‘DOSAGE’ </a:t>
+            </a:r>
+            <a:r>
+              <a:rPr lang="de-CH" sz="1600" dirty="0" err="1">
+                <a:latin typeface="Arial" panose="020B0604020202020204" pitchFamily="34" charset="0"/>
+                <a:cs typeface="Arial" panose="020B0604020202020204" pitchFamily="34" charset="0"/>
+                <a:sym typeface="Wingdings" panose="05000000000000000000" pitchFamily="2" charset="2"/>
+              </a:rPr>
+              <a:t>includes</a:t>
+            </a:r>
+            <a:r>
+              <a:rPr lang="de-CH" sz="1600" dirty="0">
+                <a:latin typeface="Arial" panose="020B0604020202020204" pitchFamily="34" charset="0"/>
+                <a:cs typeface="Arial" panose="020B0604020202020204" pitchFamily="34" charset="0"/>
+                <a:sym typeface="Wingdings" panose="05000000000000000000" pitchFamily="2" charset="2"/>
+              </a:rPr>
+              <a:t> </a:t>
+            </a:r>
+            <a:r>
+              <a:rPr lang="de-CH" sz="1600" dirty="0" err="1">
+                <a:latin typeface="Arial" panose="020B0604020202020204" pitchFamily="34" charset="0"/>
+                <a:cs typeface="Arial" panose="020B0604020202020204" pitchFamily="34" charset="0"/>
+                <a:sym typeface="Wingdings" panose="05000000000000000000" pitchFamily="2" charset="2"/>
+              </a:rPr>
+              <a:t>terms</a:t>
+            </a:r>
+            <a:r>
+              <a:rPr lang="de-CH" sz="1600" dirty="0">
+                <a:latin typeface="Arial" panose="020B0604020202020204" pitchFamily="34" charset="0"/>
+                <a:cs typeface="Arial" panose="020B0604020202020204" pitchFamily="34" charset="0"/>
+                <a:sym typeface="Wingdings" panose="05000000000000000000" pitchFamily="2" charset="2"/>
+              </a:rPr>
+              <a:t> </a:t>
+            </a:r>
+            <a:r>
+              <a:rPr lang="de-CH" sz="1600" dirty="0" err="1">
+                <a:latin typeface="Arial" panose="020B0604020202020204" pitchFamily="34" charset="0"/>
+                <a:cs typeface="Arial" panose="020B0604020202020204" pitchFamily="34" charset="0"/>
+                <a:sym typeface="Wingdings" panose="05000000000000000000" pitchFamily="2" charset="2"/>
+              </a:rPr>
+              <a:t>that</a:t>
+            </a:r>
+            <a:r>
+              <a:rPr lang="de-CH" sz="1600" dirty="0">
+                <a:latin typeface="Arial" panose="020B0604020202020204" pitchFamily="34" charset="0"/>
+                <a:cs typeface="Arial" panose="020B0604020202020204" pitchFamily="34" charset="0"/>
+                <a:sym typeface="Wingdings" panose="05000000000000000000" pitchFamily="2" charset="2"/>
+              </a:rPr>
+              <a:t> </a:t>
+            </a:r>
+            <a:r>
+              <a:rPr lang="de-CH" sz="1600" dirty="0" err="1">
+                <a:latin typeface="Arial" panose="020B0604020202020204" pitchFamily="34" charset="0"/>
+                <a:cs typeface="Arial" panose="020B0604020202020204" pitchFamily="34" charset="0"/>
+                <a:sym typeface="Wingdings" panose="05000000000000000000" pitchFamily="2" charset="2"/>
+              </a:rPr>
+              <a:t>may</a:t>
+            </a:r>
+            <a:r>
+              <a:rPr lang="de-CH" sz="1600" dirty="0">
+                <a:latin typeface="Arial" panose="020B0604020202020204" pitchFamily="34" charset="0"/>
+                <a:cs typeface="Arial" panose="020B0604020202020204" pitchFamily="34" charset="0"/>
+                <a:sym typeface="Wingdings" panose="05000000000000000000" pitchFamily="2" charset="2"/>
+              </a:rPr>
+              <a:t> not </a:t>
+            </a:r>
+            <a:r>
+              <a:rPr lang="de-CH" sz="1600" dirty="0" err="1">
+                <a:latin typeface="Arial" panose="020B0604020202020204" pitchFamily="34" charset="0"/>
+                <a:cs typeface="Arial" panose="020B0604020202020204" pitchFamily="34" charset="0"/>
+                <a:sym typeface="Wingdings" panose="05000000000000000000" pitchFamily="2" charset="2"/>
+              </a:rPr>
+              <a:t>be</a:t>
+            </a:r>
+            <a:r>
+              <a:rPr lang="de-CH" sz="1600" dirty="0">
+                <a:latin typeface="Arial" panose="020B0604020202020204" pitchFamily="34" charset="0"/>
+                <a:cs typeface="Arial" panose="020B0604020202020204" pitchFamily="34" charset="0"/>
+                <a:sym typeface="Wingdings" panose="05000000000000000000" pitchFamily="2" charset="2"/>
+              </a:rPr>
+              <a:t>      </a:t>
+            </a:r>
+            <a:r>
+              <a:rPr lang="de-CH" sz="1600" dirty="0" err="1">
+                <a:latin typeface="Arial" panose="020B0604020202020204" pitchFamily="34" charset="0"/>
+                <a:cs typeface="Arial" panose="020B0604020202020204" pitchFamily="34" charset="0"/>
+                <a:sym typeface="Wingdings" panose="05000000000000000000" pitchFamily="2" charset="2"/>
+              </a:rPr>
+              <a:t>captured</a:t>
+            </a:r>
+            <a:r>
+              <a:rPr lang="de-CH" sz="1600" dirty="0">
+                <a:latin typeface="Arial" panose="020B0604020202020204" pitchFamily="34" charset="0"/>
+                <a:cs typeface="Arial" panose="020B0604020202020204" pitchFamily="34" charset="0"/>
+                <a:sym typeface="Wingdings" panose="05000000000000000000" pitchFamily="2" charset="2"/>
+              </a:rPr>
+              <a:t> </a:t>
+            </a:r>
+            <a:r>
+              <a:rPr lang="de-CH" sz="1600" dirty="0" err="1">
+                <a:latin typeface="Arial" panose="020B0604020202020204" pitchFamily="34" charset="0"/>
+                <a:cs typeface="Arial" panose="020B0604020202020204" pitchFamily="34" charset="0"/>
+                <a:sym typeface="Wingdings" panose="05000000000000000000" pitchFamily="2" charset="2"/>
+              </a:rPr>
+              <a:t>by</a:t>
+            </a:r>
+            <a:r>
+              <a:rPr lang="de-CH" sz="1600" dirty="0">
+                <a:latin typeface="Arial" panose="020B0604020202020204" pitchFamily="34" charset="0"/>
+                <a:cs typeface="Arial" panose="020B0604020202020204" pitchFamily="34" charset="0"/>
+                <a:sym typeface="Wingdings" panose="05000000000000000000" pitchFamily="2" charset="2"/>
+              </a:rPr>
+              <a:t> ‘CARDINAL’  </a:t>
+            </a:r>
+            <a:r>
+              <a:rPr lang="de-CH" sz="1600" dirty="0" err="1">
+                <a:latin typeface="Arial" panose="020B0604020202020204" pitchFamily="34" charset="0"/>
+                <a:cs typeface="Arial" panose="020B0604020202020204" pitchFamily="34" charset="0"/>
+                <a:sym typeface="Wingdings" panose="05000000000000000000" pitchFamily="2" charset="2"/>
+              </a:rPr>
+              <a:t>keep</a:t>
+            </a:r>
+            <a:r>
+              <a:rPr lang="de-CH" sz="1600" dirty="0">
+                <a:latin typeface="Arial" panose="020B0604020202020204" pitchFamily="34" charset="0"/>
+                <a:cs typeface="Arial" panose="020B0604020202020204" pitchFamily="34" charset="0"/>
+                <a:sym typeface="Wingdings" panose="05000000000000000000" pitchFamily="2" charset="2"/>
+              </a:rPr>
+              <a:t> </a:t>
+            </a:r>
+            <a:r>
+              <a:rPr lang="de-CH" sz="1600" dirty="0" err="1">
+                <a:latin typeface="Arial" panose="020B0604020202020204" pitchFamily="34" charset="0"/>
+                <a:cs typeface="Arial" panose="020B0604020202020204" pitchFamily="34" charset="0"/>
+                <a:sym typeface="Wingdings" panose="05000000000000000000" pitchFamily="2" charset="2"/>
+              </a:rPr>
+              <a:t>both</a:t>
+            </a:r>
+            <a:endParaRPr lang="de-CH" sz="1600" dirty="0">
+              <a:latin typeface="Arial" panose="020B0604020202020204" pitchFamily="34" charset="0"/>
+              <a:cs typeface="Arial" panose="020B0604020202020204" pitchFamily="34" charset="0"/>
+            </a:endParaRPr>
+          </a:p>
+          <a:p>
+            <a:r>
+              <a:rPr lang="de-CH" sz="1600" dirty="0">
+                <a:latin typeface="Arial" panose="020B0604020202020204" pitchFamily="34" charset="0"/>
+                <a:cs typeface="Arial" panose="020B0604020202020204" pitchFamily="34" charset="0"/>
+              </a:rPr>
+              <a:t>	</a:t>
+            </a:r>
+            <a:endParaRPr lang="en-US" sz="1600" dirty="0">
+              <a:latin typeface="Arial" panose="020B0604020202020204" pitchFamily="34" charset="0"/>
+              <a:cs typeface="Arial" panose="020B0604020202020204" pitchFamily="34" charset="0"/>
+            </a:endParaRPr>
+          </a:p>
+        </p:txBody>
+      </p:sp>
+    </p:spTree>
+    <p:extLst>
+      <p:ext uri="{BB962C8B-B14F-4D97-AF65-F5344CB8AC3E}">
+        <p14:creationId xmlns:p14="http://schemas.microsoft.com/office/powerpoint/2010/main" val="3026375646"/>
+      </p:ext>
+    </p:extLst>
+  </p:cSld>
+  <p:clrMapOvr>
+    <a:masterClrMapping/>
+  </p:clrMapOvr>
+</p:sld>
+</file>
+
+<file path=ppt/slides/slide20.xml><?xml version="1.0" encoding="utf-8"?>
 <p:sld xmlns:a="http://schemas.openxmlformats.org/drawingml/2006/main" xmlns:r="http://schemas.openxmlformats.org/officeDocument/2006/relationships" xmlns:p="http://schemas.openxmlformats.org/presentationml/2006/main">
   <p:cSld>
     <p:spTree>
@@ -23489,7 +25781,7 @@
 </p:sld>
 </file>
 
-<file path=ppt/slides/slide19.xml><?xml version="1.0" encoding="utf-8"?>
+<file path=ppt/slides/slide21.xml><?xml version="1.0" encoding="utf-8"?>
 <p:sld xmlns:a="http://schemas.openxmlformats.org/drawingml/2006/main" xmlns:r="http://schemas.openxmlformats.org/officeDocument/2006/relationships" xmlns:p="http://schemas.openxmlformats.org/presentationml/2006/main">
   <p:cSld>
     <p:spTree>
@@ -23715,7 +26007,7 @@
 </p:sld>
 </file>
 
-<file path=ppt/slides/slide2.xml><?xml version="1.0" encoding="utf-8"?>
+<file path=ppt/slides/slide22.xml><?xml version="1.0" encoding="utf-8"?>
 <p:sld xmlns:a="http://schemas.openxmlformats.org/drawingml/2006/main" xmlns:r="http://schemas.openxmlformats.org/officeDocument/2006/relationships" xmlns:p="http://schemas.openxmlformats.org/presentationml/2006/main">
   <p:cSld>
     <p:spTree>
@@ -23838,255 +26130,6 @@
               <a:buChar char="•"/>
             </a:pPr>
             <a:r>
-              <a:rPr lang="en-GB" dirty="0"/>
-              <a:t>Discussion</a:t>
-            </a:r>
-          </a:p>
-        </p:txBody>
-      </p:sp>
-      <p:sp>
-        <p:nvSpPr>
-          <p:cNvPr id="4" name="Textplatzhalter 3">
-            <a:extLst>
-              <a:ext uri="{FF2B5EF4-FFF2-40B4-BE49-F238E27FC236}">
-                <a16:creationId xmlns:a16="http://schemas.microsoft.com/office/drawing/2014/main" id="{64BF1BAE-298B-4934-F84A-FEF8B2E09DEB}"/>
-              </a:ext>
-            </a:extLst>
-          </p:cNvPr>
-          <p:cNvSpPr>
-            <a:spLocks noGrp="1"/>
-          </p:cNvSpPr>
-          <p:nvPr>
-            <p:ph type="body" sz="quarter" idx="14"/>
-          </p:nvPr>
-        </p:nvSpPr>
-        <p:spPr/>
-        <p:txBody>
-          <a:bodyPr/>
-          <a:lstStyle/>
-          <a:p>
-            <a:endParaRPr lang="en-GB"/>
-          </a:p>
-        </p:txBody>
-      </p:sp>
-      <p:sp>
-        <p:nvSpPr>
-          <p:cNvPr id="5" name="Textplatzhalter 4">
-            <a:extLst>
-              <a:ext uri="{FF2B5EF4-FFF2-40B4-BE49-F238E27FC236}">
-                <a16:creationId xmlns:a16="http://schemas.microsoft.com/office/drawing/2014/main" id="{95B122C0-A78B-02E0-04E5-95F69BBEF48D}"/>
-              </a:ext>
-            </a:extLst>
-          </p:cNvPr>
-          <p:cNvSpPr>
-            <a:spLocks noGrp="1"/>
-          </p:cNvSpPr>
-          <p:nvPr>
-            <p:ph type="body" sz="quarter" idx="20"/>
-          </p:nvPr>
-        </p:nvSpPr>
-        <p:spPr/>
-        <p:txBody>
-          <a:bodyPr/>
-          <a:lstStyle/>
-          <a:p>
-            <a:endParaRPr lang="en-GB"/>
-          </a:p>
-        </p:txBody>
-      </p:sp>
-      <p:sp>
-        <p:nvSpPr>
-          <p:cNvPr id="6" name="Titel 5">
-            <a:extLst>
-              <a:ext uri="{FF2B5EF4-FFF2-40B4-BE49-F238E27FC236}">
-                <a16:creationId xmlns:a16="http://schemas.microsoft.com/office/drawing/2014/main" id="{94CDB2C8-9321-68C5-2C0A-8EC29894AD56}"/>
-              </a:ext>
-            </a:extLst>
-          </p:cNvPr>
-          <p:cNvSpPr>
-            <a:spLocks noGrp="1"/>
-          </p:cNvSpPr>
-          <p:nvPr>
-            <p:ph type="title"/>
-          </p:nvPr>
-        </p:nvSpPr>
-        <p:spPr/>
-        <p:txBody>
-          <a:bodyPr/>
-          <a:lstStyle/>
-          <a:p>
-            <a:r>
-              <a:rPr lang="en-GB" dirty="0"/>
-              <a:t>Agenda</a:t>
-            </a:r>
-          </a:p>
-        </p:txBody>
-      </p:sp>
-      <p:sp>
-        <p:nvSpPr>
-          <p:cNvPr id="7" name="Foliennummernplatzhalter 6">
-            <a:extLst>
-              <a:ext uri="{FF2B5EF4-FFF2-40B4-BE49-F238E27FC236}">
-                <a16:creationId xmlns:a16="http://schemas.microsoft.com/office/drawing/2014/main" id="{C19F6723-E4EF-C438-1DA3-D14924AE9F85}"/>
-              </a:ext>
-            </a:extLst>
-          </p:cNvPr>
-          <p:cNvSpPr>
-            <a:spLocks noGrp="1"/>
-          </p:cNvSpPr>
-          <p:nvPr>
-            <p:ph type="sldNum" sz="quarter" idx="21"/>
-          </p:nvPr>
-        </p:nvSpPr>
-        <p:spPr/>
-        <p:txBody>
-          <a:bodyPr/>
-          <a:lstStyle/>
-          <a:p>
-            <a:fld id="{16AB2C14-F465-F643-BD65-D6125390A9E0}" type="slidenum">
-              <a:rPr lang="de-DE" smtClean="0"/>
-              <a:t>2</a:t>
-            </a:fld>
-            <a:endParaRPr lang="de-DE"/>
-          </a:p>
-        </p:txBody>
-      </p:sp>
-    </p:spTree>
-    <p:extLst>
-      <p:ext uri="{BB962C8B-B14F-4D97-AF65-F5344CB8AC3E}">
-        <p14:creationId xmlns:p14="http://schemas.microsoft.com/office/powerpoint/2010/main" val="555448415"/>
-      </p:ext>
-    </p:extLst>
-  </p:cSld>
-  <p:clrMapOvr>
-    <a:masterClrMapping/>
-  </p:clrMapOvr>
-</p:sld>
-</file>
-
-<file path=ppt/slides/slide20.xml><?xml version="1.0" encoding="utf-8"?>
-<p:sld xmlns:a="http://schemas.openxmlformats.org/drawingml/2006/main" xmlns:r="http://schemas.openxmlformats.org/officeDocument/2006/relationships" xmlns:p="http://schemas.openxmlformats.org/presentationml/2006/main">
-  <p:cSld>
-    <p:spTree>
-      <p:nvGrpSpPr>
-        <p:cNvPr id="1" name=""/>
-        <p:cNvGrpSpPr/>
-        <p:nvPr/>
-      </p:nvGrpSpPr>
-      <p:grpSpPr>
-        <a:xfrm>
-          <a:off x="0" y="0"/>
-          <a:ext cx="0" cy="0"/>
-          <a:chOff x="0" y="0"/>
-          <a:chExt cx="0" cy="0"/>
-        </a:xfrm>
-      </p:grpSpPr>
-      <p:sp>
-        <p:nvSpPr>
-          <p:cNvPr id="2" name="Textplatzhalter 1">
-            <a:extLst>
-              <a:ext uri="{FF2B5EF4-FFF2-40B4-BE49-F238E27FC236}">
-                <a16:creationId xmlns:a16="http://schemas.microsoft.com/office/drawing/2014/main" id="{15CA7CE6-A06F-8AFE-0674-C3D6CA3483F8}"/>
-              </a:ext>
-            </a:extLst>
-          </p:cNvPr>
-          <p:cNvSpPr>
-            <a:spLocks noGrp="1"/>
-          </p:cNvSpPr>
-          <p:nvPr>
-            <p:ph type="body" idx="11"/>
-          </p:nvPr>
-        </p:nvSpPr>
-        <p:spPr/>
-        <p:txBody>
-          <a:bodyPr/>
-          <a:lstStyle/>
-          <a:p>
-            <a:endParaRPr lang="en-GB"/>
-          </a:p>
-        </p:txBody>
-      </p:sp>
-      <p:sp>
-        <p:nvSpPr>
-          <p:cNvPr id="3" name="Textplatzhalter 2">
-            <a:extLst>
-              <a:ext uri="{FF2B5EF4-FFF2-40B4-BE49-F238E27FC236}">
-                <a16:creationId xmlns:a16="http://schemas.microsoft.com/office/drawing/2014/main" id="{EF29294F-99C7-DC8B-3428-F47525B2AB56}"/>
-              </a:ext>
-            </a:extLst>
-          </p:cNvPr>
-          <p:cNvSpPr>
-            <a:spLocks noGrp="1"/>
-          </p:cNvSpPr>
-          <p:nvPr>
-            <p:ph type="body" sz="quarter" idx="12"/>
-          </p:nvPr>
-        </p:nvSpPr>
-        <p:spPr/>
-        <p:txBody>
-          <a:bodyPr/>
-          <a:lstStyle/>
-          <a:p>
-            <a:pPr marL="342900" indent="-342900">
-              <a:buFont typeface="Arial" panose="020B0604020202020204" pitchFamily="34" charset="0"/>
-              <a:buChar char="•"/>
-            </a:pPr>
-            <a:r>
-              <a:rPr lang="de-CH" dirty="0"/>
-              <a:t>Environment</a:t>
-            </a:r>
-          </a:p>
-          <a:p>
-            <a:pPr marL="342900" indent="-342900">
-              <a:buFont typeface="Arial" panose="020B0604020202020204" pitchFamily="34" charset="0"/>
-              <a:buChar char="•"/>
-            </a:pPr>
-            <a:r>
-              <a:rPr lang="de-CH" dirty="0"/>
-              <a:t>Baseline </a:t>
-            </a:r>
-            <a:r>
-              <a:rPr lang="de-CH" dirty="0" err="1"/>
-              <a:t>results</a:t>
-            </a:r>
-            <a:endParaRPr lang="de-CH" dirty="0"/>
-          </a:p>
-          <a:p>
-            <a:pPr marL="342900" indent="-342900">
-              <a:buFont typeface="Arial" panose="020B0604020202020204" pitchFamily="34" charset="0"/>
-              <a:buChar char="•"/>
-            </a:pPr>
-            <a:r>
-              <a:rPr lang="en-GB" dirty="0"/>
-              <a:t>Preprocessing</a:t>
-            </a:r>
-          </a:p>
-          <a:p>
-            <a:pPr marL="342900" indent="-342900">
-              <a:buFont typeface="Arial" panose="020B0604020202020204" pitchFamily="34" charset="0"/>
-              <a:buChar char="•"/>
-            </a:pPr>
-            <a:r>
-              <a:rPr lang="en-GB" dirty="0"/>
-              <a:t>Further tuning</a:t>
-            </a:r>
-          </a:p>
-          <a:p>
-            <a:pPr marL="342900" indent="-342900">
-              <a:buFont typeface="Arial" panose="020B0604020202020204" pitchFamily="34" charset="0"/>
-              <a:buChar char="•"/>
-            </a:pPr>
-            <a:r>
-              <a:rPr lang="en-GB" dirty="0"/>
-              <a:t>Final results</a:t>
-            </a:r>
-          </a:p>
-          <a:p>
-            <a:pPr marL="342900" indent="-342900">
-              <a:buFont typeface="Arial" panose="020B0604020202020204" pitchFamily="34" charset="0"/>
-              <a:buChar char="•"/>
-            </a:pPr>
-            <a:r>
               <a:rPr lang="en-GB" dirty="0">
                 <a:solidFill>
                   <a:srgbClr val="FF0000"/>
@@ -24219,7 +26262,7 @@
           <a:p>
             <a:fld id="{16AB2C14-F465-F643-BD65-D6125390A9E0}" type="slidenum">
               <a:rPr lang="de-DE" smtClean="0"/>
-              <a:t>20</a:t>
+              <a:t>22</a:t>
             </a:fld>
             <a:endParaRPr lang="de-DE"/>
           </a:p>
@@ -24238,7 +26281,7 @@
 </p:sld>
 </file>
 
-<file path=ppt/slides/slide21.xml><?xml version="1.0" encoding="utf-8"?>
+<file path=ppt/slides/slide23.xml><?xml version="1.0" encoding="utf-8"?>
 <p:sld xmlns:a="http://schemas.openxmlformats.org/drawingml/2006/main" xmlns:r="http://schemas.openxmlformats.org/officeDocument/2006/relationships" xmlns:p="http://schemas.openxmlformats.org/presentationml/2006/main">
   <p:cSld>
     <p:spTree>
@@ -24335,157 +26378,62 @@
               <a:buChar char="•"/>
             </a:pPr>
             <a:r>
-              <a:rPr lang="de-CH" dirty="0">
-                <a:highlight>
-                  <a:srgbClr val="FFFF00"/>
-                </a:highlight>
-              </a:rPr>
+              <a:rPr lang="de-CH" dirty="0"/>
               <a:t>The </a:t>
             </a:r>
             <a:r>
-              <a:rPr lang="de-CH" dirty="0" err="1">
-                <a:highlight>
-                  <a:srgbClr val="FFFF00"/>
-                </a:highlight>
-              </a:rPr>
+              <a:rPr lang="de-CH" dirty="0" err="1"/>
               <a:t>scores</a:t>
             </a:r>
             <a:r>
-              <a:rPr lang="de-CH" dirty="0">
-                <a:highlight>
-                  <a:srgbClr val="FFFF00"/>
-                </a:highlight>
-              </a:rPr>
+              <a:rPr lang="de-CH" dirty="0"/>
               <a:t> </a:t>
             </a:r>
             <a:r>
-              <a:rPr lang="de-CH" dirty="0" err="1">
-                <a:highlight>
-                  <a:srgbClr val="FFFF00"/>
-                </a:highlight>
-              </a:rPr>
+              <a:rPr lang="de-CH" dirty="0" err="1"/>
               <a:t>are</a:t>
             </a:r>
             <a:r>
-              <a:rPr lang="de-CH" dirty="0">
-                <a:highlight>
-                  <a:srgbClr val="FFFF00"/>
-                </a:highlight>
-              </a:rPr>
+              <a:rPr lang="de-CH" dirty="0"/>
               <a:t> </a:t>
             </a:r>
             <a:r>
-              <a:rPr lang="de-CH" dirty="0" err="1">
-                <a:highlight>
-                  <a:srgbClr val="FFFF00"/>
-                </a:highlight>
-              </a:rPr>
+              <a:rPr lang="de-CH" dirty="0" err="1"/>
               <a:t>too</a:t>
             </a:r>
             <a:r>
-              <a:rPr lang="de-CH" dirty="0">
-                <a:highlight>
-                  <a:srgbClr val="FFFF00"/>
-                </a:highlight>
-              </a:rPr>
+              <a:rPr lang="de-CH" dirty="0"/>
               <a:t> </a:t>
             </a:r>
             <a:r>
-              <a:rPr lang="de-CH" dirty="0" err="1">
-                <a:highlight>
-                  <a:srgbClr val="FFFF00"/>
-                </a:highlight>
-              </a:rPr>
+              <a:rPr lang="de-CH" dirty="0" err="1"/>
               <a:t>low</a:t>
             </a:r>
             <a:r>
-              <a:rPr lang="de-CH" dirty="0">
-                <a:highlight>
-                  <a:srgbClr val="FFFF00"/>
-                </a:highlight>
-              </a:rPr>
+              <a:rPr lang="de-CH" dirty="0"/>
+              <a:t> to </a:t>
+            </a:r>
+            <a:r>
+              <a:rPr lang="de-CH" dirty="0" err="1"/>
+              <a:t>be</a:t>
+            </a:r>
+            <a:r>
+              <a:rPr lang="de-CH" dirty="0"/>
               <a:t> </a:t>
             </a:r>
             <a:r>
-              <a:rPr lang="de-CH" dirty="0" err="1">
-                <a:highlight>
-                  <a:srgbClr val="FFFF00"/>
-                </a:highlight>
-              </a:rPr>
-              <a:t>to</a:t>
-            </a:r>
-            <a:r>
-              <a:rPr lang="de-CH" dirty="0">
-                <a:highlight>
-                  <a:srgbClr val="FFFF00"/>
-                </a:highlight>
-              </a:rPr>
-              <a:t> </a:t>
-            </a:r>
-            <a:r>
-              <a:rPr lang="de-CH" dirty="0" err="1">
-                <a:highlight>
-                  <a:srgbClr val="FFFF00"/>
-                </a:highlight>
-              </a:rPr>
-              <a:t>be</a:t>
-            </a:r>
-            <a:r>
-              <a:rPr lang="de-CH" dirty="0">
-                <a:highlight>
-                  <a:srgbClr val="FFFF00"/>
-                </a:highlight>
-              </a:rPr>
-              <a:t> </a:t>
-            </a:r>
-            <a:r>
-              <a:rPr lang="de-CH" dirty="0" err="1">
-                <a:highlight>
-                  <a:srgbClr val="FFFF00"/>
-                </a:highlight>
-              </a:rPr>
+              <a:rPr lang="de-CH" dirty="0" err="1"/>
               <a:t>used</a:t>
             </a:r>
             <a:r>
-              <a:rPr lang="de-CH" dirty="0">
-                <a:highlight>
-                  <a:srgbClr val="FFFF00"/>
-                </a:highlight>
-              </a:rPr>
-              <a:t> in </a:t>
-            </a:r>
-            <a:r>
-              <a:rPr lang="de-CH" dirty="0" err="1">
-                <a:highlight>
-                  <a:srgbClr val="FFFF00"/>
-                </a:highlight>
-              </a:rPr>
-              <a:t>critical</a:t>
-            </a:r>
-            <a:r>
-              <a:rPr lang="de-CH" dirty="0">
-                <a:highlight>
-                  <a:srgbClr val="FFFF00"/>
-                </a:highlight>
-              </a:rPr>
-              <a:t> </a:t>
-            </a:r>
-            <a:r>
-              <a:rPr lang="de-CH" dirty="0" err="1">
-                <a:highlight>
-                  <a:srgbClr val="FFFF00"/>
-                </a:highlight>
-              </a:rPr>
-              <a:t>environments</a:t>
-            </a:r>
-            <a:r>
-              <a:rPr lang="de-CH" dirty="0">
-                <a:highlight>
-                  <a:srgbClr val="FFFF00"/>
-                </a:highlight>
-              </a:rPr>
-              <a:t> </a:t>
-            </a:r>
+              <a:rPr lang="de-CH" dirty="0"/>
+              <a:t> in a real </a:t>
+            </a:r>
+            <a:r>
+              <a:rPr lang="de-CH" dirty="0" err="1"/>
+              <a:t>application</a:t>
+            </a:r>
+            <a:endParaRPr lang="de-CH" dirty="0"/>
           </a:p>
           <a:p>
             <a:pPr marL="285750" indent="-285750">
@@ -24493,92 +26441,219 @@
               <a:buChar char="•"/>
             </a:pPr>
             <a:r>
+              <a:rPr lang="de-CH" dirty="0"/>
+              <a:t>Training on </a:t>
+            </a:r>
+            <a:r>
+              <a:rPr lang="de-CH" dirty="0" err="1"/>
+              <a:t>classes</a:t>
+            </a:r>
+            <a:r>
+              <a:rPr lang="de-CH" dirty="0"/>
+              <a:t> </a:t>
+            </a:r>
+            <a:r>
+              <a:rPr lang="de-CH" dirty="0" err="1"/>
+              <a:t>with</a:t>
+            </a:r>
+            <a:r>
+              <a:rPr lang="de-CH" dirty="0"/>
+              <a:t> </a:t>
+            </a:r>
+            <a:r>
+              <a:rPr lang="de-CH" dirty="0" err="1"/>
+              <a:t>six</a:t>
+            </a:r>
+            <a:r>
+              <a:rPr lang="de-CH" dirty="0"/>
+              <a:t> </a:t>
+            </a:r>
+            <a:r>
+              <a:rPr lang="de-CH" dirty="0" err="1"/>
+              <a:t>samples</a:t>
+            </a:r>
+            <a:r>
+              <a:rPr lang="de-CH" dirty="0"/>
+              <a:t> </a:t>
+            </a:r>
+            <a:r>
+              <a:rPr lang="de-CH" dirty="0" err="1"/>
+              <a:t>does</a:t>
+            </a:r>
+            <a:r>
+              <a:rPr lang="de-CH" dirty="0"/>
+              <a:t> not </a:t>
+            </a:r>
+            <a:r>
+              <a:rPr lang="de-CH" dirty="0" err="1"/>
+              <a:t>make</a:t>
+            </a:r>
+            <a:r>
+              <a:rPr lang="de-CH" dirty="0"/>
+              <a:t> sense </a:t>
+            </a:r>
+            <a:r>
               <a:rPr lang="de-CH" dirty="0">
-                <a:highlight>
-                  <a:srgbClr val="FFFF00"/>
-                </a:highlight>
+                <a:sym typeface="Wingdings" panose="05000000000000000000" pitchFamily="2" charset="2"/>
               </a:rPr>
-              <a:t>Training on </a:t>
-            </a:r>
-            <a:r>
-              <a:rPr lang="de-CH" dirty="0" err="1">
-                <a:highlight>
-                  <a:srgbClr val="FFFF00"/>
-                </a:highlight>
-              </a:rPr>
+              <a:t></a:t>
+            </a:r>
+            <a:r>
+              <a:rPr lang="de-CH" dirty="0"/>
+              <a:t> </a:t>
+            </a:r>
+            <a:r>
+              <a:rPr lang="de-CH" dirty="0" err="1"/>
+              <a:t>need</a:t>
+            </a:r>
+            <a:r>
+              <a:rPr lang="de-CH" dirty="0"/>
+              <a:t> </a:t>
+            </a:r>
+            <a:r>
+              <a:rPr lang="de-CH" dirty="0" err="1"/>
+              <a:t>more</a:t>
+            </a:r>
+            <a:r>
+              <a:rPr lang="de-CH" dirty="0"/>
+              <a:t> </a:t>
+            </a:r>
+            <a:r>
+              <a:rPr lang="de-CH" dirty="0" err="1"/>
+              <a:t>data</a:t>
+            </a:r>
+            <a:r>
+              <a:rPr lang="de-CH" dirty="0"/>
+              <a:t> per </a:t>
+            </a:r>
+            <a:r>
+              <a:rPr lang="de-CH" dirty="0" err="1"/>
+              <a:t>class</a:t>
+            </a:r>
+            <a:r>
+              <a:rPr lang="de-CH" dirty="0"/>
+              <a:t> </a:t>
+            </a:r>
+            <a:r>
+              <a:rPr lang="de-CH" dirty="0" err="1"/>
+              <a:t>or</a:t>
+            </a:r>
+            <a:r>
+              <a:rPr lang="de-CH" dirty="0"/>
+              <a:t> (</a:t>
+            </a:r>
+            <a:r>
+              <a:rPr lang="de-CH" dirty="0" err="1"/>
+              <a:t>depending</a:t>
+            </a:r>
+            <a:r>
+              <a:rPr lang="de-CH" dirty="0"/>
+              <a:t> on </a:t>
+            </a:r>
+            <a:r>
+              <a:rPr lang="de-CH" dirty="0" err="1"/>
+              <a:t>application</a:t>
+            </a:r>
+            <a:r>
+              <a:rPr lang="de-CH" dirty="0"/>
+              <a:t>) </a:t>
+            </a:r>
+            <a:r>
+              <a:rPr lang="de-CH" dirty="0" err="1"/>
+              <a:t>merge</a:t>
+            </a:r>
+            <a:r>
+              <a:rPr lang="de-CH" dirty="0"/>
+              <a:t> </a:t>
+            </a:r>
+            <a:r>
+              <a:rPr lang="de-CH" dirty="0" err="1"/>
+              <a:t>similar</a:t>
+            </a:r>
+            <a:r>
+              <a:rPr lang="de-CH" dirty="0"/>
+              <a:t> </a:t>
+            </a:r>
+            <a:r>
+              <a:rPr lang="de-CH" dirty="0" err="1"/>
               <a:t>classes</a:t>
             </a:r>
             <a:r>
-              <a:rPr lang="de-CH" dirty="0">
-                <a:highlight>
-                  <a:srgbClr val="FFFF00"/>
-                </a:highlight>
-              </a:rPr>
+              <a:rPr lang="de-CH" dirty="0"/>
+              <a:t>.</a:t>
+            </a:r>
+          </a:p>
+          <a:p>
+            <a:pPr marL="285750" indent="-285750">
+              <a:buFont typeface="Arial" panose="020B0604020202020204" pitchFamily="34" charset="0"/>
+              <a:buChar char="•"/>
+            </a:pPr>
+            <a:r>
+              <a:rPr lang="de-CH" dirty="0"/>
+              <a:t>Data: </a:t>
+            </a:r>
+            <a:r>
+              <a:rPr lang="de-CH" dirty="0" err="1"/>
+              <a:t>hard</a:t>
+            </a:r>
+            <a:r>
+              <a:rPr lang="de-CH" dirty="0"/>
+              <a:t> to get in </a:t>
+            </a:r>
+            <a:r>
+              <a:rPr lang="de-CH" dirty="0" err="1"/>
+              <a:t>medical</a:t>
+            </a:r>
+            <a:r>
+              <a:rPr lang="de-CH" dirty="0"/>
               <a:t> </a:t>
             </a:r>
             <a:r>
-              <a:rPr lang="de-CH" dirty="0" err="1">
-                <a:highlight>
-                  <a:srgbClr val="FFFF00"/>
-                </a:highlight>
-              </a:rPr>
-              <a:t>with</a:t>
-            </a:r>
-            <a:r>
-              <a:rPr lang="de-CH" dirty="0">
-                <a:highlight>
-                  <a:srgbClr val="FFFF00"/>
-                </a:highlight>
-              </a:rPr>
+              <a:rPr lang="de-CH" dirty="0" err="1"/>
+              <a:t>domain</a:t>
+            </a:r>
+            <a:endParaRPr lang="de-CH" dirty="0"/>
+          </a:p>
+          <a:p>
+            <a:pPr marL="285750" indent="-285750">
+              <a:buFont typeface="Arial" panose="020B0604020202020204" pitchFamily="34" charset="0"/>
+              <a:buChar char="•"/>
+            </a:pPr>
+            <a:r>
+              <a:rPr lang="de-CH" dirty="0"/>
+              <a:t>Baseline: </a:t>
+            </a:r>
+            <a:r>
+              <a:rPr lang="de-CH" dirty="0" err="1"/>
+              <a:t>use</a:t>
+            </a:r>
+            <a:r>
+              <a:rPr lang="de-CH" dirty="0"/>
+              <a:t> naive </a:t>
+            </a:r>
+            <a:r>
+              <a:rPr lang="de-CH" dirty="0" err="1"/>
+              <a:t>bayes</a:t>
+            </a:r>
+            <a:r>
+              <a:rPr lang="de-CH" dirty="0"/>
+              <a:t> to </a:t>
+            </a:r>
+            <a:r>
+              <a:rPr lang="de-CH" dirty="0" err="1"/>
+              <a:t>see</a:t>
+            </a:r>
+            <a:r>
+              <a:rPr lang="de-CH" dirty="0"/>
               <a:t> </a:t>
             </a:r>
             <a:r>
-              <a:rPr lang="de-CH" dirty="0" err="1">
-                <a:highlight>
-                  <a:srgbClr val="FFFF00"/>
-                </a:highlight>
-              </a:rPr>
-              <a:t>six</a:t>
-            </a:r>
-            <a:r>
-              <a:rPr lang="de-CH" dirty="0">
-                <a:highlight>
-                  <a:srgbClr val="FFFF00"/>
-                </a:highlight>
-              </a:rPr>
-              <a:t> </a:t>
-            </a:r>
-            <a:r>
-              <a:rPr lang="de-CH" dirty="0" err="1">
-                <a:highlight>
-                  <a:srgbClr val="FFFF00"/>
-                </a:highlight>
-              </a:rPr>
-              <a:t>samples</a:t>
-            </a:r>
-            <a:r>
-              <a:rPr lang="de-CH" dirty="0">
-                <a:highlight>
-                  <a:srgbClr val="FFFF00"/>
-                </a:highlight>
-              </a:rPr>
-              <a:t> </a:t>
-            </a:r>
-            <a:r>
-              <a:rPr lang="de-CH" dirty="0" err="1">
-                <a:highlight>
-                  <a:srgbClr val="FFFF00"/>
-                </a:highlight>
-              </a:rPr>
-              <a:t>is</a:t>
-            </a:r>
-            <a:r>
-              <a:rPr lang="de-CH" dirty="0">
-                <a:highlight>
-                  <a:srgbClr val="FFFF00"/>
-                </a:highlight>
-              </a:rPr>
-              <a:t> absurd</a:t>
+              <a:rPr lang="de-CH" dirty="0" err="1"/>
+              <a:t>performance</a:t>
+            </a:r>
+            <a:r>
+              <a:rPr lang="de-CH" dirty="0"/>
+              <a:t> (boost?) of BERT</a:t>
             </a:r>
           </a:p>
           <a:p>
@@ -24750,7 +26825,7 @@
 </p:sld>
 </file>
 
-<file path=ppt/slides/slide22.xml><?xml version="1.0" encoding="utf-8"?>
+<file path=ppt/slides/slide24.xml><?xml version="1.0" encoding="utf-8"?>
 <p:sld xmlns:a="http://schemas.openxmlformats.org/drawingml/2006/main" xmlns:r="http://schemas.openxmlformats.org/officeDocument/2006/relationships" xmlns:p="http://schemas.openxmlformats.org/presentationml/2006/main">
   <p:cSld>
     <p:spTree>
@@ -24935,6 +27010,25 @@
               <a:rPr lang="de-CH" dirty="0" err="1"/>
               <a:t>steps</a:t>
             </a:r>
+            <a:endParaRPr lang="de-CH" dirty="0"/>
+          </a:p>
+          <a:p>
+            <a:pPr marL="285750" indent="-285750">
+              <a:buFont typeface="Arial" panose="020B0604020202020204" pitchFamily="34" charset="0"/>
+              <a:buChar char="•"/>
+            </a:pPr>
+            <a:r>
+              <a:rPr lang="de-CH" dirty="0" err="1"/>
+              <a:t>Comparing</a:t>
+            </a:r>
+            <a:r>
+              <a:rPr lang="de-CH" dirty="0"/>
+              <a:t> to non-BERT </a:t>
+            </a:r>
+            <a:r>
+              <a:rPr lang="de-CH" dirty="0" err="1"/>
+              <a:t>baseline</a:t>
+            </a:r>
             <a:endParaRPr lang="en-GB" dirty="0"/>
           </a:p>
         </p:txBody>
@@ -25097,7 +27191,7 @@
 </p:sld>
 </file>
 
-<file path=ppt/slides/slide23.xml><?xml version="1.0" encoding="utf-8"?>
+<file path=ppt/slides/slide25.xml><?xml version="1.0" encoding="utf-8"?>
 <p:sld xmlns:a="http://schemas.openxmlformats.org/drawingml/2006/main" xmlns:r="http://schemas.openxmlformats.org/officeDocument/2006/relationships" xmlns:p="http://schemas.openxmlformats.org/presentationml/2006/main">
   <p:cSld>
     <p:spTree>
@@ -25417,7 +27511,7 @@
 </p:sld>
 </file>
 
-<file path=ppt/slides/slide24.xml><?xml version="1.0" encoding="utf-8"?>
+<file path=ppt/slides/slide26.xml><?xml version="1.0" encoding="utf-8"?>
 <p:sld xmlns:a="http://schemas.openxmlformats.org/drawingml/2006/main" xmlns:r="http://schemas.openxmlformats.org/officeDocument/2006/relationships" xmlns:p="http://schemas.openxmlformats.org/presentationml/2006/main">
   <p:cSld>
     <p:spTree>
@@ -25649,6 +27743,495 @@
       </p:grpSpPr>
       <p:sp>
         <p:nvSpPr>
+          <p:cNvPr id="8" name="Titel 7">
+            <a:extLst>
+              <a:ext uri="{FF2B5EF4-FFF2-40B4-BE49-F238E27FC236}">
+                <a16:creationId xmlns:a16="http://schemas.microsoft.com/office/drawing/2014/main" id="{4CDDC0FF-D1AF-EA1A-6498-6A823A42DC8D}"/>
+              </a:ext>
+            </a:extLst>
+          </p:cNvPr>
+          <p:cNvSpPr>
+            <a:spLocks noGrp="1"/>
+          </p:cNvSpPr>
+          <p:nvPr>
+            <p:ph type="title"/>
+          </p:nvPr>
+        </p:nvSpPr>
+        <p:spPr/>
+        <p:txBody>
+          <a:bodyPr/>
+          <a:lstStyle/>
+          <a:p>
+            <a:r>
+              <a:rPr lang="de-CH" dirty="0"/>
+              <a:t>Looking back</a:t>
+            </a:r>
+            <a:endParaRPr lang="en-US" dirty="0"/>
+          </a:p>
+        </p:txBody>
+      </p:sp>
+      <p:sp>
+        <p:nvSpPr>
+          <p:cNvPr id="9" name="Textplatzhalter 8">
+            <a:extLst>
+              <a:ext uri="{FF2B5EF4-FFF2-40B4-BE49-F238E27FC236}">
+                <a16:creationId xmlns:a16="http://schemas.microsoft.com/office/drawing/2014/main" id="{D5F2DFE3-3E88-5F69-0972-53BCDC10D14E}"/>
+              </a:ext>
+            </a:extLst>
+          </p:cNvPr>
+          <p:cNvSpPr>
+            <a:spLocks noGrp="1"/>
+          </p:cNvSpPr>
+          <p:nvPr>
+            <p:ph type="body" idx="11"/>
+          </p:nvPr>
+        </p:nvSpPr>
+        <p:spPr/>
+        <p:txBody>
+          <a:bodyPr/>
+          <a:lstStyle/>
+          <a:p>
+            <a:endParaRPr lang="en-US"/>
+          </a:p>
+        </p:txBody>
+      </p:sp>
+      <p:sp>
+        <p:nvSpPr>
+          <p:cNvPr id="7" name="Foliennummernplatzhalter 6">
+            <a:extLst>
+              <a:ext uri="{FF2B5EF4-FFF2-40B4-BE49-F238E27FC236}">
+                <a16:creationId xmlns:a16="http://schemas.microsoft.com/office/drawing/2014/main" id="{6AF849CE-38B6-AFA5-E601-34B6A9C156AB}"/>
+              </a:ext>
+            </a:extLst>
+          </p:cNvPr>
+          <p:cNvSpPr>
+            <a:spLocks noGrp="1"/>
+          </p:cNvSpPr>
+          <p:nvPr>
+            <p:ph type="sldNum" sz="quarter" idx="4294967295"/>
+          </p:nvPr>
+        </p:nvSpPr>
+        <p:spPr>
+          <a:xfrm>
+            <a:off x="6400800" y="6356350"/>
+            <a:ext cx="2743200" cy="365125"/>
+          </a:xfrm>
+        </p:spPr>
+        <p:txBody>
+          <a:bodyPr/>
+          <a:lstStyle/>
+          <a:p>
+            <a:fld id="{16AB2C14-F465-F643-BD65-D6125390A9E0}" type="slidenum">
+              <a:rPr lang="de-DE" smtClean="0"/>
+              <a:t>3</a:t>
+            </a:fld>
+            <a:endParaRPr lang="de-DE"/>
+          </a:p>
+        </p:txBody>
+      </p:sp>
+      <p:sp>
+        <p:nvSpPr>
+          <p:cNvPr id="16" name="Rechteck: abgerundete Ecken 15">
+            <a:extLst>
+              <a:ext uri="{FF2B5EF4-FFF2-40B4-BE49-F238E27FC236}">
+                <a16:creationId xmlns:a16="http://schemas.microsoft.com/office/drawing/2014/main" id="{B789ED3C-F0A1-5BEC-E829-97D3E5EB031D}"/>
+              </a:ext>
+            </a:extLst>
+          </p:cNvPr>
+          <p:cNvSpPr/>
+          <p:nvPr/>
+        </p:nvSpPr>
+        <p:spPr>
+          <a:xfrm>
+            <a:off x="683568" y="1635646"/>
+            <a:ext cx="1728192" cy="936104"/>
+          </a:xfrm>
+          <a:prstGeom prst="roundRect">
+            <a:avLst/>
+          </a:prstGeom>
+          <a:noFill/>
+        </p:spPr>
+        <p:style>
+          <a:lnRef idx="2">
+            <a:schemeClr val="dk1">
+              <a:shade val="15000"/>
+            </a:schemeClr>
+          </a:lnRef>
+          <a:fillRef idx="1">
+            <a:schemeClr val="dk1"/>
+          </a:fillRef>
+          <a:effectRef idx="0">
+            <a:schemeClr val="dk1"/>
+          </a:effectRef>
+          <a:fontRef idx="minor">
+            <a:schemeClr val="lt1"/>
+          </a:fontRef>
+        </p:style>
+        <p:txBody>
+          <a:bodyPr rtlCol="0" anchor="ctr"/>
+          <a:lstStyle/>
+          <a:p>
+            <a:pPr algn="ctr"/>
+            <a:endParaRPr lang="en-US"/>
+          </a:p>
+        </p:txBody>
+      </p:sp>
+      <p:sp>
+        <p:nvSpPr>
+          <p:cNvPr id="17" name="Rechteck: abgerundete Ecken 16">
+            <a:extLst>
+              <a:ext uri="{FF2B5EF4-FFF2-40B4-BE49-F238E27FC236}">
+                <a16:creationId xmlns:a16="http://schemas.microsoft.com/office/drawing/2014/main" id="{005602C7-82D8-8043-5715-6D176AC30842}"/>
+              </a:ext>
+            </a:extLst>
+          </p:cNvPr>
+          <p:cNvSpPr/>
+          <p:nvPr/>
+        </p:nvSpPr>
+        <p:spPr>
+          <a:xfrm>
+            <a:off x="3199657" y="1635646"/>
+            <a:ext cx="1728192" cy="936104"/>
+          </a:xfrm>
+          <a:prstGeom prst="roundRect">
+            <a:avLst/>
+          </a:prstGeom>
+          <a:noFill/>
+          <a:ln>
+            <a:solidFill>
+              <a:schemeClr val="tx1"/>
+            </a:solidFill>
+          </a:ln>
+        </p:spPr>
+        <p:style>
+          <a:lnRef idx="2">
+            <a:schemeClr val="dk1">
+              <a:shade val="15000"/>
+            </a:schemeClr>
+          </a:lnRef>
+          <a:fillRef idx="1">
+            <a:schemeClr val="dk1"/>
+          </a:fillRef>
+          <a:effectRef idx="0">
+            <a:schemeClr val="dk1"/>
+          </a:effectRef>
+          <a:fontRef idx="minor">
+            <a:schemeClr val="lt1"/>
+          </a:fontRef>
+        </p:style>
+        <p:txBody>
+          <a:bodyPr rtlCol="0" anchor="ctr"/>
+          <a:lstStyle/>
+          <a:p>
+            <a:pPr algn="ctr"/>
+            <a:endParaRPr lang="en-US"/>
+          </a:p>
+        </p:txBody>
+      </p:sp>
+      <p:sp>
+        <p:nvSpPr>
+          <p:cNvPr id="18" name="Rechteck: abgerundete Ecken 17">
+            <a:extLst>
+              <a:ext uri="{FF2B5EF4-FFF2-40B4-BE49-F238E27FC236}">
+                <a16:creationId xmlns:a16="http://schemas.microsoft.com/office/drawing/2014/main" id="{2E76C284-59DC-5250-3A28-3F9DE230AC27}"/>
+              </a:ext>
+            </a:extLst>
+          </p:cNvPr>
+          <p:cNvSpPr/>
+          <p:nvPr/>
+        </p:nvSpPr>
+        <p:spPr>
+          <a:xfrm>
+            <a:off x="5715746" y="1635646"/>
+            <a:ext cx="1728192" cy="936104"/>
+          </a:xfrm>
+          <a:prstGeom prst="roundRect">
+            <a:avLst/>
+          </a:prstGeom>
+          <a:noFill/>
+          <a:ln>
+            <a:solidFill>
+              <a:srgbClr val="FF0000"/>
+            </a:solidFill>
+          </a:ln>
+        </p:spPr>
+        <p:style>
+          <a:lnRef idx="2">
+            <a:schemeClr val="dk1">
+              <a:shade val="15000"/>
+            </a:schemeClr>
+          </a:lnRef>
+          <a:fillRef idx="1">
+            <a:schemeClr val="dk1"/>
+          </a:fillRef>
+          <a:effectRef idx="0">
+            <a:schemeClr val="dk1"/>
+          </a:effectRef>
+          <a:fontRef idx="minor">
+            <a:schemeClr val="lt1"/>
+          </a:fontRef>
+        </p:style>
+        <p:txBody>
+          <a:bodyPr rtlCol="0" anchor="ctr"/>
+          <a:lstStyle/>
+          <a:p>
+            <a:pPr algn="ctr"/>
+            <a:endParaRPr lang="en-US"/>
+          </a:p>
+        </p:txBody>
+      </p:sp>
+      <p:sp>
+        <p:nvSpPr>
+          <p:cNvPr id="19" name="Textfeld 18">
+            <a:extLst>
+              <a:ext uri="{FF2B5EF4-FFF2-40B4-BE49-F238E27FC236}">
+                <a16:creationId xmlns:a16="http://schemas.microsoft.com/office/drawing/2014/main" id="{EDAD67C6-910D-FF95-4CF5-81ED3170817B}"/>
+              </a:ext>
+            </a:extLst>
+          </p:cNvPr>
+          <p:cNvSpPr txBox="1"/>
+          <p:nvPr/>
+        </p:nvSpPr>
+        <p:spPr>
+          <a:xfrm>
+            <a:off x="791580" y="1919032"/>
+            <a:ext cx="1512168" cy="338554"/>
+          </a:xfrm>
+          <a:prstGeom prst="rect">
+            <a:avLst/>
+          </a:prstGeom>
+          <a:noFill/>
+        </p:spPr>
+        <p:txBody>
+          <a:bodyPr wrap="square" rtlCol="0">
+            <a:spAutoFit/>
+          </a:bodyPr>
+          <a:lstStyle/>
+          <a:p>
+            <a:pPr algn="ctr"/>
+            <a:r>
+              <a:rPr lang="de-CH" sz="1600" dirty="0" err="1">
+                <a:latin typeface="Arial" panose="020B0604020202020204" pitchFamily="34" charset="0"/>
+                <a:cs typeface="Arial" panose="020B0604020202020204" pitchFamily="34" charset="0"/>
+              </a:rPr>
+              <a:t>Preprocessing</a:t>
+            </a:r>
+            <a:endParaRPr lang="en-US" sz="1600" dirty="0">
+              <a:latin typeface="Arial" panose="020B0604020202020204" pitchFamily="34" charset="0"/>
+              <a:cs typeface="Arial" panose="020B0604020202020204" pitchFamily="34" charset="0"/>
+            </a:endParaRPr>
+          </a:p>
+        </p:txBody>
+      </p:sp>
+      <p:sp>
+        <p:nvSpPr>
+          <p:cNvPr id="20" name="Textfeld 19">
+            <a:extLst>
+              <a:ext uri="{FF2B5EF4-FFF2-40B4-BE49-F238E27FC236}">
+                <a16:creationId xmlns:a16="http://schemas.microsoft.com/office/drawing/2014/main" id="{7B6F17F2-75DF-A857-E4C9-A50503F91481}"/>
+              </a:ext>
+            </a:extLst>
+          </p:cNvPr>
+          <p:cNvSpPr txBox="1"/>
+          <p:nvPr/>
+        </p:nvSpPr>
+        <p:spPr>
+          <a:xfrm>
+            <a:off x="5823758" y="1919032"/>
+            <a:ext cx="1512168" cy="338554"/>
+          </a:xfrm>
+          <a:prstGeom prst="rect">
+            <a:avLst/>
+          </a:prstGeom>
+          <a:noFill/>
+        </p:spPr>
+        <p:txBody>
+          <a:bodyPr wrap="square" rtlCol="0">
+            <a:spAutoFit/>
+          </a:bodyPr>
+          <a:lstStyle/>
+          <a:p>
+            <a:pPr algn="ctr"/>
+            <a:r>
+              <a:rPr lang="de-CH" sz="1600" dirty="0">
+                <a:latin typeface="Arial" panose="020B0604020202020204" pitchFamily="34" charset="0"/>
+                <a:cs typeface="Arial" panose="020B0604020202020204" pitchFamily="34" charset="0"/>
+              </a:rPr>
+              <a:t>Classification</a:t>
+            </a:r>
+            <a:endParaRPr lang="en-US" sz="1600" dirty="0">
+              <a:latin typeface="Arial" panose="020B0604020202020204" pitchFamily="34" charset="0"/>
+              <a:cs typeface="Arial" panose="020B0604020202020204" pitchFamily="34" charset="0"/>
+            </a:endParaRPr>
+          </a:p>
+        </p:txBody>
+      </p:sp>
+      <p:sp>
+        <p:nvSpPr>
+          <p:cNvPr id="21" name="Textfeld 20">
+            <a:extLst>
+              <a:ext uri="{FF2B5EF4-FFF2-40B4-BE49-F238E27FC236}">
+                <a16:creationId xmlns:a16="http://schemas.microsoft.com/office/drawing/2014/main" id="{7CF351B6-003C-6153-7A6D-1273E39EC354}"/>
+              </a:ext>
+            </a:extLst>
+          </p:cNvPr>
+          <p:cNvSpPr txBox="1"/>
+          <p:nvPr/>
+        </p:nvSpPr>
+        <p:spPr>
+          <a:xfrm>
+            <a:off x="3307669" y="1933406"/>
+            <a:ext cx="1512168" cy="338554"/>
+          </a:xfrm>
+          <a:prstGeom prst="rect">
+            <a:avLst/>
+          </a:prstGeom>
+          <a:noFill/>
+        </p:spPr>
+        <p:txBody>
+          <a:bodyPr wrap="square" rtlCol="0">
+            <a:spAutoFit/>
+          </a:bodyPr>
+          <a:lstStyle/>
+          <a:p>
+            <a:pPr algn="ctr"/>
+            <a:r>
+              <a:rPr lang="de-CH" sz="1600" dirty="0">
+                <a:latin typeface="Arial" panose="020B0604020202020204" pitchFamily="34" charset="0"/>
+                <a:cs typeface="Arial" panose="020B0604020202020204" pitchFamily="34" charset="0"/>
+              </a:rPr>
+              <a:t>NER </a:t>
+            </a:r>
+            <a:r>
+              <a:rPr lang="de-CH" sz="1600" dirty="0" err="1">
+                <a:latin typeface="Arial" panose="020B0604020202020204" pitchFamily="34" charset="0"/>
+                <a:cs typeface="Arial" panose="020B0604020202020204" pitchFamily="34" charset="0"/>
+              </a:rPr>
+              <a:t>Types</a:t>
+            </a:r>
+            <a:endParaRPr lang="en-US" sz="1600" dirty="0">
+              <a:latin typeface="Arial" panose="020B0604020202020204" pitchFamily="34" charset="0"/>
+              <a:cs typeface="Arial" panose="020B0604020202020204" pitchFamily="34" charset="0"/>
+            </a:endParaRPr>
+          </a:p>
+        </p:txBody>
+      </p:sp>
+      <p:cxnSp>
+        <p:nvCxnSpPr>
+          <p:cNvPr id="23" name="Gerade Verbindung mit Pfeil 22">
+            <a:extLst>
+              <a:ext uri="{FF2B5EF4-FFF2-40B4-BE49-F238E27FC236}">
+                <a16:creationId xmlns:a16="http://schemas.microsoft.com/office/drawing/2014/main" id="{AF79ACF7-90C7-96E2-C045-7D482F9B3BDF}"/>
+              </a:ext>
+            </a:extLst>
+          </p:cNvPr>
+          <p:cNvCxnSpPr>
+            <a:stCxn id="16" idx="3"/>
+            <a:endCxn id="17" idx="1"/>
+          </p:cNvCxnSpPr>
+          <p:nvPr/>
+        </p:nvCxnSpPr>
+        <p:spPr>
+          <a:xfrm>
+            <a:off x="2411760" y="2103698"/>
+            <a:ext cx="787897" cy="0"/>
+          </a:xfrm>
+          <a:prstGeom prst="straightConnector1">
+            <a:avLst/>
+          </a:prstGeom>
+          <a:ln>
+            <a:tailEnd type="triangle"/>
+          </a:ln>
+        </p:spPr>
+        <p:style>
+          <a:lnRef idx="1">
+            <a:schemeClr val="dk1"/>
+          </a:lnRef>
+          <a:fillRef idx="0">
+            <a:schemeClr val="dk1"/>
+          </a:fillRef>
+          <a:effectRef idx="0">
+            <a:schemeClr val="dk1"/>
+          </a:effectRef>
+          <a:fontRef idx="minor">
+            <a:schemeClr val="tx1"/>
+          </a:fontRef>
+        </p:style>
+      </p:cxnSp>
+      <p:cxnSp>
+        <p:nvCxnSpPr>
+          <p:cNvPr id="25" name="Gerade Verbindung mit Pfeil 24">
+            <a:extLst>
+              <a:ext uri="{FF2B5EF4-FFF2-40B4-BE49-F238E27FC236}">
+                <a16:creationId xmlns:a16="http://schemas.microsoft.com/office/drawing/2014/main" id="{EC0B6EE7-04E8-A717-4883-C2B7F6BD0214}"/>
+              </a:ext>
+            </a:extLst>
+          </p:cNvPr>
+          <p:cNvCxnSpPr>
+            <a:stCxn id="17" idx="3"/>
+            <a:endCxn id="18" idx="1"/>
+          </p:cNvCxnSpPr>
+          <p:nvPr/>
+        </p:nvCxnSpPr>
+        <p:spPr>
+          <a:xfrm>
+            <a:off x="4927849" y="2103698"/>
+            <a:ext cx="787897" cy="0"/>
+          </a:xfrm>
+          <a:prstGeom prst="straightConnector1">
+            <a:avLst/>
+          </a:prstGeom>
+          <a:ln>
+            <a:tailEnd type="triangle"/>
+          </a:ln>
+        </p:spPr>
+        <p:style>
+          <a:lnRef idx="1">
+            <a:schemeClr val="dk1"/>
+          </a:lnRef>
+          <a:fillRef idx="0">
+            <a:schemeClr val="dk1"/>
+          </a:fillRef>
+          <a:effectRef idx="0">
+            <a:schemeClr val="dk1"/>
+          </a:effectRef>
+          <a:fontRef idx="minor">
+            <a:schemeClr val="tx1"/>
+          </a:fontRef>
+        </p:style>
+      </p:cxnSp>
+    </p:spTree>
+    <p:extLst>
+      <p:ext uri="{BB962C8B-B14F-4D97-AF65-F5344CB8AC3E}">
+        <p14:creationId xmlns:p14="http://schemas.microsoft.com/office/powerpoint/2010/main" val="1353704109"/>
+      </p:ext>
+    </p:extLst>
+  </p:cSld>
+  <p:clrMapOvr>
+    <a:masterClrMapping/>
+  </p:clrMapOvr>
+</p:sld>
+</file>
+
+<file path=ppt/slides/slide4.xml><?xml version="1.0" encoding="utf-8"?>
+<p:sld xmlns:a="http://schemas.openxmlformats.org/drawingml/2006/main" xmlns:r="http://schemas.openxmlformats.org/officeDocument/2006/relationships" xmlns:p="http://schemas.openxmlformats.org/presentationml/2006/main">
+  <p:cSld>
+    <p:spTree>
+      <p:nvGrpSpPr>
+        <p:cNvPr id="1" name=""/>
+        <p:cNvGrpSpPr/>
+        <p:nvPr/>
+      </p:nvGrpSpPr>
+      <p:grpSpPr>
+        <a:xfrm>
+          <a:off x="0" y="0"/>
+          <a:ext cx="0" cy="0"/>
+          <a:chOff x="0" y="0"/>
+          <a:chExt cx="0" cy="0"/>
+        </a:xfrm>
+      </p:grpSpPr>
+      <p:sp>
+        <p:nvSpPr>
           <p:cNvPr id="2" name="Textplatzhalter 1">
             <a:extLst>
               <a:ext uri="{FF2B5EF4-FFF2-40B4-BE49-F238E27FC236}">
@@ -25698,11 +28281,7 @@
               <a:buChar char="•"/>
             </a:pPr>
             <a:r>
-              <a:rPr lang="de-CH" dirty="0">
-                <a:solidFill>
-                  <a:srgbClr val="FF0000"/>
-                </a:solidFill>
-              </a:rPr>
+              <a:rPr lang="de-CH" dirty="0"/>
               <a:t>Environment</a:t>
             </a:r>
           </a:p>
@@ -25835,12 +28414,8 @@
           <a:lstStyle/>
           <a:p>
             <a:r>
-              <a:rPr lang="en-GB" dirty="0">
-                <a:solidFill>
-                  <a:srgbClr val="FF0000"/>
-                </a:solidFill>
-              </a:rPr>
-              <a:t>Environment</a:t>
+              <a:rPr lang="en-GB" dirty="0"/>
+              <a:t>Agenda Classification</a:t>
             </a:r>
           </a:p>
         </p:txBody>
@@ -25868,7 +28443,264 @@
           <a:p>
             <a:fld id="{16AB2C14-F465-F643-BD65-D6125390A9E0}" type="slidenum">
               <a:rPr lang="de-DE" smtClean="0"/>
-              <a:t>3</a:t>
+              <a:t>4</a:t>
+            </a:fld>
+            <a:endParaRPr lang="de-DE"/>
+          </a:p>
+        </p:txBody>
+      </p:sp>
+    </p:spTree>
+    <p:extLst>
+      <p:ext uri="{BB962C8B-B14F-4D97-AF65-F5344CB8AC3E}">
+        <p14:creationId xmlns:p14="http://schemas.microsoft.com/office/powerpoint/2010/main" val="555448415"/>
+      </p:ext>
+    </p:extLst>
+  </p:cSld>
+  <p:clrMapOvr>
+    <a:masterClrMapping/>
+  </p:clrMapOvr>
+</p:sld>
+</file>
+
+<file path=ppt/slides/slide5.xml><?xml version="1.0" encoding="utf-8"?>
+<p:sld xmlns:a="http://schemas.openxmlformats.org/drawingml/2006/main" xmlns:r="http://schemas.openxmlformats.org/officeDocument/2006/relationships" xmlns:p="http://schemas.openxmlformats.org/presentationml/2006/main">
+  <p:cSld>
+    <p:spTree>
+      <p:nvGrpSpPr>
+        <p:cNvPr id="1" name=""/>
+        <p:cNvGrpSpPr/>
+        <p:nvPr/>
+      </p:nvGrpSpPr>
+      <p:grpSpPr>
+        <a:xfrm>
+          <a:off x="0" y="0"/>
+          <a:ext cx="0" cy="0"/>
+          <a:chOff x="0" y="0"/>
+          <a:chExt cx="0" cy="0"/>
+        </a:xfrm>
+      </p:grpSpPr>
+      <p:sp>
+        <p:nvSpPr>
+          <p:cNvPr id="2" name="Textplatzhalter 1">
+            <a:extLst>
+              <a:ext uri="{FF2B5EF4-FFF2-40B4-BE49-F238E27FC236}">
+                <a16:creationId xmlns:a16="http://schemas.microsoft.com/office/drawing/2014/main" id="{15CA7CE6-A06F-8AFE-0674-C3D6CA3483F8}"/>
+              </a:ext>
+            </a:extLst>
+          </p:cNvPr>
+          <p:cNvSpPr>
+            <a:spLocks noGrp="1"/>
+          </p:cNvSpPr>
+          <p:nvPr>
+            <p:ph type="body" idx="11"/>
+          </p:nvPr>
+        </p:nvSpPr>
+        <p:spPr/>
+        <p:txBody>
+          <a:bodyPr/>
+          <a:lstStyle/>
+          <a:p>
+            <a:endParaRPr lang="en-GB"/>
+          </a:p>
+        </p:txBody>
+      </p:sp>
+      <p:sp>
+        <p:nvSpPr>
+          <p:cNvPr id="3" name="Textplatzhalter 2">
+            <a:extLst>
+              <a:ext uri="{FF2B5EF4-FFF2-40B4-BE49-F238E27FC236}">
+                <a16:creationId xmlns:a16="http://schemas.microsoft.com/office/drawing/2014/main" id="{EF29294F-99C7-DC8B-3428-F47525B2AB56}"/>
+              </a:ext>
+            </a:extLst>
+          </p:cNvPr>
+          <p:cNvSpPr>
+            <a:spLocks noGrp="1"/>
+          </p:cNvSpPr>
+          <p:nvPr>
+            <p:ph type="body" sz="quarter" idx="12"/>
+          </p:nvPr>
+        </p:nvSpPr>
+        <p:spPr/>
+        <p:txBody>
+          <a:bodyPr/>
+          <a:lstStyle/>
+          <a:p>
+            <a:pPr marL="342900" indent="-342900">
+              <a:buFont typeface="Arial" panose="020B0604020202020204" pitchFamily="34" charset="0"/>
+              <a:buChar char="•"/>
+            </a:pPr>
+            <a:r>
+              <a:rPr lang="de-CH" dirty="0">
+                <a:solidFill>
+                  <a:srgbClr val="FF0000"/>
+                </a:solidFill>
+              </a:rPr>
+              <a:t>Environment</a:t>
+            </a:r>
+          </a:p>
+          <a:p>
+            <a:pPr marL="342900" indent="-342900">
+              <a:buFont typeface="Arial" panose="020B0604020202020204" pitchFamily="34" charset="0"/>
+              <a:buChar char="•"/>
+            </a:pPr>
+            <a:r>
+              <a:rPr lang="de-CH" dirty="0"/>
+              <a:t>Baseline </a:t>
+            </a:r>
+            <a:r>
+              <a:rPr lang="de-CH" dirty="0" err="1"/>
+              <a:t>results</a:t>
+            </a:r>
+            <a:endParaRPr lang="de-CH" dirty="0"/>
+          </a:p>
+          <a:p>
+            <a:pPr marL="342900" indent="-342900">
+              <a:buFont typeface="Arial" panose="020B0604020202020204" pitchFamily="34" charset="0"/>
+              <a:buChar char="•"/>
+            </a:pPr>
+            <a:r>
+              <a:rPr lang="en-GB" dirty="0"/>
+              <a:t>Preprocessing</a:t>
+            </a:r>
+          </a:p>
+          <a:p>
+            <a:pPr marL="342900" indent="-342900">
+              <a:buFont typeface="Arial" panose="020B0604020202020204" pitchFamily="34" charset="0"/>
+              <a:buChar char="•"/>
+            </a:pPr>
+            <a:r>
+              <a:rPr lang="en-GB" dirty="0"/>
+              <a:t>Further tuning</a:t>
+            </a:r>
+          </a:p>
+          <a:p>
+            <a:pPr marL="342900" indent="-342900">
+              <a:buFont typeface="Arial" panose="020B0604020202020204" pitchFamily="34" charset="0"/>
+              <a:buChar char="•"/>
+            </a:pPr>
+            <a:r>
+              <a:rPr lang="en-GB" dirty="0"/>
+              <a:t>Final results</a:t>
+            </a:r>
+          </a:p>
+          <a:p>
+            <a:pPr marL="342900" indent="-342900">
+              <a:buFont typeface="Arial" panose="020B0604020202020204" pitchFamily="34" charset="0"/>
+              <a:buChar char="•"/>
+            </a:pPr>
+            <a:r>
+              <a:rPr lang="en-GB" dirty="0"/>
+              <a:t>Discussion</a:t>
+            </a:r>
+          </a:p>
+        </p:txBody>
+      </p:sp>
+      <p:sp>
+        <p:nvSpPr>
+          <p:cNvPr id="4" name="Textplatzhalter 3">
+            <a:extLst>
+              <a:ext uri="{FF2B5EF4-FFF2-40B4-BE49-F238E27FC236}">
+                <a16:creationId xmlns:a16="http://schemas.microsoft.com/office/drawing/2014/main" id="{64BF1BAE-298B-4934-F84A-FEF8B2E09DEB}"/>
+              </a:ext>
+            </a:extLst>
+          </p:cNvPr>
+          <p:cNvSpPr>
+            <a:spLocks noGrp="1"/>
+          </p:cNvSpPr>
+          <p:nvPr>
+            <p:ph type="body" sz="quarter" idx="14"/>
+          </p:nvPr>
+        </p:nvSpPr>
+        <p:spPr/>
+        <p:txBody>
+          <a:bodyPr/>
+          <a:lstStyle/>
+          <a:p>
+            <a:endParaRPr lang="en-GB"/>
+          </a:p>
+        </p:txBody>
+      </p:sp>
+      <p:sp>
+        <p:nvSpPr>
+          <p:cNvPr id="5" name="Textplatzhalter 4">
+            <a:extLst>
+              <a:ext uri="{FF2B5EF4-FFF2-40B4-BE49-F238E27FC236}">
+                <a16:creationId xmlns:a16="http://schemas.microsoft.com/office/drawing/2014/main" id="{95B122C0-A78B-02E0-04E5-95F69BBEF48D}"/>
+              </a:ext>
+            </a:extLst>
+          </p:cNvPr>
+          <p:cNvSpPr>
+            <a:spLocks noGrp="1"/>
+          </p:cNvSpPr>
+          <p:nvPr>
+            <p:ph type="body" sz="quarter" idx="20"/>
+          </p:nvPr>
+        </p:nvSpPr>
+        <p:spPr/>
+        <p:txBody>
+          <a:bodyPr/>
+          <a:lstStyle/>
+          <a:p>
+            <a:endParaRPr lang="en-GB"/>
+          </a:p>
+        </p:txBody>
+      </p:sp>
+      <p:sp>
+        <p:nvSpPr>
+          <p:cNvPr id="6" name="Titel 5">
+            <a:extLst>
+              <a:ext uri="{FF2B5EF4-FFF2-40B4-BE49-F238E27FC236}">
+                <a16:creationId xmlns:a16="http://schemas.microsoft.com/office/drawing/2014/main" id="{94CDB2C8-9321-68C5-2C0A-8EC29894AD56}"/>
+              </a:ext>
+            </a:extLst>
+          </p:cNvPr>
+          <p:cNvSpPr>
+            <a:spLocks noGrp="1"/>
+          </p:cNvSpPr>
+          <p:nvPr>
+            <p:ph type="title"/>
+          </p:nvPr>
+        </p:nvSpPr>
+        <p:spPr/>
+        <p:txBody>
+          <a:bodyPr/>
+          <a:lstStyle/>
+          <a:p>
+            <a:r>
+              <a:rPr lang="en-GB" dirty="0">
+                <a:solidFill>
+                  <a:srgbClr val="FF0000"/>
+                </a:solidFill>
+              </a:rPr>
+              <a:t>Environment</a:t>
+            </a:r>
+          </a:p>
+        </p:txBody>
+      </p:sp>
+      <p:sp>
+        <p:nvSpPr>
+          <p:cNvPr id="7" name="Foliennummernplatzhalter 6">
+            <a:extLst>
+              <a:ext uri="{FF2B5EF4-FFF2-40B4-BE49-F238E27FC236}">
+                <a16:creationId xmlns:a16="http://schemas.microsoft.com/office/drawing/2014/main" id="{C19F6723-E4EF-C438-1DA3-D14924AE9F85}"/>
+              </a:ext>
+            </a:extLst>
+          </p:cNvPr>
+          <p:cNvSpPr>
+            <a:spLocks noGrp="1"/>
+          </p:cNvSpPr>
+          <p:nvPr>
+            <p:ph type="sldNum" sz="quarter" idx="21"/>
+          </p:nvPr>
+        </p:nvSpPr>
+        <p:spPr/>
+        <p:txBody>
+          <a:bodyPr/>
+          <a:lstStyle/>
+          <a:p>
+            <a:fld id="{16AB2C14-F465-F643-BD65-D6125390A9E0}" type="slidenum">
+              <a:rPr lang="de-DE" smtClean="0"/>
+              <a:t>5</a:t>
             </a:fld>
             <a:endParaRPr lang="de-DE"/>
           </a:p>
@@ -25887,7 +28719,7 @@
 </p:sld>
 </file>
 
-<file path=ppt/slides/slide4.xml><?xml version="1.0" encoding="utf-8"?>
+<file path=ppt/slides/slide6.xml><?xml version="1.0" encoding="utf-8"?>
 <p:sld xmlns:a="http://schemas.openxmlformats.org/drawingml/2006/main" xmlns:r="http://schemas.openxmlformats.org/officeDocument/2006/relationships" xmlns:p="http://schemas.openxmlformats.org/presentationml/2006/main">
   <p:cSld>
     <p:spTree>
@@ -25985,7 +28817,7 @@
             </a:pPr>
             <a:r>
               <a:rPr lang="en-US" dirty="0"/>
-              <a:t>Custom preprocessing</a:t>
+              <a:t>Custom preprocessing as in task 1</a:t>
             </a:r>
           </a:p>
           <a:p>
@@ -26319,7 +29151,7 @@
 </p:sld>
 </file>
 
-<file path=ppt/slides/slide5.xml><?xml version="1.0" encoding="utf-8"?>
+<file path=ppt/slides/slide7.xml><?xml version="1.0" encoding="utf-8"?>
 <p:sld xmlns:a="http://schemas.openxmlformats.org/drawingml/2006/main" xmlns:r="http://schemas.openxmlformats.org/officeDocument/2006/relationships" xmlns:p="http://schemas.openxmlformats.org/presentationml/2006/main">
   <p:cSld>
     <p:spTree>
@@ -26696,7 +29528,7 @@
 </p:sld>
 </file>
 
-<file path=ppt/slides/slide6.xml><?xml version="1.0" encoding="utf-8"?>
+<file path=ppt/slides/slide8.xml><?xml version="1.0" encoding="utf-8"?>
 <p:sld xmlns:a="http://schemas.openxmlformats.org/drawingml/2006/main" xmlns:r="http://schemas.openxmlformats.org/officeDocument/2006/relationships" xmlns:p="http://schemas.openxmlformats.org/presentationml/2006/main">
   <p:cSld>
     <p:spTree>
@@ -26967,7 +29799,7 @@
           <a:p>
             <a:fld id="{16AB2C14-F465-F643-BD65-D6125390A9E0}" type="slidenum">
               <a:rPr lang="de-DE" smtClean="0"/>
-              <a:t>6</a:t>
+              <a:t>8</a:t>
             </a:fld>
             <a:endParaRPr lang="de-DE"/>
           </a:p>
@@ -26986,7 +29818,7 @@
 </p:sld>
 </file>
 
-<file path=ppt/slides/slide7.xml><?xml version="1.0" encoding="utf-8"?>
+<file path=ppt/slides/slide9.xml><?xml version="1.0" encoding="utf-8"?>
 <p:sld xmlns:a="http://schemas.openxmlformats.org/drawingml/2006/main" xmlns:r="http://schemas.openxmlformats.org/officeDocument/2006/relationships" xmlns:p="http://schemas.openxmlformats.org/presentationml/2006/main">
   <p:cSld>
     <p:spTree>
@@ -27084,138 +29916,34 @@
               <a:buChar char="•"/>
             </a:pPr>
             <a:r>
-              <a:rPr lang="de-CH" dirty="0" err="1">
-                <a:highlight>
-                  <a:srgbClr val="FFFF00"/>
-                </a:highlight>
-              </a:rPr>
-              <a:t>It</a:t>
-            </a:r>
-            <a:r>
-              <a:rPr lang="de-CH" dirty="0">
-                <a:highlight>
-                  <a:srgbClr val="FFFF00"/>
-                </a:highlight>
-              </a:rPr>
+              <a:rPr lang="de-CH" dirty="0" err="1"/>
+              <a:t>Learns</a:t>
+            </a:r>
+            <a:r>
+              <a:rPr lang="de-CH" dirty="0"/>
               <a:t> </a:t>
             </a:r>
             <a:r>
-              <a:rPr lang="de-CH" dirty="0" err="1">
-                <a:highlight>
-                  <a:srgbClr val="FFFF00"/>
-                </a:highlight>
-              </a:rPr>
-              <a:t>is</a:t>
-            </a:r>
-            <a:r>
-              <a:rPr lang="de-CH" dirty="0">
-                <a:highlight>
-                  <a:srgbClr val="FFFF00"/>
-                </a:highlight>
-              </a:rPr>
+              <a:rPr lang="de-CH" dirty="0" err="1"/>
+              <a:t>something</a:t>
+            </a:r>
+            <a:r>
+              <a:rPr lang="de-CH" dirty="0"/>
               <a:t> </a:t>
             </a:r>
             <a:r>
-              <a:rPr lang="de-CH" dirty="0" err="1">
-                <a:highlight>
-                  <a:srgbClr val="FFFF00"/>
-                </a:highlight>
-              </a:rPr>
-              <a:t>able</a:t>
-            </a:r>
-            <a:r>
-              <a:rPr lang="de-CH" dirty="0">
-                <a:highlight>
-                  <a:srgbClr val="FFFF00"/>
-                </a:highlight>
-              </a:rPr>
+              <a:rPr lang="de-CH" dirty="0" err="1"/>
+              <a:t>from</a:t>
+            </a:r>
+            <a:r>
+              <a:rPr lang="de-CH" dirty="0"/>
               <a:t> </a:t>
             </a:r>
             <a:r>
-              <a:rPr lang="de-CH" dirty="0" err="1">
-                <a:highlight>
-                  <a:srgbClr val="FFFF00"/>
-                </a:highlight>
-              </a:rPr>
-              <a:t>to</a:t>
-            </a:r>
-            <a:r>
-              <a:rPr lang="de-CH" dirty="0">
-                <a:highlight>
-                  <a:srgbClr val="FFFF00"/>
-                </a:highlight>
-              </a:rPr>
-              <a:t> </a:t>
-            </a:r>
-            <a:r>
-              <a:rPr lang="de-CH" dirty="0" err="1">
-                <a:highlight>
-                  <a:srgbClr val="FFFF00"/>
-                </a:highlight>
-              </a:rPr>
-              <a:t>learn</a:t>
-            </a:r>
-            <a:r>
-              <a:rPr lang="de-CH" dirty="0">
-                <a:highlight>
-                  <a:srgbClr val="FFFF00"/>
-                </a:highlight>
-              </a:rPr>
-              <a:t> </a:t>
-            </a:r>
-            <a:r>
-              <a:rPr lang="de-CH" dirty="0" err="1">
-                <a:highlight>
-                  <a:srgbClr val="FFFF00"/>
-                </a:highlight>
-              </a:rPr>
-              <a:t>from</a:t>
-            </a:r>
-            <a:r>
-              <a:rPr lang="de-CH" dirty="0">
-                <a:highlight>
-                  <a:srgbClr val="FFFF00"/>
-                </a:highlight>
-              </a:rPr>
-              <a:t>  the </a:t>
-            </a:r>
-            <a:r>
-              <a:rPr lang="de-CH" dirty="0" err="1">
-                <a:highlight>
-                  <a:srgbClr val="FFFF00"/>
-                </a:highlight>
-              </a:rPr>
-              <a:t>training</a:t>
-            </a:r>
-            <a:r>
-              <a:rPr lang="de-CH" dirty="0">
-                <a:highlight>
-                  <a:srgbClr val="FFFF00"/>
-                </a:highlight>
-              </a:rPr>
-              <a:t> </a:t>
-            </a:r>
-            <a:r>
-              <a:rPr lang="de-CH" dirty="0" err="1">
-                <a:highlight>
-                  <a:srgbClr val="FFFF00"/>
-                </a:highlight>
-              </a:rPr>
+              <a:rPr lang="de-CH" dirty="0" err="1"/>
               <a:t>data</a:t>
             </a:r>
-            <a:r>
-              <a:rPr lang="de-CH" dirty="0">
-                <a:highlight>
-                  <a:srgbClr val="FFFF00"/>
-                </a:highlight>
-              </a:rPr>
-              <a:t>  </a:t>
-            </a:r>
-            <a:endParaRPr lang="en-GB" dirty="0">
-              <a:highlight>
-                <a:srgbClr val="FFFF00"/>
-              </a:highlight>
-            </a:endParaRPr>
+            <a:endParaRPr lang="en-GB" dirty="0"/>
           </a:p>
         </p:txBody>
       </p:sp>
@@ -27321,7 +30049,7 @@
           <p:nvPr/>
         </p:nvPicPr>
         <p:blipFill>
-          <a:blip r:embed="rId2"/>
+          <a:blip r:embed="rId3"/>
           <a:stretch>
             <a:fillRect/>
           </a:stretch>
@@ -27356,7 +30084,7 @@
           <p:nvPr/>
         </p:nvPicPr>
         <p:blipFill>
-          <a:blip r:embed="rId3"/>
+          <a:blip r:embed="rId4"/>
           <a:stretch>
             <a:fillRect/>
           </a:stretch>
@@ -27391,7 +30119,7 @@
           <p:nvPr/>
         </p:nvPicPr>
         <p:blipFill>
-          <a:blip r:embed="rId4"/>
+          <a:blip r:embed="rId5"/>
           <a:stretch>
             <a:fillRect/>
           </a:stretch>
@@ -28029,98 +30757,6 @@
             </a:lvl9pPr>
           </a:lstStyle>
           <a:p>
-            <a:r>
-              <a:rPr lang="de-CH" dirty="0"/>
-              <a:t>Disclaimer: </a:t>
-            </a:r>
-            <a:r>
-              <a:rPr lang="de-CH" dirty="0" err="1"/>
-              <a:t>Misleading</a:t>
-            </a:r>
-            <a:r>
-              <a:rPr lang="de-CH" dirty="0"/>
-              <a:t> </a:t>
-            </a:r>
-            <a:r>
-              <a:rPr lang="de-CH" dirty="0" err="1"/>
-              <a:t>scores</a:t>
-            </a:r>
-            <a:r>
-              <a:rPr lang="de-CH" dirty="0"/>
-              <a:t>, </a:t>
-            </a:r>
-            <a:r>
-              <a:rPr lang="de-CH" dirty="0" err="1"/>
-              <a:t>because</a:t>
-            </a:r>
-            <a:r>
-              <a:rPr lang="de-CH" dirty="0"/>
-              <a:t> </a:t>
-            </a:r>
-            <a:r>
-              <a:rPr lang="de-CH" dirty="0" err="1"/>
-              <a:t>no</a:t>
-            </a:r>
-            <a:r>
-              <a:rPr lang="de-CH" dirty="0"/>
-              <a:t> </a:t>
-            </a:r>
-            <a:r>
-              <a:rPr lang="de-CH" dirty="0" err="1"/>
-              <a:t>stratification</a:t>
-            </a:r>
-            <a:r>
-              <a:rPr lang="de-CH" dirty="0"/>
-              <a:t> in </a:t>
-            </a:r>
-            <a:r>
-              <a:rPr lang="de-CH" dirty="0" err="1"/>
-              <a:t>trainings</a:t>
-            </a:r>
-            <a:r>
-              <a:rPr lang="de-CH" dirty="0"/>
-              <a:t> and </a:t>
-            </a:r>
-            <a:r>
-              <a:rPr lang="de-CH" dirty="0" err="1"/>
-              <a:t>test</a:t>
-            </a:r>
-            <a:r>
-              <a:rPr lang="de-CH" dirty="0"/>
-              <a:t> </a:t>
-            </a:r>
-            <a:r>
-              <a:rPr lang="de-CH" dirty="0" err="1"/>
-              <a:t>split</a:t>
-            </a:r>
-            <a:r>
-              <a:rPr lang="de-CH" dirty="0"/>
-              <a:t> and </a:t>
-            </a:r>
-            <a:r>
-              <a:rPr lang="de-CH" dirty="0" err="1"/>
-              <a:t>no</a:t>
-            </a:r>
-            <a:r>
-              <a:rPr lang="de-CH" dirty="0"/>
-              <a:t> </a:t>
-            </a:r>
-            <a:r>
-              <a:rPr lang="de-CH" dirty="0" err="1"/>
-              <a:t>weighted</a:t>
-            </a:r>
-            <a:r>
-              <a:rPr lang="de-CH" dirty="0"/>
-              <a:t> </a:t>
-            </a:r>
-            <a:r>
-              <a:rPr lang="de-CH" dirty="0" err="1"/>
-              <a:t>sampling</a:t>
-            </a:r>
-            <a:r>
-              <a:rPr lang="de-CH" dirty="0"/>
-              <a:t>.</a:t>
-            </a:r>
             <a:endParaRPr lang="en-GB" dirty="0"/>
           </a:p>
         </p:txBody>
@@ -28129,507 +30765,6 @@
     <p:extLst>
       <p:ext uri="{BB962C8B-B14F-4D97-AF65-F5344CB8AC3E}">
         <p14:creationId xmlns:p14="http://schemas.microsoft.com/office/powerpoint/2010/main" val="628214163"/>
-      </p:ext>
-    </p:extLst>
-  </p:cSld>
-  <p:clrMapOvr>
-    <a:masterClrMapping/>
-  </p:clrMapOvr>
-</p:sld>
-</file>
-
-<file path=ppt/slides/slide8.xml><?xml version="1.0" encoding="utf-8"?>
-<p:sld xmlns:a="http://schemas.openxmlformats.org/drawingml/2006/main" xmlns:r="http://schemas.openxmlformats.org/officeDocument/2006/relationships" xmlns:p="http://schemas.openxmlformats.org/presentationml/2006/main">
-  <p:cSld>
-    <p:spTree>
-      <p:nvGrpSpPr>
-        <p:cNvPr id="1" name=""/>
-        <p:cNvGrpSpPr/>
-        <p:nvPr/>
-      </p:nvGrpSpPr>
-      <p:grpSpPr>
-        <a:xfrm>
-          <a:off x="0" y="0"/>
-          <a:ext cx="0" cy="0"/>
-          <a:chOff x="0" y="0"/>
-          <a:chExt cx="0" cy="0"/>
-        </a:xfrm>
-      </p:grpSpPr>
-      <p:sp>
-        <p:nvSpPr>
-          <p:cNvPr id="3" name="Textplatzhalter 2">
-            <a:extLst>
-              <a:ext uri="{FF2B5EF4-FFF2-40B4-BE49-F238E27FC236}">
-                <a16:creationId xmlns:a16="http://schemas.microsoft.com/office/drawing/2014/main" id="{0FC4AA5D-AF07-3CCC-1100-F64FEA1D23E1}"/>
-              </a:ext>
-            </a:extLst>
-          </p:cNvPr>
-          <p:cNvSpPr>
-            <a:spLocks noGrp="1"/>
-          </p:cNvSpPr>
-          <p:nvPr>
-            <p:ph type="body" sz="quarter" idx="16"/>
-          </p:nvPr>
-        </p:nvSpPr>
-        <p:spPr/>
-        <p:txBody>
-          <a:bodyPr/>
-          <a:lstStyle/>
-          <a:p>
-            <a:r>
-              <a:rPr lang="de-CH" dirty="0"/>
-              <a:t> </a:t>
-            </a:r>
-            <a:r>
-              <a:rPr lang="de-CH" dirty="0" err="1"/>
-              <a:t>Conclusion</a:t>
-            </a:r>
-            <a:endParaRPr lang="en-GB" dirty="0"/>
-          </a:p>
-        </p:txBody>
-      </p:sp>
-      <p:sp>
-        <p:nvSpPr>
-          <p:cNvPr id="4" name="Textplatzhalter 3">
-            <a:extLst>
-              <a:ext uri="{FF2B5EF4-FFF2-40B4-BE49-F238E27FC236}">
-                <a16:creationId xmlns:a16="http://schemas.microsoft.com/office/drawing/2014/main" id="{E4F0FE54-49B0-ADC7-DB62-13FF5FC8AD7C}"/>
-              </a:ext>
-            </a:extLst>
-          </p:cNvPr>
-          <p:cNvSpPr>
-            <a:spLocks noGrp="1"/>
-          </p:cNvSpPr>
-          <p:nvPr>
-            <p:ph type="body" sz="quarter" idx="17"/>
-          </p:nvPr>
-        </p:nvSpPr>
-        <p:spPr/>
-        <p:txBody>
-          <a:bodyPr/>
-          <a:lstStyle/>
-          <a:p>
-            <a:pPr marL="285750" indent="-285750">
-              <a:buFont typeface="Arial" panose="020B0604020202020204" pitchFamily="34" charset="0"/>
-              <a:buChar char="•"/>
-            </a:pPr>
-            <a:r>
-              <a:rPr lang="en-GB" dirty="0"/>
-              <a:t>Too much weight </a:t>
-            </a:r>
-            <a:br>
-              <a:rPr lang="en-GB" dirty="0"/>
-            </a:br>
-            <a:r>
-              <a:rPr lang="en-GB" dirty="0"/>
-              <a:t>given to class </a:t>
-            </a:r>
-            <a:br>
-              <a:rPr lang="en-GB" dirty="0"/>
-            </a:br>
-            <a:r>
-              <a:rPr lang="en-GB" dirty="0"/>
-              <a:t>surgery</a:t>
-            </a:r>
-          </a:p>
-        </p:txBody>
-      </p:sp>
-      <p:sp>
-        <p:nvSpPr>
-          <p:cNvPr id="5" name="Textplatzhalter 4">
-            <a:extLst>
-              <a:ext uri="{FF2B5EF4-FFF2-40B4-BE49-F238E27FC236}">
-                <a16:creationId xmlns:a16="http://schemas.microsoft.com/office/drawing/2014/main" id="{29A42272-4AF6-863E-D56E-7DD77ABA5A28}"/>
-              </a:ext>
-            </a:extLst>
-          </p:cNvPr>
-          <p:cNvSpPr>
-            <a:spLocks noGrp="1"/>
-          </p:cNvSpPr>
-          <p:nvPr>
-            <p:ph type="body" sz="quarter" idx="18"/>
-          </p:nvPr>
-        </p:nvSpPr>
-        <p:spPr/>
-        <p:txBody>
-          <a:bodyPr/>
-          <a:lstStyle/>
-          <a:p>
-            <a:endParaRPr lang="en-GB"/>
-          </a:p>
-        </p:txBody>
-      </p:sp>
-      <p:sp>
-        <p:nvSpPr>
-          <p:cNvPr id="6" name="Textplatzhalter 5">
-            <a:extLst>
-              <a:ext uri="{FF2B5EF4-FFF2-40B4-BE49-F238E27FC236}">
-                <a16:creationId xmlns:a16="http://schemas.microsoft.com/office/drawing/2014/main" id="{542B0A0E-35FB-CDB9-3772-18A348605ED0}"/>
-              </a:ext>
-            </a:extLst>
-          </p:cNvPr>
-          <p:cNvSpPr>
-            <a:spLocks noGrp="1"/>
-          </p:cNvSpPr>
-          <p:nvPr>
-            <p:ph type="body" sz="quarter" idx="19"/>
-          </p:nvPr>
-        </p:nvSpPr>
-        <p:spPr/>
-        <p:txBody>
-          <a:bodyPr/>
-          <a:lstStyle/>
-          <a:p>
-            <a:endParaRPr lang="en-GB"/>
-          </a:p>
-        </p:txBody>
-      </p:sp>
-      <p:sp>
-        <p:nvSpPr>
-          <p:cNvPr id="7" name="Textplatzhalter 6">
-            <a:extLst>
-              <a:ext uri="{FF2B5EF4-FFF2-40B4-BE49-F238E27FC236}">
-                <a16:creationId xmlns:a16="http://schemas.microsoft.com/office/drawing/2014/main" id="{86000304-9067-CA07-E967-3F5CDF13CD04}"/>
-              </a:ext>
-            </a:extLst>
-          </p:cNvPr>
-          <p:cNvSpPr>
-            <a:spLocks noGrp="1"/>
-          </p:cNvSpPr>
-          <p:nvPr>
-            <p:ph type="body" sz="quarter" idx="20"/>
-          </p:nvPr>
-        </p:nvSpPr>
-        <p:spPr/>
-        <p:txBody>
-          <a:bodyPr/>
-          <a:lstStyle/>
-          <a:p>
-            <a:endParaRPr lang="en-GB"/>
-          </a:p>
-        </p:txBody>
-      </p:sp>
-      <p:sp>
-        <p:nvSpPr>
-          <p:cNvPr id="8" name="Titel 7">
-            <a:extLst>
-              <a:ext uri="{FF2B5EF4-FFF2-40B4-BE49-F238E27FC236}">
-                <a16:creationId xmlns:a16="http://schemas.microsoft.com/office/drawing/2014/main" id="{B9ABCD4A-4209-A284-54AA-4462F776EA8F}"/>
-              </a:ext>
-            </a:extLst>
-          </p:cNvPr>
-          <p:cNvSpPr>
-            <a:spLocks noGrp="1"/>
-          </p:cNvSpPr>
-          <p:nvPr>
-            <p:ph type="title"/>
-          </p:nvPr>
-        </p:nvSpPr>
-        <p:spPr>
-          <a:xfrm>
-            <a:off x="540000" y="680400"/>
-            <a:ext cx="7020000" cy="820738"/>
-          </a:xfrm>
-        </p:spPr>
-        <p:txBody>
-          <a:bodyPr/>
-          <a:lstStyle/>
-          <a:p>
-            <a:r>
-              <a:rPr lang="de-CH" dirty="0" err="1"/>
-              <a:t>Confusion</a:t>
-            </a:r>
-            <a:r>
-              <a:rPr lang="de-CH" dirty="0"/>
-              <a:t> </a:t>
-            </a:r>
-            <a:br>
-              <a:rPr lang="de-CH" dirty="0"/>
-            </a:br>
-            <a:r>
-              <a:rPr lang="de-CH" dirty="0" err="1"/>
-              <a:t>matrix</a:t>
-            </a:r>
-            <a:endParaRPr lang="en-GB" dirty="0"/>
-          </a:p>
-        </p:txBody>
-      </p:sp>
-      <p:pic>
-        <p:nvPicPr>
-          <p:cNvPr id="12" name="Grafik 11">
-            <a:extLst>
-              <a:ext uri="{FF2B5EF4-FFF2-40B4-BE49-F238E27FC236}">
-                <a16:creationId xmlns:a16="http://schemas.microsoft.com/office/drawing/2014/main" id="{288FE0C6-0BA6-3FD6-161D-EE514D7A8196}"/>
-              </a:ext>
-            </a:extLst>
-          </p:cNvPr>
-          <p:cNvPicPr>
-            <a:picLocks noChangeAspect="1"/>
-          </p:cNvPicPr>
-          <p:nvPr/>
-        </p:nvPicPr>
-        <p:blipFill>
-          <a:blip r:embed="rId2"/>
-          <a:stretch>
-            <a:fillRect/>
-          </a:stretch>
-        </p:blipFill>
-        <p:spPr>
-          <a:xfrm>
-            <a:off x="2627784" y="0"/>
-            <a:ext cx="5095486" cy="5143500"/>
-          </a:xfrm>
-          <a:prstGeom prst="rect">
-            <a:avLst/>
-          </a:prstGeom>
-        </p:spPr>
-      </p:pic>
-    </p:spTree>
-    <p:extLst>
-      <p:ext uri="{BB962C8B-B14F-4D97-AF65-F5344CB8AC3E}">
-        <p14:creationId xmlns:p14="http://schemas.microsoft.com/office/powerpoint/2010/main" val="2913720038"/>
-      </p:ext>
-    </p:extLst>
-  </p:cSld>
-  <p:clrMapOvr>
-    <a:masterClrMapping/>
-  </p:clrMapOvr>
-</p:sld>
-</file>
-
-<file path=ppt/slides/slide9.xml><?xml version="1.0" encoding="utf-8"?>
-<p:sld xmlns:a="http://schemas.openxmlformats.org/drawingml/2006/main" xmlns:r="http://schemas.openxmlformats.org/officeDocument/2006/relationships" xmlns:p="http://schemas.openxmlformats.org/presentationml/2006/main">
-  <p:cSld>
-    <p:spTree>
-      <p:nvGrpSpPr>
-        <p:cNvPr id="1" name=""/>
-        <p:cNvGrpSpPr/>
-        <p:nvPr/>
-      </p:nvGrpSpPr>
-      <p:grpSpPr>
-        <a:xfrm>
-          <a:off x="0" y="0"/>
-          <a:ext cx="0" cy="0"/>
-          <a:chOff x="0" y="0"/>
-          <a:chExt cx="0" cy="0"/>
-        </a:xfrm>
-      </p:grpSpPr>
-      <p:sp>
-        <p:nvSpPr>
-          <p:cNvPr id="2" name="Textplatzhalter 1">
-            <a:extLst>
-              <a:ext uri="{FF2B5EF4-FFF2-40B4-BE49-F238E27FC236}">
-                <a16:creationId xmlns:a16="http://schemas.microsoft.com/office/drawing/2014/main" id="{E5877493-3C7F-59E0-6016-5E43DC4FD6E4}"/>
-              </a:ext>
-            </a:extLst>
-          </p:cNvPr>
-          <p:cNvSpPr>
-            <a:spLocks noGrp="1"/>
-          </p:cNvSpPr>
-          <p:nvPr>
-            <p:ph type="body" idx="11"/>
-          </p:nvPr>
-        </p:nvSpPr>
-        <p:spPr/>
-        <p:txBody>
-          <a:bodyPr/>
-          <a:lstStyle/>
-          <a:p>
-            <a:endParaRPr lang="en-GB"/>
-          </a:p>
-        </p:txBody>
-      </p:sp>
-      <p:sp>
-        <p:nvSpPr>
-          <p:cNvPr id="3" name="Textplatzhalter 2">
-            <a:extLst>
-              <a:ext uri="{FF2B5EF4-FFF2-40B4-BE49-F238E27FC236}">
-                <a16:creationId xmlns:a16="http://schemas.microsoft.com/office/drawing/2014/main" id="{C9BEF3D7-B7AE-FAFB-C792-01ACBA9DDBC6}"/>
-              </a:ext>
-            </a:extLst>
-          </p:cNvPr>
-          <p:cNvSpPr>
-            <a:spLocks noGrp="1"/>
-          </p:cNvSpPr>
-          <p:nvPr>
-            <p:ph type="body" sz="quarter" idx="16"/>
-          </p:nvPr>
-        </p:nvSpPr>
-        <p:spPr/>
-        <p:txBody>
-          <a:bodyPr/>
-          <a:lstStyle/>
-          <a:p>
-            <a:endParaRPr lang="en-GB" dirty="0"/>
-          </a:p>
-        </p:txBody>
-      </p:sp>
-      <p:sp>
-        <p:nvSpPr>
-          <p:cNvPr id="4" name="Textplatzhalter 3">
-            <a:extLst>
-              <a:ext uri="{FF2B5EF4-FFF2-40B4-BE49-F238E27FC236}">
-                <a16:creationId xmlns:a16="http://schemas.microsoft.com/office/drawing/2014/main" id="{8F3F5520-7A02-C9D2-B703-F6A1BCB7A319}"/>
-              </a:ext>
-            </a:extLst>
-          </p:cNvPr>
-          <p:cNvSpPr>
-            <a:spLocks noGrp="1"/>
-          </p:cNvSpPr>
-          <p:nvPr>
-            <p:ph type="body" sz="quarter" idx="17"/>
-          </p:nvPr>
-        </p:nvSpPr>
-        <p:spPr/>
-        <p:txBody>
-          <a:bodyPr/>
-          <a:lstStyle/>
-          <a:p>
-            <a:endParaRPr lang="en-GB"/>
-          </a:p>
-        </p:txBody>
-      </p:sp>
-      <p:sp>
-        <p:nvSpPr>
-          <p:cNvPr id="5" name="Textplatzhalter 4">
-            <a:extLst>
-              <a:ext uri="{FF2B5EF4-FFF2-40B4-BE49-F238E27FC236}">
-                <a16:creationId xmlns:a16="http://schemas.microsoft.com/office/drawing/2014/main" id="{FF637EEA-E90A-72E6-71E5-96150DAD404C}"/>
-              </a:ext>
-            </a:extLst>
-          </p:cNvPr>
-          <p:cNvSpPr>
-            <a:spLocks noGrp="1"/>
-          </p:cNvSpPr>
-          <p:nvPr>
-            <p:ph type="body" sz="quarter" idx="18"/>
-          </p:nvPr>
-        </p:nvSpPr>
-        <p:spPr/>
-        <p:txBody>
-          <a:bodyPr/>
-          <a:lstStyle/>
-          <a:p>
-            <a:endParaRPr lang="en-GB"/>
-          </a:p>
-        </p:txBody>
-      </p:sp>
-      <p:sp>
-        <p:nvSpPr>
-          <p:cNvPr id="6" name="Textplatzhalter 5">
-            <a:extLst>
-              <a:ext uri="{FF2B5EF4-FFF2-40B4-BE49-F238E27FC236}">
-                <a16:creationId xmlns:a16="http://schemas.microsoft.com/office/drawing/2014/main" id="{00F15422-6B2D-B352-C28F-62CABB0F83D5}"/>
-              </a:ext>
-            </a:extLst>
-          </p:cNvPr>
-          <p:cNvSpPr>
-            <a:spLocks noGrp="1"/>
-          </p:cNvSpPr>
-          <p:nvPr>
-            <p:ph type="body" sz="quarter" idx="19"/>
-          </p:nvPr>
-        </p:nvSpPr>
-        <p:spPr/>
-        <p:txBody>
-          <a:bodyPr/>
-          <a:lstStyle/>
-          <a:p>
-            <a:endParaRPr lang="en-GB"/>
-          </a:p>
-        </p:txBody>
-      </p:sp>
-      <p:sp>
-        <p:nvSpPr>
-          <p:cNvPr id="7" name="Textplatzhalter 6">
-            <a:extLst>
-              <a:ext uri="{FF2B5EF4-FFF2-40B4-BE49-F238E27FC236}">
-                <a16:creationId xmlns:a16="http://schemas.microsoft.com/office/drawing/2014/main" id="{EEABF640-00A5-6C56-2BDD-70160F0024E7}"/>
-              </a:ext>
-            </a:extLst>
-          </p:cNvPr>
-          <p:cNvSpPr>
-            <a:spLocks noGrp="1"/>
-          </p:cNvSpPr>
-          <p:nvPr>
-            <p:ph type="body" sz="quarter" idx="20"/>
-          </p:nvPr>
-        </p:nvSpPr>
-        <p:spPr/>
-        <p:txBody>
-          <a:bodyPr/>
-          <a:lstStyle/>
-          <a:p>
-            <a:endParaRPr lang="en-GB"/>
-          </a:p>
-        </p:txBody>
-      </p:sp>
-      <p:sp>
-        <p:nvSpPr>
-          <p:cNvPr id="8" name="Titel 7">
-            <a:extLst>
-              <a:ext uri="{FF2B5EF4-FFF2-40B4-BE49-F238E27FC236}">
-                <a16:creationId xmlns:a16="http://schemas.microsoft.com/office/drawing/2014/main" id="{E0191781-6B39-DBBD-96A5-DE25D4E29EA6}"/>
-              </a:ext>
-            </a:extLst>
-          </p:cNvPr>
-          <p:cNvSpPr>
-            <a:spLocks noGrp="1"/>
-          </p:cNvSpPr>
-          <p:nvPr>
-            <p:ph type="title"/>
-          </p:nvPr>
-        </p:nvSpPr>
-        <p:spPr/>
-        <p:txBody>
-          <a:bodyPr/>
-          <a:lstStyle/>
-          <a:p>
-            <a:r>
-              <a:rPr lang="de-CH" dirty="0"/>
-              <a:t>Class </a:t>
-            </a:r>
-            <a:r>
-              <a:rPr lang="de-CH" dirty="0" err="1"/>
-              <a:t>imbalance</a:t>
-            </a:r>
-            <a:endParaRPr lang="en-GB" dirty="0"/>
-          </a:p>
-        </p:txBody>
-      </p:sp>
-      <p:pic>
-        <p:nvPicPr>
-          <p:cNvPr id="10" name="Grafik 9">
-            <a:extLst>
-              <a:ext uri="{FF2B5EF4-FFF2-40B4-BE49-F238E27FC236}">
-                <a16:creationId xmlns:a16="http://schemas.microsoft.com/office/drawing/2014/main" id="{4774E92F-9A7D-7355-058D-F2A54D4AEA93}"/>
-              </a:ext>
-            </a:extLst>
-          </p:cNvPr>
-          <p:cNvPicPr>
-            <a:picLocks noChangeAspect="1"/>
-          </p:cNvPicPr>
-          <p:nvPr/>
-        </p:nvPicPr>
-        <p:blipFill rotWithShape="1">
-          <a:blip r:embed="rId2"/>
-          <a:srcRect t="1933"/>
-          <a:stretch/>
-        </p:blipFill>
-        <p:spPr>
-          <a:xfrm>
-            <a:off x="1916575" y="1170000"/>
-            <a:ext cx="4266850" cy="3782902"/>
-          </a:xfrm>
-          <a:prstGeom prst="rect">
-            <a:avLst/>
-          </a:prstGeom>
-        </p:spPr>
-      </p:pic>
-    </p:spTree>
-    <p:extLst>
-      <p:ext uri="{BB962C8B-B14F-4D97-AF65-F5344CB8AC3E}">
-        <p14:creationId xmlns:p14="http://schemas.microsoft.com/office/powerpoint/2010/main" val="730108432"/>
       </p:ext>
     </p:extLst>
   </p:cSld>

--- a/Final_Project_Presentation_GroupC.pptx
+++ b/Final_Project_Presentation_GroupC.pptx
@@ -11,10 +11,10 @@
     <p:sldMasterId id="2147483777" r:id="rId7"/>
   </p:sldMasterIdLst>
   <p:notesMasterIdLst>
-    <p:notesMasterId r:id="rId34"/>
+    <p:notesMasterId r:id="rId35"/>
   </p:notesMasterIdLst>
   <p:handoutMasterIdLst>
-    <p:handoutMasterId r:id="rId35"/>
+    <p:handoutMasterId r:id="rId36"/>
   </p:handoutMasterIdLst>
   <p:sldIdLst>
     <p:sldId id="257" r:id="rId8"/>
@@ -28,21 +28,22 @@
     <p:sldId id="354" r:id="rId16"/>
     <p:sldId id="356" r:id="rId17"/>
     <p:sldId id="357" r:id="rId18"/>
-    <p:sldId id="376" r:id="rId19"/>
-    <p:sldId id="359" r:id="rId20"/>
-    <p:sldId id="360" r:id="rId21"/>
-    <p:sldId id="361" r:id="rId22"/>
-    <p:sldId id="377" r:id="rId23"/>
-    <p:sldId id="363" r:id="rId24"/>
-    <p:sldId id="365" r:id="rId25"/>
-    <p:sldId id="379" r:id="rId26"/>
-    <p:sldId id="368" r:id="rId27"/>
-    <p:sldId id="366" r:id="rId28"/>
-    <p:sldId id="378" r:id="rId29"/>
-    <p:sldId id="370" r:id="rId30"/>
-    <p:sldId id="371" r:id="rId31"/>
-    <p:sldId id="372" r:id="rId32"/>
-    <p:sldId id="380" r:id="rId33"/>
+    <p:sldId id="383" r:id="rId19"/>
+    <p:sldId id="376" r:id="rId20"/>
+    <p:sldId id="359" r:id="rId21"/>
+    <p:sldId id="360" r:id="rId22"/>
+    <p:sldId id="361" r:id="rId23"/>
+    <p:sldId id="377" r:id="rId24"/>
+    <p:sldId id="363" r:id="rId25"/>
+    <p:sldId id="365" r:id="rId26"/>
+    <p:sldId id="379" r:id="rId27"/>
+    <p:sldId id="368" r:id="rId28"/>
+    <p:sldId id="366" r:id="rId29"/>
+    <p:sldId id="378" r:id="rId30"/>
+    <p:sldId id="370" r:id="rId31"/>
+    <p:sldId id="371" r:id="rId32"/>
+    <p:sldId id="372" r:id="rId33"/>
+    <p:sldId id="380" r:id="rId34"/>
   </p:sldIdLst>
   <p:sldSz cx="9144000" cy="5143500" type="screen16x9"/>
   <p:notesSz cx="6858000" cy="9144000"/>
@@ -155,1297 +156,13 @@
 <file path=ppt/revisionInfo.xml><?xml version="1.0" encoding="utf-8"?>
 <p1510:revInfo xmlns:a="http://schemas.openxmlformats.org/drawingml/2006/main" xmlns:r="http://schemas.openxmlformats.org/officeDocument/2006/relationships" xmlns:p1510="http://schemas.microsoft.com/office/powerpoint/2015/10/main">
   <p1510:revLst>
-    <p1510:client id="{1B412370-03EF-43FC-8E5A-92C57D904F98}" v="37" dt="2023-12-17T15:52:21.119"/>
+    <p1510:client id="{1B412370-03EF-43FC-8E5A-92C57D904F98}" v="38" dt="2023-12-31T14:16:46.944"/>
   </p1510:revLst>
 </p1510:revInfo>
 </file>
 
 <file path=ppt/changesInfos/changesInfo1.xml><?xml version="1.0" encoding="utf-8"?>
 <pc:chgInfo xmlns:a="http://schemas.openxmlformats.org/drawingml/2006/main" xmlns:r="http://schemas.openxmlformats.org/officeDocument/2006/relationships" xmlns:ac="http://schemas.microsoft.com/office/drawing/2013/main/command" xmlns:pc="http://schemas.microsoft.com/office/powerpoint/2013/main/command">
-  <pc:docChgLst>
-    <pc:chgData name="Uhr, Vinzenz Nathan (STUDENTS)" userId="f4f67b1a-e021-4569-b4a5-fe6b7216375a" providerId="ADAL" clId="{1B412370-03EF-43FC-8E5A-92C57D904F98}"/>
-    <pc:docChg chg="undo redo custSel addSld delSld modSld sldOrd">
-      <pc:chgData name="Uhr, Vinzenz Nathan (STUDENTS)" userId="f4f67b1a-e021-4569-b4a5-fe6b7216375a" providerId="ADAL" clId="{1B412370-03EF-43FC-8E5A-92C57D904F98}" dt="2023-12-17T16:18:49.283" v="4164" actId="20577"/>
-      <pc:docMkLst>
-        <pc:docMk/>
-      </pc:docMkLst>
-      <pc:sldChg chg="modSp mod">
-        <pc:chgData name="Uhr, Vinzenz Nathan (STUDENTS)" userId="f4f67b1a-e021-4569-b4a5-fe6b7216375a" providerId="ADAL" clId="{1B412370-03EF-43FC-8E5A-92C57D904F98}" dt="2023-12-17T11:52:25.828" v="8" actId="20577"/>
-        <pc:sldMkLst>
-          <pc:docMk/>
-          <pc:sldMk cId="1995630194" sldId="257"/>
-        </pc:sldMkLst>
-        <pc:spChg chg="mod">
-          <ac:chgData name="Uhr, Vinzenz Nathan (STUDENTS)" userId="f4f67b1a-e021-4569-b4a5-fe6b7216375a" providerId="ADAL" clId="{1B412370-03EF-43FC-8E5A-92C57D904F98}" dt="2023-12-17T11:52:25.828" v="8" actId="20577"/>
-          <ac:spMkLst>
-            <pc:docMk/>
-            <pc:sldMk cId="1995630194" sldId="257"/>
-            <ac:spMk id="2" creationId="{00000000-0000-0000-0000-000000000000}"/>
-          </ac:spMkLst>
-        </pc:spChg>
-        <pc:spChg chg="mod">
-          <ac:chgData name="Uhr, Vinzenz Nathan (STUDENTS)" userId="f4f67b1a-e021-4569-b4a5-fe6b7216375a" providerId="ADAL" clId="{1B412370-03EF-43FC-8E5A-92C57D904F98}" dt="2023-12-17T11:52:20.322" v="3" actId="20577"/>
-          <ac:spMkLst>
-            <pc:docMk/>
-            <pc:sldMk cId="1995630194" sldId="257"/>
-            <ac:spMk id="4" creationId="{00000000-0000-0000-0000-000000000000}"/>
-          </ac:spMkLst>
-        </pc:spChg>
-      </pc:sldChg>
-      <pc:sldChg chg="delSp modSp del mod modNotesTx">
-        <pc:chgData name="Uhr, Vinzenz Nathan (STUDENTS)" userId="f4f67b1a-e021-4569-b4a5-fe6b7216375a" providerId="ADAL" clId="{1B412370-03EF-43FC-8E5A-92C57D904F98}" dt="2023-12-17T11:54:34.757" v="31" actId="47"/>
-        <pc:sldMkLst>
-          <pc:docMk/>
-          <pc:sldMk cId="1969766" sldId="348"/>
-        </pc:sldMkLst>
-        <pc:spChg chg="mod">
-          <ac:chgData name="Uhr, Vinzenz Nathan (STUDENTS)" userId="f4f67b1a-e021-4569-b4a5-fe6b7216375a" providerId="ADAL" clId="{1B412370-03EF-43FC-8E5A-92C57D904F98}" dt="2023-12-17T11:54:00.859" v="25" actId="6549"/>
-          <ac:spMkLst>
-            <pc:docMk/>
-            <pc:sldMk cId="1969766" sldId="348"/>
-            <ac:spMk id="5" creationId="{69996356-855D-BEA7-9042-E31DBB1F84C4}"/>
-          </ac:spMkLst>
-        </pc:spChg>
-        <pc:spChg chg="mod">
-          <ac:chgData name="Uhr, Vinzenz Nathan (STUDENTS)" userId="f4f67b1a-e021-4569-b4a5-fe6b7216375a" providerId="ADAL" clId="{1B412370-03EF-43FC-8E5A-92C57D904F98}" dt="2023-12-17T11:53:55.022" v="23" actId="20577"/>
-          <ac:spMkLst>
-            <pc:docMk/>
-            <pc:sldMk cId="1969766" sldId="348"/>
-            <ac:spMk id="6" creationId="{78FFCA5B-4105-6527-22ED-1C63D41F0290}"/>
-          </ac:spMkLst>
-        </pc:spChg>
-        <pc:picChg chg="del">
-          <ac:chgData name="Uhr, Vinzenz Nathan (STUDENTS)" userId="f4f67b1a-e021-4569-b4a5-fe6b7216375a" providerId="ADAL" clId="{1B412370-03EF-43FC-8E5A-92C57D904F98}" dt="2023-12-17T11:54:10.850" v="28" actId="478"/>
-          <ac:picMkLst>
-            <pc:docMk/>
-            <pc:sldMk cId="1969766" sldId="348"/>
-            <ac:picMk id="9" creationId="{5D5784DE-EDE6-70AB-6676-FA74367895CF}"/>
-          </ac:picMkLst>
-        </pc:picChg>
-        <pc:picChg chg="del">
-          <ac:chgData name="Uhr, Vinzenz Nathan (STUDENTS)" userId="f4f67b1a-e021-4569-b4a5-fe6b7216375a" providerId="ADAL" clId="{1B412370-03EF-43FC-8E5A-92C57D904F98}" dt="2023-12-17T11:54:10.430" v="27" actId="478"/>
-          <ac:picMkLst>
-            <pc:docMk/>
-            <pc:sldMk cId="1969766" sldId="348"/>
-            <ac:picMk id="11" creationId="{09A48636-771F-3D7E-C459-4FD5F5E8311C}"/>
-          </ac:picMkLst>
-        </pc:picChg>
-        <pc:picChg chg="del mod">
-          <ac:chgData name="Uhr, Vinzenz Nathan (STUDENTS)" userId="f4f67b1a-e021-4569-b4a5-fe6b7216375a" providerId="ADAL" clId="{1B412370-03EF-43FC-8E5A-92C57D904F98}" dt="2023-12-17T11:54:10.116" v="26" actId="478"/>
-          <ac:picMkLst>
-            <pc:docMk/>
-            <pc:sldMk cId="1969766" sldId="348"/>
-            <ac:picMk id="13" creationId="{B25A389E-844E-1559-9287-17260B682570}"/>
-          </ac:picMkLst>
-        </pc:picChg>
-      </pc:sldChg>
-      <pc:sldChg chg="del">
-        <pc:chgData name="Uhr, Vinzenz Nathan (STUDENTS)" userId="f4f67b1a-e021-4569-b4a5-fe6b7216375a" providerId="ADAL" clId="{1B412370-03EF-43FC-8E5A-92C57D904F98}" dt="2023-12-17T11:52:58.083" v="9" actId="47"/>
-        <pc:sldMkLst>
-          <pc:docMk/>
-          <pc:sldMk cId="388255730" sldId="349"/>
-        </pc:sldMkLst>
-      </pc:sldChg>
-      <pc:sldChg chg="del">
-        <pc:chgData name="Uhr, Vinzenz Nathan (STUDENTS)" userId="f4f67b1a-e021-4569-b4a5-fe6b7216375a" providerId="ADAL" clId="{1B412370-03EF-43FC-8E5A-92C57D904F98}" dt="2023-12-17T11:52:58.083" v="9" actId="47"/>
-        <pc:sldMkLst>
-          <pc:docMk/>
-          <pc:sldMk cId="3710458073" sldId="350"/>
-        </pc:sldMkLst>
-      </pc:sldChg>
-      <pc:sldChg chg="addSp delSp modSp del mod modNotesTx">
-        <pc:chgData name="Uhr, Vinzenz Nathan (STUDENTS)" userId="f4f67b1a-e021-4569-b4a5-fe6b7216375a" providerId="ADAL" clId="{1B412370-03EF-43FC-8E5A-92C57D904F98}" dt="2023-12-17T14:38:59.060" v="3505" actId="47"/>
-        <pc:sldMkLst>
-          <pc:docMk/>
-          <pc:sldMk cId="4252364833" sldId="351"/>
-        </pc:sldMkLst>
-        <pc:spChg chg="del">
-          <ac:chgData name="Uhr, Vinzenz Nathan (STUDENTS)" userId="f4f67b1a-e021-4569-b4a5-fe6b7216375a" providerId="ADAL" clId="{1B412370-03EF-43FC-8E5A-92C57D904F98}" dt="2023-12-17T14:35:30.011" v="3396"/>
-          <ac:spMkLst>
-            <pc:docMk/>
-            <pc:sldMk cId="4252364833" sldId="351"/>
-            <ac:spMk id="2" creationId="{347559E5-88A9-7114-3CF2-22840C9512E3}"/>
-          </ac:spMkLst>
-        </pc:spChg>
-        <pc:spChg chg="mod">
-          <ac:chgData name="Uhr, Vinzenz Nathan (STUDENTS)" userId="f4f67b1a-e021-4569-b4a5-fe6b7216375a" providerId="ADAL" clId="{1B412370-03EF-43FC-8E5A-92C57D904F98}" dt="2023-12-17T12:03:57.297" v="763" actId="5793"/>
-          <ac:spMkLst>
-            <pc:docMk/>
-            <pc:sldMk cId="4252364833" sldId="351"/>
-            <ac:spMk id="4" creationId="{695F92CF-A460-955B-BE6A-033972C8D7EF}"/>
-          </ac:spMkLst>
-        </pc:spChg>
-        <pc:spChg chg="add del mod">
-          <ac:chgData name="Uhr, Vinzenz Nathan (STUDENTS)" userId="f4f67b1a-e021-4569-b4a5-fe6b7216375a" providerId="ADAL" clId="{1B412370-03EF-43FC-8E5A-92C57D904F98}" dt="2023-12-17T14:35:55.548" v="3401" actId="478"/>
-          <ac:spMkLst>
-            <pc:docMk/>
-            <pc:sldMk cId="4252364833" sldId="351"/>
-            <ac:spMk id="5" creationId="{B9C93610-B499-2BEE-D2F7-5F85F53536F4}"/>
-          </ac:spMkLst>
-        </pc:spChg>
-        <pc:picChg chg="add del mod">
-          <ac:chgData name="Uhr, Vinzenz Nathan (STUDENTS)" userId="f4f67b1a-e021-4569-b4a5-fe6b7216375a" providerId="ADAL" clId="{1B412370-03EF-43FC-8E5A-92C57D904F98}" dt="2023-12-17T14:35:44.657" v="3397" actId="478"/>
-          <ac:picMkLst>
-            <pc:docMk/>
-            <pc:sldMk cId="4252364833" sldId="351"/>
-            <ac:picMk id="2050" creationId="{B7E61CB0-2116-8C89-7FCB-333412C4EACE}"/>
-          </ac:picMkLst>
-        </pc:picChg>
-        <pc:picChg chg="add mod">
-          <ac:chgData name="Uhr, Vinzenz Nathan (STUDENTS)" userId="f4f67b1a-e021-4569-b4a5-fe6b7216375a" providerId="ADAL" clId="{1B412370-03EF-43FC-8E5A-92C57D904F98}" dt="2023-12-17T14:36:01.814" v="3402" actId="1076"/>
-          <ac:picMkLst>
-            <pc:docMk/>
-            <pc:sldMk cId="4252364833" sldId="351"/>
-            <ac:picMk id="2052" creationId="{B343C87C-7CED-13E7-579C-00CC4523B21A}"/>
-          </ac:picMkLst>
-        </pc:picChg>
-      </pc:sldChg>
-      <pc:sldChg chg="modSp new mod">
-        <pc:chgData name="Uhr, Vinzenz Nathan (STUDENTS)" userId="f4f67b1a-e021-4569-b4a5-fe6b7216375a" providerId="ADAL" clId="{1B412370-03EF-43FC-8E5A-92C57D904F98}" dt="2023-12-17T14:27:51.087" v="3393" actId="20577"/>
-        <pc:sldMkLst>
-          <pc:docMk/>
-          <pc:sldMk cId="1956286703" sldId="352"/>
-        </pc:sldMkLst>
-        <pc:spChg chg="mod">
-          <ac:chgData name="Uhr, Vinzenz Nathan (STUDENTS)" userId="f4f67b1a-e021-4569-b4a5-fe6b7216375a" providerId="ADAL" clId="{1B412370-03EF-43FC-8E5A-92C57D904F98}" dt="2023-12-17T11:59:56.451" v="496" actId="20577"/>
-          <ac:spMkLst>
-            <pc:docMk/>
-            <pc:sldMk cId="1956286703" sldId="352"/>
-            <ac:spMk id="3" creationId="{B446FCBC-55A4-EF90-93EB-E2FB4D54B8AC}"/>
-          </ac:spMkLst>
-        </pc:spChg>
-        <pc:spChg chg="mod">
-          <ac:chgData name="Uhr, Vinzenz Nathan (STUDENTS)" userId="f4f67b1a-e021-4569-b4a5-fe6b7216375a" providerId="ADAL" clId="{1B412370-03EF-43FC-8E5A-92C57D904F98}" dt="2023-12-17T11:58:29.140" v="340" actId="6549"/>
-          <ac:spMkLst>
-            <pc:docMk/>
-            <pc:sldMk cId="1956286703" sldId="352"/>
-            <ac:spMk id="4" creationId="{07CCB809-4A35-AAA7-F903-AA60D27FBE35}"/>
-          </ac:spMkLst>
-        </pc:spChg>
-        <pc:spChg chg="mod">
-          <ac:chgData name="Uhr, Vinzenz Nathan (STUDENTS)" userId="f4f67b1a-e021-4569-b4a5-fe6b7216375a" providerId="ADAL" clId="{1B412370-03EF-43FC-8E5A-92C57D904F98}" dt="2023-12-17T11:58:47.600" v="379" actId="20577"/>
-          <ac:spMkLst>
-            <pc:docMk/>
-            <pc:sldMk cId="1956286703" sldId="352"/>
-            <ac:spMk id="5" creationId="{0D8F79E0-8004-D080-A1DB-91C9F715B9C1}"/>
-          </ac:spMkLst>
-        </pc:spChg>
-        <pc:spChg chg="mod">
-          <ac:chgData name="Uhr, Vinzenz Nathan (STUDENTS)" userId="f4f67b1a-e021-4569-b4a5-fe6b7216375a" providerId="ADAL" clId="{1B412370-03EF-43FC-8E5A-92C57D904F98}" dt="2023-12-17T14:27:51.087" v="3393" actId="20577"/>
-          <ac:spMkLst>
-            <pc:docMk/>
-            <pc:sldMk cId="1956286703" sldId="352"/>
-            <ac:spMk id="6" creationId="{2061B201-F227-FA31-2254-A7112A8171FC}"/>
-          </ac:spMkLst>
-        </pc:spChg>
-        <pc:spChg chg="mod">
-          <ac:chgData name="Uhr, Vinzenz Nathan (STUDENTS)" userId="f4f67b1a-e021-4569-b4a5-fe6b7216375a" providerId="ADAL" clId="{1B412370-03EF-43FC-8E5A-92C57D904F98}" dt="2023-12-17T11:59:59.341" v="501" actId="20577"/>
-          <ac:spMkLst>
-            <pc:docMk/>
-            <pc:sldMk cId="1956286703" sldId="352"/>
-            <ac:spMk id="8" creationId="{C623C825-F4EC-9A85-5D47-75F36717A849}"/>
-          </ac:spMkLst>
-        </pc:spChg>
-      </pc:sldChg>
-      <pc:sldChg chg="addSp delSp modSp new mod">
-        <pc:chgData name="Uhr, Vinzenz Nathan (STUDENTS)" userId="f4f67b1a-e021-4569-b4a5-fe6b7216375a" providerId="ADAL" clId="{1B412370-03EF-43FC-8E5A-92C57D904F98}" dt="2023-12-17T14:01:03.828" v="2997" actId="14100"/>
-        <pc:sldMkLst>
-          <pc:docMk/>
-          <pc:sldMk cId="2611933887" sldId="353"/>
-        </pc:sldMkLst>
-        <pc:spChg chg="mod">
-          <ac:chgData name="Uhr, Vinzenz Nathan (STUDENTS)" userId="f4f67b1a-e021-4569-b4a5-fe6b7216375a" providerId="ADAL" clId="{1B412370-03EF-43FC-8E5A-92C57D904F98}" dt="2023-12-17T12:00:31.950" v="532" actId="20577"/>
-          <ac:spMkLst>
-            <pc:docMk/>
-            <pc:sldMk cId="2611933887" sldId="353"/>
-            <ac:spMk id="3" creationId="{AAA43714-FFE9-3AB9-3D14-7932E600A39D}"/>
-          </ac:spMkLst>
-        </pc:spChg>
-        <pc:spChg chg="mod">
-          <ac:chgData name="Uhr, Vinzenz Nathan (STUDENTS)" userId="f4f67b1a-e021-4569-b4a5-fe6b7216375a" providerId="ADAL" clId="{1B412370-03EF-43FC-8E5A-92C57D904F98}" dt="2023-12-17T12:02:23.039" v="653" actId="14"/>
-          <ac:spMkLst>
-            <pc:docMk/>
-            <pc:sldMk cId="2611933887" sldId="353"/>
-            <ac:spMk id="4" creationId="{BB4BDC01-B352-0163-C719-5E5E3160B76E}"/>
-          </ac:spMkLst>
-        </pc:spChg>
-        <pc:spChg chg="mod">
-          <ac:chgData name="Uhr, Vinzenz Nathan (STUDENTS)" userId="f4f67b1a-e021-4569-b4a5-fe6b7216375a" providerId="ADAL" clId="{1B412370-03EF-43FC-8E5A-92C57D904F98}" dt="2023-12-17T12:02:39.437" v="670" actId="20577"/>
-          <ac:spMkLst>
-            <pc:docMk/>
-            <pc:sldMk cId="2611933887" sldId="353"/>
-            <ac:spMk id="5" creationId="{608778B1-E88D-726B-0001-998AAC129A41}"/>
-          </ac:spMkLst>
-        </pc:spChg>
-        <pc:spChg chg="mod">
-          <ac:chgData name="Uhr, Vinzenz Nathan (STUDENTS)" userId="f4f67b1a-e021-4569-b4a5-fe6b7216375a" providerId="ADAL" clId="{1B412370-03EF-43FC-8E5A-92C57D904F98}" dt="2023-12-17T12:02:49.975" v="684" actId="207"/>
-          <ac:spMkLst>
-            <pc:docMk/>
-            <pc:sldMk cId="2611933887" sldId="353"/>
-            <ac:spMk id="6" creationId="{76CD0FA7-9CB3-95AB-BFC7-E239CB647AAD}"/>
-          </ac:spMkLst>
-        </pc:spChg>
-        <pc:spChg chg="mod">
-          <ac:chgData name="Uhr, Vinzenz Nathan (STUDENTS)" userId="f4f67b1a-e021-4569-b4a5-fe6b7216375a" providerId="ADAL" clId="{1B412370-03EF-43FC-8E5A-92C57D904F98}" dt="2023-12-17T12:03:11.854" v="728" actId="20577"/>
-          <ac:spMkLst>
-            <pc:docMk/>
-            <pc:sldMk cId="2611933887" sldId="353"/>
-            <ac:spMk id="8" creationId="{F55205C7-6EB0-7324-9AA6-665ADAFBC822}"/>
-          </ac:spMkLst>
-        </pc:spChg>
-        <pc:picChg chg="add del mod">
-          <ac:chgData name="Uhr, Vinzenz Nathan (STUDENTS)" userId="f4f67b1a-e021-4569-b4a5-fe6b7216375a" providerId="ADAL" clId="{1B412370-03EF-43FC-8E5A-92C57D904F98}" dt="2023-12-17T14:00:57.812" v="2993" actId="478"/>
-          <ac:picMkLst>
-            <pc:docMk/>
-            <pc:sldMk cId="2611933887" sldId="353"/>
-            <ac:picMk id="10" creationId="{FE955564-7938-6B72-B54B-9DCB4AA2D3AD}"/>
-          </ac:picMkLst>
-        </pc:picChg>
-        <pc:picChg chg="add mod">
-          <ac:chgData name="Uhr, Vinzenz Nathan (STUDENTS)" userId="f4f67b1a-e021-4569-b4a5-fe6b7216375a" providerId="ADAL" clId="{1B412370-03EF-43FC-8E5A-92C57D904F98}" dt="2023-12-17T14:01:03.828" v="2997" actId="14100"/>
-          <ac:picMkLst>
-            <pc:docMk/>
-            <pc:sldMk cId="2611933887" sldId="353"/>
-            <ac:picMk id="12" creationId="{9CCB82B2-B65E-2207-091C-B999C33625E1}"/>
-          </ac:picMkLst>
-        </pc:picChg>
-      </pc:sldChg>
-      <pc:sldChg chg="del">
-        <pc:chgData name="Uhr, Vinzenz Nathan (STUDENTS)" userId="f4f67b1a-e021-4569-b4a5-fe6b7216375a" providerId="ADAL" clId="{1B412370-03EF-43FC-8E5A-92C57D904F98}" dt="2023-12-17T11:52:58.083" v="9" actId="47"/>
-        <pc:sldMkLst>
-          <pc:docMk/>
-          <pc:sldMk cId="3231376469" sldId="353"/>
-        </pc:sldMkLst>
-      </pc:sldChg>
-      <pc:sldChg chg="addSp delSp modSp new mod">
-        <pc:chgData name="Uhr, Vinzenz Nathan (STUDENTS)" userId="f4f67b1a-e021-4569-b4a5-fe6b7216375a" providerId="ADAL" clId="{1B412370-03EF-43FC-8E5A-92C57D904F98}" dt="2023-12-17T15:53:22.163" v="4079" actId="1076"/>
-        <pc:sldMkLst>
-          <pc:docMk/>
-          <pc:sldMk cId="628214163" sldId="354"/>
-        </pc:sldMkLst>
-        <pc:spChg chg="mod">
-          <ac:chgData name="Uhr, Vinzenz Nathan (STUDENTS)" userId="f4f67b1a-e021-4569-b4a5-fe6b7216375a" providerId="ADAL" clId="{1B412370-03EF-43FC-8E5A-92C57D904F98}" dt="2023-12-17T15:45:44.933" v="3975" actId="20577"/>
-          <ac:spMkLst>
-            <pc:docMk/>
-            <pc:sldMk cId="628214163" sldId="354"/>
-            <ac:spMk id="4" creationId="{B77EA0FA-D38B-CEFB-F9E4-34EEC0690FDD}"/>
-          </ac:spMkLst>
-        </pc:spChg>
-        <pc:spChg chg="del">
-          <ac:chgData name="Uhr, Vinzenz Nathan (STUDENTS)" userId="f4f67b1a-e021-4569-b4a5-fe6b7216375a" providerId="ADAL" clId="{1B412370-03EF-43FC-8E5A-92C57D904F98}" dt="2023-12-17T12:23:53.393" v="831" actId="478"/>
-          <ac:spMkLst>
-            <pc:docMk/>
-            <pc:sldMk cId="628214163" sldId="354"/>
-            <ac:spMk id="6" creationId="{72C85A36-C25A-31A1-2932-C27B29E879CC}"/>
-          </ac:spMkLst>
-        </pc:spChg>
-        <pc:spChg chg="mod">
-          <ac:chgData name="Uhr, Vinzenz Nathan (STUDENTS)" userId="f4f67b1a-e021-4569-b4a5-fe6b7216375a" providerId="ADAL" clId="{1B412370-03EF-43FC-8E5A-92C57D904F98}" dt="2023-12-17T12:28:15.665" v="1081" actId="20577"/>
-          <ac:spMkLst>
-            <pc:docMk/>
-            <pc:sldMk cId="628214163" sldId="354"/>
-            <ac:spMk id="8" creationId="{E2FAFBB1-5071-53D3-80BF-2EC49E4A90B3}"/>
-          </ac:spMkLst>
-        </pc:spChg>
-        <pc:spChg chg="add mod">
-          <ac:chgData name="Uhr, Vinzenz Nathan (STUDENTS)" userId="f4f67b1a-e021-4569-b4a5-fe6b7216375a" providerId="ADAL" clId="{1B412370-03EF-43FC-8E5A-92C57D904F98}" dt="2023-12-17T12:26:49.137" v="928" actId="14100"/>
-          <ac:spMkLst>
-            <pc:docMk/>
-            <pc:sldMk cId="628214163" sldId="354"/>
-            <ac:spMk id="19" creationId="{9742AF07-CDDF-E28B-671B-12A6DB28ED4A}"/>
-          </ac:spMkLst>
-        </pc:spChg>
-        <pc:spChg chg="add mod">
-          <ac:chgData name="Uhr, Vinzenz Nathan (STUDENTS)" userId="f4f67b1a-e021-4569-b4a5-fe6b7216375a" providerId="ADAL" clId="{1B412370-03EF-43FC-8E5A-92C57D904F98}" dt="2023-12-17T12:26:49.137" v="928" actId="14100"/>
-          <ac:spMkLst>
-            <pc:docMk/>
-            <pc:sldMk cId="628214163" sldId="354"/>
-            <ac:spMk id="20" creationId="{74B1CA84-ED04-34FC-7334-F978369ED695}"/>
-          </ac:spMkLst>
-        </pc:spChg>
-        <pc:spChg chg="add mod">
-          <ac:chgData name="Uhr, Vinzenz Nathan (STUDENTS)" userId="f4f67b1a-e021-4569-b4a5-fe6b7216375a" providerId="ADAL" clId="{1B412370-03EF-43FC-8E5A-92C57D904F98}" dt="2023-12-17T15:53:22.163" v="4079" actId="1076"/>
-          <ac:spMkLst>
-            <pc:docMk/>
-            <pc:sldMk cId="628214163" sldId="354"/>
-            <ac:spMk id="21" creationId="{DA23FA7C-7794-A9C2-3687-D5B06EA0B597}"/>
-          </ac:spMkLst>
-        </pc:spChg>
-        <pc:picChg chg="add del mod">
-          <ac:chgData name="Uhr, Vinzenz Nathan (STUDENTS)" userId="f4f67b1a-e021-4569-b4a5-fe6b7216375a" providerId="ADAL" clId="{1B412370-03EF-43FC-8E5A-92C57D904F98}" dt="2023-12-17T12:16:01.076" v="783" actId="478"/>
-          <ac:picMkLst>
-            <pc:docMk/>
-            <pc:sldMk cId="628214163" sldId="354"/>
-            <ac:picMk id="10" creationId="{85A989D5-7A8F-5013-41E0-FFF0FCC167B6}"/>
-          </ac:picMkLst>
-        </pc:picChg>
-        <pc:picChg chg="add del mod">
-          <ac:chgData name="Uhr, Vinzenz Nathan (STUDENTS)" userId="f4f67b1a-e021-4569-b4a5-fe6b7216375a" providerId="ADAL" clId="{1B412370-03EF-43FC-8E5A-92C57D904F98}" dt="2023-12-17T12:20:36.610" v="789" actId="478"/>
-          <ac:picMkLst>
-            <pc:docMk/>
-            <pc:sldMk cId="628214163" sldId="354"/>
-            <ac:picMk id="12" creationId="{92AB65AE-2715-1B60-B9C7-70F6A4DAEA09}"/>
-          </ac:picMkLst>
-        </pc:picChg>
-        <pc:picChg chg="add mod">
-          <ac:chgData name="Uhr, Vinzenz Nathan (STUDENTS)" userId="f4f67b1a-e021-4569-b4a5-fe6b7216375a" providerId="ADAL" clId="{1B412370-03EF-43FC-8E5A-92C57D904F98}" dt="2023-12-17T12:23:44.637" v="827" actId="1076"/>
-          <ac:picMkLst>
-            <pc:docMk/>
-            <pc:sldMk cId="628214163" sldId="354"/>
-            <ac:picMk id="14" creationId="{198FF7B0-3EBA-E2C9-4CC8-21561B17DF30}"/>
-          </ac:picMkLst>
-        </pc:picChg>
-        <pc:picChg chg="add mod">
-          <ac:chgData name="Uhr, Vinzenz Nathan (STUDENTS)" userId="f4f67b1a-e021-4569-b4a5-fe6b7216375a" providerId="ADAL" clId="{1B412370-03EF-43FC-8E5A-92C57D904F98}" dt="2023-12-17T12:23:44.637" v="827" actId="1076"/>
-          <ac:picMkLst>
-            <pc:docMk/>
-            <pc:sldMk cId="628214163" sldId="354"/>
-            <ac:picMk id="16" creationId="{388E9C2D-4FB6-D716-CAD2-E8725314E89E}"/>
-          </ac:picMkLst>
-        </pc:picChg>
-        <pc:picChg chg="add mod">
-          <ac:chgData name="Uhr, Vinzenz Nathan (STUDENTS)" userId="f4f67b1a-e021-4569-b4a5-fe6b7216375a" providerId="ADAL" clId="{1B412370-03EF-43FC-8E5A-92C57D904F98}" dt="2023-12-17T12:23:44.637" v="827" actId="1076"/>
-          <ac:picMkLst>
-            <pc:docMk/>
-            <pc:sldMk cId="628214163" sldId="354"/>
-            <ac:picMk id="18" creationId="{C115FC2F-6682-1C97-AC81-39F31AE0FA06}"/>
-          </ac:picMkLst>
-        </pc:picChg>
-      </pc:sldChg>
-      <pc:sldChg chg="del">
-        <pc:chgData name="Uhr, Vinzenz Nathan (STUDENTS)" userId="f4f67b1a-e021-4569-b4a5-fe6b7216375a" providerId="ADAL" clId="{1B412370-03EF-43FC-8E5A-92C57D904F98}" dt="2023-12-17T11:52:58.083" v="9" actId="47"/>
-        <pc:sldMkLst>
-          <pc:docMk/>
-          <pc:sldMk cId="1455095133" sldId="354"/>
-        </pc:sldMkLst>
-      </pc:sldChg>
-      <pc:sldChg chg="addSp delSp modSp add del mod">
-        <pc:chgData name="Uhr, Vinzenz Nathan (STUDENTS)" userId="f4f67b1a-e021-4569-b4a5-fe6b7216375a" providerId="ADAL" clId="{1B412370-03EF-43FC-8E5A-92C57D904F98}" dt="2023-12-17T14:39:36.215" v="3524" actId="47"/>
-        <pc:sldMkLst>
-          <pc:docMk/>
-          <pc:sldMk cId="1315352206" sldId="355"/>
-        </pc:sldMkLst>
-        <pc:spChg chg="del">
-          <ac:chgData name="Uhr, Vinzenz Nathan (STUDENTS)" userId="f4f67b1a-e021-4569-b4a5-fe6b7216375a" providerId="ADAL" clId="{1B412370-03EF-43FC-8E5A-92C57D904F98}" dt="2023-12-17T14:24:07.764" v="3222"/>
-          <ac:spMkLst>
-            <pc:docMk/>
-            <pc:sldMk cId="1315352206" sldId="355"/>
-            <ac:spMk id="2" creationId="{347559E5-88A9-7114-3CF2-22840C9512E3}"/>
-          </ac:spMkLst>
-        </pc:spChg>
-        <pc:spChg chg="mod">
-          <ac:chgData name="Uhr, Vinzenz Nathan (STUDENTS)" userId="f4f67b1a-e021-4569-b4a5-fe6b7216375a" providerId="ADAL" clId="{1B412370-03EF-43FC-8E5A-92C57D904F98}" dt="2023-12-17T14:38:49.452" v="3502" actId="21"/>
-          <ac:spMkLst>
-            <pc:docMk/>
-            <pc:sldMk cId="1315352206" sldId="355"/>
-            <ac:spMk id="4" creationId="{695F92CF-A460-955B-BE6A-033972C8D7EF}"/>
-          </ac:spMkLst>
-        </pc:spChg>
-        <pc:picChg chg="add mod">
-          <ac:chgData name="Uhr, Vinzenz Nathan (STUDENTS)" userId="f4f67b1a-e021-4569-b4a5-fe6b7216375a" providerId="ADAL" clId="{1B412370-03EF-43FC-8E5A-92C57D904F98}" dt="2023-12-17T14:24:07.764" v="3222"/>
-          <ac:picMkLst>
-            <pc:docMk/>
-            <pc:sldMk cId="1315352206" sldId="355"/>
-            <ac:picMk id="1026" creationId="{5C4C4BD0-8330-1CA3-8CE3-4539AD46E88B}"/>
-          </ac:picMkLst>
-        </pc:picChg>
-      </pc:sldChg>
-      <pc:sldChg chg="del">
-        <pc:chgData name="Uhr, Vinzenz Nathan (STUDENTS)" userId="f4f67b1a-e021-4569-b4a5-fe6b7216375a" providerId="ADAL" clId="{1B412370-03EF-43FC-8E5A-92C57D904F98}" dt="2023-12-17T11:52:58.083" v="9" actId="47"/>
-        <pc:sldMkLst>
-          <pc:docMk/>
-          <pc:sldMk cId="3317007330" sldId="355"/>
-        </pc:sldMkLst>
-      </pc:sldChg>
-      <pc:sldChg chg="addSp delSp modSp new mod">
-        <pc:chgData name="Uhr, Vinzenz Nathan (STUDENTS)" userId="f4f67b1a-e021-4569-b4a5-fe6b7216375a" providerId="ADAL" clId="{1B412370-03EF-43FC-8E5A-92C57D904F98}" dt="2023-12-17T12:35:18.671" v="1215" actId="20577"/>
-        <pc:sldMkLst>
-          <pc:docMk/>
-          <pc:sldMk cId="2913720038" sldId="356"/>
-        </pc:sldMkLst>
-        <pc:spChg chg="del">
-          <ac:chgData name="Uhr, Vinzenz Nathan (STUDENTS)" userId="f4f67b1a-e021-4569-b4a5-fe6b7216375a" providerId="ADAL" clId="{1B412370-03EF-43FC-8E5A-92C57D904F98}" dt="2023-12-17T12:31:18.653" v="1117" actId="478"/>
-          <ac:spMkLst>
-            <pc:docMk/>
-            <pc:sldMk cId="2913720038" sldId="356"/>
-            <ac:spMk id="2" creationId="{D2B9EF91-61D0-937F-DAB3-5D8069FE04AB}"/>
-          </ac:spMkLst>
-        </pc:spChg>
-        <pc:spChg chg="mod">
-          <ac:chgData name="Uhr, Vinzenz Nathan (STUDENTS)" userId="f4f67b1a-e021-4569-b4a5-fe6b7216375a" providerId="ADAL" clId="{1B412370-03EF-43FC-8E5A-92C57D904F98}" dt="2023-12-17T12:35:18.671" v="1215" actId="20577"/>
-          <ac:spMkLst>
-            <pc:docMk/>
-            <pc:sldMk cId="2913720038" sldId="356"/>
-            <ac:spMk id="3" creationId="{0FC4AA5D-AF07-3CCC-1100-F64FEA1D23E1}"/>
-          </ac:spMkLst>
-        </pc:spChg>
-        <pc:spChg chg="mod">
-          <ac:chgData name="Uhr, Vinzenz Nathan (STUDENTS)" userId="f4f67b1a-e021-4569-b4a5-fe6b7216375a" providerId="ADAL" clId="{1B412370-03EF-43FC-8E5A-92C57D904F98}" dt="2023-12-17T12:35:14.750" v="1205" actId="20577"/>
-          <ac:spMkLst>
-            <pc:docMk/>
-            <pc:sldMk cId="2913720038" sldId="356"/>
-            <ac:spMk id="4" creationId="{E4F0FE54-49B0-ADC7-DB62-13FF5FC8AD7C}"/>
-          </ac:spMkLst>
-        </pc:spChg>
-        <pc:spChg chg="mod">
-          <ac:chgData name="Uhr, Vinzenz Nathan (STUDENTS)" userId="f4f67b1a-e021-4569-b4a5-fe6b7216375a" providerId="ADAL" clId="{1B412370-03EF-43FC-8E5A-92C57D904F98}" dt="2023-12-17T12:31:16.068" v="1116" actId="6549"/>
-          <ac:spMkLst>
-            <pc:docMk/>
-            <pc:sldMk cId="2913720038" sldId="356"/>
-            <ac:spMk id="8" creationId="{B9ABCD4A-4209-A284-54AA-4462F776EA8F}"/>
-          </ac:spMkLst>
-        </pc:spChg>
-        <pc:picChg chg="add del mod">
-          <ac:chgData name="Uhr, Vinzenz Nathan (STUDENTS)" userId="f4f67b1a-e021-4569-b4a5-fe6b7216375a" providerId="ADAL" clId="{1B412370-03EF-43FC-8E5A-92C57D904F98}" dt="2023-12-17T12:31:05.680" v="1103" actId="478"/>
-          <ac:picMkLst>
-            <pc:docMk/>
-            <pc:sldMk cId="2913720038" sldId="356"/>
-            <ac:picMk id="10" creationId="{31C47FB7-28BF-96C2-9905-45EDC7C9AF29}"/>
-          </ac:picMkLst>
-        </pc:picChg>
-        <pc:picChg chg="add mod">
-          <ac:chgData name="Uhr, Vinzenz Nathan (STUDENTS)" userId="f4f67b1a-e021-4569-b4a5-fe6b7216375a" providerId="ADAL" clId="{1B412370-03EF-43FC-8E5A-92C57D904F98}" dt="2023-12-17T12:31:10.465" v="1105" actId="1076"/>
-          <ac:picMkLst>
-            <pc:docMk/>
-            <pc:sldMk cId="2913720038" sldId="356"/>
-            <ac:picMk id="12" creationId="{288FE0C6-0BA6-3FD6-161D-EE514D7A8196}"/>
-          </ac:picMkLst>
-        </pc:picChg>
-      </pc:sldChg>
-      <pc:sldChg chg="del">
-        <pc:chgData name="Uhr, Vinzenz Nathan (STUDENTS)" userId="f4f67b1a-e021-4569-b4a5-fe6b7216375a" providerId="ADAL" clId="{1B412370-03EF-43FC-8E5A-92C57D904F98}" dt="2023-12-17T11:52:58.083" v="9" actId="47"/>
-        <pc:sldMkLst>
-          <pc:docMk/>
-          <pc:sldMk cId="3738490548" sldId="356"/>
-        </pc:sldMkLst>
-      </pc:sldChg>
-      <pc:sldChg chg="addSp modSp new mod">
-        <pc:chgData name="Uhr, Vinzenz Nathan (STUDENTS)" userId="f4f67b1a-e021-4569-b4a5-fe6b7216375a" providerId="ADAL" clId="{1B412370-03EF-43FC-8E5A-92C57D904F98}" dt="2023-12-17T12:45:24.832" v="1238" actId="1076"/>
-        <pc:sldMkLst>
-          <pc:docMk/>
-          <pc:sldMk cId="730108432" sldId="357"/>
-        </pc:sldMkLst>
-        <pc:spChg chg="mod">
-          <ac:chgData name="Uhr, Vinzenz Nathan (STUDENTS)" userId="f4f67b1a-e021-4569-b4a5-fe6b7216375a" providerId="ADAL" clId="{1B412370-03EF-43FC-8E5A-92C57D904F98}" dt="2023-12-17T12:35:24.397" v="1230" actId="20577"/>
-          <ac:spMkLst>
-            <pc:docMk/>
-            <pc:sldMk cId="730108432" sldId="357"/>
-            <ac:spMk id="8" creationId="{E0191781-6B39-DBBD-96A5-DE25D4E29EA6}"/>
-          </ac:spMkLst>
-        </pc:spChg>
-        <pc:picChg chg="add mod modCrop">
-          <ac:chgData name="Uhr, Vinzenz Nathan (STUDENTS)" userId="f4f67b1a-e021-4569-b4a5-fe6b7216375a" providerId="ADAL" clId="{1B412370-03EF-43FC-8E5A-92C57D904F98}" dt="2023-12-17T12:45:24.832" v="1238" actId="1076"/>
-          <ac:picMkLst>
-            <pc:docMk/>
-            <pc:sldMk cId="730108432" sldId="357"/>
-            <ac:picMk id="10" creationId="{4774E92F-9A7D-7355-058D-F2A54D4AEA93}"/>
-          </ac:picMkLst>
-        </pc:picChg>
-      </pc:sldChg>
-      <pc:sldChg chg="modSp add del mod">
-        <pc:chgData name="Uhr, Vinzenz Nathan (STUDENTS)" userId="f4f67b1a-e021-4569-b4a5-fe6b7216375a" providerId="ADAL" clId="{1B412370-03EF-43FC-8E5A-92C57D904F98}" dt="2023-12-17T14:39:50.348" v="3529" actId="47"/>
-        <pc:sldMkLst>
-          <pc:docMk/>
-          <pc:sldMk cId="3254685814" sldId="358"/>
-        </pc:sldMkLst>
-        <pc:spChg chg="mod">
-          <ac:chgData name="Uhr, Vinzenz Nathan (STUDENTS)" userId="f4f67b1a-e021-4569-b4a5-fe6b7216375a" providerId="ADAL" clId="{1B412370-03EF-43FC-8E5A-92C57D904F98}" dt="2023-12-17T12:45:52.483" v="1253" actId="20577"/>
-          <ac:spMkLst>
-            <pc:docMk/>
-            <pc:sldMk cId="3254685814" sldId="358"/>
-            <ac:spMk id="4" creationId="{695F92CF-A460-955B-BE6A-033972C8D7EF}"/>
-          </ac:spMkLst>
-        </pc:spChg>
-      </pc:sldChg>
-      <pc:sldChg chg="del">
-        <pc:chgData name="Uhr, Vinzenz Nathan (STUDENTS)" userId="f4f67b1a-e021-4569-b4a5-fe6b7216375a" providerId="ADAL" clId="{1B412370-03EF-43FC-8E5A-92C57D904F98}" dt="2023-12-17T11:52:58.083" v="9" actId="47"/>
-        <pc:sldMkLst>
-          <pc:docMk/>
-          <pc:sldMk cId="3585707066" sldId="358"/>
-        </pc:sldMkLst>
-      </pc:sldChg>
-      <pc:sldChg chg="modSp add mod">
-        <pc:chgData name="Uhr, Vinzenz Nathan (STUDENTS)" userId="f4f67b1a-e021-4569-b4a5-fe6b7216375a" providerId="ADAL" clId="{1B412370-03EF-43FC-8E5A-92C57D904F98}" dt="2023-12-17T12:49:07.581" v="1500" actId="20577"/>
-        <pc:sldMkLst>
-          <pc:docMk/>
-          <pc:sldMk cId="1817230700" sldId="359"/>
-        </pc:sldMkLst>
-        <pc:spChg chg="mod">
-          <ac:chgData name="Uhr, Vinzenz Nathan (STUDENTS)" userId="f4f67b1a-e021-4569-b4a5-fe6b7216375a" providerId="ADAL" clId="{1B412370-03EF-43FC-8E5A-92C57D904F98}" dt="2023-12-17T12:46:40.507" v="1309" actId="20577"/>
-          <ac:spMkLst>
-            <pc:docMk/>
-            <pc:sldMk cId="1817230700" sldId="359"/>
-            <ac:spMk id="3" creationId="{B446FCBC-55A4-EF90-93EB-E2FB4D54B8AC}"/>
-          </ac:spMkLst>
-        </pc:spChg>
-        <pc:spChg chg="mod">
-          <ac:chgData name="Uhr, Vinzenz Nathan (STUDENTS)" userId="f4f67b1a-e021-4569-b4a5-fe6b7216375a" providerId="ADAL" clId="{1B412370-03EF-43FC-8E5A-92C57D904F98}" dt="2023-12-17T12:48:25.091" v="1492" actId="20577"/>
-          <ac:spMkLst>
-            <pc:docMk/>
-            <pc:sldMk cId="1817230700" sldId="359"/>
-            <ac:spMk id="4" creationId="{07CCB809-4A35-AAA7-F903-AA60D27FBE35}"/>
-          </ac:spMkLst>
-        </pc:spChg>
-        <pc:spChg chg="mod">
-          <ac:chgData name="Uhr, Vinzenz Nathan (STUDENTS)" userId="f4f67b1a-e021-4569-b4a5-fe6b7216375a" providerId="ADAL" clId="{1B412370-03EF-43FC-8E5A-92C57D904F98}" dt="2023-12-17T12:48:35.045" v="1494" actId="20577"/>
-          <ac:spMkLst>
-            <pc:docMk/>
-            <pc:sldMk cId="1817230700" sldId="359"/>
-            <ac:spMk id="5" creationId="{0D8F79E0-8004-D080-A1DB-91C9F715B9C1}"/>
-          </ac:spMkLst>
-        </pc:spChg>
-        <pc:spChg chg="mod">
-          <ac:chgData name="Uhr, Vinzenz Nathan (STUDENTS)" userId="f4f67b1a-e021-4569-b4a5-fe6b7216375a" providerId="ADAL" clId="{1B412370-03EF-43FC-8E5A-92C57D904F98}" dt="2023-12-17T12:48:33.946" v="1493" actId="20577"/>
-          <ac:spMkLst>
-            <pc:docMk/>
-            <pc:sldMk cId="1817230700" sldId="359"/>
-            <ac:spMk id="6" creationId="{2061B201-F227-FA31-2254-A7112A8171FC}"/>
-          </ac:spMkLst>
-        </pc:spChg>
-        <pc:spChg chg="mod">
-          <ac:chgData name="Uhr, Vinzenz Nathan (STUDENTS)" userId="f4f67b1a-e021-4569-b4a5-fe6b7216375a" providerId="ADAL" clId="{1B412370-03EF-43FC-8E5A-92C57D904F98}" dt="2023-12-17T12:49:07.581" v="1500" actId="20577"/>
-          <ac:spMkLst>
-            <pc:docMk/>
-            <pc:sldMk cId="1817230700" sldId="359"/>
-            <ac:spMk id="8" creationId="{C623C825-F4EC-9A85-5D47-75F36717A849}"/>
-          </ac:spMkLst>
-        </pc:spChg>
-      </pc:sldChg>
-      <pc:sldChg chg="addSp delSp modSp new mod">
-        <pc:chgData name="Uhr, Vinzenz Nathan (STUDENTS)" userId="f4f67b1a-e021-4569-b4a5-fe6b7216375a" providerId="ADAL" clId="{1B412370-03EF-43FC-8E5A-92C57D904F98}" dt="2023-12-17T12:57:27.949" v="1842" actId="207"/>
-        <pc:sldMkLst>
-          <pc:docMk/>
-          <pc:sldMk cId="4131531160" sldId="360"/>
-        </pc:sldMkLst>
-        <pc:spChg chg="mod">
-          <ac:chgData name="Uhr, Vinzenz Nathan (STUDENTS)" userId="f4f67b1a-e021-4569-b4a5-fe6b7216375a" providerId="ADAL" clId="{1B412370-03EF-43FC-8E5A-92C57D904F98}" dt="2023-12-17T12:53:01.663" v="1523" actId="5793"/>
-          <ac:spMkLst>
-            <pc:docMk/>
-            <pc:sldMk cId="4131531160" sldId="360"/>
-            <ac:spMk id="3" creationId="{65C54322-3AFB-6B90-7991-F5DCF32419DC}"/>
-          </ac:spMkLst>
-        </pc:spChg>
-        <pc:spChg chg="mod">
-          <ac:chgData name="Uhr, Vinzenz Nathan (STUDENTS)" userId="f4f67b1a-e021-4569-b4a5-fe6b7216375a" providerId="ADAL" clId="{1B412370-03EF-43FC-8E5A-92C57D904F98}" dt="2023-12-17T12:54:56.799" v="1706" actId="20577"/>
-          <ac:spMkLst>
-            <pc:docMk/>
-            <pc:sldMk cId="4131531160" sldId="360"/>
-            <ac:spMk id="4" creationId="{72D67A95-CBDB-2F4F-4B63-419F5AD03318}"/>
-          </ac:spMkLst>
-        </pc:spChg>
-        <pc:spChg chg="mod">
-          <ac:chgData name="Uhr, Vinzenz Nathan (STUDENTS)" userId="f4f67b1a-e021-4569-b4a5-fe6b7216375a" providerId="ADAL" clId="{1B412370-03EF-43FC-8E5A-92C57D904F98}" dt="2023-12-17T12:57:27.949" v="1842" actId="207"/>
-          <ac:spMkLst>
-            <pc:docMk/>
-            <pc:sldMk cId="4131531160" sldId="360"/>
-            <ac:spMk id="6" creationId="{C2378552-6982-B224-57A9-A5FE26C7ECB1}"/>
-          </ac:spMkLst>
-        </pc:spChg>
-        <pc:spChg chg="mod">
-          <ac:chgData name="Uhr, Vinzenz Nathan (STUDENTS)" userId="f4f67b1a-e021-4569-b4a5-fe6b7216375a" providerId="ADAL" clId="{1B412370-03EF-43FC-8E5A-92C57D904F98}" dt="2023-12-17T12:55:29.546" v="1739" actId="20577"/>
-          <ac:spMkLst>
-            <pc:docMk/>
-            <pc:sldMk cId="4131531160" sldId="360"/>
-            <ac:spMk id="8" creationId="{47E7FE34-E313-80E1-3542-E7E7C9E83C35}"/>
-          </ac:spMkLst>
-        </pc:spChg>
-        <pc:picChg chg="add del mod">
-          <ac:chgData name="Uhr, Vinzenz Nathan (STUDENTS)" userId="f4f67b1a-e021-4569-b4a5-fe6b7216375a" providerId="ADAL" clId="{1B412370-03EF-43FC-8E5A-92C57D904F98}" dt="2023-12-17T12:56:11.038" v="1773" actId="478"/>
-          <ac:picMkLst>
-            <pc:docMk/>
-            <pc:sldMk cId="4131531160" sldId="360"/>
-            <ac:picMk id="10" creationId="{C88DD0CD-4DFA-07DF-BFA3-67C54997BEFF}"/>
-          </ac:picMkLst>
-        </pc:picChg>
-        <pc:picChg chg="add mod">
-          <ac:chgData name="Uhr, Vinzenz Nathan (STUDENTS)" userId="f4f67b1a-e021-4569-b4a5-fe6b7216375a" providerId="ADAL" clId="{1B412370-03EF-43FC-8E5A-92C57D904F98}" dt="2023-12-17T12:57:07.544" v="1838" actId="1076"/>
-          <ac:picMkLst>
-            <pc:docMk/>
-            <pc:sldMk cId="4131531160" sldId="360"/>
-            <ac:picMk id="12" creationId="{0BEB866B-6D46-2FEE-2ABF-86E5621D8507}"/>
-          </ac:picMkLst>
-        </pc:picChg>
-      </pc:sldChg>
-      <pc:sldChg chg="modSp new mod">
-        <pc:chgData name="Uhr, Vinzenz Nathan (STUDENTS)" userId="f4f67b1a-e021-4569-b4a5-fe6b7216375a" providerId="ADAL" clId="{1B412370-03EF-43FC-8E5A-92C57D904F98}" dt="2023-12-17T13:01:14.321" v="2183" actId="20577"/>
-        <pc:sldMkLst>
-          <pc:docMk/>
-          <pc:sldMk cId="3708444663" sldId="361"/>
-        </pc:sldMkLst>
-        <pc:spChg chg="mod">
-          <ac:chgData name="Uhr, Vinzenz Nathan (STUDENTS)" userId="f4f67b1a-e021-4569-b4a5-fe6b7216375a" providerId="ADAL" clId="{1B412370-03EF-43FC-8E5A-92C57D904F98}" dt="2023-12-17T13:01:14.321" v="2183" actId="20577"/>
-          <ac:spMkLst>
-            <pc:docMk/>
-            <pc:sldMk cId="3708444663" sldId="361"/>
-            <ac:spMk id="4" creationId="{BEED3CE5-AF25-B789-B484-FC394F32703B}"/>
-          </ac:spMkLst>
-        </pc:spChg>
-        <pc:spChg chg="mod">
-          <ac:chgData name="Uhr, Vinzenz Nathan (STUDENTS)" userId="f4f67b1a-e021-4569-b4a5-fe6b7216375a" providerId="ADAL" clId="{1B412370-03EF-43FC-8E5A-92C57D904F98}" dt="2023-12-17T12:55:08.079" v="1717" actId="20577"/>
-          <ac:spMkLst>
-            <pc:docMk/>
-            <pc:sldMk cId="3708444663" sldId="361"/>
-            <ac:spMk id="8" creationId="{72B5AB08-A1FA-78E3-3960-A99497296E7D}"/>
-          </ac:spMkLst>
-        </pc:spChg>
-      </pc:sldChg>
-      <pc:sldChg chg="modSp add del mod">
-        <pc:chgData name="Uhr, Vinzenz Nathan (STUDENTS)" userId="f4f67b1a-e021-4569-b4a5-fe6b7216375a" providerId="ADAL" clId="{1B412370-03EF-43FC-8E5A-92C57D904F98}" dt="2023-12-17T14:40:07.893" v="3534" actId="47"/>
-        <pc:sldMkLst>
-          <pc:docMk/>
-          <pc:sldMk cId="29540087" sldId="362"/>
-        </pc:sldMkLst>
-        <pc:spChg chg="mod">
-          <ac:chgData name="Uhr, Vinzenz Nathan (STUDENTS)" userId="f4f67b1a-e021-4569-b4a5-fe6b7216375a" providerId="ADAL" clId="{1B412370-03EF-43FC-8E5A-92C57D904F98}" dt="2023-12-17T13:02:48.503" v="2199" actId="20577"/>
-          <ac:spMkLst>
-            <pc:docMk/>
-            <pc:sldMk cId="29540087" sldId="362"/>
-            <ac:spMk id="4" creationId="{695F92CF-A460-955B-BE6A-033972C8D7EF}"/>
-          </ac:spMkLst>
-        </pc:spChg>
-      </pc:sldChg>
-      <pc:sldChg chg="modSp new del mod">
-        <pc:chgData name="Uhr, Vinzenz Nathan (STUDENTS)" userId="f4f67b1a-e021-4569-b4a5-fe6b7216375a" providerId="ADAL" clId="{1B412370-03EF-43FC-8E5A-92C57D904F98}" dt="2023-12-17T12:57:43.718" v="1843" actId="47"/>
-        <pc:sldMkLst>
-          <pc:docMk/>
-          <pc:sldMk cId="1968228176" sldId="362"/>
-        </pc:sldMkLst>
-        <pc:spChg chg="mod">
-          <ac:chgData name="Uhr, Vinzenz Nathan (STUDENTS)" userId="f4f67b1a-e021-4569-b4a5-fe6b7216375a" providerId="ADAL" clId="{1B412370-03EF-43FC-8E5A-92C57D904F98}" dt="2023-12-17T12:55:38.746" v="1772" actId="20577"/>
-          <ac:spMkLst>
-            <pc:docMk/>
-            <pc:sldMk cId="1968228176" sldId="362"/>
-            <ac:spMk id="8" creationId="{17A14700-178B-F27B-1D19-44483E04A7DF}"/>
-          </ac:spMkLst>
-        </pc:spChg>
-      </pc:sldChg>
-      <pc:sldChg chg="addSp delSp modSp add mod">
-        <pc:chgData name="Uhr, Vinzenz Nathan (STUDENTS)" userId="f4f67b1a-e021-4569-b4a5-fe6b7216375a" providerId="ADAL" clId="{1B412370-03EF-43FC-8E5A-92C57D904F98}" dt="2023-12-17T15:45:12.230" v="3910" actId="207"/>
-        <pc:sldMkLst>
-          <pc:docMk/>
-          <pc:sldMk cId="1408582473" sldId="363"/>
-        </pc:sldMkLst>
-        <pc:spChg chg="mod">
-          <ac:chgData name="Uhr, Vinzenz Nathan (STUDENTS)" userId="f4f67b1a-e021-4569-b4a5-fe6b7216375a" providerId="ADAL" clId="{1B412370-03EF-43FC-8E5A-92C57D904F98}" dt="2023-12-17T15:42:30.077" v="3818" actId="20577"/>
-          <ac:spMkLst>
-            <pc:docMk/>
-            <pc:sldMk cId="1408582473" sldId="363"/>
-            <ac:spMk id="3" creationId="{B446FCBC-55A4-EF90-93EB-E2FB4D54B8AC}"/>
-          </ac:spMkLst>
-        </pc:spChg>
-        <pc:spChg chg="mod">
-          <ac:chgData name="Uhr, Vinzenz Nathan (STUDENTS)" userId="f4f67b1a-e021-4569-b4a5-fe6b7216375a" providerId="ADAL" clId="{1B412370-03EF-43FC-8E5A-92C57D904F98}" dt="2023-12-17T15:45:12.230" v="3910" actId="207"/>
-          <ac:spMkLst>
-            <pc:docMk/>
-            <pc:sldMk cId="1408582473" sldId="363"/>
-            <ac:spMk id="4" creationId="{07CCB809-4A35-AAA7-F903-AA60D27FBE35}"/>
-          </ac:spMkLst>
-        </pc:spChg>
-        <pc:spChg chg="mod">
-          <ac:chgData name="Uhr, Vinzenz Nathan (STUDENTS)" userId="f4f67b1a-e021-4569-b4a5-fe6b7216375a" providerId="ADAL" clId="{1B412370-03EF-43FC-8E5A-92C57D904F98}" dt="2023-12-17T14:41:07.807" v="3553" actId="13926"/>
-          <ac:spMkLst>
-            <pc:docMk/>
-            <pc:sldMk cId="1408582473" sldId="363"/>
-            <ac:spMk id="6" creationId="{2061B201-F227-FA31-2254-A7112A8171FC}"/>
-          </ac:spMkLst>
-        </pc:spChg>
-        <pc:spChg chg="mod">
-          <ac:chgData name="Uhr, Vinzenz Nathan (STUDENTS)" userId="f4f67b1a-e021-4569-b4a5-fe6b7216375a" providerId="ADAL" clId="{1B412370-03EF-43FC-8E5A-92C57D904F98}" dt="2023-12-17T13:17:48.061" v="2232" actId="20577"/>
-          <ac:spMkLst>
-            <pc:docMk/>
-            <pc:sldMk cId="1408582473" sldId="363"/>
-            <ac:spMk id="8" creationId="{C623C825-F4EC-9A85-5D47-75F36717A849}"/>
-          </ac:spMkLst>
-        </pc:spChg>
-        <pc:spChg chg="add mod">
-          <ac:chgData name="Uhr, Vinzenz Nathan (STUDENTS)" userId="f4f67b1a-e021-4569-b4a5-fe6b7216375a" providerId="ADAL" clId="{1B412370-03EF-43FC-8E5A-92C57D904F98}" dt="2023-12-17T15:44:46.919" v="3909" actId="1036"/>
-          <ac:spMkLst>
-            <pc:docMk/>
-            <pc:sldMk cId="1408582473" sldId="363"/>
-            <ac:spMk id="9" creationId="{5C1AC722-2F37-81F9-F766-EBC7EB33788B}"/>
-          </ac:spMkLst>
-        </pc:spChg>
-        <pc:picChg chg="add mod">
-          <ac:chgData name="Uhr, Vinzenz Nathan (STUDENTS)" userId="f4f67b1a-e021-4569-b4a5-fe6b7216375a" providerId="ADAL" clId="{1B412370-03EF-43FC-8E5A-92C57D904F98}" dt="2023-12-17T15:44:46.919" v="3909" actId="1036"/>
-          <ac:picMkLst>
-            <pc:docMk/>
-            <pc:sldMk cId="1408582473" sldId="363"/>
-            <ac:picMk id="11" creationId="{E43C456C-BE83-38EC-C63D-E191A20E45A0}"/>
-          </ac:picMkLst>
-        </pc:picChg>
-        <pc:picChg chg="add del mod">
-          <ac:chgData name="Uhr, Vinzenz Nathan (STUDENTS)" userId="f4f67b1a-e021-4569-b4a5-fe6b7216375a" providerId="ADAL" clId="{1B412370-03EF-43FC-8E5A-92C57D904F98}" dt="2023-12-17T15:40:23.916" v="3704" actId="478"/>
-          <ac:picMkLst>
-            <pc:docMk/>
-            <pc:sldMk cId="1408582473" sldId="363"/>
-            <ac:picMk id="12" creationId="{EF3D3CB8-87A9-33B1-A46B-A9F250377520}"/>
-          </ac:picMkLst>
-        </pc:picChg>
-      </pc:sldChg>
-      <pc:sldChg chg="addSp modSp new del mod">
-        <pc:chgData name="Uhr, Vinzenz Nathan (STUDENTS)" userId="f4f67b1a-e021-4569-b4a5-fe6b7216375a" providerId="ADAL" clId="{1B412370-03EF-43FC-8E5A-92C57D904F98}" dt="2023-12-17T13:46:56.731" v="2358" actId="47"/>
-        <pc:sldMkLst>
-          <pc:docMk/>
-          <pc:sldMk cId="3186789533" sldId="364"/>
-        </pc:sldMkLst>
-        <pc:spChg chg="mod">
-          <ac:chgData name="Uhr, Vinzenz Nathan (STUDENTS)" userId="f4f67b1a-e021-4569-b4a5-fe6b7216375a" providerId="ADAL" clId="{1B412370-03EF-43FC-8E5A-92C57D904F98}" dt="2023-12-17T13:19:27.954" v="2266" actId="20577"/>
-          <ac:spMkLst>
-            <pc:docMk/>
-            <pc:sldMk cId="3186789533" sldId="364"/>
-            <ac:spMk id="8" creationId="{AC7701F3-38ED-D65E-6070-B7BC3C6F687F}"/>
-          </ac:spMkLst>
-        </pc:spChg>
-        <pc:picChg chg="add mod">
-          <ac:chgData name="Uhr, Vinzenz Nathan (STUDENTS)" userId="f4f67b1a-e021-4569-b4a5-fe6b7216375a" providerId="ADAL" clId="{1B412370-03EF-43FC-8E5A-92C57D904F98}" dt="2023-12-17T13:21:52.894" v="2270" actId="14100"/>
-          <ac:picMkLst>
-            <pc:docMk/>
-            <pc:sldMk cId="3186789533" sldId="364"/>
-            <ac:picMk id="10" creationId="{A45D931B-BD2F-B062-AE02-0A144FC53503}"/>
-          </ac:picMkLst>
-        </pc:picChg>
-      </pc:sldChg>
-      <pc:sldChg chg="addSp delSp modSp add mod">
-        <pc:chgData name="Uhr, Vinzenz Nathan (STUDENTS)" userId="f4f67b1a-e021-4569-b4a5-fe6b7216375a" providerId="ADAL" clId="{1B412370-03EF-43FC-8E5A-92C57D904F98}" dt="2023-12-17T15:50:47.402" v="4024" actId="20577"/>
-        <pc:sldMkLst>
-          <pc:docMk/>
-          <pc:sldMk cId="2702227377" sldId="365"/>
-        </pc:sldMkLst>
-        <pc:spChg chg="mod">
-          <ac:chgData name="Uhr, Vinzenz Nathan (STUDENTS)" userId="f4f67b1a-e021-4569-b4a5-fe6b7216375a" providerId="ADAL" clId="{1B412370-03EF-43FC-8E5A-92C57D904F98}" dt="2023-12-17T15:37:54.325" v="3679" actId="13926"/>
-          <ac:spMkLst>
-            <pc:docMk/>
-            <pc:sldMk cId="2702227377" sldId="365"/>
-            <ac:spMk id="3" creationId="{65C54322-3AFB-6B90-7991-F5DCF32419DC}"/>
-          </ac:spMkLst>
-        </pc:spChg>
-        <pc:spChg chg="mod">
-          <ac:chgData name="Uhr, Vinzenz Nathan (STUDENTS)" userId="f4f67b1a-e021-4569-b4a5-fe6b7216375a" providerId="ADAL" clId="{1B412370-03EF-43FC-8E5A-92C57D904F98}" dt="2023-12-17T15:50:47.402" v="4024" actId="20577"/>
-          <ac:spMkLst>
-            <pc:docMk/>
-            <pc:sldMk cId="2702227377" sldId="365"/>
-            <ac:spMk id="4" creationId="{72D67A95-CBDB-2F4F-4B63-419F5AD03318}"/>
-          </ac:spMkLst>
-        </pc:spChg>
-        <pc:spChg chg="add del mod ord">
-          <ac:chgData name="Uhr, Vinzenz Nathan (STUDENTS)" userId="f4f67b1a-e021-4569-b4a5-fe6b7216375a" providerId="ADAL" clId="{1B412370-03EF-43FC-8E5A-92C57D904F98}" dt="2023-12-17T15:50:11.432" v="4012" actId="167"/>
-          <ac:spMkLst>
-            <pc:docMk/>
-            <pc:sldMk cId="2702227377" sldId="365"/>
-            <ac:spMk id="6" creationId="{C2378552-6982-B224-57A9-A5FE26C7ECB1}"/>
-          </ac:spMkLst>
-        </pc:spChg>
-        <pc:spChg chg="mod">
-          <ac:chgData name="Uhr, Vinzenz Nathan (STUDENTS)" userId="f4f67b1a-e021-4569-b4a5-fe6b7216375a" providerId="ADAL" clId="{1B412370-03EF-43FC-8E5A-92C57D904F98}" dt="2023-12-17T13:22:04.556" v="2272"/>
-          <ac:spMkLst>
-            <pc:docMk/>
-            <pc:sldMk cId="2702227377" sldId="365"/>
-            <ac:spMk id="8" creationId="{47E7FE34-E313-80E1-3542-E7E7C9E83C35}"/>
-          </ac:spMkLst>
-        </pc:spChg>
-        <pc:spChg chg="add del mod">
-          <ac:chgData name="Uhr, Vinzenz Nathan (STUDENTS)" userId="f4f67b1a-e021-4569-b4a5-fe6b7216375a" providerId="ADAL" clId="{1B412370-03EF-43FC-8E5A-92C57D904F98}" dt="2023-12-17T13:22:31.640" v="2281" actId="478"/>
-          <ac:spMkLst>
-            <pc:docMk/>
-            <pc:sldMk cId="2702227377" sldId="365"/>
-            <ac:spMk id="11" creationId="{384593E6-A676-E636-6B6D-41282F9A0B1F}"/>
-          </ac:spMkLst>
-        </pc:spChg>
-        <pc:picChg chg="add del mod ord">
-          <ac:chgData name="Uhr, Vinzenz Nathan (STUDENTS)" userId="f4f67b1a-e021-4569-b4a5-fe6b7216375a" providerId="ADAL" clId="{1B412370-03EF-43FC-8E5A-92C57D904F98}" dt="2023-12-17T13:46:52.300" v="2357" actId="478"/>
-          <ac:picMkLst>
-            <pc:docMk/>
-            <pc:sldMk cId="2702227377" sldId="365"/>
-            <ac:picMk id="9" creationId="{1EC5430D-6DC1-DEC1-C51F-14FCB805142D}"/>
-          </ac:picMkLst>
-        </pc:picChg>
-        <pc:picChg chg="del">
-          <ac:chgData name="Uhr, Vinzenz Nathan (STUDENTS)" userId="f4f67b1a-e021-4569-b4a5-fe6b7216375a" providerId="ADAL" clId="{1B412370-03EF-43FC-8E5A-92C57D904F98}" dt="2023-12-17T13:22:22.259" v="2279" actId="478"/>
-          <ac:picMkLst>
-            <pc:docMk/>
-            <pc:sldMk cId="2702227377" sldId="365"/>
-            <ac:picMk id="12" creationId="{0BEB866B-6D46-2FEE-2ABF-86E5621D8507}"/>
-          </ac:picMkLst>
-        </pc:picChg>
-        <pc:picChg chg="add del mod">
-          <ac:chgData name="Uhr, Vinzenz Nathan (STUDENTS)" userId="f4f67b1a-e021-4569-b4a5-fe6b7216375a" providerId="ADAL" clId="{1B412370-03EF-43FC-8E5A-92C57D904F98}" dt="2023-12-17T15:50:07.903" v="4011" actId="478"/>
-          <ac:picMkLst>
-            <pc:docMk/>
-            <pc:sldMk cId="2702227377" sldId="365"/>
-            <ac:picMk id="14" creationId="{6A148630-B2D7-DD78-DAE0-46D58B433933}"/>
-          </ac:picMkLst>
-        </pc:picChg>
-        <pc:picChg chg="add del mod">
-          <ac:chgData name="Uhr, Vinzenz Nathan (STUDENTS)" userId="f4f67b1a-e021-4569-b4a5-fe6b7216375a" providerId="ADAL" clId="{1B412370-03EF-43FC-8E5A-92C57D904F98}" dt="2023-12-17T15:35:24.749" v="3564" actId="478"/>
-          <ac:picMkLst>
-            <pc:docMk/>
-            <pc:sldMk cId="2702227377" sldId="365"/>
-            <ac:picMk id="15" creationId="{AE570718-05B2-9A03-0E1B-4B66AFC5C7C8}"/>
-          </ac:picMkLst>
-        </pc:picChg>
-        <pc:picChg chg="add mod ord">
-          <ac:chgData name="Uhr, Vinzenz Nathan (STUDENTS)" userId="f4f67b1a-e021-4569-b4a5-fe6b7216375a" providerId="ADAL" clId="{1B412370-03EF-43FC-8E5A-92C57D904F98}" dt="2023-12-17T15:50:14.187" v="4013" actId="166"/>
-          <ac:picMkLst>
-            <pc:docMk/>
-            <pc:sldMk cId="2702227377" sldId="365"/>
-            <ac:picMk id="17" creationId="{2A630AFF-7CF1-C8CF-BAE0-ADE035A50284}"/>
-          </ac:picMkLst>
-        </pc:picChg>
-      </pc:sldChg>
-      <pc:sldChg chg="addSp delSp modSp new mod">
-        <pc:chgData name="Uhr, Vinzenz Nathan (STUDENTS)" userId="f4f67b1a-e021-4569-b4a5-fe6b7216375a" providerId="ADAL" clId="{1B412370-03EF-43FC-8E5A-92C57D904F98}" dt="2023-12-17T13:48:27.956" v="2393" actId="478"/>
-        <pc:sldMkLst>
-          <pc:docMk/>
-          <pc:sldMk cId="2412273423" sldId="366"/>
-        </pc:sldMkLst>
-        <pc:spChg chg="del">
-          <ac:chgData name="Uhr, Vinzenz Nathan (STUDENTS)" userId="f4f67b1a-e021-4569-b4a5-fe6b7216375a" providerId="ADAL" clId="{1B412370-03EF-43FC-8E5A-92C57D904F98}" dt="2023-12-17T13:48:27.956" v="2393" actId="478"/>
-          <ac:spMkLst>
-            <pc:docMk/>
-            <pc:sldMk cId="2412273423" sldId="366"/>
-            <ac:spMk id="2" creationId="{1A44AD57-923D-98B6-0710-BE55FB8DDC77}"/>
-          </ac:spMkLst>
-        </pc:spChg>
-        <pc:spChg chg="mod">
-          <ac:chgData name="Uhr, Vinzenz Nathan (STUDENTS)" userId="f4f67b1a-e021-4569-b4a5-fe6b7216375a" providerId="ADAL" clId="{1B412370-03EF-43FC-8E5A-92C57D904F98}" dt="2023-12-17T13:48:24.947" v="2392" actId="20577"/>
-          <ac:spMkLst>
-            <pc:docMk/>
-            <pc:sldMk cId="2412273423" sldId="366"/>
-            <ac:spMk id="8" creationId="{3780F98F-B245-3FF5-69BD-C5D7D2D1BBE9}"/>
-          </ac:spMkLst>
-        </pc:spChg>
-        <pc:picChg chg="add mod">
-          <ac:chgData name="Uhr, Vinzenz Nathan (STUDENTS)" userId="f4f67b1a-e021-4569-b4a5-fe6b7216375a" providerId="ADAL" clId="{1B412370-03EF-43FC-8E5A-92C57D904F98}" dt="2023-12-17T13:48:20.868" v="2375" actId="1076"/>
-          <ac:picMkLst>
-            <pc:docMk/>
-            <pc:sldMk cId="2412273423" sldId="366"/>
-            <ac:picMk id="10" creationId="{989CB69D-D768-53EB-44C7-6EEA5C5282C5}"/>
-          </ac:picMkLst>
-        </pc:picChg>
-      </pc:sldChg>
-      <pc:sldChg chg="modSp add del mod">
-        <pc:chgData name="Uhr, Vinzenz Nathan (STUDENTS)" userId="f4f67b1a-e021-4569-b4a5-fe6b7216375a" providerId="ADAL" clId="{1B412370-03EF-43FC-8E5A-92C57D904F98}" dt="2023-12-17T14:40:38.276" v="3547" actId="47"/>
-        <pc:sldMkLst>
-          <pc:docMk/>
-          <pc:sldMk cId="1116412714" sldId="367"/>
-        </pc:sldMkLst>
-        <pc:spChg chg="mod">
-          <ac:chgData name="Uhr, Vinzenz Nathan (STUDENTS)" userId="f4f67b1a-e021-4569-b4a5-fe6b7216375a" providerId="ADAL" clId="{1B412370-03EF-43FC-8E5A-92C57D904F98}" dt="2023-12-17T13:47:37.804" v="2373" actId="20577"/>
-          <ac:spMkLst>
-            <pc:docMk/>
-            <pc:sldMk cId="1116412714" sldId="367"/>
-            <ac:spMk id="4" creationId="{695F92CF-A460-955B-BE6A-033972C8D7EF}"/>
-          </ac:spMkLst>
-        </pc:spChg>
-      </pc:sldChg>
-      <pc:sldChg chg="new del">
-        <pc:chgData name="Uhr, Vinzenz Nathan (STUDENTS)" userId="f4f67b1a-e021-4569-b4a5-fe6b7216375a" providerId="ADAL" clId="{1B412370-03EF-43FC-8E5A-92C57D904F98}" dt="2023-12-17T13:48:34.493" v="2395" actId="47"/>
-        <pc:sldMkLst>
-          <pc:docMk/>
-          <pc:sldMk cId="3115408663" sldId="368"/>
-        </pc:sldMkLst>
-      </pc:sldChg>
-      <pc:sldChg chg="addSp delSp modSp add mod">
-        <pc:chgData name="Uhr, Vinzenz Nathan (STUDENTS)" userId="f4f67b1a-e021-4569-b4a5-fe6b7216375a" providerId="ADAL" clId="{1B412370-03EF-43FC-8E5A-92C57D904F98}" dt="2023-12-17T16:17:40.486" v="4133" actId="1076"/>
-        <pc:sldMkLst>
-          <pc:docMk/>
-          <pc:sldMk cId="3469000355" sldId="368"/>
-        </pc:sldMkLst>
-        <pc:spChg chg="mod">
-          <ac:chgData name="Uhr, Vinzenz Nathan (STUDENTS)" userId="f4f67b1a-e021-4569-b4a5-fe6b7216375a" providerId="ADAL" clId="{1B412370-03EF-43FC-8E5A-92C57D904F98}" dt="2023-12-17T16:16:26.836" v="4126" actId="13926"/>
-          <ac:spMkLst>
-            <pc:docMk/>
-            <pc:sldMk cId="3469000355" sldId="368"/>
-            <ac:spMk id="4" creationId="{72D67A95-CBDB-2F4F-4B63-419F5AD03318}"/>
-          </ac:spMkLst>
-        </pc:spChg>
-        <pc:spChg chg="mod">
-          <ac:chgData name="Uhr, Vinzenz Nathan (STUDENTS)" userId="f4f67b1a-e021-4569-b4a5-fe6b7216375a" providerId="ADAL" clId="{1B412370-03EF-43FC-8E5A-92C57D904F98}" dt="2023-12-17T16:17:35.961" v="4132" actId="20577"/>
-          <ac:spMkLst>
-            <pc:docMk/>
-            <pc:sldMk cId="3469000355" sldId="368"/>
-            <ac:spMk id="6" creationId="{C2378552-6982-B224-57A9-A5FE26C7ECB1}"/>
-          </ac:spMkLst>
-        </pc:spChg>
-        <pc:spChg chg="mod">
-          <ac:chgData name="Uhr, Vinzenz Nathan (STUDENTS)" userId="f4f67b1a-e021-4569-b4a5-fe6b7216375a" providerId="ADAL" clId="{1B412370-03EF-43FC-8E5A-92C57D904F98}" dt="2023-12-17T14:41:21.921" v="3556" actId="20577"/>
-          <ac:spMkLst>
-            <pc:docMk/>
-            <pc:sldMk cId="3469000355" sldId="368"/>
-            <ac:spMk id="8" creationId="{47E7FE34-E313-80E1-3542-E7E7C9E83C35}"/>
-          </ac:spMkLst>
-        </pc:spChg>
-        <pc:picChg chg="add mod">
-          <ac:chgData name="Uhr, Vinzenz Nathan (STUDENTS)" userId="f4f67b1a-e021-4569-b4a5-fe6b7216375a" providerId="ADAL" clId="{1B412370-03EF-43FC-8E5A-92C57D904F98}" dt="2023-12-17T16:17:40.486" v="4133" actId="1076"/>
-          <ac:picMkLst>
-            <pc:docMk/>
-            <pc:sldMk cId="3469000355" sldId="368"/>
-            <ac:picMk id="10" creationId="{ABE87ED6-25B2-37CB-FAC0-E4A9C12A21FA}"/>
-          </ac:picMkLst>
-        </pc:picChg>
-        <pc:picChg chg="del">
-          <ac:chgData name="Uhr, Vinzenz Nathan (STUDENTS)" userId="f4f67b1a-e021-4569-b4a5-fe6b7216375a" providerId="ADAL" clId="{1B412370-03EF-43FC-8E5A-92C57D904F98}" dt="2023-12-17T16:17:33.634" v="4131" actId="478"/>
-          <ac:picMkLst>
-            <pc:docMk/>
-            <pc:sldMk cId="3469000355" sldId="368"/>
-            <ac:picMk id="12" creationId="{0BEB866B-6D46-2FEE-2ABF-86E5621D8507}"/>
-          </ac:picMkLst>
-        </pc:picChg>
-      </pc:sldChg>
-      <pc:sldChg chg="modSp add del mod">
-        <pc:chgData name="Uhr, Vinzenz Nathan (STUDENTS)" userId="f4f67b1a-e021-4569-b4a5-fe6b7216375a" providerId="ADAL" clId="{1B412370-03EF-43FC-8E5A-92C57D904F98}" dt="2023-12-17T14:40:13.503" v="3536" actId="47"/>
-        <pc:sldMkLst>
-          <pc:docMk/>
-          <pc:sldMk cId="420999742" sldId="369"/>
-        </pc:sldMkLst>
-        <pc:spChg chg="mod">
-          <ac:chgData name="Uhr, Vinzenz Nathan (STUDENTS)" userId="f4f67b1a-e021-4569-b4a5-fe6b7216375a" providerId="ADAL" clId="{1B412370-03EF-43FC-8E5A-92C57D904F98}" dt="2023-12-17T13:51:51.421" v="2642" actId="20577"/>
-          <ac:spMkLst>
-            <pc:docMk/>
-            <pc:sldMk cId="420999742" sldId="369"/>
-            <ac:spMk id="4" creationId="{695F92CF-A460-955B-BE6A-033972C8D7EF}"/>
-          </ac:spMkLst>
-        </pc:spChg>
-      </pc:sldChg>
-      <pc:sldChg chg="delSp modSp add mod">
-        <pc:chgData name="Uhr, Vinzenz Nathan (STUDENTS)" userId="f4f67b1a-e021-4569-b4a5-fe6b7216375a" providerId="ADAL" clId="{1B412370-03EF-43FC-8E5A-92C57D904F98}" dt="2023-12-17T16:18:27.951" v="4135" actId="13926"/>
-        <pc:sldMkLst>
-          <pc:docMk/>
-          <pc:sldMk cId="113158588" sldId="370"/>
-        </pc:sldMkLst>
-        <pc:spChg chg="mod">
-          <ac:chgData name="Uhr, Vinzenz Nathan (STUDENTS)" userId="f4f67b1a-e021-4569-b4a5-fe6b7216375a" providerId="ADAL" clId="{1B412370-03EF-43FC-8E5A-92C57D904F98}" dt="2023-12-17T13:51:00.336" v="2534" actId="20577"/>
-          <ac:spMkLst>
-            <pc:docMk/>
-            <pc:sldMk cId="113158588" sldId="370"/>
-            <ac:spMk id="3" creationId="{65C54322-3AFB-6B90-7991-F5DCF32419DC}"/>
-          </ac:spMkLst>
-        </pc:spChg>
-        <pc:spChg chg="mod">
-          <ac:chgData name="Uhr, Vinzenz Nathan (STUDENTS)" userId="f4f67b1a-e021-4569-b4a5-fe6b7216375a" providerId="ADAL" clId="{1B412370-03EF-43FC-8E5A-92C57D904F98}" dt="2023-12-17T16:18:27.951" v="4135" actId="13926"/>
-          <ac:spMkLst>
-            <pc:docMk/>
-            <pc:sldMk cId="113158588" sldId="370"/>
-            <ac:spMk id="4" creationId="{72D67A95-CBDB-2F4F-4B63-419F5AD03318}"/>
-          </ac:spMkLst>
-        </pc:spChg>
-        <pc:spChg chg="mod">
-          <ac:chgData name="Uhr, Vinzenz Nathan (STUDENTS)" userId="f4f67b1a-e021-4569-b4a5-fe6b7216375a" providerId="ADAL" clId="{1B412370-03EF-43FC-8E5A-92C57D904F98}" dt="2023-12-17T13:52:22.108" v="2672" actId="20577"/>
-          <ac:spMkLst>
-            <pc:docMk/>
-            <pc:sldMk cId="113158588" sldId="370"/>
-            <ac:spMk id="6" creationId="{C2378552-6982-B224-57A9-A5FE26C7ECB1}"/>
-          </ac:spMkLst>
-        </pc:spChg>
-        <pc:spChg chg="mod">
-          <ac:chgData name="Uhr, Vinzenz Nathan (STUDENTS)" userId="f4f67b1a-e021-4569-b4a5-fe6b7216375a" providerId="ADAL" clId="{1B412370-03EF-43FC-8E5A-92C57D904F98}" dt="2023-12-17T13:52:09.185" v="2661" actId="20577"/>
-          <ac:spMkLst>
-            <pc:docMk/>
-            <pc:sldMk cId="113158588" sldId="370"/>
-            <ac:spMk id="8" creationId="{47E7FE34-E313-80E1-3542-E7E7C9E83C35}"/>
-          </ac:spMkLst>
-        </pc:spChg>
-        <pc:picChg chg="del">
-          <ac:chgData name="Uhr, Vinzenz Nathan (STUDENTS)" userId="f4f67b1a-e021-4569-b4a5-fe6b7216375a" providerId="ADAL" clId="{1B412370-03EF-43FC-8E5A-92C57D904F98}" dt="2023-12-17T13:52:19.005" v="2669" actId="478"/>
-          <ac:picMkLst>
-            <pc:docMk/>
-            <pc:sldMk cId="113158588" sldId="370"/>
-            <ac:picMk id="12" creationId="{0BEB866B-6D46-2FEE-2ABF-86E5621D8507}"/>
-          </ac:picMkLst>
-        </pc:picChg>
-      </pc:sldChg>
-      <pc:sldChg chg="delSp modSp add mod ord">
-        <pc:chgData name="Uhr, Vinzenz Nathan (STUDENTS)" userId="f4f67b1a-e021-4569-b4a5-fe6b7216375a" providerId="ADAL" clId="{1B412370-03EF-43FC-8E5A-92C57D904F98}" dt="2023-12-17T14:03:31.005" v="3000" actId="478"/>
-        <pc:sldMkLst>
-          <pc:docMk/>
-          <pc:sldMk cId="1108949480" sldId="371"/>
-        </pc:sldMkLst>
-        <pc:spChg chg="mod">
-          <ac:chgData name="Uhr, Vinzenz Nathan (STUDENTS)" userId="f4f67b1a-e021-4569-b4a5-fe6b7216375a" providerId="ADAL" clId="{1B412370-03EF-43FC-8E5A-92C57D904F98}" dt="2023-12-17T14:03:30.565" v="2999" actId="20577"/>
-          <ac:spMkLst>
-            <pc:docMk/>
-            <pc:sldMk cId="1108949480" sldId="371"/>
-            <ac:spMk id="6" creationId="{C2378552-6982-B224-57A9-A5FE26C7ECB1}"/>
-          </ac:spMkLst>
-        </pc:spChg>
-        <pc:picChg chg="del">
-          <ac:chgData name="Uhr, Vinzenz Nathan (STUDENTS)" userId="f4f67b1a-e021-4569-b4a5-fe6b7216375a" providerId="ADAL" clId="{1B412370-03EF-43FC-8E5A-92C57D904F98}" dt="2023-12-17T14:03:31.005" v="3000" actId="478"/>
-          <ac:picMkLst>
-            <pc:docMk/>
-            <pc:sldMk cId="1108949480" sldId="371"/>
-            <ac:picMk id="12" creationId="{0BEB866B-6D46-2FEE-2ABF-86E5621D8507}"/>
-          </ac:picMkLst>
-        </pc:picChg>
-      </pc:sldChg>
-      <pc:sldChg chg="addSp modSp new mod modNotesTx">
-        <pc:chgData name="Uhr, Vinzenz Nathan (STUDENTS)" userId="f4f67b1a-e021-4569-b4a5-fe6b7216375a" providerId="ADAL" clId="{1B412370-03EF-43FC-8E5A-92C57D904F98}" dt="2023-12-17T15:59:46.386" v="4125" actId="20577"/>
-        <pc:sldMkLst>
-          <pc:docMk/>
-          <pc:sldMk cId="2125074707" sldId="372"/>
-        </pc:sldMkLst>
-        <pc:spChg chg="mod">
-          <ac:chgData name="Uhr, Vinzenz Nathan (STUDENTS)" userId="f4f67b1a-e021-4569-b4a5-fe6b7216375a" providerId="ADAL" clId="{1B412370-03EF-43FC-8E5A-92C57D904F98}" dt="2023-12-17T15:59:46.386" v="4125" actId="20577"/>
-          <ac:spMkLst>
-            <pc:docMk/>
-            <pc:sldMk cId="2125074707" sldId="372"/>
-            <ac:spMk id="4" creationId="{3A20D528-4AAF-7815-962E-52C8B803213F}"/>
-          </ac:spMkLst>
-        </pc:spChg>
-        <pc:spChg chg="mod">
-          <ac:chgData name="Uhr, Vinzenz Nathan (STUDENTS)" userId="f4f67b1a-e021-4569-b4a5-fe6b7216375a" providerId="ADAL" clId="{1B412370-03EF-43FC-8E5A-92C57D904F98}" dt="2023-12-17T13:56:09.234" v="2919" actId="20577"/>
-          <ac:spMkLst>
-            <pc:docMk/>
-            <pc:sldMk cId="2125074707" sldId="372"/>
-            <ac:spMk id="6" creationId="{4485FE72-2E3C-4683-BF7E-AF27A2C65C5B}"/>
-          </ac:spMkLst>
-        </pc:spChg>
-        <pc:spChg chg="mod">
-          <ac:chgData name="Uhr, Vinzenz Nathan (STUDENTS)" userId="f4f67b1a-e021-4569-b4a5-fe6b7216375a" providerId="ADAL" clId="{1B412370-03EF-43FC-8E5A-92C57D904F98}" dt="2023-12-17T13:52:35.517" v="2699" actId="20577"/>
-          <ac:spMkLst>
-            <pc:docMk/>
-            <pc:sldMk cId="2125074707" sldId="372"/>
-            <ac:spMk id="8" creationId="{DEBEDC3D-6F6C-5D18-3F70-89CAFDE94F94}"/>
-          </ac:spMkLst>
-        </pc:spChg>
-        <pc:picChg chg="add mod">
-          <ac:chgData name="Uhr, Vinzenz Nathan (STUDENTS)" userId="f4f67b1a-e021-4569-b4a5-fe6b7216375a" providerId="ADAL" clId="{1B412370-03EF-43FC-8E5A-92C57D904F98}" dt="2023-12-17T13:55:54.950" v="2875" actId="14100"/>
-          <ac:picMkLst>
-            <pc:docMk/>
-            <pc:sldMk cId="2125074707" sldId="372"/>
-            <ac:picMk id="10" creationId="{CE4F7A03-E7D6-4149-B5C0-21F5A8CABB5B}"/>
-          </ac:picMkLst>
-        </pc:picChg>
-      </pc:sldChg>
-      <pc:sldChg chg="modSp new mod">
-        <pc:chgData name="Uhr, Vinzenz Nathan (STUDENTS)" userId="f4f67b1a-e021-4569-b4a5-fe6b7216375a" providerId="ADAL" clId="{1B412370-03EF-43FC-8E5A-92C57D904F98}" dt="2023-12-17T14:38:43.197" v="3501" actId="20577"/>
-        <pc:sldMkLst>
-          <pc:docMk/>
-          <pc:sldMk cId="555448415" sldId="373"/>
-        </pc:sldMkLst>
-        <pc:spChg chg="mod">
-          <ac:chgData name="Uhr, Vinzenz Nathan (STUDENTS)" userId="f4f67b1a-e021-4569-b4a5-fe6b7216375a" providerId="ADAL" clId="{1B412370-03EF-43FC-8E5A-92C57D904F98}" dt="2023-12-17T14:38:43.197" v="3501" actId="20577"/>
-          <ac:spMkLst>
-            <pc:docMk/>
-            <pc:sldMk cId="555448415" sldId="373"/>
-            <ac:spMk id="3" creationId="{EF29294F-99C7-DC8B-3428-F47525B2AB56}"/>
-          </ac:spMkLst>
-        </pc:spChg>
-        <pc:spChg chg="mod">
-          <ac:chgData name="Uhr, Vinzenz Nathan (STUDENTS)" userId="f4f67b1a-e021-4569-b4a5-fe6b7216375a" providerId="ADAL" clId="{1B412370-03EF-43FC-8E5A-92C57D904F98}" dt="2023-12-17T14:37:53.993" v="3404"/>
-          <ac:spMkLst>
-            <pc:docMk/>
-            <pc:sldMk cId="555448415" sldId="373"/>
-            <ac:spMk id="6" creationId="{94CDB2C8-9321-68C5-2C0A-8EC29894AD56}"/>
-          </ac:spMkLst>
-        </pc:spChg>
-      </pc:sldChg>
-      <pc:sldChg chg="new del">
-        <pc:chgData name="Uhr, Vinzenz Nathan (STUDENTS)" userId="f4f67b1a-e021-4569-b4a5-fe6b7216375a" providerId="ADAL" clId="{1B412370-03EF-43FC-8E5A-92C57D904F98}" dt="2023-12-17T14:32:45.701" v="3395" actId="47"/>
-        <pc:sldMkLst>
-          <pc:docMk/>
-          <pc:sldMk cId="1490057299" sldId="373"/>
-        </pc:sldMkLst>
-      </pc:sldChg>
-      <pc:sldChg chg="modSp add mod">
-        <pc:chgData name="Uhr, Vinzenz Nathan (STUDENTS)" userId="f4f67b1a-e021-4569-b4a5-fe6b7216375a" providerId="ADAL" clId="{1B412370-03EF-43FC-8E5A-92C57D904F98}" dt="2023-12-17T14:39:18.889" v="3520" actId="207"/>
-        <pc:sldMkLst>
-          <pc:docMk/>
-          <pc:sldMk cId="572200740" sldId="374"/>
-        </pc:sldMkLst>
-        <pc:spChg chg="mod">
-          <ac:chgData name="Uhr, Vinzenz Nathan (STUDENTS)" userId="f4f67b1a-e021-4569-b4a5-fe6b7216375a" providerId="ADAL" clId="{1B412370-03EF-43FC-8E5A-92C57D904F98}" dt="2023-12-17T14:38:56.350" v="3504" actId="207"/>
-          <ac:spMkLst>
-            <pc:docMk/>
-            <pc:sldMk cId="572200740" sldId="374"/>
-            <ac:spMk id="3" creationId="{EF29294F-99C7-DC8B-3428-F47525B2AB56}"/>
-          </ac:spMkLst>
-        </pc:spChg>
-        <pc:spChg chg="mod">
-          <ac:chgData name="Uhr, Vinzenz Nathan (STUDENTS)" userId="f4f67b1a-e021-4569-b4a5-fe6b7216375a" providerId="ADAL" clId="{1B412370-03EF-43FC-8E5A-92C57D904F98}" dt="2023-12-17T14:39:18.889" v="3520" actId="207"/>
-          <ac:spMkLst>
-            <pc:docMk/>
-            <pc:sldMk cId="572200740" sldId="374"/>
-            <ac:spMk id="6" creationId="{94CDB2C8-9321-68C5-2C0A-8EC29894AD56}"/>
-          </ac:spMkLst>
-        </pc:spChg>
-      </pc:sldChg>
-      <pc:sldChg chg="add del">
-        <pc:chgData name="Uhr, Vinzenz Nathan (STUDENTS)" userId="f4f67b1a-e021-4569-b4a5-fe6b7216375a" providerId="ADAL" clId="{1B412370-03EF-43FC-8E5A-92C57D904F98}" dt="2023-12-17T14:39:03.319" v="3507"/>
-        <pc:sldMkLst>
-          <pc:docMk/>
-          <pc:sldMk cId="125382474" sldId="375"/>
-        </pc:sldMkLst>
-      </pc:sldChg>
-      <pc:sldChg chg="modSp add mod">
-        <pc:chgData name="Uhr, Vinzenz Nathan (STUDENTS)" userId="f4f67b1a-e021-4569-b4a5-fe6b7216375a" providerId="ADAL" clId="{1B412370-03EF-43FC-8E5A-92C57D904F98}" dt="2023-12-17T14:39:32.713" v="3523" actId="207"/>
-        <pc:sldMkLst>
-          <pc:docMk/>
-          <pc:sldMk cId="3960754585" sldId="375"/>
-        </pc:sldMkLst>
-        <pc:spChg chg="mod">
-          <ac:chgData name="Uhr, Vinzenz Nathan (STUDENTS)" userId="f4f67b1a-e021-4569-b4a5-fe6b7216375a" providerId="ADAL" clId="{1B412370-03EF-43FC-8E5A-92C57D904F98}" dt="2023-12-17T14:39:29.715" v="3522" actId="207"/>
-          <ac:spMkLst>
-            <pc:docMk/>
-            <pc:sldMk cId="3960754585" sldId="375"/>
-            <ac:spMk id="3" creationId="{EF29294F-99C7-DC8B-3428-F47525B2AB56}"/>
-          </ac:spMkLst>
-        </pc:spChg>
-        <pc:spChg chg="mod">
-          <ac:chgData name="Uhr, Vinzenz Nathan (STUDENTS)" userId="f4f67b1a-e021-4569-b4a5-fe6b7216375a" providerId="ADAL" clId="{1B412370-03EF-43FC-8E5A-92C57D904F98}" dt="2023-12-17T14:39:32.713" v="3523" actId="207"/>
-          <ac:spMkLst>
-            <pc:docMk/>
-            <pc:sldMk cId="3960754585" sldId="375"/>
-            <ac:spMk id="6" creationId="{94CDB2C8-9321-68C5-2C0A-8EC29894AD56}"/>
-          </ac:spMkLst>
-        </pc:spChg>
-      </pc:sldChg>
-      <pc:sldChg chg="modSp add mod">
-        <pc:chgData name="Uhr, Vinzenz Nathan (STUDENTS)" userId="f4f67b1a-e021-4569-b4a5-fe6b7216375a" providerId="ADAL" clId="{1B412370-03EF-43FC-8E5A-92C57D904F98}" dt="2023-12-17T14:39:48.566" v="3528" actId="207"/>
-        <pc:sldMkLst>
-          <pc:docMk/>
-          <pc:sldMk cId="997670502" sldId="376"/>
-        </pc:sldMkLst>
-        <pc:spChg chg="mod">
-          <ac:chgData name="Uhr, Vinzenz Nathan (STUDENTS)" userId="f4f67b1a-e021-4569-b4a5-fe6b7216375a" providerId="ADAL" clId="{1B412370-03EF-43FC-8E5A-92C57D904F98}" dt="2023-12-17T14:39:48.566" v="3528" actId="207"/>
-          <ac:spMkLst>
-            <pc:docMk/>
-            <pc:sldMk cId="997670502" sldId="376"/>
-            <ac:spMk id="3" creationId="{EF29294F-99C7-DC8B-3428-F47525B2AB56}"/>
-          </ac:spMkLst>
-        </pc:spChg>
-        <pc:spChg chg="mod">
-          <ac:chgData name="Uhr, Vinzenz Nathan (STUDENTS)" userId="f4f67b1a-e021-4569-b4a5-fe6b7216375a" providerId="ADAL" clId="{1B412370-03EF-43FC-8E5A-92C57D904F98}" dt="2023-12-17T14:39:46.427" v="3527" actId="207"/>
-          <ac:spMkLst>
-            <pc:docMk/>
-            <pc:sldMk cId="997670502" sldId="376"/>
-            <ac:spMk id="6" creationId="{94CDB2C8-9321-68C5-2C0A-8EC29894AD56}"/>
-          </ac:spMkLst>
-        </pc:spChg>
-      </pc:sldChg>
-      <pc:sldChg chg="modSp add mod">
-        <pc:chgData name="Uhr, Vinzenz Nathan (STUDENTS)" userId="f4f67b1a-e021-4569-b4a5-fe6b7216375a" providerId="ADAL" clId="{1B412370-03EF-43FC-8E5A-92C57D904F98}" dt="2023-12-17T14:40:06.315" v="3533" actId="207"/>
-        <pc:sldMkLst>
-          <pc:docMk/>
-          <pc:sldMk cId="2536002390" sldId="377"/>
-        </pc:sldMkLst>
-        <pc:spChg chg="mod">
-          <ac:chgData name="Uhr, Vinzenz Nathan (STUDENTS)" userId="f4f67b1a-e021-4569-b4a5-fe6b7216375a" providerId="ADAL" clId="{1B412370-03EF-43FC-8E5A-92C57D904F98}" dt="2023-12-17T14:40:06.315" v="3533" actId="207"/>
-          <ac:spMkLst>
-            <pc:docMk/>
-            <pc:sldMk cId="2536002390" sldId="377"/>
-            <ac:spMk id="3" creationId="{EF29294F-99C7-DC8B-3428-F47525B2AB56}"/>
-          </ac:spMkLst>
-        </pc:spChg>
-        <pc:spChg chg="mod">
-          <ac:chgData name="Uhr, Vinzenz Nathan (STUDENTS)" userId="f4f67b1a-e021-4569-b4a5-fe6b7216375a" providerId="ADAL" clId="{1B412370-03EF-43FC-8E5A-92C57D904F98}" dt="2023-12-17T14:40:02.870" v="3532" actId="207"/>
-          <ac:spMkLst>
-            <pc:docMk/>
-            <pc:sldMk cId="2536002390" sldId="377"/>
-            <ac:spMk id="6" creationId="{94CDB2C8-9321-68C5-2C0A-8EC29894AD56}"/>
-          </ac:spMkLst>
-        </pc:spChg>
-      </pc:sldChg>
-      <pc:sldChg chg="modSp add mod">
-        <pc:chgData name="Uhr, Vinzenz Nathan (STUDENTS)" userId="f4f67b1a-e021-4569-b4a5-fe6b7216375a" providerId="ADAL" clId="{1B412370-03EF-43FC-8E5A-92C57D904F98}" dt="2023-12-17T14:40:23.456" v="3540" actId="207"/>
-        <pc:sldMkLst>
-          <pc:docMk/>
-          <pc:sldMk cId="1133864350" sldId="378"/>
-        </pc:sldMkLst>
-        <pc:spChg chg="mod">
-          <ac:chgData name="Uhr, Vinzenz Nathan (STUDENTS)" userId="f4f67b1a-e021-4569-b4a5-fe6b7216375a" providerId="ADAL" clId="{1B412370-03EF-43FC-8E5A-92C57D904F98}" dt="2023-12-17T14:40:23.456" v="3540" actId="207"/>
-          <ac:spMkLst>
-            <pc:docMk/>
-            <pc:sldMk cId="1133864350" sldId="378"/>
-            <ac:spMk id="3" creationId="{EF29294F-99C7-DC8B-3428-F47525B2AB56}"/>
-          </ac:spMkLst>
-        </pc:spChg>
-        <pc:spChg chg="mod">
-          <ac:chgData name="Uhr, Vinzenz Nathan (STUDENTS)" userId="f4f67b1a-e021-4569-b4a5-fe6b7216375a" providerId="ADAL" clId="{1B412370-03EF-43FC-8E5A-92C57D904F98}" dt="2023-12-17T14:40:21.519" v="3539" actId="207"/>
-          <ac:spMkLst>
-            <pc:docMk/>
-            <pc:sldMk cId="1133864350" sldId="378"/>
-            <ac:spMk id="6" creationId="{94CDB2C8-9321-68C5-2C0A-8EC29894AD56}"/>
-          </ac:spMkLst>
-        </pc:spChg>
-      </pc:sldChg>
-      <pc:sldChg chg="modSp add mod">
-        <pc:chgData name="Uhr, Vinzenz Nathan (STUDENTS)" userId="f4f67b1a-e021-4569-b4a5-fe6b7216375a" providerId="ADAL" clId="{1B412370-03EF-43FC-8E5A-92C57D904F98}" dt="2023-12-17T14:40:34.367" v="3546" actId="207"/>
-        <pc:sldMkLst>
-          <pc:docMk/>
-          <pc:sldMk cId="1702536999" sldId="379"/>
-        </pc:sldMkLst>
-        <pc:spChg chg="mod">
-          <ac:chgData name="Uhr, Vinzenz Nathan (STUDENTS)" userId="f4f67b1a-e021-4569-b4a5-fe6b7216375a" providerId="ADAL" clId="{1B412370-03EF-43FC-8E5A-92C57D904F98}" dt="2023-12-17T14:40:34.367" v="3546" actId="207"/>
-          <ac:spMkLst>
-            <pc:docMk/>
-            <pc:sldMk cId="1702536999" sldId="379"/>
-            <ac:spMk id="3" creationId="{EF29294F-99C7-DC8B-3428-F47525B2AB56}"/>
-          </ac:spMkLst>
-        </pc:spChg>
-        <pc:spChg chg="mod">
-          <ac:chgData name="Uhr, Vinzenz Nathan (STUDENTS)" userId="f4f67b1a-e021-4569-b4a5-fe6b7216375a" providerId="ADAL" clId="{1B412370-03EF-43FC-8E5A-92C57D904F98}" dt="2023-12-17T14:40:32.244" v="3545" actId="207"/>
-          <ac:spMkLst>
-            <pc:docMk/>
-            <pc:sldMk cId="1702536999" sldId="379"/>
-            <ac:spMk id="6" creationId="{94CDB2C8-9321-68C5-2C0A-8EC29894AD56}"/>
-          </ac:spMkLst>
-        </pc:spChg>
-      </pc:sldChg>
-      <pc:sldChg chg="modSp new mod">
-        <pc:chgData name="Uhr, Vinzenz Nathan (STUDENTS)" userId="f4f67b1a-e021-4569-b4a5-fe6b7216375a" providerId="ADAL" clId="{1B412370-03EF-43FC-8E5A-92C57D904F98}" dt="2023-12-17T16:18:49.283" v="4164" actId="20577"/>
-        <pc:sldMkLst>
-          <pc:docMk/>
-          <pc:sldMk cId="3912337244" sldId="380"/>
-        </pc:sldMkLst>
-        <pc:spChg chg="mod">
-          <ac:chgData name="Uhr, Vinzenz Nathan (STUDENTS)" userId="f4f67b1a-e021-4569-b4a5-fe6b7216375a" providerId="ADAL" clId="{1B412370-03EF-43FC-8E5A-92C57D904F98}" dt="2023-12-17T16:18:49.283" v="4164" actId="20577"/>
-          <ac:spMkLst>
-            <pc:docMk/>
-            <pc:sldMk cId="3912337244" sldId="380"/>
-            <ac:spMk id="8" creationId="{34F6EDEA-AA49-099B-7D96-F7FD8A5C881E}"/>
-          </ac:spMkLst>
-        </pc:spChg>
-      </pc:sldChg>
-      <pc:sldMasterChg chg="delSldLayout">
-        <pc:chgData name="Uhr, Vinzenz Nathan (STUDENTS)" userId="f4f67b1a-e021-4569-b4a5-fe6b7216375a" providerId="ADAL" clId="{1B412370-03EF-43FC-8E5A-92C57D904F98}" dt="2023-12-17T14:40:38.276" v="3547" actId="47"/>
-        <pc:sldMasterMkLst>
-          <pc:docMk/>
-          <pc:sldMasterMk cId="1650500097" sldId="2147483682"/>
-        </pc:sldMasterMkLst>
-        <pc:sldLayoutChg chg="del">
-          <pc:chgData name="Uhr, Vinzenz Nathan (STUDENTS)" userId="f4f67b1a-e021-4569-b4a5-fe6b7216375a" providerId="ADAL" clId="{1B412370-03EF-43FC-8E5A-92C57D904F98}" dt="2023-12-17T11:52:58.083" v="9" actId="47"/>
-          <pc:sldLayoutMkLst>
-            <pc:docMk/>
-            <pc:sldMasterMk cId="1650500097" sldId="2147483682"/>
-            <pc:sldLayoutMk cId="3654419488" sldId="2147483785"/>
-          </pc:sldLayoutMkLst>
-        </pc:sldLayoutChg>
-        <pc:sldLayoutChg chg="del">
-          <pc:chgData name="Uhr, Vinzenz Nathan (STUDENTS)" userId="f4f67b1a-e021-4569-b4a5-fe6b7216375a" providerId="ADAL" clId="{1B412370-03EF-43FC-8E5A-92C57D904F98}" dt="2023-12-17T14:40:38.276" v="3547" actId="47"/>
-          <pc:sldLayoutMkLst>
-            <pc:docMk/>
-            <pc:sldMasterMk cId="1650500097" sldId="2147483682"/>
-            <pc:sldLayoutMk cId="1554876728" sldId="2147483788"/>
-          </pc:sldLayoutMkLst>
-        </pc:sldLayoutChg>
-      </pc:sldMasterChg>
-      <pc:sldMasterChg chg="delSldLayout">
-        <pc:chgData name="Uhr, Vinzenz Nathan (STUDENTS)" userId="f4f67b1a-e021-4569-b4a5-fe6b7216375a" providerId="ADAL" clId="{1B412370-03EF-43FC-8E5A-92C57D904F98}" dt="2023-12-17T14:38:59.060" v="3505" actId="47"/>
-        <pc:sldMasterMkLst>
-          <pc:docMk/>
-          <pc:sldMasterMk cId="2752052908" sldId="2147483692"/>
-        </pc:sldMasterMkLst>
-        <pc:sldLayoutChg chg="del">
-          <pc:chgData name="Uhr, Vinzenz Nathan (STUDENTS)" userId="f4f67b1a-e021-4569-b4a5-fe6b7216375a" providerId="ADAL" clId="{1B412370-03EF-43FC-8E5A-92C57D904F98}" dt="2023-12-17T14:38:59.060" v="3505" actId="47"/>
-          <pc:sldLayoutMkLst>
-            <pc:docMk/>
-            <pc:sldMasterMk cId="2752052908" sldId="2147483692"/>
-            <pc:sldLayoutMk cId="432469509" sldId="2147483787"/>
-          </pc:sldLayoutMkLst>
-        </pc:sldLayoutChg>
-      </pc:sldMasterChg>
-    </pc:docChg>
-  </pc:docChgLst>
   <pc:docChgLst>
     <pc:chgData name="Uhr, Vinzenz Nathan (STUDENTS)" userId="f4f67b1a-e021-4569-b4a5-fe6b7216375a" providerId="ADAL" clId="{E452D7A7-81FA-4CC3-B7A3-6CA905067406}"/>
     <pc:docChg chg="undo custSel addSld delSld modSld modMainMaster">
@@ -1984,6 +701,1360 @@
             <ac:picMk id="9" creationId="{00000000-0000-0000-0000-000000000000}"/>
           </ac:picMkLst>
         </pc:picChg>
+      </pc:sldMasterChg>
+    </pc:docChg>
+  </pc:docChgLst>
+  <pc:docChgLst>
+    <pc:chgData name="Uhr, Vinzenz Nathan (STUDENTS)" userId="f4f67b1a-e021-4569-b4a5-fe6b7216375a" providerId="ADAL" clId="{1B412370-03EF-43FC-8E5A-92C57D904F98}"/>
+    <pc:docChg chg="undo redo custSel addSld delSld modSld sldOrd">
+      <pc:chgData name="Uhr, Vinzenz Nathan (STUDENTS)" userId="f4f67b1a-e021-4569-b4a5-fe6b7216375a" providerId="ADAL" clId="{1B412370-03EF-43FC-8E5A-92C57D904F98}" dt="2023-12-31T15:04:08.904" v="4644" actId="20577"/>
+      <pc:docMkLst>
+        <pc:docMk/>
+      </pc:docMkLst>
+      <pc:sldChg chg="modSp mod">
+        <pc:chgData name="Uhr, Vinzenz Nathan (STUDENTS)" userId="f4f67b1a-e021-4569-b4a5-fe6b7216375a" providerId="ADAL" clId="{1B412370-03EF-43FC-8E5A-92C57D904F98}" dt="2023-12-17T11:52:25.828" v="8" actId="20577"/>
+        <pc:sldMkLst>
+          <pc:docMk/>
+          <pc:sldMk cId="1995630194" sldId="257"/>
+        </pc:sldMkLst>
+        <pc:spChg chg="mod">
+          <ac:chgData name="Uhr, Vinzenz Nathan (STUDENTS)" userId="f4f67b1a-e021-4569-b4a5-fe6b7216375a" providerId="ADAL" clId="{1B412370-03EF-43FC-8E5A-92C57D904F98}" dt="2023-12-17T11:52:25.828" v="8" actId="20577"/>
+          <ac:spMkLst>
+            <pc:docMk/>
+            <pc:sldMk cId="1995630194" sldId="257"/>
+            <ac:spMk id="2" creationId="{00000000-0000-0000-0000-000000000000}"/>
+          </ac:spMkLst>
+        </pc:spChg>
+        <pc:spChg chg="mod">
+          <ac:chgData name="Uhr, Vinzenz Nathan (STUDENTS)" userId="f4f67b1a-e021-4569-b4a5-fe6b7216375a" providerId="ADAL" clId="{1B412370-03EF-43FC-8E5A-92C57D904F98}" dt="2023-12-17T11:52:20.322" v="3" actId="20577"/>
+          <ac:spMkLst>
+            <pc:docMk/>
+            <pc:sldMk cId="1995630194" sldId="257"/>
+            <ac:spMk id="4" creationId="{00000000-0000-0000-0000-000000000000}"/>
+          </ac:spMkLst>
+        </pc:spChg>
+      </pc:sldChg>
+      <pc:sldChg chg="delSp modSp del mod modNotesTx">
+        <pc:chgData name="Uhr, Vinzenz Nathan (STUDENTS)" userId="f4f67b1a-e021-4569-b4a5-fe6b7216375a" providerId="ADAL" clId="{1B412370-03EF-43FC-8E5A-92C57D904F98}" dt="2023-12-17T11:54:34.757" v="31" actId="47"/>
+        <pc:sldMkLst>
+          <pc:docMk/>
+          <pc:sldMk cId="1969766" sldId="348"/>
+        </pc:sldMkLst>
+        <pc:spChg chg="mod">
+          <ac:chgData name="Uhr, Vinzenz Nathan (STUDENTS)" userId="f4f67b1a-e021-4569-b4a5-fe6b7216375a" providerId="ADAL" clId="{1B412370-03EF-43FC-8E5A-92C57D904F98}" dt="2023-12-17T11:54:00.859" v="25" actId="6549"/>
+          <ac:spMkLst>
+            <pc:docMk/>
+            <pc:sldMk cId="1969766" sldId="348"/>
+            <ac:spMk id="5" creationId="{69996356-855D-BEA7-9042-E31DBB1F84C4}"/>
+          </ac:spMkLst>
+        </pc:spChg>
+        <pc:spChg chg="mod">
+          <ac:chgData name="Uhr, Vinzenz Nathan (STUDENTS)" userId="f4f67b1a-e021-4569-b4a5-fe6b7216375a" providerId="ADAL" clId="{1B412370-03EF-43FC-8E5A-92C57D904F98}" dt="2023-12-17T11:53:55.022" v="23" actId="20577"/>
+          <ac:spMkLst>
+            <pc:docMk/>
+            <pc:sldMk cId="1969766" sldId="348"/>
+            <ac:spMk id="6" creationId="{78FFCA5B-4105-6527-22ED-1C63D41F0290}"/>
+          </ac:spMkLst>
+        </pc:spChg>
+        <pc:picChg chg="del">
+          <ac:chgData name="Uhr, Vinzenz Nathan (STUDENTS)" userId="f4f67b1a-e021-4569-b4a5-fe6b7216375a" providerId="ADAL" clId="{1B412370-03EF-43FC-8E5A-92C57D904F98}" dt="2023-12-17T11:54:10.850" v="28" actId="478"/>
+          <ac:picMkLst>
+            <pc:docMk/>
+            <pc:sldMk cId="1969766" sldId="348"/>
+            <ac:picMk id="9" creationId="{5D5784DE-EDE6-70AB-6676-FA74367895CF}"/>
+          </ac:picMkLst>
+        </pc:picChg>
+        <pc:picChg chg="del">
+          <ac:chgData name="Uhr, Vinzenz Nathan (STUDENTS)" userId="f4f67b1a-e021-4569-b4a5-fe6b7216375a" providerId="ADAL" clId="{1B412370-03EF-43FC-8E5A-92C57D904F98}" dt="2023-12-17T11:54:10.430" v="27" actId="478"/>
+          <ac:picMkLst>
+            <pc:docMk/>
+            <pc:sldMk cId="1969766" sldId="348"/>
+            <ac:picMk id="11" creationId="{09A48636-771F-3D7E-C459-4FD5F5E8311C}"/>
+          </ac:picMkLst>
+        </pc:picChg>
+        <pc:picChg chg="del mod">
+          <ac:chgData name="Uhr, Vinzenz Nathan (STUDENTS)" userId="f4f67b1a-e021-4569-b4a5-fe6b7216375a" providerId="ADAL" clId="{1B412370-03EF-43FC-8E5A-92C57D904F98}" dt="2023-12-17T11:54:10.116" v="26" actId="478"/>
+          <ac:picMkLst>
+            <pc:docMk/>
+            <pc:sldMk cId="1969766" sldId="348"/>
+            <ac:picMk id="13" creationId="{B25A389E-844E-1559-9287-17260B682570}"/>
+          </ac:picMkLst>
+        </pc:picChg>
+      </pc:sldChg>
+      <pc:sldChg chg="del">
+        <pc:chgData name="Uhr, Vinzenz Nathan (STUDENTS)" userId="f4f67b1a-e021-4569-b4a5-fe6b7216375a" providerId="ADAL" clId="{1B412370-03EF-43FC-8E5A-92C57D904F98}" dt="2023-12-17T11:52:58.083" v="9" actId="47"/>
+        <pc:sldMkLst>
+          <pc:docMk/>
+          <pc:sldMk cId="388255730" sldId="349"/>
+        </pc:sldMkLst>
+      </pc:sldChg>
+      <pc:sldChg chg="del">
+        <pc:chgData name="Uhr, Vinzenz Nathan (STUDENTS)" userId="f4f67b1a-e021-4569-b4a5-fe6b7216375a" providerId="ADAL" clId="{1B412370-03EF-43FC-8E5A-92C57D904F98}" dt="2023-12-17T11:52:58.083" v="9" actId="47"/>
+        <pc:sldMkLst>
+          <pc:docMk/>
+          <pc:sldMk cId="3710458073" sldId="350"/>
+        </pc:sldMkLst>
+      </pc:sldChg>
+      <pc:sldChg chg="addSp delSp modSp del mod modNotesTx">
+        <pc:chgData name="Uhr, Vinzenz Nathan (STUDENTS)" userId="f4f67b1a-e021-4569-b4a5-fe6b7216375a" providerId="ADAL" clId="{1B412370-03EF-43FC-8E5A-92C57D904F98}" dt="2023-12-17T14:38:59.060" v="3505" actId="47"/>
+        <pc:sldMkLst>
+          <pc:docMk/>
+          <pc:sldMk cId="4252364833" sldId="351"/>
+        </pc:sldMkLst>
+        <pc:spChg chg="del">
+          <ac:chgData name="Uhr, Vinzenz Nathan (STUDENTS)" userId="f4f67b1a-e021-4569-b4a5-fe6b7216375a" providerId="ADAL" clId="{1B412370-03EF-43FC-8E5A-92C57D904F98}" dt="2023-12-17T14:35:30.011" v="3396"/>
+          <ac:spMkLst>
+            <pc:docMk/>
+            <pc:sldMk cId="4252364833" sldId="351"/>
+            <ac:spMk id="2" creationId="{347559E5-88A9-7114-3CF2-22840C9512E3}"/>
+          </ac:spMkLst>
+        </pc:spChg>
+        <pc:spChg chg="mod">
+          <ac:chgData name="Uhr, Vinzenz Nathan (STUDENTS)" userId="f4f67b1a-e021-4569-b4a5-fe6b7216375a" providerId="ADAL" clId="{1B412370-03EF-43FC-8E5A-92C57D904F98}" dt="2023-12-17T12:03:57.297" v="763" actId="5793"/>
+          <ac:spMkLst>
+            <pc:docMk/>
+            <pc:sldMk cId="4252364833" sldId="351"/>
+            <ac:spMk id="4" creationId="{695F92CF-A460-955B-BE6A-033972C8D7EF}"/>
+          </ac:spMkLst>
+        </pc:spChg>
+        <pc:spChg chg="add del mod">
+          <ac:chgData name="Uhr, Vinzenz Nathan (STUDENTS)" userId="f4f67b1a-e021-4569-b4a5-fe6b7216375a" providerId="ADAL" clId="{1B412370-03EF-43FC-8E5A-92C57D904F98}" dt="2023-12-17T14:35:55.548" v="3401" actId="478"/>
+          <ac:spMkLst>
+            <pc:docMk/>
+            <pc:sldMk cId="4252364833" sldId="351"/>
+            <ac:spMk id="5" creationId="{B9C93610-B499-2BEE-D2F7-5F85F53536F4}"/>
+          </ac:spMkLst>
+        </pc:spChg>
+        <pc:picChg chg="add del mod">
+          <ac:chgData name="Uhr, Vinzenz Nathan (STUDENTS)" userId="f4f67b1a-e021-4569-b4a5-fe6b7216375a" providerId="ADAL" clId="{1B412370-03EF-43FC-8E5A-92C57D904F98}" dt="2023-12-17T14:35:44.657" v="3397" actId="478"/>
+          <ac:picMkLst>
+            <pc:docMk/>
+            <pc:sldMk cId="4252364833" sldId="351"/>
+            <ac:picMk id="2050" creationId="{B7E61CB0-2116-8C89-7FCB-333412C4EACE}"/>
+          </ac:picMkLst>
+        </pc:picChg>
+        <pc:picChg chg="add mod">
+          <ac:chgData name="Uhr, Vinzenz Nathan (STUDENTS)" userId="f4f67b1a-e021-4569-b4a5-fe6b7216375a" providerId="ADAL" clId="{1B412370-03EF-43FC-8E5A-92C57D904F98}" dt="2023-12-17T14:36:01.814" v="3402" actId="1076"/>
+          <ac:picMkLst>
+            <pc:docMk/>
+            <pc:sldMk cId="4252364833" sldId="351"/>
+            <ac:picMk id="2052" creationId="{B343C87C-7CED-13E7-579C-00CC4523B21A}"/>
+          </ac:picMkLst>
+        </pc:picChg>
+      </pc:sldChg>
+      <pc:sldChg chg="modSp new mod">
+        <pc:chgData name="Uhr, Vinzenz Nathan (STUDENTS)" userId="f4f67b1a-e021-4569-b4a5-fe6b7216375a" providerId="ADAL" clId="{1B412370-03EF-43FC-8E5A-92C57D904F98}" dt="2023-12-17T14:27:51.087" v="3393" actId="20577"/>
+        <pc:sldMkLst>
+          <pc:docMk/>
+          <pc:sldMk cId="1956286703" sldId="352"/>
+        </pc:sldMkLst>
+        <pc:spChg chg="mod">
+          <ac:chgData name="Uhr, Vinzenz Nathan (STUDENTS)" userId="f4f67b1a-e021-4569-b4a5-fe6b7216375a" providerId="ADAL" clId="{1B412370-03EF-43FC-8E5A-92C57D904F98}" dt="2023-12-17T11:59:56.451" v="496" actId="20577"/>
+          <ac:spMkLst>
+            <pc:docMk/>
+            <pc:sldMk cId="1956286703" sldId="352"/>
+            <ac:spMk id="3" creationId="{B446FCBC-55A4-EF90-93EB-E2FB4D54B8AC}"/>
+          </ac:spMkLst>
+        </pc:spChg>
+        <pc:spChg chg="mod">
+          <ac:chgData name="Uhr, Vinzenz Nathan (STUDENTS)" userId="f4f67b1a-e021-4569-b4a5-fe6b7216375a" providerId="ADAL" clId="{1B412370-03EF-43FC-8E5A-92C57D904F98}" dt="2023-12-17T11:58:29.140" v="340" actId="6549"/>
+          <ac:spMkLst>
+            <pc:docMk/>
+            <pc:sldMk cId="1956286703" sldId="352"/>
+            <ac:spMk id="4" creationId="{07CCB809-4A35-AAA7-F903-AA60D27FBE35}"/>
+          </ac:spMkLst>
+        </pc:spChg>
+        <pc:spChg chg="mod">
+          <ac:chgData name="Uhr, Vinzenz Nathan (STUDENTS)" userId="f4f67b1a-e021-4569-b4a5-fe6b7216375a" providerId="ADAL" clId="{1B412370-03EF-43FC-8E5A-92C57D904F98}" dt="2023-12-17T11:58:47.600" v="379" actId="20577"/>
+          <ac:spMkLst>
+            <pc:docMk/>
+            <pc:sldMk cId="1956286703" sldId="352"/>
+            <ac:spMk id="5" creationId="{0D8F79E0-8004-D080-A1DB-91C9F715B9C1}"/>
+          </ac:spMkLst>
+        </pc:spChg>
+        <pc:spChg chg="mod">
+          <ac:chgData name="Uhr, Vinzenz Nathan (STUDENTS)" userId="f4f67b1a-e021-4569-b4a5-fe6b7216375a" providerId="ADAL" clId="{1B412370-03EF-43FC-8E5A-92C57D904F98}" dt="2023-12-17T14:27:51.087" v="3393" actId="20577"/>
+          <ac:spMkLst>
+            <pc:docMk/>
+            <pc:sldMk cId="1956286703" sldId="352"/>
+            <ac:spMk id="6" creationId="{2061B201-F227-FA31-2254-A7112A8171FC}"/>
+          </ac:spMkLst>
+        </pc:spChg>
+        <pc:spChg chg="mod">
+          <ac:chgData name="Uhr, Vinzenz Nathan (STUDENTS)" userId="f4f67b1a-e021-4569-b4a5-fe6b7216375a" providerId="ADAL" clId="{1B412370-03EF-43FC-8E5A-92C57D904F98}" dt="2023-12-17T11:59:59.341" v="501" actId="20577"/>
+          <ac:spMkLst>
+            <pc:docMk/>
+            <pc:sldMk cId="1956286703" sldId="352"/>
+            <ac:spMk id="8" creationId="{C623C825-F4EC-9A85-5D47-75F36717A849}"/>
+          </ac:spMkLst>
+        </pc:spChg>
+      </pc:sldChg>
+      <pc:sldChg chg="addSp delSp modSp new mod">
+        <pc:chgData name="Uhr, Vinzenz Nathan (STUDENTS)" userId="f4f67b1a-e021-4569-b4a5-fe6b7216375a" providerId="ADAL" clId="{1B412370-03EF-43FC-8E5A-92C57D904F98}" dt="2023-12-17T14:01:03.828" v="2997" actId="14100"/>
+        <pc:sldMkLst>
+          <pc:docMk/>
+          <pc:sldMk cId="2611933887" sldId="353"/>
+        </pc:sldMkLst>
+        <pc:spChg chg="mod">
+          <ac:chgData name="Uhr, Vinzenz Nathan (STUDENTS)" userId="f4f67b1a-e021-4569-b4a5-fe6b7216375a" providerId="ADAL" clId="{1B412370-03EF-43FC-8E5A-92C57D904F98}" dt="2023-12-17T12:00:31.950" v="532" actId="20577"/>
+          <ac:spMkLst>
+            <pc:docMk/>
+            <pc:sldMk cId="2611933887" sldId="353"/>
+            <ac:spMk id="3" creationId="{AAA43714-FFE9-3AB9-3D14-7932E600A39D}"/>
+          </ac:spMkLst>
+        </pc:spChg>
+        <pc:spChg chg="mod">
+          <ac:chgData name="Uhr, Vinzenz Nathan (STUDENTS)" userId="f4f67b1a-e021-4569-b4a5-fe6b7216375a" providerId="ADAL" clId="{1B412370-03EF-43FC-8E5A-92C57D904F98}" dt="2023-12-17T12:02:23.039" v="653" actId="14"/>
+          <ac:spMkLst>
+            <pc:docMk/>
+            <pc:sldMk cId="2611933887" sldId="353"/>
+            <ac:spMk id="4" creationId="{BB4BDC01-B352-0163-C719-5E5E3160B76E}"/>
+          </ac:spMkLst>
+        </pc:spChg>
+        <pc:spChg chg="mod">
+          <ac:chgData name="Uhr, Vinzenz Nathan (STUDENTS)" userId="f4f67b1a-e021-4569-b4a5-fe6b7216375a" providerId="ADAL" clId="{1B412370-03EF-43FC-8E5A-92C57D904F98}" dt="2023-12-17T12:02:39.437" v="670" actId="20577"/>
+          <ac:spMkLst>
+            <pc:docMk/>
+            <pc:sldMk cId="2611933887" sldId="353"/>
+            <ac:spMk id="5" creationId="{608778B1-E88D-726B-0001-998AAC129A41}"/>
+          </ac:spMkLst>
+        </pc:spChg>
+        <pc:spChg chg="mod">
+          <ac:chgData name="Uhr, Vinzenz Nathan (STUDENTS)" userId="f4f67b1a-e021-4569-b4a5-fe6b7216375a" providerId="ADAL" clId="{1B412370-03EF-43FC-8E5A-92C57D904F98}" dt="2023-12-17T12:02:49.975" v="684" actId="207"/>
+          <ac:spMkLst>
+            <pc:docMk/>
+            <pc:sldMk cId="2611933887" sldId="353"/>
+            <ac:spMk id="6" creationId="{76CD0FA7-9CB3-95AB-BFC7-E239CB647AAD}"/>
+          </ac:spMkLst>
+        </pc:spChg>
+        <pc:spChg chg="mod">
+          <ac:chgData name="Uhr, Vinzenz Nathan (STUDENTS)" userId="f4f67b1a-e021-4569-b4a5-fe6b7216375a" providerId="ADAL" clId="{1B412370-03EF-43FC-8E5A-92C57D904F98}" dt="2023-12-17T12:03:11.854" v="728" actId="20577"/>
+          <ac:spMkLst>
+            <pc:docMk/>
+            <pc:sldMk cId="2611933887" sldId="353"/>
+            <ac:spMk id="8" creationId="{F55205C7-6EB0-7324-9AA6-665ADAFBC822}"/>
+          </ac:spMkLst>
+        </pc:spChg>
+        <pc:picChg chg="add del mod">
+          <ac:chgData name="Uhr, Vinzenz Nathan (STUDENTS)" userId="f4f67b1a-e021-4569-b4a5-fe6b7216375a" providerId="ADAL" clId="{1B412370-03EF-43FC-8E5A-92C57D904F98}" dt="2023-12-17T14:00:57.812" v="2993" actId="478"/>
+          <ac:picMkLst>
+            <pc:docMk/>
+            <pc:sldMk cId="2611933887" sldId="353"/>
+            <ac:picMk id="10" creationId="{FE955564-7938-6B72-B54B-9DCB4AA2D3AD}"/>
+          </ac:picMkLst>
+        </pc:picChg>
+        <pc:picChg chg="add mod">
+          <ac:chgData name="Uhr, Vinzenz Nathan (STUDENTS)" userId="f4f67b1a-e021-4569-b4a5-fe6b7216375a" providerId="ADAL" clId="{1B412370-03EF-43FC-8E5A-92C57D904F98}" dt="2023-12-17T14:01:03.828" v="2997" actId="14100"/>
+          <ac:picMkLst>
+            <pc:docMk/>
+            <pc:sldMk cId="2611933887" sldId="353"/>
+            <ac:picMk id="12" creationId="{9CCB82B2-B65E-2207-091C-B999C33625E1}"/>
+          </ac:picMkLst>
+        </pc:picChg>
+      </pc:sldChg>
+      <pc:sldChg chg="del">
+        <pc:chgData name="Uhr, Vinzenz Nathan (STUDENTS)" userId="f4f67b1a-e021-4569-b4a5-fe6b7216375a" providerId="ADAL" clId="{1B412370-03EF-43FC-8E5A-92C57D904F98}" dt="2023-12-17T11:52:58.083" v="9" actId="47"/>
+        <pc:sldMkLst>
+          <pc:docMk/>
+          <pc:sldMk cId="3231376469" sldId="353"/>
+        </pc:sldMkLst>
+      </pc:sldChg>
+      <pc:sldChg chg="addSp delSp modSp new mod">
+        <pc:chgData name="Uhr, Vinzenz Nathan (STUDENTS)" userId="f4f67b1a-e021-4569-b4a5-fe6b7216375a" providerId="ADAL" clId="{1B412370-03EF-43FC-8E5A-92C57D904F98}" dt="2023-12-31T14:16:35.496" v="4192" actId="6549"/>
+        <pc:sldMkLst>
+          <pc:docMk/>
+          <pc:sldMk cId="628214163" sldId="354"/>
+        </pc:sldMkLst>
+        <pc:spChg chg="mod">
+          <ac:chgData name="Uhr, Vinzenz Nathan (STUDENTS)" userId="f4f67b1a-e021-4569-b4a5-fe6b7216375a" providerId="ADAL" clId="{1B412370-03EF-43FC-8E5A-92C57D904F98}" dt="2023-12-17T15:45:44.933" v="3975" actId="20577"/>
+          <ac:spMkLst>
+            <pc:docMk/>
+            <pc:sldMk cId="628214163" sldId="354"/>
+            <ac:spMk id="4" creationId="{B77EA0FA-D38B-CEFB-F9E4-34EEC0690FDD}"/>
+          </ac:spMkLst>
+        </pc:spChg>
+        <pc:spChg chg="del">
+          <ac:chgData name="Uhr, Vinzenz Nathan (STUDENTS)" userId="f4f67b1a-e021-4569-b4a5-fe6b7216375a" providerId="ADAL" clId="{1B412370-03EF-43FC-8E5A-92C57D904F98}" dt="2023-12-17T12:23:53.393" v="831" actId="478"/>
+          <ac:spMkLst>
+            <pc:docMk/>
+            <pc:sldMk cId="628214163" sldId="354"/>
+            <ac:spMk id="6" creationId="{72C85A36-C25A-31A1-2932-C27B29E879CC}"/>
+          </ac:spMkLst>
+        </pc:spChg>
+        <pc:spChg chg="mod">
+          <ac:chgData name="Uhr, Vinzenz Nathan (STUDENTS)" userId="f4f67b1a-e021-4569-b4a5-fe6b7216375a" providerId="ADAL" clId="{1B412370-03EF-43FC-8E5A-92C57D904F98}" dt="2023-12-31T14:16:35.496" v="4192" actId="6549"/>
+          <ac:spMkLst>
+            <pc:docMk/>
+            <pc:sldMk cId="628214163" sldId="354"/>
+            <ac:spMk id="8" creationId="{E2FAFBB1-5071-53D3-80BF-2EC49E4A90B3}"/>
+          </ac:spMkLst>
+        </pc:spChg>
+        <pc:spChg chg="add mod">
+          <ac:chgData name="Uhr, Vinzenz Nathan (STUDENTS)" userId="f4f67b1a-e021-4569-b4a5-fe6b7216375a" providerId="ADAL" clId="{1B412370-03EF-43FC-8E5A-92C57D904F98}" dt="2023-12-17T12:26:49.137" v="928" actId="14100"/>
+          <ac:spMkLst>
+            <pc:docMk/>
+            <pc:sldMk cId="628214163" sldId="354"/>
+            <ac:spMk id="19" creationId="{9742AF07-CDDF-E28B-671B-12A6DB28ED4A}"/>
+          </ac:spMkLst>
+        </pc:spChg>
+        <pc:spChg chg="add mod">
+          <ac:chgData name="Uhr, Vinzenz Nathan (STUDENTS)" userId="f4f67b1a-e021-4569-b4a5-fe6b7216375a" providerId="ADAL" clId="{1B412370-03EF-43FC-8E5A-92C57D904F98}" dt="2023-12-17T12:26:49.137" v="928" actId="14100"/>
+          <ac:spMkLst>
+            <pc:docMk/>
+            <pc:sldMk cId="628214163" sldId="354"/>
+            <ac:spMk id="20" creationId="{74B1CA84-ED04-34FC-7334-F978369ED695}"/>
+          </ac:spMkLst>
+        </pc:spChg>
+        <pc:spChg chg="add mod">
+          <ac:chgData name="Uhr, Vinzenz Nathan (STUDENTS)" userId="f4f67b1a-e021-4569-b4a5-fe6b7216375a" providerId="ADAL" clId="{1B412370-03EF-43FC-8E5A-92C57D904F98}" dt="2023-12-17T15:53:22.163" v="4079" actId="1076"/>
+          <ac:spMkLst>
+            <pc:docMk/>
+            <pc:sldMk cId="628214163" sldId="354"/>
+            <ac:spMk id="21" creationId="{DA23FA7C-7794-A9C2-3687-D5B06EA0B597}"/>
+          </ac:spMkLst>
+        </pc:spChg>
+        <pc:picChg chg="add del mod">
+          <ac:chgData name="Uhr, Vinzenz Nathan (STUDENTS)" userId="f4f67b1a-e021-4569-b4a5-fe6b7216375a" providerId="ADAL" clId="{1B412370-03EF-43FC-8E5A-92C57D904F98}" dt="2023-12-17T12:16:01.076" v="783" actId="478"/>
+          <ac:picMkLst>
+            <pc:docMk/>
+            <pc:sldMk cId="628214163" sldId="354"/>
+            <ac:picMk id="10" creationId="{85A989D5-7A8F-5013-41E0-FFF0FCC167B6}"/>
+          </ac:picMkLst>
+        </pc:picChg>
+        <pc:picChg chg="add del mod">
+          <ac:chgData name="Uhr, Vinzenz Nathan (STUDENTS)" userId="f4f67b1a-e021-4569-b4a5-fe6b7216375a" providerId="ADAL" clId="{1B412370-03EF-43FC-8E5A-92C57D904F98}" dt="2023-12-17T12:20:36.610" v="789" actId="478"/>
+          <ac:picMkLst>
+            <pc:docMk/>
+            <pc:sldMk cId="628214163" sldId="354"/>
+            <ac:picMk id="12" creationId="{92AB65AE-2715-1B60-B9C7-70F6A4DAEA09}"/>
+          </ac:picMkLst>
+        </pc:picChg>
+        <pc:picChg chg="add mod">
+          <ac:chgData name="Uhr, Vinzenz Nathan (STUDENTS)" userId="f4f67b1a-e021-4569-b4a5-fe6b7216375a" providerId="ADAL" clId="{1B412370-03EF-43FC-8E5A-92C57D904F98}" dt="2023-12-17T12:23:44.637" v="827" actId="1076"/>
+          <ac:picMkLst>
+            <pc:docMk/>
+            <pc:sldMk cId="628214163" sldId="354"/>
+            <ac:picMk id="14" creationId="{198FF7B0-3EBA-E2C9-4CC8-21561B17DF30}"/>
+          </ac:picMkLst>
+        </pc:picChg>
+        <pc:picChg chg="add mod">
+          <ac:chgData name="Uhr, Vinzenz Nathan (STUDENTS)" userId="f4f67b1a-e021-4569-b4a5-fe6b7216375a" providerId="ADAL" clId="{1B412370-03EF-43FC-8E5A-92C57D904F98}" dt="2023-12-17T12:23:44.637" v="827" actId="1076"/>
+          <ac:picMkLst>
+            <pc:docMk/>
+            <pc:sldMk cId="628214163" sldId="354"/>
+            <ac:picMk id="16" creationId="{388E9C2D-4FB6-D716-CAD2-E8725314E89E}"/>
+          </ac:picMkLst>
+        </pc:picChg>
+        <pc:picChg chg="add mod">
+          <ac:chgData name="Uhr, Vinzenz Nathan (STUDENTS)" userId="f4f67b1a-e021-4569-b4a5-fe6b7216375a" providerId="ADAL" clId="{1B412370-03EF-43FC-8E5A-92C57D904F98}" dt="2023-12-17T12:23:44.637" v="827" actId="1076"/>
+          <ac:picMkLst>
+            <pc:docMk/>
+            <pc:sldMk cId="628214163" sldId="354"/>
+            <ac:picMk id="18" creationId="{C115FC2F-6682-1C97-AC81-39F31AE0FA06}"/>
+          </ac:picMkLst>
+        </pc:picChg>
+      </pc:sldChg>
+      <pc:sldChg chg="del">
+        <pc:chgData name="Uhr, Vinzenz Nathan (STUDENTS)" userId="f4f67b1a-e021-4569-b4a5-fe6b7216375a" providerId="ADAL" clId="{1B412370-03EF-43FC-8E5A-92C57D904F98}" dt="2023-12-17T11:52:58.083" v="9" actId="47"/>
+        <pc:sldMkLst>
+          <pc:docMk/>
+          <pc:sldMk cId="1455095133" sldId="354"/>
+        </pc:sldMkLst>
+      </pc:sldChg>
+      <pc:sldChg chg="addSp delSp modSp add del mod">
+        <pc:chgData name="Uhr, Vinzenz Nathan (STUDENTS)" userId="f4f67b1a-e021-4569-b4a5-fe6b7216375a" providerId="ADAL" clId="{1B412370-03EF-43FC-8E5A-92C57D904F98}" dt="2023-12-17T14:39:36.215" v="3524" actId="47"/>
+        <pc:sldMkLst>
+          <pc:docMk/>
+          <pc:sldMk cId="1315352206" sldId="355"/>
+        </pc:sldMkLst>
+        <pc:spChg chg="del">
+          <ac:chgData name="Uhr, Vinzenz Nathan (STUDENTS)" userId="f4f67b1a-e021-4569-b4a5-fe6b7216375a" providerId="ADAL" clId="{1B412370-03EF-43FC-8E5A-92C57D904F98}" dt="2023-12-17T14:24:07.764" v="3222"/>
+          <ac:spMkLst>
+            <pc:docMk/>
+            <pc:sldMk cId="1315352206" sldId="355"/>
+            <ac:spMk id="2" creationId="{347559E5-88A9-7114-3CF2-22840C9512E3}"/>
+          </ac:spMkLst>
+        </pc:spChg>
+        <pc:spChg chg="mod">
+          <ac:chgData name="Uhr, Vinzenz Nathan (STUDENTS)" userId="f4f67b1a-e021-4569-b4a5-fe6b7216375a" providerId="ADAL" clId="{1B412370-03EF-43FC-8E5A-92C57D904F98}" dt="2023-12-17T14:38:49.452" v="3502" actId="21"/>
+          <ac:spMkLst>
+            <pc:docMk/>
+            <pc:sldMk cId="1315352206" sldId="355"/>
+            <ac:spMk id="4" creationId="{695F92CF-A460-955B-BE6A-033972C8D7EF}"/>
+          </ac:spMkLst>
+        </pc:spChg>
+        <pc:picChg chg="add mod">
+          <ac:chgData name="Uhr, Vinzenz Nathan (STUDENTS)" userId="f4f67b1a-e021-4569-b4a5-fe6b7216375a" providerId="ADAL" clId="{1B412370-03EF-43FC-8E5A-92C57D904F98}" dt="2023-12-17T14:24:07.764" v="3222"/>
+          <ac:picMkLst>
+            <pc:docMk/>
+            <pc:sldMk cId="1315352206" sldId="355"/>
+            <ac:picMk id="1026" creationId="{5C4C4BD0-8330-1CA3-8CE3-4539AD46E88B}"/>
+          </ac:picMkLst>
+        </pc:picChg>
+      </pc:sldChg>
+      <pc:sldChg chg="del">
+        <pc:chgData name="Uhr, Vinzenz Nathan (STUDENTS)" userId="f4f67b1a-e021-4569-b4a5-fe6b7216375a" providerId="ADAL" clId="{1B412370-03EF-43FC-8E5A-92C57D904F98}" dt="2023-12-17T11:52:58.083" v="9" actId="47"/>
+        <pc:sldMkLst>
+          <pc:docMk/>
+          <pc:sldMk cId="3317007330" sldId="355"/>
+        </pc:sldMkLst>
+      </pc:sldChg>
+      <pc:sldChg chg="addSp delSp modSp new mod">
+        <pc:chgData name="Uhr, Vinzenz Nathan (STUDENTS)" userId="f4f67b1a-e021-4569-b4a5-fe6b7216375a" providerId="ADAL" clId="{1B412370-03EF-43FC-8E5A-92C57D904F98}" dt="2023-12-17T12:35:18.671" v="1215" actId="20577"/>
+        <pc:sldMkLst>
+          <pc:docMk/>
+          <pc:sldMk cId="2913720038" sldId="356"/>
+        </pc:sldMkLst>
+        <pc:spChg chg="del">
+          <ac:chgData name="Uhr, Vinzenz Nathan (STUDENTS)" userId="f4f67b1a-e021-4569-b4a5-fe6b7216375a" providerId="ADAL" clId="{1B412370-03EF-43FC-8E5A-92C57D904F98}" dt="2023-12-17T12:31:18.653" v="1117" actId="478"/>
+          <ac:spMkLst>
+            <pc:docMk/>
+            <pc:sldMk cId="2913720038" sldId="356"/>
+            <ac:spMk id="2" creationId="{D2B9EF91-61D0-937F-DAB3-5D8069FE04AB}"/>
+          </ac:spMkLst>
+        </pc:spChg>
+        <pc:spChg chg="mod">
+          <ac:chgData name="Uhr, Vinzenz Nathan (STUDENTS)" userId="f4f67b1a-e021-4569-b4a5-fe6b7216375a" providerId="ADAL" clId="{1B412370-03EF-43FC-8E5A-92C57D904F98}" dt="2023-12-17T12:35:18.671" v="1215" actId="20577"/>
+          <ac:spMkLst>
+            <pc:docMk/>
+            <pc:sldMk cId="2913720038" sldId="356"/>
+            <ac:spMk id="3" creationId="{0FC4AA5D-AF07-3CCC-1100-F64FEA1D23E1}"/>
+          </ac:spMkLst>
+        </pc:spChg>
+        <pc:spChg chg="mod">
+          <ac:chgData name="Uhr, Vinzenz Nathan (STUDENTS)" userId="f4f67b1a-e021-4569-b4a5-fe6b7216375a" providerId="ADAL" clId="{1B412370-03EF-43FC-8E5A-92C57D904F98}" dt="2023-12-17T12:35:14.750" v="1205" actId="20577"/>
+          <ac:spMkLst>
+            <pc:docMk/>
+            <pc:sldMk cId="2913720038" sldId="356"/>
+            <ac:spMk id="4" creationId="{E4F0FE54-49B0-ADC7-DB62-13FF5FC8AD7C}"/>
+          </ac:spMkLst>
+        </pc:spChg>
+        <pc:spChg chg="mod">
+          <ac:chgData name="Uhr, Vinzenz Nathan (STUDENTS)" userId="f4f67b1a-e021-4569-b4a5-fe6b7216375a" providerId="ADAL" clId="{1B412370-03EF-43FC-8E5A-92C57D904F98}" dt="2023-12-17T12:31:16.068" v="1116" actId="6549"/>
+          <ac:spMkLst>
+            <pc:docMk/>
+            <pc:sldMk cId="2913720038" sldId="356"/>
+            <ac:spMk id="8" creationId="{B9ABCD4A-4209-A284-54AA-4462F776EA8F}"/>
+          </ac:spMkLst>
+        </pc:spChg>
+        <pc:picChg chg="add del mod">
+          <ac:chgData name="Uhr, Vinzenz Nathan (STUDENTS)" userId="f4f67b1a-e021-4569-b4a5-fe6b7216375a" providerId="ADAL" clId="{1B412370-03EF-43FC-8E5A-92C57D904F98}" dt="2023-12-17T12:31:05.680" v="1103" actId="478"/>
+          <ac:picMkLst>
+            <pc:docMk/>
+            <pc:sldMk cId="2913720038" sldId="356"/>
+            <ac:picMk id="10" creationId="{31C47FB7-28BF-96C2-9905-45EDC7C9AF29}"/>
+          </ac:picMkLst>
+        </pc:picChg>
+        <pc:picChg chg="add mod">
+          <ac:chgData name="Uhr, Vinzenz Nathan (STUDENTS)" userId="f4f67b1a-e021-4569-b4a5-fe6b7216375a" providerId="ADAL" clId="{1B412370-03EF-43FC-8E5A-92C57D904F98}" dt="2023-12-17T12:31:10.465" v="1105" actId="1076"/>
+          <ac:picMkLst>
+            <pc:docMk/>
+            <pc:sldMk cId="2913720038" sldId="356"/>
+            <ac:picMk id="12" creationId="{288FE0C6-0BA6-3FD6-161D-EE514D7A8196}"/>
+          </ac:picMkLst>
+        </pc:picChg>
+      </pc:sldChg>
+      <pc:sldChg chg="del">
+        <pc:chgData name="Uhr, Vinzenz Nathan (STUDENTS)" userId="f4f67b1a-e021-4569-b4a5-fe6b7216375a" providerId="ADAL" clId="{1B412370-03EF-43FC-8E5A-92C57D904F98}" dt="2023-12-17T11:52:58.083" v="9" actId="47"/>
+        <pc:sldMkLst>
+          <pc:docMk/>
+          <pc:sldMk cId="3738490548" sldId="356"/>
+        </pc:sldMkLst>
+      </pc:sldChg>
+      <pc:sldChg chg="addSp modSp new mod ord">
+        <pc:chgData name="Uhr, Vinzenz Nathan (STUDENTS)" userId="f4f67b1a-e021-4569-b4a5-fe6b7216375a" providerId="ADAL" clId="{1B412370-03EF-43FC-8E5A-92C57D904F98}" dt="2023-12-31T14:20:32.245" v="4370"/>
+        <pc:sldMkLst>
+          <pc:docMk/>
+          <pc:sldMk cId="730108432" sldId="357"/>
+        </pc:sldMkLst>
+        <pc:spChg chg="mod">
+          <ac:chgData name="Uhr, Vinzenz Nathan (STUDENTS)" userId="f4f67b1a-e021-4569-b4a5-fe6b7216375a" providerId="ADAL" clId="{1B412370-03EF-43FC-8E5A-92C57D904F98}" dt="2023-12-17T12:35:24.397" v="1230" actId="20577"/>
+          <ac:spMkLst>
+            <pc:docMk/>
+            <pc:sldMk cId="730108432" sldId="357"/>
+            <ac:spMk id="8" creationId="{E0191781-6B39-DBBD-96A5-DE25D4E29EA6}"/>
+          </ac:spMkLst>
+        </pc:spChg>
+        <pc:picChg chg="add mod modCrop">
+          <ac:chgData name="Uhr, Vinzenz Nathan (STUDENTS)" userId="f4f67b1a-e021-4569-b4a5-fe6b7216375a" providerId="ADAL" clId="{1B412370-03EF-43FC-8E5A-92C57D904F98}" dt="2023-12-17T12:45:24.832" v="1238" actId="1076"/>
+          <ac:picMkLst>
+            <pc:docMk/>
+            <pc:sldMk cId="730108432" sldId="357"/>
+            <ac:picMk id="10" creationId="{4774E92F-9A7D-7355-058D-F2A54D4AEA93}"/>
+          </ac:picMkLst>
+        </pc:picChg>
+      </pc:sldChg>
+      <pc:sldChg chg="modSp add del mod">
+        <pc:chgData name="Uhr, Vinzenz Nathan (STUDENTS)" userId="f4f67b1a-e021-4569-b4a5-fe6b7216375a" providerId="ADAL" clId="{1B412370-03EF-43FC-8E5A-92C57D904F98}" dt="2023-12-17T14:39:50.348" v="3529" actId="47"/>
+        <pc:sldMkLst>
+          <pc:docMk/>
+          <pc:sldMk cId="3254685814" sldId="358"/>
+        </pc:sldMkLst>
+        <pc:spChg chg="mod">
+          <ac:chgData name="Uhr, Vinzenz Nathan (STUDENTS)" userId="f4f67b1a-e021-4569-b4a5-fe6b7216375a" providerId="ADAL" clId="{1B412370-03EF-43FC-8E5A-92C57D904F98}" dt="2023-12-17T12:45:52.483" v="1253" actId="20577"/>
+          <ac:spMkLst>
+            <pc:docMk/>
+            <pc:sldMk cId="3254685814" sldId="358"/>
+            <ac:spMk id="4" creationId="{695F92CF-A460-955B-BE6A-033972C8D7EF}"/>
+          </ac:spMkLst>
+        </pc:spChg>
+      </pc:sldChg>
+      <pc:sldChg chg="del">
+        <pc:chgData name="Uhr, Vinzenz Nathan (STUDENTS)" userId="f4f67b1a-e021-4569-b4a5-fe6b7216375a" providerId="ADAL" clId="{1B412370-03EF-43FC-8E5A-92C57D904F98}" dt="2023-12-17T11:52:58.083" v="9" actId="47"/>
+        <pc:sldMkLst>
+          <pc:docMk/>
+          <pc:sldMk cId="3585707066" sldId="358"/>
+        </pc:sldMkLst>
+      </pc:sldChg>
+      <pc:sldChg chg="modSp add mod">
+        <pc:chgData name="Uhr, Vinzenz Nathan (STUDENTS)" userId="f4f67b1a-e021-4569-b4a5-fe6b7216375a" providerId="ADAL" clId="{1B412370-03EF-43FC-8E5A-92C57D904F98}" dt="2023-12-17T12:49:07.581" v="1500" actId="20577"/>
+        <pc:sldMkLst>
+          <pc:docMk/>
+          <pc:sldMk cId="1817230700" sldId="359"/>
+        </pc:sldMkLst>
+        <pc:spChg chg="mod">
+          <ac:chgData name="Uhr, Vinzenz Nathan (STUDENTS)" userId="f4f67b1a-e021-4569-b4a5-fe6b7216375a" providerId="ADAL" clId="{1B412370-03EF-43FC-8E5A-92C57D904F98}" dt="2023-12-17T12:46:40.507" v="1309" actId="20577"/>
+          <ac:spMkLst>
+            <pc:docMk/>
+            <pc:sldMk cId="1817230700" sldId="359"/>
+            <ac:spMk id="3" creationId="{B446FCBC-55A4-EF90-93EB-E2FB4D54B8AC}"/>
+          </ac:spMkLst>
+        </pc:spChg>
+        <pc:spChg chg="mod">
+          <ac:chgData name="Uhr, Vinzenz Nathan (STUDENTS)" userId="f4f67b1a-e021-4569-b4a5-fe6b7216375a" providerId="ADAL" clId="{1B412370-03EF-43FC-8E5A-92C57D904F98}" dt="2023-12-17T12:48:25.091" v="1492" actId="20577"/>
+          <ac:spMkLst>
+            <pc:docMk/>
+            <pc:sldMk cId="1817230700" sldId="359"/>
+            <ac:spMk id="4" creationId="{07CCB809-4A35-AAA7-F903-AA60D27FBE35}"/>
+          </ac:spMkLst>
+        </pc:spChg>
+        <pc:spChg chg="mod">
+          <ac:chgData name="Uhr, Vinzenz Nathan (STUDENTS)" userId="f4f67b1a-e021-4569-b4a5-fe6b7216375a" providerId="ADAL" clId="{1B412370-03EF-43FC-8E5A-92C57D904F98}" dt="2023-12-17T12:48:35.045" v="1494" actId="20577"/>
+          <ac:spMkLst>
+            <pc:docMk/>
+            <pc:sldMk cId="1817230700" sldId="359"/>
+            <ac:spMk id="5" creationId="{0D8F79E0-8004-D080-A1DB-91C9F715B9C1}"/>
+          </ac:spMkLst>
+        </pc:spChg>
+        <pc:spChg chg="mod">
+          <ac:chgData name="Uhr, Vinzenz Nathan (STUDENTS)" userId="f4f67b1a-e021-4569-b4a5-fe6b7216375a" providerId="ADAL" clId="{1B412370-03EF-43FC-8E5A-92C57D904F98}" dt="2023-12-17T12:48:33.946" v="1493" actId="20577"/>
+          <ac:spMkLst>
+            <pc:docMk/>
+            <pc:sldMk cId="1817230700" sldId="359"/>
+            <ac:spMk id="6" creationId="{2061B201-F227-FA31-2254-A7112A8171FC}"/>
+          </ac:spMkLst>
+        </pc:spChg>
+        <pc:spChg chg="mod">
+          <ac:chgData name="Uhr, Vinzenz Nathan (STUDENTS)" userId="f4f67b1a-e021-4569-b4a5-fe6b7216375a" providerId="ADAL" clId="{1B412370-03EF-43FC-8E5A-92C57D904F98}" dt="2023-12-17T12:49:07.581" v="1500" actId="20577"/>
+          <ac:spMkLst>
+            <pc:docMk/>
+            <pc:sldMk cId="1817230700" sldId="359"/>
+            <ac:spMk id="8" creationId="{C623C825-F4EC-9A85-5D47-75F36717A849}"/>
+          </ac:spMkLst>
+        </pc:spChg>
+      </pc:sldChg>
+      <pc:sldChg chg="addSp delSp modSp new mod">
+        <pc:chgData name="Uhr, Vinzenz Nathan (STUDENTS)" userId="f4f67b1a-e021-4569-b4a5-fe6b7216375a" providerId="ADAL" clId="{1B412370-03EF-43FC-8E5A-92C57D904F98}" dt="2023-12-17T12:57:27.949" v="1842" actId="207"/>
+        <pc:sldMkLst>
+          <pc:docMk/>
+          <pc:sldMk cId="4131531160" sldId="360"/>
+        </pc:sldMkLst>
+        <pc:spChg chg="mod">
+          <ac:chgData name="Uhr, Vinzenz Nathan (STUDENTS)" userId="f4f67b1a-e021-4569-b4a5-fe6b7216375a" providerId="ADAL" clId="{1B412370-03EF-43FC-8E5A-92C57D904F98}" dt="2023-12-17T12:53:01.663" v="1523" actId="5793"/>
+          <ac:spMkLst>
+            <pc:docMk/>
+            <pc:sldMk cId="4131531160" sldId="360"/>
+            <ac:spMk id="3" creationId="{65C54322-3AFB-6B90-7991-F5DCF32419DC}"/>
+          </ac:spMkLst>
+        </pc:spChg>
+        <pc:spChg chg="mod">
+          <ac:chgData name="Uhr, Vinzenz Nathan (STUDENTS)" userId="f4f67b1a-e021-4569-b4a5-fe6b7216375a" providerId="ADAL" clId="{1B412370-03EF-43FC-8E5A-92C57D904F98}" dt="2023-12-17T12:54:56.799" v="1706" actId="20577"/>
+          <ac:spMkLst>
+            <pc:docMk/>
+            <pc:sldMk cId="4131531160" sldId="360"/>
+            <ac:spMk id="4" creationId="{72D67A95-CBDB-2F4F-4B63-419F5AD03318}"/>
+          </ac:spMkLst>
+        </pc:spChg>
+        <pc:spChg chg="mod">
+          <ac:chgData name="Uhr, Vinzenz Nathan (STUDENTS)" userId="f4f67b1a-e021-4569-b4a5-fe6b7216375a" providerId="ADAL" clId="{1B412370-03EF-43FC-8E5A-92C57D904F98}" dt="2023-12-17T12:57:27.949" v="1842" actId="207"/>
+          <ac:spMkLst>
+            <pc:docMk/>
+            <pc:sldMk cId="4131531160" sldId="360"/>
+            <ac:spMk id="6" creationId="{C2378552-6982-B224-57A9-A5FE26C7ECB1}"/>
+          </ac:spMkLst>
+        </pc:spChg>
+        <pc:spChg chg="mod">
+          <ac:chgData name="Uhr, Vinzenz Nathan (STUDENTS)" userId="f4f67b1a-e021-4569-b4a5-fe6b7216375a" providerId="ADAL" clId="{1B412370-03EF-43FC-8E5A-92C57D904F98}" dt="2023-12-17T12:55:29.546" v="1739" actId="20577"/>
+          <ac:spMkLst>
+            <pc:docMk/>
+            <pc:sldMk cId="4131531160" sldId="360"/>
+            <ac:spMk id="8" creationId="{47E7FE34-E313-80E1-3542-E7E7C9E83C35}"/>
+          </ac:spMkLst>
+        </pc:spChg>
+        <pc:picChg chg="add del mod">
+          <ac:chgData name="Uhr, Vinzenz Nathan (STUDENTS)" userId="f4f67b1a-e021-4569-b4a5-fe6b7216375a" providerId="ADAL" clId="{1B412370-03EF-43FC-8E5A-92C57D904F98}" dt="2023-12-17T12:56:11.038" v="1773" actId="478"/>
+          <ac:picMkLst>
+            <pc:docMk/>
+            <pc:sldMk cId="4131531160" sldId="360"/>
+            <ac:picMk id="10" creationId="{C88DD0CD-4DFA-07DF-BFA3-67C54997BEFF}"/>
+          </ac:picMkLst>
+        </pc:picChg>
+        <pc:picChg chg="add mod">
+          <ac:chgData name="Uhr, Vinzenz Nathan (STUDENTS)" userId="f4f67b1a-e021-4569-b4a5-fe6b7216375a" providerId="ADAL" clId="{1B412370-03EF-43FC-8E5A-92C57D904F98}" dt="2023-12-17T12:57:07.544" v="1838" actId="1076"/>
+          <ac:picMkLst>
+            <pc:docMk/>
+            <pc:sldMk cId="4131531160" sldId="360"/>
+            <ac:picMk id="12" creationId="{0BEB866B-6D46-2FEE-2ABF-86E5621D8507}"/>
+          </ac:picMkLst>
+        </pc:picChg>
+      </pc:sldChg>
+      <pc:sldChg chg="modSp new mod">
+        <pc:chgData name="Uhr, Vinzenz Nathan (STUDENTS)" userId="f4f67b1a-e021-4569-b4a5-fe6b7216375a" providerId="ADAL" clId="{1B412370-03EF-43FC-8E5A-92C57D904F98}" dt="2023-12-17T13:01:14.321" v="2183" actId="20577"/>
+        <pc:sldMkLst>
+          <pc:docMk/>
+          <pc:sldMk cId="3708444663" sldId="361"/>
+        </pc:sldMkLst>
+        <pc:spChg chg="mod">
+          <ac:chgData name="Uhr, Vinzenz Nathan (STUDENTS)" userId="f4f67b1a-e021-4569-b4a5-fe6b7216375a" providerId="ADAL" clId="{1B412370-03EF-43FC-8E5A-92C57D904F98}" dt="2023-12-17T13:01:14.321" v="2183" actId="20577"/>
+          <ac:spMkLst>
+            <pc:docMk/>
+            <pc:sldMk cId="3708444663" sldId="361"/>
+            <ac:spMk id="4" creationId="{BEED3CE5-AF25-B789-B484-FC394F32703B}"/>
+          </ac:spMkLst>
+        </pc:spChg>
+        <pc:spChg chg="mod">
+          <ac:chgData name="Uhr, Vinzenz Nathan (STUDENTS)" userId="f4f67b1a-e021-4569-b4a5-fe6b7216375a" providerId="ADAL" clId="{1B412370-03EF-43FC-8E5A-92C57D904F98}" dt="2023-12-17T12:55:08.079" v="1717" actId="20577"/>
+          <ac:spMkLst>
+            <pc:docMk/>
+            <pc:sldMk cId="3708444663" sldId="361"/>
+            <ac:spMk id="8" creationId="{72B5AB08-A1FA-78E3-3960-A99497296E7D}"/>
+          </ac:spMkLst>
+        </pc:spChg>
+      </pc:sldChg>
+      <pc:sldChg chg="modSp add del mod">
+        <pc:chgData name="Uhr, Vinzenz Nathan (STUDENTS)" userId="f4f67b1a-e021-4569-b4a5-fe6b7216375a" providerId="ADAL" clId="{1B412370-03EF-43FC-8E5A-92C57D904F98}" dt="2023-12-17T14:40:07.893" v="3534" actId="47"/>
+        <pc:sldMkLst>
+          <pc:docMk/>
+          <pc:sldMk cId="29540087" sldId="362"/>
+        </pc:sldMkLst>
+        <pc:spChg chg="mod">
+          <ac:chgData name="Uhr, Vinzenz Nathan (STUDENTS)" userId="f4f67b1a-e021-4569-b4a5-fe6b7216375a" providerId="ADAL" clId="{1B412370-03EF-43FC-8E5A-92C57D904F98}" dt="2023-12-17T13:02:48.503" v="2199" actId="20577"/>
+          <ac:spMkLst>
+            <pc:docMk/>
+            <pc:sldMk cId="29540087" sldId="362"/>
+            <ac:spMk id="4" creationId="{695F92CF-A460-955B-BE6A-033972C8D7EF}"/>
+          </ac:spMkLst>
+        </pc:spChg>
+      </pc:sldChg>
+      <pc:sldChg chg="modSp new del mod">
+        <pc:chgData name="Uhr, Vinzenz Nathan (STUDENTS)" userId="f4f67b1a-e021-4569-b4a5-fe6b7216375a" providerId="ADAL" clId="{1B412370-03EF-43FC-8E5A-92C57D904F98}" dt="2023-12-17T12:57:43.718" v="1843" actId="47"/>
+        <pc:sldMkLst>
+          <pc:docMk/>
+          <pc:sldMk cId="1968228176" sldId="362"/>
+        </pc:sldMkLst>
+        <pc:spChg chg="mod">
+          <ac:chgData name="Uhr, Vinzenz Nathan (STUDENTS)" userId="f4f67b1a-e021-4569-b4a5-fe6b7216375a" providerId="ADAL" clId="{1B412370-03EF-43FC-8E5A-92C57D904F98}" dt="2023-12-17T12:55:38.746" v="1772" actId="20577"/>
+          <ac:spMkLst>
+            <pc:docMk/>
+            <pc:sldMk cId="1968228176" sldId="362"/>
+            <ac:spMk id="8" creationId="{17A14700-178B-F27B-1D19-44483E04A7DF}"/>
+          </ac:spMkLst>
+        </pc:spChg>
+      </pc:sldChg>
+      <pc:sldChg chg="addSp delSp modSp add mod">
+        <pc:chgData name="Uhr, Vinzenz Nathan (STUDENTS)" userId="f4f67b1a-e021-4569-b4a5-fe6b7216375a" providerId="ADAL" clId="{1B412370-03EF-43FC-8E5A-92C57D904F98}" dt="2023-12-17T15:45:12.230" v="3910" actId="207"/>
+        <pc:sldMkLst>
+          <pc:docMk/>
+          <pc:sldMk cId="1408582473" sldId="363"/>
+        </pc:sldMkLst>
+        <pc:spChg chg="mod">
+          <ac:chgData name="Uhr, Vinzenz Nathan (STUDENTS)" userId="f4f67b1a-e021-4569-b4a5-fe6b7216375a" providerId="ADAL" clId="{1B412370-03EF-43FC-8E5A-92C57D904F98}" dt="2023-12-17T15:42:30.077" v="3818" actId="20577"/>
+          <ac:spMkLst>
+            <pc:docMk/>
+            <pc:sldMk cId="1408582473" sldId="363"/>
+            <ac:spMk id="3" creationId="{B446FCBC-55A4-EF90-93EB-E2FB4D54B8AC}"/>
+          </ac:spMkLst>
+        </pc:spChg>
+        <pc:spChg chg="mod">
+          <ac:chgData name="Uhr, Vinzenz Nathan (STUDENTS)" userId="f4f67b1a-e021-4569-b4a5-fe6b7216375a" providerId="ADAL" clId="{1B412370-03EF-43FC-8E5A-92C57D904F98}" dt="2023-12-17T15:45:12.230" v="3910" actId="207"/>
+          <ac:spMkLst>
+            <pc:docMk/>
+            <pc:sldMk cId="1408582473" sldId="363"/>
+            <ac:spMk id="4" creationId="{07CCB809-4A35-AAA7-F903-AA60D27FBE35}"/>
+          </ac:spMkLst>
+        </pc:spChg>
+        <pc:spChg chg="mod">
+          <ac:chgData name="Uhr, Vinzenz Nathan (STUDENTS)" userId="f4f67b1a-e021-4569-b4a5-fe6b7216375a" providerId="ADAL" clId="{1B412370-03EF-43FC-8E5A-92C57D904F98}" dt="2023-12-17T14:41:07.807" v="3553" actId="13926"/>
+          <ac:spMkLst>
+            <pc:docMk/>
+            <pc:sldMk cId="1408582473" sldId="363"/>
+            <ac:spMk id="6" creationId="{2061B201-F227-FA31-2254-A7112A8171FC}"/>
+          </ac:spMkLst>
+        </pc:spChg>
+        <pc:spChg chg="mod">
+          <ac:chgData name="Uhr, Vinzenz Nathan (STUDENTS)" userId="f4f67b1a-e021-4569-b4a5-fe6b7216375a" providerId="ADAL" clId="{1B412370-03EF-43FC-8E5A-92C57D904F98}" dt="2023-12-17T13:17:48.061" v="2232" actId="20577"/>
+          <ac:spMkLst>
+            <pc:docMk/>
+            <pc:sldMk cId="1408582473" sldId="363"/>
+            <ac:spMk id="8" creationId="{C623C825-F4EC-9A85-5D47-75F36717A849}"/>
+          </ac:spMkLst>
+        </pc:spChg>
+        <pc:spChg chg="add mod">
+          <ac:chgData name="Uhr, Vinzenz Nathan (STUDENTS)" userId="f4f67b1a-e021-4569-b4a5-fe6b7216375a" providerId="ADAL" clId="{1B412370-03EF-43FC-8E5A-92C57D904F98}" dt="2023-12-17T15:44:46.919" v="3909" actId="1036"/>
+          <ac:spMkLst>
+            <pc:docMk/>
+            <pc:sldMk cId="1408582473" sldId="363"/>
+            <ac:spMk id="9" creationId="{5C1AC722-2F37-81F9-F766-EBC7EB33788B}"/>
+          </ac:spMkLst>
+        </pc:spChg>
+        <pc:picChg chg="add mod">
+          <ac:chgData name="Uhr, Vinzenz Nathan (STUDENTS)" userId="f4f67b1a-e021-4569-b4a5-fe6b7216375a" providerId="ADAL" clId="{1B412370-03EF-43FC-8E5A-92C57D904F98}" dt="2023-12-17T15:44:46.919" v="3909" actId="1036"/>
+          <ac:picMkLst>
+            <pc:docMk/>
+            <pc:sldMk cId="1408582473" sldId="363"/>
+            <ac:picMk id="11" creationId="{E43C456C-BE83-38EC-C63D-E191A20E45A0}"/>
+          </ac:picMkLst>
+        </pc:picChg>
+        <pc:picChg chg="add del mod">
+          <ac:chgData name="Uhr, Vinzenz Nathan (STUDENTS)" userId="f4f67b1a-e021-4569-b4a5-fe6b7216375a" providerId="ADAL" clId="{1B412370-03EF-43FC-8E5A-92C57D904F98}" dt="2023-12-17T15:40:23.916" v="3704" actId="478"/>
+          <ac:picMkLst>
+            <pc:docMk/>
+            <pc:sldMk cId="1408582473" sldId="363"/>
+            <ac:picMk id="12" creationId="{EF3D3CB8-87A9-33B1-A46B-A9F250377520}"/>
+          </ac:picMkLst>
+        </pc:picChg>
+      </pc:sldChg>
+      <pc:sldChg chg="addSp modSp new del mod">
+        <pc:chgData name="Uhr, Vinzenz Nathan (STUDENTS)" userId="f4f67b1a-e021-4569-b4a5-fe6b7216375a" providerId="ADAL" clId="{1B412370-03EF-43FC-8E5A-92C57D904F98}" dt="2023-12-17T13:46:56.731" v="2358" actId="47"/>
+        <pc:sldMkLst>
+          <pc:docMk/>
+          <pc:sldMk cId="3186789533" sldId="364"/>
+        </pc:sldMkLst>
+        <pc:spChg chg="mod">
+          <ac:chgData name="Uhr, Vinzenz Nathan (STUDENTS)" userId="f4f67b1a-e021-4569-b4a5-fe6b7216375a" providerId="ADAL" clId="{1B412370-03EF-43FC-8E5A-92C57D904F98}" dt="2023-12-17T13:19:27.954" v="2266" actId="20577"/>
+          <ac:spMkLst>
+            <pc:docMk/>
+            <pc:sldMk cId="3186789533" sldId="364"/>
+            <ac:spMk id="8" creationId="{AC7701F3-38ED-D65E-6070-B7BC3C6F687F}"/>
+          </ac:spMkLst>
+        </pc:spChg>
+        <pc:picChg chg="add mod">
+          <ac:chgData name="Uhr, Vinzenz Nathan (STUDENTS)" userId="f4f67b1a-e021-4569-b4a5-fe6b7216375a" providerId="ADAL" clId="{1B412370-03EF-43FC-8E5A-92C57D904F98}" dt="2023-12-17T13:21:52.894" v="2270" actId="14100"/>
+          <ac:picMkLst>
+            <pc:docMk/>
+            <pc:sldMk cId="3186789533" sldId="364"/>
+            <ac:picMk id="10" creationId="{A45D931B-BD2F-B062-AE02-0A144FC53503}"/>
+          </ac:picMkLst>
+        </pc:picChg>
+      </pc:sldChg>
+      <pc:sldChg chg="addSp delSp modSp add mod">
+        <pc:chgData name="Uhr, Vinzenz Nathan (STUDENTS)" userId="f4f67b1a-e021-4569-b4a5-fe6b7216375a" providerId="ADAL" clId="{1B412370-03EF-43FC-8E5A-92C57D904F98}" dt="2023-12-17T15:50:47.402" v="4024" actId="20577"/>
+        <pc:sldMkLst>
+          <pc:docMk/>
+          <pc:sldMk cId="2702227377" sldId="365"/>
+        </pc:sldMkLst>
+        <pc:spChg chg="mod">
+          <ac:chgData name="Uhr, Vinzenz Nathan (STUDENTS)" userId="f4f67b1a-e021-4569-b4a5-fe6b7216375a" providerId="ADAL" clId="{1B412370-03EF-43FC-8E5A-92C57D904F98}" dt="2023-12-17T15:37:54.325" v="3679" actId="13926"/>
+          <ac:spMkLst>
+            <pc:docMk/>
+            <pc:sldMk cId="2702227377" sldId="365"/>
+            <ac:spMk id="3" creationId="{65C54322-3AFB-6B90-7991-F5DCF32419DC}"/>
+          </ac:spMkLst>
+        </pc:spChg>
+        <pc:spChg chg="mod">
+          <ac:chgData name="Uhr, Vinzenz Nathan (STUDENTS)" userId="f4f67b1a-e021-4569-b4a5-fe6b7216375a" providerId="ADAL" clId="{1B412370-03EF-43FC-8E5A-92C57D904F98}" dt="2023-12-17T15:50:47.402" v="4024" actId="20577"/>
+          <ac:spMkLst>
+            <pc:docMk/>
+            <pc:sldMk cId="2702227377" sldId="365"/>
+            <ac:spMk id="4" creationId="{72D67A95-CBDB-2F4F-4B63-419F5AD03318}"/>
+          </ac:spMkLst>
+        </pc:spChg>
+        <pc:spChg chg="add del mod ord">
+          <ac:chgData name="Uhr, Vinzenz Nathan (STUDENTS)" userId="f4f67b1a-e021-4569-b4a5-fe6b7216375a" providerId="ADAL" clId="{1B412370-03EF-43FC-8E5A-92C57D904F98}" dt="2023-12-17T15:50:11.432" v="4012" actId="167"/>
+          <ac:spMkLst>
+            <pc:docMk/>
+            <pc:sldMk cId="2702227377" sldId="365"/>
+            <ac:spMk id="6" creationId="{C2378552-6982-B224-57A9-A5FE26C7ECB1}"/>
+          </ac:spMkLst>
+        </pc:spChg>
+        <pc:spChg chg="mod">
+          <ac:chgData name="Uhr, Vinzenz Nathan (STUDENTS)" userId="f4f67b1a-e021-4569-b4a5-fe6b7216375a" providerId="ADAL" clId="{1B412370-03EF-43FC-8E5A-92C57D904F98}" dt="2023-12-17T13:22:04.556" v="2272"/>
+          <ac:spMkLst>
+            <pc:docMk/>
+            <pc:sldMk cId="2702227377" sldId="365"/>
+            <ac:spMk id="8" creationId="{47E7FE34-E313-80E1-3542-E7E7C9E83C35}"/>
+          </ac:spMkLst>
+        </pc:spChg>
+        <pc:spChg chg="add del mod">
+          <ac:chgData name="Uhr, Vinzenz Nathan (STUDENTS)" userId="f4f67b1a-e021-4569-b4a5-fe6b7216375a" providerId="ADAL" clId="{1B412370-03EF-43FC-8E5A-92C57D904F98}" dt="2023-12-17T13:22:31.640" v="2281" actId="478"/>
+          <ac:spMkLst>
+            <pc:docMk/>
+            <pc:sldMk cId="2702227377" sldId="365"/>
+            <ac:spMk id="11" creationId="{384593E6-A676-E636-6B6D-41282F9A0B1F}"/>
+          </ac:spMkLst>
+        </pc:spChg>
+        <pc:picChg chg="add del mod ord">
+          <ac:chgData name="Uhr, Vinzenz Nathan (STUDENTS)" userId="f4f67b1a-e021-4569-b4a5-fe6b7216375a" providerId="ADAL" clId="{1B412370-03EF-43FC-8E5A-92C57D904F98}" dt="2023-12-17T13:46:52.300" v="2357" actId="478"/>
+          <ac:picMkLst>
+            <pc:docMk/>
+            <pc:sldMk cId="2702227377" sldId="365"/>
+            <ac:picMk id="9" creationId="{1EC5430D-6DC1-DEC1-C51F-14FCB805142D}"/>
+          </ac:picMkLst>
+        </pc:picChg>
+        <pc:picChg chg="del">
+          <ac:chgData name="Uhr, Vinzenz Nathan (STUDENTS)" userId="f4f67b1a-e021-4569-b4a5-fe6b7216375a" providerId="ADAL" clId="{1B412370-03EF-43FC-8E5A-92C57D904F98}" dt="2023-12-17T13:22:22.259" v="2279" actId="478"/>
+          <ac:picMkLst>
+            <pc:docMk/>
+            <pc:sldMk cId="2702227377" sldId="365"/>
+            <ac:picMk id="12" creationId="{0BEB866B-6D46-2FEE-2ABF-86E5621D8507}"/>
+          </ac:picMkLst>
+        </pc:picChg>
+        <pc:picChg chg="add del mod">
+          <ac:chgData name="Uhr, Vinzenz Nathan (STUDENTS)" userId="f4f67b1a-e021-4569-b4a5-fe6b7216375a" providerId="ADAL" clId="{1B412370-03EF-43FC-8E5A-92C57D904F98}" dt="2023-12-17T15:50:07.903" v="4011" actId="478"/>
+          <ac:picMkLst>
+            <pc:docMk/>
+            <pc:sldMk cId="2702227377" sldId="365"/>
+            <ac:picMk id="14" creationId="{6A148630-B2D7-DD78-DAE0-46D58B433933}"/>
+          </ac:picMkLst>
+        </pc:picChg>
+        <pc:picChg chg="add del mod">
+          <ac:chgData name="Uhr, Vinzenz Nathan (STUDENTS)" userId="f4f67b1a-e021-4569-b4a5-fe6b7216375a" providerId="ADAL" clId="{1B412370-03EF-43FC-8E5A-92C57D904F98}" dt="2023-12-17T15:35:24.749" v="3564" actId="478"/>
+          <ac:picMkLst>
+            <pc:docMk/>
+            <pc:sldMk cId="2702227377" sldId="365"/>
+            <ac:picMk id="15" creationId="{AE570718-05B2-9A03-0E1B-4B66AFC5C7C8}"/>
+          </ac:picMkLst>
+        </pc:picChg>
+        <pc:picChg chg="add mod ord">
+          <ac:chgData name="Uhr, Vinzenz Nathan (STUDENTS)" userId="f4f67b1a-e021-4569-b4a5-fe6b7216375a" providerId="ADAL" clId="{1B412370-03EF-43FC-8E5A-92C57D904F98}" dt="2023-12-17T15:50:14.187" v="4013" actId="166"/>
+          <ac:picMkLst>
+            <pc:docMk/>
+            <pc:sldMk cId="2702227377" sldId="365"/>
+            <ac:picMk id="17" creationId="{2A630AFF-7CF1-C8CF-BAE0-ADE035A50284}"/>
+          </ac:picMkLst>
+        </pc:picChg>
+      </pc:sldChg>
+      <pc:sldChg chg="addSp delSp modSp new mod">
+        <pc:chgData name="Uhr, Vinzenz Nathan (STUDENTS)" userId="f4f67b1a-e021-4569-b4a5-fe6b7216375a" providerId="ADAL" clId="{1B412370-03EF-43FC-8E5A-92C57D904F98}" dt="2023-12-17T13:48:27.956" v="2393" actId="478"/>
+        <pc:sldMkLst>
+          <pc:docMk/>
+          <pc:sldMk cId="2412273423" sldId="366"/>
+        </pc:sldMkLst>
+        <pc:spChg chg="del">
+          <ac:chgData name="Uhr, Vinzenz Nathan (STUDENTS)" userId="f4f67b1a-e021-4569-b4a5-fe6b7216375a" providerId="ADAL" clId="{1B412370-03EF-43FC-8E5A-92C57D904F98}" dt="2023-12-17T13:48:27.956" v="2393" actId="478"/>
+          <ac:spMkLst>
+            <pc:docMk/>
+            <pc:sldMk cId="2412273423" sldId="366"/>
+            <ac:spMk id="2" creationId="{1A44AD57-923D-98B6-0710-BE55FB8DDC77}"/>
+          </ac:spMkLst>
+        </pc:spChg>
+        <pc:spChg chg="mod">
+          <ac:chgData name="Uhr, Vinzenz Nathan (STUDENTS)" userId="f4f67b1a-e021-4569-b4a5-fe6b7216375a" providerId="ADAL" clId="{1B412370-03EF-43FC-8E5A-92C57D904F98}" dt="2023-12-17T13:48:24.947" v="2392" actId="20577"/>
+          <ac:spMkLst>
+            <pc:docMk/>
+            <pc:sldMk cId="2412273423" sldId="366"/>
+            <ac:spMk id="8" creationId="{3780F98F-B245-3FF5-69BD-C5D7D2D1BBE9}"/>
+          </ac:spMkLst>
+        </pc:spChg>
+        <pc:picChg chg="add mod">
+          <ac:chgData name="Uhr, Vinzenz Nathan (STUDENTS)" userId="f4f67b1a-e021-4569-b4a5-fe6b7216375a" providerId="ADAL" clId="{1B412370-03EF-43FC-8E5A-92C57D904F98}" dt="2023-12-17T13:48:20.868" v="2375" actId="1076"/>
+          <ac:picMkLst>
+            <pc:docMk/>
+            <pc:sldMk cId="2412273423" sldId="366"/>
+            <ac:picMk id="10" creationId="{989CB69D-D768-53EB-44C7-6EEA5C5282C5}"/>
+          </ac:picMkLst>
+        </pc:picChg>
+      </pc:sldChg>
+      <pc:sldChg chg="modSp add del mod">
+        <pc:chgData name="Uhr, Vinzenz Nathan (STUDENTS)" userId="f4f67b1a-e021-4569-b4a5-fe6b7216375a" providerId="ADAL" clId="{1B412370-03EF-43FC-8E5A-92C57D904F98}" dt="2023-12-17T14:40:38.276" v="3547" actId="47"/>
+        <pc:sldMkLst>
+          <pc:docMk/>
+          <pc:sldMk cId="1116412714" sldId="367"/>
+        </pc:sldMkLst>
+        <pc:spChg chg="mod">
+          <ac:chgData name="Uhr, Vinzenz Nathan (STUDENTS)" userId="f4f67b1a-e021-4569-b4a5-fe6b7216375a" providerId="ADAL" clId="{1B412370-03EF-43FC-8E5A-92C57D904F98}" dt="2023-12-17T13:47:37.804" v="2373" actId="20577"/>
+          <ac:spMkLst>
+            <pc:docMk/>
+            <pc:sldMk cId="1116412714" sldId="367"/>
+            <ac:spMk id="4" creationId="{695F92CF-A460-955B-BE6A-033972C8D7EF}"/>
+          </ac:spMkLst>
+        </pc:spChg>
+      </pc:sldChg>
+      <pc:sldChg chg="new del">
+        <pc:chgData name="Uhr, Vinzenz Nathan (STUDENTS)" userId="f4f67b1a-e021-4569-b4a5-fe6b7216375a" providerId="ADAL" clId="{1B412370-03EF-43FC-8E5A-92C57D904F98}" dt="2023-12-17T13:48:34.493" v="2395" actId="47"/>
+        <pc:sldMkLst>
+          <pc:docMk/>
+          <pc:sldMk cId="3115408663" sldId="368"/>
+        </pc:sldMkLst>
+      </pc:sldChg>
+      <pc:sldChg chg="addSp delSp modSp add mod">
+        <pc:chgData name="Uhr, Vinzenz Nathan (STUDENTS)" userId="f4f67b1a-e021-4569-b4a5-fe6b7216375a" providerId="ADAL" clId="{1B412370-03EF-43FC-8E5A-92C57D904F98}" dt="2023-12-17T16:17:40.486" v="4133" actId="1076"/>
+        <pc:sldMkLst>
+          <pc:docMk/>
+          <pc:sldMk cId="3469000355" sldId="368"/>
+        </pc:sldMkLst>
+        <pc:spChg chg="mod">
+          <ac:chgData name="Uhr, Vinzenz Nathan (STUDENTS)" userId="f4f67b1a-e021-4569-b4a5-fe6b7216375a" providerId="ADAL" clId="{1B412370-03EF-43FC-8E5A-92C57D904F98}" dt="2023-12-17T16:16:26.836" v="4126" actId="13926"/>
+          <ac:spMkLst>
+            <pc:docMk/>
+            <pc:sldMk cId="3469000355" sldId="368"/>
+            <ac:spMk id="4" creationId="{72D67A95-CBDB-2F4F-4B63-419F5AD03318}"/>
+          </ac:spMkLst>
+        </pc:spChg>
+        <pc:spChg chg="mod">
+          <ac:chgData name="Uhr, Vinzenz Nathan (STUDENTS)" userId="f4f67b1a-e021-4569-b4a5-fe6b7216375a" providerId="ADAL" clId="{1B412370-03EF-43FC-8E5A-92C57D904F98}" dt="2023-12-17T16:17:35.961" v="4132" actId="20577"/>
+          <ac:spMkLst>
+            <pc:docMk/>
+            <pc:sldMk cId="3469000355" sldId="368"/>
+            <ac:spMk id="6" creationId="{C2378552-6982-B224-57A9-A5FE26C7ECB1}"/>
+          </ac:spMkLst>
+        </pc:spChg>
+        <pc:spChg chg="mod">
+          <ac:chgData name="Uhr, Vinzenz Nathan (STUDENTS)" userId="f4f67b1a-e021-4569-b4a5-fe6b7216375a" providerId="ADAL" clId="{1B412370-03EF-43FC-8E5A-92C57D904F98}" dt="2023-12-17T14:41:21.921" v="3556" actId="20577"/>
+          <ac:spMkLst>
+            <pc:docMk/>
+            <pc:sldMk cId="3469000355" sldId="368"/>
+            <ac:spMk id="8" creationId="{47E7FE34-E313-80E1-3542-E7E7C9E83C35}"/>
+          </ac:spMkLst>
+        </pc:spChg>
+        <pc:picChg chg="add mod">
+          <ac:chgData name="Uhr, Vinzenz Nathan (STUDENTS)" userId="f4f67b1a-e021-4569-b4a5-fe6b7216375a" providerId="ADAL" clId="{1B412370-03EF-43FC-8E5A-92C57D904F98}" dt="2023-12-17T16:17:40.486" v="4133" actId="1076"/>
+          <ac:picMkLst>
+            <pc:docMk/>
+            <pc:sldMk cId="3469000355" sldId="368"/>
+            <ac:picMk id="10" creationId="{ABE87ED6-25B2-37CB-FAC0-E4A9C12A21FA}"/>
+          </ac:picMkLst>
+        </pc:picChg>
+        <pc:picChg chg="del">
+          <ac:chgData name="Uhr, Vinzenz Nathan (STUDENTS)" userId="f4f67b1a-e021-4569-b4a5-fe6b7216375a" providerId="ADAL" clId="{1B412370-03EF-43FC-8E5A-92C57D904F98}" dt="2023-12-17T16:17:33.634" v="4131" actId="478"/>
+          <ac:picMkLst>
+            <pc:docMk/>
+            <pc:sldMk cId="3469000355" sldId="368"/>
+            <ac:picMk id="12" creationId="{0BEB866B-6D46-2FEE-2ABF-86E5621D8507}"/>
+          </ac:picMkLst>
+        </pc:picChg>
+      </pc:sldChg>
+      <pc:sldChg chg="modSp add del mod">
+        <pc:chgData name="Uhr, Vinzenz Nathan (STUDENTS)" userId="f4f67b1a-e021-4569-b4a5-fe6b7216375a" providerId="ADAL" clId="{1B412370-03EF-43FC-8E5A-92C57D904F98}" dt="2023-12-17T14:40:13.503" v="3536" actId="47"/>
+        <pc:sldMkLst>
+          <pc:docMk/>
+          <pc:sldMk cId="420999742" sldId="369"/>
+        </pc:sldMkLst>
+        <pc:spChg chg="mod">
+          <ac:chgData name="Uhr, Vinzenz Nathan (STUDENTS)" userId="f4f67b1a-e021-4569-b4a5-fe6b7216375a" providerId="ADAL" clId="{1B412370-03EF-43FC-8E5A-92C57D904F98}" dt="2023-12-17T13:51:51.421" v="2642" actId="20577"/>
+          <ac:spMkLst>
+            <pc:docMk/>
+            <pc:sldMk cId="420999742" sldId="369"/>
+            <ac:spMk id="4" creationId="{695F92CF-A460-955B-BE6A-033972C8D7EF}"/>
+          </ac:spMkLst>
+        </pc:spChg>
+      </pc:sldChg>
+      <pc:sldChg chg="delSp modSp add mod">
+        <pc:chgData name="Uhr, Vinzenz Nathan (STUDENTS)" userId="f4f67b1a-e021-4569-b4a5-fe6b7216375a" providerId="ADAL" clId="{1B412370-03EF-43FC-8E5A-92C57D904F98}" dt="2023-12-17T16:18:27.951" v="4135" actId="13926"/>
+        <pc:sldMkLst>
+          <pc:docMk/>
+          <pc:sldMk cId="113158588" sldId="370"/>
+        </pc:sldMkLst>
+        <pc:spChg chg="mod">
+          <ac:chgData name="Uhr, Vinzenz Nathan (STUDENTS)" userId="f4f67b1a-e021-4569-b4a5-fe6b7216375a" providerId="ADAL" clId="{1B412370-03EF-43FC-8E5A-92C57D904F98}" dt="2023-12-17T13:51:00.336" v="2534" actId="20577"/>
+          <ac:spMkLst>
+            <pc:docMk/>
+            <pc:sldMk cId="113158588" sldId="370"/>
+            <ac:spMk id="3" creationId="{65C54322-3AFB-6B90-7991-F5DCF32419DC}"/>
+          </ac:spMkLst>
+        </pc:spChg>
+        <pc:spChg chg="mod">
+          <ac:chgData name="Uhr, Vinzenz Nathan (STUDENTS)" userId="f4f67b1a-e021-4569-b4a5-fe6b7216375a" providerId="ADAL" clId="{1B412370-03EF-43FC-8E5A-92C57D904F98}" dt="2023-12-17T16:18:27.951" v="4135" actId="13926"/>
+          <ac:spMkLst>
+            <pc:docMk/>
+            <pc:sldMk cId="113158588" sldId="370"/>
+            <ac:spMk id="4" creationId="{72D67A95-CBDB-2F4F-4B63-419F5AD03318}"/>
+          </ac:spMkLst>
+        </pc:spChg>
+        <pc:spChg chg="mod">
+          <ac:chgData name="Uhr, Vinzenz Nathan (STUDENTS)" userId="f4f67b1a-e021-4569-b4a5-fe6b7216375a" providerId="ADAL" clId="{1B412370-03EF-43FC-8E5A-92C57D904F98}" dt="2023-12-17T13:52:22.108" v="2672" actId="20577"/>
+          <ac:spMkLst>
+            <pc:docMk/>
+            <pc:sldMk cId="113158588" sldId="370"/>
+            <ac:spMk id="6" creationId="{C2378552-6982-B224-57A9-A5FE26C7ECB1}"/>
+          </ac:spMkLst>
+        </pc:spChg>
+        <pc:spChg chg="mod">
+          <ac:chgData name="Uhr, Vinzenz Nathan (STUDENTS)" userId="f4f67b1a-e021-4569-b4a5-fe6b7216375a" providerId="ADAL" clId="{1B412370-03EF-43FC-8E5A-92C57D904F98}" dt="2023-12-17T13:52:09.185" v="2661" actId="20577"/>
+          <ac:spMkLst>
+            <pc:docMk/>
+            <pc:sldMk cId="113158588" sldId="370"/>
+            <ac:spMk id="8" creationId="{47E7FE34-E313-80E1-3542-E7E7C9E83C35}"/>
+          </ac:spMkLst>
+        </pc:spChg>
+        <pc:picChg chg="del">
+          <ac:chgData name="Uhr, Vinzenz Nathan (STUDENTS)" userId="f4f67b1a-e021-4569-b4a5-fe6b7216375a" providerId="ADAL" clId="{1B412370-03EF-43FC-8E5A-92C57D904F98}" dt="2023-12-17T13:52:19.005" v="2669" actId="478"/>
+          <ac:picMkLst>
+            <pc:docMk/>
+            <pc:sldMk cId="113158588" sldId="370"/>
+            <ac:picMk id="12" creationId="{0BEB866B-6D46-2FEE-2ABF-86E5621D8507}"/>
+          </ac:picMkLst>
+        </pc:picChg>
+      </pc:sldChg>
+      <pc:sldChg chg="delSp modSp add mod ord">
+        <pc:chgData name="Uhr, Vinzenz Nathan (STUDENTS)" userId="f4f67b1a-e021-4569-b4a5-fe6b7216375a" providerId="ADAL" clId="{1B412370-03EF-43FC-8E5A-92C57D904F98}" dt="2023-12-17T14:03:31.005" v="3000" actId="478"/>
+        <pc:sldMkLst>
+          <pc:docMk/>
+          <pc:sldMk cId="1108949480" sldId="371"/>
+        </pc:sldMkLst>
+        <pc:spChg chg="mod">
+          <ac:chgData name="Uhr, Vinzenz Nathan (STUDENTS)" userId="f4f67b1a-e021-4569-b4a5-fe6b7216375a" providerId="ADAL" clId="{1B412370-03EF-43FC-8E5A-92C57D904F98}" dt="2023-12-17T14:03:30.565" v="2999" actId="20577"/>
+          <ac:spMkLst>
+            <pc:docMk/>
+            <pc:sldMk cId="1108949480" sldId="371"/>
+            <ac:spMk id="6" creationId="{C2378552-6982-B224-57A9-A5FE26C7ECB1}"/>
+          </ac:spMkLst>
+        </pc:spChg>
+        <pc:picChg chg="del">
+          <ac:chgData name="Uhr, Vinzenz Nathan (STUDENTS)" userId="f4f67b1a-e021-4569-b4a5-fe6b7216375a" providerId="ADAL" clId="{1B412370-03EF-43FC-8E5A-92C57D904F98}" dt="2023-12-17T14:03:31.005" v="3000" actId="478"/>
+          <ac:picMkLst>
+            <pc:docMk/>
+            <pc:sldMk cId="1108949480" sldId="371"/>
+            <ac:picMk id="12" creationId="{0BEB866B-6D46-2FEE-2ABF-86E5621D8507}"/>
+          </ac:picMkLst>
+        </pc:picChg>
+      </pc:sldChg>
+      <pc:sldChg chg="addSp modSp new mod modNotesTx">
+        <pc:chgData name="Uhr, Vinzenz Nathan (STUDENTS)" userId="f4f67b1a-e021-4569-b4a5-fe6b7216375a" providerId="ADAL" clId="{1B412370-03EF-43FC-8E5A-92C57D904F98}" dt="2023-12-17T15:59:46.386" v="4125" actId="20577"/>
+        <pc:sldMkLst>
+          <pc:docMk/>
+          <pc:sldMk cId="2125074707" sldId="372"/>
+        </pc:sldMkLst>
+        <pc:spChg chg="mod">
+          <ac:chgData name="Uhr, Vinzenz Nathan (STUDENTS)" userId="f4f67b1a-e021-4569-b4a5-fe6b7216375a" providerId="ADAL" clId="{1B412370-03EF-43FC-8E5A-92C57D904F98}" dt="2023-12-17T15:59:46.386" v="4125" actId="20577"/>
+          <ac:spMkLst>
+            <pc:docMk/>
+            <pc:sldMk cId="2125074707" sldId="372"/>
+            <ac:spMk id="4" creationId="{3A20D528-4AAF-7815-962E-52C8B803213F}"/>
+          </ac:spMkLst>
+        </pc:spChg>
+        <pc:spChg chg="mod">
+          <ac:chgData name="Uhr, Vinzenz Nathan (STUDENTS)" userId="f4f67b1a-e021-4569-b4a5-fe6b7216375a" providerId="ADAL" clId="{1B412370-03EF-43FC-8E5A-92C57D904F98}" dt="2023-12-17T13:56:09.234" v="2919" actId="20577"/>
+          <ac:spMkLst>
+            <pc:docMk/>
+            <pc:sldMk cId="2125074707" sldId="372"/>
+            <ac:spMk id="6" creationId="{4485FE72-2E3C-4683-BF7E-AF27A2C65C5B}"/>
+          </ac:spMkLst>
+        </pc:spChg>
+        <pc:spChg chg="mod">
+          <ac:chgData name="Uhr, Vinzenz Nathan (STUDENTS)" userId="f4f67b1a-e021-4569-b4a5-fe6b7216375a" providerId="ADAL" clId="{1B412370-03EF-43FC-8E5A-92C57D904F98}" dt="2023-12-17T13:52:35.517" v="2699" actId="20577"/>
+          <ac:spMkLst>
+            <pc:docMk/>
+            <pc:sldMk cId="2125074707" sldId="372"/>
+            <ac:spMk id="8" creationId="{DEBEDC3D-6F6C-5D18-3F70-89CAFDE94F94}"/>
+          </ac:spMkLst>
+        </pc:spChg>
+        <pc:picChg chg="add mod">
+          <ac:chgData name="Uhr, Vinzenz Nathan (STUDENTS)" userId="f4f67b1a-e021-4569-b4a5-fe6b7216375a" providerId="ADAL" clId="{1B412370-03EF-43FC-8E5A-92C57D904F98}" dt="2023-12-17T13:55:54.950" v="2875" actId="14100"/>
+          <ac:picMkLst>
+            <pc:docMk/>
+            <pc:sldMk cId="2125074707" sldId="372"/>
+            <ac:picMk id="10" creationId="{CE4F7A03-E7D6-4149-B5C0-21F5A8CABB5B}"/>
+          </ac:picMkLst>
+        </pc:picChg>
+      </pc:sldChg>
+      <pc:sldChg chg="modSp new mod">
+        <pc:chgData name="Uhr, Vinzenz Nathan (STUDENTS)" userId="f4f67b1a-e021-4569-b4a5-fe6b7216375a" providerId="ADAL" clId="{1B412370-03EF-43FC-8E5A-92C57D904F98}" dt="2023-12-17T14:38:43.197" v="3501" actId="20577"/>
+        <pc:sldMkLst>
+          <pc:docMk/>
+          <pc:sldMk cId="555448415" sldId="373"/>
+        </pc:sldMkLst>
+        <pc:spChg chg="mod">
+          <ac:chgData name="Uhr, Vinzenz Nathan (STUDENTS)" userId="f4f67b1a-e021-4569-b4a5-fe6b7216375a" providerId="ADAL" clId="{1B412370-03EF-43FC-8E5A-92C57D904F98}" dt="2023-12-17T14:38:43.197" v="3501" actId="20577"/>
+          <ac:spMkLst>
+            <pc:docMk/>
+            <pc:sldMk cId="555448415" sldId="373"/>
+            <ac:spMk id="3" creationId="{EF29294F-99C7-DC8B-3428-F47525B2AB56}"/>
+          </ac:spMkLst>
+        </pc:spChg>
+        <pc:spChg chg="mod">
+          <ac:chgData name="Uhr, Vinzenz Nathan (STUDENTS)" userId="f4f67b1a-e021-4569-b4a5-fe6b7216375a" providerId="ADAL" clId="{1B412370-03EF-43FC-8E5A-92C57D904F98}" dt="2023-12-17T14:37:53.993" v="3404"/>
+          <ac:spMkLst>
+            <pc:docMk/>
+            <pc:sldMk cId="555448415" sldId="373"/>
+            <ac:spMk id="6" creationId="{94CDB2C8-9321-68C5-2C0A-8EC29894AD56}"/>
+          </ac:spMkLst>
+        </pc:spChg>
+      </pc:sldChg>
+      <pc:sldChg chg="new del">
+        <pc:chgData name="Uhr, Vinzenz Nathan (STUDENTS)" userId="f4f67b1a-e021-4569-b4a5-fe6b7216375a" providerId="ADAL" clId="{1B412370-03EF-43FC-8E5A-92C57D904F98}" dt="2023-12-17T14:32:45.701" v="3395" actId="47"/>
+        <pc:sldMkLst>
+          <pc:docMk/>
+          <pc:sldMk cId="1490057299" sldId="373"/>
+        </pc:sldMkLst>
+      </pc:sldChg>
+      <pc:sldChg chg="modSp add mod">
+        <pc:chgData name="Uhr, Vinzenz Nathan (STUDENTS)" userId="f4f67b1a-e021-4569-b4a5-fe6b7216375a" providerId="ADAL" clId="{1B412370-03EF-43FC-8E5A-92C57D904F98}" dt="2023-12-17T14:39:18.889" v="3520" actId="207"/>
+        <pc:sldMkLst>
+          <pc:docMk/>
+          <pc:sldMk cId="572200740" sldId="374"/>
+        </pc:sldMkLst>
+        <pc:spChg chg="mod">
+          <ac:chgData name="Uhr, Vinzenz Nathan (STUDENTS)" userId="f4f67b1a-e021-4569-b4a5-fe6b7216375a" providerId="ADAL" clId="{1B412370-03EF-43FC-8E5A-92C57D904F98}" dt="2023-12-17T14:38:56.350" v="3504" actId="207"/>
+          <ac:spMkLst>
+            <pc:docMk/>
+            <pc:sldMk cId="572200740" sldId="374"/>
+            <ac:spMk id="3" creationId="{EF29294F-99C7-DC8B-3428-F47525B2AB56}"/>
+          </ac:spMkLst>
+        </pc:spChg>
+        <pc:spChg chg="mod">
+          <ac:chgData name="Uhr, Vinzenz Nathan (STUDENTS)" userId="f4f67b1a-e021-4569-b4a5-fe6b7216375a" providerId="ADAL" clId="{1B412370-03EF-43FC-8E5A-92C57D904F98}" dt="2023-12-17T14:39:18.889" v="3520" actId="207"/>
+          <ac:spMkLst>
+            <pc:docMk/>
+            <pc:sldMk cId="572200740" sldId="374"/>
+            <ac:spMk id="6" creationId="{94CDB2C8-9321-68C5-2C0A-8EC29894AD56}"/>
+          </ac:spMkLst>
+        </pc:spChg>
+      </pc:sldChg>
+      <pc:sldChg chg="add del">
+        <pc:chgData name="Uhr, Vinzenz Nathan (STUDENTS)" userId="f4f67b1a-e021-4569-b4a5-fe6b7216375a" providerId="ADAL" clId="{1B412370-03EF-43FC-8E5A-92C57D904F98}" dt="2023-12-17T14:39:03.319" v="3507"/>
+        <pc:sldMkLst>
+          <pc:docMk/>
+          <pc:sldMk cId="125382474" sldId="375"/>
+        </pc:sldMkLst>
+      </pc:sldChg>
+      <pc:sldChg chg="modSp add mod">
+        <pc:chgData name="Uhr, Vinzenz Nathan (STUDENTS)" userId="f4f67b1a-e021-4569-b4a5-fe6b7216375a" providerId="ADAL" clId="{1B412370-03EF-43FC-8E5A-92C57D904F98}" dt="2023-12-17T14:39:32.713" v="3523" actId="207"/>
+        <pc:sldMkLst>
+          <pc:docMk/>
+          <pc:sldMk cId="3960754585" sldId="375"/>
+        </pc:sldMkLst>
+        <pc:spChg chg="mod">
+          <ac:chgData name="Uhr, Vinzenz Nathan (STUDENTS)" userId="f4f67b1a-e021-4569-b4a5-fe6b7216375a" providerId="ADAL" clId="{1B412370-03EF-43FC-8E5A-92C57D904F98}" dt="2023-12-17T14:39:29.715" v="3522" actId="207"/>
+          <ac:spMkLst>
+            <pc:docMk/>
+            <pc:sldMk cId="3960754585" sldId="375"/>
+            <ac:spMk id="3" creationId="{EF29294F-99C7-DC8B-3428-F47525B2AB56}"/>
+          </ac:spMkLst>
+        </pc:spChg>
+        <pc:spChg chg="mod">
+          <ac:chgData name="Uhr, Vinzenz Nathan (STUDENTS)" userId="f4f67b1a-e021-4569-b4a5-fe6b7216375a" providerId="ADAL" clId="{1B412370-03EF-43FC-8E5A-92C57D904F98}" dt="2023-12-17T14:39:32.713" v="3523" actId="207"/>
+          <ac:spMkLst>
+            <pc:docMk/>
+            <pc:sldMk cId="3960754585" sldId="375"/>
+            <ac:spMk id="6" creationId="{94CDB2C8-9321-68C5-2C0A-8EC29894AD56}"/>
+          </ac:spMkLst>
+        </pc:spChg>
+      </pc:sldChg>
+      <pc:sldChg chg="modSp add mod">
+        <pc:chgData name="Uhr, Vinzenz Nathan (STUDENTS)" userId="f4f67b1a-e021-4569-b4a5-fe6b7216375a" providerId="ADAL" clId="{1B412370-03EF-43FC-8E5A-92C57D904F98}" dt="2023-12-17T14:39:48.566" v="3528" actId="207"/>
+        <pc:sldMkLst>
+          <pc:docMk/>
+          <pc:sldMk cId="997670502" sldId="376"/>
+        </pc:sldMkLst>
+        <pc:spChg chg="mod">
+          <ac:chgData name="Uhr, Vinzenz Nathan (STUDENTS)" userId="f4f67b1a-e021-4569-b4a5-fe6b7216375a" providerId="ADAL" clId="{1B412370-03EF-43FC-8E5A-92C57D904F98}" dt="2023-12-17T14:39:48.566" v="3528" actId="207"/>
+          <ac:spMkLst>
+            <pc:docMk/>
+            <pc:sldMk cId="997670502" sldId="376"/>
+            <ac:spMk id="3" creationId="{EF29294F-99C7-DC8B-3428-F47525B2AB56}"/>
+          </ac:spMkLst>
+        </pc:spChg>
+        <pc:spChg chg="mod">
+          <ac:chgData name="Uhr, Vinzenz Nathan (STUDENTS)" userId="f4f67b1a-e021-4569-b4a5-fe6b7216375a" providerId="ADAL" clId="{1B412370-03EF-43FC-8E5A-92C57D904F98}" dt="2023-12-17T14:39:46.427" v="3527" actId="207"/>
+          <ac:spMkLst>
+            <pc:docMk/>
+            <pc:sldMk cId="997670502" sldId="376"/>
+            <ac:spMk id="6" creationId="{94CDB2C8-9321-68C5-2C0A-8EC29894AD56}"/>
+          </ac:spMkLst>
+        </pc:spChg>
+      </pc:sldChg>
+      <pc:sldChg chg="modSp add mod">
+        <pc:chgData name="Uhr, Vinzenz Nathan (STUDENTS)" userId="f4f67b1a-e021-4569-b4a5-fe6b7216375a" providerId="ADAL" clId="{1B412370-03EF-43FC-8E5A-92C57D904F98}" dt="2023-12-17T14:40:06.315" v="3533" actId="207"/>
+        <pc:sldMkLst>
+          <pc:docMk/>
+          <pc:sldMk cId="2536002390" sldId="377"/>
+        </pc:sldMkLst>
+        <pc:spChg chg="mod">
+          <ac:chgData name="Uhr, Vinzenz Nathan (STUDENTS)" userId="f4f67b1a-e021-4569-b4a5-fe6b7216375a" providerId="ADAL" clId="{1B412370-03EF-43FC-8E5A-92C57D904F98}" dt="2023-12-17T14:40:06.315" v="3533" actId="207"/>
+          <ac:spMkLst>
+            <pc:docMk/>
+            <pc:sldMk cId="2536002390" sldId="377"/>
+            <ac:spMk id="3" creationId="{EF29294F-99C7-DC8B-3428-F47525B2AB56}"/>
+          </ac:spMkLst>
+        </pc:spChg>
+        <pc:spChg chg="mod">
+          <ac:chgData name="Uhr, Vinzenz Nathan (STUDENTS)" userId="f4f67b1a-e021-4569-b4a5-fe6b7216375a" providerId="ADAL" clId="{1B412370-03EF-43FC-8E5A-92C57D904F98}" dt="2023-12-17T14:40:02.870" v="3532" actId="207"/>
+          <ac:spMkLst>
+            <pc:docMk/>
+            <pc:sldMk cId="2536002390" sldId="377"/>
+            <ac:spMk id="6" creationId="{94CDB2C8-9321-68C5-2C0A-8EC29894AD56}"/>
+          </ac:spMkLst>
+        </pc:spChg>
+      </pc:sldChg>
+      <pc:sldChg chg="modSp add mod">
+        <pc:chgData name="Uhr, Vinzenz Nathan (STUDENTS)" userId="f4f67b1a-e021-4569-b4a5-fe6b7216375a" providerId="ADAL" clId="{1B412370-03EF-43FC-8E5A-92C57D904F98}" dt="2023-12-17T14:40:23.456" v="3540" actId="207"/>
+        <pc:sldMkLst>
+          <pc:docMk/>
+          <pc:sldMk cId="1133864350" sldId="378"/>
+        </pc:sldMkLst>
+        <pc:spChg chg="mod">
+          <ac:chgData name="Uhr, Vinzenz Nathan (STUDENTS)" userId="f4f67b1a-e021-4569-b4a5-fe6b7216375a" providerId="ADAL" clId="{1B412370-03EF-43FC-8E5A-92C57D904F98}" dt="2023-12-17T14:40:23.456" v="3540" actId="207"/>
+          <ac:spMkLst>
+            <pc:docMk/>
+            <pc:sldMk cId="1133864350" sldId="378"/>
+            <ac:spMk id="3" creationId="{EF29294F-99C7-DC8B-3428-F47525B2AB56}"/>
+          </ac:spMkLst>
+        </pc:spChg>
+        <pc:spChg chg="mod">
+          <ac:chgData name="Uhr, Vinzenz Nathan (STUDENTS)" userId="f4f67b1a-e021-4569-b4a5-fe6b7216375a" providerId="ADAL" clId="{1B412370-03EF-43FC-8E5A-92C57D904F98}" dt="2023-12-17T14:40:21.519" v="3539" actId="207"/>
+          <ac:spMkLst>
+            <pc:docMk/>
+            <pc:sldMk cId="1133864350" sldId="378"/>
+            <ac:spMk id="6" creationId="{94CDB2C8-9321-68C5-2C0A-8EC29894AD56}"/>
+          </ac:spMkLst>
+        </pc:spChg>
+      </pc:sldChg>
+      <pc:sldChg chg="modSp add mod">
+        <pc:chgData name="Uhr, Vinzenz Nathan (STUDENTS)" userId="f4f67b1a-e021-4569-b4a5-fe6b7216375a" providerId="ADAL" clId="{1B412370-03EF-43FC-8E5A-92C57D904F98}" dt="2023-12-17T14:40:34.367" v="3546" actId="207"/>
+        <pc:sldMkLst>
+          <pc:docMk/>
+          <pc:sldMk cId="1702536999" sldId="379"/>
+        </pc:sldMkLst>
+        <pc:spChg chg="mod">
+          <ac:chgData name="Uhr, Vinzenz Nathan (STUDENTS)" userId="f4f67b1a-e021-4569-b4a5-fe6b7216375a" providerId="ADAL" clId="{1B412370-03EF-43FC-8E5A-92C57D904F98}" dt="2023-12-17T14:40:34.367" v="3546" actId="207"/>
+          <ac:spMkLst>
+            <pc:docMk/>
+            <pc:sldMk cId="1702536999" sldId="379"/>
+            <ac:spMk id="3" creationId="{EF29294F-99C7-DC8B-3428-F47525B2AB56}"/>
+          </ac:spMkLst>
+        </pc:spChg>
+        <pc:spChg chg="mod">
+          <ac:chgData name="Uhr, Vinzenz Nathan (STUDENTS)" userId="f4f67b1a-e021-4569-b4a5-fe6b7216375a" providerId="ADAL" clId="{1B412370-03EF-43FC-8E5A-92C57D904F98}" dt="2023-12-17T14:40:32.244" v="3545" actId="207"/>
+          <ac:spMkLst>
+            <pc:docMk/>
+            <pc:sldMk cId="1702536999" sldId="379"/>
+            <ac:spMk id="6" creationId="{94CDB2C8-9321-68C5-2C0A-8EC29894AD56}"/>
+          </ac:spMkLst>
+        </pc:spChg>
+      </pc:sldChg>
+      <pc:sldChg chg="modSp new mod">
+        <pc:chgData name="Uhr, Vinzenz Nathan (STUDENTS)" userId="f4f67b1a-e021-4569-b4a5-fe6b7216375a" providerId="ADAL" clId="{1B412370-03EF-43FC-8E5A-92C57D904F98}" dt="2023-12-17T16:18:49.283" v="4164" actId="20577"/>
+        <pc:sldMkLst>
+          <pc:docMk/>
+          <pc:sldMk cId="3912337244" sldId="380"/>
+        </pc:sldMkLst>
+        <pc:spChg chg="mod">
+          <ac:chgData name="Uhr, Vinzenz Nathan (STUDENTS)" userId="f4f67b1a-e021-4569-b4a5-fe6b7216375a" providerId="ADAL" clId="{1B412370-03EF-43FC-8E5A-92C57D904F98}" dt="2023-12-17T16:18:49.283" v="4164" actId="20577"/>
+          <ac:spMkLst>
+            <pc:docMk/>
+            <pc:sldMk cId="3912337244" sldId="380"/>
+            <ac:spMk id="8" creationId="{34F6EDEA-AA49-099B-7D96-F7FD8A5C881E}"/>
+          </ac:spMkLst>
+        </pc:spChg>
+      </pc:sldChg>
+      <pc:sldChg chg="modNotesTx">
+        <pc:chgData name="Uhr, Vinzenz Nathan (STUDENTS)" userId="f4f67b1a-e021-4569-b4a5-fe6b7216375a" providerId="ADAL" clId="{1B412370-03EF-43FC-8E5A-92C57D904F98}" dt="2023-12-31T15:04:08.904" v="4644" actId="20577"/>
+        <pc:sldMkLst>
+          <pc:docMk/>
+          <pc:sldMk cId="3026375646" sldId="381"/>
+        </pc:sldMkLst>
+      </pc:sldChg>
+      <pc:sldChg chg="addSp delSp modSp add mod ord modNotesTx">
+        <pc:chgData name="Uhr, Vinzenz Nathan (STUDENTS)" userId="f4f67b1a-e021-4569-b4a5-fe6b7216375a" providerId="ADAL" clId="{1B412370-03EF-43FC-8E5A-92C57D904F98}" dt="2023-12-31T14:21:41.914" v="4471" actId="6549"/>
+        <pc:sldMkLst>
+          <pc:docMk/>
+          <pc:sldMk cId="2977447252" sldId="383"/>
+        </pc:sldMkLst>
+        <pc:spChg chg="mod">
+          <ac:chgData name="Uhr, Vinzenz Nathan (STUDENTS)" userId="f4f67b1a-e021-4569-b4a5-fe6b7216375a" providerId="ADAL" clId="{1B412370-03EF-43FC-8E5A-92C57D904F98}" dt="2023-12-31T14:19:55.810" v="4364" actId="20577"/>
+          <ac:spMkLst>
+            <pc:docMk/>
+            <pc:sldMk cId="2977447252" sldId="383"/>
+            <ac:spMk id="3" creationId="{B446FCBC-55A4-EF90-93EB-E2FB4D54B8AC}"/>
+          </ac:spMkLst>
+        </pc:spChg>
+        <pc:spChg chg="mod">
+          <ac:chgData name="Uhr, Vinzenz Nathan (STUDENTS)" userId="f4f67b1a-e021-4569-b4a5-fe6b7216375a" providerId="ADAL" clId="{1B412370-03EF-43FC-8E5A-92C57D904F98}" dt="2023-12-31T14:19:51.596" v="4358" actId="2711"/>
+          <ac:spMkLst>
+            <pc:docMk/>
+            <pc:sldMk cId="2977447252" sldId="383"/>
+            <ac:spMk id="4" creationId="{07CCB809-4A35-AAA7-F903-AA60D27FBE35}"/>
+          </ac:spMkLst>
+        </pc:spChg>
+        <pc:spChg chg="del">
+          <ac:chgData name="Uhr, Vinzenz Nathan (STUDENTS)" userId="f4f67b1a-e021-4569-b4a5-fe6b7216375a" providerId="ADAL" clId="{1B412370-03EF-43FC-8E5A-92C57D904F98}" dt="2023-12-31T14:20:13.660" v="4365" actId="478"/>
+          <ac:spMkLst>
+            <pc:docMk/>
+            <pc:sldMk cId="2977447252" sldId="383"/>
+            <ac:spMk id="5" creationId="{0D8F79E0-8004-D080-A1DB-91C9F715B9C1}"/>
+          </ac:spMkLst>
+        </pc:spChg>
+        <pc:spChg chg="del">
+          <ac:chgData name="Uhr, Vinzenz Nathan (STUDENTS)" userId="f4f67b1a-e021-4569-b4a5-fe6b7216375a" providerId="ADAL" clId="{1B412370-03EF-43FC-8E5A-92C57D904F98}" dt="2023-12-31T14:20:16.630" v="4366" actId="478"/>
+          <ac:spMkLst>
+            <pc:docMk/>
+            <pc:sldMk cId="2977447252" sldId="383"/>
+            <ac:spMk id="6" creationId="{2061B201-F227-FA31-2254-A7112A8171FC}"/>
+          </ac:spMkLst>
+        </pc:spChg>
+        <pc:spChg chg="mod">
+          <ac:chgData name="Uhr, Vinzenz Nathan (STUDENTS)" userId="f4f67b1a-e021-4569-b4a5-fe6b7216375a" providerId="ADAL" clId="{1B412370-03EF-43FC-8E5A-92C57D904F98}" dt="2023-12-31T14:16:59.718" v="4220" actId="20577"/>
+          <ac:spMkLst>
+            <pc:docMk/>
+            <pc:sldMk cId="2977447252" sldId="383"/>
+            <ac:spMk id="8" creationId="{C623C825-F4EC-9A85-5D47-75F36717A849}"/>
+          </ac:spMkLst>
+        </pc:spChg>
+        <pc:spChg chg="add mod">
+          <ac:chgData name="Uhr, Vinzenz Nathan (STUDENTS)" userId="f4f67b1a-e021-4569-b4a5-fe6b7216375a" providerId="ADAL" clId="{1B412370-03EF-43FC-8E5A-92C57D904F98}" dt="2023-12-31T14:20:13.660" v="4365" actId="478"/>
+          <ac:spMkLst>
+            <pc:docMk/>
+            <pc:sldMk cId="2977447252" sldId="383"/>
+            <ac:spMk id="10" creationId="{813D043F-F9DD-A824-3CC1-A8E537FD1732}"/>
+          </ac:spMkLst>
+        </pc:spChg>
+        <pc:spChg chg="add mod">
+          <ac:chgData name="Uhr, Vinzenz Nathan (STUDENTS)" userId="f4f67b1a-e021-4569-b4a5-fe6b7216375a" providerId="ADAL" clId="{1B412370-03EF-43FC-8E5A-92C57D904F98}" dt="2023-12-31T14:20:16.630" v="4366" actId="478"/>
+          <ac:spMkLst>
+            <pc:docMk/>
+            <pc:sldMk cId="2977447252" sldId="383"/>
+            <ac:spMk id="12" creationId="{B5FE6ABD-0E79-070D-06BA-31708A5698A0}"/>
+          </ac:spMkLst>
+        </pc:spChg>
+      </pc:sldChg>
+      <pc:sldMasterChg chg="delSldLayout">
+        <pc:chgData name="Uhr, Vinzenz Nathan (STUDENTS)" userId="f4f67b1a-e021-4569-b4a5-fe6b7216375a" providerId="ADAL" clId="{1B412370-03EF-43FC-8E5A-92C57D904F98}" dt="2023-12-17T14:40:38.276" v="3547" actId="47"/>
+        <pc:sldMasterMkLst>
+          <pc:docMk/>
+          <pc:sldMasterMk cId="1650500097" sldId="2147483682"/>
+        </pc:sldMasterMkLst>
+        <pc:sldLayoutChg chg="del">
+          <pc:chgData name="Uhr, Vinzenz Nathan (STUDENTS)" userId="f4f67b1a-e021-4569-b4a5-fe6b7216375a" providerId="ADAL" clId="{1B412370-03EF-43FC-8E5A-92C57D904F98}" dt="2023-12-17T11:52:58.083" v="9" actId="47"/>
+          <pc:sldLayoutMkLst>
+            <pc:docMk/>
+            <pc:sldMasterMk cId="1650500097" sldId="2147483682"/>
+            <pc:sldLayoutMk cId="3654419488" sldId="2147483785"/>
+          </pc:sldLayoutMkLst>
+        </pc:sldLayoutChg>
+        <pc:sldLayoutChg chg="del">
+          <pc:chgData name="Uhr, Vinzenz Nathan (STUDENTS)" userId="f4f67b1a-e021-4569-b4a5-fe6b7216375a" providerId="ADAL" clId="{1B412370-03EF-43FC-8E5A-92C57D904F98}" dt="2023-12-17T14:40:38.276" v="3547" actId="47"/>
+          <pc:sldLayoutMkLst>
+            <pc:docMk/>
+            <pc:sldMasterMk cId="1650500097" sldId="2147483682"/>
+            <pc:sldLayoutMk cId="1554876728" sldId="2147483788"/>
+          </pc:sldLayoutMkLst>
+        </pc:sldLayoutChg>
+      </pc:sldMasterChg>
+      <pc:sldMasterChg chg="delSldLayout">
+        <pc:chgData name="Uhr, Vinzenz Nathan (STUDENTS)" userId="f4f67b1a-e021-4569-b4a5-fe6b7216375a" providerId="ADAL" clId="{1B412370-03EF-43FC-8E5A-92C57D904F98}" dt="2023-12-17T14:38:59.060" v="3505" actId="47"/>
+        <pc:sldMasterMkLst>
+          <pc:docMk/>
+          <pc:sldMasterMk cId="2752052908" sldId="2147483692"/>
+        </pc:sldMasterMkLst>
+        <pc:sldLayoutChg chg="del">
+          <pc:chgData name="Uhr, Vinzenz Nathan (STUDENTS)" userId="f4f67b1a-e021-4569-b4a5-fe6b7216375a" providerId="ADAL" clId="{1B412370-03EF-43FC-8E5A-92C57D904F98}" dt="2023-12-17T14:38:59.060" v="3505" actId="47"/>
+          <pc:sldLayoutMkLst>
+            <pc:docMk/>
+            <pc:sldMasterMk cId="2752052908" sldId="2147483692"/>
+            <pc:sldLayoutMk cId="432469509" sldId="2147483787"/>
+          </pc:sldLayoutMkLst>
+        </pc:sldLayoutChg>
       </pc:sldMasterChg>
     </pc:docChg>
   </pc:docChgLst>
@@ -5030,7 +5101,7 @@
           <a:p>
             <a:fld id="{A70AE70C-D509-4E4B-9352-79C3D11520D1}" type="datetimeFigureOut">
               <a:rPr lang="de-DE" smtClean="0"/>
-              <a:t>17.12.2023</a:t>
+              <a:t>31.12.2023</a:t>
             </a:fld>
             <a:endParaRPr lang="de-DE"/>
           </a:p>
@@ -5208,7 +5279,7 @@
           <a:p>
             <a:fld id="{B77602DA-7CEE-4298-AF4B-1C87D65BAB06}" type="datetimeFigureOut">
               <a:rPr lang="de-CH" smtClean="0"/>
-              <a:t>17.12.2023</a:t>
+              <a:t>31.12.2023</a:t>
             </a:fld>
             <a:endParaRPr lang="de-CH" dirty="0"/>
           </a:p>
@@ -5616,6 +5687,44 @@
             </a:r>
           </a:p>
           <a:p>
+            <a:endParaRPr lang="en-US" b="0" dirty="0">
+              <a:solidFill>
+                <a:srgbClr val="CCCCCC"/>
+              </a:solidFill>
+              <a:effectLst/>
+              <a:latin typeface="Consolas" panose="020B0609020204030204" pitchFamily="49" charset="0"/>
+            </a:endParaRPr>
+          </a:p>
+          <a:p>
+            <a:r>
+              <a:rPr lang="en-US" b="0" dirty="0">
+                <a:solidFill>
+                  <a:srgbClr val="CCCCCC"/>
+                </a:solidFill>
+                <a:effectLst/>
+                <a:latin typeface="Consolas" panose="020B0609020204030204" pitchFamily="49" charset="0"/>
+              </a:rPr>
+              <a:t>Disclaimer: The scores between Lemmatization and No Lemmatization can’t be compared directly because different </a:t>
+            </a:r>
+            <a:r>
+              <a:rPr lang="en-US" b="0">
+                <a:solidFill>
+                  <a:srgbClr val="CCCCCC"/>
+                </a:solidFill>
+                <a:effectLst/>
+                <a:latin typeface="Consolas" panose="020B0609020204030204" pitchFamily="49" charset="0"/>
+              </a:rPr>
+              <a:t>texts were used</a:t>
+            </a:r>
+            <a:endParaRPr lang="en-US" b="0" dirty="0">
+              <a:solidFill>
+                <a:srgbClr val="CCCCCC"/>
+              </a:solidFill>
+              <a:effectLst/>
+              <a:latin typeface="Consolas" panose="020B0609020204030204" pitchFamily="49" charset="0"/>
+            </a:endParaRPr>
+          </a:p>
+          <a:p>
             <a:endParaRPr lang="en-US" dirty="0"/>
           </a:p>
         </p:txBody>
@@ -6355,6 +6464,86 @@
           <a:bodyPr/>
           <a:lstStyle/>
           <a:p>
+            <a:pPr marL="0" marR="0" lvl="0" indent="0" algn="l" defTabSz="914400" rtl="0" eaLnBrk="1" fontAlgn="auto" latinLnBrk="0" hangingPunct="1">
+              <a:lnSpc>
+                <a:spcPct val="100000"/>
+              </a:lnSpc>
+              <a:spcBef>
+                <a:spcPts val="0"/>
+              </a:spcBef>
+              <a:spcAft>
+                <a:spcPts val="0"/>
+              </a:spcAft>
+              <a:buClrTx/>
+              <a:buSzTx/>
+              <a:buFontTx/>
+              <a:buNone/>
+              <a:tabLst/>
+              <a:defRPr/>
+            </a:pPr>
+            <a:r>
+              <a:rPr lang="de-CH" dirty="0"/>
+              <a:t>Disclaimer: Dataset </a:t>
+            </a:r>
+            <a:r>
+              <a:rPr lang="de-CH" dirty="0" err="1"/>
+              <a:t>are</a:t>
+            </a:r>
+            <a:r>
+              <a:rPr lang="de-CH" dirty="0"/>
+              <a:t> </a:t>
+            </a:r>
+            <a:r>
+              <a:rPr lang="de-CH" dirty="0" err="1"/>
+              <a:t>balanced</a:t>
+            </a:r>
+            <a:r>
+              <a:rPr lang="de-CH" dirty="0"/>
+              <a:t> </a:t>
+            </a:r>
+            <a:r>
+              <a:rPr lang="de-CH" dirty="0" err="1"/>
+              <a:t>compared</a:t>
+            </a:r>
+            <a:r>
+              <a:rPr lang="de-CH" dirty="0"/>
+              <a:t> </a:t>
+            </a:r>
+            <a:r>
+              <a:rPr lang="de-CH" dirty="0" err="1"/>
+              <a:t>to</a:t>
+            </a:r>
+            <a:r>
+              <a:rPr lang="de-CH" dirty="0"/>
+              <a:t> the </a:t>
+            </a:r>
+            <a:r>
+              <a:rPr lang="de-CH" dirty="0" err="1"/>
+              <a:t>scores</a:t>
+            </a:r>
+            <a:r>
+              <a:rPr lang="de-CH" dirty="0"/>
+              <a:t> in the </a:t>
+            </a:r>
+            <a:r>
+              <a:rPr lang="de-CH" dirty="0" err="1"/>
+              <a:t>slides</a:t>
+            </a:r>
+            <a:r>
+              <a:rPr lang="de-CH" dirty="0"/>
+              <a:t> </a:t>
+            </a:r>
+            <a:r>
+              <a:rPr lang="de-CH" dirty="0" err="1"/>
+              <a:t>before</a:t>
+            </a:r>
+            <a:r>
+              <a:rPr lang="de-CH" dirty="0"/>
+              <a:t> </a:t>
+            </a:r>
+            <a:endParaRPr lang="en-GB" dirty="0"/>
+          </a:p>
+          <a:p>
             <a:endParaRPr lang="en-US" dirty="0"/>
           </a:p>
         </p:txBody>
@@ -6395,7 +6584,7 @@
           <a:p>
             <a:fld id="{B2B24C57-7758-4EF8-8A0E-FE171C8C1817}" type="slidenum">
               <a:rPr lang="de-CH" smtClean="0"/>
-              <a:t>23</a:t>
+              <a:t>12</a:t>
             </a:fld>
             <a:endParaRPr lang="de-CH" dirty="0"/>
           </a:p>
@@ -6404,7 +6593,7 @@
     </p:spTree>
     <p:extLst>
       <p:ext uri="{BB962C8B-B14F-4D97-AF65-F5344CB8AC3E}">
-        <p14:creationId xmlns:p14="http://schemas.microsoft.com/office/powerpoint/2010/main" val="1963718783"/>
+        <p14:creationId xmlns:p14="http://schemas.microsoft.com/office/powerpoint/2010/main" val="628094758"/>
       </p:ext>
     </p:extLst>
   </p:cSld>
@@ -6458,44 +6647,7 @@
           <a:bodyPr/>
           <a:lstStyle/>
           <a:p>
-            <a:pPr marL="0" indent="0">
-              <a:buFont typeface="Arial" panose="020B0604020202020204" pitchFamily="34" charset="0"/>
-              <a:buNone/>
-            </a:pPr>
-            <a:r>
-              <a:rPr lang="en-GB" dirty="0"/>
-              <a:t>Influence if we split training data?</a:t>
-            </a:r>
-          </a:p>
-          <a:p>
-            <a:pPr marL="171450" indent="-171450">
-              <a:buFont typeface="Arial" panose="020B0604020202020204" pitchFamily="34" charset="0"/>
-              <a:buChar char="•"/>
-            </a:pPr>
-            <a:r>
-              <a:rPr lang="en-GB" dirty="0"/>
-              <a:t>There may always be something in the introduction that clearly indicates an OP report. If we cut this, it will no longer apply. </a:t>
-            </a:r>
-          </a:p>
-          <a:p>
-            <a:pPr marL="171450" indent="-171450">
-              <a:buFont typeface="Arial" panose="020B0604020202020204" pitchFamily="34" charset="0"/>
-              <a:buChar char="•"/>
-            </a:pPr>
-            <a:r>
-              <a:rPr lang="en-GB" dirty="0"/>
-              <a:t>Only allowing texts with fewer than 512 tokens restricts the scope of the model.</a:t>
-            </a:r>
-          </a:p>
-          <a:p>
-            <a:pPr marL="171450" indent="-171450">
-              <a:buFont typeface="Arial" panose="020B0604020202020204" pitchFamily="34" charset="0"/>
-              <a:buChar char="•"/>
-            </a:pPr>
-            <a:r>
-              <a:rPr lang="en-GB" dirty="0"/>
-              <a:t>Alternatives: Use another NLP model which writes us a shorter summary. This can then have completely different side effects because it is no longer real data but synthetic data.</a:t>
-            </a:r>
+            <a:endParaRPr lang="en-US" dirty="0"/>
           </a:p>
         </p:txBody>
       </p:sp>
@@ -6535,7 +6687,147 @@
           <a:p>
             <a:fld id="{B2B24C57-7758-4EF8-8A0E-FE171C8C1817}" type="slidenum">
               <a:rPr lang="de-CH" smtClean="0"/>
-              <a:t>25</a:t>
+              <a:t>24</a:t>
+            </a:fld>
+            <a:endParaRPr lang="de-CH" dirty="0"/>
+          </a:p>
+        </p:txBody>
+      </p:sp>
+    </p:spTree>
+    <p:extLst>
+      <p:ext uri="{BB962C8B-B14F-4D97-AF65-F5344CB8AC3E}">
+        <p14:creationId xmlns:p14="http://schemas.microsoft.com/office/powerpoint/2010/main" val="1963718783"/>
+      </p:ext>
+    </p:extLst>
+  </p:cSld>
+  <p:clrMapOvr>
+    <a:masterClrMapping/>
+  </p:clrMapOvr>
+</p:notes>
+</file>
+
+<file path=ppt/notesSlides/notesSlide7.xml><?xml version="1.0" encoding="utf-8"?>
+<p:notes xmlns:a="http://schemas.openxmlformats.org/drawingml/2006/main" xmlns:r="http://schemas.openxmlformats.org/officeDocument/2006/relationships" xmlns:p="http://schemas.openxmlformats.org/presentationml/2006/main">
+  <p:cSld>
+    <p:spTree>
+      <p:nvGrpSpPr>
+        <p:cNvPr id="1" name=""/>
+        <p:cNvGrpSpPr/>
+        <p:nvPr/>
+      </p:nvGrpSpPr>
+      <p:grpSpPr>
+        <a:xfrm>
+          <a:off x="0" y="0"/>
+          <a:ext cx="0" cy="0"/>
+          <a:chOff x="0" y="0"/>
+          <a:chExt cx="0" cy="0"/>
+        </a:xfrm>
+      </p:grpSpPr>
+      <p:sp>
+        <p:nvSpPr>
+          <p:cNvPr id="2" name="Folienbildplatzhalter 1"/>
+          <p:cNvSpPr>
+            <a:spLocks noGrp="1" noRot="1" noChangeAspect="1"/>
+          </p:cNvSpPr>
+          <p:nvPr>
+            <p:ph type="sldImg"/>
+          </p:nvPr>
+        </p:nvSpPr>
+        <p:spPr/>
+      </p:sp>
+      <p:sp>
+        <p:nvSpPr>
+          <p:cNvPr id="3" name="Notizenplatzhalter 2"/>
+          <p:cNvSpPr>
+            <a:spLocks noGrp="1"/>
+          </p:cNvSpPr>
+          <p:nvPr>
+            <p:ph type="body" idx="1"/>
+          </p:nvPr>
+        </p:nvSpPr>
+        <p:spPr/>
+        <p:txBody>
+          <a:bodyPr/>
+          <a:lstStyle/>
+          <a:p>
+            <a:pPr marL="0" indent="0">
+              <a:buFont typeface="Arial" panose="020B0604020202020204" pitchFamily="34" charset="0"/>
+              <a:buNone/>
+            </a:pPr>
+            <a:r>
+              <a:rPr lang="en-GB" dirty="0"/>
+              <a:t>Influence if we split training data?</a:t>
+            </a:r>
+          </a:p>
+          <a:p>
+            <a:pPr marL="171450" indent="-171450">
+              <a:buFont typeface="Arial" panose="020B0604020202020204" pitchFamily="34" charset="0"/>
+              <a:buChar char="•"/>
+            </a:pPr>
+            <a:r>
+              <a:rPr lang="en-GB" dirty="0"/>
+              <a:t>There may always be something in the introduction that clearly indicates an OP report. If we cut this, it will no longer apply. </a:t>
+            </a:r>
+          </a:p>
+          <a:p>
+            <a:pPr marL="171450" indent="-171450">
+              <a:buFont typeface="Arial" panose="020B0604020202020204" pitchFamily="34" charset="0"/>
+              <a:buChar char="•"/>
+            </a:pPr>
+            <a:r>
+              <a:rPr lang="en-GB" dirty="0"/>
+              <a:t>Only allowing texts with fewer than 512 tokens restricts the scope of the model.</a:t>
+            </a:r>
+          </a:p>
+          <a:p>
+            <a:pPr marL="171450" indent="-171450">
+              <a:buFont typeface="Arial" panose="020B0604020202020204" pitchFamily="34" charset="0"/>
+              <a:buChar char="•"/>
+            </a:pPr>
+            <a:r>
+              <a:rPr lang="en-GB" dirty="0"/>
+              <a:t>Alternatives: Use another NLP model which writes us a shorter summary. This can then have completely different side effects because it is no longer real data but synthetic data.</a:t>
+            </a:r>
+          </a:p>
+        </p:txBody>
+      </p:sp>
+      <p:sp>
+        <p:nvSpPr>
+          <p:cNvPr id="4" name="Fußzeilenplatzhalter 3"/>
+          <p:cNvSpPr>
+            <a:spLocks noGrp="1"/>
+          </p:cNvSpPr>
+          <p:nvPr>
+            <p:ph type="ftr" sz="quarter" idx="4"/>
+          </p:nvPr>
+        </p:nvSpPr>
+        <p:spPr/>
+        <p:txBody>
+          <a:bodyPr/>
+          <a:lstStyle/>
+          <a:p>
+            <a:endParaRPr lang="de-CH" dirty="0"/>
+          </a:p>
+        </p:txBody>
+      </p:sp>
+      <p:sp>
+        <p:nvSpPr>
+          <p:cNvPr id="5" name="Foliennummernplatzhalter 4"/>
+          <p:cNvSpPr>
+            <a:spLocks noGrp="1"/>
+          </p:cNvSpPr>
+          <p:nvPr>
+            <p:ph type="sldNum" sz="quarter" idx="5"/>
+          </p:nvPr>
+        </p:nvSpPr>
+        <p:spPr/>
+        <p:txBody>
+          <a:bodyPr/>
+          <a:lstStyle/>
+          <a:p>
+            <a:fld id="{B2B24C57-7758-4EF8-8A0E-FE171C8C1817}" type="slidenum">
+              <a:rPr lang="de-CH" smtClean="0"/>
+              <a:t>26</a:t>
             </a:fld>
             <a:endParaRPr lang="de-CH" dirty="0"/>
           </a:p>
@@ -21577,7 +21869,7 @@
           <p:cNvPr id="2" name="Textplatzhalter 1">
             <a:extLst>
               <a:ext uri="{FF2B5EF4-FFF2-40B4-BE49-F238E27FC236}">
-                <a16:creationId xmlns:a16="http://schemas.microsoft.com/office/drawing/2014/main" id="{15CA7CE6-A06F-8AFE-0674-C3D6CA3483F8}"/>
+                <a16:creationId xmlns:a16="http://schemas.microsoft.com/office/drawing/2014/main" id="{88981B0C-2310-4D49-60C9-77B535E33AED}"/>
               </a:ext>
             </a:extLst>
           </p:cNvPr>
@@ -21602,7 +21894,7 @@
           <p:cNvPr id="3" name="Textplatzhalter 2">
             <a:extLst>
               <a:ext uri="{FF2B5EF4-FFF2-40B4-BE49-F238E27FC236}">
-                <a16:creationId xmlns:a16="http://schemas.microsoft.com/office/drawing/2014/main" id="{EF29294F-99C7-DC8B-3428-F47525B2AB56}"/>
+                <a16:creationId xmlns:a16="http://schemas.microsoft.com/office/drawing/2014/main" id="{B446FCBC-55A4-EF90-93EB-E2FB4D54B8AC}"/>
               </a:ext>
             </a:extLst>
           </p:cNvPr>
@@ -21610,7 +21902,7 @@
             <a:spLocks noGrp="1"/>
           </p:cNvSpPr>
           <p:nvPr>
-            <p:ph type="body" sz="quarter" idx="12"/>
+            <p:ph type="body" sz="quarter" idx="16"/>
           </p:nvPr>
         </p:nvSpPr>
         <p:spPr/>
@@ -21618,73 +21910,11 @@
           <a:bodyPr/>
           <a:lstStyle/>
           <a:p>
-            <a:pPr marL="342900" indent="-342900">
-              <a:buFont typeface="Arial" panose="020B0604020202020204" pitchFamily="34" charset="0"/>
-              <a:buChar char="•"/>
-            </a:pPr>
             <a:r>
               <a:rPr lang="de-CH" dirty="0"/>
-              <a:t>Environment</a:t>
-            </a:r>
-          </a:p>
-          <a:p>
-            <a:pPr marL="342900" indent="-342900">
-              <a:buFont typeface="Arial" panose="020B0604020202020204" pitchFamily="34" charset="0"/>
-              <a:buChar char="•"/>
-            </a:pPr>
-            <a:r>
-              <a:rPr lang="de-CH" dirty="0"/>
-              <a:t>Baseline </a:t>
-            </a:r>
-            <a:r>
-              <a:rPr lang="de-CH" dirty="0" err="1"/>
-              <a:t>results</a:t>
-            </a:r>
-            <a:endParaRPr lang="de-CH" dirty="0"/>
-          </a:p>
-          <a:p>
-            <a:pPr marL="342900" indent="-342900">
-              <a:buFont typeface="Arial" panose="020B0604020202020204" pitchFamily="34" charset="0"/>
-              <a:buChar char="•"/>
-            </a:pPr>
-            <a:r>
-              <a:rPr lang="en-GB" dirty="0">
-                <a:solidFill>
-                  <a:srgbClr val="FF0000"/>
-                </a:solidFill>
-              </a:rPr>
-              <a:t>Preprocessing</a:t>
-            </a:r>
-          </a:p>
-          <a:p>
-            <a:pPr marL="342900" indent="-342900">
-              <a:buFont typeface="Arial" panose="020B0604020202020204" pitchFamily="34" charset="0"/>
-              <a:buChar char="•"/>
-            </a:pPr>
-            <a:r>
-              <a:rPr lang="en-GB" dirty="0"/>
-              <a:t>Further tuning</a:t>
-            </a:r>
-          </a:p>
-          <a:p>
-            <a:pPr marL="342900" indent="-342900">
-              <a:buFont typeface="Arial" panose="020B0604020202020204" pitchFamily="34" charset="0"/>
-              <a:buChar char="•"/>
-            </a:pPr>
-            <a:r>
-              <a:rPr lang="en-GB" dirty="0"/>
-              <a:t>Final results</a:t>
-            </a:r>
-          </a:p>
-          <a:p>
-            <a:pPr marL="342900" indent="-342900">
-              <a:buFont typeface="Arial" panose="020B0604020202020204" pitchFamily="34" charset="0"/>
-              <a:buChar char="•"/>
-            </a:pPr>
-            <a:r>
-              <a:rPr lang="en-GB" dirty="0"/>
-              <a:t>Discussion</a:t>
-            </a:r>
+              <a:t>Scores</a:t>
+            </a:r>
+            <a:endParaRPr lang="en-GB" dirty="0"/>
           </a:p>
         </p:txBody>
       </p:sp>
@@ -21693,7 +21923,7 @@
           <p:cNvPr id="4" name="Textplatzhalter 3">
             <a:extLst>
               <a:ext uri="{FF2B5EF4-FFF2-40B4-BE49-F238E27FC236}">
-                <a16:creationId xmlns:a16="http://schemas.microsoft.com/office/drawing/2014/main" id="{64BF1BAE-298B-4934-F84A-FEF8B2E09DEB}"/>
+                <a16:creationId xmlns:a16="http://schemas.microsoft.com/office/drawing/2014/main" id="{07CCB809-4A35-AAA7-F903-AA60D27FBE35}"/>
               </a:ext>
             </a:extLst>
           </p:cNvPr>
@@ -21701,7 +21931,7 @@
             <a:spLocks noGrp="1"/>
           </p:cNvSpPr>
           <p:nvPr>
-            <p:ph type="body" sz="quarter" idx="14"/>
+            <p:ph type="body" sz="quarter" idx="17"/>
           </p:nvPr>
         </p:nvSpPr>
         <p:spPr/>
@@ -21709,16 +21939,114 @@
           <a:bodyPr/>
           <a:lstStyle/>
           <a:p>
-            <a:endParaRPr lang="en-GB"/>
+            <a:pPr marL="285750" indent="-285750">
+              <a:buFont typeface="Arial" panose="020B0604020202020204" pitchFamily="34" charset="0"/>
+              <a:buChar char="•"/>
+            </a:pPr>
+            <a:r>
+              <a:rPr lang="en-US" dirty="0"/>
+              <a:t>Naïve Bayes</a:t>
+            </a:r>
+          </a:p>
+          <a:p>
+            <a:pPr marL="971533" lvl="1" indent="-285750"/>
+            <a:r>
+              <a:rPr lang="en-US" sz="1600" dirty="0">
+                <a:latin typeface="Arial" panose="020B0604020202020204" pitchFamily="34" charset="0"/>
+                <a:cs typeface="Arial" panose="020B0604020202020204" pitchFamily="34" charset="0"/>
+              </a:rPr>
+              <a:t>Accuracy: 0.28</a:t>
+            </a:r>
+          </a:p>
+          <a:p>
+            <a:pPr marL="971533" lvl="1" indent="-285750"/>
+            <a:r>
+              <a:rPr lang="en-US" sz="1600" dirty="0">
+                <a:latin typeface="Arial" panose="020B0604020202020204" pitchFamily="34" charset="0"/>
+                <a:cs typeface="Arial" panose="020B0604020202020204" pitchFamily="34" charset="0"/>
+              </a:rPr>
+              <a:t>F1: 0.22</a:t>
+            </a:r>
+          </a:p>
+          <a:p>
+            <a:pPr marL="285750" indent="-285750">
+              <a:buFont typeface="Arial" panose="020B0604020202020204" pitchFamily="34" charset="0"/>
+              <a:buChar char="•"/>
+            </a:pPr>
+            <a:r>
+              <a:rPr lang="en-US" dirty="0"/>
+              <a:t>Random Forest</a:t>
+            </a:r>
+          </a:p>
+          <a:p>
+            <a:pPr marL="971533" lvl="1" indent="-285750"/>
+            <a:r>
+              <a:rPr lang="en-US" sz="1600" dirty="0">
+                <a:latin typeface="Arial" panose="020B0604020202020204" pitchFamily="34" charset="0"/>
+                <a:cs typeface="Arial" panose="020B0604020202020204" pitchFamily="34" charset="0"/>
+              </a:rPr>
+              <a:t>Accuracy: 0.21</a:t>
+            </a:r>
+          </a:p>
+          <a:p>
+            <a:pPr marL="971533" lvl="1" indent="-285750"/>
+            <a:r>
+              <a:rPr lang="en-US" sz="1600" dirty="0">
+                <a:latin typeface="Arial" panose="020B0604020202020204" pitchFamily="34" charset="0"/>
+                <a:cs typeface="Arial" panose="020B0604020202020204" pitchFamily="34" charset="0"/>
+              </a:rPr>
+              <a:t>F1: 0.28</a:t>
+            </a:r>
+          </a:p>
+          <a:p>
+            <a:pPr marL="285750" indent="-285750">
+              <a:buFont typeface="Arial" panose="020B0604020202020204" pitchFamily="34" charset="0"/>
+              <a:buChar char="•"/>
+            </a:pPr>
+            <a:r>
+              <a:rPr lang="en-US" dirty="0"/>
+              <a:t>Support Vector Machines</a:t>
+            </a:r>
+          </a:p>
+          <a:p>
+            <a:pPr marL="971533" lvl="1" indent="-285750"/>
+            <a:r>
+              <a:rPr lang="en-US" sz="1600" dirty="0">
+                <a:latin typeface="Arial" panose="020B0604020202020204" pitchFamily="34" charset="0"/>
+                <a:cs typeface="Arial" panose="020B0604020202020204" pitchFamily="34" charset="0"/>
+              </a:rPr>
+              <a:t>Accuracy: 0.26</a:t>
+            </a:r>
+          </a:p>
+          <a:p>
+            <a:pPr marL="971533" lvl="1" indent="-285750"/>
+            <a:r>
+              <a:rPr lang="en-US" sz="1600" dirty="0">
+                <a:latin typeface="Arial" panose="020B0604020202020204" pitchFamily="34" charset="0"/>
+                <a:cs typeface="Arial" panose="020B0604020202020204" pitchFamily="34" charset="0"/>
+              </a:rPr>
+              <a:t>F1: 0.20</a:t>
+            </a:r>
+          </a:p>
+          <a:p>
+            <a:pPr marL="285750" indent="-285750"/>
+            <a:endParaRPr lang="en-US" dirty="0"/>
+          </a:p>
+          <a:p>
+            <a:pPr marL="285750" indent="-285750">
+              <a:buFont typeface="Arial" panose="020B0604020202020204" pitchFamily="34" charset="0"/>
+              <a:buChar char="•"/>
+            </a:pPr>
+            <a:endParaRPr lang="en-US" dirty="0"/>
           </a:p>
         </p:txBody>
       </p:sp>
       <p:sp>
         <p:nvSpPr>
-          <p:cNvPr id="5" name="Textplatzhalter 4">
+          <p:cNvPr id="7" name="Textplatzhalter 6">
             <a:extLst>
               <a:ext uri="{FF2B5EF4-FFF2-40B4-BE49-F238E27FC236}">
-                <a16:creationId xmlns:a16="http://schemas.microsoft.com/office/drawing/2014/main" id="{95B122C0-A78B-02E0-04E5-95F69BBEF48D}"/>
+                <a16:creationId xmlns:a16="http://schemas.microsoft.com/office/drawing/2014/main" id="{93898D19-421E-0359-719E-44A2889F993E}"/>
               </a:ext>
             </a:extLst>
           </p:cNvPr>
@@ -21740,10 +22068,10 @@
       </p:sp>
       <p:sp>
         <p:nvSpPr>
-          <p:cNvPr id="6" name="Titel 5">
+          <p:cNvPr id="8" name="Titel 7">
             <a:extLst>
               <a:ext uri="{FF2B5EF4-FFF2-40B4-BE49-F238E27FC236}">
-                <a16:creationId xmlns:a16="http://schemas.microsoft.com/office/drawing/2014/main" id="{94CDB2C8-9321-68C5-2C0A-8EC29894AD56}"/>
+                <a16:creationId xmlns:a16="http://schemas.microsoft.com/office/drawing/2014/main" id="{C623C825-F4EC-9A85-5D47-75F36717A849}"/>
               </a:ext>
             </a:extLst>
           </p:cNvPr>
@@ -21760,22 +22088,27 @@
           <a:lstStyle/>
           <a:p>
             <a:r>
-              <a:rPr lang="en-GB" dirty="0">
-                <a:solidFill>
-                  <a:srgbClr val="FF0000"/>
-                </a:solidFill>
-              </a:rPr>
-              <a:t>Preprocessing</a:t>
-            </a:r>
+              <a:rPr lang="de-CH" dirty="0" err="1"/>
+              <a:t>Machine</a:t>
+            </a:r>
+            <a:r>
+              <a:rPr lang="de-CH" dirty="0"/>
+              <a:t> Learning </a:t>
+            </a:r>
+            <a:r>
+              <a:rPr lang="de-CH" dirty="0" err="1"/>
+              <a:t>baselines</a:t>
+            </a:r>
+            <a:endParaRPr lang="en-GB" dirty="0"/>
           </a:p>
         </p:txBody>
       </p:sp>
       <p:sp>
         <p:nvSpPr>
-          <p:cNvPr id="7" name="Foliennummernplatzhalter 6">
+          <p:cNvPr id="10" name="Textplatzhalter 9">
             <a:extLst>
               <a:ext uri="{FF2B5EF4-FFF2-40B4-BE49-F238E27FC236}">
-                <a16:creationId xmlns:a16="http://schemas.microsoft.com/office/drawing/2014/main" id="{C19F6723-E4EF-C438-1DA3-D14924AE9F85}"/>
+                <a16:creationId xmlns:a16="http://schemas.microsoft.com/office/drawing/2014/main" id="{813D043F-F9DD-A824-3CC1-A8E537FD1732}"/>
               </a:ext>
             </a:extLst>
           </p:cNvPr>
@@ -21783,7 +22116,7 @@
             <a:spLocks noGrp="1"/>
           </p:cNvSpPr>
           <p:nvPr>
-            <p:ph type="sldNum" sz="quarter" idx="21"/>
+            <p:ph type="body" sz="quarter" idx="18"/>
           </p:nvPr>
         </p:nvSpPr>
         <p:spPr/>
@@ -21791,18 +22124,39 @@
           <a:bodyPr/>
           <a:lstStyle/>
           <a:p>
-            <a:fld id="{16AB2C14-F465-F643-BD65-D6125390A9E0}" type="slidenum">
-              <a:rPr lang="de-DE" smtClean="0"/>
-              <a:t>12</a:t>
-            </a:fld>
-            <a:endParaRPr lang="de-DE"/>
+            <a:endParaRPr lang="en-GB" dirty="0"/>
+          </a:p>
+        </p:txBody>
+      </p:sp>
+      <p:sp>
+        <p:nvSpPr>
+          <p:cNvPr id="12" name="Textplatzhalter 11">
+            <a:extLst>
+              <a:ext uri="{FF2B5EF4-FFF2-40B4-BE49-F238E27FC236}">
+                <a16:creationId xmlns:a16="http://schemas.microsoft.com/office/drawing/2014/main" id="{B5FE6ABD-0E79-070D-06BA-31708A5698A0}"/>
+              </a:ext>
+            </a:extLst>
+          </p:cNvPr>
+          <p:cNvSpPr>
+            <a:spLocks noGrp="1"/>
+          </p:cNvSpPr>
+          <p:nvPr>
+            <p:ph type="body" sz="quarter" idx="19"/>
+          </p:nvPr>
+        </p:nvSpPr>
+        <p:spPr/>
+        <p:txBody>
+          <a:bodyPr/>
+          <a:lstStyle/>
+          <a:p>
+            <a:endParaRPr lang="en-GB"/>
           </a:p>
         </p:txBody>
       </p:sp>
     </p:spTree>
     <p:extLst>
       <p:ext uri="{BB962C8B-B14F-4D97-AF65-F5344CB8AC3E}">
-        <p14:creationId xmlns:p14="http://schemas.microsoft.com/office/powerpoint/2010/main" val="997670502"/>
+        <p14:creationId xmlns:p14="http://schemas.microsoft.com/office/powerpoint/2010/main" val="2977447252"/>
       </p:ext>
     </p:extLst>
   </p:cSld>
@@ -21834,6 +22188,263 @@
           <p:cNvPr id="2" name="Textplatzhalter 1">
             <a:extLst>
               <a:ext uri="{FF2B5EF4-FFF2-40B4-BE49-F238E27FC236}">
+                <a16:creationId xmlns:a16="http://schemas.microsoft.com/office/drawing/2014/main" id="{15CA7CE6-A06F-8AFE-0674-C3D6CA3483F8}"/>
+              </a:ext>
+            </a:extLst>
+          </p:cNvPr>
+          <p:cNvSpPr>
+            <a:spLocks noGrp="1"/>
+          </p:cNvSpPr>
+          <p:nvPr>
+            <p:ph type="body" idx="11"/>
+          </p:nvPr>
+        </p:nvSpPr>
+        <p:spPr/>
+        <p:txBody>
+          <a:bodyPr/>
+          <a:lstStyle/>
+          <a:p>
+            <a:endParaRPr lang="en-GB"/>
+          </a:p>
+        </p:txBody>
+      </p:sp>
+      <p:sp>
+        <p:nvSpPr>
+          <p:cNvPr id="3" name="Textplatzhalter 2">
+            <a:extLst>
+              <a:ext uri="{FF2B5EF4-FFF2-40B4-BE49-F238E27FC236}">
+                <a16:creationId xmlns:a16="http://schemas.microsoft.com/office/drawing/2014/main" id="{EF29294F-99C7-DC8B-3428-F47525B2AB56}"/>
+              </a:ext>
+            </a:extLst>
+          </p:cNvPr>
+          <p:cNvSpPr>
+            <a:spLocks noGrp="1"/>
+          </p:cNvSpPr>
+          <p:nvPr>
+            <p:ph type="body" sz="quarter" idx="12"/>
+          </p:nvPr>
+        </p:nvSpPr>
+        <p:spPr/>
+        <p:txBody>
+          <a:bodyPr/>
+          <a:lstStyle/>
+          <a:p>
+            <a:pPr marL="342900" indent="-342900">
+              <a:buFont typeface="Arial" panose="020B0604020202020204" pitchFamily="34" charset="0"/>
+              <a:buChar char="•"/>
+            </a:pPr>
+            <a:r>
+              <a:rPr lang="de-CH" dirty="0"/>
+              <a:t>Environment</a:t>
+            </a:r>
+          </a:p>
+          <a:p>
+            <a:pPr marL="342900" indent="-342900">
+              <a:buFont typeface="Arial" panose="020B0604020202020204" pitchFamily="34" charset="0"/>
+              <a:buChar char="•"/>
+            </a:pPr>
+            <a:r>
+              <a:rPr lang="de-CH" dirty="0"/>
+              <a:t>Baseline </a:t>
+            </a:r>
+            <a:r>
+              <a:rPr lang="de-CH" dirty="0" err="1"/>
+              <a:t>results</a:t>
+            </a:r>
+            <a:endParaRPr lang="de-CH" dirty="0"/>
+          </a:p>
+          <a:p>
+            <a:pPr marL="342900" indent="-342900">
+              <a:buFont typeface="Arial" panose="020B0604020202020204" pitchFamily="34" charset="0"/>
+              <a:buChar char="•"/>
+            </a:pPr>
+            <a:r>
+              <a:rPr lang="en-GB" dirty="0">
+                <a:solidFill>
+                  <a:srgbClr val="FF0000"/>
+                </a:solidFill>
+              </a:rPr>
+              <a:t>Preprocessing</a:t>
+            </a:r>
+          </a:p>
+          <a:p>
+            <a:pPr marL="342900" indent="-342900">
+              <a:buFont typeface="Arial" panose="020B0604020202020204" pitchFamily="34" charset="0"/>
+              <a:buChar char="•"/>
+            </a:pPr>
+            <a:r>
+              <a:rPr lang="en-GB" dirty="0"/>
+              <a:t>Further tuning</a:t>
+            </a:r>
+          </a:p>
+          <a:p>
+            <a:pPr marL="342900" indent="-342900">
+              <a:buFont typeface="Arial" panose="020B0604020202020204" pitchFamily="34" charset="0"/>
+              <a:buChar char="•"/>
+            </a:pPr>
+            <a:r>
+              <a:rPr lang="en-GB" dirty="0"/>
+              <a:t>Final results</a:t>
+            </a:r>
+          </a:p>
+          <a:p>
+            <a:pPr marL="342900" indent="-342900">
+              <a:buFont typeface="Arial" panose="020B0604020202020204" pitchFamily="34" charset="0"/>
+              <a:buChar char="•"/>
+            </a:pPr>
+            <a:r>
+              <a:rPr lang="en-GB" dirty="0"/>
+              <a:t>Discussion</a:t>
+            </a:r>
+          </a:p>
+        </p:txBody>
+      </p:sp>
+      <p:sp>
+        <p:nvSpPr>
+          <p:cNvPr id="4" name="Textplatzhalter 3">
+            <a:extLst>
+              <a:ext uri="{FF2B5EF4-FFF2-40B4-BE49-F238E27FC236}">
+                <a16:creationId xmlns:a16="http://schemas.microsoft.com/office/drawing/2014/main" id="{64BF1BAE-298B-4934-F84A-FEF8B2E09DEB}"/>
+              </a:ext>
+            </a:extLst>
+          </p:cNvPr>
+          <p:cNvSpPr>
+            <a:spLocks noGrp="1"/>
+          </p:cNvSpPr>
+          <p:nvPr>
+            <p:ph type="body" sz="quarter" idx="14"/>
+          </p:nvPr>
+        </p:nvSpPr>
+        <p:spPr/>
+        <p:txBody>
+          <a:bodyPr/>
+          <a:lstStyle/>
+          <a:p>
+            <a:endParaRPr lang="en-GB"/>
+          </a:p>
+        </p:txBody>
+      </p:sp>
+      <p:sp>
+        <p:nvSpPr>
+          <p:cNvPr id="5" name="Textplatzhalter 4">
+            <a:extLst>
+              <a:ext uri="{FF2B5EF4-FFF2-40B4-BE49-F238E27FC236}">
+                <a16:creationId xmlns:a16="http://schemas.microsoft.com/office/drawing/2014/main" id="{95B122C0-A78B-02E0-04E5-95F69BBEF48D}"/>
+              </a:ext>
+            </a:extLst>
+          </p:cNvPr>
+          <p:cNvSpPr>
+            <a:spLocks noGrp="1"/>
+          </p:cNvSpPr>
+          <p:nvPr>
+            <p:ph type="body" sz="quarter" idx="20"/>
+          </p:nvPr>
+        </p:nvSpPr>
+        <p:spPr/>
+        <p:txBody>
+          <a:bodyPr/>
+          <a:lstStyle/>
+          <a:p>
+            <a:endParaRPr lang="en-GB"/>
+          </a:p>
+        </p:txBody>
+      </p:sp>
+      <p:sp>
+        <p:nvSpPr>
+          <p:cNvPr id="6" name="Titel 5">
+            <a:extLst>
+              <a:ext uri="{FF2B5EF4-FFF2-40B4-BE49-F238E27FC236}">
+                <a16:creationId xmlns:a16="http://schemas.microsoft.com/office/drawing/2014/main" id="{94CDB2C8-9321-68C5-2C0A-8EC29894AD56}"/>
+              </a:ext>
+            </a:extLst>
+          </p:cNvPr>
+          <p:cNvSpPr>
+            <a:spLocks noGrp="1"/>
+          </p:cNvSpPr>
+          <p:nvPr>
+            <p:ph type="title"/>
+          </p:nvPr>
+        </p:nvSpPr>
+        <p:spPr/>
+        <p:txBody>
+          <a:bodyPr/>
+          <a:lstStyle/>
+          <a:p>
+            <a:r>
+              <a:rPr lang="en-GB" dirty="0">
+                <a:solidFill>
+                  <a:srgbClr val="FF0000"/>
+                </a:solidFill>
+              </a:rPr>
+              <a:t>Preprocessing</a:t>
+            </a:r>
+          </a:p>
+        </p:txBody>
+      </p:sp>
+      <p:sp>
+        <p:nvSpPr>
+          <p:cNvPr id="7" name="Foliennummernplatzhalter 6">
+            <a:extLst>
+              <a:ext uri="{FF2B5EF4-FFF2-40B4-BE49-F238E27FC236}">
+                <a16:creationId xmlns:a16="http://schemas.microsoft.com/office/drawing/2014/main" id="{C19F6723-E4EF-C438-1DA3-D14924AE9F85}"/>
+              </a:ext>
+            </a:extLst>
+          </p:cNvPr>
+          <p:cNvSpPr>
+            <a:spLocks noGrp="1"/>
+          </p:cNvSpPr>
+          <p:nvPr>
+            <p:ph type="sldNum" sz="quarter" idx="21"/>
+          </p:nvPr>
+        </p:nvSpPr>
+        <p:spPr/>
+        <p:txBody>
+          <a:bodyPr/>
+          <a:lstStyle/>
+          <a:p>
+            <a:fld id="{16AB2C14-F465-F643-BD65-D6125390A9E0}" type="slidenum">
+              <a:rPr lang="de-DE" smtClean="0"/>
+              <a:t>13</a:t>
+            </a:fld>
+            <a:endParaRPr lang="de-DE"/>
+          </a:p>
+        </p:txBody>
+      </p:sp>
+    </p:spTree>
+    <p:extLst>
+      <p:ext uri="{BB962C8B-B14F-4D97-AF65-F5344CB8AC3E}">
+        <p14:creationId xmlns:p14="http://schemas.microsoft.com/office/powerpoint/2010/main" val="997670502"/>
+      </p:ext>
+    </p:extLst>
+  </p:cSld>
+  <p:clrMapOvr>
+    <a:masterClrMapping/>
+  </p:clrMapOvr>
+</p:sld>
+</file>
+
+<file path=ppt/slides/slide14.xml><?xml version="1.0" encoding="utf-8"?>
+<p:sld xmlns:a="http://schemas.openxmlformats.org/drawingml/2006/main" xmlns:r="http://schemas.openxmlformats.org/officeDocument/2006/relationships" xmlns:p="http://schemas.openxmlformats.org/presentationml/2006/main">
+  <p:cSld>
+    <p:spTree>
+      <p:nvGrpSpPr>
+        <p:cNvPr id="1" name=""/>
+        <p:cNvGrpSpPr/>
+        <p:nvPr/>
+      </p:nvGrpSpPr>
+      <p:grpSpPr>
+        <a:xfrm>
+          <a:off x="0" y="0"/>
+          <a:ext cx="0" cy="0"/>
+          <a:chOff x="0" y="0"/>
+          <a:chExt cx="0" cy="0"/>
+        </a:xfrm>
+      </p:grpSpPr>
+      <p:sp>
+        <p:nvSpPr>
+          <p:cNvPr id="2" name="Textplatzhalter 1">
+            <a:extLst>
+              <a:ext uri="{FF2B5EF4-FFF2-40B4-BE49-F238E27FC236}">
                 <a16:creationId xmlns:a16="http://schemas.microsoft.com/office/drawing/2014/main" id="{88981B0C-2310-4D49-60C9-77B535E33AED}"/>
               </a:ext>
             </a:extLst>
@@ -22093,7 +22704,7 @@
 </p:sld>
 </file>
 
-<file path=ppt/slides/slide14.xml><?xml version="1.0" encoding="utf-8"?>
+<file path=ppt/slides/slide15.xml><?xml version="1.0" encoding="utf-8"?>
 <p:sld xmlns:a="http://schemas.openxmlformats.org/drawingml/2006/main" xmlns:r="http://schemas.openxmlformats.org/officeDocument/2006/relationships" xmlns:p="http://schemas.openxmlformats.org/presentationml/2006/main">
   <p:cSld>
     <p:spTree>
@@ -22475,496 +23086,6 @@
 </p:sld>
 </file>
 
-<file path=ppt/slides/slide15.xml><?xml version="1.0" encoding="utf-8"?>
-<p:sld xmlns:a="http://schemas.openxmlformats.org/drawingml/2006/main" xmlns:r="http://schemas.openxmlformats.org/officeDocument/2006/relationships" xmlns:p="http://schemas.openxmlformats.org/presentationml/2006/main">
-  <p:cSld>
-    <p:spTree>
-      <p:nvGrpSpPr>
-        <p:cNvPr id="1" name=""/>
-        <p:cNvGrpSpPr/>
-        <p:nvPr/>
-      </p:nvGrpSpPr>
-      <p:grpSpPr>
-        <a:xfrm>
-          <a:off x="0" y="0"/>
-          <a:ext cx="0" cy="0"/>
-          <a:chOff x="0" y="0"/>
-          <a:chExt cx="0" cy="0"/>
-        </a:xfrm>
-      </p:grpSpPr>
-      <p:sp>
-        <p:nvSpPr>
-          <p:cNvPr id="2" name="Textplatzhalter 1">
-            <a:extLst>
-              <a:ext uri="{FF2B5EF4-FFF2-40B4-BE49-F238E27FC236}">
-                <a16:creationId xmlns:a16="http://schemas.microsoft.com/office/drawing/2014/main" id="{AC41F17C-7B65-CCE4-F2A6-56F2DC549AEC}"/>
-              </a:ext>
-            </a:extLst>
-          </p:cNvPr>
-          <p:cNvSpPr>
-            <a:spLocks noGrp="1"/>
-          </p:cNvSpPr>
-          <p:nvPr>
-            <p:ph type="body" idx="11"/>
-          </p:nvPr>
-        </p:nvSpPr>
-        <p:spPr/>
-        <p:txBody>
-          <a:bodyPr/>
-          <a:lstStyle/>
-          <a:p>
-            <a:endParaRPr lang="en-GB"/>
-          </a:p>
-        </p:txBody>
-      </p:sp>
-      <p:sp>
-        <p:nvSpPr>
-          <p:cNvPr id="3" name="Textplatzhalter 2">
-            <a:extLst>
-              <a:ext uri="{FF2B5EF4-FFF2-40B4-BE49-F238E27FC236}">
-                <a16:creationId xmlns:a16="http://schemas.microsoft.com/office/drawing/2014/main" id="{77438494-23DE-E24E-4820-B2CC281CEC32}"/>
-              </a:ext>
-            </a:extLst>
-          </p:cNvPr>
-          <p:cNvSpPr>
-            <a:spLocks noGrp="1"/>
-          </p:cNvSpPr>
-          <p:nvPr>
-            <p:ph type="body" sz="quarter" idx="16"/>
-          </p:nvPr>
-        </p:nvSpPr>
-        <p:spPr/>
-        <p:txBody>
-          <a:bodyPr/>
-          <a:lstStyle/>
-          <a:p>
-            <a:endParaRPr lang="en-GB" dirty="0"/>
-          </a:p>
-        </p:txBody>
-      </p:sp>
-      <p:sp>
-        <p:nvSpPr>
-          <p:cNvPr id="4" name="Textplatzhalter 3">
-            <a:extLst>
-              <a:ext uri="{FF2B5EF4-FFF2-40B4-BE49-F238E27FC236}">
-                <a16:creationId xmlns:a16="http://schemas.microsoft.com/office/drawing/2014/main" id="{BEED3CE5-AF25-B789-B484-FC394F32703B}"/>
-              </a:ext>
-            </a:extLst>
-          </p:cNvPr>
-          <p:cNvSpPr>
-            <a:spLocks noGrp="1"/>
-          </p:cNvSpPr>
-          <p:nvPr>
-            <p:ph type="body" sz="quarter" idx="17"/>
-          </p:nvPr>
-        </p:nvSpPr>
-        <p:spPr/>
-        <p:txBody>
-          <a:bodyPr/>
-          <a:lstStyle/>
-          <a:p>
-            <a:pPr marL="285750" indent="-285750">
-              <a:buFont typeface="Arial" panose="020B0604020202020204" pitchFamily="34" charset="0"/>
-              <a:buChar char="•"/>
-            </a:pPr>
-            <a:r>
-              <a:rPr lang="de-CH" dirty="0" err="1"/>
-              <a:t>With</a:t>
-            </a:r>
-            <a:r>
-              <a:rPr lang="de-CH" dirty="0"/>
-              <a:t> </a:t>
-            </a:r>
-            <a:r>
-              <a:rPr lang="de-CH" dirty="0" err="1"/>
-              <a:t>our</a:t>
-            </a:r>
-            <a:r>
-              <a:rPr lang="de-CH" dirty="0"/>
-              <a:t> </a:t>
-            </a:r>
-            <a:r>
-              <a:rPr lang="de-CH" dirty="0" err="1"/>
-              <a:t>dataset</a:t>
-            </a:r>
-            <a:r>
-              <a:rPr lang="de-CH" dirty="0"/>
-              <a:t> </a:t>
-            </a:r>
-            <a:r>
-              <a:rPr lang="de-CH" dirty="0" err="1"/>
-              <a:t>more</a:t>
-            </a:r>
-            <a:r>
-              <a:rPr lang="de-CH" dirty="0"/>
-              <a:t> </a:t>
-            </a:r>
-            <a:r>
-              <a:rPr lang="de-CH" dirty="0" err="1"/>
-              <a:t>preprocessing</a:t>
-            </a:r>
-            <a:r>
-              <a:rPr lang="de-CH" dirty="0"/>
-              <a:t> </a:t>
-            </a:r>
-            <a:r>
-              <a:rPr lang="de-CH" dirty="0" err="1"/>
-              <a:t>increases</a:t>
-            </a:r>
-            <a:r>
-              <a:rPr lang="de-CH" dirty="0"/>
-              <a:t> the </a:t>
-            </a:r>
-            <a:r>
-              <a:rPr lang="de-CH" dirty="0" err="1"/>
-              <a:t>evaluation</a:t>
-            </a:r>
-            <a:r>
-              <a:rPr lang="de-CH" dirty="0"/>
-              <a:t> </a:t>
-            </a:r>
-            <a:r>
-              <a:rPr lang="de-CH" dirty="0" err="1"/>
-              <a:t>scores</a:t>
-            </a:r>
-            <a:endParaRPr lang="de-CH" dirty="0"/>
-          </a:p>
-          <a:p>
-            <a:pPr marL="285750" indent="-285750">
-              <a:buFont typeface="Arial" panose="020B0604020202020204" pitchFamily="34" charset="0"/>
-              <a:buChar char="•"/>
-            </a:pPr>
-            <a:r>
-              <a:rPr lang="de-CH" dirty="0" err="1"/>
-              <a:t>We</a:t>
-            </a:r>
-            <a:r>
-              <a:rPr lang="de-CH" dirty="0"/>
-              <a:t> </a:t>
-            </a:r>
-            <a:r>
-              <a:rPr lang="de-CH" dirty="0" err="1"/>
-              <a:t>can</a:t>
-            </a:r>
-            <a:r>
-              <a:rPr lang="de-CH" dirty="0"/>
-              <a:t> </a:t>
-            </a:r>
-            <a:r>
-              <a:rPr lang="de-CH" dirty="0" err="1"/>
-              <a:t>imagine</a:t>
-            </a:r>
-            <a:r>
-              <a:rPr lang="de-CH" dirty="0"/>
-              <a:t> </a:t>
-            </a:r>
-            <a:r>
-              <a:rPr lang="de-CH" dirty="0" err="1"/>
-              <a:t>that</a:t>
-            </a:r>
-            <a:r>
-              <a:rPr lang="de-CH" dirty="0"/>
-              <a:t> the </a:t>
-            </a:r>
-            <a:r>
-              <a:rPr lang="de-CH" dirty="0" err="1"/>
-              <a:t>dataset</a:t>
-            </a:r>
-            <a:r>
-              <a:rPr lang="de-CH" dirty="0"/>
-              <a:t> </a:t>
-            </a:r>
-            <a:r>
-              <a:rPr lang="de-CH" dirty="0" err="1"/>
-              <a:t>is</a:t>
-            </a:r>
-            <a:r>
-              <a:rPr lang="de-CH" dirty="0"/>
-              <a:t> </a:t>
-            </a:r>
-            <a:r>
-              <a:rPr lang="de-CH" dirty="0" err="1"/>
-              <a:t>difficult</a:t>
-            </a:r>
-            <a:r>
-              <a:rPr lang="de-CH" dirty="0"/>
-              <a:t> </a:t>
-            </a:r>
-            <a:r>
-              <a:rPr lang="de-CH" dirty="0" err="1"/>
-              <a:t>to</a:t>
-            </a:r>
-            <a:r>
-              <a:rPr lang="de-CH" dirty="0"/>
-              <a:t> </a:t>
-            </a:r>
-            <a:r>
-              <a:rPr lang="de-CH" dirty="0" err="1"/>
-              <a:t>learn</a:t>
-            </a:r>
-            <a:r>
-              <a:rPr lang="de-CH" dirty="0"/>
-              <a:t> and </a:t>
-            </a:r>
-            <a:r>
-              <a:rPr lang="de-CH" dirty="0" err="1"/>
-              <a:t>that</a:t>
-            </a:r>
-            <a:r>
-              <a:rPr lang="de-CH" dirty="0"/>
-              <a:t> the </a:t>
-            </a:r>
-            <a:r>
-              <a:rPr lang="de-CH" dirty="0" err="1"/>
-              <a:t>classifier</a:t>
-            </a:r>
-            <a:r>
-              <a:rPr lang="de-CH" dirty="0"/>
-              <a:t> </a:t>
-            </a:r>
-            <a:r>
-              <a:rPr lang="de-CH" dirty="0" err="1"/>
-              <a:t>favours</a:t>
-            </a:r>
-            <a:r>
-              <a:rPr lang="de-CH" dirty="0"/>
-              <a:t> </a:t>
-            </a:r>
-            <a:r>
-              <a:rPr lang="de-CH" dirty="0" err="1"/>
-              <a:t>any</a:t>
-            </a:r>
-            <a:r>
-              <a:rPr lang="de-CH" dirty="0"/>
-              <a:t> </a:t>
-            </a:r>
-            <a:r>
-              <a:rPr lang="de-CH" dirty="0" err="1"/>
-              <a:t>kind</a:t>
-            </a:r>
-            <a:r>
-              <a:rPr lang="de-CH" dirty="0"/>
-              <a:t> </a:t>
-            </a:r>
-            <a:r>
-              <a:rPr lang="de-CH" dirty="0" err="1"/>
-              <a:t>of</a:t>
-            </a:r>
-            <a:r>
-              <a:rPr lang="de-CH" dirty="0"/>
-              <a:t> </a:t>
-            </a:r>
-            <a:r>
-              <a:rPr lang="de-CH" dirty="0" err="1"/>
-              <a:t>complexity</a:t>
-            </a:r>
-            <a:r>
-              <a:rPr lang="de-CH" dirty="0"/>
-              <a:t> </a:t>
-            </a:r>
-            <a:r>
-              <a:rPr lang="de-CH" dirty="0" err="1"/>
-              <a:t>reduction</a:t>
-            </a:r>
-            <a:r>
-              <a:rPr lang="de-CH" dirty="0"/>
-              <a:t> </a:t>
-            </a:r>
-          </a:p>
-          <a:p>
-            <a:pPr marL="285750" indent="-285750">
-              <a:buFont typeface="Arial" panose="020B0604020202020204" pitchFamily="34" charset="0"/>
-              <a:buChar char="•"/>
-            </a:pPr>
-            <a:r>
-              <a:rPr lang="de-CH" dirty="0" err="1"/>
-              <a:t>We</a:t>
-            </a:r>
-            <a:r>
-              <a:rPr lang="de-CH" dirty="0"/>
-              <a:t> </a:t>
-            </a:r>
-            <a:r>
-              <a:rPr lang="de-CH" dirty="0" err="1"/>
-              <a:t>assume</a:t>
-            </a:r>
-            <a:r>
-              <a:rPr lang="de-CH" dirty="0"/>
-              <a:t> </a:t>
-            </a:r>
-            <a:r>
-              <a:rPr lang="de-CH" dirty="0" err="1"/>
-              <a:t>this</a:t>
-            </a:r>
-            <a:r>
-              <a:rPr lang="de-CH" dirty="0"/>
-              <a:t> </a:t>
-            </a:r>
-            <a:r>
-              <a:rPr lang="de-CH" dirty="0" err="1"/>
-              <a:t>behaviour</a:t>
-            </a:r>
-            <a:r>
-              <a:rPr lang="de-CH" dirty="0"/>
-              <a:t> </a:t>
-            </a:r>
-            <a:r>
-              <a:rPr lang="de-CH" dirty="0" err="1"/>
-              <a:t>changes</a:t>
-            </a:r>
-            <a:r>
-              <a:rPr lang="de-CH" dirty="0"/>
-              <a:t> </a:t>
-            </a:r>
-            <a:r>
-              <a:rPr lang="de-CH" dirty="0" err="1"/>
-              <a:t>with</a:t>
-            </a:r>
-            <a:r>
-              <a:rPr lang="de-CH" dirty="0"/>
-              <a:t> a </a:t>
-            </a:r>
-            <a:r>
-              <a:rPr lang="de-CH" dirty="0" err="1"/>
-              <a:t>bigger</a:t>
-            </a:r>
-            <a:r>
-              <a:rPr lang="de-CH" dirty="0"/>
-              <a:t> </a:t>
-            </a:r>
-            <a:r>
-              <a:rPr lang="de-CH" dirty="0" err="1"/>
-              <a:t>training</a:t>
-            </a:r>
-            <a:r>
-              <a:rPr lang="de-CH" dirty="0"/>
-              <a:t> </a:t>
-            </a:r>
-            <a:r>
-              <a:rPr lang="de-CH" dirty="0" err="1"/>
-              <a:t>set</a:t>
-            </a:r>
-            <a:endParaRPr lang="en-GB" dirty="0"/>
-          </a:p>
-        </p:txBody>
-      </p:sp>
-      <p:sp>
-        <p:nvSpPr>
-          <p:cNvPr id="5" name="Textplatzhalter 4">
-            <a:extLst>
-              <a:ext uri="{FF2B5EF4-FFF2-40B4-BE49-F238E27FC236}">
-                <a16:creationId xmlns:a16="http://schemas.microsoft.com/office/drawing/2014/main" id="{572E7ADE-9CEC-BA94-E62A-62D56019D96A}"/>
-              </a:ext>
-            </a:extLst>
-          </p:cNvPr>
-          <p:cNvSpPr>
-            <a:spLocks noGrp="1"/>
-          </p:cNvSpPr>
-          <p:nvPr>
-            <p:ph type="body" sz="quarter" idx="18"/>
-          </p:nvPr>
-        </p:nvSpPr>
-        <p:spPr/>
-        <p:txBody>
-          <a:bodyPr/>
-          <a:lstStyle/>
-          <a:p>
-            <a:endParaRPr lang="en-GB"/>
-          </a:p>
-        </p:txBody>
-      </p:sp>
-      <p:sp>
-        <p:nvSpPr>
-          <p:cNvPr id="6" name="Textplatzhalter 5">
-            <a:extLst>
-              <a:ext uri="{FF2B5EF4-FFF2-40B4-BE49-F238E27FC236}">
-                <a16:creationId xmlns:a16="http://schemas.microsoft.com/office/drawing/2014/main" id="{CA791246-93A8-C6F0-32FD-787C41C610A3}"/>
-              </a:ext>
-            </a:extLst>
-          </p:cNvPr>
-          <p:cNvSpPr>
-            <a:spLocks noGrp="1"/>
-          </p:cNvSpPr>
-          <p:nvPr>
-            <p:ph type="body" sz="quarter" idx="19"/>
-          </p:nvPr>
-        </p:nvSpPr>
-        <p:spPr/>
-        <p:txBody>
-          <a:bodyPr/>
-          <a:lstStyle/>
-          <a:p>
-            <a:endParaRPr lang="en-GB"/>
-          </a:p>
-        </p:txBody>
-      </p:sp>
-      <p:sp>
-        <p:nvSpPr>
-          <p:cNvPr id="7" name="Textplatzhalter 6">
-            <a:extLst>
-              <a:ext uri="{FF2B5EF4-FFF2-40B4-BE49-F238E27FC236}">
-                <a16:creationId xmlns:a16="http://schemas.microsoft.com/office/drawing/2014/main" id="{C5CFA3AD-DFBE-2AFF-7B22-8D6FFA6CB531}"/>
-              </a:ext>
-            </a:extLst>
-          </p:cNvPr>
-          <p:cNvSpPr>
-            <a:spLocks noGrp="1"/>
-          </p:cNvSpPr>
-          <p:nvPr>
-            <p:ph type="body" sz="quarter" idx="20"/>
-          </p:nvPr>
-        </p:nvSpPr>
-        <p:spPr/>
-        <p:txBody>
-          <a:bodyPr/>
-          <a:lstStyle/>
-          <a:p>
-            <a:endParaRPr lang="en-GB"/>
-          </a:p>
-        </p:txBody>
-      </p:sp>
-      <p:sp>
-        <p:nvSpPr>
-          <p:cNvPr id="8" name="Titel 7">
-            <a:extLst>
-              <a:ext uri="{FF2B5EF4-FFF2-40B4-BE49-F238E27FC236}">
-                <a16:creationId xmlns:a16="http://schemas.microsoft.com/office/drawing/2014/main" id="{72B5AB08-A1FA-78E3-3960-A99497296E7D}"/>
-              </a:ext>
-            </a:extLst>
-          </p:cNvPr>
-          <p:cNvSpPr>
-            <a:spLocks noGrp="1"/>
-          </p:cNvSpPr>
-          <p:nvPr>
-            <p:ph type="title"/>
-          </p:nvPr>
-        </p:nvSpPr>
-        <p:spPr/>
-        <p:txBody>
-          <a:bodyPr/>
-          <a:lstStyle/>
-          <a:p>
-            <a:r>
-              <a:rPr lang="de-CH" dirty="0" err="1"/>
-              <a:t>Conclusion</a:t>
-            </a:r>
-            <a:endParaRPr lang="en-GB" dirty="0"/>
-          </a:p>
-        </p:txBody>
-      </p:sp>
-    </p:spTree>
-    <p:extLst>
-      <p:ext uri="{BB962C8B-B14F-4D97-AF65-F5344CB8AC3E}">
-        <p14:creationId xmlns:p14="http://schemas.microsoft.com/office/powerpoint/2010/main" val="3708444663"/>
-      </p:ext>
-    </p:extLst>
-  </p:cSld>
-  <p:clrMapOvr>
-    <a:masterClrMapping/>
-  </p:clrMapOvr>
-</p:sld>
-</file>
-
 <file path=ppt/slides/slide16.xml><?xml version="1.0" encoding="utf-8"?>
 <p:sld xmlns:a="http://schemas.openxmlformats.org/drawingml/2006/main" xmlns:r="http://schemas.openxmlformats.org/officeDocument/2006/relationships" xmlns:p="http://schemas.openxmlformats.org/presentationml/2006/main">
   <p:cSld>
@@ -22987,6 +23108,496 @@
           <p:cNvPr id="2" name="Textplatzhalter 1">
             <a:extLst>
               <a:ext uri="{FF2B5EF4-FFF2-40B4-BE49-F238E27FC236}">
+                <a16:creationId xmlns:a16="http://schemas.microsoft.com/office/drawing/2014/main" id="{AC41F17C-7B65-CCE4-F2A6-56F2DC549AEC}"/>
+              </a:ext>
+            </a:extLst>
+          </p:cNvPr>
+          <p:cNvSpPr>
+            <a:spLocks noGrp="1"/>
+          </p:cNvSpPr>
+          <p:nvPr>
+            <p:ph type="body" idx="11"/>
+          </p:nvPr>
+        </p:nvSpPr>
+        <p:spPr/>
+        <p:txBody>
+          <a:bodyPr/>
+          <a:lstStyle/>
+          <a:p>
+            <a:endParaRPr lang="en-GB"/>
+          </a:p>
+        </p:txBody>
+      </p:sp>
+      <p:sp>
+        <p:nvSpPr>
+          <p:cNvPr id="3" name="Textplatzhalter 2">
+            <a:extLst>
+              <a:ext uri="{FF2B5EF4-FFF2-40B4-BE49-F238E27FC236}">
+                <a16:creationId xmlns:a16="http://schemas.microsoft.com/office/drawing/2014/main" id="{77438494-23DE-E24E-4820-B2CC281CEC32}"/>
+              </a:ext>
+            </a:extLst>
+          </p:cNvPr>
+          <p:cNvSpPr>
+            <a:spLocks noGrp="1"/>
+          </p:cNvSpPr>
+          <p:nvPr>
+            <p:ph type="body" sz="quarter" idx="16"/>
+          </p:nvPr>
+        </p:nvSpPr>
+        <p:spPr/>
+        <p:txBody>
+          <a:bodyPr/>
+          <a:lstStyle/>
+          <a:p>
+            <a:endParaRPr lang="en-GB" dirty="0"/>
+          </a:p>
+        </p:txBody>
+      </p:sp>
+      <p:sp>
+        <p:nvSpPr>
+          <p:cNvPr id="4" name="Textplatzhalter 3">
+            <a:extLst>
+              <a:ext uri="{FF2B5EF4-FFF2-40B4-BE49-F238E27FC236}">
+                <a16:creationId xmlns:a16="http://schemas.microsoft.com/office/drawing/2014/main" id="{BEED3CE5-AF25-B789-B484-FC394F32703B}"/>
+              </a:ext>
+            </a:extLst>
+          </p:cNvPr>
+          <p:cNvSpPr>
+            <a:spLocks noGrp="1"/>
+          </p:cNvSpPr>
+          <p:nvPr>
+            <p:ph type="body" sz="quarter" idx="17"/>
+          </p:nvPr>
+        </p:nvSpPr>
+        <p:spPr/>
+        <p:txBody>
+          <a:bodyPr/>
+          <a:lstStyle/>
+          <a:p>
+            <a:pPr marL="285750" indent="-285750">
+              <a:buFont typeface="Arial" panose="020B0604020202020204" pitchFamily="34" charset="0"/>
+              <a:buChar char="•"/>
+            </a:pPr>
+            <a:r>
+              <a:rPr lang="de-CH" dirty="0" err="1"/>
+              <a:t>With</a:t>
+            </a:r>
+            <a:r>
+              <a:rPr lang="de-CH" dirty="0"/>
+              <a:t> </a:t>
+            </a:r>
+            <a:r>
+              <a:rPr lang="de-CH" dirty="0" err="1"/>
+              <a:t>our</a:t>
+            </a:r>
+            <a:r>
+              <a:rPr lang="de-CH" dirty="0"/>
+              <a:t> </a:t>
+            </a:r>
+            <a:r>
+              <a:rPr lang="de-CH" dirty="0" err="1"/>
+              <a:t>dataset</a:t>
+            </a:r>
+            <a:r>
+              <a:rPr lang="de-CH" dirty="0"/>
+              <a:t> </a:t>
+            </a:r>
+            <a:r>
+              <a:rPr lang="de-CH" dirty="0" err="1"/>
+              <a:t>more</a:t>
+            </a:r>
+            <a:r>
+              <a:rPr lang="de-CH" dirty="0"/>
+              <a:t> </a:t>
+            </a:r>
+            <a:r>
+              <a:rPr lang="de-CH" dirty="0" err="1"/>
+              <a:t>preprocessing</a:t>
+            </a:r>
+            <a:r>
+              <a:rPr lang="de-CH" dirty="0"/>
+              <a:t> </a:t>
+            </a:r>
+            <a:r>
+              <a:rPr lang="de-CH" dirty="0" err="1"/>
+              <a:t>increases</a:t>
+            </a:r>
+            <a:r>
+              <a:rPr lang="de-CH" dirty="0"/>
+              <a:t> the </a:t>
+            </a:r>
+            <a:r>
+              <a:rPr lang="de-CH" dirty="0" err="1"/>
+              <a:t>evaluation</a:t>
+            </a:r>
+            <a:r>
+              <a:rPr lang="de-CH" dirty="0"/>
+              <a:t> </a:t>
+            </a:r>
+            <a:r>
+              <a:rPr lang="de-CH" dirty="0" err="1"/>
+              <a:t>scores</a:t>
+            </a:r>
+            <a:endParaRPr lang="de-CH" dirty="0"/>
+          </a:p>
+          <a:p>
+            <a:pPr marL="285750" indent="-285750">
+              <a:buFont typeface="Arial" panose="020B0604020202020204" pitchFamily="34" charset="0"/>
+              <a:buChar char="•"/>
+            </a:pPr>
+            <a:r>
+              <a:rPr lang="de-CH" dirty="0" err="1"/>
+              <a:t>We</a:t>
+            </a:r>
+            <a:r>
+              <a:rPr lang="de-CH" dirty="0"/>
+              <a:t> </a:t>
+            </a:r>
+            <a:r>
+              <a:rPr lang="de-CH" dirty="0" err="1"/>
+              <a:t>can</a:t>
+            </a:r>
+            <a:r>
+              <a:rPr lang="de-CH" dirty="0"/>
+              <a:t> </a:t>
+            </a:r>
+            <a:r>
+              <a:rPr lang="de-CH" dirty="0" err="1"/>
+              <a:t>imagine</a:t>
+            </a:r>
+            <a:r>
+              <a:rPr lang="de-CH" dirty="0"/>
+              <a:t> </a:t>
+            </a:r>
+            <a:r>
+              <a:rPr lang="de-CH" dirty="0" err="1"/>
+              <a:t>that</a:t>
+            </a:r>
+            <a:r>
+              <a:rPr lang="de-CH" dirty="0"/>
+              <a:t> the </a:t>
+            </a:r>
+            <a:r>
+              <a:rPr lang="de-CH" dirty="0" err="1"/>
+              <a:t>dataset</a:t>
+            </a:r>
+            <a:r>
+              <a:rPr lang="de-CH" dirty="0"/>
+              <a:t> </a:t>
+            </a:r>
+            <a:r>
+              <a:rPr lang="de-CH" dirty="0" err="1"/>
+              <a:t>is</a:t>
+            </a:r>
+            <a:r>
+              <a:rPr lang="de-CH" dirty="0"/>
+              <a:t> </a:t>
+            </a:r>
+            <a:r>
+              <a:rPr lang="de-CH" dirty="0" err="1"/>
+              <a:t>difficult</a:t>
+            </a:r>
+            <a:r>
+              <a:rPr lang="de-CH" dirty="0"/>
+              <a:t> </a:t>
+            </a:r>
+            <a:r>
+              <a:rPr lang="de-CH" dirty="0" err="1"/>
+              <a:t>to</a:t>
+            </a:r>
+            <a:r>
+              <a:rPr lang="de-CH" dirty="0"/>
+              <a:t> </a:t>
+            </a:r>
+            <a:r>
+              <a:rPr lang="de-CH" dirty="0" err="1"/>
+              <a:t>learn</a:t>
+            </a:r>
+            <a:r>
+              <a:rPr lang="de-CH" dirty="0"/>
+              <a:t> and </a:t>
+            </a:r>
+            <a:r>
+              <a:rPr lang="de-CH" dirty="0" err="1"/>
+              <a:t>that</a:t>
+            </a:r>
+            <a:r>
+              <a:rPr lang="de-CH" dirty="0"/>
+              <a:t> the </a:t>
+            </a:r>
+            <a:r>
+              <a:rPr lang="de-CH" dirty="0" err="1"/>
+              <a:t>classifier</a:t>
+            </a:r>
+            <a:r>
+              <a:rPr lang="de-CH" dirty="0"/>
+              <a:t> </a:t>
+            </a:r>
+            <a:r>
+              <a:rPr lang="de-CH" dirty="0" err="1"/>
+              <a:t>favours</a:t>
+            </a:r>
+            <a:r>
+              <a:rPr lang="de-CH" dirty="0"/>
+              <a:t> </a:t>
+            </a:r>
+            <a:r>
+              <a:rPr lang="de-CH" dirty="0" err="1"/>
+              <a:t>any</a:t>
+            </a:r>
+            <a:r>
+              <a:rPr lang="de-CH" dirty="0"/>
+              <a:t> </a:t>
+            </a:r>
+            <a:r>
+              <a:rPr lang="de-CH" dirty="0" err="1"/>
+              <a:t>kind</a:t>
+            </a:r>
+            <a:r>
+              <a:rPr lang="de-CH" dirty="0"/>
+              <a:t> </a:t>
+            </a:r>
+            <a:r>
+              <a:rPr lang="de-CH" dirty="0" err="1"/>
+              <a:t>of</a:t>
+            </a:r>
+            <a:r>
+              <a:rPr lang="de-CH" dirty="0"/>
+              <a:t> </a:t>
+            </a:r>
+            <a:r>
+              <a:rPr lang="de-CH" dirty="0" err="1"/>
+              <a:t>complexity</a:t>
+            </a:r>
+            <a:r>
+              <a:rPr lang="de-CH" dirty="0"/>
+              <a:t> </a:t>
+            </a:r>
+            <a:r>
+              <a:rPr lang="de-CH" dirty="0" err="1"/>
+              <a:t>reduction</a:t>
+            </a:r>
+            <a:r>
+              <a:rPr lang="de-CH" dirty="0"/>
+              <a:t> </a:t>
+            </a:r>
+          </a:p>
+          <a:p>
+            <a:pPr marL="285750" indent="-285750">
+              <a:buFont typeface="Arial" panose="020B0604020202020204" pitchFamily="34" charset="0"/>
+              <a:buChar char="•"/>
+            </a:pPr>
+            <a:r>
+              <a:rPr lang="de-CH" dirty="0" err="1"/>
+              <a:t>We</a:t>
+            </a:r>
+            <a:r>
+              <a:rPr lang="de-CH" dirty="0"/>
+              <a:t> </a:t>
+            </a:r>
+            <a:r>
+              <a:rPr lang="de-CH" dirty="0" err="1"/>
+              <a:t>assume</a:t>
+            </a:r>
+            <a:r>
+              <a:rPr lang="de-CH" dirty="0"/>
+              <a:t> </a:t>
+            </a:r>
+            <a:r>
+              <a:rPr lang="de-CH" dirty="0" err="1"/>
+              <a:t>this</a:t>
+            </a:r>
+            <a:r>
+              <a:rPr lang="de-CH" dirty="0"/>
+              <a:t> </a:t>
+            </a:r>
+            <a:r>
+              <a:rPr lang="de-CH" dirty="0" err="1"/>
+              <a:t>behaviour</a:t>
+            </a:r>
+            <a:r>
+              <a:rPr lang="de-CH" dirty="0"/>
+              <a:t> </a:t>
+            </a:r>
+            <a:r>
+              <a:rPr lang="de-CH" dirty="0" err="1"/>
+              <a:t>changes</a:t>
+            </a:r>
+            <a:r>
+              <a:rPr lang="de-CH" dirty="0"/>
+              <a:t> </a:t>
+            </a:r>
+            <a:r>
+              <a:rPr lang="de-CH" dirty="0" err="1"/>
+              <a:t>with</a:t>
+            </a:r>
+            <a:r>
+              <a:rPr lang="de-CH" dirty="0"/>
+              <a:t> a </a:t>
+            </a:r>
+            <a:r>
+              <a:rPr lang="de-CH" dirty="0" err="1"/>
+              <a:t>bigger</a:t>
+            </a:r>
+            <a:r>
+              <a:rPr lang="de-CH" dirty="0"/>
+              <a:t> </a:t>
+            </a:r>
+            <a:r>
+              <a:rPr lang="de-CH" dirty="0" err="1"/>
+              <a:t>training</a:t>
+            </a:r>
+            <a:r>
+              <a:rPr lang="de-CH" dirty="0"/>
+              <a:t> </a:t>
+            </a:r>
+            <a:r>
+              <a:rPr lang="de-CH" dirty="0" err="1"/>
+              <a:t>set</a:t>
+            </a:r>
+            <a:endParaRPr lang="en-GB" dirty="0"/>
+          </a:p>
+        </p:txBody>
+      </p:sp>
+      <p:sp>
+        <p:nvSpPr>
+          <p:cNvPr id="5" name="Textplatzhalter 4">
+            <a:extLst>
+              <a:ext uri="{FF2B5EF4-FFF2-40B4-BE49-F238E27FC236}">
+                <a16:creationId xmlns:a16="http://schemas.microsoft.com/office/drawing/2014/main" id="{572E7ADE-9CEC-BA94-E62A-62D56019D96A}"/>
+              </a:ext>
+            </a:extLst>
+          </p:cNvPr>
+          <p:cNvSpPr>
+            <a:spLocks noGrp="1"/>
+          </p:cNvSpPr>
+          <p:nvPr>
+            <p:ph type="body" sz="quarter" idx="18"/>
+          </p:nvPr>
+        </p:nvSpPr>
+        <p:spPr/>
+        <p:txBody>
+          <a:bodyPr/>
+          <a:lstStyle/>
+          <a:p>
+            <a:endParaRPr lang="en-GB"/>
+          </a:p>
+        </p:txBody>
+      </p:sp>
+      <p:sp>
+        <p:nvSpPr>
+          <p:cNvPr id="6" name="Textplatzhalter 5">
+            <a:extLst>
+              <a:ext uri="{FF2B5EF4-FFF2-40B4-BE49-F238E27FC236}">
+                <a16:creationId xmlns:a16="http://schemas.microsoft.com/office/drawing/2014/main" id="{CA791246-93A8-C6F0-32FD-787C41C610A3}"/>
+              </a:ext>
+            </a:extLst>
+          </p:cNvPr>
+          <p:cNvSpPr>
+            <a:spLocks noGrp="1"/>
+          </p:cNvSpPr>
+          <p:nvPr>
+            <p:ph type="body" sz="quarter" idx="19"/>
+          </p:nvPr>
+        </p:nvSpPr>
+        <p:spPr/>
+        <p:txBody>
+          <a:bodyPr/>
+          <a:lstStyle/>
+          <a:p>
+            <a:endParaRPr lang="en-GB"/>
+          </a:p>
+        </p:txBody>
+      </p:sp>
+      <p:sp>
+        <p:nvSpPr>
+          <p:cNvPr id="7" name="Textplatzhalter 6">
+            <a:extLst>
+              <a:ext uri="{FF2B5EF4-FFF2-40B4-BE49-F238E27FC236}">
+                <a16:creationId xmlns:a16="http://schemas.microsoft.com/office/drawing/2014/main" id="{C5CFA3AD-DFBE-2AFF-7B22-8D6FFA6CB531}"/>
+              </a:ext>
+            </a:extLst>
+          </p:cNvPr>
+          <p:cNvSpPr>
+            <a:spLocks noGrp="1"/>
+          </p:cNvSpPr>
+          <p:nvPr>
+            <p:ph type="body" sz="quarter" idx="20"/>
+          </p:nvPr>
+        </p:nvSpPr>
+        <p:spPr/>
+        <p:txBody>
+          <a:bodyPr/>
+          <a:lstStyle/>
+          <a:p>
+            <a:endParaRPr lang="en-GB"/>
+          </a:p>
+        </p:txBody>
+      </p:sp>
+      <p:sp>
+        <p:nvSpPr>
+          <p:cNvPr id="8" name="Titel 7">
+            <a:extLst>
+              <a:ext uri="{FF2B5EF4-FFF2-40B4-BE49-F238E27FC236}">
+                <a16:creationId xmlns:a16="http://schemas.microsoft.com/office/drawing/2014/main" id="{72B5AB08-A1FA-78E3-3960-A99497296E7D}"/>
+              </a:ext>
+            </a:extLst>
+          </p:cNvPr>
+          <p:cNvSpPr>
+            <a:spLocks noGrp="1"/>
+          </p:cNvSpPr>
+          <p:nvPr>
+            <p:ph type="title"/>
+          </p:nvPr>
+        </p:nvSpPr>
+        <p:spPr/>
+        <p:txBody>
+          <a:bodyPr/>
+          <a:lstStyle/>
+          <a:p>
+            <a:r>
+              <a:rPr lang="de-CH" dirty="0" err="1"/>
+              <a:t>Conclusion</a:t>
+            </a:r>
+            <a:endParaRPr lang="en-GB" dirty="0"/>
+          </a:p>
+        </p:txBody>
+      </p:sp>
+    </p:spTree>
+    <p:extLst>
+      <p:ext uri="{BB962C8B-B14F-4D97-AF65-F5344CB8AC3E}">
+        <p14:creationId xmlns:p14="http://schemas.microsoft.com/office/powerpoint/2010/main" val="3708444663"/>
+      </p:ext>
+    </p:extLst>
+  </p:cSld>
+  <p:clrMapOvr>
+    <a:masterClrMapping/>
+  </p:clrMapOvr>
+</p:sld>
+</file>
+
+<file path=ppt/slides/slide17.xml><?xml version="1.0" encoding="utf-8"?>
+<p:sld xmlns:a="http://schemas.openxmlformats.org/drawingml/2006/main" xmlns:r="http://schemas.openxmlformats.org/officeDocument/2006/relationships" xmlns:p="http://schemas.openxmlformats.org/presentationml/2006/main">
+  <p:cSld>
+    <p:spTree>
+      <p:nvGrpSpPr>
+        <p:cNvPr id="1" name=""/>
+        <p:cNvGrpSpPr/>
+        <p:nvPr/>
+      </p:nvGrpSpPr>
+      <p:grpSpPr>
+        <a:xfrm>
+          <a:off x="0" y="0"/>
+          <a:ext cx="0" cy="0"/>
+          <a:chOff x="0" y="0"/>
+          <a:chExt cx="0" cy="0"/>
+        </a:xfrm>
+      </p:grpSpPr>
+      <p:sp>
+        <p:nvSpPr>
+          <p:cNvPr id="2" name="Textplatzhalter 1">
+            <a:extLst>
+              <a:ext uri="{FF2B5EF4-FFF2-40B4-BE49-F238E27FC236}">
                 <a16:creationId xmlns:a16="http://schemas.microsoft.com/office/drawing/2014/main" id="{15CA7CE6-A06F-8AFE-0674-C3D6CA3483F8}"/>
               </a:ext>
             </a:extLst>
@@ -23220,7 +23831,7 @@
           <a:p>
             <a:fld id="{16AB2C14-F465-F643-BD65-D6125390A9E0}" type="slidenum">
               <a:rPr lang="de-DE" smtClean="0"/>
-              <a:t>16</a:t>
+              <a:t>17</a:t>
             </a:fld>
             <a:endParaRPr lang="de-DE"/>
           </a:p>
@@ -23239,7 +23850,7 @@
 </p:sld>
 </file>
 
-<file path=ppt/slides/slide17.xml><?xml version="1.0" encoding="utf-8"?>
+<file path=ppt/slides/slide18.xml><?xml version="1.0" encoding="utf-8"?>
 <p:sld xmlns:a="http://schemas.openxmlformats.org/drawingml/2006/main" xmlns:r="http://schemas.openxmlformats.org/officeDocument/2006/relationships" xmlns:p="http://schemas.openxmlformats.org/presentationml/2006/main">
   <p:cSld>
     <p:spTree>
@@ -23824,7 +24435,7 @@
 </p:sld>
 </file>
 
-<file path=ppt/slides/slide18.xml><?xml version="1.0" encoding="utf-8"?>
+<file path=ppt/slides/slide19.xml><?xml version="1.0" encoding="utf-8"?>
 <p:sld xmlns:a="http://schemas.openxmlformats.org/drawingml/2006/main" xmlns:r="http://schemas.openxmlformats.org/officeDocument/2006/relationships" xmlns:p="http://schemas.openxmlformats.org/presentationml/2006/main">
   <p:cSld>
     <p:spTree>
@@ -24269,268 +24880,6 @@
     <p:extLst>
       <p:ext uri="{BB962C8B-B14F-4D97-AF65-F5344CB8AC3E}">
         <p14:creationId xmlns:p14="http://schemas.microsoft.com/office/powerpoint/2010/main" val="2702227377"/>
-      </p:ext>
-    </p:extLst>
-  </p:cSld>
-  <p:clrMapOvr>
-    <a:masterClrMapping/>
-  </p:clrMapOvr>
-</p:sld>
-</file>
-
-<file path=ppt/slides/slide19.xml><?xml version="1.0" encoding="utf-8"?>
-<p:sld xmlns:a="http://schemas.openxmlformats.org/drawingml/2006/main" xmlns:r="http://schemas.openxmlformats.org/officeDocument/2006/relationships" xmlns:p="http://schemas.openxmlformats.org/presentationml/2006/main">
-  <p:cSld>
-    <p:spTree>
-      <p:nvGrpSpPr>
-        <p:cNvPr id="1" name=""/>
-        <p:cNvGrpSpPr/>
-        <p:nvPr/>
-      </p:nvGrpSpPr>
-      <p:grpSpPr>
-        <a:xfrm>
-          <a:off x="0" y="0"/>
-          <a:ext cx="0" cy="0"/>
-          <a:chOff x="0" y="0"/>
-          <a:chExt cx="0" cy="0"/>
-        </a:xfrm>
-      </p:grpSpPr>
-      <p:sp>
-        <p:nvSpPr>
-          <p:cNvPr id="2" name="Textplatzhalter 1">
-            <a:extLst>
-              <a:ext uri="{FF2B5EF4-FFF2-40B4-BE49-F238E27FC236}">
-                <a16:creationId xmlns:a16="http://schemas.microsoft.com/office/drawing/2014/main" id="{15CA7CE6-A06F-8AFE-0674-C3D6CA3483F8}"/>
-              </a:ext>
-            </a:extLst>
-          </p:cNvPr>
-          <p:cNvSpPr>
-            <a:spLocks noGrp="1"/>
-          </p:cNvSpPr>
-          <p:nvPr>
-            <p:ph type="body" idx="11"/>
-          </p:nvPr>
-        </p:nvSpPr>
-        <p:spPr/>
-        <p:txBody>
-          <a:bodyPr/>
-          <a:lstStyle/>
-          <a:p>
-            <a:endParaRPr lang="en-GB"/>
-          </a:p>
-        </p:txBody>
-      </p:sp>
-      <p:sp>
-        <p:nvSpPr>
-          <p:cNvPr id="3" name="Textplatzhalter 2">
-            <a:extLst>
-              <a:ext uri="{FF2B5EF4-FFF2-40B4-BE49-F238E27FC236}">
-                <a16:creationId xmlns:a16="http://schemas.microsoft.com/office/drawing/2014/main" id="{EF29294F-99C7-DC8B-3428-F47525B2AB56}"/>
-              </a:ext>
-            </a:extLst>
-          </p:cNvPr>
-          <p:cNvSpPr>
-            <a:spLocks noGrp="1"/>
-          </p:cNvSpPr>
-          <p:nvPr>
-            <p:ph type="body" sz="quarter" idx="12"/>
-          </p:nvPr>
-        </p:nvSpPr>
-        <p:spPr/>
-        <p:txBody>
-          <a:bodyPr/>
-          <a:lstStyle/>
-          <a:p>
-            <a:pPr marL="342900" indent="-342900">
-              <a:buFont typeface="Arial" panose="020B0604020202020204" pitchFamily="34" charset="0"/>
-              <a:buChar char="•"/>
-            </a:pPr>
-            <a:r>
-              <a:rPr lang="de-CH" dirty="0"/>
-              <a:t>Environment</a:t>
-            </a:r>
-          </a:p>
-          <a:p>
-            <a:pPr marL="342900" indent="-342900">
-              <a:buFont typeface="Arial" panose="020B0604020202020204" pitchFamily="34" charset="0"/>
-              <a:buChar char="•"/>
-            </a:pPr>
-            <a:r>
-              <a:rPr lang="de-CH" dirty="0"/>
-              <a:t>Baseline </a:t>
-            </a:r>
-            <a:r>
-              <a:rPr lang="de-CH" dirty="0" err="1"/>
-              <a:t>results</a:t>
-            </a:r>
-            <a:endParaRPr lang="de-CH" dirty="0"/>
-          </a:p>
-          <a:p>
-            <a:pPr marL="342900" indent="-342900">
-              <a:buFont typeface="Arial" panose="020B0604020202020204" pitchFamily="34" charset="0"/>
-              <a:buChar char="•"/>
-            </a:pPr>
-            <a:r>
-              <a:rPr lang="en-GB" dirty="0"/>
-              <a:t>Preprocessing</a:t>
-            </a:r>
-          </a:p>
-          <a:p>
-            <a:pPr marL="342900" indent="-342900">
-              <a:buFont typeface="Arial" panose="020B0604020202020204" pitchFamily="34" charset="0"/>
-              <a:buChar char="•"/>
-            </a:pPr>
-            <a:r>
-              <a:rPr lang="en-GB" dirty="0"/>
-              <a:t>Further tuning</a:t>
-            </a:r>
-          </a:p>
-          <a:p>
-            <a:pPr marL="342900" indent="-342900">
-              <a:buFont typeface="Arial" panose="020B0604020202020204" pitchFamily="34" charset="0"/>
-              <a:buChar char="•"/>
-            </a:pPr>
-            <a:r>
-              <a:rPr lang="en-GB" dirty="0">
-                <a:solidFill>
-                  <a:srgbClr val="FF0000"/>
-                </a:solidFill>
-              </a:rPr>
-              <a:t>Final results</a:t>
-            </a:r>
-          </a:p>
-          <a:p>
-            <a:pPr marL="342900" indent="-342900">
-              <a:buFont typeface="Arial" panose="020B0604020202020204" pitchFamily="34" charset="0"/>
-              <a:buChar char="•"/>
-            </a:pPr>
-            <a:r>
-              <a:rPr lang="en-GB" dirty="0"/>
-              <a:t>Discussion</a:t>
-            </a:r>
-          </a:p>
-        </p:txBody>
-      </p:sp>
-      <p:sp>
-        <p:nvSpPr>
-          <p:cNvPr id="4" name="Textplatzhalter 3">
-            <a:extLst>
-              <a:ext uri="{FF2B5EF4-FFF2-40B4-BE49-F238E27FC236}">
-                <a16:creationId xmlns:a16="http://schemas.microsoft.com/office/drawing/2014/main" id="{64BF1BAE-298B-4934-F84A-FEF8B2E09DEB}"/>
-              </a:ext>
-            </a:extLst>
-          </p:cNvPr>
-          <p:cNvSpPr>
-            <a:spLocks noGrp="1"/>
-          </p:cNvSpPr>
-          <p:nvPr>
-            <p:ph type="body" sz="quarter" idx="14"/>
-          </p:nvPr>
-        </p:nvSpPr>
-        <p:spPr/>
-        <p:txBody>
-          <a:bodyPr/>
-          <a:lstStyle/>
-          <a:p>
-            <a:endParaRPr lang="en-GB"/>
-          </a:p>
-        </p:txBody>
-      </p:sp>
-      <p:sp>
-        <p:nvSpPr>
-          <p:cNvPr id="5" name="Textplatzhalter 4">
-            <a:extLst>
-              <a:ext uri="{FF2B5EF4-FFF2-40B4-BE49-F238E27FC236}">
-                <a16:creationId xmlns:a16="http://schemas.microsoft.com/office/drawing/2014/main" id="{95B122C0-A78B-02E0-04E5-95F69BBEF48D}"/>
-              </a:ext>
-            </a:extLst>
-          </p:cNvPr>
-          <p:cNvSpPr>
-            <a:spLocks noGrp="1"/>
-          </p:cNvSpPr>
-          <p:nvPr>
-            <p:ph type="body" sz="quarter" idx="20"/>
-          </p:nvPr>
-        </p:nvSpPr>
-        <p:spPr/>
-        <p:txBody>
-          <a:bodyPr/>
-          <a:lstStyle/>
-          <a:p>
-            <a:endParaRPr lang="en-GB"/>
-          </a:p>
-        </p:txBody>
-      </p:sp>
-      <p:sp>
-        <p:nvSpPr>
-          <p:cNvPr id="6" name="Titel 5">
-            <a:extLst>
-              <a:ext uri="{FF2B5EF4-FFF2-40B4-BE49-F238E27FC236}">
-                <a16:creationId xmlns:a16="http://schemas.microsoft.com/office/drawing/2014/main" id="{94CDB2C8-9321-68C5-2C0A-8EC29894AD56}"/>
-              </a:ext>
-            </a:extLst>
-          </p:cNvPr>
-          <p:cNvSpPr>
-            <a:spLocks noGrp="1"/>
-          </p:cNvSpPr>
-          <p:nvPr>
-            <p:ph type="title"/>
-          </p:nvPr>
-        </p:nvSpPr>
-        <p:spPr>
-          <a:xfrm>
-            <a:off x="540000" y="680400"/>
-            <a:ext cx="7020000" cy="410369"/>
-          </a:xfrm>
-        </p:spPr>
-        <p:txBody>
-          <a:bodyPr/>
-          <a:lstStyle/>
-          <a:p>
-            <a:r>
-              <a:rPr lang="en-GB" dirty="0">
-                <a:solidFill>
-                  <a:srgbClr val="FF0000"/>
-                </a:solidFill>
-              </a:rPr>
-              <a:t>Final results</a:t>
-            </a:r>
-          </a:p>
-        </p:txBody>
-      </p:sp>
-      <p:sp>
-        <p:nvSpPr>
-          <p:cNvPr id="7" name="Foliennummernplatzhalter 6">
-            <a:extLst>
-              <a:ext uri="{FF2B5EF4-FFF2-40B4-BE49-F238E27FC236}">
-                <a16:creationId xmlns:a16="http://schemas.microsoft.com/office/drawing/2014/main" id="{C19F6723-E4EF-C438-1DA3-D14924AE9F85}"/>
-              </a:ext>
-            </a:extLst>
-          </p:cNvPr>
-          <p:cNvSpPr>
-            <a:spLocks noGrp="1"/>
-          </p:cNvSpPr>
-          <p:nvPr>
-            <p:ph type="sldNum" sz="quarter" idx="21"/>
-          </p:nvPr>
-        </p:nvSpPr>
-        <p:spPr/>
-        <p:txBody>
-          <a:bodyPr/>
-          <a:lstStyle/>
-          <a:p>
-            <a:fld id="{16AB2C14-F465-F643-BD65-D6125390A9E0}" type="slidenum">
-              <a:rPr lang="de-DE" smtClean="0"/>
-              <a:t>19</a:t>
-            </a:fld>
-            <a:endParaRPr lang="de-DE"/>
-          </a:p>
-        </p:txBody>
-      </p:sp>
-    </p:spTree>
-    <p:extLst>
-      <p:ext uri="{BB962C8B-B14F-4D97-AF65-F5344CB8AC3E}">
-        <p14:creationId xmlns:p14="http://schemas.microsoft.com/office/powerpoint/2010/main" val="1702536999"/>
       </p:ext>
     </p:extLst>
   </p:cSld>
@@ -25422,6 +25771,268 @@
           <p:cNvPr id="2" name="Textplatzhalter 1">
             <a:extLst>
               <a:ext uri="{FF2B5EF4-FFF2-40B4-BE49-F238E27FC236}">
+                <a16:creationId xmlns:a16="http://schemas.microsoft.com/office/drawing/2014/main" id="{15CA7CE6-A06F-8AFE-0674-C3D6CA3483F8}"/>
+              </a:ext>
+            </a:extLst>
+          </p:cNvPr>
+          <p:cNvSpPr>
+            <a:spLocks noGrp="1"/>
+          </p:cNvSpPr>
+          <p:nvPr>
+            <p:ph type="body" idx="11"/>
+          </p:nvPr>
+        </p:nvSpPr>
+        <p:spPr/>
+        <p:txBody>
+          <a:bodyPr/>
+          <a:lstStyle/>
+          <a:p>
+            <a:endParaRPr lang="en-GB"/>
+          </a:p>
+        </p:txBody>
+      </p:sp>
+      <p:sp>
+        <p:nvSpPr>
+          <p:cNvPr id="3" name="Textplatzhalter 2">
+            <a:extLst>
+              <a:ext uri="{FF2B5EF4-FFF2-40B4-BE49-F238E27FC236}">
+                <a16:creationId xmlns:a16="http://schemas.microsoft.com/office/drawing/2014/main" id="{EF29294F-99C7-DC8B-3428-F47525B2AB56}"/>
+              </a:ext>
+            </a:extLst>
+          </p:cNvPr>
+          <p:cNvSpPr>
+            <a:spLocks noGrp="1"/>
+          </p:cNvSpPr>
+          <p:nvPr>
+            <p:ph type="body" sz="quarter" idx="12"/>
+          </p:nvPr>
+        </p:nvSpPr>
+        <p:spPr/>
+        <p:txBody>
+          <a:bodyPr/>
+          <a:lstStyle/>
+          <a:p>
+            <a:pPr marL="342900" indent="-342900">
+              <a:buFont typeface="Arial" panose="020B0604020202020204" pitchFamily="34" charset="0"/>
+              <a:buChar char="•"/>
+            </a:pPr>
+            <a:r>
+              <a:rPr lang="de-CH" dirty="0"/>
+              <a:t>Environment</a:t>
+            </a:r>
+          </a:p>
+          <a:p>
+            <a:pPr marL="342900" indent="-342900">
+              <a:buFont typeface="Arial" panose="020B0604020202020204" pitchFamily="34" charset="0"/>
+              <a:buChar char="•"/>
+            </a:pPr>
+            <a:r>
+              <a:rPr lang="de-CH" dirty="0"/>
+              <a:t>Baseline </a:t>
+            </a:r>
+            <a:r>
+              <a:rPr lang="de-CH" dirty="0" err="1"/>
+              <a:t>results</a:t>
+            </a:r>
+            <a:endParaRPr lang="de-CH" dirty="0"/>
+          </a:p>
+          <a:p>
+            <a:pPr marL="342900" indent="-342900">
+              <a:buFont typeface="Arial" panose="020B0604020202020204" pitchFamily="34" charset="0"/>
+              <a:buChar char="•"/>
+            </a:pPr>
+            <a:r>
+              <a:rPr lang="en-GB" dirty="0"/>
+              <a:t>Preprocessing</a:t>
+            </a:r>
+          </a:p>
+          <a:p>
+            <a:pPr marL="342900" indent="-342900">
+              <a:buFont typeface="Arial" panose="020B0604020202020204" pitchFamily="34" charset="0"/>
+              <a:buChar char="•"/>
+            </a:pPr>
+            <a:r>
+              <a:rPr lang="en-GB" dirty="0"/>
+              <a:t>Further tuning</a:t>
+            </a:r>
+          </a:p>
+          <a:p>
+            <a:pPr marL="342900" indent="-342900">
+              <a:buFont typeface="Arial" panose="020B0604020202020204" pitchFamily="34" charset="0"/>
+              <a:buChar char="•"/>
+            </a:pPr>
+            <a:r>
+              <a:rPr lang="en-GB" dirty="0">
+                <a:solidFill>
+                  <a:srgbClr val="FF0000"/>
+                </a:solidFill>
+              </a:rPr>
+              <a:t>Final results</a:t>
+            </a:r>
+          </a:p>
+          <a:p>
+            <a:pPr marL="342900" indent="-342900">
+              <a:buFont typeface="Arial" panose="020B0604020202020204" pitchFamily="34" charset="0"/>
+              <a:buChar char="•"/>
+            </a:pPr>
+            <a:r>
+              <a:rPr lang="en-GB" dirty="0"/>
+              <a:t>Discussion</a:t>
+            </a:r>
+          </a:p>
+        </p:txBody>
+      </p:sp>
+      <p:sp>
+        <p:nvSpPr>
+          <p:cNvPr id="4" name="Textplatzhalter 3">
+            <a:extLst>
+              <a:ext uri="{FF2B5EF4-FFF2-40B4-BE49-F238E27FC236}">
+                <a16:creationId xmlns:a16="http://schemas.microsoft.com/office/drawing/2014/main" id="{64BF1BAE-298B-4934-F84A-FEF8B2E09DEB}"/>
+              </a:ext>
+            </a:extLst>
+          </p:cNvPr>
+          <p:cNvSpPr>
+            <a:spLocks noGrp="1"/>
+          </p:cNvSpPr>
+          <p:nvPr>
+            <p:ph type="body" sz="quarter" idx="14"/>
+          </p:nvPr>
+        </p:nvSpPr>
+        <p:spPr/>
+        <p:txBody>
+          <a:bodyPr/>
+          <a:lstStyle/>
+          <a:p>
+            <a:endParaRPr lang="en-GB"/>
+          </a:p>
+        </p:txBody>
+      </p:sp>
+      <p:sp>
+        <p:nvSpPr>
+          <p:cNvPr id="5" name="Textplatzhalter 4">
+            <a:extLst>
+              <a:ext uri="{FF2B5EF4-FFF2-40B4-BE49-F238E27FC236}">
+                <a16:creationId xmlns:a16="http://schemas.microsoft.com/office/drawing/2014/main" id="{95B122C0-A78B-02E0-04E5-95F69BBEF48D}"/>
+              </a:ext>
+            </a:extLst>
+          </p:cNvPr>
+          <p:cNvSpPr>
+            <a:spLocks noGrp="1"/>
+          </p:cNvSpPr>
+          <p:nvPr>
+            <p:ph type="body" sz="quarter" idx="20"/>
+          </p:nvPr>
+        </p:nvSpPr>
+        <p:spPr/>
+        <p:txBody>
+          <a:bodyPr/>
+          <a:lstStyle/>
+          <a:p>
+            <a:endParaRPr lang="en-GB"/>
+          </a:p>
+        </p:txBody>
+      </p:sp>
+      <p:sp>
+        <p:nvSpPr>
+          <p:cNvPr id="6" name="Titel 5">
+            <a:extLst>
+              <a:ext uri="{FF2B5EF4-FFF2-40B4-BE49-F238E27FC236}">
+                <a16:creationId xmlns:a16="http://schemas.microsoft.com/office/drawing/2014/main" id="{94CDB2C8-9321-68C5-2C0A-8EC29894AD56}"/>
+              </a:ext>
+            </a:extLst>
+          </p:cNvPr>
+          <p:cNvSpPr>
+            <a:spLocks noGrp="1"/>
+          </p:cNvSpPr>
+          <p:nvPr>
+            <p:ph type="title"/>
+          </p:nvPr>
+        </p:nvSpPr>
+        <p:spPr>
+          <a:xfrm>
+            <a:off x="540000" y="680400"/>
+            <a:ext cx="7020000" cy="410369"/>
+          </a:xfrm>
+        </p:spPr>
+        <p:txBody>
+          <a:bodyPr/>
+          <a:lstStyle/>
+          <a:p>
+            <a:r>
+              <a:rPr lang="en-GB" dirty="0">
+                <a:solidFill>
+                  <a:srgbClr val="FF0000"/>
+                </a:solidFill>
+              </a:rPr>
+              <a:t>Final results</a:t>
+            </a:r>
+          </a:p>
+        </p:txBody>
+      </p:sp>
+      <p:sp>
+        <p:nvSpPr>
+          <p:cNvPr id="7" name="Foliennummernplatzhalter 6">
+            <a:extLst>
+              <a:ext uri="{FF2B5EF4-FFF2-40B4-BE49-F238E27FC236}">
+                <a16:creationId xmlns:a16="http://schemas.microsoft.com/office/drawing/2014/main" id="{C19F6723-E4EF-C438-1DA3-D14924AE9F85}"/>
+              </a:ext>
+            </a:extLst>
+          </p:cNvPr>
+          <p:cNvSpPr>
+            <a:spLocks noGrp="1"/>
+          </p:cNvSpPr>
+          <p:nvPr>
+            <p:ph type="sldNum" sz="quarter" idx="21"/>
+          </p:nvPr>
+        </p:nvSpPr>
+        <p:spPr/>
+        <p:txBody>
+          <a:bodyPr/>
+          <a:lstStyle/>
+          <a:p>
+            <a:fld id="{16AB2C14-F465-F643-BD65-D6125390A9E0}" type="slidenum">
+              <a:rPr lang="de-DE" smtClean="0"/>
+              <a:t>20</a:t>
+            </a:fld>
+            <a:endParaRPr lang="de-DE"/>
+          </a:p>
+        </p:txBody>
+      </p:sp>
+    </p:spTree>
+    <p:extLst>
+      <p:ext uri="{BB962C8B-B14F-4D97-AF65-F5344CB8AC3E}">
+        <p14:creationId xmlns:p14="http://schemas.microsoft.com/office/powerpoint/2010/main" val="1702536999"/>
+      </p:ext>
+    </p:extLst>
+  </p:cSld>
+  <p:clrMapOvr>
+    <a:masterClrMapping/>
+  </p:clrMapOvr>
+</p:sld>
+</file>
+
+<file path=ppt/slides/slide21.xml><?xml version="1.0" encoding="utf-8"?>
+<p:sld xmlns:a="http://schemas.openxmlformats.org/drawingml/2006/main" xmlns:r="http://schemas.openxmlformats.org/officeDocument/2006/relationships" xmlns:p="http://schemas.openxmlformats.org/presentationml/2006/main">
+  <p:cSld>
+    <p:spTree>
+      <p:nvGrpSpPr>
+        <p:cNvPr id="1" name=""/>
+        <p:cNvGrpSpPr/>
+        <p:nvPr/>
+      </p:nvGrpSpPr>
+      <p:grpSpPr>
+        <a:xfrm>
+          <a:off x="0" y="0"/>
+          <a:ext cx="0" cy="0"/>
+          <a:chOff x="0" y="0"/>
+          <a:chExt cx="0" cy="0"/>
+        </a:xfrm>
+      </p:grpSpPr>
+      <p:sp>
+        <p:nvSpPr>
+          <p:cNvPr id="2" name="Textplatzhalter 1">
+            <a:extLst>
+              <a:ext uri="{FF2B5EF4-FFF2-40B4-BE49-F238E27FC236}">
                 <a16:creationId xmlns:a16="http://schemas.microsoft.com/office/drawing/2014/main" id="{1DB8F218-4B63-D5E5-7013-870444469D05}"/>
               </a:ext>
             </a:extLst>
@@ -25781,7 +26392,7 @@
 </p:sld>
 </file>
 
-<file path=ppt/slides/slide21.xml><?xml version="1.0" encoding="utf-8"?>
+<file path=ppt/slides/slide22.xml><?xml version="1.0" encoding="utf-8"?>
 <p:sld xmlns:a="http://schemas.openxmlformats.org/drawingml/2006/main" xmlns:r="http://schemas.openxmlformats.org/officeDocument/2006/relationships" xmlns:p="http://schemas.openxmlformats.org/presentationml/2006/main">
   <p:cSld>
     <p:spTree>
@@ -26007,280 +26618,6 @@
 </p:sld>
 </file>
 
-<file path=ppt/slides/slide22.xml><?xml version="1.0" encoding="utf-8"?>
-<p:sld xmlns:a="http://schemas.openxmlformats.org/drawingml/2006/main" xmlns:r="http://schemas.openxmlformats.org/officeDocument/2006/relationships" xmlns:p="http://schemas.openxmlformats.org/presentationml/2006/main">
-  <p:cSld>
-    <p:spTree>
-      <p:nvGrpSpPr>
-        <p:cNvPr id="1" name=""/>
-        <p:cNvGrpSpPr/>
-        <p:nvPr/>
-      </p:nvGrpSpPr>
-      <p:grpSpPr>
-        <a:xfrm>
-          <a:off x="0" y="0"/>
-          <a:ext cx="0" cy="0"/>
-          <a:chOff x="0" y="0"/>
-          <a:chExt cx="0" cy="0"/>
-        </a:xfrm>
-      </p:grpSpPr>
-      <p:sp>
-        <p:nvSpPr>
-          <p:cNvPr id="2" name="Textplatzhalter 1">
-            <a:extLst>
-              <a:ext uri="{FF2B5EF4-FFF2-40B4-BE49-F238E27FC236}">
-                <a16:creationId xmlns:a16="http://schemas.microsoft.com/office/drawing/2014/main" id="{15CA7CE6-A06F-8AFE-0674-C3D6CA3483F8}"/>
-              </a:ext>
-            </a:extLst>
-          </p:cNvPr>
-          <p:cNvSpPr>
-            <a:spLocks noGrp="1"/>
-          </p:cNvSpPr>
-          <p:nvPr>
-            <p:ph type="body" idx="11"/>
-          </p:nvPr>
-        </p:nvSpPr>
-        <p:spPr/>
-        <p:txBody>
-          <a:bodyPr/>
-          <a:lstStyle/>
-          <a:p>
-            <a:endParaRPr lang="en-GB"/>
-          </a:p>
-        </p:txBody>
-      </p:sp>
-      <p:sp>
-        <p:nvSpPr>
-          <p:cNvPr id="3" name="Textplatzhalter 2">
-            <a:extLst>
-              <a:ext uri="{FF2B5EF4-FFF2-40B4-BE49-F238E27FC236}">
-                <a16:creationId xmlns:a16="http://schemas.microsoft.com/office/drawing/2014/main" id="{EF29294F-99C7-DC8B-3428-F47525B2AB56}"/>
-              </a:ext>
-            </a:extLst>
-          </p:cNvPr>
-          <p:cNvSpPr>
-            <a:spLocks noGrp="1"/>
-          </p:cNvSpPr>
-          <p:nvPr>
-            <p:ph type="body" sz="quarter" idx="12"/>
-          </p:nvPr>
-        </p:nvSpPr>
-        <p:spPr/>
-        <p:txBody>
-          <a:bodyPr/>
-          <a:lstStyle/>
-          <a:p>
-            <a:pPr marL="342900" indent="-342900">
-              <a:buFont typeface="Arial" panose="020B0604020202020204" pitchFamily="34" charset="0"/>
-              <a:buChar char="•"/>
-            </a:pPr>
-            <a:r>
-              <a:rPr lang="de-CH" dirty="0"/>
-              <a:t>Environment</a:t>
-            </a:r>
-          </a:p>
-          <a:p>
-            <a:pPr marL="342900" indent="-342900">
-              <a:buFont typeface="Arial" panose="020B0604020202020204" pitchFamily="34" charset="0"/>
-              <a:buChar char="•"/>
-            </a:pPr>
-            <a:r>
-              <a:rPr lang="de-CH" dirty="0"/>
-              <a:t>Baseline </a:t>
-            </a:r>
-            <a:r>
-              <a:rPr lang="de-CH" dirty="0" err="1"/>
-              <a:t>results</a:t>
-            </a:r>
-            <a:endParaRPr lang="de-CH" dirty="0"/>
-          </a:p>
-          <a:p>
-            <a:pPr marL="342900" indent="-342900">
-              <a:buFont typeface="Arial" panose="020B0604020202020204" pitchFamily="34" charset="0"/>
-              <a:buChar char="•"/>
-            </a:pPr>
-            <a:r>
-              <a:rPr lang="en-GB" dirty="0"/>
-              <a:t>Preprocessing</a:t>
-            </a:r>
-          </a:p>
-          <a:p>
-            <a:pPr marL="342900" indent="-342900">
-              <a:buFont typeface="Arial" panose="020B0604020202020204" pitchFamily="34" charset="0"/>
-              <a:buChar char="•"/>
-            </a:pPr>
-            <a:r>
-              <a:rPr lang="en-GB" dirty="0"/>
-              <a:t>Further tuning</a:t>
-            </a:r>
-          </a:p>
-          <a:p>
-            <a:pPr marL="342900" indent="-342900">
-              <a:buFont typeface="Arial" panose="020B0604020202020204" pitchFamily="34" charset="0"/>
-              <a:buChar char="•"/>
-            </a:pPr>
-            <a:r>
-              <a:rPr lang="en-GB" dirty="0"/>
-              <a:t>Final results</a:t>
-            </a:r>
-          </a:p>
-          <a:p>
-            <a:pPr marL="342900" indent="-342900">
-              <a:buFont typeface="Arial" panose="020B0604020202020204" pitchFamily="34" charset="0"/>
-              <a:buChar char="•"/>
-            </a:pPr>
-            <a:r>
-              <a:rPr lang="en-GB" dirty="0">
-                <a:solidFill>
-                  <a:srgbClr val="FF0000"/>
-                </a:solidFill>
-              </a:rPr>
-              <a:t>Discussion</a:t>
-            </a:r>
-          </a:p>
-        </p:txBody>
-      </p:sp>
-      <p:sp>
-        <p:nvSpPr>
-          <p:cNvPr id="4" name="Textplatzhalter 3">
-            <a:extLst>
-              <a:ext uri="{FF2B5EF4-FFF2-40B4-BE49-F238E27FC236}">
-                <a16:creationId xmlns:a16="http://schemas.microsoft.com/office/drawing/2014/main" id="{64BF1BAE-298B-4934-F84A-FEF8B2E09DEB}"/>
-              </a:ext>
-            </a:extLst>
-          </p:cNvPr>
-          <p:cNvSpPr>
-            <a:spLocks noGrp="1"/>
-          </p:cNvSpPr>
-          <p:nvPr>
-            <p:ph type="body" sz="quarter" idx="14"/>
-          </p:nvPr>
-        </p:nvSpPr>
-        <p:spPr/>
-        <p:txBody>
-          <a:bodyPr/>
-          <a:lstStyle/>
-          <a:p>
-            <a:endParaRPr lang="en-GB"/>
-          </a:p>
-        </p:txBody>
-      </p:sp>
-      <p:sp>
-        <p:nvSpPr>
-          <p:cNvPr id="5" name="Textplatzhalter 4">
-            <a:extLst>
-              <a:ext uri="{FF2B5EF4-FFF2-40B4-BE49-F238E27FC236}">
-                <a16:creationId xmlns:a16="http://schemas.microsoft.com/office/drawing/2014/main" id="{95B122C0-A78B-02E0-04E5-95F69BBEF48D}"/>
-              </a:ext>
-            </a:extLst>
-          </p:cNvPr>
-          <p:cNvSpPr>
-            <a:spLocks noGrp="1"/>
-          </p:cNvSpPr>
-          <p:nvPr>
-            <p:ph type="body" sz="quarter" idx="20"/>
-          </p:nvPr>
-        </p:nvSpPr>
-        <p:spPr/>
-        <p:txBody>
-          <a:bodyPr/>
-          <a:lstStyle/>
-          <a:p>
-            <a:endParaRPr lang="en-GB"/>
-          </a:p>
-        </p:txBody>
-      </p:sp>
-      <p:sp>
-        <p:nvSpPr>
-          <p:cNvPr id="6" name="Titel 5">
-            <a:extLst>
-              <a:ext uri="{FF2B5EF4-FFF2-40B4-BE49-F238E27FC236}">
-                <a16:creationId xmlns:a16="http://schemas.microsoft.com/office/drawing/2014/main" id="{94CDB2C8-9321-68C5-2C0A-8EC29894AD56}"/>
-              </a:ext>
-            </a:extLst>
-          </p:cNvPr>
-          <p:cNvSpPr>
-            <a:spLocks noGrp="1"/>
-          </p:cNvSpPr>
-          <p:nvPr>
-            <p:ph type="title"/>
-          </p:nvPr>
-        </p:nvSpPr>
-        <p:spPr>
-          <a:xfrm>
-            <a:off x="540000" y="680400"/>
-            <a:ext cx="7020000" cy="820738"/>
-          </a:xfrm>
-        </p:spPr>
-        <p:txBody>
-          <a:bodyPr/>
-          <a:lstStyle/>
-          <a:p>
-            <a:r>
-              <a:rPr lang="en-GB" dirty="0">
-                <a:solidFill>
-                  <a:srgbClr val="FF0000"/>
-                </a:solidFill>
-              </a:rPr>
-              <a:t>Discussion</a:t>
-            </a:r>
-            <a:br>
-              <a:rPr lang="en-GB" dirty="0">
-                <a:solidFill>
-                  <a:srgbClr val="FF0000"/>
-                </a:solidFill>
-              </a:rPr>
-            </a:br>
-            <a:endParaRPr lang="en-GB" dirty="0">
-              <a:solidFill>
-                <a:srgbClr val="FF0000"/>
-              </a:solidFill>
-            </a:endParaRPr>
-          </a:p>
-        </p:txBody>
-      </p:sp>
-      <p:sp>
-        <p:nvSpPr>
-          <p:cNvPr id="7" name="Foliennummernplatzhalter 6">
-            <a:extLst>
-              <a:ext uri="{FF2B5EF4-FFF2-40B4-BE49-F238E27FC236}">
-                <a16:creationId xmlns:a16="http://schemas.microsoft.com/office/drawing/2014/main" id="{C19F6723-E4EF-C438-1DA3-D14924AE9F85}"/>
-              </a:ext>
-            </a:extLst>
-          </p:cNvPr>
-          <p:cNvSpPr>
-            <a:spLocks noGrp="1"/>
-          </p:cNvSpPr>
-          <p:nvPr>
-            <p:ph type="sldNum" sz="quarter" idx="21"/>
-          </p:nvPr>
-        </p:nvSpPr>
-        <p:spPr/>
-        <p:txBody>
-          <a:bodyPr/>
-          <a:lstStyle/>
-          <a:p>
-            <a:fld id="{16AB2C14-F465-F643-BD65-D6125390A9E0}" type="slidenum">
-              <a:rPr lang="de-DE" smtClean="0"/>
-              <a:t>22</a:t>
-            </a:fld>
-            <a:endParaRPr lang="de-DE"/>
-          </a:p>
-        </p:txBody>
-      </p:sp>
-    </p:spTree>
-    <p:extLst>
-      <p:ext uri="{BB962C8B-B14F-4D97-AF65-F5344CB8AC3E}">
-        <p14:creationId xmlns:p14="http://schemas.microsoft.com/office/powerpoint/2010/main" val="1133864350"/>
-      </p:ext>
-    </p:extLst>
-  </p:cSld>
-  <p:clrMapOvr>
-    <a:masterClrMapping/>
-  </p:clrMapOvr>
-</p:sld>
-</file>
-
 <file path=ppt/slides/slide23.xml><?xml version="1.0" encoding="utf-8"?>
 <p:sld xmlns:a="http://schemas.openxmlformats.org/drawingml/2006/main" xmlns:r="http://schemas.openxmlformats.org/officeDocument/2006/relationships" xmlns:p="http://schemas.openxmlformats.org/presentationml/2006/main">
   <p:cSld>
@@ -26303,7 +26640,7 @@
           <p:cNvPr id="2" name="Textplatzhalter 1">
             <a:extLst>
               <a:ext uri="{FF2B5EF4-FFF2-40B4-BE49-F238E27FC236}">
-                <a16:creationId xmlns:a16="http://schemas.microsoft.com/office/drawing/2014/main" id="{1DB8F218-4B63-D5E5-7013-870444469D05}"/>
+                <a16:creationId xmlns:a16="http://schemas.microsoft.com/office/drawing/2014/main" id="{15CA7CE6-A06F-8AFE-0674-C3D6CA3483F8}"/>
               </a:ext>
             </a:extLst>
           </p:cNvPr>
@@ -26328,7 +26665,7 @@
           <p:cNvPr id="3" name="Textplatzhalter 2">
             <a:extLst>
               <a:ext uri="{FF2B5EF4-FFF2-40B4-BE49-F238E27FC236}">
-                <a16:creationId xmlns:a16="http://schemas.microsoft.com/office/drawing/2014/main" id="{65C54322-3AFB-6B90-7991-F5DCF32419DC}"/>
+                <a16:creationId xmlns:a16="http://schemas.microsoft.com/office/drawing/2014/main" id="{EF29294F-99C7-DC8B-3428-F47525B2AB56}"/>
               </a:ext>
             </a:extLst>
           </p:cNvPr>
@@ -26336,7 +26673,7 @@
             <a:spLocks noGrp="1"/>
           </p:cNvSpPr>
           <p:nvPr>
-            <p:ph type="body" sz="quarter" idx="16"/>
+            <p:ph type="body" sz="quarter" idx="12"/>
           </p:nvPr>
         </p:nvSpPr>
         <p:spPr/>
@@ -26344,11 +26681,73 @@
           <a:bodyPr/>
           <a:lstStyle/>
           <a:p>
+            <a:pPr marL="342900" indent="-342900">
+              <a:buFont typeface="Arial" panose="020B0604020202020204" pitchFamily="34" charset="0"/>
+              <a:buChar char="•"/>
+            </a:pPr>
             <a:r>
               <a:rPr lang="de-CH" dirty="0"/>
-              <a:t>  </a:t>
-            </a:r>
-            <a:endParaRPr lang="en-GB" dirty="0"/>
+              <a:t>Environment</a:t>
+            </a:r>
+          </a:p>
+          <a:p>
+            <a:pPr marL="342900" indent="-342900">
+              <a:buFont typeface="Arial" panose="020B0604020202020204" pitchFamily="34" charset="0"/>
+              <a:buChar char="•"/>
+            </a:pPr>
+            <a:r>
+              <a:rPr lang="de-CH" dirty="0"/>
+              <a:t>Baseline </a:t>
+            </a:r>
+            <a:r>
+              <a:rPr lang="de-CH" dirty="0" err="1"/>
+              <a:t>results</a:t>
+            </a:r>
+            <a:endParaRPr lang="de-CH" dirty="0"/>
+          </a:p>
+          <a:p>
+            <a:pPr marL="342900" indent="-342900">
+              <a:buFont typeface="Arial" panose="020B0604020202020204" pitchFamily="34" charset="0"/>
+              <a:buChar char="•"/>
+            </a:pPr>
+            <a:r>
+              <a:rPr lang="en-GB" dirty="0"/>
+              <a:t>Preprocessing</a:t>
+            </a:r>
+          </a:p>
+          <a:p>
+            <a:pPr marL="342900" indent="-342900">
+              <a:buFont typeface="Arial" panose="020B0604020202020204" pitchFamily="34" charset="0"/>
+              <a:buChar char="•"/>
+            </a:pPr>
+            <a:r>
+              <a:rPr lang="en-GB" dirty="0"/>
+              <a:t>Further tuning</a:t>
+            </a:r>
+          </a:p>
+          <a:p>
+            <a:pPr marL="342900" indent="-342900">
+              <a:buFont typeface="Arial" panose="020B0604020202020204" pitchFamily="34" charset="0"/>
+              <a:buChar char="•"/>
+            </a:pPr>
+            <a:r>
+              <a:rPr lang="en-GB" dirty="0"/>
+              <a:t>Final results</a:t>
+            </a:r>
+          </a:p>
+          <a:p>
+            <a:pPr marL="342900" indent="-342900">
+              <a:buFont typeface="Arial" panose="020B0604020202020204" pitchFamily="34" charset="0"/>
+              <a:buChar char="•"/>
+            </a:pPr>
+            <a:r>
+              <a:rPr lang="en-GB" dirty="0">
+                <a:solidFill>
+                  <a:srgbClr val="FF0000"/>
+                </a:solidFill>
+              </a:rPr>
+              <a:t>Discussion</a:t>
+            </a:r>
           </a:p>
         </p:txBody>
       </p:sp>
@@ -26357,7 +26756,7 @@
           <p:cNvPr id="4" name="Textplatzhalter 3">
             <a:extLst>
               <a:ext uri="{FF2B5EF4-FFF2-40B4-BE49-F238E27FC236}">
-                <a16:creationId xmlns:a16="http://schemas.microsoft.com/office/drawing/2014/main" id="{72D67A95-CBDB-2F4F-4B63-419F5AD03318}"/>
+                <a16:creationId xmlns:a16="http://schemas.microsoft.com/office/drawing/2014/main" id="{64BF1BAE-298B-4934-F84A-FEF8B2E09DEB}"/>
               </a:ext>
             </a:extLst>
           </p:cNvPr>
@@ -26365,7 +26764,7 @@
             <a:spLocks noGrp="1"/>
           </p:cNvSpPr>
           <p:nvPr>
-            <p:ph type="body" sz="quarter" idx="17"/>
+            <p:ph type="body" sz="quarter" idx="14"/>
           </p:nvPr>
         </p:nvSpPr>
         <p:spPr/>
@@ -26373,299 +26772,7 @@
           <a:bodyPr/>
           <a:lstStyle/>
           <a:p>
-            <a:pPr marL="285750" indent="-285750">
-              <a:buFont typeface="Arial" panose="020B0604020202020204" pitchFamily="34" charset="0"/>
-              <a:buChar char="•"/>
-            </a:pPr>
-            <a:r>
-              <a:rPr lang="de-CH" dirty="0"/>
-              <a:t>The </a:t>
-            </a:r>
-            <a:r>
-              <a:rPr lang="de-CH" dirty="0" err="1"/>
-              <a:t>scores</a:t>
-            </a:r>
-            <a:r>
-              <a:rPr lang="de-CH" dirty="0"/>
-              <a:t> </a:t>
-            </a:r>
-            <a:r>
-              <a:rPr lang="de-CH" dirty="0" err="1"/>
-              <a:t>are</a:t>
-            </a:r>
-            <a:r>
-              <a:rPr lang="de-CH" dirty="0"/>
-              <a:t> </a:t>
-            </a:r>
-            <a:r>
-              <a:rPr lang="de-CH" dirty="0" err="1"/>
-              <a:t>too</a:t>
-            </a:r>
-            <a:r>
-              <a:rPr lang="de-CH" dirty="0"/>
-              <a:t> </a:t>
-            </a:r>
-            <a:r>
-              <a:rPr lang="de-CH" dirty="0" err="1"/>
-              <a:t>low</a:t>
-            </a:r>
-            <a:r>
-              <a:rPr lang="de-CH" dirty="0"/>
-              <a:t> to </a:t>
-            </a:r>
-            <a:r>
-              <a:rPr lang="de-CH" dirty="0" err="1"/>
-              <a:t>be</a:t>
-            </a:r>
-            <a:r>
-              <a:rPr lang="de-CH" dirty="0"/>
-              <a:t> </a:t>
-            </a:r>
-            <a:r>
-              <a:rPr lang="de-CH" dirty="0" err="1"/>
-              <a:t>used</a:t>
-            </a:r>
-            <a:r>
-              <a:rPr lang="de-CH" dirty="0"/>
-              <a:t> in a real </a:t>
-            </a:r>
-            <a:r>
-              <a:rPr lang="de-CH" dirty="0" err="1"/>
-              <a:t>application</a:t>
-            </a:r>
-            <a:endParaRPr lang="de-CH" dirty="0"/>
-          </a:p>
-          <a:p>
-            <a:pPr marL="285750" indent="-285750">
-              <a:buFont typeface="Arial" panose="020B0604020202020204" pitchFamily="34" charset="0"/>
-              <a:buChar char="•"/>
-            </a:pPr>
-            <a:r>
-              <a:rPr lang="de-CH" dirty="0"/>
-              <a:t>Training on </a:t>
-            </a:r>
-            <a:r>
-              <a:rPr lang="de-CH" dirty="0" err="1"/>
-              <a:t>classes</a:t>
-            </a:r>
-            <a:r>
-              <a:rPr lang="de-CH" dirty="0"/>
-              <a:t> </a:t>
-            </a:r>
-            <a:r>
-              <a:rPr lang="de-CH" dirty="0" err="1"/>
-              <a:t>with</a:t>
-            </a:r>
-            <a:r>
-              <a:rPr lang="de-CH" dirty="0"/>
-              <a:t> </a:t>
-            </a:r>
-            <a:r>
-              <a:rPr lang="de-CH" dirty="0" err="1"/>
-              <a:t>six</a:t>
-            </a:r>
-            <a:r>
-              <a:rPr lang="de-CH" dirty="0"/>
-              <a:t> </a:t>
-            </a:r>
-            <a:r>
-              <a:rPr lang="de-CH" dirty="0" err="1"/>
-              <a:t>samples</a:t>
-            </a:r>
-            <a:r>
-              <a:rPr lang="de-CH" dirty="0"/>
-              <a:t> </a:t>
-            </a:r>
-            <a:r>
-              <a:rPr lang="de-CH" dirty="0" err="1"/>
-              <a:t>does</a:t>
-            </a:r>
-            <a:r>
-              <a:rPr lang="de-CH" dirty="0"/>
-              <a:t> not </a:t>
-            </a:r>
-            <a:r>
-              <a:rPr lang="de-CH" dirty="0" err="1"/>
-              <a:t>make</a:t>
-            </a:r>
-            <a:r>
-              <a:rPr lang="de-CH" dirty="0"/>
-              <a:t> sense </a:t>
-            </a:r>
-            <a:r>
-              <a:rPr lang="de-CH" dirty="0">
-                <a:sym typeface="Wingdings" panose="05000000000000000000" pitchFamily="2" charset="2"/>
-              </a:rPr>
-              <a:t></a:t>
-            </a:r>
-            <a:r>
-              <a:rPr lang="de-CH" dirty="0"/>
-              <a:t> </a:t>
-            </a:r>
-            <a:r>
-              <a:rPr lang="de-CH" dirty="0" err="1"/>
-              <a:t>need</a:t>
-            </a:r>
-            <a:r>
-              <a:rPr lang="de-CH" dirty="0"/>
-              <a:t> </a:t>
-            </a:r>
-            <a:r>
-              <a:rPr lang="de-CH" dirty="0" err="1"/>
-              <a:t>more</a:t>
-            </a:r>
-            <a:r>
-              <a:rPr lang="de-CH" dirty="0"/>
-              <a:t> </a:t>
-            </a:r>
-            <a:r>
-              <a:rPr lang="de-CH" dirty="0" err="1"/>
-              <a:t>data</a:t>
-            </a:r>
-            <a:r>
-              <a:rPr lang="de-CH" dirty="0"/>
-              <a:t> per </a:t>
-            </a:r>
-            <a:r>
-              <a:rPr lang="de-CH" dirty="0" err="1"/>
-              <a:t>class</a:t>
-            </a:r>
-            <a:r>
-              <a:rPr lang="de-CH" dirty="0"/>
-              <a:t> </a:t>
-            </a:r>
-            <a:r>
-              <a:rPr lang="de-CH" dirty="0" err="1"/>
-              <a:t>or</a:t>
-            </a:r>
-            <a:r>
-              <a:rPr lang="de-CH" dirty="0"/>
-              <a:t> (</a:t>
-            </a:r>
-            <a:r>
-              <a:rPr lang="de-CH" dirty="0" err="1"/>
-              <a:t>depending</a:t>
-            </a:r>
-            <a:r>
-              <a:rPr lang="de-CH" dirty="0"/>
-              <a:t> on </a:t>
-            </a:r>
-            <a:r>
-              <a:rPr lang="de-CH" dirty="0" err="1"/>
-              <a:t>application</a:t>
-            </a:r>
-            <a:r>
-              <a:rPr lang="de-CH" dirty="0"/>
-              <a:t>) </a:t>
-            </a:r>
-            <a:r>
-              <a:rPr lang="de-CH" dirty="0" err="1"/>
-              <a:t>merge</a:t>
-            </a:r>
-            <a:r>
-              <a:rPr lang="de-CH" dirty="0"/>
-              <a:t> </a:t>
-            </a:r>
-            <a:r>
-              <a:rPr lang="de-CH" dirty="0" err="1"/>
-              <a:t>similar</a:t>
-            </a:r>
-            <a:r>
-              <a:rPr lang="de-CH" dirty="0"/>
-              <a:t> </a:t>
-            </a:r>
-            <a:r>
-              <a:rPr lang="de-CH" dirty="0" err="1"/>
-              <a:t>classes</a:t>
-            </a:r>
-            <a:r>
-              <a:rPr lang="de-CH" dirty="0"/>
-              <a:t>.</a:t>
-            </a:r>
-          </a:p>
-          <a:p>
-            <a:pPr marL="285750" indent="-285750">
-              <a:buFont typeface="Arial" panose="020B0604020202020204" pitchFamily="34" charset="0"/>
-              <a:buChar char="•"/>
-            </a:pPr>
-            <a:r>
-              <a:rPr lang="de-CH" dirty="0"/>
-              <a:t>Data: </a:t>
-            </a:r>
-            <a:r>
-              <a:rPr lang="de-CH" dirty="0" err="1"/>
-              <a:t>hard</a:t>
-            </a:r>
-            <a:r>
-              <a:rPr lang="de-CH" dirty="0"/>
-              <a:t> to get in </a:t>
-            </a:r>
-            <a:r>
-              <a:rPr lang="de-CH" dirty="0" err="1"/>
-              <a:t>medical</a:t>
-            </a:r>
-            <a:r>
-              <a:rPr lang="de-CH" dirty="0"/>
-              <a:t> </a:t>
-            </a:r>
-            <a:r>
-              <a:rPr lang="de-CH" dirty="0" err="1"/>
-              <a:t>domain</a:t>
-            </a:r>
-            <a:endParaRPr lang="de-CH" dirty="0"/>
-          </a:p>
-          <a:p>
-            <a:pPr marL="285750" indent="-285750">
-              <a:buFont typeface="Arial" panose="020B0604020202020204" pitchFamily="34" charset="0"/>
-              <a:buChar char="•"/>
-            </a:pPr>
-            <a:r>
-              <a:rPr lang="de-CH" dirty="0"/>
-              <a:t>Baseline: </a:t>
-            </a:r>
-            <a:r>
-              <a:rPr lang="de-CH" dirty="0" err="1"/>
-              <a:t>use</a:t>
-            </a:r>
-            <a:r>
-              <a:rPr lang="de-CH" dirty="0"/>
-              <a:t> naive </a:t>
-            </a:r>
-            <a:r>
-              <a:rPr lang="de-CH" dirty="0" err="1"/>
-              <a:t>bayes</a:t>
-            </a:r>
-            <a:r>
-              <a:rPr lang="de-CH" dirty="0"/>
-              <a:t> to </a:t>
-            </a:r>
-            <a:r>
-              <a:rPr lang="de-CH" dirty="0" err="1"/>
-              <a:t>see</a:t>
-            </a:r>
-            <a:r>
-              <a:rPr lang="de-CH" dirty="0"/>
-              <a:t> </a:t>
-            </a:r>
-            <a:r>
-              <a:rPr lang="de-CH" dirty="0" err="1"/>
-              <a:t>performance</a:t>
-            </a:r>
-            <a:r>
-              <a:rPr lang="de-CH" dirty="0"/>
-              <a:t> (boost?) of BERT</a:t>
-            </a:r>
-          </a:p>
-          <a:p>
-            <a:pPr marL="285750" indent="-285750">
-              <a:buFont typeface="Arial" panose="020B0604020202020204" pitchFamily="34" charset="0"/>
-              <a:buChar char="•"/>
-            </a:pPr>
-            <a:endParaRPr lang="en-GB" dirty="0">
-              <a:solidFill>
-                <a:srgbClr val="FF0000"/>
-              </a:solidFill>
-            </a:endParaRPr>
+            <a:endParaRPr lang="en-GB"/>
           </a:p>
         </p:txBody>
       </p:sp>
@@ -26674,88 +26781,7 @@
           <p:cNvPr id="5" name="Textplatzhalter 4">
             <a:extLst>
               <a:ext uri="{FF2B5EF4-FFF2-40B4-BE49-F238E27FC236}">
-                <a16:creationId xmlns:a16="http://schemas.microsoft.com/office/drawing/2014/main" id="{6AE83D62-EA49-C6B9-C69D-E06D2D5FB1BD}"/>
-              </a:ext>
-            </a:extLst>
-          </p:cNvPr>
-          <p:cNvSpPr>
-            <a:spLocks noGrp="1"/>
-          </p:cNvSpPr>
-          <p:nvPr>
-            <p:ph type="body" sz="quarter" idx="18"/>
-          </p:nvPr>
-        </p:nvSpPr>
-        <p:spPr/>
-        <p:txBody>
-          <a:bodyPr/>
-          <a:lstStyle/>
-          <a:p>
-            <a:endParaRPr lang="en-GB"/>
-          </a:p>
-        </p:txBody>
-      </p:sp>
-      <p:sp>
-        <p:nvSpPr>
-          <p:cNvPr id="6" name="Textplatzhalter 5">
-            <a:extLst>
-              <a:ext uri="{FF2B5EF4-FFF2-40B4-BE49-F238E27FC236}">
-                <a16:creationId xmlns:a16="http://schemas.microsoft.com/office/drawing/2014/main" id="{C2378552-6982-B224-57A9-A5FE26C7ECB1}"/>
-              </a:ext>
-            </a:extLst>
-          </p:cNvPr>
-          <p:cNvSpPr>
-            <a:spLocks noGrp="1"/>
-          </p:cNvSpPr>
-          <p:nvPr>
-            <p:ph type="body" sz="quarter" idx="19"/>
-          </p:nvPr>
-        </p:nvSpPr>
-        <p:spPr>
-          <a:xfrm>
-            <a:off x="4878000" y="2133321"/>
-            <a:ext cx="3942472" cy="2340000"/>
-          </a:xfrm>
-        </p:spPr>
-        <p:txBody>
-          <a:bodyPr/>
-          <a:lstStyle/>
-          <a:p>
-            <a:endParaRPr lang="de-CH" dirty="0"/>
-          </a:p>
-          <a:p>
-            <a:endParaRPr lang="en-GB" dirty="0"/>
-          </a:p>
-          <a:p>
-            <a:endParaRPr lang="en-GB" dirty="0"/>
-          </a:p>
-          <a:p>
-            <a:endParaRPr lang="en-GB" dirty="0"/>
-          </a:p>
-          <a:p>
-            <a:endParaRPr lang="en-GB" dirty="0"/>
-          </a:p>
-          <a:p>
-            <a:br>
-              <a:rPr lang="en-GB" dirty="0">
-                <a:solidFill>
-                  <a:srgbClr val="FFC000"/>
-                </a:solidFill>
-              </a:rPr>
-            </a:br>
-            <a:endParaRPr lang="en-GB" dirty="0">
-              <a:solidFill>
-                <a:srgbClr val="FFC000"/>
-              </a:solidFill>
-            </a:endParaRPr>
-          </a:p>
-        </p:txBody>
-      </p:sp>
-      <p:sp>
-        <p:nvSpPr>
-          <p:cNvPr id="7" name="Textplatzhalter 6">
-            <a:extLst>
-              <a:ext uri="{FF2B5EF4-FFF2-40B4-BE49-F238E27FC236}">
-                <a16:creationId xmlns:a16="http://schemas.microsoft.com/office/drawing/2014/main" id="{135E24DA-EE7E-10D6-F90B-56D3C65D4D9F}"/>
+                <a16:creationId xmlns:a16="http://schemas.microsoft.com/office/drawing/2014/main" id="{95B122C0-A78B-02E0-04E5-95F69BBEF48D}"/>
               </a:ext>
             </a:extLst>
           </p:cNvPr>
@@ -26777,10 +26803,10 @@
       </p:sp>
       <p:sp>
         <p:nvSpPr>
-          <p:cNvPr id="8" name="Titel 7">
+          <p:cNvPr id="6" name="Titel 5">
             <a:extLst>
               <a:ext uri="{FF2B5EF4-FFF2-40B4-BE49-F238E27FC236}">
-                <a16:creationId xmlns:a16="http://schemas.microsoft.com/office/drawing/2014/main" id="{47E7FE34-E313-80E1-3542-E7E7C9E83C35}"/>
+                <a16:creationId xmlns:a16="http://schemas.microsoft.com/office/drawing/2014/main" id="{94CDB2C8-9321-68C5-2C0A-8EC29894AD56}"/>
               </a:ext>
             </a:extLst>
           </p:cNvPr>
@@ -26791,31 +26817,72 @@
             <p:ph type="title"/>
           </p:nvPr>
         </p:nvSpPr>
+        <p:spPr>
+          <a:xfrm>
+            <a:off x="540000" y="680400"/>
+            <a:ext cx="7020000" cy="820738"/>
+          </a:xfrm>
+        </p:spPr>
+        <p:txBody>
+          <a:bodyPr/>
+          <a:lstStyle/>
+          <a:p>
+            <a:r>
+              <a:rPr lang="en-GB" dirty="0">
+                <a:solidFill>
+                  <a:srgbClr val="FF0000"/>
+                </a:solidFill>
+              </a:rPr>
+              <a:t>Discussion</a:t>
+            </a:r>
+            <a:br>
+              <a:rPr lang="en-GB" dirty="0">
+                <a:solidFill>
+                  <a:srgbClr val="FF0000"/>
+                </a:solidFill>
+              </a:rPr>
+            </a:br>
+            <a:endParaRPr lang="en-GB" dirty="0">
+              <a:solidFill>
+                <a:srgbClr val="FF0000"/>
+              </a:solidFill>
+            </a:endParaRPr>
+          </a:p>
+        </p:txBody>
+      </p:sp>
+      <p:sp>
+        <p:nvSpPr>
+          <p:cNvPr id="7" name="Foliennummernplatzhalter 6">
+            <a:extLst>
+              <a:ext uri="{FF2B5EF4-FFF2-40B4-BE49-F238E27FC236}">
+                <a16:creationId xmlns:a16="http://schemas.microsoft.com/office/drawing/2014/main" id="{C19F6723-E4EF-C438-1DA3-D14924AE9F85}"/>
+              </a:ext>
+            </a:extLst>
+          </p:cNvPr>
+          <p:cNvSpPr>
+            <a:spLocks noGrp="1"/>
+          </p:cNvSpPr>
+          <p:nvPr>
+            <p:ph type="sldNum" sz="quarter" idx="21"/>
+          </p:nvPr>
+        </p:nvSpPr>
         <p:spPr/>
         <p:txBody>
           <a:bodyPr/>
           <a:lstStyle/>
           <a:p>
-            <a:r>
-              <a:rPr lang="de-CH" dirty="0" err="1"/>
-              <a:t>Discussing</a:t>
-            </a:r>
-            <a:r>
-              <a:rPr lang="de-CH" dirty="0"/>
-              <a:t> </a:t>
-            </a:r>
-            <a:r>
-              <a:rPr lang="de-CH" dirty="0" err="1"/>
-              <a:t>results</a:t>
-            </a:r>
-            <a:endParaRPr lang="en-GB" dirty="0"/>
+            <a:fld id="{16AB2C14-F465-F643-BD65-D6125390A9E0}" type="slidenum">
+              <a:rPr lang="de-DE" smtClean="0"/>
+              <a:t>23</a:t>
+            </a:fld>
+            <a:endParaRPr lang="de-DE"/>
           </a:p>
         </p:txBody>
       </p:sp>
     </p:spTree>
     <p:extLst>
       <p:ext uri="{BB962C8B-B14F-4D97-AF65-F5344CB8AC3E}">
-        <p14:creationId xmlns:p14="http://schemas.microsoft.com/office/powerpoint/2010/main" val="113158588"/>
+        <p14:creationId xmlns:p14="http://schemas.microsoft.com/office/powerpoint/2010/main" val="1133864350"/>
       </p:ext>
     </p:extLst>
   </p:cSld>
@@ -26922,8 +26989,12 @@
               <a:buChar char="•"/>
             </a:pPr>
             <a:r>
+              <a:rPr lang="de-CH" dirty="0"/>
+              <a:t>The </a:t>
+            </a:r>
+            <a:r>
               <a:rPr lang="de-CH" dirty="0" err="1"/>
-              <a:t>Trying</a:t>
+              <a:t>scores</a:t>
             </a:r>
             <a:r>
               <a:rPr lang="de-CH" dirty="0"/>
@@ -26931,7 +27002,7 @@
             </a:r>
             <a:r>
               <a:rPr lang="de-CH" dirty="0" err="1"/>
-              <a:t>other</a:t>
+              <a:t>are</a:t>
             </a:r>
             <a:r>
               <a:rPr lang="de-CH" dirty="0"/>
@@ -26939,7 +27010,39 @@
             </a:r>
             <a:r>
               <a:rPr lang="de-CH" dirty="0" err="1"/>
-              <a:t>models</a:t>
+              <a:t>too</a:t>
+            </a:r>
+            <a:r>
+              <a:rPr lang="de-CH" dirty="0"/>
+              <a:t> </a:t>
+            </a:r>
+            <a:r>
+              <a:rPr lang="de-CH" dirty="0" err="1"/>
+              <a:t>low</a:t>
+            </a:r>
+            <a:r>
+              <a:rPr lang="de-CH" dirty="0"/>
+              <a:t> to </a:t>
+            </a:r>
+            <a:r>
+              <a:rPr lang="de-CH" dirty="0" err="1"/>
+              <a:t>be</a:t>
+            </a:r>
+            <a:r>
+              <a:rPr lang="de-CH" dirty="0"/>
+              <a:t> </a:t>
+            </a:r>
+            <a:r>
+              <a:rPr lang="de-CH" dirty="0" err="1"/>
+              <a:t>used</a:t>
+            </a:r>
+            <a:r>
+              <a:rPr lang="de-CH" dirty="0"/>
+              <a:t> in a real </a:t>
+            </a:r>
+            <a:r>
+              <a:rPr lang="de-CH" dirty="0" err="1"/>
+              <a:t>application</a:t>
             </a:r>
             <a:endParaRPr lang="de-CH" dirty="0"/>
           </a:p>
@@ -26949,8 +27052,12 @@
               <a:buChar char="•"/>
             </a:pPr>
             <a:r>
+              <a:rPr lang="de-CH" dirty="0"/>
+              <a:t>Training on </a:t>
+            </a:r>
+            <a:r>
               <a:rPr lang="de-CH" dirty="0" err="1"/>
-              <a:t>Increase</a:t>
+              <a:t>classes</a:t>
             </a:r>
             <a:r>
               <a:rPr lang="de-CH" dirty="0"/>
@@ -26958,7 +27065,7 @@
             </a:r>
             <a:r>
               <a:rPr lang="de-CH" dirty="0" err="1"/>
-              <a:t>training</a:t>
+              <a:t>with</a:t>
             </a:r>
             <a:r>
               <a:rPr lang="de-CH" dirty="0"/>
@@ -26966,7 +27073,7 @@
             </a:r>
             <a:r>
               <a:rPr lang="de-CH" dirty="0" err="1"/>
-              <a:t>size</a:t>
+              <a:t>six</a:t>
             </a:r>
             <a:r>
               <a:rPr lang="de-CH" dirty="0"/>
@@ -26974,7 +27081,7 @@
             </a:r>
             <a:r>
               <a:rPr lang="de-CH" dirty="0" err="1"/>
-              <a:t>with</a:t>
+              <a:t>samples</a:t>
             </a:r>
             <a:r>
               <a:rPr lang="de-CH" dirty="0"/>
@@ -26982,11 +27089,109 @@
             </a:r>
             <a:r>
               <a:rPr lang="de-CH" dirty="0" err="1"/>
-              <a:t>cross</a:t>
+              <a:t>does</a:t>
             </a:r>
             <a:r>
               <a:rPr lang="de-CH" dirty="0"/>
-              <a:t>-validation</a:t>
+              <a:t> not </a:t>
+            </a:r>
+            <a:r>
+              <a:rPr lang="de-CH" dirty="0" err="1"/>
+              <a:t>make</a:t>
+            </a:r>
+            <a:r>
+              <a:rPr lang="de-CH" dirty="0"/>
+              <a:t> sense </a:t>
+            </a:r>
+            <a:r>
+              <a:rPr lang="de-CH" dirty="0">
+                <a:sym typeface="Wingdings" panose="05000000000000000000" pitchFamily="2" charset="2"/>
+              </a:rPr>
+              <a:t></a:t>
+            </a:r>
+            <a:r>
+              <a:rPr lang="de-CH" dirty="0"/>
+              <a:t> </a:t>
+            </a:r>
+            <a:r>
+              <a:rPr lang="de-CH" dirty="0" err="1"/>
+              <a:t>need</a:t>
+            </a:r>
+            <a:r>
+              <a:rPr lang="de-CH" dirty="0"/>
+              <a:t> </a:t>
+            </a:r>
+            <a:r>
+              <a:rPr lang="de-CH" dirty="0" err="1"/>
+              <a:t>more</a:t>
+            </a:r>
+            <a:r>
+              <a:rPr lang="de-CH" dirty="0"/>
+              <a:t> </a:t>
+            </a:r>
+            <a:r>
+              <a:rPr lang="de-CH" dirty="0" err="1"/>
+              <a:t>data</a:t>
+            </a:r>
+            <a:r>
+              <a:rPr lang="de-CH" dirty="0"/>
+              <a:t> per </a:t>
+            </a:r>
+            <a:r>
+              <a:rPr lang="de-CH" dirty="0" err="1"/>
+              <a:t>class</a:t>
+            </a:r>
+            <a:r>
+              <a:rPr lang="de-CH" dirty="0"/>
+              <a:t> </a:t>
+            </a:r>
+            <a:r>
+              <a:rPr lang="de-CH" dirty="0" err="1"/>
+              <a:t>or</a:t>
+            </a:r>
+            <a:r>
+              <a:rPr lang="de-CH" dirty="0"/>
+              <a:t> (</a:t>
+            </a:r>
+            <a:r>
+              <a:rPr lang="de-CH" dirty="0" err="1"/>
+              <a:t>depending</a:t>
+            </a:r>
+            <a:r>
+              <a:rPr lang="de-CH" dirty="0"/>
+              <a:t> on </a:t>
+            </a:r>
+            <a:r>
+              <a:rPr lang="de-CH" dirty="0" err="1"/>
+              <a:t>application</a:t>
+            </a:r>
+            <a:r>
+              <a:rPr lang="de-CH" dirty="0"/>
+              <a:t>) </a:t>
+            </a:r>
+            <a:r>
+              <a:rPr lang="de-CH" dirty="0" err="1"/>
+              <a:t>merge</a:t>
+            </a:r>
+            <a:r>
+              <a:rPr lang="de-CH" dirty="0"/>
+              <a:t> </a:t>
+            </a:r>
+            <a:r>
+              <a:rPr lang="de-CH" dirty="0" err="1"/>
+              <a:t>similar</a:t>
+            </a:r>
+            <a:r>
+              <a:rPr lang="de-CH" dirty="0"/>
+              <a:t> </a:t>
+            </a:r>
+            <a:r>
+              <a:rPr lang="de-CH" dirty="0" err="1"/>
+              <a:t>classes</a:t>
+            </a:r>
+            <a:r>
+              <a:rPr lang="de-CH" dirty="0"/>
+              <a:t>.</a:t>
             </a:r>
           </a:p>
           <a:p>
@@ -26996,11 +27201,19 @@
             </a:pPr>
             <a:r>
               <a:rPr lang="de-CH" dirty="0"/>
-              <a:t>Other </a:t>
+              <a:t>Data: </a:t>
             </a:r>
             <a:r>
               <a:rPr lang="de-CH" dirty="0" err="1"/>
-              <a:t>preprocessing</a:t>
+              <a:t>hard</a:t>
+            </a:r>
+            <a:r>
+              <a:rPr lang="de-CH" dirty="0"/>
+              <a:t> to get in </a:t>
+            </a:r>
+            <a:r>
+              <a:rPr lang="de-CH" dirty="0" err="1"/>
+              <a:t>medical</a:t>
             </a:r>
             <a:r>
               <a:rPr lang="de-CH" dirty="0"/>
@@ -27008,7 +27221,7 @@
             </a:r>
             <a:r>
               <a:rPr lang="de-CH" dirty="0" err="1"/>
-              <a:t>steps</a:t>
+              <a:t>domain</a:t>
             </a:r>
             <a:endParaRPr lang="de-CH" dirty="0"/>
           </a:p>
@@ -27018,18 +27231,52 @@
               <a:buChar char="•"/>
             </a:pPr>
             <a:r>
+              <a:rPr lang="de-CH" dirty="0"/>
+              <a:t>Baseline: </a:t>
+            </a:r>
+            <a:r>
               <a:rPr lang="de-CH" dirty="0" err="1"/>
-              <a:t>Comparing</a:t>
+              <a:t>use</a:t>
             </a:r>
             <a:r>
               <a:rPr lang="de-CH" dirty="0"/>
-              <a:t> to non-BERT </a:t>
+              <a:t> naive </a:t>
             </a:r>
             <a:r>
               <a:rPr lang="de-CH" dirty="0" err="1"/>
-              <a:t>baseline</a:t>
-            </a:r>
-            <a:endParaRPr lang="en-GB" dirty="0"/>
+              <a:t>bayes</a:t>
+            </a:r>
+            <a:r>
+              <a:rPr lang="de-CH" dirty="0"/>
+              <a:t> to </a:t>
+            </a:r>
+            <a:r>
+              <a:rPr lang="de-CH" dirty="0" err="1"/>
+              <a:t>see</a:t>
+            </a:r>
+            <a:r>
+              <a:rPr lang="de-CH" dirty="0"/>
+              <a:t> </a:t>
+            </a:r>
+            <a:r>
+              <a:rPr lang="de-CH" dirty="0" err="1"/>
+              <a:t>performance</a:t>
+            </a:r>
+            <a:r>
+              <a:rPr lang="de-CH" dirty="0"/>
+              <a:t> (boost?) of BERT</a:t>
+            </a:r>
+          </a:p>
+          <a:p>
+            <a:pPr marL="285750" indent="-285750">
+              <a:buFont typeface="Arial" panose="020B0604020202020204" pitchFamily="34" charset="0"/>
+              <a:buChar char="•"/>
+            </a:pPr>
+            <a:endParaRPr lang="en-GB" dirty="0">
+              <a:solidFill>
+                <a:srgbClr val="FF0000"/>
+              </a:solidFill>
+            </a:endParaRPr>
           </a:p>
         </p:txBody>
       </p:sp>
@@ -27099,12 +27346,6 @@
             <a:endParaRPr lang="en-GB" dirty="0"/>
           </a:p>
           <a:p>
-            <a:endParaRPr lang="en-GB" dirty="0"/>
-          </a:p>
-          <a:p>
-            <a:endParaRPr lang="en-GB" dirty="0"/>
-          </a:p>
-          <a:p>
             <a:br>
               <a:rPr lang="en-GB" dirty="0">
                 <a:solidFill>
@@ -27167,6 +27408,376 @@
           <a:lstStyle/>
           <a:p>
             <a:r>
+              <a:rPr lang="de-CH" dirty="0" err="1"/>
+              <a:t>Discussing</a:t>
+            </a:r>
+            <a:r>
+              <a:rPr lang="de-CH" dirty="0"/>
+              <a:t> </a:t>
+            </a:r>
+            <a:r>
+              <a:rPr lang="de-CH" dirty="0" err="1"/>
+              <a:t>results</a:t>
+            </a:r>
+            <a:endParaRPr lang="en-GB" dirty="0"/>
+          </a:p>
+        </p:txBody>
+      </p:sp>
+    </p:spTree>
+    <p:extLst>
+      <p:ext uri="{BB962C8B-B14F-4D97-AF65-F5344CB8AC3E}">
+        <p14:creationId xmlns:p14="http://schemas.microsoft.com/office/powerpoint/2010/main" val="113158588"/>
+      </p:ext>
+    </p:extLst>
+  </p:cSld>
+  <p:clrMapOvr>
+    <a:masterClrMapping/>
+  </p:clrMapOvr>
+</p:sld>
+</file>
+
+<file path=ppt/slides/slide25.xml><?xml version="1.0" encoding="utf-8"?>
+<p:sld xmlns:a="http://schemas.openxmlformats.org/drawingml/2006/main" xmlns:r="http://schemas.openxmlformats.org/officeDocument/2006/relationships" xmlns:p="http://schemas.openxmlformats.org/presentationml/2006/main">
+  <p:cSld>
+    <p:spTree>
+      <p:nvGrpSpPr>
+        <p:cNvPr id="1" name=""/>
+        <p:cNvGrpSpPr/>
+        <p:nvPr/>
+      </p:nvGrpSpPr>
+      <p:grpSpPr>
+        <a:xfrm>
+          <a:off x="0" y="0"/>
+          <a:ext cx="0" cy="0"/>
+          <a:chOff x="0" y="0"/>
+          <a:chExt cx="0" cy="0"/>
+        </a:xfrm>
+      </p:grpSpPr>
+      <p:sp>
+        <p:nvSpPr>
+          <p:cNvPr id="2" name="Textplatzhalter 1">
+            <a:extLst>
+              <a:ext uri="{FF2B5EF4-FFF2-40B4-BE49-F238E27FC236}">
+                <a16:creationId xmlns:a16="http://schemas.microsoft.com/office/drawing/2014/main" id="{1DB8F218-4B63-D5E5-7013-870444469D05}"/>
+              </a:ext>
+            </a:extLst>
+          </p:cNvPr>
+          <p:cNvSpPr>
+            <a:spLocks noGrp="1"/>
+          </p:cNvSpPr>
+          <p:nvPr>
+            <p:ph type="body" idx="11"/>
+          </p:nvPr>
+        </p:nvSpPr>
+        <p:spPr/>
+        <p:txBody>
+          <a:bodyPr/>
+          <a:lstStyle/>
+          <a:p>
+            <a:endParaRPr lang="en-GB"/>
+          </a:p>
+        </p:txBody>
+      </p:sp>
+      <p:sp>
+        <p:nvSpPr>
+          <p:cNvPr id="3" name="Textplatzhalter 2">
+            <a:extLst>
+              <a:ext uri="{FF2B5EF4-FFF2-40B4-BE49-F238E27FC236}">
+                <a16:creationId xmlns:a16="http://schemas.microsoft.com/office/drawing/2014/main" id="{65C54322-3AFB-6B90-7991-F5DCF32419DC}"/>
+              </a:ext>
+            </a:extLst>
+          </p:cNvPr>
+          <p:cNvSpPr>
+            <a:spLocks noGrp="1"/>
+          </p:cNvSpPr>
+          <p:nvPr>
+            <p:ph type="body" sz="quarter" idx="16"/>
+          </p:nvPr>
+        </p:nvSpPr>
+        <p:spPr/>
+        <p:txBody>
+          <a:bodyPr/>
+          <a:lstStyle/>
+          <a:p>
+            <a:r>
+              <a:rPr lang="de-CH" dirty="0"/>
+              <a:t>  </a:t>
+            </a:r>
+            <a:endParaRPr lang="en-GB" dirty="0"/>
+          </a:p>
+        </p:txBody>
+      </p:sp>
+      <p:sp>
+        <p:nvSpPr>
+          <p:cNvPr id="4" name="Textplatzhalter 3">
+            <a:extLst>
+              <a:ext uri="{FF2B5EF4-FFF2-40B4-BE49-F238E27FC236}">
+                <a16:creationId xmlns:a16="http://schemas.microsoft.com/office/drawing/2014/main" id="{72D67A95-CBDB-2F4F-4B63-419F5AD03318}"/>
+              </a:ext>
+            </a:extLst>
+          </p:cNvPr>
+          <p:cNvSpPr>
+            <a:spLocks noGrp="1"/>
+          </p:cNvSpPr>
+          <p:nvPr>
+            <p:ph type="body" sz="quarter" idx="17"/>
+          </p:nvPr>
+        </p:nvSpPr>
+        <p:spPr/>
+        <p:txBody>
+          <a:bodyPr/>
+          <a:lstStyle/>
+          <a:p>
+            <a:pPr marL="285750" indent="-285750">
+              <a:buFont typeface="Arial" panose="020B0604020202020204" pitchFamily="34" charset="0"/>
+              <a:buChar char="•"/>
+            </a:pPr>
+            <a:r>
+              <a:rPr lang="de-CH" dirty="0" err="1"/>
+              <a:t>Trying</a:t>
+            </a:r>
+            <a:r>
+              <a:rPr lang="de-CH" dirty="0"/>
+              <a:t> </a:t>
+            </a:r>
+            <a:r>
+              <a:rPr lang="de-CH" dirty="0" err="1"/>
+              <a:t>other</a:t>
+            </a:r>
+            <a:r>
+              <a:rPr lang="de-CH" dirty="0"/>
+              <a:t> </a:t>
+            </a:r>
+            <a:r>
+              <a:rPr lang="de-CH" dirty="0" err="1"/>
+              <a:t>models</a:t>
+            </a:r>
+            <a:endParaRPr lang="de-CH" dirty="0"/>
+          </a:p>
+          <a:p>
+            <a:pPr marL="285750" indent="-285750">
+              <a:buFont typeface="Arial" panose="020B0604020202020204" pitchFamily="34" charset="0"/>
+              <a:buChar char="•"/>
+            </a:pPr>
+            <a:r>
+              <a:rPr lang="de-CH" dirty="0" err="1"/>
+              <a:t>Increase</a:t>
+            </a:r>
+            <a:r>
+              <a:rPr lang="de-CH" dirty="0"/>
+              <a:t> </a:t>
+            </a:r>
+            <a:r>
+              <a:rPr lang="de-CH" dirty="0" err="1"/>
+              <a:t>training</a:t>
+            </a:r>
+            <a:r>
+              <a:rPr lang="de-CH" dirty="0"/>
+              <a:t> </a:t>
+            </a:r>
+            <a:r>
+              <a:rPr lang="de-CH" dirty="0" err="1"/>
+              <a:t>size</a:t>
+            </a:r>
+            <a:r>
+              <a:rPr lang="de-CH" dirty="0"/>
+              <a:t> </a:t>
+            </a:r>
+            <a:r>
+              <a:rPr lang="de-CH" dirty="0" err="1"/>
+              <a:t>with</a:t>
+            </a:r>
+            <a:r>
+              <a:rPr lang="de-CH" dirty="0"/>
+              <a:t> </a:t>
+            </a:r>
+            <a:r>
+              <a:rPr lang="de-CH" dirty="0" err="1"/>
+              <a:t>cross</a:t>
+            </a:r>
+            <a:r>
+              <a:rPr lang="de-CH" dirty="0"/>
+              <a:t>-validation</a:t>
+            </a:r>
+          </a:p>
+          <a:p>
+            <a:pPr marL="285750" indent="-285750">
+              <a:buFont typeface="Arial" panose="020B0604020202020204" pitchFamily="34" charset="0"/>
+              <a:buChar char="•"/>
+            </a:pPr>
+            <a:r>
+              <a:rPr lang="de-CH" dirty="0"/>
+              <a:t>Other </a:t>
+            </a:r>
+            <a:r>
+              <a:rPr lang="de-CH" dirty="0" err="1"/>
+              <a:t>preprocessing</a:t>
+            </a:r>
+            <a:r>
+              <a:rPr lang="de-CH" dirty="0"/>
+              <a:t> </a:t>
+            </a:r>
+            <a:r>
+              <a:rPr lang="de-CH" dirty="0" err="1"/>
+              <a:t>steps</a:t>
+            </a:r>
+            <a:endParaRPr lang="de-CH" dirty="0"/>
+          </a:p>
+          <a:p>
+            <a:pPr marL="285750" indent="-285750">
+              <a:buFont typeface="Arial" panose="020B0604020202020204" pitchFamily="34" charset="0"/>
+              <a:buChar char="•"/>
+            </a:pPr>
+            <a:r>
+              <a:rPr lang="de-CH" dirty="0" err="1"/>
+              <a:t>Comparing</a:t>
+            </a:r>
+            <a:r>
+              <a:rPr lang="de-CH" dirty="0"/>
+              <a:t> to non-BERT </a:t>
+            </a:r>
+            <a:r>
+              <a:rPr lang="de-CH" dirty="0" err="1"/>
+              <a:t>baseline</a:t>
+            </a:r>
+            <a:endParaRPr lang="en-GB" dirty="0"/>
+          </a:p>
+        </p:txBody>
+      </p:sp>
+      <p:sp>
+        <p:nvSpPr>
+          <p:cNvPr id="5" name="Textplatzhalter 4">
+            <a:extLst>
+              <a:ext uri="{FF2B5EF4-FFF2-40B4-BE49-F238E27FC236}">
+                <a16:creationId xmlns:a16="http://schemas.microsoft.com/office/drawing/2014/main" id="{6AE83D62-EA49-C6B9-C69D-E06D2D5FB1BD}"/>
+              </a:ext>
+            </a:extLst>
+          </p:cNvPr>
+          <p:cNvSpPr>
+            <a:spLocks noGrp="1"/>
+          </p:cNvSpPr>
+          <p:nvPr>
+            <p:ph type="body" sz="quarter" idx="18"/>
+          </p:nvPr>
+        </p:nvSpPr>
+        <p:spPr/>
+        <p:txBody>
+          <a:bodyPr/>
+          <a:lstStyle/>
+          <a:p>
+            <a:endParaRPr lang="en-GB"/>
+          </a:p>
+        </p:txBody>
+      </p:sp>
+      <p:sp>
+        <p:nvSpPr>
+          <p:cNvPr id="6" name="Textplatzhalter 5">
+            <a:extLst>
+              <a:ext uri="{FF2B5EF4-FFF2-40B4-BE49-F238E27FC236}">
+                <a16:creationId xmlns:a16="http://schemas.microsoft.com/office/drawing/2014/main" id="{C2378552-6982-B224-57A9-A5FE26C7ECB1}"/>
+              </a:ext>
+            </a:extLst>
+          </p:cNvPr>
+          <p:cNvSpPr>
+            <a:spLocks noGrp="1"/>
+          </p:cNvSpPr>
+          <p:nvPr>
+            <p:ph type="body" sz="quarter" idx="19"/>
+          </p:nvPr>
+        </p:nvSpPr>
+        <p:spPr>
+          <a:xfrm>
+            <a:off x="4878000" y="2133321"/>
+            <a:ext cx="3942472" cy="2340000"/>
+          </a:xfrm>
+        </p:spPr>
+        <p:txBody>
+          <a:bodyPr/>
+          <a:lstStyle/>
+          <a:p>
+            <a:endParaRPr lang="de-CH" dirty="0"/>
+          </a:p>
+          <a:p>
+            <a:endParaRPr lang="en-GB" dirty="0"/>
+          </a:p>
+          <a:p>
+            <a:endParaRPr lang="en-GB" dirty="0"/>
+          </a:p>
+          <a:p>
+            <a:endParaRPr lang="en-GB" dirty="0"/>
+          </a:p>
+          <a:p>
+            <a:endParaRPr lang="en-GB" dirty="0"/>
+          </a:p>
+          <a:p>
+            <a:endParaRPr lang="en-GB" dirty="0"/>
+          </a:p>
+          <a:p>
+            <a:endParaRPr lang="en-GB" dirty="0"/>
+          </a:p>
+          <a:p>
+            <a:br>
+              <a:rPr lang="en-GB" dirty="0">
+                <a:solidFill>
+                  <a:srgbClr val="FFC000"/>
+                </a:solidFill>
+              </a:rPr>
+            </a:br>
+            <a:endParaRPr lang="en-GB" dirty="0">
+              <a:solidFill>
+                <a:srgbClr val="FFC000"/>
+              </a:solidFill>
+            </a:endParaRPr>
+          </a:p>
+        </p:txBody>
+      </p:sp>
+      <p:sp>
+        <p:nvSpPr>
+          <p:cNvPr id="7" name="Textplatzhalter 6">
+            <a:extLst>
+              <a:ext uri="{FF2B5EF4-FFF2-40B4-BE49-F238E27FC236}">
+                <a16:creationId xmlns:a16="http://schemas.microsoft.com/office/drawing/2014/main" id="{135E24DA-EE7E-10D6-F90B-56D3C65D4D9F}"/>
+              </a:ext>
+            </a:extLst>
+          </p:cNvPr>
+          <p:cNvSpPr>
+            <a:spLocks noGrp="1"/>
+          </p:cNvSpPr>
+          <p:nvPr>
+            <p:ph type="body" sz="quarter" idx="20"/>
+          </p:nvPr>
+        </p:nvSpPr>
+        <p:spPr/>
+        <p:txBody>
+          <a:bodyPr/>
+          <a:lstStyle/>
+          <a:p>
+            <a:endParaRPr lang="en-GB"/>
+          </a:p>
+        </p:txBody>
+      </p:sp>
+      <p:sp>
+        <p:nvSpPr>
+          <p:cNvPr id="8" name="Titel 7">
+            <a:extLst>
+              <a:ext uri="{FF2B5EF4-FFF2-40B4-BE49-F238E27FC236}">
+                <a16:creationId xmlns:a16="http://schemas.microsoft.com/office/drawing/2014/main" id="{47E7FE34-E313-80E1-3542-E7E7C9E83C35}"/>
+              </a:ext>
+            </a:extLst>
+          </p:cNvPr>
+          <p:cNvSpPr>
+            <a:spLocks noGrp="1"/>
+          </p:cNvSpPr>
+          <p:nvPr>
+            <p:ph type="title"/>
+          </p:nvPr>
+        </p:nvSpPr>
+        <p:spPr/>
+        <p:txBody>
+          <a:bodyPr/>
+          <a:lstStyle/>
+          <a:p>
+            <a:r>
               <a:rPr lang="de-CH" dirty="0"/>
               <a:t>Further </a:t>
             </a:r>
@@ -27191,7 +27802,7 @@
 </p:sld>
 </file>
 
-<file path=ppt/slides/slide25.xml><?xml version="1.0" encoding="utf-8"?>
+<file path=ppt/slides/slide26.xml><?xml version="1.0" encoding="utf-8"?>
 <p:sld xmlns:a="http://schemas.openxmlformats.org/drawingml/2006/main" xmlns:r="http://schemas.openxmlformats.org/officeDocument/2006/relationships" xmlns:p="http://schemas.openxmlformats.org/presentationml/2006/main">
   <p:cSld>
     <p:spTree>
@@ -27511,7 +28122,7 @@
 </p:sld>
 </file>
 
-<file path=ppt/slides/slide26.xml><?xml version="1.0" encoding="utf-8"?>
+<file path=ppt/slides/slide27.xml><?xml version="1.0" encoding="utf-8"?>
 <p:sld xmlns:a="http://schemas.openxmlformats.org/drawingml/2006/main" xmlns:r="http://schemas.openxmlformats.org/officeDocument/2006/relationships" xmlns:p="http://schemas.openxmlformats.org/presentationml/2006/main">
   <p:cSld>
     <p:spTree>
@@ -30019,12 +30630,8 @@
           <a:lstStyle/>
           <a:p>
             <a:r>
-              <a:rPr lang="de-CH" dirty="0" err="1"/>
-              <a:t>Result</a:t>
-            </a:r>
-            <a:r>
               <a:rPr lang="de-CH" dirty="0"/>
-              <a:t> </a:t>
+              <a:t>BERT </a:t>
             </a:r>
             <a:r>
               <a:rPr lang="de-CH" dirty="0" err="1"/>
